--- a/doku/präsentation nicht komplett/vCity-Präsentation.pptx
+++ b/doku/präsentation nicht komplett/vCity-Präsentation.pptx
@@ -5,7 +5,7 @@
     <p:sldMasterId id="2147483708" r:id="rId1"/>
   </p:sldMasterIdLst>
   <p:notesMasterIdLst>
-    <p:notesMasterId r:id="rId72"/>
+    <p:notesMasterId r:id="rId77"/>
   </p:notesMasterIdLst>
   <p:sldIdLst>
     <p:sldId id="256" r:id="rId2"/>
@@ -24,60 +24,65 @@
     <p:sldId id="295" r:id="rId15"/>
     <p:sldId id="301" r:id="rId16"/>
     <p:sldId id="300" r:id="rId17"/>
-    <p:sldId id="317" r:id="rId18"/>
-    <p:sldId id="318" r:id="rId19"/>
-    <p:sldId id="319" r:id="rId20"/>
-    <p:sldId id="320" r:id="rId21"/>
-    <p:sldId id="321" r:id="rId22"/>
-    <p:sldId id="322" r:id="rId23"/>
-    <p:sldId id="323" r:id="rId24"/>
-    <p:sldId id="324" r:id="rId25"/>
-    <p:sldId id="325" r:id="rId26"/>
-    <p:sldId id="326" r:id="rId27"/>
-    <p:sldId id="327" r:id="rId28"/>
-    <p:sldId id="328" r:id="rId29"/>
-    <p:sldId id="329" r:id="rId30"/>
-    <p:sldId id="296" r:id="rId31"/>
-    <p:sldId id="297" r:id="rId32"/>
-    <p:sldId id="298" r:id="rId33"/>
-    <p:sldId id="304" r:id="rId34"/>
-    <p:sldId id="302" r:id="rId35"/>
-    <p:sldId id="305" r:id="rId36"/>
-    <p:sldId id="291" r:id="rId37"/>
-    <p:sldId id="272" r:id="rId38"/>
-    <p:sldId id="278" r:id="rId39"/>
-    <p:sldId id="273" r:id="rId40"/>
-    <p:sldId id="274" r:id="rId41"/>
-    <p:sldId id="275" r:id="rId42"/>
-    <p:sldId id="276" r:id="rId43"/>
-    <p:sldId id="277" r:id="rId44"/>
-    <p:sldId id="279" r:id="rId45"/>
-    <p:sldId id="269" r:id="rId46"/>
-    <p:sldId id="271" r:id="rId47"/>
-    <p:sldId id="257" r:id="rId48"/>
-    <p:sldId id="258" r:id="rId49"/>
-    <p:sldId id="259" r:id="rId50"/>
-    <p:sldId id="260" r:id="rId51"/>
-    <p:sldId id="261" r:id="rId52"/>
-    <p:sldId id="262" r:id="rId53"/>
-    <p:sldId id="263" r:id="rId54"/>
-    <p:sldId id="264" r:id="rId55"/>
-    <p:sldId id="265" r:id="rId56"/>
-    <p:sldId id="266" r:id="rId57"/>
-    <p:sldId id="267" r:id="rId58"/>
-    <p:sldId id="306" r:id="rId59"/>
-    <p:sldId id="314" r:id="rId60"/>
-    <p:sldId id="316" r:id="rId61"/>
-    <p:sldId id="313" r:id="rId62"/>
-    <p:sldId id="315" r:id="rId63"/>
-    <p:sldId id="310" r:id="rId64"/>
-    <p:sldId id="312" r:id="rId65"/>
-    <p:sldId id="311" r:id="rId66"/>
-    <p:sldId id="309" r:id="rId67"/>
-    <p:sldId id="293" r:id="rId68"/>
-    <p:sldId id="268" r:id="rId69"/>
-    <p:sldId id="330" r:id="rId70"/>
-    <p:sldId id="270" r:id="rId71"/>
+    <p:sldId id="331" r:id="rId18"/>
+    <p:sldId id="332" r:id="rId19"/>
+    <p:sldId id="333" r:id="rId20"/>
+    <p:sldId id="334" r:id="rId21"/>
+    <p:sldId id="335" r:id="rId22"/>
+    <p:sldId id="317" r:id="rId23"/>
+    <p:sldId id="318" r:id="rId24"/>
+    <p:sldId id="319" r:id="rId25"/>
+    <p:sldId id="320" r:id="rId26"/>
+    <p:sldId id="321" r:id="rId27"/>
+    <p:sldId id="322" r:id="rId28"/>
+    <p:sldId id="323" r:id="rId29"/>
+    <p:sldId id="324" r:id="rId30"/>
+    <p:sldId id="325" r:id="rId31"/>
+    <p:sldId id="326" r:id="rId32"/>
+    <p:sldId id="327" r:id="rId33"/>
+    <p:sldId id="328" r:id="rId34"/>
+    <p:sldId id="329" r:id="rId35"/>
+    <p:sldId id="296" r:id="rId36"/>
+    <p:sldId id="297" r:id="rId37"/>
+    <p:sldId id="298" r:id="rId38"/>
+    <p:sldId id="304" r:id="rId39"/>
+    <p:sldId id="302" r:id="rId40"/>
+    <p:sldId id="305" r:id="rId41"/>
+    <p:sldId id="291" r:id="rId42"/>
+    <p:sldId id="272" r:id="rId43"/>
+    <p:sldId id="278" r:id="rId44"/>
+    <p:sldId id="273" r:id="rId45"/>
+    <p:sldId id="274" r:id="rId46"/>
+    <p:sldId id="275" r:id="rId47"/>
+    <p:sldId id="276" r:id="rId48"/>
+    <p:sldId id="277" r:id="rId49"/>
+    <p:sldId id="279" r:id="rId50"/>
+    <p:sldId id="269" r:id="rId51"/>
+    <p:sldId id="271" r:id="rId52"/>
+    <p:sldId id="257" r:id="rId53"/>
+    <p:sldId id="258" r:id="rId54"/>
+    <p:sldId id="259" r:id="rId55"/>
+    <p:sldId id="260" r:id="rId56"/>
+    <p:sldId id="261" r:id="rId57"/>
+    <p:sldId id="262" r:id="rId58"/>
+    <p:sldId id="263" r:id="rId59"/>
+    <p:sldId id="264" r:id="rId60"/>
+    <p:sldId id="265" r:id="rId61"/>
+    <p:sldId id="266" r:id="rId62"/>
+    <p:sldId id="267" r:id="rId63"/>
+    <p:sldId id="306" r:id="rId64"/>
+    <p:sldId id="314" r:id="rId65"/>
+    <p:sldId id="316" r:id="rId66"/>
+    <p:sldId id="313" r:id="rId67"/>
+    <p:sldId id="315" r:id="rId68"/>
+    <p:sldId id="310" r:id="rId69"/>
+    <p:sldId id="312" r:id="rId70"/>
+    <p:sldId id="311" r:id="rId71"/>
+    <p:sldId id="309" r:id="rId72"/>
+    <p:sldId id="293" r:id="rId73"/>
+    <p:sldId id="268" r:id="rId74"/>
+    <p:sldId id="330" r:id="rId75"/>
+    <p:sldId id="270" r:id="rId76"/>
   </p:sldIdLst>
   <p:sldSz cx="9144000" cy="6858000" type="screen4x3"/>
   <p:notesSz cx="6858000" cy="9144000"/>
@@ -178,7 +183,7 @@
   </p:defaultTextStyle>
   <p:extLst>
     <p:ext uri="{EFAFB233-063F-42B5-8137-9DF3F51BA10A}">
-      <p15:sldGuideLst xmlns="" xmlns:p15="http://schemas.microsoft.com/office/powerpoint/2012/main">
+      <p15:sldGuideLst xmlns:p15="http://schemas.microsoft.com/office/powerpoint/2012/main" xmlns="">
         <p15:guide id="1" orient="horz" pos="2160">
           <p15:clr>
             <a:srgbClr val="A4A3A4"/>
@@ -278,7 +283,7 @@
             <a:fld id="{818EA85A-F392-4AA9-AA1C-721538E5A23E}" type="datetimeFigureOut">
               <a:rPr lang="de-DE" smtClean="0"/>
               <a:pPr/>
-              <a:t>19.06.2014</a:t>
+              <a:t>20.06.2014</a:t>
             </a:fld>
             <a:endParaRPr lang="de-DE"/>
           </a:p>
@@ -438,7 +443,7 @@
             <a:fld id="{B83A044C-E8EF-4CD0-9F6B-22623A7684E2}" type="slidenum">
               <a:rPr lang="de-DE" smtClean="0"/>
               <a:pPr/>
-              <a:t>‹#›</a:t>
+              <a:t>‹Nr.›</a:t>
             </a:fld>
             <a:endParaRPr lang="de-DE"/>
           </a:p>
@@ -612,7 +617,7 @@
           <a:p>
             <a:fld id="{56008F65-3CF6-4B99-B0C1-6B42DB428529}" type="slidenum">
               <a:rPr lang="de-DE" smtClean="0"/>
-              <a:t>17</a:t>
+              <a:t>22</a:t>
             </a:fld>
             <a:endParaRPr lang="de-DE"/>
           </a:p>
@@ -696,7 +701,7 @@
           <a:p>
             <a:fld id="{56008F65-3CF6-4B99-B0C1-6B42DB428529}" type="slidenum">
               <a:rPr lang="de-DE" smtClean="0"/>
-              <a:t>29</a:t>
+              <a:t>34</a:t>
             </a:fld>
             <a:endParaRPr lang="de-DE"/>
           </a:p>
@@ -781,7 +786,7 @@
             <a:fld id="{B83A044C-E8EF-4CD0-9F6B-22623A7684E2}" type="slidenum">
               <a:rPr lang="de-DE" smtClean="0"/>
               <a:pPr/>
-              <a:t>47</a:t>
+              <a:t>52</a:t>
             </a:fld>
             <a:endParaRPr lang="de-DE"/>
           </a:p>
@@ -1488,7 +1493,7 @@
             <a:fld id="{02075A8B-51D4-4999-A4F2-B3FAC6295E4D}" type="slidenum">
               <a:rPr lang="de-DE" smtClean="0"/>
               <a:pPr/>
-              <a:t>‹#›</a:t>
+              <a:t>‹Nr.›</a:t>
             </a:fld>
             <a:endParaRPr lang="de-DE" dirty="0"/>
           </a:p>
@@ -1669,7 +1674,7 @@
             <a:fld id="{02075A8B-51D4-4999-A4F2-B3FAC6295E4D}" type="slidenum">
               <a:rPr lang="de-DE" smtClean="0"/>
               <a:pPr/>
-              <a:t>‹#›</a:t>
+              <a:t>‹Nr.›</a:t>
             </a:fld>
             <a:endParaRPr lang="de-DE"/>
           </a:p>
@@ -1855,7 +1860,7 @@
             <a:fld id="{02075A8B-51D4-4999-A4F2-B3FAC6295E4D}" type="slidenum">
               <a:rPr lang="de-DE" smtClean="0"/>
               <a:pPr/>
-              <a:t>‹#›</a:t>
+              <a:t>‹Nr.›</a:t>
             </a:fld>
             <a:endParaRPr lang="de-DE"/>
           </a:p>
@@ -2006,7 +2011,7 @@
             <a:fld id="{02075A8B-51D4-4999-A4F2-B3FAC6295E4D}" type="slidenum">
               <a:rPr lang="de-DE" smtClean="0"/>
               <a:pPr/>
-              <a:t>‹#›</a:t>
+              <a:t>‹Nr.›</a:t>
             </a:fld>
             <a:endParaRPr lang="de-DE"/>
           </a:p>
@@ -2262,7 +2267,7 @@
             <a:fld id="{02075A8B-51D4-4999-A4F2-B3FAC6295E4D}" type="slidenum">
               <a:rPr lang="de-DE" smtClean="0"/>
               <a:pPr/>
-              <a:t>‹#›</a:t>
+              <a:t>‹Nr.›</a:t>
             </a:fld>
             <a:endParaRPr lang="de-DE"/>
           </a:p>
@@ -2672,7 +2677,7 @@
             <a:fld id="{02075A8B-51D4-4999-A4F2-B3FAC6295E4D}" type="slidenum">
               <a:rPr lang="de-DE" smtClean="0"/>
               <a:pPr/>
-              <a:t>‹#›</a:t>
+              <a:t>‹Nr.›</a:t>
             </a:fld>
             <a:endParaRPr lang="de-DE"/>
           </a:p>
@@ -3119,7 +3124,7 @@
             <a:fld id="{02075A8B-51D4-4999-A4F2-B3FAC6295E4D}" type="slidenum">
               <a:rPr lang="de-DE" smtClean="0"/>
               <a:pPr/>
-              <a:t>‹#›</a:t>
+              <a:t>‹Nr.›</a:t>
             </a:fld>
             <a:endParaRPr lang="de-DE"/>
           </a:p>
@@ -3221,7 +3226,7 @@
             <a:fld id="{02075A8B-51D4-4999-A4F2-B3FAC6295E4D}" type="slidenum">
               <a:rPr lang="de-DE" smtClean="0"/>
               <a:pPr/>
-              <a:t>‹#›</a:t>
+              <a:t>‹Nr.›</a:t>
             </a:fld>
             <a:endParaRPr lang="de-DE"/>
           </a:p>
@@ -3343,7 +3348,7 @@
             <a:fld id="{02075A8B-51D4-4999-A4F2-B3FAC6295E4D}" type="slidenum">
               <a:rPr lang="de-DE" smtClean="0"/>
               <a:pPr/>
-              <a:t>‹#›</a:t>
+              <a:t>‹Nr.›</a:t>
             </a:fld>
             <a:endParaRPr lang="de-DE"/>
           </a:p>
@@ -3618,7 +3623,7 @@
             <a:fld id="{02075A8B-51D4-4999-A4F2-B3FAC6295E4D}" type="slidenum">
               <a:rPr lang="de-DE" smtClean="0"/>
               <a:pPr/>
-              <a:t>‹#›</a:t>
+              <a:t>‹Nr.›</a:t>
             </a:fld>
             <a:endParaRPr lang="de-DE"/>
           </a:p>
@@ -3843,7 +3848,7 @@
             <a:fld id="{02075A8B-51D4-4999-A4F2-B3FAC6295E4D}" type="slidenum">
               <a:rPr lang="de-DE" smtClean="0"/>
               <a:pPr/>
-              <a:t>‹#›</a:t>
+              <a:t>‹Nr.›</a:t>
             </a:fld>
             <a:endParaRPr lang="de-DE"/>
           </a:p>
@@ -4964,7 +4969,7 @@
             <a:fld id="{02075A8B-51D4-4999-A4F2-B3FAC6295E4D}" type="slidenum">
               <a:rPr lang="de-DE" smtClean="0"/>
               <a:pPr/>
-              <a:t>‹#›</a:t>
+              <a:t>‹Nr.›</a:t>
             </a:fld>
             <a:endParaRPr lang="de-DE"/>
           </a:p>
@@ -6583,16 +6588,129 @@
             <p:ph idx="1"/>
           </p:nvPr>
         </p:nvSpPr>
-        <p:spPr/>
-        <p:txBody>
-          <a:bodyPr/>
-          <a:lstStyle/>
-          <a:p>
-            <a:r>
-              <a:rPr lang="de-DE" dirty="0" smtClean="0"/>
-              <a:t>TODO</a:t>
-            </a:r>
-            <a:endParaRPr lang="de-DE" dirty="0"/>
+        <p:spPr>
+          <a:xfrm>
+            <a:off x="457200" y="1481328"/>
+            <a:ext cx="2674640" cy="4525963"/>
+          </a:xfrm>
+        </p:spPr>
+        <p:txBody>
+          <a:bodyPr>
+            <a:normAutofit fontScale="85000" lnSpcReduction="10000"/>
+          </a:bodyPr>
+          <a:lstStyle/>
+          <a:p>
+            <a:pPr>
+              <a:buSzPct val="25000"/>
+            </a:pPr>
+            <a:r>
+              <a:rPr lang="de-DE" sz="2800" dirty="0">
+                <a:sym typeface="Wingdings"/>
+              </a:rPr>
+              <a:t> </a:t>
+            </a:r>
+            <a:r>
+              <a:rPr lang="de-DE" sz="2800" dirty="0"/>
+              <a:t>8 Klassen</a:t>
+            </a:r>
+            <a:endParaRPr lang="de-DE" sz="2800" dirty="0">
+              <a:sym typeface="Wingdings"/>
+            </a:endParaRPr>
+          </a:p>
+          <a:p>
+            <a:pPr>
+              <a:lnSpc>
+                <a:spcPct val="100000"/>
+              </a:lnSpc>
+              <a:buSzPct val="25000"/>
+            </a:pPr>
+            <a:r>
+              <a:rPr lang="de-DE" sz="2800" dirty="0">
+                <a:sym typeface="Wingdings"/>
+              </a:rPr>
+              <a:t> </a:t>
+            </a:r>
+            <a:r>
+              <a:rPr lang="de-DE" sz="2800" dirty="0"/>
+              <a:t>2 Interfaces</a:t>
+            </a:r>
+          </a:p>
+          <a:p>
+            <a:pPr>
+              <a:lnSpc>
+                <a:spcPct val="100000"/>
+              </a:lnSpc>
+              <a:buSzPct val="25000"/>
+            </a:pPr>
+            <a:endParaRPr lang="de-DE" sz="2800" dirty="0"/>
+          </a:p>
+          <a:p>
+            <a:pPr>
+              <a:lnSpc>
+                <a:spcPct val="100000"/>
+              </a:lnSpc>
+              <a:buSzPct val="25000"/>
+            </a:pPr>
+            <a:endParaRPr lang="de-DE" sz="2800" dirty="0"/>
+          </a:p>
+          <a:p>
+            <a:r>
+              <a:rPr lang="de-DE" sz="2800" dirty="0"/>
+              <a:t>Objekte aus </a:t>
+            </a:r>
+            <a:r>
+              <a:rPr lang="de-DE" sz="2800" dirty="0" smtClean="0"/>
+              <a:t>dem Package-Model</a:t>
+            </a:r>
+            <a:r>
+              <a:rPr lang="de-DE" sz="2800" dirty="0"/>
+              <a:t>:</a:t>
+            </a:r>
+          </a:p>
+          <a:p>
+            <a:pPr>
+              <a:buSzPct val="25000"/>
+            </a:pPr>
+            <a:endParaRPr lang="de-DE" sz="2800" dirty="0">
+              <a:sym typeface="Wingdings"/>
+            </a:endParaRPr>
+          </a:p>
+          <a:p>
+            <a:pPr>
+              <a:buSzPct val="25000"/>
+            </a:pPr>
+            <a:r>
+              <a:rPr lang="de-DE" sz="2800" dirty="0">
+                <a:sym typeface="Wingdings"/>
+              </a:rPr>
+              <a:t> City</a:t>
+            </a:r>
+          </a:p>
+          <a:p>
+            <a:pPr>
+              <a:lnSpc>
+                <a:spcPct val="100000"/>
+              </a:lnSpc>
+              <a:buSzPct val="25000"/>
+            </a:pPr>
+            <a:r>
+              <a:rPr lang="de-DE" sz="2800" dirty="0">
+                <a:sym typeface="Wingdings"/>
+              </a:rPr>
+              <a:t> Building</a:t>
+            </a:r>
+            <a:endParaRPr lang="de-DE" sz="2800" dirty="0"/>
+          </a:p>
+          <a:p>
+            <a:pPr>
+              <a:buSzPct val="25000"/>
+            </a:pPr>
+            <a:r>
+              <a:rPr lang="de-DE" sz="2800" dirty="0">
+                <a:sym typeface="Wingdings"/>
+              </a:rPr>
+              <a:t> Vertex</a:t>
+            </a:r>
           </a:p>
         </p:txBody>
       </p:sp>
@@ -6660,12 +6778,42 @@
           <a:p>
             <a:r>
               <a:rPr lang="de-DE" dirty="0" smtClean="0"/>
-              <a:t>Interfaces des Parsers</a:t>
+              <a:t>Parser-Modell</a:t>
             </a:r>
             <a:endParaRPr lang="de-DE" dirty="0"/>
           </a:p>
         </p:txBody>
       </p:sp>
+      <p:pic>
+        <p:nvPicPr>
+          <p:cNvPr id="6" name="Grafik 5"/>
+          <p:cNvPicPr>
+            <a:picLocks noChangeAspect="1"/>
+          </p:cNvPicPr>
+          <p:nvPr/>
+        </p:nvPicPr>
+        <p:blipFill>
+          <a:blip r:embed="rId2">
+            <a:extLst>
+              <a:ext uri="{28A0092B-C50C-407E-A947-70E740481C1C}">
+                <a14:useLocalDpi xmlns:a14="http://schemas.microsoft.com/office/drawing/2010/main" val="0"/>
+              </a:ext>
+            </a:extLst>
+          </a:blip>
+          <a:stretch>
+            <a:fillRect/>
+          </a:stretch>
+        </p:blipFill>
+        <p:spPr>
+          <a:xfrm>
+            <a:off x="3491880" y="1412776"/>
+            <a:ext cx="5040560" cy="4475999"/>
+          </a:xfrm>
+          <a:prstGeom prst="rect">
+            <a:avLst/>
+          </a:prstGeom>
+        </p:spPr>
+      </p:pic>
     </p:spTree>
     <p:extLst>
       <p:ext uri="{BB962C8B-B14F-4D97-AF65-F5344CB8AC3E}">
@@ -6698,6 +6846,991 @@
       </p:grpSpPr>
       <p:sp>
         <p:nvSpPr>
+          <p:cNvPr id="3" name="Datumsplatzhalter 2"/>
+          <p:cNvSpPr>
+            <a:spLocks noGrp="1"/>
+          </p:cNvSpPr>
+          <p:nvPr>
+            <p:ph type="dt" sz="half" idx="10"/>
+          </p:nvPr>
+        </p:nvSpPr>
+        <p:spPr/>
+        <p:txBody>
+          <a:bodyPr/>
+          <a:lstStyle/>
+          <a:p>
+            <a:r>
+              <a:rPr lang="de-DE" smtClean="0"/>
+              <a:t>23.06.2014</a:t>
+            </a:r>
+            <a:endParaRPr lang="de-DE"/>
+          </a:p>
+        </p:txBody>
+      </p:sp>
+      <p:sp>
+        <p:nvSpPr>
+          <p:cNvPr id="4" name="Foliennummernplatzhalter 3"/>
+          <p:cNvSpPr>
+            <a:spLocks noGrp="1"/>
+          </p:cNvSpPr>
+          <p:nvPr>
+            <p:ph type="sldNum" sz="quarter" idx="12"/>
+          </p:nvPr>
+        </p:nvSpPr>
+        <p:spPr/>
+        <p:txBody>
+          <a:bodyPr/>
+          <a:lstStyle/>
+          <a:p>
+            <a:fld id="{02075A8B-51D4-4999-A4F2-B3FAC6295E4D}" type="slidenum">
+              <a:rPr lang="de-DE" smtClean="0"/>
+              <a:pPr/>
+              <a:t>17</a:t>
+            </a:fld>
+            <a:endParaRPr lang="de-DE"/>
+          </a:p>
+        </p:txBody>
+      </p:sp>
+      <p:sp>
+        <p:nvSpPr>
+          <p:cNvPr id="5" name="Titel 4"/>
+          <p:cNvSpPr>
+            <a:spLocks noGrp="1"/>
+          </p:cNvSpPr>
+          <p:nvPr>
+            <p:ph type="title"/>
+          </p:nvPr>
+        </p:nvSpPr>
+        <p:spPr/>
+        <p:txBody>
+          <a:bodyPr/>
+          <a:lstStyle/>
+          <a:p>
+            <a:r>
+              <a:rPr lang="de-DE" dirty="0" smtClean="0"/>
+              <a:t>Parser</a:t>
+            </a:r>
+            <a:endParaRPr lang="de-DE" dirty="0"/>
+          </a:p>
+        </p:txBody>
+      </p:sp>
+      <p:pic>
+        <p:nvPicPr>
+          <p:cNvPr id="7" name="Grafik 6"/>
+          <p:cNvPicPr>
+            <a:picLocks noChangeAspect="1"/>
+          </p:cNvPicPr>
+          <p:nvPr/>
+        </p:nvPicPr>
+        <p:blipFill rotWithShape="1">
+          <a:blip r:embed="rId2">
+            <a:extLst>
+              <a:ext uri="{28A0092B-C50C-407E-A947-70E740481C1C}">
+                <a14:useLocalDpi xmlns:a14="http://schemas.microsoft.com/office/drawing/2010/main" val="0"/>
+              </a:ext>
+            </a:extLst>
+          </a:blip>
+          <a:srcRect l="1571" t="2268" r="24817" b="66465"/>
+          <a:stretch/>
+        </p:blipFill>
+        <p:spPr>
+          <a:xfrm>
+            <a:off x="179512" y="1412776"/>
+            <a:ext cx="5698029" cy="2320820"/>
+          </a:xfrm>
+          <a:prstGeom prst="rect">
+            <a:avLst/>
+          </a:prstGeom>
+        </p:spPr>
+      </p:pic>
+      <p:cxnSp>
+        <p:nvCxnSpPr>
+          <p:cNvPr id="8" name="Gerade Verbindung mit Pfeil 7"/>
+          <p:cNvCxnSpPr/>
+          <p:nvPr/>
+        </p:nvCxnSpPr>
+        <p:spPr>
+          <a:xfrm>
+            <a:off x="1619672" y="3733595"/>
+            <a:ext cx="0" cy="1279589"/>
+          </a:xfrm>
+          <a:prstGeom prst="straightConnector1">
+            <a:avLst/>
+          </a:prstGeom>
+          <a:ln>
+            <a:tailEnd type="arrow"/>
+          </a:ln>
+        </p:spPr>
+        <p:style>
+          <a:lnRef idx="3">
+            <a:schemeClr val="dk1"/>
+          </a:lnRef>
+          <a:fillRef idx="0">
+            <a:schemeClr val="dk1"/>
+          </a:fillRef>
+          <a:effectRef idx="2">
+            <a:schemeClr val="dk1"/>
+          </a:effectRef>
+          <a:fontRef idx="minor">
+            <a:schemeClr val="tx1"/>
+          </a:fontRef>
+        </p:style>
+      </p:cxnSp>
+      <p:pic>
+        <p:nvPicPr>
+          <p:cNvPr id="9" name="Grafik 8"/>
+          <p:cNvPicPr>
+            <a:picLocks noChangeAspect="1"/>
+          </p:cNvPicPr>
+          <p:nvPr/>
+        </p:nvPicPr>
+        <p:blipFill rotWithShape="1">
+          <a:blip r:embed="rId2">
+            <a:extLst>
+              <a:ext uri="{28A0092B-C50C-407E-A947-70E740481C1C}">
+                <a14:useLocalDpi xmlns:a14="http://schemas.microsoft.com/office/drawing/2010/main" val="0"/>
+              </a:ext>
+            </a:extLst>
+          </a:blip>
+          <a:srcRect l="1764" t="40817" r="68791" b="50451"/>
+          <a:stretch/>
+        </p:blipFill>
+        <p:spPr>
+          <a:xfrm>
+            <a:off x="148432" y="5013185"/>
+            <a:ext cx="3241724" cy="921764"/>
+          </a:xfrm>
+          <a:prstGeom prst="rect">
+            <a:avLst/>
+          </a:prstGeom>
+        </p:spPr>
+      </p:pic>
+      <p:sp>
+        <p:nvSpPr>
+          <p:cNvPr id="10" name="Textfeld 9"/>
+          <p:cNvSpPr txBox="1"/>
+          <p:nvPr/>
+        </p:nvSpPr>
+        <p:spPr>
+          <a:xfrm>
+            <a:off x="1619672" y="4080242"/>
+            <a:ext cx="1224136" cy="276999"/>
+          </a:xfrm>
+          <a:prstGeom prst="rect">
+            <a:avLst/>
+          </a:prstGeom>
+          <a:noFill/>
+        </p:spPr>
+        <p:txBody>
+          <a:bodyPr wrap="square" rtlCol="0">
+            <a:spAutoFit/>
+          </a:bodyPr>
+          <a:lstStyle/>
+          <a:p>
+            <a:r>
+              <a:rPr lang="de-DE" sz="1200" dirty="0" smtClean="0"/>
+              <a:t>&lt;&lt;</a:t>
+            </a:r>
+            <a:r>
+              <a:rPr lang="de-DE" sz="1200" dirty="0" err="1" smtClean="0"/>
+              <a:t>throws</a:t>
+            </a:r>
+            <a:r>
+              <a:rPr lang="de-DE" sz="1200" dirty="0" smtClean="0"/>
+              <a:t>&gt;&gt;</a:t>
+            </a:r>
+            <a:endParaRPr lang="de-DE" sz="1200" dirty="0"/>
+          </a:p>
+        </p:txBody>
+      </p:sp>
+    </p:spTree>
+    <p:extLst>
+      <p:ext uri="{BB962C8B-B14F-4D97-AF65-F5344CB8AC3E}">
+        <p14:creationId xmlns:p14="http://schemas.microsoft.com/office/powerpoint/2010/main" val="913383353"/>
+      </p:ext>
+    </p:extLst>
+  </p:cSld>
+  <p:clrMapOvr>
+    <a:masterClrMapping/>
+  </p:clrMapOvr>
+</p:sld>
+</file>
+
+<file path=ppt/slides/slide18.xml><?xml version="1.0" encoding="utf-8"?>
+<p:sld xmlns:a="http://schemas.openxmlformats.org/drawingml/2006/main" xmlns:r="http://schemas.openxmlformats.org/officeDocument/2006/relationships" xmlns:p="http://schemas.openxmlformats.org/presentationml/2006/main">
+  <p:cSld>
+    <p:spTree>
+      <p:nvGrpSpPr>
+        <p:cNvPr id="1" name=""/>
+        <p:cNvGrpSpPr/>
+        <p:nvPr/>
+      </p:nvGrpSpPr>
+      <p:grpSpPr>
+        <a:xfrm>
+          <a:off x="0" y="0"/>
+          <a:ext cx="0" cy="0"/>
+          <a:chOff x="0" y="0"/>
+          <a:chExt cx="0" cy="0"/>
+        </a:xfrm>
+      </p:grpSpPr>
+      <p:sp>
+        <p:nvSpPr>
+          <p:cNvPr id="3" name="Datumsplatzhalter 2"/>
+          <p:cNvSpPr>
+            <a:spLocks noGrp="1"/>
+          </p:cNvSpPr>
+          <p:nvPr>
+            <p:ph type="dt" sz="half" idx="10"/>
+          </p:nvPr>
+        </p:nvSpPr>
+        <p:spPr/>
+        <p:txBody>
+          <a:bodyPr/>
+          <a:lstStyle/>
+          <a:p>
+            <a:r>
+              <a:rPr lang="de-DE" smtClean="0"/>
+              <a:t>23.06.2014</a:t>
+            </a:r>
+            <a:endParaRPr lang="de-DE"/>
+          </a:p>
+        </p:txBody>
+      </p:sp>
+      <p:sp>
+        <p:nvSpPr>
+          <p:cNvPr id="4" name="Foliennummernplatzhalter 3"/>
+          <p:cNvSpPr>
+            <a:spLocks noGrp="1"/>
+          </p:cNvSpPr>
+          <p:nvPr>
+            <p:ph type="sldNum" sz="quarter" idx="12"/>
+          </p:nvPr>
+        </p:nvSpPr>
+        <p:spPr/>
+        <p:txBody>
+          <a:bodyPr/>
+          <a:lstStyle/>
+          <a:p>
+            <a:fld id="{02075A8B-51D4-4999-A4F2-B3FAC6295E4D}" type="slidenum">
+              <a:rPr lang="de-DE" smtClean="0"/>
+              <a:pPr/>
+              <a:t>18</a:t>
+            </a:fld>
+            <a:endParaRPr lang="de-DE"/>
+          </a:p>
+        </p:txBody>
+      </p:sp>
+      <p:sp>
+        <p:nvSpPr>
+          <p:cNvPr id="5" name="Titel 4"/>
+          <p:cNvSpPr>
+            <a:spLocks noGrp="1"/>
+          </p:cNvSpPr>
+          <p:nvPr>
+            <p:ph type="title"/>
+          </p:nvPr>
+        </p:nvSpPr>
+        <p:spPr/>
+        <p:txBody>
+          <a:bodyPr>
+            <a:normAutofit fontScale="90000"/>
+          </a:bodyPr>
+          <a:lstStyle/>
+          <a:p>
+            <a:r>
+              <a:rPr lang="de-DE" dirty="0" smtClean="0"/>
+              <a:t>Polygon </a:t>
+            </a:r>
+            <a:r>
+              <a:rPr lang="de-DE" dirty="0" err="1" smtClean="0"/>
+              <a:t>Triangulator</a:t>
+            </a:r>
+            <a:r>
+              <a:rPr lang="de-DE" dirty="0" smtClean="0"/>
+              <a:t> &amp; </a:t>
+            </a:r>
+            <a:r>
+              <a:rPr lang="de-DE" dirty="0" err="1" smtClean="0"/>
+              <a:t>Translate</a:t>
+            </a:r>
+            <a:endParaRPr lang="de-DE" dirty="0"/>
+          </a:p>
+        </p:txBody>
+      </p:sp>
+      <p:pic>
+        <p:nvPicPr>
+          <p:cNvPr id="7" name="Grafik 6"/>
+          <p:cNvPicPr>
+            <a:picLocks noChangeAspect="1"/>
+          </p:cNvPicPr>
+          <p:nvPr/>
+        </p:nvPicPr>
+        <p:blipFill rotWithShape="1">
+          <a:blip r:embed="rId2">
+            <a:extLst>
+              <a:ext uri="{28A0092B-C50C-407E-A947-70E740481C1C}">
+                <a14:useLocalDpi xmlns:a14="http://schemas.microsoft.com/office/drawing/2010/main" val="0"/>
+              </a:ext>
+            </a:extLst>
+          </a:blip>
+          <a:srcRect l="35794" t="34921" r="23820" b="59153"/>
+          <a:stretch/>
+        </p:blipFill>
+        <p:spPr>
+          <a:xfrm>
+            <a:off x="457200" y="1629542"/>
+            <a:ext cx="5302712" cy="746112"/>
+          </a:xfrm>
+          <a:prstGeom prst="rect">
+            <a:avLst/>
+          </a:prstGeom>
+        </p:spPr>
+      </p:pic>
+      <p:pic>
+        <p:nvPicPr>
+          <p:cNvPr id="8" name="Grafik 7"/>
+          <p:cNvPicPr>
+            <a:picLocks noChangeAspect="1"/>
+          </p:cNvPicPr>
+          <p:nvPr/>
+        </p:nvPicPr>
+        <p:blipFill rotWithShape="1">
+          <a:blip r:embed="rId2">
+            <a:extLst>
+              <a:ext uri="{28A0092B-C50C-407E-A947-70E740481C1C}">
+                <a14:useLocalDpi xmlns:a14="http://schemas.microsoft.com/office/drawing/2010/main" val="0"/>
+              </a:ext>
+            </a:extLst>
+          </a:blip>
+          <a:srcRect l="27752" t="54180" r="15297" b="38836"/>
+          <a:stretch/>
+        </p:blipFill>
+        <p:spPr>
+          <a:xfrm>
+            <a:off x="3236686" y="4180217"/>
+            <a:ext cx="5643736" cy="663666"/>
+          </a:xfrm>
+          <a:prstGeom prst="rect">
+            <a:avLst/>
+          </a:prstGeom>
+        </p:spPr>
+      </p:pic>
+    </p:spTree>
+    <p:extLst>
+      <p:ext uri="{BB962C8B-B14F-4D97-AF65-F5344CB8AC3E}">
+        <p14:creationId xmlns:p14="http://schemas.microsoft.com/office/powerpoint/2010/main" val="3518390601"/>
+      </p:ext>
+    </p:extLst>
+  </p:cSld>
+  <p:clrMapOvr>
+    <a:masterClrMapping/>
+  </p:clrMapOvr>
+</p:sld>
+</file>
+
+<file path=ppt/slides/slide19.xml><?xml version="1.0" encoding="utf-8"?>
+<p:sld xmlns:a="http://schemas.openxmlformats.org/drawingml/2006/main" xmlns:r="http://schemas.openxmlformats.org/officeDocument/2006/relationships" xmlns:p="http://schemas.openxmlformats.org/presentationml/2006/main">
+  <p:cSld>
+    <p:spTree>
+      <p:nvGrpSpPr>
+        <p:cNvPr id="1" name=""/>
+        <p:cNvGrpSpPr/>
+        <p:nvPr/>
+      </p:nvGrpSpPr>
+      <p:grpSpPr>
+        <a:xfrm>
+          <a:off x="0" y="0"/>
+          <a:ext cx="0" cy="0"/>
+          <a:chOff x="0" y="0"/>
+          <a:chExt cx="0" cy="0"/>
+        </a:xfrm>
+      </p:grpSpPr>
+      <p:sp>
+        <p:nvSpPr>
+          <p:cNvPr id="3" name="Datumsplatzhalter 2"/>
+          <p:cNvSpPr>
+            <a:spLocks noGrp="1"/>
+          </p:cNvSpPr>
+          <p:nvPr>
+            <p:ph type="dt" sz="half" idx="10"/>
+          </p:nvPr>
+        </p:nvSpPr>
+        <p:spPr/>
+        <p:txBody>
+          <a:bodyPr/>
+          <a:lstStyle/>
+          <a:p>
+            <a:r>
+              <a:rPr lang="de-DE" smtClean="0"/>
+              <a:t>23.06.2014</a:t>
+            </a:r>
+            <a:endParaRPr lang="de-DE"/>
+          </a:p>
+        </p:txBody>
+      </p:sp>
+      <p:sp>
+        <p:nvSpPr>
+          <p:cNvPr id="4" name="Foliennummernplatzhalter 3"/>
+          <p:cNvSpPr>
+            <a:spLocks noGrp="1"/>
+          </p:cNvSpPr>
+          <p:nvPr>
+            <p:ph type="sldNum" sz="quarter" idx="12"/>
+          </p:nvPr>
+        </p:nvSpPr>
+        <p:spPr/>
+        <p:txBody>
+          <a:bodyPr/>
+          <a:lstStyle/>
+          <a:p>
+            <a:fld id="{02075A8B-51D4-4999-A4F2-B3FAC6295E4D}" type="slidenum">
+              <a:rPr lang="de-DE" smtClean="0"/>
+              <a:pPr/>
+              <a:t>19</a:t>
+            </a:fld>
+            <a:endParaRPr lang="de-DE"/>
+          </a:p>
+        </p:txBody>
+      </p:sp>
+      <p:sp>
+        <p:nvSpPr>
+          <p:cNvPr id="5" name="Titel 4"/>
+          <p:cNvSpPr>
+            <a:spLocks noGrp="1"/>
+          </p:cNvSpPr>
+          <p:nvPr>
+            <p:ph type="title"/>
+          </p:nvPr>
+        </p:nvSpPr>
+        <p:spPr/>
+        <p:txBody>
+          <a:bodyPr/>
+          <a:lstStyle/>
+          <a:p>
+            <a:r>
+              <a:rPr lang="de-DE" dirty="0" err="1" smtClean="0"/>
+              <a:t>PolygonTriangulatorCallback</a:t>
+            </a:r>
+            <a:endParaRPr lang="de-DE" dirty="0"/>
+          </a:p>
+        </p:txBody>
+      </p:sp>
+      <p:pic>
+        <p:nvPicPr>
+          <p:cNvPr id="7" name="Grafik 6"/>
+          <p:cNvPicPr>
+            <a:picLocks noChangeAspect="1"/>
+          </p:cNvPicPr>
+          <p:nvPr/>
+        </p:nvPicPr>
+        <p:blipFill rotWithShape="1">
+          <a:blip r:embed="rId2">
+            <a:extLst>
+              <a:ext uri="{28A0092B-C50C-407E-A947-70E740481C1C}">
+                <a14:useLocalDpi xmlns:a14="http://schemas.microsoft.com/office/drawing/2010/main" val="0"/>
+              </a:ext>
+            </a:extLst>
+          </a:blip>
+          <a:srcRect l="9513" t="82782" r="34115"/>
+          <a:stretch/>
+        </p:blipFill>
+        <p:spPr>
+          <a:xfrm>
+            <a:off x="1259632" y="1412776"/>
+            <a:ext cx="6146431" cy="1800200"/>
+          </a:xfrm>
+          <a:prstGeom prst="rect">
+            <a:avLst/>
+          </a:prstGeom>
+        </p:spPr>
+      </p:pic>
+    </p:spTree>
+    <p:extLst>
+      <p:ext uri="{BB962C8B-B14F-4D97-AF65-F5344CB8AC3E}">
+        <p14:creationId xmlns:p14="http://schemas.microsoft.com/office/powerpoint/2010/main" val="481870758"/>
+      </p:ext>
+    </p:extLst>
+  </p:cSld>
+  <p:clrMapOvr>
+    <a:masterClrMapping/>
+  </p:clrMapOvr>
+</p:sld>
+</file>
+
+<file path=ppt/slides/slide2.xml><?xml version="1.0" encoding="utf-8"?>
+<p:sld xmlns:a="http://schemas.openxmlformats.org/drawingml/2006/main" xmlns:r="http://schemas.openxmlformats.org/officeDocument/2006/relationships" xmlns:p="http://schemas.openxmlformats.org/presentationml/2006/main">
+  <p:cSld>
+    <p:spTree>
+      <p:nvGrpSpPr>
+        <p:cNvPr id="1" name=""/>
+        <p:cNvGrpSpPr/>
+        <p:nvPr/>
+      </p:nvGrpSpPr>
+      <p:grpSpPr>
+        <a:xfrm>
+          <a:off x="0" y="0"/>
+          <a:ext cx="0" cy="0"/>
+          <a:chOff x="0" y="0"/>
+          <a:chExt cx="0" cy="0"/>
+        </a:xfrm>
+      </p:grpSpPr>
+      <p:sp>
+        <p:nvSpPr>
+          <p:cNvPr id="2" name="Inhaltsplatzhalter 1"/>
+          <p:cNvSpPr>
+            <a:spLocks noGrp="1"/>
+          </p:cNvSpPr>
+          <p:nvPr>
+            <p:ph idx="1"/>
+          </p:nvPr>
+        </p:nvSpPr>
+        <p:spPr/>
+        <p:txBody>
+          <a:bodyPr/>
+          <a:lstStyle/>
+          <a:p>
+            <a:r>
+              <a:rPr lang="de-DE" dirty="0" smtClean="0"/>
+              <a:t>Vorstellung </a:t>
+            </a:r>
+            <a:r>
+              <a:rPr lang="de-DE" dirty="0" err="1" smtClean="0"/>
+              <a:t>vCity</a:t>
+            </a:r>
+            <a:endParaRPr lang="de-DE" dirty="0" smtClean="0"/>
+          </a:p>
+          <a:p>
+            <a:r>
+              <a:rPr lang="de-DE" dirty="0" smtClean="0"/>
+              <a:t>Datenmodell</a:t>
+            </a:r>
+          </a:p>
+          <a:p>
+            <a:r>
+              <a:rPr lang="de-DE" dirty="0" smtClean="0"/>
+              <a:t>Parser</a:t>
+            </a:r>
+          </a:p>
+          <a:p>
+            <a:r>
+              <a:rPr lang="de-DE" dirty="0" err="1" smtClean="0"/>
+              <a:t>OpenCL</a:t>
+            </a:r>
+            <a:endParaRPr lang="de-DE" dirty="0" smtClean="0"/>
+          </a:p>
+          <a:p>
+            <a:r>
+              <a:rPr lang="de-DE" dirty="0" smtClean="0"/>
+              <a:t>3D-Viewer und GUI</a:t>
+            </a:r>
+          </a:p>
+          <a:p>
+            <a:r>
+              <a:rPr lang="de-DE" dirty="0" smtClean="0"/>
+              <a:t>Demo</a:t>
+            </a:r>
+          </a:p>
+          <a:p>
+            <a:endParaRPr lang="de-DE" dirty="0" smtClean="0"/>
+          </a:p>
+        </p:txBody>
+      </p:sp>
+      <p:sp>
+        <p:nvSpPr>
+          <p:cNvPr id="3" name="Datumsplatzhalter 2"/>
+          <p:cNvSpPr>
+            <a:spLocks noGrp="1"/>
+          </p:cNvSpPr>
+          <p:nvPr>
+            <p:ph type="dt" sz="half" idx="10"/>
+          </p:nvPr>
+        </p:nvSpPr>
+        <p:spPr/>
+        <p:txBody>
+          <a:bodyPr/>
+          <a:lstStyle/>
+          <a:p>
+            <a:r>
+              <a:rPr lang="de-DE" smtClean="0"/>
+              <a:t>23.06.2014</a:t>
+            </a:r>
+            <a:endParaRPr lang="de-DE"/>
+          </a:p>
+        </p:txBody>
+      </p:sp>
+      <p:sp>
+        <p:nvSpPr>
+          <p:cNvPr id="4" name="Foliennummernplatzhalter 3"/>
+          <p:cNvSpPr>
+            <a:spLocks noGrp="1"/>
+          </p:cNvSpPr>
+          <p:nvPr>
+            <p:ph type="sldNum" sz="quarter" idx="12"/>
+          </p:nvPr>
+        </p:nvSpPr>
+        <p:spPr/>
+        <p:txBody>
+          <a:bodyPr/>
+          <a:lstStyle/>
+          <a:p>
+            <a:fld id="{02075A8B-51D4-4999-A4F2-B3FAC6295E4D}" type="slidenum">
+              <a:rPr lang="de-DE" smtClean="0"/>
+              <a:pPr/>
+              <a:t>2</a:t>
+            </a:fld>
+            <a:endParaRPr lang="de-DE"/>
+          </a:p>
+        </p:txBody>
+      </p:sp>
+      <p:sp>
+        <p:nvSpPr>
+          <p:cNvPr id="5" name="Titel 4"/>
+          <p:cNvSpPr>
+            <a:spLocks noGrp="1"/>
+          </p:cNvSpPr>
+          <p:nvPr>
+            <p:ph type="title"/>
+          </p:nvPr>
+        </p:nvSpPr>
+        <p:spPr/>
+        <p:txBody>
+          <a:bodyPr/>
+          <a:lstStyle/>
+          <a:p>
+            <a:r>
+              <a:rPr lang="de-DE" dirty="0" smtClean="0"/>
+              <a:t>Agenda</a:t>
+            </a:r>
+            <a:endParaRPr lang="de-DE" dirty="0"/>
+          </a:p>
+        </p:txBody>
+      </p:sp>
+    </p:spTree>
+    <p:extLst>
+      <p:ext uri="{BB962C8B-B14F-4D97-AF65-F5344CB8AC3E}">
+        <p14:creationId xmlns:p14="http://schemas.microsoft.com/office/powerpoint/2010/main" val="431538730"/>
+      </p:ext>
+    </p:extLst>
+  </p:cSld>
+  <p:clrMapOvr>
+    <a:masterClrMapping/>
+  </p:clrMapOvr>
+  <p:timing>
+    <p:tnLst>
+      <p:par>
+        <p:cTn id="1" dur="indefinite" restart="never" nodeType="tmRoot"/>
+      </p:par>
+    </p:tnLst>
+  </p:timing>
+</p:sld>
+</file>
+
+<file path=ppt/slides/slide20.xml><?xml version="1.0" encoding="utf-8"?>
+<p:sld xmlns:a="http://schemas.openxmlformats.org/drawingml/2006/main" xmlns:r="http://schemas.openxmlformats.org/officeDocument/2006/relationships" xmlns:p="http://schemas.openxmlformats.org/presentationml/2006/main">
+  <p:cSld>
+    <p:spTree>
+      <p:nvGrpSpPr>
+        <p:cNvPr id="1" name=""/>
+        <p:cNvGrpSpPr/>
+        <p:nvPr/>
+      </p:nvGrpSpPr>
+      <p:grpSpPr>
+        <a:xfrm>
+          <a:off x="0" y="0"/>
+          <a:ext cx="0" cy="0"/>
+          <a:chOff x="0" y="0"/>
+          <a:chExt cx="0" cy="0"/>
+        </a:xfrm>
+      </p:grpSpPr>
+      <p:sp>
+        <p:nvSpPr>
+          <p:cNvPr id="3" name="Datumsplatzhalter 2"/>
+          <p:cNvSpPr>
+            <a:spLocks noGrp="1"/>
+          </p:cNvSpPr>
+          <p:nvPr>
+            <p:ph type="dt" sz="half" idx="10"/>
+          </p:nvPr>
+        </p:nvSpPr>
+        <p:spPr/>
+        <p:txBody>
+          <a:bodyPr/>
+          <a:lstStyle/>
+          <a:p>
+            <a:r>
+              <a:rPr lang="de-DE" smtClean="0"/>
+              <a:t>23.06.2014</a:t>
+            </a:r>
+            <a:endParaRPr lang="de-DE"/>
+          </a:p>
+        </p:txBody>
+      </p:sp>
+      <p:sp>
+        <p:nvSpPr>
+          <p:cNvPr id="4" name="Foliennummernplatzhalter 3"/>
+          <p:cNvSpPr>
+            <a:spLocks noGrp="1"/>
+          </p:cNvSpPr>
+          <p:nvPr>
+            <p:ph type="sldNum" sz="quarter" idx="12"/>
+          </p:nvPr>
+        </p:nvSpPr>
+        <p:spPr/>
+        <p:txBody>
+          <a:bodyPr/>
+          <a:lstStyle/>
+          <a:p>
+            <a:fld id="{02075A8B-51D4-4999-A4F2-B3FAC6295E4D}" type="slidenum">
+              <a:rPr lang="de-DE" smtClean="0"/>
+              <a:pPr/>
+              <a:t>20</a:t>
+            </a:fld>
+            <a:endParaRPr lang="de-DE"/>
+          </a:p>
+        </p:txBody>
+      </p:sp>
+      <p:sp>
+        <p:nvSpPr>
+          <p:cNvPr id="5" name="Titel 4"/>
+          <p:cNvSpPr>
+            <a:spLocks noGrp="1"/>
+          </p:cNvSpPr>
+          <p:nvPr>
+            <p:ph type="title"/>
+          </p:nvPr>
+        </p:nvSpPr>
+        <p:spPr/>
+        <p:txBody>
+          <a:bodyPr/>
+          <a:lstStyle/>
+          <a:p>
+            <a:r>
+              <a:rPr lang="de-DE" dirty="0" err="1" smtClean="0"/>
+              <a:t>PolygonTriangulatorCollector</a:t>
+            </a:r>
+            <a:endParaRPr lang="de-DE" dirty="0"/>
+          </a:p>
+        </p:txBody>
+      </p:sp>
+      <p:pic>
+        <p:nvPicPr>
+          <p:cNvPr id="7" name="Grafik 6"/>
+          <p:cNvPicPr>
+            <a:picLocks noChangeAspect="1"/>
+          </p:cNvPicPr>
+          <p:nvPr/>
+        </p:nvPicPr>
+        <p:blipFill rotWithShape="1">
+          <a:blip r:embed="rId2">
+            <a:extLst>
+              <a:ext uri="{28A0092B-C50C-407E-A947-70E740481C1C}">
+                <a14:useLocalDpi xmlns:a14="http://schemas.microsoft.com/office/drawing/2010/main" val="0"/>
+              </a:ext>
+            </a:extLst>
+          </a:blip>
+          <a:srcRect l="1341" t="53334" r="72942" b="21414"/>
+          <a:stretch/>
+        </p:blipFill>
+        <p:spPr>
+          <a:xfrm>
+            <a:off x="731640" y="2276872"/>
+            <a:ext cx="2721915" cy="2562880"/>
+          </a:xfrm>
+          <a:prstGeom prst="rect">
+            <a:avLst/>
+          </a:prstGeom>
+        </p:spPr>
+      </p:pic>
+    </p:spTree>
+    <p:extLst>
+      <p:ext uri="{BB962C8B-B14F-4D97-AF65-F5344CB8AC3E}">
+        <p14:creationId xmlns:p14="http://schemas.microsoft.com/office/powerpoint/2010/main" val="305925010"/>
+      </p:ext>
+    </p:extLst>
+  </p:cSld>
+  <p:clrMapOvr>
+    <a:masterClrMapping/>
+  </p:clrMapOvr>
+</p:sld>
+</file>
+
+<file path=ppt/slides/slide21.xml><?xml version="1.0" encoding="utf-8"?>
+<p:sld xmlns:a="http://schemas.openxmlformats.org/drawingml/2006/main" xmlns:r="http://schemas.openxmlformats.org/officeDocument/2006/relationships" xmlns:p="http://schemas.openxmlformats.org/presentationml/2006/main">
+  <p:cSld>
+    <p:spTree>
+      <p:nvGrpSpPr>
+        <p:cNvPr id="1" name=""/>
+        <p:cNvGrpSpPr/>
+        <p:nvPr/>
+      </p:nvGrpSpPr>
+      <p:grpSpPr>
+        <a:xfrm>
+          <a:off x="0" y="0"/>
+          <a:ext cx="0" cy="0"/>
+          <a:chOff x="0" y="0"/>
+          <a:chExt cx="0" cy="0"/>
+        </a:xfrm>
+      </p:grpSpPr>
+      <p:sp>
+        <p:nvSpPr>
+          <p:cNvPr id="3" name="Datumsplatzhalter 2"/>
+          <p:cNvSpPr>
+            <a:spLocks noGrp="1"/>
+          </p:cNvSpPr>
+          <p:nvPr>
+            <p:ph type="dt" sz="half" idx="10"/>
+          </p:nvPr>
+        </p:nvSpPr>
+        <p:spPr/>
+        <p:txBody>
+          <a:bodyPr/>
+          <a:lstStyle/>
+          <a:p>
+            <a:r>
+              <a:rPr lang="de-DE" smtClean="0"/>
+              <a:t>23.06.2014</a:t>
+            </a:r>
+            <a:endParaRPr lang="de-DE"/>
+          </a:p>
+        </p:txBody>
+      </p:sp>
+      <p:sp>
+        <p:nvSpPr>
+          <p:cNvPr id="4" name="Foliennummernplatzhalter 3"/>
+          <p:cNvSpPr>
+            <a:spLocks noGrp="1"/>
+          </p:cNvSpPr>
+          <p:nvPr>
+            <p:ph type="sldNum" sz="quarter" idx="12"/>
+          </p:nvPr>
+        </p:nvSpPr>
+        <p:spPr/>
+        <p:txBody>
+          <a:bodyPr/>
+          <a:lstStyle/>
+          <a:p>
+            <a:fld id="{02075A8B-51D4-4999-A4F2-B3FAC6295E4D}" type="slidenum">
+              <a:rPr lang="de-DE" smtClean="0"/>
+              <a:pPr/>
+              <a:t>21</a:t>
+            </a:fld>
+            <a:endParaRPr lang="de-DE"/>
+          </a:p>
+        </p:txBody>
+      </p:sp>
+      <p:sp>
+        <p:nvSpPr>
+          <p:cNvPr id="5" name="Titel 4"/>
+          <p:cNvSpPr>
+            <a:spLocks noGrp="1"/>
+          </p:cNvSpPr>
+          <p:nvPr>
+            <p:ph type="title"/>
+          </p:nvPr>
+        </p:nvSpPr>
+        <p:spPr/>
+        <p:txBody>
+          <a:bodyPr/>
+          <a:lstStyle/>
+          <a:p>
+            <a:r>
+              <a:rPr lang="de-DE" dirty="0" smtClean="0"/>
+              <a:t>Interfaces des Parsers</a:t>
+            </a:r>
+            <a:endParaRPr lang="de-DE" dirty="0"/>
+          </a:p>
+        </p:txBody>
+      </p:sp>
+      <p:pic>
+        <p:nvPicPr>
+          <p:cNvPr id="8" name="Grafik 7"/>
+          <p:cNvPicPr>
+            <a:picLocks noChangeAspect="1"/>
+          </p:cNvPicPr>
+          <p:nvPr/>
+        </p:nvPicPr>
+        <p:blipFill rotWithShape="1">
+          <a:blip r:embed="rId2">
+            <a:extLst>
+              <a:ext uri="{28A0092B-C50C-407E-A947-70E740481C1C}">
+                <a14:useLocalDpi xmlns:a14="http://schemas.microsoft.com/office/drawing/2010/main" val="0"/>
+              </a:ext>
+            </a:extLst>
+          </a:blip>
+          <a:srcRect l="43026" t="41061" r="19393" b="46667"/>
+          <a:stretch/>
+        </p:blipFill>
+        <p:spPr>
+          <a:xfrm>
+            <a:off x="352252" y="1484784"/>
+            <a:ext cx="3744416" cy="1172543"/>
+          </a:xfrm>
+          <a:prstGeom prst="rect">
+            <a:avLst/>
+          </a:prstGeom>
+        </p:spPr>
+      </p:pic>
+      <p:pic>
+        <p:nvPicPr>
+          <p:cNvPr id="9" name="Grafik 8"/>
+          <p:cNvPicPr>
+            <a:picLocks noChangeAspect="1"/>
+          </p:cNvPicPr>
+          <p:nvPr/>
+        </p:nvPicPr>
+        <p:blipFill rotWithShape="1">
+          <a:blip r:embed="rId2">
+            <a:extLst>
+              <a:ext uri="{28A0092B-C50C-407E-A947-70E740481C1C}">
+                <a14:useLocalDpi xmlns:a14="http://schemas.microsoft.com/office/drawing/2010/main" val="0"/>
+              </a:ext>
+            </a:extLst>
+          </a:blip>
+          <a:srcRect l="46702" t="68283" r="11067" b="17980"/>
+          <a:stretch/>
+        </p:blipFill>
+        <p:spPr>
+          <a:xfrm>
+            <a:off x="4716016" y="4653136"/>
+            <a:ext cx="3785722" cy="1180867"/>
+          </a:xfrm>
+          <a:prstGeom prst="rect">
+            <a:avLst/>
+          </a:prstGeom>
+        </p:spPr>
+      </p:pic>
+    </p:spTree>
+    <p:extLst>
+      <p:ext uri="{BB962C8B-B14F-4D97-AF65-F5344CB8AC3E}">
+        <p14:creationId xmlns:p14="http://schemas.microsoft.com/office/powerpoint/2010/main" val="748631852"/>
+      </p:ext>
+    </p:extLst>
+  </p:cSld>
+  <p:clrMapOvr>
+    <a:masterClrMapping/>
+  </p:clrMapOvr>
+</p:sld>
+</file>
+
+<file path=ppt/slides/slide22.xml><?xml version="1.0" encoding="utf-8"?>
+<p:sld xmlns:a="http://schemas.openxmlformats.org/drawingml/2006/main" xmlns:r="http://schemas.openxmlformats.org/officeDocument/2006/relationships" xmlns:p="http://schemas.openxmlformats.org/presentationml/2006/main">
+  <p:cSld>
+    <p:spTree>
+      <p:nvGrpSpPr>
+        <p:cNvPr id="1" name=""/>
+        <p:cNvGrpSpPr/>
+        <p:nvPr/>
+      </p:nvGrpSpPr>
+      <p:grpSpPr>
+        <a:xfrm>
+          <a:off x="0" y="0"/>
+          <a:ext cx="0" cy="0"/>
+          <a:chOff x="0" y="0"/>
+          <a:chExt cx="0" cy="0"/>
+        </a:xfrm>
+      </p:grpSpPr>
+      <p:sp>
+        <p:nvSpPr>
           <p:cNvPr id="3" name="Title 2"/>
           <p:cNvSpPr>
             <a:spLocks noGrp="1"/>
@@ -6821,7 +7954,7 @@
 </p:sld>
 </file>
 
-<file path=ppt/slides/slide18.xml><?xml version="1.0" encoding="utf-8"?>
+<file path=ppt/slides/slide23.xml><?xml version="1.0" encoding="utf-8"?>
 <p:sld xmlns:a="http://schemas.openxmlformats.org/drawingml/2006/main" xmlns:r="http://schemas.openxmlformats.org/officeDocument/2006/relationships" xmlns:p="http://schemas.openxmlformats.org/presentationml/2006/main">
   <p:cSld>
     <p:spTree>
@@ -6924,7 +8057,7 @@
 </p:sld>
 </file>
 
-<file path=ppt/slides/slide19.xml><?xml version="1.0" encoding="utf-8"?>
+<file path=ppt/slides/slide24.xml><?xml version="1.0" encoding="utf-8"?>
 <p:sld xmlns:a="http://schemas.openxmlformats.org/drawingml/2006/main" xmlns:r="http://schemas.openxmlformats.org/officeDocument/2006/relationships" xmlns:p="http://schemas.openxmlformats.org/presentationml/2006/main">
   <p:cSld>
     <p:spTree>
@@ -7044,175 +8177,7 @@
 </p:sld>
 </file>
 
-<file path=ppt/slides/slide2.xml><?xml version="1.0" encoding="utf-8"?>
-<p:sld xmlns:a="http://schemas.openxmlformats.org/drawingml/2006/main" xmlns:r="http://schemas.openxmlformats.org/officeDocument/2006/relationships" xmlns:p="http://schemas.openxmlformats.org/presentationml/2006/main">
-  <p:cSld>
-    <p:spTree>
-      <p:nvGrpSpPr>
-        <p:cNvPr id="1" name=""/>
-        <p:cNvGrpSpPr/>
-        <p:nvPr/>
-      </p:nvGrpSpPr>
-      <p:grpSpPr>
-        <a:xfrm>
-          <a:off x="0" y="0"/>
-          <a:ext cx="0" cy="0"/>
-          <a:chOff x="0" y="0"/>
-          <a:chExt cx="0" cy="0"/>
-        </a:xfrm>
-      </p:grpSpPr>
-      <p:sp>
-        <p:nvSpPr>
-          <p:cNvPr id="2" name="Inhaltsplatzhalter 1"/>
-          <p:cNvSpPr>
-            <a:spLocks noGrp="1"/>
-          </p:cNvSpPr>
-          <p:nvPr>
-            <p:ph idx="1"/>
-          </p:nvPr>
-        </p:nvSpPr>
-        <p:spPr/>
-        <p:txBody>
-          <a:bodyPr/>
-          <a:lstStyle/>
-          <a:p>
-            <a:r>
-              <a:rPr lang="de-DE" dirty="0" smtClean="0"/>
-              <a:t>Vorstellung </a:t>
-            </a:r>
-            <a:r>
-              <a:rPr lang="de-DE" dirty="0" err="1" smtClean="0"/>
-              <a:t>vCity</a:t>
-            </a:r>
-            <a:endParaRPr lang="de-DE" dirty="0" smtClean="0"/>
-          </a:p>
-          <a:p>
-            <a:r>
-              <a:rPr lang="de-DE" dirty="0" smtClean="0"/>
-              <a:t>Datenmodell</a:t>
-            </a:r>
-          </a:p>
-          <a:p>
-            <a:r>
-              <a:rPr lang="de-DE" dirty="0" smtClean="0"/>
-              <a:t>Parser</a:t>
-            </a:r>
-          </a:p>
-          <a:p>
-            <a:r>
-              <a:rPr lang="de-DE" dirty="0" err="1" smtClean="0"/>
-              <a:t>OpenCL</a:t>
-            </a:r>
-            <a:endParaRPr lang="de-DE" dirty="0" smtClean="0"/>
-          </a:p>
-          <a:p>
-            <a:r>
-              <a:rPr lang="de-DE" dirty="0" smtClean="0"/>
-              <a:t>3D-Viewer und GUI</a:t>
-            </a:r>
-          </a:p>
-          <a:p>
-            <a:r>
-              <a:rPr lang="de-DE" dirty="0" smtClean="0"/>
-              <a:t>Demo</a:t>
-            </a:r>
-          </a:p>
-          <a:p>
-            <a:endParaRPr lang="de-DE" dirty="0" smtClean="0"/>
-          </a:p>
-        </p:txBody>
-      </p:sp>
-      <p:sp>
-        <p:nvSpPr>
-          <p:cNvPr id="3" name="Datumsplatzhalter 2"/>
-          <p:cNvSpPr>
-            <a:spLocks noGrp="1"/>
-          </p:cNvSpPr>
-          <p:nvPr>
-            <p:ph type="dt" sz="half" idx="10"/>
-          </p:nvPr>
-        </p:nvSpPr>
-        <p:spPr/>
-        <p:txBody>
-          <a:bodyPr/>
-          <a:lstStyle/>
-          <a:p>
-            <a:r>
-              <a:rPr lang="de-DE" smtClean="0"/>
-              <a:t>23.06.2014</a:t>
-            </a:r>
-            <a:endParaRPr lang="de-DE"/>
-          </a:p>
-        </p:txBody>
-      </p:sp>
-      <p:sp>
-        <p:nvSpPr>
-          <p:cNvPr id="4" name="Foliennummernplatzhalter 3"/>
-          <p:cNvSpPr>
-            <a:spLocks noGrp="1"/>
-          </p:cNvSpPr>
-          <p:nvPr>
-            <p:ph type="sldNum" sz="quarter" idx="12"/>
-          </p:nvPr>
-        </p:nvSpPr>
-        <p:spPr/>
-        <p:txBody>
-          <a:bodyPr/>
-          <a:lstStyle/>
-          <a:p>
-            <a:fld id="{02075A8B-51D4-4999-A4F2-B3FAC6295E4D}" type="slidenum">
-              <a:rPr lang="de-DE" smtClean="0"/>
-              <a:pPr/>
-              <a:t>2</a:t>
-            </a:fld>
-            <a:endParaRPr lang="de-DE"/>
-          </a:p>
-        </p:txBody>
-      </p:sp>
-      <p:sp>
-        <p:nvSpPr>
-          <p:cNvPr id="5" name="Titel 4"/>
-          <p:cNvSpPr>
-            <a:spLocks noGrp="1"/>
-          </p:cNvSpPr>
-          <p:nvPr>
-            <p:ph type="title"/>
-          </p:nvPr>
-        </p:nvSpPr>
-        <p:spPr/>
-        <p:txBody>
-          <a:bodyPr/>
-          <a:lstStyle/>
-          <a:p>
-            <a:r>
-              <a:rPr lang="de-DE" dirty="0" smtClean="0"/>
-              <a:t>Agenda</a:t>
-            </a:r>
-            <a:endParaRPr lang="de-DE" dirty="0"/>
-          </a:p>
-        </p:txBody>
-      </p:sp>
-    </p:spTree>
-    <p:extLst>
-      <p:ext uri="{BB962C8B-B14F-4D97-AF65-F5344CB8AC3E}">
-        <p14:creationId xmlns:p14="http://schemas.microsoft.com/office/powerpoint/2010/main" val="431538730"/>
-      </p:ext>
-    </p:extLst>
-  </p:cSld>
-  <p:clrMapOvr>
-    <a:masterClrMapping/>
-  </p:clrMapOvr>
-  <p:timing>
-    <p:tnLst>
-      <p:par>
-        <p:cTn id="1" dur="indefinite" restart="never" nodeType="tmRoot"/>
-      </p:par>
-    </p:tnLst>
-  </p:timing>
-</p:sld>
-</file>
-
-<file path=ppt/slides/slide20.xml><?xml version="1.0" encoding="utf-8"?>
+<file path=ppt/slides/slide25.xml><?xml version="1.0" encoding="utf-8"?>
 <p:sld xmlns:a="http://schemas.openxmlformats.org/drawingml/2006/main" xmlns:r="http://schemas.openxmlformats.org/officeDocument/2006/relationships" xmlns:p="http://schemas.openxmlformats.org/presentationml/2006/main">
   <p:cSld>
     <p:spTree>
@@ -7332,7 +8297,7 @@
 </p:sld>
 </file>
 
-<file path=ppt/slides/slide21.xml><?xml version="1.0" encoding="utf-8"?>
+<file path=ppt/slides/slide26.xml><?xml version="1.0" encoding="utf-8"?>
 <p:sld xmlns:a="http://schemas.openxmlformats.org/drawingml/2006/main" xmlns:r="http://schemas.openxmlformats.org/officeDocument/2006/relationships" xmlns:p="http://schemas.openxmlformats.org/presentationml/2006/main">
   <p:cSld>
     <p:spTree>
@@ -7458,7 +8423,7 @@
 </p:sld>
 </file>
 
-<file path=ppt/slides/slide22.xml><?xml version="1.0" encoding="utf-8"?>
+<file path=ppt/slides/slide27.xml><?xml version="1.0" encoding="utf-8"?>
 <p:sld xmlns:a="http://schemas.openxmlformats.org/drawingml/2006/main" xmlns:r="http://schemas.openxmlformats.org/officeDocument/2006/relationships" xmlns:p="http://schemas.openxmlformats.org/presentationml/2006/main">
   <p:cSld>
     <p:spTree>
@@ -7610,7 +8575,7 @@
 </p:sld>
 </file>
 
-<file path=ppt/slides/slide23.xml><?xml version="1.0" encoding="utf-8"?>
+<file path=ppt/slides/slide28.xml><?xml version="1.0" encoding="utf-8"?>
 <p:sld xmlns:a="http://schemas.openxmlformats.org/drawingml/2006/main" xmlns:r="http://schemas.openxmlformats.org/officeDocument/2006/relationships" xmlns:p="http://schemas.openxmlformats.org/presentationml/2006/main">
   <p:cSld>
     <p:spTree>
@@ -8192,7 +9157,7 @@
 </p:sld>
 </file>
 
-<file path=ppt/slides/slide24.xml><?xml version="1.0" encoding="utf-8"?>
+<file path=ppt/slides/slide29.xml><?xml version="1.0" encoding="utf-8"?>
 <p:sld xmlns:a="http://schemas.openxmlformats.org/drawingml/2006/main" xmlns:r="http://schemas.openxmlformats.org/officeDocument/2006/relationships" xmlns:p="http://schemas.openxmlformats.org/presentationml/2006/main">
   <p:cSld>
     <p:spTree>
@@ -8316,7 +9281,163 @@
 </p:sld>
 </file>
 
-<file path=ppt/slides/slide25.xml><?xml version="1.0" encoding="utf-8"?>
+<file path=ppt/slides/slide3.xml><?xml version="1.0" encoding="utf-8"?>
+<p:sld xmlns:a="http://schemas.openxmlformats.org/drawingml/2006/main" xmlns:r="http://schemas.openxmlformats.org/officeDocument/2006/relationships" xmlns:p="http://schemas.openxmlformats.org/presentationml/2006/main">
+  <p:cSld>
+    <p:spTree>
+      <p:nvGrpSpPr>
+        <p:cNvPr id="1" name=""/>
+        <p:cNvGrpSpPr/>
+        <p:nvPr/>
+      </p:nvGrpSpPr>
+      <p:grpSpPr>
+        <a:xfrm>
+          <a:off x="0" y="0"/>
+          <a:ext cx="0" cy="0"/>
+          <a:chOff x="0" y="0"/>
+          <a:chExt cx="0" cy="0"/>
+        </a:xfrm>
+      </p:grpSpPr>
+      <p:sp>
+        <p:nvSpPr>
+          <p:cNvPr id="2" name="Inhaltsplatzhalter 1"/>
+          <p:cNvSpPr>
+            <a:spLocks noGrp="1"/>
+          </p:cNvSpPr>
+          <p:nvPr>
+            <p:ph idx="1"/>
+          </p:nvPr>
+        </p:nvSpPr>
+        <p:spPr/>
+        <p:txBody>
+          <a:bodyPr/>
+          <a:lstStyle/>
+          <a:p>
+            <a:r>
+              <a:rPr lang="de-DE" dirty="0" smtClean="0"/>
+              <a:t>Was ist </a:t>
+            </a:r>
+            <a:r>
+              <a:rPr lang="de-DE" dirty="0" err="1" smtClean="0"/>
+              <a:t>vCity</a:t>
+            </a:r>
+            <a:r>
+              <a:rPr lang="de-DE" dirty="0" smtClean="0"/>
+              <a:t>?</a:t>
+            </a:r>
+          </a:p>
+          <a:p>
+            <a:r>
+              <a:rPr lang="de-DE" dirty="0" smtClean="0"/>
+              <a:t>Kommunikation</a:t>
+            </a:r>
+          </a:p>
+          <a:p>
+            <a:r>
+              <a:rPr lang="de-DE" dirty="0" err="1" smtClean="0"/>
+              <a:t>GitHub</a:t>
+            </a:r>
+            <a:endParaRPr lang="de-DE" dirty="0"/>
+          </a:p>
+        </p:txBody>
+      </p:sp>
+      <p:sp>
+        <p:nvSpPr>
+          <p:cNvPr id="3" name="Datumsplatzhalter 2"/>
+          <p:cNvSpPr>
+            <a:spLocks noGrp="1"/>
+          </p:cNvSpPr>
+          <p:nvPr>
+            <p:ph type="dt" sz="half" idx="10"/>
+          </p:nvPr>
+        </p:nvSpPr>
+        <p:spPr/>
+        <p:txBody>
+          <a:bodyPr/>
+          <a:lstStyle/>
+          <a:p>
+            <a:r>
+              <a:rPr lang="de-DE" smtClean="0"/>
+              <a:t>23.06.2014</a:t>
+            </a:r>
+            <a:endParaRPr lang="de-DE"/>
+          </a:p>
+        </p:txBody>
+      </p:sp>
+      <p:sp>
+        <p:nvSpPr>
+          <p:cNvPr id="4" name="Foliennummernplatzhalter 3"/>
+          <p:cNvSpPr>
+            <a:spLocks noGrp="1"/>
+          </p:cNvSpPr>
+          <p:nvPr>
+            <p:ph type="sldNum" sz="quarter" idx="12"/>
+          </p:nvPr>
+        </p:nvSpPr>
+        <p:spPr/>
+        <p:txBody>
+          <a:bodyPr/>
+          <a:lstStyle/>
+          <a:p>
+            <a:fld id="{02075A8B-51D4-4999-A4F2-B3FAC6295E4D}" type="slidenum">
+              <a:rPr lang="de-DE" smtClean="0"/>
+              <a:pPr/>
+              <a:t>3</a:t>
+            </a:fld>
+            <a:endParaRPr lang="de-DE"/>
+          </a:p>
+        </p:txBody>
+      </p:sp>
+      <p:sp>
+        <p:nvSpPr>
+          <p:cNvPr id="5" name="Titel 4"/>
+          <p:cNvSpPr>
+            <a:spLocks noGrp="1"/>
+          </p:cNvSpPr>
+          <p:nvPr>
+            <p:ph type="title"/>
+          </p:nvPr>
+        </p:nvSpPr>
+        <p:spPr/>
+        <p:txBody>
+          <a:bodyPr>
+            <a:normAutofit/>
+          </a:bodyPr>
+          <a:lstStyle/>
+          <a:p>
+            <a:r>
+              <a:rPr lang="de-DE" dirty="0"/>
+              <a:t>Vorstellung </a:t>
+            </a:r>
+            <a:r>
+              <a:rPr lang="de-DE" dirty="0" err="1" smtClean="0"/>
+              <a:t>vCity</a:t>
+            </a:r>
+            <a:endParaRPr lang="de-DE" dirty="0"/>
+          </a:p>
+        </p:txBody>
+      </p:sp>
+    </p:spTree>
+    <p:extLst>
+      <p:ext uri="{BB962C8B-B14F-4D97-AF65-F5344CB8AC3E}">
+        <p14:creationId xmlns:p14="http://schemas.microsoft.com/office/powerpoint/2010/main" val="1397236420"/>
+      </p:ext>
+    </p:extLst>
+  </p:cSld>
+  <p:clrMapOvr>
+    <a:masterClrMapping/>
+  </p:clrMapOvr>
+  <p:timing>
+    <p:tnLst>
+      <p:par>
+        <p:cTn id="1" dur="indefinite" restart="never" nodeType="tmRoot"/>
+      </p:par>
+    </p:tnLst>
+  </p:timing>
+</p:sld>
+</file>
+
+<file path=ppt/slides/slide30.xml><?xml version="1.0" encoding="utf-8"?>
 <p:sld xmlns:a="http://schemas.openxmlformats.org/drawingml/2006/main" xmlns:r="http://schemas.openxmlformats.org/officeDocument/2006/relationships" xmlns:p="http://schemas.openxmlformats.org/presentationml/2006/main">
   <p:cSld>
     <p:spTree>
@@ -8480,7 +9601,7 @@
 </p:sld>
 </file>
 
-<file path=ppt/slides/slide26.xml><?xml version="1.0" encoding="utf-8"?>
+<file path=ppt/slides/slide31.xml><?xml version="1.0" encoding="utf-8"?>
 <p:sld xmlns:a="http://schemas.openxmlformats.org/drawingml/2006/main" xmlns:r="http://schemas.openxmlformats.org/officeDocument/2006/relationships" xmlns:p="http://schemas.openxmlformats.org/presentationml/2006/main">
   <p:cSld>
     <p:spTree>
@@ -8579,11 +9700,7 @@
             </a:r>
             <a:r>
               <a:rPr lang="de-DE" dirty="0" smtClean="0"/>
-              <a:t>onvexes </a:t>
-            </a:r>
-            <a:r>
-              <a:rPr lang="de-DE" dirty="0" smtClean="0"/>
-              <a:t>Polygon</a:t>
+              <a:t>onvexes Polygon</a:t>
             </a:r>
             <a:endParaRPr lang="de-DE" dirty="0"/>
           </a:p>
@@ -8617,11 +9734,7 @@
             </a:r>
             <a:r>
               <a:rPr lang="de-DE" dirty="0" smtClean="0"/>
-              <a:t>onkaves </a:t>
-            </a:r>
-            <a:r>
-              <a:rPr lang="de-DE" dirty="0" smtClean="0"/>
-              <a:t>Polygon</a:t>
+              <a:t>onkaves Polygon</a:t>
             </a:r>
             <a:endParaRPr lang="de-DE" dirty="0"/>
           </a:p>
@@ -9356,7 +10469,7 @@
 </p:sld>
 </file>
 
-<file path=ppt/slides/slide27.xml><?xml version="1.0" encoding="utf-8"?>
+<file path=ppt/slides/slide32.xml><?xml version="1.0" encoding="utf-8"?>
 <p:sld xmlns:a="http://schemas.openxmlformats.org/drawingml/2006/main" xmlns:r="http://schemas.openxmlformats.org/officeDocument/2006/relationships" xmlns:p="http://schemas.openxmlformats.org/presentationml/2006/main">
   <p:cSld>
     <p:spTree>
@@ -9499,7 +10612,7 @@
 </p:sld>
 </file>
 
-<file path=ppt/slides/slide28.xml><?xml version="1.0" encoding="utf-8"?>
+<file path=ppt/slides/slide33.xml><?xml version="1.0" encoding="utf-8"?>
 <p:sld xmlns:a="http://schemas.openxmlformats.org/drawingml/2006/main" xmlns:r="http://schemas.openxmlformats.org/officeDocument/2006/relationships" xmlns:p="http://schemas.openxmlformats.org/presentationml/2006/main">
   <p:cSld>
     <p:spTree>
@@ -9793,7 +10906,7 @@
 </p:sld>
 </file>
 
-<file path=ppt/slides/slide29.xml><?xml version="1.0" encoding="utf-8"?>
+<file path=ppt/slides/slide34.xml><?xml version="1.0" encoding="utf-8"?>
 <p:sld xmlns:a="http://schemas.openxmlformats.org/drawingml/2006/main" xmlns:r="http://schemas.openxmlformats.org/officeDocument/2006/relationships" xmlns:p="http://schemas.openxmlformats.org/presentationml/2006/main">
   <p:cSld>
     <p:spTree>
@@ -10088,7 +11201,7 @@
 </p:sld>
 </file>
 
-<file path=ppt/slides/slide3.xml><?xml version="1.0" encoding="utf-8"?>
+<file path=ppt/slides/slide35.xml><?xml version="1.0" encoding="utf-8"?>
 <p:sld xmlns:a="http://schemas.openxmlformats.org/drawingml/2006/main" xmlns:r="http://schemas.openxmlformats.org/officeDocument/2006/relationships" xmlns:p="http://schemas.openxmlformats.org/presentationml/2006/main">
   <p:cSld>
     <p:spTree>
@@ -10121,30 +11234,18 @@
           <a:lstStyle/>
           <a:p>
             <a:r>
-              <a:rPr lang="de-DE" dirty="0" smtClean="0"/>
-              <a:t>Was ist </a:t>
-            </a:r>
-            <a:r>
-              <a:rPr lang="de-DE" dirty="0" err="1" smtClean="0"/>
-              <a:t>vCity</a:t>
-            </a:r>
-            <a:r>
-              <a:rPr lang="de-DE" dirty="0" smtClean="0"/>
-              <a:t>?</a:t>
-            </a:r>
-          </a:p>
-          <a:p>
-            <a:r>
-              <a:rPr lang="de-DE" dirty="0" smtClean="0"/>
-              <a:t>Kommunikation</a:t>
-            </a:r>
-          </a:p>
-          <a:p>
-            <a:r>
-              <a:rPr lang="de-DE" dirty="0" err="1" smtClean="0"/>
-              <a:t>GitHub</a:t>
-            </a:r>
+              <a:rPr lang="de-DE" dirty="0"/>
+              <a:t>Einfache CSV-Datei</a:t>
+            </a:r>
+          </a:p>
+          <a:p>
             <a:endParaRPr lang="de-DE" dirty="0"/>
+          </a:p>
+          <a:p>
+            <a:r>
+              <a:rPr lang="de-DE" dirty="0"/>
+              <a:t>Enthält Gebäude-ID und errechnetes Volumen</a:t>
+            </a:r>
           </a:p>
         </p:txBody>
       </p:sp>
@@ -10189,151 +11290,7 @@
             <a:fld id="{02075A8B-51D4-4999-A4F2-B3FAC6295E4D}" type="slidenum">
               <a:rPr lang="de-DE" smtClean="0"/>
               <a:pPr/>
-              <a:t>3</a:t>
-            </a:fld>
-            <a:endParaRPr lang="de-DE"/>
-          </a:p>
-        </p:txBody>
-      </p:sp>
-      <p:sp>
-        <p:nvSpPr>
-          <p:cNvPr id="5" name="Titel 4"/>
-          <p:cNvSpPr>
-            <a:spLocks noGrp="1"/>
-          </p:cNvSpPr>
-          <p:nvPr>
-            <p:ph type="title"/>
-          </p:nvPr>
-        </p:nvSpPr>
-        <p:spPr/>
-        <p:txBody>
-          <a:bodyPr>
-            <a:normAutofit/>
-          </a:bodyPr>
-          <a:lstStyle/>
-          <a:p>
-            <a:r>
-              <a:rPr lang="de-DE" dirty="0"/>
-              <a:t>Vorstellung </a:t>
-            </a:r>
-            <a:r>
-              <a:rPr lang="de-DE" dirty="0" err="1" smtClean="0"/>
-              <a:t>vCity</a:t>
-            </a:r>
-            <a:endParaRPr lang="de-DE" dirty="0"/>
-          </a:p>
-        </p:txBody>
-      </p:sp>
-    </p:spTree>
-    <p:extLst>
-      <p:ext uri="{BB962C8B-B14F-4D97-AF65-F5344CB8AC3E}">
-        <p14:creationId xmlns:p14="http://schemas.microsoft.com/office/powerpoint/2010/main" val="1397236420"/>
-      </p:ext>
-    </p:extLst>
-  </p:cSld>
-  <p:clrMapOvr>
-    <a:masterClrMapping/>
-  </p:clrMapOvr>
-  <p:timing>
-    <p:tnLst>
-      <p:par>
-        <p:cTn id="1" dur="indefinite" restart="never" nodeType="tmRoot"/>
-      </p:par>
-    </p:tnLst>
-  </p:timing>
-</p:sld>
-</file>
-
-<file path=ppt/slides/slide30.xml><?xml version="1.0" encoding="utf-8"?>
-<p:sld xmlns:a="http://schemas.openxmlformats.org/drawingml/2006/main" xmlns:r="http://schemas.openxmlformats.org/officeDocument/2006/relationships" xmlns:p="http://schemas.openxmlformats.org/presentationml/2006/main">
-  <p:cSld>
-    <p:spTree>
-      <p:nvGrpSpPr>
-        <p:cNvPr id="1" name=""/>
-        <p:cNvGrpSpPr/>
-        <p:nvPr/>
-      </p:nvGrpSpPr>
-      <p:grpSpPr>
-        <a:xfrm>
-          <a:off x="0" y="0"/>
-          <a:ext cx="0" cy="0"/>
-          <a:chOff x="0" y="0"/>
-          <a:chExt cx="0" cy="0"/>
-        </a:xfrm>
-      </p:grpSpPr>
-      <p:sp>
-        <p:nvSpPr>
-          <p:cNvPr id="2" name="Inhaltsplatzhalter 1"/>
-          <p:cNvSpPr>
-            <a:spLocks noGrp="1"/>
-          </p:cNvSpPr>
-          <p:nvPr>
-            <p:ph idx="1"/>
-          </p:nvPr>
-        </p:nvSpPr>
-        <p:spPr/>
-        <p:txBody>
-          <a:bodyPr/>
-          <a:lstStyle/>
-          <a:p>
-            <a:r>
-              <a:rPr lang="de-DE" dirty="0"/>
-              <a:t>Einfache CSV-Datei</a:t>
-            </a:r>
-          </a:p>
-          <a:p>
-            <a:endParaRPr lang="de-DE" dirty="0"/>
-          </a:p>
-          <a:p>
-            <a:r>
-              <a:rPr lang="de-DE" dirty="0"/>
-              <a:t>Enthält Gebäude-ID und errechnetes Volumen</a:t>
-            </a:r>
-          </a:p>
-        </p:txBody>
-      </p:sp>
-      <p:sp>
-        <p:nvSpPr>
-          <p:cNvPr id="3" name="Datumsplatzhalter 2"/>
-          <p:cNvSpPr>
-            <a:spLocks noGrp="1"/>
-          </p:cNvSpPr>
-          <p:nvPr>
-            <p:ph type="dt" sz="half" idx="10"/>
-          </p:nvPr>
-        </p:nvSpPr>
-        <p:spPr/>
-        <p:txBody>
-          <a:bodyPr/>
-          <a:lstStyle/>
-          <a:p>
-            <a:r>
-              <a:rPr lang="de-DE" smtClean="0"/>
-              <a:t>23.06.2014</a:t>
-            </a:r>
-            <a:endParaRPr lang="de-DE"/>
-          </a:p>
-        </p:txBody>
-      </p:sp>
-      <p:sp>
-        <p:nvSpPr>
-          <p:cNvPr id="4" name="Foliennummernplatzhalter 3"/>
-          <p:cNvSpPr>
-            <a:spLocks noGrp="1"/>
-          </p:cNvSpPr>
-          <p:nvPr>
-            <p:ph type="sldNum" sz="quarter" idx="12"/>
-          </p:nvPr>
-        </p:nvSpPr>
-        <p:spPr/>
-        <p:txBody>
-          <a:bodyPr/>
-          <a:lstStyle/>
-          <a:p>
-            <a:fld id="{02075A8B-51D4-4999-A4F2-B3FAC6295E4D}" type="slidenum">
-              <a:rPr lang="de-DE" smtClean="0"/>
-              <a:pPr/>
-              <a:t>30</a:t>
+              <a:t>35</a:t>
             </a:fld>
             <a:endParaRPr lang="de-DE"/>
           </a:p>
@@ -10437,7 +11394,7 @@
 </p:sld>
 </file>
 
-<file path=ppt/slides/slide31.xml><?xml version="1.0" encoding="utf-8"?>
+<file path=ppt/slides/slide36.xml><?xml version="1.0" encoding="utf-8"?>
 <p:sld xmlns:a="http://schemas.openxmlformats.org/drawingml/2006/main" xmlns:r="http://schemas.openxmlformats.org/officeDocument/2006/relationships" xmlns:p="http://schemas.openxmlformats.org/presentationml/2006/main">
   <p:cSld>
     <p:spTree>
@@ -10530,7 +11487,7 @@
             <a:fld id="{02075A8B-51D4-4999-A4F2-B3FAC6295E4D}" type="slidenum">
               <a:rPr lang="de-DE" smtClean="0"/>
               <a:pPr/>
-              <a:t>31</a:t>
+              <a:t>36</a:t>
             </a:fld>
             <a:endParaRPr lang="de-DE"/>
           </a:p>
@@ -10635,7 +11592,7 @@
 </p:sld>
 </file>
 
-<file path=ppt/slides/slide32.xml><?xml version="1.0" encoding="utf-8"?>
+<file path=ppt/slides/slide37.xml><?xml version="1.0" encoding="utf-8"?>
 <p:sld xmlns:a="http://schemas.openxmlformats.org/drawingml/2006/main" xmlns:r="http://schemas.openxmlformats.org/officeDocument/2006/relationships" xmlns:p="http://schemas.openxmlformats.org/presentationml/2006/main">
   <p:cSld>
     <p:spTree>
@@ -10732,7 +11689,7 @@
             <a:fld id="{02075A8B-51D4-4999-A4F2-B3FAC6295E4D}" type="slidenum">
               <a:rPr lang="de-DE" smtClean="0"/>
               <a:pPr/>
-              <a:t>32</a:t>
+              <a:t>37</a:t>
             </a:fld>
             <a:endParaRPr lang="de-DE"/>
           </a:p>
@@ -10782,7 +11739,7 @@
 </p:sld>
 </file>
 
-<file path=ppt/slides/slide33.xml><?xml version="1.0" encoding="utf-8"?>
+<file path=ppt/slides/slide38.xml><?xml version="1.0" encoding="utf-8"?>
 <p:sld xmlns:a="http://schemas.openxmlformats.org/drawingml/2006/main" xmlns:r="http://schemas.openxmlformats.org/officeDocument/2006/relationships" xmlns:p="http://schemas.openxmlformats.org/presentationml/2006/main">
   <p:cSld>
     <p:spTree>
@@ -10906,7 +11863,7 @@
             <a:fld id="{02075A8B-51D4-4999-A4F2-B3FAC6295E4D}" type="slidenum">
               <a:rPr lang="de-DE" smtClean="0"/>
               <a:pPr/>
-              <a:t>33</a:t>
+              <a:t>38</a:t>
             </a:fld>
             <a:endParaRPr lang="de-DE"/>
           </a:p>
@@ -11516,922 +12473,6 @@
 </p:sld>
 </file>
 
-<file path=ppt/slides/slide34.xml><?xml version="1.0" encoding="utf-8"?>
-<p:sld xmlns:a="http://schemas.openxmlformats.org/drawingml/2006/main" xmlns:r="http://schemas.openxmlformats.org/officeDocument/2006/relationships" xmlns:p="http://schemas.openxmlformats.org/presentationml/2006/main">
-  <p:cSld>
-    <p:spTree>
-      <p:nvGrpSpPr>
-        <p:cNvPr id="1" name=""/>
-        <p:cNvGrpSpPr/>
-        <p:nvPr/>
-      </p:nvGrpSpPr>
-      <p:grpSpPr>
-        <a:xfrm>
-          <a:off x="0" y="0"/>
-          <a:ext cx="0" cy="0"/>
-          <a:chOff x="0" y="0"/>
-          <a:chExt cx="0" cy="0"/>
-        </a:xfrm>
-      </p:grpSpPr>
-      <p:sp>
-        <p:nvSpPr>
-          <p:cNvPr id="2" name="Inhaltsplatzhalter 1"/>
-          <p:cNvSpPr>
-            <a:spLocks noGrp="1"/>
-          </p:cNvSpPr>
-          <p:nvPr>
-            <p:ph idx="1"/>
-          </p:nvPr>
-        </p:nvSpPr>
-        <p:spPr/>
-        <p:txBody>
-          <a:bodyPr>
-            <a:normAutofit/>
-          </a:bodyPr>
-          <a:lstStyle/>
-          <a:p>
-            <a:r>
-              <a:rPr lang="de-DE" dirty="0" err="1"/>
-              <a:t>CityGML</a:t>
-            </a:r>
-            <a:r>
-              <a:rPr lang="de-DE" dirty="0"/>
-              <a:t>- Doku</a:t>
-            </a:r>
-          </a:p>
-          <a:p>
-            <a:pPr lvl="1"/>
-            <a:r>
-              <a:rPr lang="de-DE" dirty="0" smtClean="0"/>
-              <a:t>Schlecht </a:t>
-            </a:r>
-            <a:r>
-              <a:rPr lang="de-DE" dirty="0"/>
-              <a:t>dokumentiert</a:t>
-            </a:r>
-          </a:p>
-          <a:p>
-            <a:pPr lvl="1"/>
-            <a:r>
-              <a:rPr lang="de-DE" dirty="0" smtClean="0"/>
-              <a:t>Viele </a:t>
-            </a:r>
-            <a:r>
-              <a:rPr lang="de-DE" dirty="0"/>
-              <a:t>Felder oft nicht belegt -&gt; „null“</a:t>
-            </a:r>
-          </a:p>
-          <a:p>
-            <a:pPr lvl="1"/>
-            <a:r>
-              <a:rPr lang="de-DE" dirty="0" smtClean="0"/>
-              <a:t>Exploratives </a:t>
-            </a:r>
-            <a:r>
-              <a:rPr lang="de-DE" dirty="0"/>
-              <a:t>Testen schwerfällig</a:t>
-            </a:r>
-          </a:p>
-          <a:p>
-            <a:r>
-              <a:rPr lang="de-DE" dirty="0"/>
-              <a:t>Laufzeit Parser</a:t>
-            </a:r>
-          </a:p>
-          <a:p>
-            <a:pPr lvl="1"/>
-            <a:r>
-              <a:rPr lang="de-DE" dirty="0" smtClean="0"/>
-              <a:t>Bisher </a:t>
-            </a:r>
-            <a:r>
-              <a:rPr lang="de-DE" dirty="0"/>
-              <a:t>verkraftbar</a:t>
-            </a:r>
-          </a:p>
-          <a:p>
-            <a:pPr lvl="1"/>
-            <a:r>
-              <a:rPr lang="de-DE" dirty="0" smtClean="0"/>
-              <a:t>Problem</a:t>
-            </a:r>
-            <a:r>
-              <a:rPr lang="de-DE" dirty="0"/>
-              <a:t>: Größere Stadtmodelle</a:t>
-            </a:r>
-          </a:p>
-          <a:p>
-            <a:pPr lvl="1"/>
-            <a:r>
-              <a:rPr lang="de-DE" dirty="0" smtClean="0"/>
-              <a:t>Ausblick</a:t>
-            </a:r>
-            <a:r>
-              <a:rPr lang="de-DE" dirty="0"/>
-              <a:t>: XML-Dokument in </a:t>
-            </a:r>
-            <a:r>
-              <a:rPr lang="de-DE" dirty="0" smtClean="0"/>
-              <a:t>RAM</a:t>
-            </a:r>
-            <a:endParaRPr lang="de-DE" dirty="0"/>
-          </a:p>
-        </p:txBody>
-      </p:sp>
-      <p:sp>
-        <p:nvSpPr>
-          <p:cNvPr id="3" name="Datumsplatzhalter 2"/>
-          <p:cNvSpPr>
-            <a:spLocks noGrp="1"/>
-          </p:cNvSpPr>
-          <p:nvPr>
-            <p:ph type="dt" sz="half" idx="10"/>
-          </p:nvPr>
-        </p:nvSpPr>
-        <p:spPr/>
-        <p:txBody>
-          <a:bodyPr/>
-          <a:lstStyle/>
-          <a:p>
-            <a:r>
-              <a:rPr lang="de-DE" smtClean="0"/>
-              <a:t>23.06.2014</a:t>
-            </a:r>
-            <a:endParaRPr lang="de-DE"/>
-          </a:p>
-        </p:txBody>
-      </p:sp>
-      <p:sp>
-        <p:nvSpPr>
-          <p:cNvPr id="4" name="Foliennummernplatzhalter 3"/>
-          <p:cNvSpPr>
-            <a:spLocks noGrp="1"/>
-          </p:cNvSpPr>
-          <p:nvPr>
-            <p:ph type="sldNum" sz="quarter" idx="12"/>
-          </p:nvPr>
-        </p:nvSpPr>
-        <p:spPr/>
-        <p:txBody>
-          <a:bodyPr/>
-          <a:lstStyle/>
-          <a:p>
-            <a:fld id="{02075A8B-51D4-4999-A4F2-B3FAC6295E4D}" type="slidenum">
-              <a:rPr lang="de-DE" smtClean="0"/>
-              <a:pPr/>
-              <a:t>34</a:t>
-            </a:fld>
-            <a:endParaRPr lang="de-DE"/>
-          </a:p>
-        </p:txBody>
-      </p:sp>
-      <p:sp>
-        <p:nvSpPr>
-          <p:cNvPr id="5" name="Titel 4"/>
-          <p:cNvSpPr>
-            <a:spLocks noGrp="1"/>
-          </p:cNvSpPr>
-          <p:nvPr>
-            <p:ph type="title"/>
-          </p:nvPr>
-        </p:nvSpPr>
-        <p:spPr/>
-        <p:txBody>
-          <a:bodyPr/>
-          <a:lstStyle/>
-          <a:p>
-            <a:r>
-              <a:rPr lang="de-DE" dirty="0" smtClean="0"/>
-              <a:t>Parser: Troubleshooting</a:t>
-            </a:r>
-            <a:endParaRPr lang="de-DE" dirty="0"/>
-          </a:p>
-        </p:txBody>
-      </p:sp>
-    </p:spTree>
-    <p:extLst>
-      <p:ext uri="{BB962C8B-B14F-4D97-AF65-F5344CB8AC3E}">
-        <p14:creationId xmlns:p14="http://schemas.microsoft.com/office/powerpoint/2010/main" val="174954716"/>
-      </p:ext>
-    </p:extLst>
-  </p:cSld>
-  <p:clrMapOvr>
-    <a:masterClrMapping/>
-  </p:clrMapOvr>
-</p:sld>
-</file>
-
-<file path=ppt/slides/slide35.xml><?xml version="1.0" encoding="utf-8"?>
-<p:sld xmlns:a="http://schemas.openxmlformats.org/drawingml/2006/main" xmlns:r="http://schemas.openxmlformats.org/officeDocument/2006/relationships" xmlns:p="http://schemas.openxmlformats.org/presentationml/2006/main">
-  <p:cSld>
-    <p:spTree>
-      <p:nvGrpSpPr>
-        <p:cNvPr id="1" name=""/>
-        <p:cNvGrpSpPr/>
-        <p:nvPr/>
-      </p:nvGrpSpPr>
-      <p:grpSpPr>
-        <a:xfrm>
-          <a:off x="0" y="0"/>
-          <a:ext cx="0" cy="0"/>
-          <a:chOff x="0" y="0"/>
-          <a:chExt cx="0" cy="0"/>
-        </a:xfrm>
-      </p:grpSpPr>
-      <p:sp>
-        <p:nvSpPr>
-          <p:cNvPr id="2" name="Inhaltsplatzhalter 1"/>
-          <p:cNvSpPr>
-            <a:spLocks noGrp="1"/>
-          </p:cNvSpPr>
-          <p:nvPr>
-            <p:ph idx="1"/>
-          </p:nvPr>
-        </p:nvSpPr>
-        <p:spPr/>
-        <p:txBody>
-          <a:bodyPr>
-            <a:normAutofit/>
-          </a:bodyPr>
-          <a:lstStyle/>
-          <a:p>
-            <a:r>
-              <a:rPr lang="de-DE" dirty="0" err="1"/>
-              <a:t>CityGML</a:t>
-            </a:r>
-            <a:r>
-              <a:rPr lang="de-DE" dirty="0"/>
-              <a:t>- Doku</a:t>
-            </a:r>
-          </a:p>
-          <a:p>
-            <a:pPr lvl="1"/>
-            <a:r>
-              <a:rPr lang="de-DE" dirty="0" smtClean="0"/>
-              <a:t>Schlecht </a:t>
-            </a:r>
-            <a:r>
-              <a:rPr lang="de-DE" dirty="0"/>
-              <a:t>dokumentiert</a:t>
-            </a:r>
-          </a:p>
-          <a:p>
-            <a:pPr lvl="1"/>
-            <a:r>
-              <a:rPr lang="de-DE" dirty="0" smtClean="0"/>
-              <a:t>Viele </a:t>
-            </a:r>
-            <a:r>
-              <a:rPr lang="de-DE" dirty="0"/>
-              <a:t>Felder oft nicht belegt -&gt; „null“</a:t>
-            </a:r>
-          </a:p>
-          <a:p>
-            <a:pPr lvl="1"/>
-            <a:r>
-              <a:rPr lang="de-DE" dirty="0" smtClean="0"/>
-              <a:t>Exploratives </a:t>
-            </a:r>
-            <a:r>
-              <a:rPr lang="de-DE" dirty="0"/>
-              <a:t>Testen schwerfällig</a:t>
-            </a:r>
-          </a:p>
-          <a:p>
-            <a:r>
-              <a:rPr lang="de-DE" dirty="0"/>
-              <a:t>Laufzeit Parser</a:t>
-            </a:r>
-          </a:p>
-          <a:p>
-            <a:pPr lvl="1"/>
-            <a:r>
-              <a:rPr lang="de-DE" dirty="0" smtClean="0"/>
-              <a:t>Bisher </a:t>
-            </a:r>
-            <a:r>
-              <a:rPr lang="de-DE" dirty="0"/>
-              <a:t>verkraftbar</a:t>
-            </a:r>
-          </a:p>
-          <a:p>
-            <a:pPr lvl="1"/>
-            <a:r>
-              <a:rPr lang="de-DE" dirty="0" smtClean="0"/>
-              <a:t>Problem</a:t>
-            </a:r>
-            <a:r>
-              <a:rPr lang="de-DE" dirty="0"/>
-              <a:t>: Größere Stadtmodelle</a:t>
-            </a:r>
-          </a:p>
-          <a:p>
-            <a:pPr lvl="1"/>
-            <a:r>
-              <a:rPr lang="de-DE" dirty="0" smtClean="0"/>
-              <a:t>Ausblick</a:t>
-            </a:r>
-            <a:r>
-              <a:rPr lang="de-DE" dirty="0"/>
-              <a:t>: XML-Dokument in RAM</a:t>
-            </a:r>
-          </a:p>
-          <a:p>
-            <a:r>
-              <a:rPr lang="de-DE" dirty="0"/>
-              <a:t>Genauigkeit der Berechnungen</a:t>
-            </a:r>
-          </a:p>
-          <a:p>
-            <a:pPr lvl="1"/>
-            <a:r>
-              <a:rPr lang="de-DE" dirty="0" smtClean="0"/>
-              <a:t>„Umrechnen</a:t>
-            </a:r>
-            <a:r>
-              <a:rPr lang="de-DE" dirty="0"/>
-              <a:t>“ von double zu </a:t>
-            </a:r>
-            <a:r>
-              <a:rPr lang="de-DE" dirty="0" err="1"/>
-              <a:t>float</a:t>
-            </a:r>
-            <a:r>
-              <a:rPr lang="de-DE" dirty="0"/>
-              <a:t> - Datentypen zur Volumenberechnung</a:t>
-            </a:r>
-          </a:p>
-          <a:p>
-            <a:endParaRPr lang="de-DE" dirty="0"/>
-          </a:p>
-        </p:txBody>
-      </p:sp>
-      <p:sp>
-        <p:nvSpPr>
-          <p:cNvPr id="3" name="Datumsplatzhalter 2"/>
-          <p:cNvSpPr>
-            <a:spLocks noGrp="1"/>
-          </p:cNvSpPr>
-          <p:nvPr>
-            <p:ph type="dt" sz="half" idx="10"/>
-          </p:nvPr>
-        </p:nvSpPr>
-        <p:spPr/>
-        <p:txBody>
-          <a:bodyPr/>
-          <a:lstStyle/>
-          <a:p>
-            <a:r>
-              <a:rPr lang="de-DE" smtClean="0"/>
-              <a:t>23.06.2014</a:t>
-            </a:r>
-            <a:endParaRPr lang="de-DE"/>
-          </a:p>
-        </p:txBody>
-      </p:sp>
-      <p:sp>
-        <p:nvSpPr>
-          <p:cNvPr id="4" name="Foliennummernplatzhalter 3"/>
-          <p:cNvSpPr>
-            <a:spLocks noGrp="1"/>
-          </p:cNvSpPr>
-          <p:nvPr>
-            <p:ph type="sldNum" sz="quarter" idx="12"/>
-          </p:nvPr>
-        </p:nvSpPr>
-        <p:spPr/>
-        <p:txBody>
-          <a:bodyPr/>
-          <a:lstStyle/>
-          <a:p>
-            <a:fld id="{02075A8B-51D4-4999-A4F2-B3FAC6295E4D}" type="slidenum">
-              <a:rPr lang="de-DE" smtClean="0"/>
-              <a:pPr/>
-              <a:t>35</a:t>
-            </a:fld>
-            <a:endParaRPr lang="de-DE"/>
-          </a:p>
-        </p:txBody>
-      </p:sp>
-      <p:sp>
-        <p:nvSpPr>
-          <p:cNvPr id="5" name="Titel 4"/>
-          <p:cNvSpPr>
-            <a:spLocks noGrp="1"/>
-          </p:cNvSpPr>
-          <p:nvPr>
-            <p:ph type="title"/>
-          </p:nvPr>
-        </p:nvSpPr>
-        <p:spPr/>
-        <p:txBody>
-          <a:bodyPr/>
-          <a:lstStyle/>
-          <a:p>
-            <a:r>
-              <a:rPr lang="de-DE" dirty="0" smtClean="0"/>
-              <a:t>Parser: Troubleshooting</a:t>
-            </a:r>
-            <a:endParaRPr lang="de-DE" dirty="0"/>
-          </a:p>
-        </p:txBody>
-      </p:sp>
-    </p:spTree>
-    <p:extLst>
-      <p:ext uri="{BB962C8B-B14F-4D97-AF65-F5344CB8AC3E}">
-        <p14:creationId xmlns:p14="http://schemas.microsoft.com/office/powerpoint/2010/main" val="3529786392"/>
-      </p:ext>
-    </p:extLst>
-  </p:cSld>
-  <p:clrMapOvr>
-    <a:masterClrMapping/>
-  </p:clrMapOvr>
-</p:sld>
-</file>
-
-<file path=ppt/slides/slide36.xml><?xml version="1.0" encoding="utf-8"?>
-<p:sld xmlns:a="http://schemas.openxmlformats.org/drawingml/2006/main" xmlns:r="http://schemas.openxmlformats.org/officeDocument/2006/relationships" xmlns:p="http://schemas.openxmlformats.org/presentationml/2006/main">
-  <p:cSld>
-    <p:spTree>
-      <p:nvGrpSpPr>
-        <p:cNvPr id="1" name=""/>
-        <p:cNvGrpSpPr/>
-        <p:nvPr/>
-      </p:nvGrpSpPr>
-      <p:grpSpPr>
-        <a:xfrm>
-          <a:off x="0" y="0"/>
-          <a:ext cx="0" cy="0"/>
-          <a:chOff x="0" y="0"/>
-          <a:chExt cx="0" cy="0"/>
-        </a:xfrm>
-      </p:grpSpPr>
-      <p:sp>
-        <p:nvSpPr>
-          <p:cNvPr id="2" name="Inhaltsplatzhalter 1"/>
-          <p:cNvSpPr>
-            <a:spLocks noGrp="1"/>
-          </p:cNvSpPr>
-          <p:nvPr>
-            <p:ph idx="1"/>
-          </p:nvPr>
-        </p:nvSpPr>
-        <p:spPr/>
-        <p:txBody>
-          <a:bodyPr/>
-          <a:lstStyle/>
-          <a:p>
-            <a:r>
-              <a:rPr lang="de-DE" dirty="0" smtClean="0"/>
-              <a:t>Aufgabe</a:t>
-            </a:r>
-          </a:p>
-          <a:p>
-            <a:r>
-              <a:rPr lang="de-DE" dirty="0" smtClean="0"/>
-              <a:t>Allgemeines zu </a:t>
-            </a:r>
-            <a:r>
-              <a:rPr lang="de-DE" dirty="0" err="1" smtClean="0"/>
-              <a:t>OpenCL</a:t>
-            </a:r>
-            <a:endParaRPr lang="de-DE" dirty="0" smtClean="0"/>
-          </a:p>
-          <a:p>
-            <a:r>
-              <a:rPr lang="de-DE" dirty="0" smtClean="0"/>
-              <a:t>Volumenberechnung</a:t>
-            </a:r>
-          </a:p>
-          <a:p>
-            <a:r>
-              <a:rPr lang="de-DE" dirty="0" smtClean="0"/>
-              <a:t>Schattenberechnung</a:t>
-            </a:r>
-          </a:p>
-          <a:p>
-            <a:r>
-              <a:rPr lang="de-DE" dirty="0" smtClean="0"/>
-              <a:t>Sonnenposition</a:t>
-            </a:r>
-          </a:p>
-          <a:p>
-            <a:endParaRPr lang="de-DE" dirty="0"/>
-          </a:p>
-        </p:txBody>
-      </p:sp>
-      <p:sp>
-        <p:nvSpPr>
-          <p:cNvPr id="3" name="Datumsplatzhalter 2"/>
-          <p:cNvSpPr>
-            <a:spLocks noGrp="1"/>
-          </p:cNvSpPr>
-          <p:nvPr>
-            <p:ph type="dt" sz="half" idx="10"/>
-          </p:nvPr>
-        </p:nvSpPr>
-        <p:spPr/>
-        <p:txBody>
-          <a:bodyPr/>
-          <a:lstStyle/>
-          <a:p>
-            <a:r>
-              <a:rPr lang="de-DE" smtClean="0"/>
-              <a:t>23.06.2014</a:t>
-            </a:r>
-            <a:endParaRPr lang="de-DE"/>
-          </a:p>
-        </p:txBody>
-      </p:sp>
-      <p:sp>
-        <p:nvSpPr>
-          <p:cNvPr id="4" name="Foliennummernplatzhalter 3"/>
-          <p:cNvSpPr>
-            <a:spLocks noGrp="1"/>
-          </p:cNvSpPr>
-          <p:nvPr>
-            <p:ph type="sldNum" sz="quarter" idx="12"/>
-          </p:nvPr>
-        </p:nvSpPr>
-        <p:spPr/>
-        <p:txBody>
-          <a:bodyPr/>
-          <a:lstStyle/>
-          <a:p>
-            <a:fld id="{02075A8B-51D4-4999-A4F2-B3FAC6295E4D}" type="slidenum">
-              <a:rPr lang="de-DE" smtClean="0"/>
-              <a:pPr/>
-              <a:t>36</a:t>
-            </a:fld>
-            <a:endParaRPr lang="de-DE"/>
-          </a:p>
-        </p:txBody>
-      </p:sp>
-      <p:sp>
-        <p:nvSpPr>
-          <p:cNvPr id="5" name="Titel 4"/>
-          <p:cNvSpPr>
-            <a:spLocks noGrp="1"/>
-          </p:cNvSpPr>
-          <p:nvPr>
-            <p:ph type="title"/>
-          </p:nvPr>
-        </p:nvSpPr>
-        <p:spPr/>
-        <p:txBody>
-          <a:bodyPr>
-            <a:normAutofit/>
-          </a:bodyPr>
-          <a:lstStyle/>
-          <a:p>
-            <a:r>
-              <a:rPr lang="de-DE" dirty="0" err="1" smtClean="0"/>
-              <a:t>OpenCL</a:t>
-            </a:r>
-            <a:endParaRPr lang="de-DE" dirty="0"/>
-          </a:p>
-        </p:txBody>
-      </p:sp>
-    </p:spTree>
-    <p:extLst>
-      <p:ext uri="{BB962C8B-B14F-4D97-AF65-F5344CB8AC3E}">
-        <p14:creationId xmlns:p14="http://schemas.microsoft.com/office/powerpoint/2010/main" val="1711646626"/>
-      </p:ext>
-    </p:extLst>
-  </p:cSld>
-  <p:clrMapOvr>
-    <a:masterClrMapping/>
-  </p:clrMapOvr>
-  <p:timing>
-    <p:tnLst>
-      <p:par>
-        <p:cTn id="1" dur="indefinite" restart="never" nodeType="tmRoot"/>
-      </p:par>
-    </p:tnLst>
-  </p:timing>
-</p:sld>
-</file>
-
-<file path=ppt/slides/slide37.xml><?xml version="1.0" encoding="utf-8"?>
-<p:sld xmlns:a="http://schemas.openxmlformats.org/drawingml/2006/main" xmlns:r="http://schemas.openxmlformats.org/officeDocument/2006/relationships" xmlns:p="http://schemas.openxmlformats.org/presentationml/2006/main">
-  <p:cSld>
-    <p:spTree>
-      <p:nvGrpSpPr>
-        <p:cNvPr id="1" name=""/>
-        <p:cNvGrpSpPr/>
-        <p:nvPr/>
-      </p:nvGrpSpPr>
-      <p:grpSpPr>
-        <a:xfrm>
-          <a:off x="0" y="0"/>
-          <a:ext cx="0" cy="0"/>
-          <a:chOff x="0" y="0"/>
-          <a:chExt cx="0" cy="0"/>
-        </a:xfrm>
-      </p:grpSpPr>
-      <p:sp>
-        <p:nvSpPr>
-          <p:cNvPr id="2" name="Inhaltsplatzhalter 1"/>
-          <p:cNvSpPr>
-            <a:spLocks noGrp="1"/>
-          </p:cNvSpPr>
-          <p:nvPr>
-            <p:ph idx="1"/>
-          </p:nvPr>
-        </p:nvSpPr>
-        <p:spPr/>
-        <p:txBody>
-          <a:bodyPr/>
-          <a:lstStyle/>
-          <a:p>
-            <a:r>
-              <a:rPr lang="de-DE" dirty="0" smtClean="0"/>
-              <a:t>Aufgabe: Implementierung einer Volumenberechnung und einer Schattenberechnung in CUDA oder </a:t>
-            </a:r>
-            <a:r>
-              <a:rPr lang="de-DE" dirty="0" err="1" smtClean="0"/>
-              <a:t>OpenCL</a:t>
-            </a:r>
-            <a:endParaRPr lang="de-DE" dirty="0" smtClean="0"/>
-          </a:p>
-          <a:p>
-            <a:r>
-              <a:rPr lang="de-DE" dirty="0" smtClean="0"/>
-              <a:t>Aufgaben wurden sowohl in Java als auch </a:t>
-            </a:r>
-            <a:r>
-              <a:rPr lang="de-DE" dirty="0" err="1" smtClean="0"/>
-              <a:t>OpenCL</a:t>
-            </a:r>
-            <a:r>
-              <a:rPr lang="de-DE" dirty="0" smtClean="0"/>
-              <a:t> gelöst</a:t>
-            </a:r>
-          </a:p>
-          <a:p>
-            <a:r>
-              <a:rPr lang="de-DE" dirty="0" smtClean="0"/>
-              <a:t>Java Implementierung wird als Fall-Back verwendet</a:t>
-            </a:r>
-            <a:endParaRPr lang="de-DE" dirty="0"/>
-          </a:p>
-        </p:txBody>
-      </p:sp>
-      <p:sp>
-        <p:nvSpPr>
-          <p:cNvPr id="3" name="Titel 2"/>
-          <p:cNvSpPr>
-            <a:spLocks noGrp="1"/>
-          </p:cNvSpPr>
-          <p:nvPr>
-            <p:ph type="title"/>
-          </p:nvPr>
-        </p:nvSpPr>
-        <p:spPr/>
-        <p:txBody>
-          <a:bodyPr/>
-          <a:lstStyle/>
-          <a:p>
-            <a:r>
-              <a:rPr lang="de-DE" dirty="0" smtClean="0"/>
-              <a:t>Aufgabe</a:t>
-            </a:r>
-            <a:endParaRPr lang="de-DE" dirty="0"/>
-          </a:p>
-        </p:txBody>
-      </p:sp>
-      <p:sp>
-        <p:nvSpPr>
-          <p:cNvPr id="4" name="Datumsplatzhalter 3"/>
-          <p:cNvSpPr>
-            <a:spLocks noGrp="1"/>
-          </p:cNvSpPr>
-          <p:nvPr>
-            <p:ph type="dt" sz="half" idx="10"/>
-          </p:nvPr>
-        </p:nvSpPr>
-        <p:spPr/>
-        <p:txBody>
-          <a:bodyPr/>
-          <a:lstStyle/>
-          <a:p>
-            <a:r>
-              <a:rPr lang="de-DE" smtClean="0"/>
-              <a:t>23.06.2014</a:t>
-            </a:r>
-            <a:endParaRPr lang="de-DE"/>
-          </a:p>
-        </p:txBody>
-      </p:sp>
-      <p:sp>
-        <p:nvSpPr>
-          <p:cNvPr id="5" name="Foliennummernplatzhalter 4"/>
-          <p:cNvSpPr>
-            <a:spLocks noGrp="1"/>
-          </p:cNvSpPr>
-          <p:nvPr>
-            <p:ph type="sldNum" sz="quarter" idx="12"/>
-          </p:nvPr>
-        </p:nvSpPr>
-        <p:spPr/>
-        <p:txBody>
-          <a:bodyPr/>
-          <a:lstStyle/>
-          <a:p>
-            <a:fld id="{02075A8B-51D4-4999-A4F2-B3FAC6295E4D}" type="slidenum">
-              <a:rPr lang="de-DE" smtClean="0"/>
-              <a:pPr/>
-              <a:t>37</a:t>
-            </a:fld>
-            <a:endParaRPr lang="de-DE"/>
-          </a:p>
-        </p:txBody>
-      </p:sp>
-    </p:spTree>
-    <p:extLst>
-      <p:ext uri="{BB962C8B-B14F-4D97-AF65-F5344CB8AC3E}">
-        <p14:creationId xmlns:p14="http://schemas.microsoft.com/office/powerpoint/2010/main" val="1439573380"/>
-      </p:ext>
-    </p:extLst>
-  </p:cSld>
-  <p:clrMapOvr>
-    <a:masterClrMapping/>
-  </p:clrMapOvr>
-  <p:timing>
-    <p:tnLst>
-      <p:par>
-        <p:cTn id="1" dur="indefinite" restart="never" nodeType="tmRoot"/>
-      </p:par>
-    </p:tnLst>
-  </p:timing>
-</p:sld>
-</file>
-
-<file path=ppt/slides/slide38.xml><?xml version="1.0" encoding="utf-8"?>
-<p:sld xmlns:a="http://schemas.openxmlformats.org/drawingml/2006/main" xmlns:r="http://schemas.openxmlformats.org/officeDocument/2006/relationships" xmlns:p="http://schemas.openxmlformats.org/presentationml/2006/main">
-  <p:cSld>
-    <p:spTree>
-      <p:nvGrpSpPr>
-        <p:cNvPr id="1" name=""/>
-        <p:cNvGrpSpPr/>
-        <p:nvPr/>
-      </p:nvGrpSpPr>
-      <p:grpSpPr>
-        <a:xfrm>
-          <a:off x="0" y="0"/>
-          <a:ext cx="0" cy="0"/>
-          <a:chOff x="0" y="0"/>
-          <a:chExt cx="0" cy="0"/>
-        </a:xfrm>
-      </p:grpSpPr>
-      <p:sp>
-        <p:nvSpPr>
-          <p:cNvPr id="2" name="Inhaltsplatzhalter 1"/>
-          <p:cNvSpPr>
-            <a:spLocks noGrp="1"/>
-          </p:cNvSpPr>
-          <p:nvPr>
-            <p:ph idx="1"/>
-          </p:nvPr>
-        </p:nvSpPr>
-        <p:spPr/>
-        <p:txBody>
-          <a:bodyPr/>
-          <a:lstStyle/>
-          <a:p>
-            <a:r>
-              <a:rPr lang="de-DE" dirty="0" smtClean="0"/>
-              <a:t>CPU hat 2 – 8 Kerne, GPU im Labor hat 1024 Kerne</a:t>
-            </a:r>
-          </a:p>
-          <a:p>
-            <a:r>
-              <a:rPr lang="de-DE" dirty="0" smtClean="0"/>
-              <a:t>Aber geringere Taktrate pro Kern</a:t>
-            </a:r>
-          </a:p>
-          <a:p>
-            <a:r>
-              <a:rPr lang="de-DE" dirty="0" err="1" smtClean="0"/>
-              <a:t>Parallelisierbarer</a:t>
-            </a:r>
-            <a:r>
-              <a:rPr lang="de-DE" dirty="0" smtClean="0"/>
-              <a:t> Code kann extrem gut auf der GPU berechnet werden</a:t>
-            </a:r>
-          </a:p>
-          <a:p>
-            <a:r>
-              <a:rPr lang="de-DE" dirty="0" smtClean="0"/>
-              <a:t>Sowohl Volumenberechnung als auch Schattenberechnung gut </a:t>
-            </a:r>
-            <a:r>
-              <a:rPr lang="de-DE" dirty="0" err="1" smtClean="0"/>
-              <a:t>parallelisierbar</a:t>
-            </a:r>
-            <a:endParaRPr lang="de-DE" dirty="0" smtClean="0"/>
-          </a:p>
-          <a:p>
-            <a:r>
-              <a:rPr lang="de-DE" dirty="0" smtClean="0"/>
-              <a:t>Schattenberechnungszeit von Stunden auf Minuten reduziert</a:t>
-            </a:r>
-          </a:p>
-          <a:p>
-            <a:endParaRPr lang="de-DE" dirty="0"/>
-          </a:p>
-        </p:txBody>
-      </p:sp>
-      <p:sp>
-        <p:nvSpPr>
-          <p:cNvPr id="3" name="Datumsplatzhalter 2"/>
-          <p:cNvSpPr>
-            <a:spLocks noGrp="1"/>
-          </p:cNvSpPr>
-          <p:nvPr>
-            <p:ph type="dt" sz="half" idx="10"/>
-          </p:nvPr>
-        </p:nvSpPr>
-        <p:spPr/>
-        <p:txBody>
-          <a:bodyPr/>
-          <a:lstStyle/>
-          <a:p>
-            <a:r>
-              <a:rPr lang="de-DE" smtClean="0"/>
-              <a:t>23.06.2014</a:t>
-            </a:r>
-            <a:endParaRPr lang="de-DE"/>
-          </a:p>
-        </p:txBody>
-      </p:sp>
-      <p:sp>
-        <p:nvSpPr>
-          <p:cNvPr id="4" name="Foliennummernplatzhalter 3"/>
-          <p:cNvSpPr>
-            <a:spLocks noGrp="1"/>
-          </p:cNvSpPr>
-          <p:nvPr>
-            <p:ph type="sldNum" sz="quarter" idx="12"/>
-          </p:nvPr>
-        </p:nvSpPr>
-        <p:spPr/>
-        <p:txBody>
-          <a:bodyPr/>
-          <a:lstStyle/>
-          <a:p>
-            <a:fld id="{02075A8B-51D4-4999-A4F2-B3FAC6295E4D}" type="slidenum">
-              <a:rPr lang="de-DE" smtClean="0"/>
-              <a:pPr/>
-              <a:t>38</a:t>
-            </a:fld>
-            <a:endParaRPr lang="de-DE"/>
-          </a:p>
-        </p:txBody>
-      </p:sp>
-      <p:sp>
-        <p:nvSpPr>
-          <p:cNvPr id="5" name="Titel 4"/>
-          <p:cNvSpPr>
-            <a:spLocks noGrp="1"/>
-          </p:cNvSpPr>
-          <p:nvPr>
-            <p:ph type="title"/>
-          </p:nvPr>
-        </p:nvSpPr>
-        <p:spPr/>
-        <p:txBody>
-          <a:bodyPr/>
-          <a:lstStyle/>
-          <a:p>
-            <a:r>
-              <a:rPr lang="de-DE" dirty="0" smtClean="0"/>
-              <a:t>Warum GPU?</a:t>
-            </a:r>
-            <a:endParaRPr lang="de-DE" dirty="0"/>
-          </a:p>
-        </p:txBody>
-      </p:sp>
-    </p:spTree>
-    <p:extLst>
-      <p:ext uri="{BB962C8B-B14F-4D97-AF65-F5344CB8AC3E}">
-        <p14:creationId xmlns:p14="http://schemas.microsoft.com/office/powerpoint/2010/main" val="3272700345"/>
-      </p:ext>
-    </p:extLst>
-  </p:cSld>
-  <p:clrMapOvr>
-    <a:masterClrMapping/>
-  </p:clrMapOvr>
-  <p:timing>
-    <p:tnLst>
-      <p:par>
-        <p:cTn id="1" dur="indefinite" restart="never" nodeType="tmRoot"/>
-      </p:par>
-    </p:tnLst>
-  </p:timing>
-</p:sld>
-</file>
-
 <file path=ppt/slides/slide39.xml><?xml version="1.0" encoding="utf-8"?>
 <p:sld xmlns:a="http://schemas.openxmlformats.org/drawingml/2006/main" xmlns:r="http://schemas.openxmlformats.org/officeDocument/2006/relationships" xmlns:p="http://schemas.openxmlformats.org/presentationml/2006/main">
   <p:cSld>
@@ -12461,52 +12502,94 @@
         </p:nvSpPr>
         <p:spPr/>
         <p:txBody>
-          <a:bodyPr/>
-          <a:lstStyle/>
-          <a:p>
-            <a:r>
-              <a:rPr lang="de-DE" dirty="0" smtClean="0"/>
-              <a:t>Entscheidung für </a:t>
-            </a:r>
-            <a:r>
-              <a:rPr lang="de-DE" dirty="0" err="1" smtClean="0"/>
-              <a:t>OpenCL</a:t>
-            </a:r>
-            <a:r>
-              <a:rPr lang="de-DE" dirty="0" smtClean="0"/>
-              <a:t> da plattformübergreifend</a:t>
-            </a:r>
-          </a:p>
-          <a:p>
-            <a:r>
-              <a:rPr lang="de-DE" dirty="0" smtClean="0"/>
-              <a:t>Offener Standard seit 2008</a:t>
-            </a:r>
-          </a:p>
-          <a:p>
-            <a:r>
-              <a:rPr lang="de-DE" dirty="0" smtClean="0"/>
-              <a:t>Wird von der </a:t>
-            </a:r>
-            <a:r>
-              <a:rPr lang="de-DE" dirty="0" err="1" smtClean="0"/>
-              <a:t>Khronos</a:t>
-            </a:r>
-            <a:r>
-              <a:rPr lang="de-DE" dirty="0" smtClean="0"/>
-              <a:t>-Group gepflegt</a:t>
-            </a:r>
-          </a:p>
-          <a:p>
-            <a:r>
-              <a:rPr lang="de-DE" dirty="0" smtClean="0"/>
-              <a:t>Unterstützt AMD-Grafikkarten</a:t>
-            </a:r>
-          </a:p>
-          <a:p>
-            <a:r>
-              <a:rPr lang="de-DE" dirty="0" smtClean="0"/>
-              <a:t>Java-Binding mit JOCL vorhanden</a:t>
+          <a:bodyPr>
+            <a:normAutofit/>
+          </a:bodyPr>
+          <a:lstStyle/>
+          <a:p>
+            <a:r>
+              <a:rPr lang="de-DE" dirty="0" err="1"/>
+              <a:t>CityGML</a:t>
+            </a:r>
+            <a:r>
+              <a:rPr lang="de-DE" dirty="0"/>
+              <a:t>- Doku</a:t>
+            </a:r>
+          </a:p>
+          <a:p>
+            <a:pPr lvl="1"/>
+            <a:r>
+              <a:rPr lang="de-DE" dirty="0" smtClean="0"/>
+              <a:t>Schlecht </a:t>
+            </a:r>
+            <a:r>
+              <a:rPr lang="de-DE" dirty="0"/>
+              <a:t>dokumentiert</a:t>
+            </a:r>
+          </a:p>
+          <a:p>
+            <a:pPr lvl="1"/>
+            <a:r>
+              <a:rPr lang="de-DE" dirty="0" smtClean="0"/>
+              <a:t>Viele </a:t>
+            </a:r>
+            <a:r>
+              <a:rPr lang="de-DE" dirty="0"/>
+              <a:t>Felder oft nicht belegt -&gt; „null“</a:t>
+            </a:r>
+          </a:p>
+          <a:p>
+            <a:pPr lvl="1"/>
+            <a:r>
+              <a:rPr lang="de-DE" dirty="0" smtClean="0"/>
+              <a:t>Exploratives </a:t>
+            </a:r>
+            <a:r>
+              <a:rPr lang="de-DE" dirty="0"/>
+              <a:t>Testen schwerfällig</a:t>
+            </a:r>
+          </a:p>
+          <a:p>
+            <a:r>
+              <a:rPr lang="de-DE" dirty="0"/>
+              <a:t>Laufzeit Parser</a:t>
+            </a:r>
+          </a:p>
+          <a:p>
+            <a:pPr lvl="1"/>
+            <a:r>
+              <a:rPr lang="de-DE" dirty="0" smtClean="0"/>
+              <a:t>Bisher </a:t>
+            </a:r>
+            <a:r>
+              <a:rPr lang="de-DE" dirty="0"/>
+              <a:t>verkraftbar</a:t>
+            </a:r>
+          </a:p>
+          <a:p>
+            <a:pPr lvl="1"/>
+            <a:r>
+              <a:rPr lang="de-DE" dirty="0" smtClean="0"/>
+              <a:t>Problem</a:t>
+            </a:r>
+            <a:r>
+              <a:rPr lang="de-DE" dirty="0"/>
+              <a:t>: Größere Stadtmodelle</a:t>
+            </a:r>
+          </a:p>
+          <a:p>
+            <a:pPr lvl="1"/>
+            <a:r>
+              <a:rPr lang="de-DE" dirty="0" smtClean="0"/>
+              <a:t>Ausblick</a:t>
+            </a:r>
+            <a:r>
+              <a:rPr lang="de-DE" dirty="0"/>
+              <a:t>: XML-Dokument in </a:t>
+            </a:r>
+            <a:r>
+              <a:rPr lang="de-DE" dirty="0" smtClean="0"/>
+              <a:t>RAM</a:t>
             </a:r>
             <a:endParaRPr lang="de-DE" dirty="0"/>
           </a:p>
@@ -12514,30 +12597,7 @@
       </p:sp>
       <p:sp>
         <p:nvSpPr>
-          <p:cNvPr id="3" name="Titel 2"/>
-          <p:cNvSpPr>
-            <a:spLocks noGrp="1"/>
-          </p:cNvSpPr>
-          <p:nvPr>
-            <p:ph type="title"/>
-          </p:nvPr>
-        </p:nvSpPr>
-        <p:spPr/>
-        <p:txBody>
-          <a:bodyPr/>
-          <a:lstStyle/>
-          <a:p>
-            <a:r>
-              <a:rPr lang="de-DE" dirty="0" err="1" smtClean="0"/>
-              <a:t>OpenCL</a:t>
-            </a:r>
-            <a:endParaRPr lang="de-DE" dirty="0"/>
-          </a:p>
-        </p:txBody>
-      </p:sp>
-      <p:sp>
-        <p:nvSpPr>
-          <p:cNvPr id="4" name="Datumsplatzhalter 3"/>
+          <p:cNvPr id="3" name="Datumsplatzhalter 2"/>
           <p:cNvSpPr>
             <a:spLocks noGrp="1"/>
           </p:cNvSpPr>
@@ -12560,7 +12620,7 @@
       </p:sp>
       <p:sp>
         <p:nvSpPr>
-          <p:cNvPr id="5" name="Foliennummernplatzhalter 4"/>
+          <p:cNvPr id="4" name="Foliennummernplatzhalter 3"/>
           <p:cNvSpPr>
             <a:spLocks noGrp="1"/>
           </p:cNvSpPr>
@@ -12582,23 +12642,39 @@
           </a:p>
         </p:txBody>
       </p:sp>
+      <p:sp>
+        <p:nvSpPr>
+          <p:cNvPr id="5" name="Titel 4"/>
+          <p:cNvSpPr>
+            <a:spLocks noGrp="1"/>
+          </p:cNvSpPr>
+          <p:nvPr>
+            <p:ph type="title"/>
+          </p:nvPr>
+        </p:nvSpPr>
+        <p:spPr/>
+        <p:txBody>
+          <a:bodyPr/>
+          <a:lstStyle/>
+          <a:p>
+            <a:r>
+              <a:rPr lang="de-DE" dirty="0" smtClean="0"/>
+              <a:t>Parser: Troubleshooting</a:t>
+            </a:r>
+            <a:endParaRPr lang="de-DE" dirty="0"/>
+          </a:p>
+        </p:txBody>
+      </p:sp>
     </p:spTree>
     <p:extLst>
       <p:ext uri="{BB962C8B-B14F-4D97-AF65-F5344CB8AC3E}">
-        <p14:creationId xmlns:p14="http://schemas.microsoft.com/office/powerpoint/2010/main" val="1885144604"/>
+        <p14:creationId xmlns:p14="http://schemas.microsoft.com/office/powerpoint/2010/main" val="174954716"/>
       </p:ext>
     </p:extLst>
   </p:cSld>
   <p:clrMapOvr>
     <a:masterClrMapping/>
   </p:clrMapOvr>
-  <p:timing>
-    <p:tnLst>
-      <p:par>
-        <p:cTn id="1" dur="indefinite" restart="never" nodeType="tmRoot"/>
-      </p:par>
-    </p:tnLst>
-  </p:timing>
 </p:sld>
 </file>
 
@@ -12798,130 +12874,125 @@
         </p:nvSpPr>
         <p:spPr/>
         <p:txBody>
-          <a:bodyPr/>
-          <a:lstStyle/>
-          <a:p>
-            <a:r>
-              <a:rPr lang="de-DE" dirty="0" err="1" smtClean="0"/>
-              <a:t>OpenCL</a:t>
-            </a:r>
-            <a:r>
-              <a:rPr lang="de-DE" dirty="0" smtClean="0"/>
-              <a:t> </a:t>
-            </a:r>
-            <a:r>
-              <a:rPr lang="de-DE" dirty="0" err="1" smtClean="0"/>
-              <a:t>Context</a:t>
-            </a:r>
-            <a:r>
-              <a:rPr lang="de-DE" dirty="0" smtClean="0"/>
-              <a:t> erstellen</a:t>
-            </a:r>
-            <a:br>
-              <a:rPr lang="de-DE" dirty="0" smtClean="0"/>
-            </a:br>
-            <a:r>
-              <a:rPr lang="de-DE" i="1" dirty="0" err="1" smtClean="0"/>
-              <a:t>clCreateContextFromType</a:t>
-            </a:r>
-            <a:endParaRPr lang="de-DE" i="1" dirty="0" smtClean="0"/>
-          </a:p>
-          <a:p>
-            <a:r>
-              <a:rPr lang="de-DE" dirty="0" smtClean="0"/>
-              <a:t>Devices (GPUs oder </a:t>
-            </a:r>
-            <a:r>
-              <a:rPr lang="de-DE" dirty="0" err="1" smtClean="0"/>
-              <a:t>evtl</a:t>
-            </a:r>
-            <a:r>
-              <a:rPr lang="de-DE" dirty="0" smtClean="0"/>
-              <a:t> CPUs) holen</a:t>
-            </a:r>
-            <a:br>
-              <a:rPr lang="de-DE" dirty="0" smtClean="0"/>
-            </a:br>
-            <a:r>
-              <a:rPr lang="de-DE" i="1" dirty="0" err="1" smtClean="0"/>
-              <a:t>clGetContextInfo</a:t>
-            </a:r>
-            <a:endParaRPr lang="de-DE" i="1" dirty="0" smtClean="0"/>
-          </a:p>
-          <a:p>
-            <a:r>
-              <a:rPr lang="de-DE" dirty="0" smtClean="0"/>
-              <a:t>Eine </a:t>
-            </a:r>
-            <a:r>
-              <a:rPr lang="de-DE" dirty="0" err="1" smtClean="0"/>
-              <a:t>CommandQueue</a:t>
-            </a:r>
-            <a:r>
-              <a:rPr lang="de-DE" dirty="0" smtClean="0"/>
-              <a:t> erstellen</a:t>
-            </a:r>
-            <a:br>
-              <a:rPr lang="de-DE" dirty="0" smtClean="0"/>
-            </a:br>
-            <a:r>
-              <a:rPr lang="de-DE" i="1" dirty="0" err="1" smtClean="0"/>
-              <a:t>clCreateCommandQueue</a:t>
-            </a:r>
-            <a:endParaRPr lang="de-DE" i="1" dirty="0" smtClean="0"/>
-          </a:p>
-          <a:p>
-            <a:r>
-              <a:rPr lang="de-DE" dirty="0" smtClean="0"/>
-              <a:t>Ein Programm laden</a:t>
-            </a:r>
-            <a:br>
-              <a:rPr lang="de-DE" dirty="0" smtClean="0"/>
-            </a:br>
-            <a:r>
-              <a:rPr lang="de-DE" i="1" dirty="0" err="1" smtClean="0"/>
-              <a:t>clCreateProgramWithSource</a:t>
-            </a:r>
-            <a:endParaRPr lang="de-DE" i="1" dirty="0" smtClean="0"/>
-          </a:p>
-        </p:txBody>
-      </p:sp>
-      <p:sp>
-        <p:nvSpPr>
-          <p:cNvPr id="3" name="Titel 2"/>
-          <p:cNvSpPr>
-            <a:spLocks noGrp="1"/>
-          </p:cNvSpPr>
-          <p:nvPr>
-            <p:ph type="title"/>
-          </p:nvPr>
-        </p:nvSpPr>
-        <p:spPr/>
-        <p:txBody>
           <a:bodyPr>
-            <a:normAutofit fontScale="90000"/>
+            <a:normAutofit/>
           </a:bodyPr>
           <a:lstStyle/>
           <a:p>
             <a:r>
-              <a:rPr lang="de-DE" dirty="0" smtClean="0"/>
-              <a:t>Aufbau </a:t>
-            </a:r>
-            <a:r>
-              <a:rPr lang="de-DE" dirty="0" err="1" smtClean="0"/>
-              <a:t>OpenCL</a:t>
-            </a:r>
-            <a:r>
-              <a:rPr lang="de-DE" dirty="0" smtClean="0"/>
-              <a:t> Programm (1/3)</a:t>
-            </a:r>
+              <a:rPr lang="de-DE" dirty="0" err="1"/>
+              <a:t>CityGML</a:t>
+            </a:r>
+            <a:r>
+              <a:rPr lang="de-DE" dirty="0"/>
+              <a:t>- Doku</a:t>
+            </a:r>
+          </a:p>
+          <a:p>
+            <a:pPr lvl="1"/>
+            <a:r>
+              <a:rPr lang="de-DE" dirty="0" smtClean="0"/>
+              <a:t>Schlecht </a:t>
+            </a:r>
+            <a:r>
+              <a:rPr lang="de-DE" dirty="0"/>
+              <a:t>dokumentiert</a:t>
+            </a:r>
+          </a:p>
+          <a:p>
+            <a:pPr lvl="1"/>
+            <a:r>
+              <a:rPr lang="de-DE" dirty="0" smtClean="0"/>
+              <a:t>Viele </a:t>
+            </a:r>
+            <a:r>
+              <a:rPr lang="de-DE" dirty="0"/>
+              <a:t>Felder oft nicht belegt -&gt; „null“</a:t>
+            </a:r>
+          </a:p>
+          <a:p>
+            <a:pPr lvl="1"/>
+            <a:r>
+              <a:rPr lang="de-DE" dirty="0" smtClean="0"/>
+              <a:t>Exploratives </a:t>
+            </a:r>
+            <a:r>
+              <a:rPr lang="de-DE" dirty="0"/>
+              <a:t>Testen schwerfällig</a:t>
+            </a:r>
+          </a:p>
+          <a:p>
+            <a:r>
+              <a:rPr lang="de-DE" dirty="0"/>
+              <a:t>Laufzeit Parser</a:t>
+            </a:r>
+          </a:p>
+          <a:p>
+            <a:pPr lvl="1"/>
+            <a:r>
+              <a:rPr lang="de-DE" dirty="0" smtClean="0"/>
+              <a:t>Bisher </a:t>
+            </a:r>
+            <a:r>
+              <a:rPr lang="de-DE" dirty="0"/>
+              <a:t>verkraftbar</a:t>
+            </a:r>
+          </a:p>
+          <a:p>
+            <a:pPr lvl="1"/>
+            <a:r>
+              <a:rPr lang="de-DE" dirty="0" smtClean="0"/>
+              <a:t>Problem</a:t>
+            </a:r>
+            <a:r>
+              <a:rPr lang="de-DE" dirty="0"/>
+              <a:t>: Größere Stadtmodelle</a:t>
+            </a:r>
+          </a:p>
+          <a:p>
+            <a:pPr lvl="1"/>
+            <a:r>
+              <a:rPr lang="de-DE" dirty="0" smtClean="0"/>
+              <a:t>Ausblick</a:t>
+            </a:r>
+            <a:r>
+              <a:rPr lang="de-DE" dirty="0"/>
+              <a:t>: XML-Dokument in RAM</a:t>
+            </a:r>
+          </a:p>
+          <a:p>
+            <a:r>
+              <a:rPr lang="de-DE" dirty="0"/>
+              <a:t>Genauigkeit der Berechnungen</a:t>
+            </a:r>
+          </a:p>
+          <a:p>
+            <a:pPr lvl="1"/>
+            <a:r>
+              <a:rPr lang="de-DE" dirty="0" smtClean="0"/>
+              <a:t>„Umrechnen</a:t>
+            </a:r>
+            <a:r>
+              <a:rPr lang="de-DE" dirty="0"/>
+              <a:t>“ von double zu </a:t>
+            </a:r>
+            <a:r>
+              <a:rPr lang="de-DE" dirty="0" err="1"/>
+              <a:t>float</a:t>
+            </a:r>
+            <a:r>
+              <a:rPr lang="de-DE" dirty="0"/>
+              <a:t> - Datentypen zur Volumenberechnung</a:t>
+            </a:r>
+          </a:p>
+          <a:p>
             <a:endParaRPr lang="de-DE" dirty="0"/>
           </a:p>
         </p:txBody>
       </p:sp>
       <p:sp>
         <p:nvSpPr>
-          <p:cNvPr id="4" name="Datumsplatzhalter 3"/>
+          <p:cNvPr id="3" name="Datumsplatzhalter 2"/>
           <p:cNvSpPr>
             <a:spLocks noGrp="1"/>
           </p:cNvSpPr>
@@ -12944,7 +13015,7 @@
       </p:sp>
       <p:sp>
         <p:nvSpPr>
-          <p:cNvPr id="5" name="Foliennummernplatzhalter 4"/>
+          <p:cNvPr id="4" name="Foliennummernplatzhalter 3"/>
           <p:cNvSpPr>
             <a:spLocks noGrp="1"/>
           </p:cNvSpPr>
@@ -12966,23 +13037,39 @@
           </a:p>
         </p:txBody>
       </p:sp>
+      <p:sp>
+        <p:nvSpPr>
+          <p:cNvPr id="5" name="Titel 4"/>
+          <p:cNvSpPr>
+            <a:spLocks noGrp="1"/>
+          </p:cNvSpPr>
+          <p:nvPr>
+            <p:ph type="title"/>
+          </p:nvPr>
+        </p:nvSpPr>
+        <p:spPr/>
+        <p:txBody>
+          <a:bodyPr/>
+          <a:lstStyle/>
+          <a:p>
+            <a:r>
+              <a:rPr lang="de-DE" dirty="0" smtClean="0"/>
+              <a:t>Parser: Troubleshooting</a:t>
+            </a:r>
+            <a:endParaRPr lang="de-DE" dirty="0"/>
+          </a:p>
+        </p:txBody>
+      </p:sp>
     </p:spTree>
     <p:extLst>
       <p:ext uri="{BB962C8B-B14F-4D97-AF65-F5344CB8AC3E}">
-        <p14:creationId xmlns:p14="http://schemas.microsoft.com/office/powerpoint/2010/main" val="3149190744"/>
+        <p14:creationId xmlns:p14="http://schemas.microsoft.com/office/powerpoint/2010/main" val="3529786392"/>
       </p:ext>
     </p:extLst>
   </p:cSld>
   <p:clrMapOvr>
     <a:masterClrMapping/>
   </p:clrMapOvr>
-  <p:timing>
-    <p:tnLst>
-      <p:par>
-        <p:cTn id="1" dur="indefinite" restart="never" nodeType="tmRoot"/>
-      </p:par>
-    </p:tnLst>
-  </p:timing>
 </p:sld>
 </file>
 
@@ -13020,114 +13107,46 @@
           <a:p>
             <a:r>
               <a:rPr lang="de-DE" dirty="0" smtClean="0"/>
-              <a:t>Das Programm kompilieren und linken </a:t>
-            </a:r>
-            <a:r>
-              <a:rPr lang="de-DE" i="1" dirty="0" err="1" smtClean="0"/>
-              <a:t>clBuildProgram</a:t>
-            </a:r>
-            <a:endParaRPr lang="de-DE" i="1" dirty="0" smtClean="0"/>
-          </a:p>
-          <a:p>
-            <a:r>
-              <a:rPr lang="de-DE" dirty="0" smtClean="0"/>
-              <a:t>Den </a:t>
-            </a:r>
-            <a:r>
-              <a:rPr lang="de-DE" dirty="0" err="1" smtClean="0"/>
-              <a:t>Programmkernel</a:t>
-            </a:r>
-            <a:r>
-              <a:rPr lang="de-DE" dirty="0" smtClean="0"/>
-              <a:t> erstellen</a:t>
-            </a:r>
-            <a:br>
-              <a:rPr lang="de-DE" dirty="0" smtClean="0"/>
-            </a:br>
-            <a:r>
-              <a:rPr lang="de-DE" i="1" dirty="0" err="1" smtClean="0"/>
-              <a:t>clCreateKernel</a:t>
-            </a:r>
-            <a:endParaRPr lang="de-DE" i="1" dirty="0" smtClean="0"/>
-          </a:p>
-          <a:p>
-            <a:r>
-              <a:rPr lang="de-DE" dirty="0" smtClean="0"/>
-              <a:t>Programmdaten auf die GPU laden</a:t>
-            </a:r>
-          </a:p>
-          <a:p>
-            <a:pPr lvl="1"/>
-            <a:r>
-              <a:rPr lang="de-DE" dirty="0" err="1" smtClean="0"/>
-              <a:t>Buffer</a:t>
-            </a:r>
-            <a:r>
-              <a:rPr lang="de-DE" dirty="0" smtClean="0"/>
-              <a:t> auf GPU erstellen mit </a:t>
-            </a:r>
-            <a:br>
-              <a:rPr lang="de-DE" dirty="0" smtClean="0"/>
-            </a:br>
-            <a:r>
-              <a:rPr lang="de-DE" i="1" dirty="0" err="1" smtClean="0"/>
-              <a:t>clCreateBuffer</a:t>
-            </a:r>
-            <a:endParaRPr lang="de-DE" i="1" dirty="0" smtClean="0"/>
-          </a:p>
-          <a:p>
-            <a:pPr lvl="1"/>
-            <a:r>
-              <a:rPr lang="de-DE" dirty="0" smtClean="0"/>
-              <a:t>Parameter für den Kernel setzen mit</a:t>
-            </a:r>
-            <a:br>
-              <a:rPr lang="de-DE" dirty="0" smtClean="0"/>
-            </a:br>
-            <a:r>
-              <a:rPr lang="de-DE" i="1" dirty="0" err="1"/>
-              <a:t>clSetKernelArg</a:t>
-            </a:r>
-            <a:endParaRPr lang="de-DE" dirty="0"/>
-          </a:p>
-        </p:txBody>
-      </p:sp>
-      <p:sp>
-        <p:nvSpPr>
-          <p:cNvPr id="3" name="Titel 2"/>
-          <p:cNvSpPr>
-            <a:spLocks noGrp="1"/>
-          </p:cNvSpPr>
-          <p:nvPr>
-            <p:ph type="title"/>
-          </p:nvPr>
-        </p:nvSpPr>
-        <p:spPr/>
-        <p:txBody>
-          <a:bodyPr>
-            <a:normAutofit fontScale="90000"/>
-          </a:bodyPr>
-          <a:lstStyle/>
-          <a:p>
-            <a:r>
-              <a:rPr lang="de-DE" dirty="0" smtClean="0"/>
-              <a:t>Aufbau </a:t>
+              <a:t>Aufgabe</a:t>
+            </a:r>
+          </a:p>
+          <a:p>
+            <a:r>
+              <a:rPr lang="de-DE" dirty="0" smtClean="0"/>
+              <a:t>Allgemeines zu </a:t>
             </a:r>
             <a:r>
               <a:rPr lang="de-DE" dirty="0" err="1" smtClean="0"/>
               <a:t>OpenCL</a:t>
             </a:r>
-            <a:r>
-              <a:rPr lang="de-DE" dirty="0" smtClean="0"/>
-              <a:t> Programm (2/3)</a:t>
-            </a:r>
+            <a:endParaRPr lang="de-DE" dirty="0" smtClean="0"/>
+          </a:p>
+          <a:p>
+            <a:r>
+              <a:rPr lang="de-DE" dirty="0" smtClean="0"/>
+              <a:t>Volumenberechnung</a:t>
+            </a:r>
+          </a:p>
+          <a:p>
+            <a:r>
+              <a:rPr lang="de-DE" dirty="0" smtClean="0"/>
+              <a:t>Schattenberechnung</a:t>
+            </a:r>
+          </a:p>
+          <a:p>
+            <a:r>
+              <a:rPr lang="de-DE" dirty="0" smtClean="0"/>
+              <a:t>Sonnenposition</a:t>
+            </a:r>
+          </a:p>
+          <a:p>
             <a:endParaRPr lang="de-DE" dirty="0"/>
           </a:p>
         </p:txBody>
       </p:sp>
       <p:sp>
         <p:nvSpPr>
-          <p:cNvPr id="4" name="Datumsplatzhalter 3"/>
+          <p:cNvPr id="3" name="Datumsplatzhalter 2"/>
           <p:cNvSpPr>
             <a:spLocks noGrp="1"/>
           </p:cNvSpPr>
@@ -13150,7 +13169,7 @@
       </p:sp>
       <p:sp>
         <p:nvSpPr>
-          <p:cNvPr id="5" name="Foliennummernplatzhalter 4"/>
+          <p:cNvPr id="4" name="Foliennummernplatzhalter 3"/>
           <p:cNvSpPr>
             <a:spLocks noGrp="1"/>
           </p:cNvSpPr>
@@ -13172,10 +13191,35 @@
           </a:p>
         </p:txBody>
       </p:sp>
+      <p:sp>
+        <p:nvSpPr>
+          <p:cNvPr id="5" name="Titel 4"/>
+          <p:cNvSpPr>
+            <a:spLocks noGrp="1"/>
+          </p:cNvSpPr>
+          <p:nvPr>
+            <p:ph type="title"/>
+          </p:nvPr>
+        </p:nvSpPr>
+        <p:spPr/>
+        <p:txBody>
+          <a:bodyPr>
+            <a:normAutofit/>
+          </a:bodyPr>
+          <a:lstStyle/>
+          <a:p>
+            <a:r>
+              <a:rPr lang="de-DE" dirty="0" err="1" smtClean="0"/>
+              <a:t>OpenCL</a:t>
+            </a:r>
+            <a:endParaRPr lang="de-DE" dirty="0"/>
+          </a:p>
+        </p:txBody>
+      </p:sp>
     </p:spTree>
     <p:extLst>
       <p:ext uri="{BB962C8B-B14F-4D97-AF65-F5344CB8AC3E}">
-        <p14:creationId xmlns:p14="http://schemas.microsoft.com/office/powerpoint/2010/main" val="2679847430"/>
+        <p14:creationId xmlns:p14="http://schemas.microsoft.com/office/powerpoint/2010/main" val="1711646626"/>
       </p:ext>
     </p:extLst>
   </p:cSld>
@@ -13225,108 +13269,19 @@
           <a:lstStyle/>
           <a:p>
             <a:r>
+              <a:rPr lang="de-DE" dirty="0" smtClean="0"/>
+              <a:t>Aufgabe: Implementierung einer Volumenberechnung und einer Schattenberechnung in CUDA oder </a:t>
+            </a:r>
+            <a:r>
               <a:rPr lang="de-DE" dirty="0" err="1" smtClean="0"/>
               <a:t>OpenCL</a:t>
             </a:r>
-            <a:r>
-              <a:rPr lang="de-DE" dirty="0" smtClean="0"/>
-              <a:t> </a:t>
-            </a:r>
-            <a:r>
-              <a:rPr lang="de-DE" dirty="0" err="1" smtClean="0"/>
-              <a:t>kernel</a:t>
-            </a:r>
-            <a:r>
-              <a:rPr lang="de-DE" dirty="0" smtClean="0"/>
-              <a:t> ausführen</a:t>
-            </a:r>
-            <a:br>
-              <a:rPr lang="de-DE" dirty="0" smtClean="0"/>
-            </a:br>
-            <a:r>
-              <a:rPr lang="de-DE" i="1" dirty="0" err="1" smtClean="0"/>
-              <a:t>clEnqueueNDRangeKernel</a:t>
-            </a:r>
-            <a:endParaRPr lang="de-DE" i="1" dirty="0" smtClean="0"/>
-          </a:p>
-          <a:p>
-            <a:r>
-              <a:rPr lang="de-DE" dirty="0" smtClean="0"/>
-              <a:t>Warten bis die Ausführung beendet ist</a:t>
-            </a:r>
-            <a:br>
-              <a:rPr lang="de-DE" dirty="0" smtClean="0"/>
-            </a:br>
-            <a:r>
-              <a:rPr lang="de-DE" i="1" dirty="0" err="1" smtClean="0"/>
-              <a:t>clFinish</a:t>
-            </a:r>
-            <a:endParaRPr lang="de-DE" i="1" dirty="0" smtClean="0"/>
-          </a:p>
-          <a:p>
-            <a:r>
-              <a:rPr lang="de-DE" dirty="0" smtClean="0"/>
-              <a:t>Lesen von Ausgabedaten</a:t>
-            </a:r>
-            <a:br>
-              <a:rPr lang="de-DE" dirty="0" smtClean="0"/>
-            </a:br>
-            <a:r>
-              <a:rPr lang="de-DE" i="1" dirty="0" err="1" smtClean="0"/>
-              <a:t>clEnqueueReadBuffer</a:t>
-            </a:r>
-            <a:endParaRPr lang="de-DE" i="1" dirty="0" smtClean="0"/>
-          </a:p>
-          <a:p>
-            <a:r>
-              <a:rPr lang="de-DE" dirty="0" smtClean="0"/>
-              <a:t>Gespeicherte Daten wieder löschen</a:t>
-            </a:r>
-            <a:br>
-              <a:rPr lang="de-DE" dirty="0" smtClean="0"/>
-            </a:br>
-            <a:r>
-              <a:rPr lang="de-DE" i="1" dirty="0" err="1" smtClean="0"/>
-              <a:t>clReleaseMemObject</a:t>
-            </a:r>
-            <a:endParaRPr lang="de-DE" i="1" dirty="0" smtClean="0"/>
-          </a:p>
-          <a:p>
-            <a:r>
-              <a:rPr lang="de-DE" dirty="0" smtClean="0"/>
-              <a:t>Kernel wieder freigeben</a:t>
-            </a:r>
-            <a:br>
-              <a:rPr lang="de-DE" dirty="0" smtClean="0"/>
-            </a:br>
-            <a:r>
-              <a:rPr lang="de-DE" i="1" dirty="0" err="1"/>
-              <a:t>clReleaseKernel</a:t>
-            </a:r>
             <a:endParaRPr lang="de-DE" dirty="0" smtClean="0"/>
           </a:p>
-        </p:txBody>
-      </p:sp>
-      <p:sp>
-        <p:nvSpPr>
-          <p:cNvPr id="3" name="Titel 2"/>
-          <p:cNvSpPr>
-            <a:spLocks noGrp="1"/>
-          </p:cNvSpPr>
-          <p:nvPr>
-            <p:ph type="title"/>
-          </p:nvPr>
-        </p:nvSpPr>
-        <p:spPr/>
-        <p:txBody>
-          <a:bodyPr>
-            <a:normAutofit fontScale="90000"/>
-          </a:bodyPr>
-          <a:lstStyle/>
-          <a:p>
-            <a:r>
-              <a:rPr lang="de-DE" dirty="0" smtClean="0"/>
-              <a:t>Aufbau </a:t>
+          <a:p>
+            <a:r>
+              <a:rPr lang="de-DE" dirty="0" smtClean="0"/>
+              <a:t>Aufgaben wurden sowohl in Java als auch </a:t>
             </a:r>
             <a:r>
               <a:rPr lang="de-DE" dirty="0" err="1" smtClean="0"/>
@@ -13334,7 +13289,36 @@
             </a:r>
             <a:r>
               <a:rPr lang="de-DE" dirty="0" smtClean="0"/>
-              <a:t> Programm (3/3)</a:t>
+              <a:t> gelöst</a:t>
+            </a:r>
+          </a:p>
+          <a:p>
+            <a:r>
+              <a:rPr lang="de-DE" dirty="0" smtClean="0"/>
+              <a:t>Java Implementierung wird als Fall-Back verwendet</a:t>
+            </a:r>
+            <a:endParaRPr lang="de-DE" dirty="0"/>
+          </a:p>
+        </p:txBody>
+      </p:sp>
+      <p:sp>
+        <p:nvSpPr>
+          <p:cNvPr id="3" name="Titel 2"/>
+          <p:cNvSpPr>
+            <a:spLocks noGrp="1"/>
+          </p:cNvSpPr>
+          <p:nvPr>
+            <p:ph type="title"/>
+          </p:nvPr>
+        </p:nvSpPr>
+        <p:spPr/>
+        <p:txBody>
+          <a:bodyPr/>
+          <a:lstStyle/>
+          <a:p>
+            <a:r>
+              <a:rPr lang="de-DE" dirty="0" smtClean="0"/>
+              <a:t>Aufgabe</a:t>
             </a:r>
             <a:endParaRPr lang="de-DE" dirty="0"/>
           </a:p>
@@ -13390,7 +13374,7 @@
     </p:spTree>
     <p:extLst>
       <p:ext uri="{BB962C8B-B14F-4D97-AF65-F5344CB8AC3E}">
-        <p14:creationId xmlns:p14="http://schemas.microsoft.com/office/powerpoint/2010/main" val="8515451"/>
+        <p14:creationId xmlns:p14="http://schemas.microsoft.com/office/powerpoint/2010/main" val="1439573380"/>
       </p:ext>
     </p:extLst>
   </p:cSld>
@@ -13436,241 +13420,48 @@
         </p:nvSpPr>
         <p:spPr/>
         <p:txBody>
-          <a:bodyPr>
-            <a:normAutofit/>
-          </a:bodyPr>
-          <a:lstStyle/>
+          <a:bodyPr/>
+          <a:lstStyle/>
+          <a:p>
+            <a:r>
+              <a:rPr lang="de-DE" dirty="0" smtClean="0"/>
+              <a:t>CPU hat 2 – 8 Kerne, GPU im Labor hat 1024 Kerne</a:t>
+            </a:r>
+          </a:p>
+          <a:p>
+            <a:r>
+              <a:rPr lang="de-DE" dirty="0" smtClean="0"/>
+              <a:t>Aber geringere Taktrate pro Kern</a:t>
+            </a:r>
+          </a:p>
           <a:p>
             <a:r>
               <a:rPr lang="de-DE" dirty="0" err="1" smtClean="0"/>
-              <a:t>OpenCL</a:t>
-            </a:r>
-            <a:r>
-              <a:rPr lang="de-DE" dirty="0" smtClean="0"/>
-              <a:t> Sprache ist eine </a:t>
-            </a:r>
-            <a:r>
-              <a:rPr lang="de-DE" dirty="0"/>
-              <a:t>E</a:t>
-            </a:r>
-            <a:r>
-              <a:rPr lang="de-DE" dirty="0" smtClean="0"/>
-              <a:t>rweiterung des C-Standards</a:t>
-            </a:r>
-          </a:p>
-          <a:p>
-            <a:r>
-              <a:rPr lang="de-DE" dirty="0" smtClean="0"/>
-              <a:t>Beispiel zur Berechnung von Quadratzahlen auf der GPU</a:t>
-            </a:r>
-          </a:p>
-          <a:p>
-            <a:pPr marL="109728" indent="0">
-              <a:buNone/>
-            </a:pPr>
-            <a:r>
-              <a:rPr lang="de-DE" dirty="0" smtClean="0"/>
-              <a:t>__</a:t>
-            </a:r>
-            <a:r>
-              <a:rPr lang="de-DE" dirty="0" err="1"/>
-              <a:t>kernel</a:t>
-            </a:r>
-            <a:r>
-              <a:rPr lang="de-DE" dirty="0"/>
-              <a:t> </a:t>
-            </a:r>
-            <a:r>
-              <a:rPr lang="de-DE" dirty="0" err="1">
-                <a:solidFill>
-                  <a:srgbClr val="0070C0"/>
-                </a:solidFill>
-              </a:rPr>
-              <a:t>void</a:t>
-            </a:r>
-            <a:r>
-              <a:rPr lang="de-DE" dirty="0">
-                <a:solidFill>
-                  <a:srgbClr val="0070C0"/>
-                </a:solidFill>
-              </a:rPr>
-              <a:t> </a:t>
-            </a:r>
-            <a:r>
-              <a:rPr lang="de-DE" dirty="0" err="1"/>
-              <a:t>calc</a:t>
-            </a:r>
-            <a:r>
-              <a:rPr lang="de-DE" dirty="0"/>
-              <a:t>(__global </a:t>
-            </a:r>
-            <a:r>
-              <a:rPr lang="de-DE" dirty="0" err="1">
-                <a:solidFill>
-                  <a:srgbClr val="0070C0"/>
-                </a:solidFill>
-              </a:rPr>
-              <a:t>int</a:t>
-            </a:r>
-            <a:r>
-              <a:rPr lang="de-DE" dirty="0"/>
-              <a:t>* </a:t>
-            </a:r>
-            <a:r>
-              <a:rPr lang="de-DE" dirty="0" err="1"/>
-              <a:t>array</a:t>
-            </a:r>
-            <a:r>
-              <a:rPr lang="de-DE" dirty="0"/>
-              <a:t>,				   </a:t>
-            </a:r>
-            <a:r>
-              <a:rPr lang="de-DE" dirty="0" smtClean="0"/>
-              <a:t>         __</a:t>
-            </a:r>
-            <a:r>
-              <a:rPr lang="de-DE" dirty="0"/>
-              <a:t>global </a:t>
-            </a:r>
-            <a:r>
-              <a:rPr lang="de-DE" dirty="0" err="1">
-                <a:solidFill>
-                  <a:srgbClr val="0070C0"/>
-                </a:solidFill>
-              </a:rPr>
-              <a:t>int</a:t>
-            </a:r>
-            <a:r>
-              <a:rPr lang="de-DE" dirty="0"/>
-              <a:t>* </a:t>
-            </a:r>
-            <a:r>
-              <a:rPr lang="de-DE" dirty="0" err="1"/>
-              <a:t>result</a:t>
-            </a:r>
-            <a:r>
-              <a:rPr lang="de-DE" dirty="0"/>
-              <a:t>) </a:t>
-            </a:r>
-            <a:r>
-              <a:rPr lang="de-DE" dirty="0" smtClean="0"/>
-              <a:t>{</a:t>
-            </a:r>
-            <a:br>
-              <a:rPr lang="de-DE" dirty="0" smtClean="0"/>
-            </a:br>
-            <a:r>
-              <a:rPr lang="de-DE" dirty="0" smtClean="0"/>
-              <a:t>	</a:t>
-            </a:r>
-            <a:r>
-              <a:rPr lang="de-DE" dirty="0" err="1" smtClean="0">
-                <a:solidFill>
-                  <a:srgbClr val="0070C0"/>
-                </a:solidFill>
-              </a:rPr>
-              <a:t>int</a:t>
-            </a:r>
-            <a:r>
-              <a:rPr lang="de-DE" dirty="0" smtClean="0">
-                <a:solidFill>
-                  <a:srgbClr val="0070C0"/>
-                </a:solidFill>
-              </a:rPr>
-              <a:t> </a:t>
-            </a:r>
-            <a:r>
-              <a:rPr lang="de-DE" dirty="0" err="1"/>
-              <a:t>gid</a:t>
-            </a:r>
-            <a:r>
-              <a:rPr lang="de-DE" dirty="0"/>
-              <a:t> = </a:t>
-            </a:r>
-            <a:r>
-              <a:rPr lang="de-DE" dirty="0" err="1"/>
-              <a:t>get_global_id</a:t>
-            </a:r>
-            <a:r>
-              <a:rPr lang="de-DE" dirty="0"/>
-              <a:t>(</a:t>
-            </a:r>
-            <a:r>
-              <a:rPr lang="de-DE" dirty="0">
-                <a:solidFill>
-                  <a:srgbClr val="FFC000"/>
-                </a:solidFill>
-              </a:rPr>
-              <a:t>0</a:t>
-            </a:r>
-            <a:r>
-              <a:rPr lang="de-DE" dirty="0" smtClean="0"/>
-              <a:t>);</a:t>
-            </a:r>
-            <a:br>
-              <a:rPr lang="de-DE" dirty="0" smtClean="0"/>
-            </a:br>
-            <a:r>
-              <a:rPr lang="de-DE" dirty="0" smtClean="0"/>
-              <a:t>	</a:t>
+              <a:t>Parallelisierbarer</a:t>
+            </a:r>
+            <a:r>
+              <a:rPr lang="de-DE" dirty="0" smtClean="0"/>
+              <a:t> Code kann extrem gut auf der GPU berechnet werden</a:t>
+            </a:r>
+          </a:p>
+          <a:p>
+            <a:r>
+              <a:rPr lang="de-DE" dirty="0" smtClean="0"/>
+              <a:t>Sowohl Volumenberechnung als auch Schattenberechnung gut </a:t>
             </a:r>
             <a:r>
               <a:rPr lang="de-DE" dirty="0" err="1" smtClean="0"/>
-              <a:t>result</a:t>
-            </a:r>
-            <a:r>
-              <a:rPr lang="de-DE" dirty="0" smtClean="0"/>
-              <a:t>[</a:t>
-            </a:r>
-            <a:r>
-              <a:rPr lang="de-DE" dirty="0" err="1" smtClean="0"/>
-              <a:t>gid</a:t>
-            </a:r>
-            <a:r>
-              <a:rPr lang="de-DE" dirty="0"/>
-              <a:t>] = </a:t>
-            </a:r>
-            <a:r>
-              <a:rPr lang="de-DE" dirty="0" err="1"/>
-              <a:t>array</a:t>
-            </a:r>
-            <a:r>
-              <a:rPr lang="de-DE" dirty="0"/>
-              <a:t>[</a:t>
-            </a:r>
-            <a:r>
-              <a:rPr lang="de-DE" dirty="0" err="1"/>
-              <a:t>gid</a:t>
-            </a:r>
-            <a:r>
-              <a:rPr lang="de-DE" dirty="0"/>
-              <a:t>] * </a:t>
-            </a:r>
-            <a:r>
-              <a:rPr lang="de-DE" dirty="0" err="1"/>
-              <a:t>array</a:t>
-            </a:r>
-            <a:r>
-              <a:rPr lang="de-DE" dirty="0"/>
-              <a:t>[</a:t>
-            </a:r>
-            <a:r>
-              <a:rPr lang="de-DE" dirty="0" err="1"/>
-              <a:t>gid</a:t>
-            </a:r>
-            <a:r>
-              <a:rPr lang="de-DE" dirty="0" smtClean="0"/>
-              <a:t>];</a:t>
-            </a:r>
-          </a:p>
-          <a:p>
-            <a:pPr marL="109728" indent="0">
-              <a:buNone/>
-            </a:pPr>
-            <a:r>
-              <a:rPr lang="de-DE" dirty="0" smtClean="0"/>
-              <a:t>}</a:t>
-            </a:r>
+              <a:t>parallelisierbar</a:t>
+            </a:r>
+            <a:endParaRPr lang="de-DE" dirty="0" smtClean="0"/>
+          </a:p>
+          <a:p>
+            <a:r>
+              <a:rPr lang="de-DE" dirty="0" smtClean="0"/>
+              <a:t>Schattenberechnungszeit von Stunden auf Minuten reduziert</a:t>
+            </a:r>
+          </a:p>
+          <a:p>
             <a:endParaRPr lang="de-DE" dirty="0"/>
           </a:p>
         </p:txBody>
@@ -13739,15 +13530,7 @@
           <a:p>
             <a:r>
               <a:rPr lang="de-DE" dirty="0" smtClean="0"/>
-              <a:t>Aufbau </a:t>
-            </a:r>
-            <a:r>
-              <a:rPr lang="de-DE" dirty="0" err="1" smtClean="0"/>
-              <a:t>OpenCL</a:t>
-            </a:r>
-            <a:r>
-              <a:rPr lang="de-DE" dirty="0" smtClean="0"/>
-              <a:t> Kernel</a:t>
+              <a:t>Warum GPU?</a:t>
             </a:r>
             <a:endParaRPr lang="de-DE" dirty="0"/>
           </a:p>
@@ -13756,7 +13539,7 @@
     </p:spTree>
     <p:extLst>
       <p:ext uri="{BB962C8B-B14F-4D97-AF65-F5344CB8AC3E}">
-        <p14:creationId xmlns:p14="http://schemas.microsoft.com/office/powerpoint/2010/main" val="3256973187"/>
+        <p14:creationId xmlns:p14="http://schemas.microsoft.com/office/powerpoint/2010/main" val="3272700345"/>
       </p:ext>
     </p:extLst>
   </p:cSld>
@@ -13807,50 +13590,78 @@
           <a:p>
             <a:r>
               <a:rPr lang="de-DE" dirty="0" smtClean="0"/>
-              <a:t>Voraussetzung: Modell mit </a:t>
+              <a:t>Entscheidung für </a:t>
             </a:r>
             <a:r>
               <a:rPr lang="de-DE" dirty="0" err="1" smtClean="0"/>
-              <a:t>CityDoctor</a:t>
-            </a:r>
-            <a:r>
-              <a:rPr lang="de-DE" dirty="0" smtClean="0"/>
-              <a:t> validiert bzw. korrigiert.</a:t>
-            </a:r>
-          </a:p>
-          <a:p>
-            <a:r>
-              <a:rPr lang="de-DE" dirty="0" smtClean="0"/>
-              <a:t>Ohne Validierung:</a:t>
-            </a:r>
-          </a:p>
-          <a:p>
-            <a:pPr lvl="1"/>
-            <a:r>
-              <a:rPr lang="de-DE" dirty="0" smtClean="0"/>
-              <a:t>Ergebnis der Volumenberechnung nicht korrekt.</a:t>
+              <a:t>OpenCL</a:t>
+            </a:r>
+            <a:r>
+              <a:rPr lang="de-DE" dirty="0" smtClean="0"/>
+              <a:t> da plattformübergreifend</a:t>
+            </a:r>
+          </a:p>
+          <a:p>
+            <a:r>
+              <a:rPr lang="de-DE" dirty="0" smtClean="0"/>
+              <a:t>Offener Standard seit 2008</a:t>
+            </a:r>
+          </a:p>
+          <a:p>
+            <a:r>
+              <a:rPr lang="de-DE" dirty="0" smtClean="0"/>
+              <a:t>Wird von der </a:t>
+            </a:r>
+            <a:r>
+              <a:rPr lang="de-DE" dirty="0" err="1" smtClean="0"/>
+              <a:t>Khronos</a:t>
+            </a:r>
+            <a:r>
+              <a:rPr lang="de-DE" dirty="0" smtClean="0"/>
+              <a:t>-Group gepflegt</a:t>
+            </a:r>
+          </a:p>
+          <a:p>
+            <a:r>
+              <a:rPr lang="de-DE" dirty="0" smtClean="0"/>
+              <a:t>Unterstützt AMD-Grafikkarten</a:t>
+            </a:r>
+          </a:p>
+          <a:p>
+            <a:r>
+              <a:rPr lang="de-DE" dirty="0" smtClean="0"/>
+              <a:t>Java-Binding mit JOCL vorhanden</a:t>
             </a:r>
             <a:endParaRPr lang="de-DE" dirty="0"/>
           </a:p>
-          <a:p>
-            <a:pPr lvl="1"/>
-            <a:r>
-              <a:rPr lang="de-DE" dirty="0" smtClean="0"/>
-              <a:t>Schattenberechnung fehlerhaft.</a:t>
-            </a:r>
-          </a:p>
-          <a:p>
-            <a:pPr lvl="1"/>
-            <a:r>
-              <a:rPr lang="de-DE" dirty="0" smtClean="0"/>
-              <a:t>Fehlerhafte Darstellung im 3D-Viewer, da „Rückseiten“ der Dreiecke nicht angezeigt werden.</a:t>
-            </a:r>
-          </a:p>
-        </p:txBody>
-      </p:sp>
-      <p:sp>
-        <p:nvSpPr>
-          <p:cNvPr id="3" name="Datumsplatzhalter 2"/>
+        </p:txBody>
+      </p:sp>
+      <p:sp>
+        <p:nvSpPr>
+          <p:cNvPr id="3" name="Titel 2"/>
+          <p:cNvSpPr>
+            <a:spLocks noGrp="1"/>
+          </p:cNvSpPr>
+          <p:nvPr>
+            <p:ph type="title"/>
+          </p:nvPr>
+        </p:nvSpPr>
+        <p:spPr/>
+        <p:txBody>
+          <a:bodyPr/>
+          <a:lstStyle/>
+          <a:p>
+            <a:r>
+              <a:rPr lang="de-DE" dirty="0" err="1" smtClean="0"/>
+              <a:t>OpenCL</a:t>
+            </a:r>
+            <a:endParaRPr lang="de-DE" dirty="0"/>
+          </a:p>
+        </p:txBody>
+      </p:sp>
+      <p:sp>
+        <p:nvSpPr>
+          <p:cNvPr id="4" name="Datumsplatzhalter 3"/>
           <p:cNvSpPr>
             <a:spLocks noGrp="1"/>
           </p:cNvSpPr>
@@ -13873,7 +13684,7 @@
       </p:sp>
       <p:sp>
         <p:nvSpPr>
-          <p:cNvPr id="4" name="Foliennummernplatzhalter 3"/>
+          <p:cNvPr id="5" name="Foliennummernplatzhalter 4"/>
           <p:cNvSpPr>
             <a:spLocks noGrp="1"/>
           </p:cNvSpPr>
@@ -13890,6 +13701,1152 @@
               <a:rPr lang="de-DE" smtClean="0"/>
               <a:pPr/>
               <a:t>44</a:t>
+            </a:fld>
+            <a:endParaRPr lang="de-DE"/>
+          </a:p>
+        </p:txBody>
+      </p:sp>
+    </p:spTree>
+    <p:extLst>
+      <p:ext uri="{BB962C8B-B14F-4D97-AF65-F5344CB8AC3E}">
+        <p14:creationId xmlns:p14="http://schemas.microsoft.com/office/powerpoint/2010/main" val="1885144604"/>
+      </p:ext>
+    </p:extLst>
+  </p:cSld>
+  <p:clrMapOvr>
+    <a:masterClrMapping/>
+  </p:clrMapOvr>
+  <p:timing>
+    <p:tnLst>
+      <p:par>
+        <p:cTn id="1" dur="indefinite" restart="never" nodeType="tmRoot"/>
+      </p:par>
+    </p:tnLst>
+  </p:timing>
+</p:sld>
+</file>
+
+<file path=ppt/slides/slide45.xml><?xml version="1.0" encoding="utf-8"?>
+<p:sld xmlns:a="http://schemas.openxmlformats.org/drawingml/2006/main" xmlns:r="http://schemas.openxmlformats.org/officeDocument/2006/relationships" xmlns:p="http://schemas.openxmlformats.org/presentationml/2006/main">
+  <p:cSld>
+    <p:spTree>
+      <p:nvGrpSpPr>
+        <p:cNvPr id="1" name=""/>
+        <p:cNvGrpSpPr/>
+        <p:nvPr/>
+      </p:nvGrpSpPr>
+      <p:grpSpPr>
+        <a:xfrm>
+          <a:off x="0" y="0"/>
+          <a:ext cx="0" cy="0"/>
+          <a:chOff x="0" y="0"/>
+          <a:chExt cx="0" cy="0"/>
+        </a:xfrm>
+      </p:grpSpPr>
+      <p:sp>
+        <p:nvSpPr>
+          <p:cNvPr id="2" name="Inhaltsplatzhalter 1"/>
+          <p:cNvSpPr>
+            <a:spLocks noGrp="1"/>
+          </p:cNvSpPr>
+          <p:nvPr>
+            <p:ph idx="1"/>
+          </p:nvPr>
+        </p:nvSpPr>
+        <p:spPr/>
+        <p:txBody>
+          <a:bodyPr/>
+          <a:lstStyle/>
+          <a:p>
+            <a:r>
+              <a:rPr lang="de-DE" dirty="0" err="1" smtClean="0"/>
+              <a:t>OpenCL</a:t>
+            </a:r>
+            <a:r>
+              <a:rPr lang="de-DE" dirty="0" smtClean="0"/>
+              <a:t> </a:t>
+            </a:r>
+            <a:r>
+              <a:rPr lang="de-DE" dirty="0" err="1" smtClean="0"/>
+              <a:t>Context</a:t>
+            </a:r>
+            <a:r>
+              <a:rPr lang="de-DE" dirty="0" smtClean="0"/>
+              <a:t> erstellen</a:t>
+            </a:r>
+            <a:br>
+              <a:rPr lang="de-DE" dirty="0" smtClean="0"/>
+            </a:br>
+            <a:r>
+              <a:rPr lang="de-DE" i="1" dirty="0" err="1" smtClean="0"/>
+              <a:t>clCreateContextFromType</a:t>
+            </a:r>
+            <a:endParaRPr lang="de-DE" i="1" dirty="0" smtClean="0"/>
+          </a:p>
+          <a:p>
+            <a:r>
+              <a:rPr lang="de-DE" dirty="0" smtClean="0"/>
+              <a:t>Devices (GPUs oder </a:t>
+            </a:r>
+            <a:r>
+              <a:rPr lang="de-DE" dirty="0" err="1" smtClean="0"/>
+              <a:t>evtl</a:t>
+            </a:r>
+            <a:r>
+              <a:rPr lang="de-DE" dirty="0" smtClean="0"/>
+              <a:t> CPUs) holen</a:t>
+            </a:r>
+            <a:br>
+              <a:rPr lang="de-DE" dirty="0" smtClean="0"/>
+            </a:br>
+            <a:r>
+              <a:rPr lang="de-DE" i="1" dirty="0" err="1" smtClean="0"/>
+              <a:t>clGetContextInfo</a:t>
+            </a:r>
+            <a:endParaRPr lang="de-DE" i="1" dirty="0" smtClean="0"/>
+          </a:p>
+          <a:p>
+            <a:r>
+              <a:rPr lang="de-DE" dirty="0" smtClean="0"/>
+              <a:t>Eine </a:t>
+            </a:r>
+            <a:r>
+              <a:rPr lang="de-DE" dirty="0" err="1" smtClean="0"/>
+              <a:t>CommandQueue</a:t>
+            </a:r>
+            <a:r>
+              <a:rPr lang="de-DE" dirty="0" smtClean="0"/>
+              <a:t> erstellen</a:t>
+            </a:r>
+            <a:br>
+              <a:rPr lang="de-DE" dirty="0" smtClean="0"/>
+            </a:br>
+            <a:r>
+              <a:rPr lang="de-DE" i="1" dirty="0" err="1" smtClean="0"/>
+              <a:t>clCreateCommandQueue</a:t>
+            </a:r>
+            <a:endParaRPr lang="de-DE" i="1" dirty="0" smtClean="0"/>
+          </a:p>
+          <a:p>
+            <a:r>
+              <a:rPr lang="de-DE" dirty="0" smtClean="0"/>
+              <a:t>Ein Programm laden</a:t>
+            </a:r>
+            <a:br>
+              <a:rPr lang="de-DE" dirty="0" smtClean="0"/>
+            </a:br>
+            <a:r>
+              <a:rPr lang="de-DE" i="1" dirty="0" err="1" smtClean="0"/>
+              <a:t>clCreateProgramWithSource</a:t>
+            </a:r>
+            <a:endParaRPr lang="de-DE" i="1" dirty="0" smtClean="0"/>
+          </a:p>
+        </p:txBody>
+      </p:sp>
+      <p:sp>
+        <p:nvSpPr>
+          <p:cNvPr id="3" name="Titel 2"/>
+          <p:cNvSpPr>
+            <a:spLocks noGrp="1"/>
+          </p:cNvSpPr>
+          <p:nvPr>
+            <p:ph type="title"/>
+          </p:nvPr>
+        </p:nvSpPr>
+        <p:spPr/>
+        <p:txBody>
+          <a:bodyPr>
+            <a:normAutofit fontScale="90000"/>
+          </a:bodyPr>
+          <a:lstStyle/>
+          <a:p>
+            <a:r>
+              <a:rPr lang="de-DE" dirty="0" smtClean="0"/>
+              <a:t>Aufbau </a:t>
+            </a:r>
+            <a:r>
+              <a:rPr lang="de-DE" dirty="0" err="1" smtClean="0"/>
+              <a:t>OpenCL</a:t>
+            </a:r>
+            <a:r>
+              <a:rPr lang="de-DE" dirty="0" smtClean="0"/>
+              <a:t> Programm (1/3)</a:t>
+            </a:r>
+            <a:endParaRPr lang="de-DE" dirty="0"/>
+          </a:p>
+        </p:txBody>
+      </p:sp>
+      <p:sp>
+        <p:nvSpPr>
+          <p:cNvPr id="4" name="Datumsplatzhalter 3"/>
+          <p:cNvSpPr>
+            <a:spLocks noGrp="1"/>
+          </p:cNvSpPr>
+          <p:nvPr>
+            <p:ph type="dt" sz="half" idx="10"/>
+          </p:nvPr>
+        </p:nvSpPr>
+        <p:spPr/>
+        <p:txBody>
+          <a:bodyPr/>
+          <a:lstStyle/>
+          <a:p>
+            <a:r>
+              <a:rPr lang="de-DE" smtClean="0"/>
+              <a:t>23.06.2014</a:t>
+            </a:r>
+            <a:endParaRPr lang="de-DE"/>
+          </a:p>
+        </p:txBody>
+      </p:sp>
+      <p:sp>
+        <p:nvSpPr>
+          <p:cNvPr id="5" name="Foliennummernplatzhalter 4"/>
+          <p:cNvSpPr>
+            <a:spLocks noGrp="1"/>
+          </p:cNvSpPr>
+          <p:nvPr>
+            <p:ph type="sldNum" sz="quarter" idx="12"/>
+          </p:nvPr>
+        </p:nvSpPr>
+        <p:spPr/>
+        <p:txBody>
+          <a:bodyPr/>
+          <a:lstStyle/>
+          <a:p>
+            <a:fld id="{02075A8B-51D4-4999-A4F2-B3FAC6295E4D}" type="slidenum">
+              <a:rPr lang="de-DE" smtClean="0"/>
+              <a:pPr/>
+              <a:t>45</a:t>
+            </a:fld>
+            <a:endParaRPr lang="de-DE"/>
+          </a:p>
+        </p:txBody>
+      </p:sp>
+    </p:spTree>
+    <p:extLst>
+      <p:ext uri="{BB962C8B-B14F-4D97-AF65-F5344CB8AC3E}">
+        <p14:creationId xmlns:p14="http://schemas.microsoft.com/office/powerpoint/2010/main" val="3149190744"/>
+      </p:ext>
+    </p:extLst>
+  </p:cSld>
+  <p:clrMapOvr>
+    <a:masterClrMapping/>
+  </p:clrMapOvr>
+  <p:timing>
+    <p:tnLst>
+      <p:par>
+        <p:cTn id="1" dur="indefinite" restart="never" nodeType="tmRoot"/>
+      </p:par>
+    </p:tnLst>
+  </p:timing>
+</p:sld>
+</file>
+
+<file path=ppt/slides/slide46.xml><?xml version="1.0" encoding="utf-8"?>
+<p:sld xmlns:a="http://schemas.openxmlformats.org/drawingml/2006/main" xmlns:r="http://schemas.openxmlformats.org/officeDocument/2006/relationships" xmlns:p="http://schemas.openxmlformats.org/presentationml/2006/main">
+  <p:cSld>
+    <p:spTree>
+      <p:nvGrpSpPr>
+        <p:cNvPr id="1" name=""/>
+        <p:cNvGrpSpPr/>
+        <p:nvPr/>
+      </p:nvGrpSpPr>
+      <p:grpSpPr>
+        <a:xfrm>
+          <a:off x="0" y="0"/>
+          <a:ext cx="0" cy="0"/>
+          <a:chOff x="0" y="0"/>
+          <a:chExt cx="0" cy="0"/>
+        </a:xfrm>
+      </p:grpSpPr>
+      <p:sp>
+        <p:nvSpPr>
+          <p:cNvPr id="2" name="Inhaltsplatzhalter 1"/>
+          <p:cNvSpPr>
+            <a:spLocks noGrp="1"/>
+          </p:cNvSpPr>
+          <p:nvPr>
+            <p:ph idx="1"/>
+          </p:nvPr>
+        </p:nvSpPr>
+        <p:spPr/>
+        <p:txBody>
+          <a:bodyPr/>
+          <a:lstStyle/>
+          <a:p>
+            <a:r>
+              <a:rPr lang="de-DE" dirty="0" smtClean="0"/>
+              <a:t>Das Programm kompilieren und linken </a:t>
+            </a:r>
+            <a:r>
+              <a:rPr lang="de-DE" i="1" dirty="0" err="1" smtClean="0"/>
+              <a:t>clBuildProgram</a:t>
+            </a:r>
+            <a:endParaRPr lang="de-DE" i="1" dirty="0" smtClean="0"/>
+          </a:p>
+          <a:p>
+            <a:r>
+              <a:rPr lang="de-DE" dirty="0" smtClean="0"/>
+              <a:t>Den </a:t>
+            </a:r>
+            <a:r>
+              <a:rPr lang="de-DE" dirty="0" err="1" smtClean="0"/>
+              <a:t>Programmkernel</a:t>
+            </a:r>
+            <a:r>
+              <a:rPr lang="de-DE" dirty="0" smtClean="0"/>
+              <a:t> erstellen</a:t>
+            </a:r>
+            <a:br>
+              <a:rPr lang="de-DE" dirty="0" smtClean="0"/>
+            </a:br>
+            <a:r>
+              <a:rPr lang="de-DE" i="1" dirty="0" err="1" smtClean="0"/>
+              <a:t>clCreateKernel</a:t>
+            </a:r>
+            <a:endParaRPr lang="de-DE" i="1" dirty="0" smtClean="0"/>
+          </a:p>
+          <a:p>
+            <a:r>
+              <a:rPr lang="de-DE" dirty="0" smtClean="0"/>
+              <a:t>Programmdaten auf die GPU laden</a:t>
+            </a:r>
+          </a:p>
+          <a:p>
+            <a:pPr lvl="1"/>
+            <a:r>
+              <a:rPr lang="de-DE" dirty="0" err="1" smtClean="0"/>
+              <a:t>Buffer</a:t>
+            </a:r>
+            <a:r>
+              <a:rPr lang="de-DE" dirty="0" smtClean="0"/>
+              <a:t> auf GPU erstellen mit </a:t>
+            </a:r>
+            <a:br>
+              <a:rPr lang="de-DE" dirty="0" smtClean="0"/>
+            </a:br>
+            <a:r>
+              <a:rPr lang="de-DE" i="1" dirty="0" err="1" smtClean="0"/>
+              <a:t>clCreateBuffer</a:t>
+            </a:r>
+            <a:endParaRPr lang="de-DE" i="1" dirty="0" smtClean="0"/>
+          </a:p>
+          <a:p>
+            <a:pPr lvl="1"/>
+            <a:r>
+              <a:rPr lang="de-DE" dirty="0" smtClean="0"/>
+              <a:t>Parameter für den Kernel setzen mit</a:t>
+            </a:r>
+            <a:br>
+              <a:rPr lang="de-DE" dirty="0" smtClean="0"/>
+            </a:br>
+            <a:r>
+              <a:rPr lang="de-DE" i="1" dirty="0" err="1"/>
+              <a:t>clSetKernelArg</a:t>
+            </a:r>
+            <a:endParaRPr lang="de-DE" dirty="0"/>
+          </a:p>
+        </p:txBody>
+      </p:sp>
+      <p:sp>
+        <p:nvSpPr>
+          <p:cNvPr id="3" name="Titel 2"/>
+          <p:cNvSpPr>
+            <a:spLocks noGrp="1"/>
+          </p:cNvSpPr>
+          <p:nvPr>
+            <p:ph type="title"/>
+          </p:nvPr>
+        </p:nvSpPr>
+        <p:spPr/>
+        <p:txBody>
+          <a:bodyPr>
+            <a:normAutofit fontScale="90000"/>
+          </a:bodyPr>
+          <a:lstStyle/>
+          <a:p>
+            <a:r>
+              <a:rPr lang="de-DE" dirty="0" smtClean="0"/>
+              <a:t>Aufbau </a:t>
+            </a:r>
+            <a:r>
+              <a:rPr lang="de-DE" dirty="0" err="1" smtClean="0"/>
+              <a:t>OpenCL</a:t>
+            </a:r>
+            <a:r>
+              <a:rPr lang="de-DE" dirty="0" smtClean="0"/>
+              <a:t> Programm (2/3)</a:t>
+            </a:r>
+            <a:endParaRPr lang="de-DE" dirty="0"/>
+          </a:p>
+        </p:txBody>
+      </p:sp>
+      <p:sp>
+        <p:nvSpPr>
+          <p:cNvPr id="4" name="Datumsplatzhalter 3"/>
+          <p:cNvSpPr>
+            <a:spLocks noGrp="1"/>
+          </p:cNvSpPr>
+          <p:nvPr>
+            <p:ph type="dt" sz="half" idx="10"/>
+          </p:nvPr>
+        </p:nvSpPr>
+        <p:spPr/>
+        <p:txBody>
+          <a:bodyPr/>
+          <a:lstStyle/>
+          <a:p>
+            <a:r>
+              <a:rPr lang="de-DE" smtClean="0"/>
+              <a:t>23.06.2014</a:t>
+            </a:r>
+            <a:endParaRPr lang="de-DE"/>
+          </a:p>
+        </p:txBody>
+      </p:sp>
+      <p:sp>
+        <p:nvSpPr>
+          <p:cNvPr id="5" name="Foliennummernplatzhalter 4"/>
+          <p:cNvSpPr>
+            <a:spLocks noGrp="1"/>
+          </p:cNvSpPr>
+          <p:nvPr>
+            <p:ph type="sldNum" sz="quarter" idx="12"/>
+          </p:nvPr>
+        </p:nvSpPr>
+        <p:spPr/>
+        <p:txBody>
+          <a:bodyPr/>
+          <a:lstStyle/>
+          <a:p>
+            <a:fld id="{02075A8B-51D4-4999-A4F2-B3FAC6295E4D}" type="slidenum">
+              <a:rPr lang="de-DE" smtClean="0"/>
+              <a:pPr/>
+              <a:t>46</a:t>
+            </a:fld>
+            <a:endParaRPr lang="de-DE"/>
+          </a:p>
+        </p:txBody>
+      </p:sp>
+    </p:spTree>
+    <p:extLst>
+      <p:ext uri="{BB962C8B-B14F-4D97-AF65-F5344CB8AC3E}">
+        <p14:creationId xmlns:p14="http://schemas.microsoft.com/office/powerpoint/2010/main" val="2679847430"/>
+      </p:ext>
+    </p:extLst>
+  </p:cSld>
+  <p:clrMapOvr>
+    <a:masterClrMapping/>
+  </p:clrMapOvr>
+  <p:timing>
+    <p:tnLst>
+      <p:par>
+        <p:cTn id="1" dur="indefinite" restart="never" nodeType="tmRoot"/>
+      </p:par>
+    </p:tnLst>
+  </p:timing>
+</p:sld>
+</file>
+
+<file path=ppt/slides/slide47.xml><?xml version="1.0" encoding="utf-8"?>
+<p:sld xmlns:a="http://schemas.openxmlformats.org/drawingml/2006/main" xmlns:r="http://schemas.openxmlformats.org/officeDocument/2006/relationships" xmlns:p="http://schemas.openxmlformats.org/presentationml/2006/main">
+  <p:cSld>
+    <p:spTree>
+      <p:nvGrpSpPr>
+        <p:cNvPr id="1" name=""/>
+        <p:cNvGrpSpPr/>
+        <p:nvPr/>
+      </p:nvGrpSpPr>
+      <p:grpSpPr>
+        <a:xfrm>
+          <a:off x="0" y="0"/>
+          <a:ext cx="0" cy="0"/>
+          <a:chOff x="0" y="0"/>
+          <a:chExt cx="0" cy="0"/>
+        </a:xfrm>
+      </p:grpSpPr>
+      <p:sp>
+        <p:nvSpPr>
+          <p:cNvPr id="2" name="Inhaltsplatzhalter 1"/>
+          <p:cNvSpPr>
+            <a:spLocks noGrp="1"/>
+          </p:cNvSpPr>
+          <p:nvPr>
+            <p:ph idx="1"/>
+          </p:nvPr>
+        </p:nvSpPr>
+        <p:spPr/>
+        <p:txBody>
+          <a:bodyPr/>
+          <a:lstStyle/>
+          <a:p>
+            <a:r>
+              <a:rPr lang="de-DE" dirty="0" err="1" smtClean="0"/>
+              <a:t>OpenCL</a:t>
+            </a:r>
+            <a:r>
+              <a:rPr lang="de-DE" dirty="0" smtClean="0"/>
+              <a:t> </a:t>
+            </a:r>
+            <a:r>
+              <a:rPr lang="de-DE" dirty="0" err="1" smtClean="0"/>
+              <a:t>kernel</a:t>
+            </a:r>
+            <a:r>
+              <a:rPr lang="de-DE" dirty="0" smtClean="0"/>
+              <a:t> ausführen</a:t>
+            </a:r>
+            <a:br>
+              <a:rPr lang="de-DE" dirty="0" smtClean="0"/>
+            </a:br>
+            <a:r>
+              <a:rPr lang="de-DE" i="1" dirty="0" err="1" smtClean="0"/>
+              <a:t>clEnqueueNDRangeKernel</a:t>
+            </a:r>
+            <a:endParaRPr lang="de-DE" i="1" dirty="0" smtClean="0"/>
+          </a:p>
+          <a:p>
+            <a:r>
+              <a:rPr lang="de-DE" dirty="0" smtClean="0"/>
+              <a:t>Warten bis die Ausführung beendet ist</a:t>
+            </a:r>
+            <a:br>
+              <a:rPr lang="de-DE" dirty="0" smtClean="0"/>
+            </a:br>
+            <a:r>
+              <a:rPr lang="de-DE" i="1" dirty="0" err="1" smtClean="0"/>
+              <a:t>clFinish</a:t>
+            </a:r>
+            <a:endParaRPr lang="de-DE" i="1" dirty="0" smtClean="0"/>
+          </a:p>
+          <a:p>
+            <a:r>
+              <a:rPr lang="de-DE" dirty="0" smtClean="0"/>
+              <a:t>Lesen von Ausgabedaten</a:t>
+            </a:r>
+            <a:br>
+              <a:rPr lang="de-DE" dirty="0" smtClean="0"/>
+            </a:br>
+            <a:r>
+              <a:rPr lang="de-DE" i="1" dirty="0" err="1" smtClean="0"/>
+              <a:t>clEnqueueReadBuffer</a:t>
+            </a:r>
+            <a:endParaRPr lang="de-DE" i="1" dirty="0" smtClean="0"/>
+          </a:p>
+          <a:p>
+            <a:r>
+              <a:rPr lang="de-DE" dirty="0" smtClean="0"/>
+              <a:t>Gespeicherte Daten wieder löschen</a:t>
+            </a:r>
+            <a:br>
+              <a:rPr lang="de-DE" dirty="0" smtClean="0"/>
+            </a:br>
+            <a:r>
+              <a:rPr lang="de-DE" i="1" dirty="0" err="1" smtClean="0"/>
+              <a:t>clReleaseMemObject</a:t>
+            </a:r>
+            <a:endParaRPr lang="de-DE" i="1" dirty="0" smtClean="0"/>
+          </a:p>
+          <a:p>
+            <a:r>
+              <a:rPr lang="de-DE" dirty="0" smtClean="0"/>
+              <a:t>Kernel wieder freigeben</a:t>
+            </a:r>
+            <a:br>
+              <a:rPr lang="de-DE" dirty="0" smtClean="0"/>
+            </a:br>
+            <a:r>
+              <a:rPr lang="de-DE" i="1" dirty="0" err="1"/>
+              <a:t>clReleaseKernel</a:t>
+            </a:r>
+            <a:endParaRPr lang="de-DE" dirty="0" smtClean="0"/>
+          </a:p>
+        </p:txBody>
+      </p:sp>
+      <p:sp>
+        <p:nvSpPr>
+          <p:cNvPr id="3" name="Titel 2"/>
+          <p:cNvSpPr>
+            <a:spLocks noGrp="1"/>
+          </p:cNvSpPr>
+          <p:nvPr>
+            <p:ph type="title"/>
+          </p:nvPr>
+        </p:nvSpPr>
+        <p:spPr/>
+        <p:txBody>
+          <a:bodyPr>
+            <a:normAutofit fontScale="90000"/>
+          </a:bodyPr>
+          <a:lstStyle/>
+          <a:p>
+            <a:r>
+              <a:rPr lang="de-DE" dirty="0" smtClean="0"/>
+              <a:t>Aufbau </a:t>
+            </a:r>
+            <a:r>
+              <a:rPr lang="de-DE" dirty="0" err="1" smtClean="0"/>
+              <a:t>OpenCL</a:t>
+            </a:r>
+            <a:r>
+              <a:rPr lang="de-DE" dirty="0" smtClean="0"/>
+              <a:t> Programm (3/3)</a:t>
+            </a:r>
+            <a:endParaRPr lang="de-DE" dirty="0"/>
+          </a:p>
+        </p:txBody>
+      </p:sp>
+      <p:sp>
+        <p:nvSpPr>
+          <p:cNvPr id="4" name="Datumsplatzhalter 3"/>
+          <p:cNvSpPr>
+            <a:spLocks noGrp="1"/>
+          </p:cNvSpPr>
+          <p:nvPr>
+            <p:ph type="dt" sz="half" idx="10"/>
+          </p:nvPr>
+        </p:nvSpPr>
+        <p:spPr/>
+        <p:txBody>
+          <a:bodyPr/>
+          <a:lstStyle/>
+          <a:p>
+            <a:r>
+              <a:rPr lang="de-DE" smtClean="0"/>
+              <a:t>23.06.2014</a:t>
+            </a:r>
+            <a:endParaRPr lang="de-DE"/>
+          </a:p>
+        </p:txBody>
+      </p:sp>
+      <p:sp>
+        <p:nvSpPr>
+          <p:cNvPr id="5" name="Foliennummernplatzhalter 4"/>
+          <p:cNvSpPr>
+            <a:spLocks noGrp="1"/>
+          </p:cNvSpPr>
+          <p:nvPr>
+            <p:ph type="sldNum" sz="quarter" idx="12"/>
+          </p:nvPr>
+        </p:nvSpPr>
+        <p:spPr/>
+        <p:txBody>
+          <a:bodyPr/>
+          <a:lstStyle/>
+          <a:p>
+            <a:fld id="{02075A8B-51D4-4999-A4F2-B3FAC6295E4D}" type="slidenum">
+              <a:rPr lang="de-DE" smtClean="0"/>
+              <a:pPr/>
+              <a:t>47</a:t>
+            </a:fld>
+            <a:endParaRPr lang="de-DE"/>
+          </a:p>
+        </p:txBody>
+      </p:sp>
+    </p:spTree>
+    <p:extLst>
+      <p:ext uri="{BB962C8B-B14F-4D97-AF65-F5344CB8AC3E}">
+        <p14:creationId xmlns:p14="http://schemas.microsoft.com/office/powerpoint/2010/main" val="8515451"/>
+      </p:ext>
+    </p:extLst>
+  </p:cSld>
+  <p:clrMapOvr>
+    <a:masterClrMapping/>
+  </p:clrMapOvr>
+  <p:timing>
+    <p:tnLst>
+      <p:par>
+        <p:cTn id="1" dur="indefinite" restart="never" nodeType="tmRoot"/>
+      </p:par>
+    </p:tnLst>
+  </p:timing>
+</p:sld>
+</file>
+
+<file path=ppt/slides/slide48.xml><?xml version="1.0" encoding="utf-8"?>
+<p:sld xmlns:a="http://schemas.openxmlformats.org/drawingml/2006/main" xmlns:r="http://schemas.openxmlformats.org/officeDocument/2006/relationships" xmlns:p="http://schemas.openxmlformats.org/presentationml/2006/main">
+  <p:cSld>
+    <p:spTree>
+      <p:nvGrpSpPr>
+        <p:cNvPr id="1" name=""/>
+        <p:cNvGrpSpPr/>
+        <p:nvPr/>
+      </p:nvGrpSpPr>
+      <p:grpSpPr>
+        <a:xfrm>
+          <a:off x="0" y="0"/>
+          <a:ext cx="0" cy="0"/>
+          <a:chOff x="0" y="0"/>
+          <a:chExt cx="0" cy="0"/>
+        </a:xfrm>
+      </p:grpSpPr>
+      <p:sp>
+        <p:nvSpPr>
+          <p:cNvPr id="2" name="Inhaltsplatzhalter 1"/>
+          <p:cNvSpPr>
+            <a:spLocks noGrp="1"/>
+          </p:cNvSpPr>
+          <p:nvPr>
+            <p:ph idx="1"/>
+          </p:nvPr>
+        </p:nvSpPr>
+        <p:spPr/>
+        <p:txBody>
+          <a:bodyPr>
+            <a:normAutofit/>
+          </a:bodyPr>
+          <a:lstStyle/>
+          <a:p>
+            <a:r>
+              <a:rPr lang="de-DE" dirty="0" err="1" smtClean="0"/>
+              <a:t>OpenCL</a:t>
+            </a:r>
+            <a:r>
+              <a:rPr lang="de-DE" dirty="0" smtClean="0"/>
+              <a:t> Sprache ist eine </a:t>
+            </a:r>
+            <a:r>
+              <a:rPr lang="de-DE" dirty="0"/>
+              <a:t>E</a:t>
+            </a:r>
+            <a:r>
+              <a:rPr lang="de-DE" dirty="0" smtClean="0"/>
+              <a:t>rweiterung des C-Standards</a:t>
+            </a:r>
+          </a:p>
+          <a:p>
+            <a:r>
+              <a:rPr lang="de-DE" dirty="0" smtClean="0"/>
+              <a:t>Beispiel zur Berechnung von Quadratzahlen auf der GPU</a:t>
+            </a:r>
+          </a:p>
+          <a:p>
+            <a:pPr marL="109728" indent="0">
+              <a:buNone/>
+            </a:pPr>
+            <a:r>
+              <a:rPr lang="de-DE" dirty="0" smtClean="0"/>
+              <a:t>__</a:t>
+            </a:r>
+            <a:r>
+              <a:rPr lang="de-DE" dirty="0" err="1"/>
+              <a:t>kernel</a:t>
+            </a:r>
+            <a:r>
+              <a:rPr lang="de-DE" dirty="0"/>
+              <a:t> </a:t>
+            </a:r>
+            <a:r>
+              <a:rPr lang="de-DE" dirty="0" err="1">
+                <a:solidFill>
+                  <a:srgbClr val="0070C0"/>
+                </a:solidFill>
+              </a:rPr>
+              <a:t>void</a:t>
+            </a:r>
+            <a:r>
+              <a:rPr lang="de-DE" dirty="0">
+                <a:solidFill>
+                  <a:srgbClr val="0070C0"/>
+                </a:solidFill>
+              </a:rPr>
+              <a:t> </a:t>
+            </a:r>
+            <a:r>
+              <a:rPr lang="de-DE" dirty="0" err="1"/>
+              <a:t>calc</a:t>
+            </a:r>
+            <a:r>
+              <a:rPr lang="de-DE" dirty="0"/>
+              <a:t>(__global </a:t>
+            </a:r>
+            <a:r>
+              <a:rPr lang="de-DE" dirty="0" err="1">
+                <a:solidFill>
+                  <a:srgbClr val="0070C0"/>
+                </a:solidFill>
+              </a:rPr>
+              <a:t>int</a:t>
+            </a:r>
+            <a:r>
+              <a:rPr lang="de-DE" dirty="0"/>
+              <a:t>* </a:t>
+            </a:r>
+            <a:r>
+              <a:rPr lang="de-DE" dirty="0" err="1"/>
+              <a:t>array</a:t>
+            </a:r>
+            <a:r>
+              <a:rPr lang="de-DE" dirty="0"/>
+              <a:t>,				   </a:t>
+            </a:r>
+            <a:r>
+              <a:rPr lang="de-DE" dirty="0" smtClean="0"/>
+              <a:t>         __</a:t>
+            </a:r>
+            <a:r>
+              <a:rPr lang="de-DE" dirty="0"/>
+              <a:t>global </a:t>
+            </a:r>
+            <a:r>
+              <a:rPr lang="de-DE" dirty="0" err="1">
+                <a:solidFill>
+                  <a:srgbClr val="0070C0"/>
+                </a:solidFill>
+              </a:rPr>
+              <a:t>int</a:t>
+            </a:r>
+            <a:r>
+              <a:rPr lang="de-DE" dirty="0"/>
+              <a:t>* </a:t>
+            </a:r>
+            <a:r>
+              <a:rPr lang="de-DE" dirty="0" err="1"/>
+              <a:t>result</a:t>
+            </a:r>
+            <a:r>
+              <a:rPr lang="de-DE" dirty="0"/>
+              <a:t>) </a:t>
+            </a:r>
+            <a:r>
+              <a:rPr lang="de-DE" dirty="0" smtClean="0"/>
+              <a:t>{</a:t>
+            </a:r>
+            <a:br>
+              <a:rPr lang="de-DE" dirty="0" smtClean="0"/>
+            </a:br>
+            <a:r>
+              <a:rPr lang="de-DE" dirty="0" smtClean="0"/>
+              <a:t>	</a:t>
+            </a:r>
+            <a:r>
+              <a:rPr lang="de-DE" dirty="0" err="1" smtClean="0">
+                <a:solidFill>
+                  <a:srgbClr val="0070C0"/>
+                </a:solidFill>
+              </a:rPr>
+              <a:t>int</a:t>
+            </a:r>
+            <a:r>
+              <a:rPr lang="de-DE" dirty="0" smtClean="0">
+                <a:solidFill>
+                  <a:srgbClr val="0070C0"/>
+                </a:solidFill>
+              </a:rPr>
+              <a:t> </a:t>
+            </a:r>
+            <a:r>
+              <a:rPr lang="de-DE" dirty="0" err="1"/>
+              <a:t>gid</a:t>
+            </a:r>
+            <a:r>
+              <a:rPr lang="de-DE" dirty="0"/>
+              <a:t> = </a:t>
+            </a:r>
+            <a:r>
+              <a:rPr lang="de-DE" dirty="0" err="1"/>
+              <a:t>get_global_id</a:t>
+            </a:r>
+            <a:r>
+              <a:rPr lang="de-DE" dirty="0"/>
+              <a:t>(</a:t>
+            </a:r>
+            <a:r>
+              <a:rPr lang="de-DE" dirty="0">
+                <a:solidFill>
+                  <a:srgbClr val="FFC000"/>
+                </a:solidFill>
+              </a:rPr>
+              <a:t>0</a:t>
+            </a:r>
+            <a:r>
+              <a:rPr lang="de-DE" dirty="0" smtClean="0"/>
+              <a:t>);</a:t>
+            </a:r>
+            <a:br>
+              <a:rPr lang="de-DE" dirty="0" smtClean="0"/>
+            </a:br>
+            <a:r>
+              <a:rPr lang="de-DE" dirty="0" smtClean="0"/>
+              <a:t>	</a:t>
+            </a:r>
+            <a:r>
+              <a:rPr lang="de-DE" dirty="0" err="1" smtClean="0"/>
+              <a:t>result</a:t>
+            </a:r>
+            <a:r>
+              <a:rPr lang="de-DE" dirty="0" smtClean="0"/>
+              <a:t>[</a:t>
+            </a:r>
+            <a:r>
+              <a:rPr lang="de-DE" dirty="0" err="1" smtClean="0"/>
+              <a:t>gid</a:t>
+            </a:r>
+            <a:r>
+              <a:rPr lang="de-DE" dirty="0"/>
+              <a:t>] = </a:t>
+            </a:r>
+            <a:r>
+              <a:rPr lang="de-DE" dirty="0" err="1"/>
+              <a:t>array</a:t>
+            </a:r>
+            <a:r>
+              <a:rPr lang="de-DE" dirty="0"/>
+              <a:t>[</a:t>
+            </a:r>
+            <a:r>
+              <a:rPr lang="de-DE" dirty="0" err="1"/>
+              <a:t>gid</a:t>
+            </a:r>
+            <a:r>
+              <a:rPr lang="de-DE" dirty="0"/>
+              <a:t>] * </a:t>
+            </a:r>
+            <a:r>
+              <a:rPr lang="de-DE" dirty="0" err="1"/>
+              <a:t>array</a:t>
+            </a:r>
+            <a:r>
+              <a:rPr lang="de-DE" dirty="0"/>
+              <a:t>[</a:t>
+            </a:r>
+            <a:r>
+              <a:rPr lang="de-DE" dirty="0" err="1"/>
+              <a:t>gid</a:t>
+            </a:r>
+            <a:r>
+              <a:rPr lang="de-DE" dirty="0" smtClean="0"/>
+              <a:t>];</a:t>
+            </a:r>
+          </a:p>
+          <a:p>
+            <a:pPr marL="109728" indent="0">
+              <a:buNone/>
+            </a:pPr>
+            <a:r>
+              <a:rPr lang="de-DE" dirty="0" smtClean="0"/>
+              <a:t>}</a:t>
+            </a:r>
+            <a:endParaRPr lang="de-DE" dirty="0"/>
+          </a:p>
+        </p:txBody>
+      </p:sp>
+      <p:sp>
+        <p:nvSpPr>
+          <p:cNvPr id="3" name="Datumsplatzhalter 2"/>
+          <p:cNvSpPr>
+            <a:spLocks noGrp="1"/>
+          </p:cNvSpPr>
+          <p:nvPr>
+            <p:ph type="dt" sz="half" idx="10"/>
+          </p:nvPr>
+        </p:nvSpPr>
+        <p:spPr/>
+        <p:txBody>
+          <a:bodyPr/>
+          <a:lstStyle/>
+          <a:p>
+            <a:r>
+              <a:rPr lang="de-DE" smtClean="0"/>
+              <a:t>23.06.2014</a:t>
+            </a:r>
+            <a:endParaRPr lang="de-DE"/>
+          </a:p>
+        </p:txBody>
+      </p:sp>
+      <p:sp>
+        <p:nvSpPr>
+          <p:cNvPr id="4" name="Foliennummernplatzhalter 3"/>
+          <p:cNvSpPr>
+            <a:spLocks noGrp="1"/>
+          </p:cNvSpPr>
+          <p:nvPr>
+            <p:ph type="sldNum" sz="quarter" idx="12"/>
+          </p:nvPr>
+        </p:nvSpPr>
+        <p:spPr/>
+        <p:txBody>
+          <a:bodyPr/>
+          <a:lstStyle/>
+          <a:p>
+            <a:fld id="{02075A8B-51D4-4999-A4F2-B3FAC6295E4D}" type="slidenum">
+              <a:rPr lang="de-DE" smtClean="0"/>
+              <a:pPr/>
+              <a:t>48</a:t>
+            </a:fld>
+            <a:endParaRPr lang="de-DE"/>
+          </a:p>
+        </p:txBody>
+      </p:sp>
+      <p:sp>
+        <p:nvSpPr>
+          <p:cNvPr id="5" name="Titel 4"/>
+          <p:cNvSpPr>
+            <a:spLocks noGrp="1"/>
+          </p:cNvSpPr>
+          <p:nvPr>
+            <p:ph type="title"/>
+          </p:nvPr>
+        </p:nvSpPr>
+        <p:spPr/>
+        <p:txBody>
+          <a:bodyPr/>
+          <a:lstStyle/>
+          <a:p>
+            <a:r>
+              <a:rPr lang="de-DE" dirty="0" smtClean="0"/>
+              <a:t>Aufbau </a:t>
+            </a:r>
+            <a:r>
+              <a:rPr lang="de-DE" dirty="0" err="1" smtClean="0"/>
+              <a:t>OpenCL</a:t>
+            </a:r>
+            <a:r>
+              <a:rPr lang="de-DE" dirty="0" smtClean="0"/>
+              <a:t> Kernel</a:t>
+            </a:r>
+            <a:endParaRPr lang="de-DE" dirty="0"/>
+          </a:p>
+        </p:txBody>
+      </p:sp>
+    </p:spTree>
+    <p:extLst>
+      <p:ext uri="{BB962C8B-B14F-4D97-AF65-F5344CB8AC3E}">
+        <p14:creationId xmlns:p14="http://schemas.microsoft.com/office/powerpoint/2010/main" val="3256973187"/>
+      </p:ext>
+    </p:extLst>
+  </p:cSld>
+  <p:clrMapOvr>
+    <a:masterClrMapping/>
+  </p:clrMapOvr>
+  <p:timing>
+    <p:tnLst>
+      <p:par>
+        <p:cTn id="1" dur="indefinite" restart="never" nodeType="tmRoot"/>
+      </p:par>
+    </p:tnLst>
+  </p:timing>
+</p:sld>
+</file>
+
+<file path=ppt/slides/slide49.xml><?xml version="1.0" encoding="utf-8"?>
+<p:sld xmlns:a="http://schemas.openxmlformats.org/drawingml/2006/main" xmlns:r="http://schemas.openxmlformats.org/officeDocument/2006/relationships" xmlns:p="http://schemas.openxmlformats.org/presentationml/2006/main">
+  <p:cSld>
+    <p:spTree>
+      <p:nvGrpSpPr>
+        <p:cNvPr id="1" name=""/>
+        <p:cNvGrpSpPr/>
+        <p:nvPr/>
+      </p:nvGrpSpPr>
+      <p:grpSpPr>
+        <a:xfrm>
+          <a:off x="0" y="0"/>
+          <a:ext cx="0" cy="0"/>
+          <a:chOff x="0" y="0"/>
+          <a:chExt cx="0" cy="0"/>
+        </a:xfrm>
+      </p:grpSpPr>
+      <p:sp>
+        <p:nvSpPr>
+          <p:cNvPr id="2" name="Inhaltsplatzhalter 1"/>
+          <p:cNvSpPr>
+            <a:spLocks noGrp="1"/>
+          </p:cNvSpPr>
+          <p:nvPr>
+            <p:ph idx="1"/>
+          </p:nvPr>
+        </p:nvSpPr>
+        <p:spPr/>
+        <p:txBody>
+          <a:bodyPr/>
+          <a:lstStyle/>
+          <a:p>
+            <a:r>
+              <a:rPr lang="de-DE" dirty="0" smtClean="0"/>
+              <a:t>Voraussetzung: Modell mit </a:t>
+            </a:r>
+            <a:r>
+              <a:rPr lang="de-DE" dirty="0" err="1" smtClean="0"/>
+              <a:t>CityDoctor</a:t>
+            </a:r>
+            <a:r>
+              <a:rPr lang="de-DE" dirty="0" smtClean="0"/>
+              <a:t> validiert bzw. korrigiert.</a:t>
+            </a:r>
+          </a:p>
+          <a:p>
+            <a:r>
+              <a:rPr lang="de-DE" dirty="0" smtClean="0"/>
+              <a:t>Ohne Validierung:</a:t>
+            </a:r>
+          </a:p>
+          <a:p>
+            <a:pPr lvl="1"/>
+            <a:r>
+              <a:rPr lang="de-DE" dirty="0" smtClean="0"/>
+              <a:t>Ergebnis der Volumenberechnung nicht korrekt.</a:t>
+            </a:r>
+            <a:endParaRPr lang="de-DE" dirty="0"/>
+          </a:p>
+          <a:p>
+            <a:pPr lvl="1"/>
+            <a:r>
+              <a:rPr lang="de-DE" dirty="0" smtClean="0"/>
+              <a:t>Schattenberechnung fehlerhaft.</a:t>
+            </a:r>
+          </a:p>
+          <a:p>
+            <a:pPr lvl="1"/>
+            <a:r>
+              <a:rPr lang="de-DE" dirty="0" smtClean="0"/>
+              <a:t>Fehlerhafte Darstellung im 3D-Viewer, da „Rückseiten“ der Dreiecke nicht angezeigt werden.</a:t>
+            </a:r>
+          </a:p>
+        </p:txBody>
+      </p:sp>
+      <p:sp>
+        <p:nvSpPr>
+          <p:cNvPr id="3" name="Datumsplatzhalter 2"/>
+          <p:cNvSpPr>
+            <a:spLocks noGrp="1"/>
+          </p:cNvSpPr>
+          <p:nvPr>
+            <p:ph type="dt" sz="half" idx="10"/>
+          </p:nvPr>
+        </p:nvSpPr>
+        <p:spPr/>
+        <p:txBody>
+          <a:bodyPr/>
+          <a:lstStyle/>
+          <a:p>
+            <a:r>
+              <a:rPr lang="de-DE" smtClean="0"/>
+              <a:t>23.06.2014</a:t>
+            </a:r>
+            <a:endParaRPr lang="de-DE"/>
+          </a:p>
+        </p:txBody>
+      </p:sp>
+      <p:sp>
+        <p:nvSpPr>
+          <p:cNvPr id="4" name="Foliennummernplatzhalter 3"/>
+          <p:cNvSpPr>
+            <a:spLocks noGrp="1"/>
+          </p:cNvSpPr>
+          <p:nvPr>
+            <p:ph type="sldNum" sz="quarter" idx="12"/>
+          </p:nvPr>
+        </p:nvSpPr>
+        <p:spPr/>
+        <p:txBody>
+          <a:bodyPr/>
+          <a:lstStyle/>
+          <a:p>
+            <a:fld id="{02075A8B-51D4-4999-A4F2-B3FAC6295E4D}" type="slidenum">
+              <a:rPr lang="de-DE" smtClean="0"/>
+              <a:pPr/>
+              <a:t>49</a:t>
             </a:fld>
             <a:endParaRPr lang="de-DE"/>
           </a:p>
@@ -13938,7 +14895,203 @@
 </p:sld>
 </file>
 
-<file path=ppt/slides/slide45.xml><?xml version="1.0" encoding="utf-8"?>
+<file path=ppt/slides/slide5.xml><?xml version="1.0" encoding="utf-8"?>
+<p:sld xmlns:a="http://schemas.openxmlformats.org/drawingml/2006/main" xmlns:r="http://schemas.openxmlformats.org/officeDocument/2006/relationships" xmlns:p="http://schemas.openxmlformats.org/presentationml/2006/main">
+  <p:cSld>
+    <p:spTree>
+      <p:nvGrpSpPr>
+        <p:cNvPr id="1" name=""/>
+        <p:cNvGrpSpPr/>
+        <p:nvPr/>
+      </p:nvGrpSpPr>
+      <p:grpSpPr>
+        <a:xfrm>
+          <a:off x="0" y="0"/>
+          <a:ext cx="0" cy="0"/>
+          <a:chOff x="0" y="0"/>
+          <a:chExt cx="0" cy="0"/>
+        </a:xfrm>
+      </p:grpSpPr>
+      <p:sp>
+        <p:nvSpPr>
+          <p:cNvPr id="2" name="Inhaltsplatzhalter 1"/>
+          <p:cNvSpPr>
+            <a:spLocks noGrp="1"/>
+          </p:cNvSpPr>
+          <p:nvPr>
+            <p:ph idx="1"/>
+          </p:nvPr>
+        </p:nvSpPr>
+        <p:spPr/>
+        <p:txBody>
+          <a:bodyPr/>
+          <a:lstStyle/>
+          <a:p>
+            <a:r>
+              <a:rPr lang="de-DE" dirty="0" smtClean="0"/>
+              <a:t>Grober </a:t>
+            </a:r>
+            <a:r>
+              <a:rPr lang="de-DE" dirty="0"/>
+              <a:t>Projektplan</a:t>
+            </a:r>
+          </a:p>
+          <a:p>
+            <a:pPr lvl="1"/>
+            <a:r>
+              <a:rPr lang="de-DE" dirty="0"/>
+              <a:t>schnell hinfällig</a:t>
+            </a:r>
+          </a:p>
+          <a:p>
+            <a:pPr lvl="1"/>
+            <a:r>
+              <a:rPr lang="de-DE" dirty="0" smtClean="0"/>
+              <a:t>Aufgabenüberblick </a:t>
+            </a:r>
+            <a:r>
+              <a:rPr lang="de-DE" dirty="0"/>
+              <a:t>via Reviews</a:t>
+            </a:r>
+          </a:p>
+          <a:p>
+            <a:pPr lvl="1"/>
+            <a:r>
+              <a:rPr lang="de-DE" dirty="0"/>
+              <a:t>sammeln von </a:t>
+            </a:r>
+            <a:r>
+              <a:rPr lang="de-DE" dirty="0" err="1" smtClean="0"/>
+              <a:t>To</a:t>
+            </a:r>
+            <a:r>
+              <a:rPr lang="de-DE" dirty="0" smtClean="0"/>
+              <a:t>-dos </a:t>
+            </a:r>
+            <a:r>
+              <a:rPr lang="de-DE" dirty="0"/>
+              <a:t>jeden Montag</a:t>
+            </a:r>
+          </a:p>
+          <a:p>
+            <a:r>
+              <a:rPr lang="de-DE" dirty="0" smtClean="0"/>
+              <a:t>Gut </a:t>
+            </a:r>
+            <a:r>
+              <a:rPr lang="de-DE" dirty="0"/>
+              <a:t>für grobe Zeitabschätzung</a:t>
+            </a:r>
+          </a:p>
+          <a:p>
+            <a:r>
+              <a:rPr lang="de-DE" dirty="0" smtClean="0"/>
+              <a:t>Relativ </a:t>
+            </a:r>
+            <a:r>
+              <a:rPr lang="de-DE" dirty="0"/>
+              <a:t>unflexibel</a:t>
+            </a:r>
+          </a:p>
+          <a:p>
+            <a:endParaRPr lang="de-DE" dirty="0"/>
+          </a:p>
+        </p:txBody>
+      </p:sp>
+      <p:sp>
+        <p:nvSpPr>
+          <p:cNvPr id="3" name="Datumsplatzhalter 2"/>
+          <p:cNvSpPr>
+            <a:spLocks noGrp="1"/>
+          </p:cNvSpPr>
+          <p:nvPr>
+            <p:ph type="dt" sz="half" idx="10"/>
+          </p:nvPr>
+        </p:nvSpPr>
+        <p:spPr/>
+        <p:txBody>
+          <a:bodyPr/>
+          <a:lstStyle/>
+          <a:p>
+            <a:r>
+              <a:rPr lang="de-DE" smtClean="0"/>
+              <a:t>23.06.2014</a:t>
+            </a:r>
+            <a:endParaRPr lang="de-DE"/>
+          </a:p>
+        </p:txBody>
+      </p:sp>
+      <p:sp>
+        <p:nvSpPr>
+          <p:cNvPr id="4" name="Foliennummernplatzhalter 3"/>
+          <p:cNvSpPr>
+            <a:spLocks noGrp="1"/>
+          </p:cNvSpPr>
+          <p:nvPr>
+            <p:ph type="sldNum" sz="quarter" idx="12"/>
+          </p:nvPr>
+        </p:nvSpPr>
+        <p:spPr/>
+        <p:txBody>
+          <a:bodyPr/>
+          <a:lstStyle/>
+          <a:p>
+            <a:fld id="{02075A8B-51D4-4999-A4F2-B3FAC6295E4D}" type="slidenum">
+              <a:rPr lang="de-DE" smtClean="0"/>
+              <a:pPr/>
+              <a:t>5</a:t>
+            </a:fld>
+            <a:endParaRPr lang="de-DE"/>
+          </a:p>
+        </p:txBody>
+      </p:sp>
+      <p:sp>
+        <p:nvSpPr>
+          <p:cNvPr id="5" name="Titel 4"/>
+          <p:cNvSpPr>
+            <a:spLocks noGrp="1"/>
+          </p:cNvSpPr>
+          <p:nvPr>
+            <p:ph type="title"/>
+          </p:nvPr>
+        </p:nvSpPr>
+        <p:spPr/>
+        <p:txBody>
+          <a:bodyPr/>
+          <a:lstStyle/>
+          <a:p>
+            <a:r>
+              <a:rPr lang="de-DE" dirty="0" err="1"/>
+              <a:t>vCity</a:t>
+            </a:r>
+            <a:r>
+              <a:rPr lang="de-DE" dirty="0"/>
+              <a:t> (2/4)</a:t>
+            </a:r>
+          </a:p>
+        </p:txBody>
+      </p:sp>
+    </p:spTree>
+    <p:extLst>
+      <p:ext uri="{BB962C8B-B14F-4D97-AF65-F5344CB8AC3E}">
+        <p14:creationId xmlns:p14="http://schemas.microsoft.com/office/powerpoint/2010/main" val="1366542185"/>
+      </p:ext>
+    </p:extLst>
+  </p:cSld>
+  <p:clrMapOvr>
+    <a:masterClrMapping/>
+  </p:clrMapOvr>
+  <p:timing>
+    <p:tnLst>
+      <p:par>
+        <p:cTn id="1" dur="indefinite" restart="never" nodeType="tmRoot"/>
+      </p:par>
+    </p:tnLst>
+  </p:timing>
+</p:sld>
+</file>
+
+<file path=ppt/slides/slide50.xml><?xml version="1.0" encoding="utf-8"?>
 <p:sld xmlns:a="http://schemas.openxmlformats.org/drawingml/2006/main" xmlns:r="http://schemas.openxmlformats.org/officeDocument/2006/relationships" xmlns:p="http://schemas.openxmlformats.org/presentationml/2006/main">
   <p:cSld>
     <p:spTree>
@@ -14148,7 +15301,7 @@
             <a:fld id="{02075A8B-51D4-4999-A4F2-B3FAC6295E4D}" type="slidenum">
               <a:rPr lang="de-DE" smtClean="0"/>
               <a:pPr/>
-              <a:t>45</a:t>
+              <a:t>50</a:t>
             </a:fld>
             <a:endParaRPr lang="de-DE"/>
           </a:p>
@@ -14174,7 +15327,7 @@
 </p:sld>
 </file>
 
-<file path=ppt/slides/slide46.xml><?xml version="1.0" encoding="utf-8"?>
+<file path=ppt/slides/slide51.xml><?xml version="1.0" encoding="utf-8"?>
 <p:sld xmlns:a="http://schemas.openxmlformats.org/drawingml/2006/main" xmlns:r="http://schemas.openxmlformats.org/officeDocument/2006/relationships" xmlns:p="http://schemas.openxmlformats.org/presentationml/2006/main">
   <p:cSld>
     <p:spTree>
@@ -14307,7 +15460,7 @@
             <a:fld id="{02075A8B-51D4-4999-A4F2-B3FAC6295E4D}" type="slidenum">
               <a:rPr lang="de-DE" smtClean="0"/>
               <a:pPr/>
-              <a:t>46</a:t>
+              <a:t>51</a:t>
             </a:fld>
             <a:endParaRPr lang="de-DE"/>
           </a:p>
@@ -14363,7 +15516,7 @@
 </p:sld>
 </file>
 
-<file path=ppt/slides/slide47.xml><?xml version="1.0" encoding="utf-8"?>
+<file path=ppt/slides/slide52.xml><?xml version="1.0" encoding="utf-8"?>
 <p:sld xmlns:a="http://schemas.openxmlformats.org/drawingml/2006/main" xmlns:r="http://schemas.openxmlformats.org/officeDocument/2006/relationships" xmlns:p="http://schemas.openxmlformats.org/presentationml/2006/main">
   <p:cSld>
     <p:spTree>
@@ -14497,7 +15650,7 @@
             <a:fld id="{02075A8B-51D4-4999-A4F2-B3FAC6295E4D}" type="slidenum">
               <a:rPr lang="de-DE" smtClean="0"/>
               <a:pPr/>
-              <a:t>47</a:t>
+              <a:t>52</a:t>
             </a:fld>
             <a:endParaRPr lang="de-DE"/>
           </a:p>
@@ -14523,7 +15676,7 @@
 </p:sld>
 </file>
 
-<file path=ppt/slides/slide48.xml><?xml version="1.0" encoding="utf-8"?>
+<file path=ppt/slides/slide53.xml><?xml version="1.0" encoding="utf-8"?>
 <p:sld xmlns:a="http://schemas.openxmlformats.org/drawingml/2006/main" xmlns:r="http://schemas.openxmlformats.org/officeDocument/2006/relationships" xmlns:p="http://schemas.openxmlformats.org/presentationml/2006/main">
   <p:cSld>
     <p:spTree>
@@ -14689,7 +15842,7 @@
             <a:fld id="{02075A8B-51D4-4999-A4F2-B3FAC6295E4D}" type="slidenum">
               <a:rPr lang="de-DE" smtClean="0"/>
               <a:pPr/>
-              <a:t>48</a:t>
+              <a:t>53</a:t>
             </a:fld>
             <a:endParaRPr lang="de-DE"/>
           </a:p>
@@ -14699,1044 +15852,6 @@
     <p:extLst>
       <p:ext uri="{BB962C8B-B14F-4D97-AF65-F5344CB8AC3E}">
         <p14:creationId xmlns:p14="http://schemas.microsoft.com/office/powerpoint/2010/main" val="2097748742"/>
-      </p:ext>
-    </p:extLst>
-  </p:cSld>
-  <p:clrMapOvr>
-    <a:masterClrMapping/>
-  </p:clrMapOvr>
-  <p:timing>
-    <p:tnLst>
-      <p:par>
-        <p:cTn id="1" dur="indefinite" restart="never" nodeType="tmRoot"/>
-      </p:par>
-    </p:tnLst>
-  </p:timing>
-</p:sld>
-</file>
-
-<file path=ppt/slides/slide49.xml><?xml version="1.0" encoding="utf-8"?>
-<p:sld xmlns:a="http://schemas.openxmlformats.org/drawingml/2006/main" xmlns:r="http://schemas.openxmlformats.org/officeDocument/2006/relationships" xmlns:p="http://schemas.openxmlformats.org/presentationml/2006/main">
-  <p:cSld>
-    <p:spTree>
-      <p:nvGrpSpPr>
-        <p:cNvPr id="1" name=""/>
-        <p:cNvGrpSpPr/>
-        <p:nvPr/>
-      </p:nvGrpSpPr>
-      <p:grpSpPr>
-        <a:xfrm>
-          <a:off x="0" y="0"/>
-          <a:ext cx="0" cy="0"/>
-          <a:chOff x="0" y="0"/>
-          <a:chExt cx="0" cy="0"/>
-        </a:xfrm>
-      </p:grpSpPr>
-      <p:sp>
-        <p:nvSpPr>
-          <p:cNvPr id="2" name="Inhaltsplatzhalter 1"/>
-          <p:cNvSpPr>
-            <a:spLocks noGrp="1"/>
-          </p:cNvSpPr>
-          <p:nvPr>
-            <p:ph idx="1"/>
-          </p:nvPr>
-        </p:nvSpPr>
-        <p:spPr/>
-        <p:txBody>
-          <a:bodyPr/>
-          <a:lstStyle/>
-          <a:p>
-            <a:r>
-              <a:rPr lang="de-DE" dirty="0" smtClean="0"/>
-              <a:t>Zeitunabhängige Berechnung</a:t>
-            </a:r>
-          </a:p>
-          <a:p>
-            <a:r>
-              <a:rPr lang="de-DE" dirty="0"/>
-              <a:t>Schatten wird pro </a:t>
-            </a:r>
-            <a:r>
-              <a:rPr lang="de-DE" dirty="0" err="1"/>
-              <a:t>Skypatch</a:t>
-            </a:r>
-            <a:r>
-              <a:rPr lang="de-DE" dirty="0"/>
-              <a:t> </a:t>
-            </a:r>
-            <a:r>
-              <a:rPr lang="de-DE" dirty="0" smtClean="0"/>
-              <a:t>berechnet</a:t>
-            </a:r>
-          </a:p>
-          <a:p>
-            <a:r>
-              <a:rPr lang="de-DE" dirty="0" smtClean="0"/>
-              <a:t>Pro </a:t>
-            </a:r>
-            <a:r>
-              <a:rPr lang="de-DE" dirty="0" err="1" smtClean="0"/>
-              <a:t>Skypatch</a:t>
-            </a:r>
-            <a:r>
-              <a:rPr lang="de-DE" dirty="0" smtClean="0"/>
-              <a:t> und Dreieck ein </a:t>
-            </a:r>
-            <a:r>
-              <a:rPr lang="de-DE" dirty="0" err="1" smtClean="0"/>
-              <a:t>boolean</a:t>
-            </a:r>
-            <a:r>
-              <a:rPr lang="de-DE" dirty="0" smtClean="0"/>
-              <a:t> Wert</a:t>
-            </a:r>
-          </a:p>
-          <a:p>
-            <a:r>
-              <a:rPr lang="de-DE" dirty="0"/>
-              <a:t>Sonnenstand wird </a:t>
-            </a:r>
-            <a:r>
-              <a:rPr lang="de-DE" dirty="0" err="1"/>
-              <a:t>Skypatch</a:t>
-            </a:r>
-            <a:r>
-              <a:rPr lang="de-DE" dirty="0"/>
-              <a:t> zugeordnet</a:t>
-            </a:r>
-          </a:p>
-          <a:p>
-            <a:r>
-              <a:rPr lang="de-DE" dirty="0" smtClean="0"/>
-              <a:t>Schatten wird von </a:t>
-            </a:r>
-            <a:r>
-              <a:rPr lang="de-DE" dirty="0" err="1" smtClean="0"/>
-              <a:t>Skypatch</a:t>
-            </a:r>
-            <a:r>
-              <a:rPr lang="de-DE" dirty="0" smtClean="0"/>
-              <a:t> genommen</a:t>
-            </a:r>
-            <a:endParaRPr lang="de-DE" dirty="0"/>
-          </a:p>
-        </p:txBody>
-      </p:sp>
-      <p:sp>
-        <p:nvSpPr>
-          <p:cNvPr id="3" name="Titel 2"/>
-          <p:cNvSpPr>
-            <a:spLocks noGrp="1"/>
-          </p:cNvSpPr>
-          <p:nvPr>
-            <p:ph type="title"/>
-          </p:nvPr>
-        </p:nvSpPr>
-        <p:spPr/>
-        <p:txBody>
-          <a:bodyPr/>
-          <a:lstStyle/>
-          <a:p>
-            <a:r>
-              <a:rPr lang="de-DE" dirty="0" err="1" smtClean="0"/>
-              <a:t>Skymodel</a:t>
-            </a:r>
-            <a:r>
-              <a:rPr lang="de-DE" dirty="0" smtClean="0"/>
-              <a:t> (2/2)</a:t>
-            </a:r>
-            <a:endParaRPr lang="de-DE" dirty="0"/>
-          </a:p>
-        </p:txBody>
-      </p:sp>
-      <p:sp>
-        <p:nvSpPr>
-          <p:cNvPr id="4" name="Datumsplatzhalter 3"/>
-          <p:cNvSpPr>
-            <a:spLocks noGrp="1"/>
-          </p:cNvSpPr>
-          <p:nvPr>
-            <p:ph type="dt" sz="half" idx="10"/>
-          </p:nvPr>
-        </p:nvSpPr>
-        <p:spPr/>
-        <p:txBody>
-          <a:bodyPr/>
-          <a:lstStyle/>
-          <a:p>
-            <a:r>
-              <a:rPr lang="de-DE" smtClean="0"/>
-              <a:t>23.06.2014</a:t>
-            </a:r>
-            <a:endParaRPr lang="de-DE"/>
-          </a:p>
-        </p:txBody>
-      </p:sp>
-      <p:sp>
-        <p:nvSpPr>
-          <p:cNvPr id="5" name="Foliennummernplatzhalter 4"/>
-          <p:cNvSpPr>
-            <a:spLocks noGrp="1"/>
-          </p:cNvSpPr>
-          <p:nvPr>
-            <p:ph type="sldNum" sz="quarter" idx="12"/>
-          </p:nvPr>
-        </p:nvSpPr>
-        <p:spPr/>
-        <p:txBody>
-          <a:bodyPr/>
-          <a:lstStyle/>
-          <a:p>
-            <a:fld id="{02075A8B-51D4-4999-A4F2-B3FAC6295E4D}" type="slidenum">
-              <a:rPr lang="de-DE" smtClean="0"/>
-              <a:pPr/>
-              <a:t>49</a:t>
-            </a:fld>
-            <a:endParaRPr lang="de-DE"/>
-          </a:p>
-        </p:txBody>
-      </p:sp>
-    </p:spTree>
-    <p:extLst>
-      <p:ext uri="{BB962C8B-B14F-4D97-AF65-F5344CB8AC3E}">
-        <p14:creationId xmlns:p14="http://schemas.microsoft.com/office/powerpoint/2010/main" val="409179092"/>
-      </p:ext>
-    </p:extLst>
-  </p:cSld>
-  <p:clrMapOvr>
-    <a:masterClrMapping/>
-  </p:clrMapOvr>
-  <p:timing>
-    <p:tnLst>
-      <p:par>
-        <p:cTn id="1" dur="indefinite" restart="never" nodeType="tmRoot"/>
-      </p:par>
-    </p:tnLst>
-  </p:timing>
-</p:sld>
-</file>
-
-<file path=ppt/slides/slide5.xml><?xml version="1.0" encoding="utf-8"?>
-<p:sld xmlns:a="http://schemas.openxmlformats.org/drawingml/2006/main" xmlns:r="http://schemas.openxmlformats.org/officeDocument/2006/relationships" xmlns:p="http://schemas.openxmlformats.org/presentationml/2006/main">
-  <p:cSld>
-    <p:spTree>
-      <p:nvGrpSpPr>
-        <p:cNvPr id="1" name=""/>
-        <p:cNvGrpSpPr/>
-        <p:nvPr/>
-      </p:nvGrpSpPr>
-      <p:grpSpPr>
-        <a:xfrm>
-          <a:off x="0" y="0"/>
-          <a:ext cx="0" cy="0"/>
-          <a:chOff x="0" y="0"/>
-          <a:chExt cx="0" cy="0"/>
-        </a:xfrm>
-      </p:grpSpPr>
-      <p:sp>
-        <p:nvSpPr>
-          <p:cNvPr id="2" name="Inhaltsplatzhalter 1"/>
-          <p:cNvSpPr>
-            <a:spLocks noGrp="1"/>
-          </p:cNvSpPr>
-          <p:nvPr>
-            <p:ph idx="1"/>
-          </p:nvPr>
-        </p:nvSpPr>
-        <p:spPr/>
-        <p:txBody>
-          <a:bodyPr/>
-          <a:lstStyle/>
-          <a:p>
-            <a:r>
-              <a:rPr lang="de-DE" dirty="0" smtClean="0"/>
-              <a:t>Grober </a:t>
-            </a:r>
-            <a:r>
-              <a:rPr lang="de-DE" dirty="0"/>
-              <a:t>Projektplan</a:t>
-            </a:r>
-          </a:p>
-          <a:p>
-            <a:pPr lvl="1"/>
-            <a:r>
-              <a:rPr lang="de-DE" dirty="0"/>
-              <a:t>schnell hinfällig</a:t>
-            </a:r>
-          </a:p>
-          <a:p>
-            <a:pPr lvl="1"/>
-            <a:r>
-              <a:rPr lang="de-DE" dirty="0" smtClean="0"/>
-              <a:t>Aufgabenüberblick </a:t>
-            </a:r>
-            <a:r>
-              <a:rPr lang="de-DE" dirty="0"/>
-              <a:t>via Reviews</a:t>
-            </a:r>
-          </a:p>
-          <a:p>
-            <a:pPr lvl="1"/>
-            <a:r>
-              <a:rPr lang="de-DE" dirty="0"/>
-              <a:t>sammeln von </a:t>
-            </a:r>
-            <a:r>
-              <a:rPr lang="de-DE" dirty="0" err="1" smtClean="0"/>
-              <a:t>To</a:t>
-            </a:r>
-            <a:r>
-              <a:rPr lang="de-DE" dirty="0" smtClean="0"/>
-              <a:t>-dos </a:t>
-            </a:r>
-            <a:r>
-              <a:rPr lang="de-DE" dirty="0"/>
-              <a:t>jeden Montag</a:t>
-            </a:r>
-          </a:p>
-          <a:p>
-            <a:r>
-              <a:rPr lang="de-DE" dirty="0" smtClean="0"/>
-              <a:t>Gut </a:t>
-            </a:r>
-            <a:r>
-              <a:rPr lang="de-DE" dirty="0"/>
-              <a:t>für grobe Zeitabschätzung</a:t>
-            </a:r>
-          </a:p>
-          <a:p>
-            <a:r>
-              <a:rPr lang="de-DE" dirty="0" smtClean="0"/>
-              <a:t>Relativ </a:t>
-            </a:r>
-            <a:r>
-              <a:rPr lang="de-DE" dirty="0"/>
-              <a:t>unflexibel</a:t>
-            </a:r>
-          </a:p>
-          <a:p>
-            <a:endParaRPr lang="de-DE" dirty="0"/>
-          </a:p>
-        </p:txBody>
-      </p:sp>
-      <p:sp>
-        <p:nvSpPr>
-          <p:cNvPr id="3" name="Datumsplatzhalter 2"/>
-          <p:cNvSpPr>
-            <a:spLocks noGrp="1"/>
-          </p:cNvSpPr>
-          <p:nvPr>
-            <p:ph type="dt" sz="half" idx="10"/>
-          </p:nvPr>
-        </p:nvSpPr>
-        <p:spPr/>
-        <p:txBody>
-          <a:bodyPr/>
-          <a:lstStyle/>
-          <a:p>
-            <a:r>
-              <a:rPr lang="de-DE" smtClean="0"/>
-              <a:t>23.06.2014</a:t>
-            </a:r>
-            <a:endParaRPr lang="de-DE"/>
-          </a:p>
-        </p:txBody>
-      </p:sp>
-      <p:sp>
-        <p:nvSpPr>
-          <p:cNvPr id="4" name="Foliennummernplatzhalter 3"/>
-          <p:cNvSpPr>
-            <a:spLocks noGrp="1"/>
-          </p:cNvSpPr>
-          <p:nvPr>
-            <p:ph type="sldNum" sz="quarter" idx="12"/>
-          </p:nvPr>
-        </p:nvSpPr>
-        <p:spPr/>
-        <p:txBody>
-          <a:bodyPr/>
-          <a:lstStyle/>
-          <a:p>
-            <a:fld id="{02075A8B-51D4-4999-A4F2-B3FAC6295E4D}" type="slidenum">
-              <a:rPr lang="de-DE" smtClean="0"/>
-              <a:pPr/>
-              <a:t>5</a:t>
-            </a:fld>
-            <a:endParaRPr lang="de-DE"/>
-          </a:p>
-        </p:txBody>
-      </p:sp>
-      <p:sp>
-        <p:nvSpPr>
-          <p:cNvPr id="5" name="Titel 4"/>
-          <p:cNvSpPr>
-            <a:spLocks noGrp="1"/>
-          </p:cNvSpPr>
-          <p:nvPr>
-            <p:ph type="title"/>
-          </p:nvPr>
-        </p:nvSpPr>
-        <p:spPr/>
-        <p:txBody>
-          <a:bodyPr/>
-          <a:lstStyle/>
-          <a:p>
-            <a:r>
-              <a:rPr lang="de-DE" dirty="0" err="1"/>
-              <a:t>vCity</a:t>
-            </a:r>
-            <a:r>
-              <a:rPr lang="de-DE" dirty="0"/>
-              <a:t> (2/4)</a:t>
-            </a:r>
-          </a:p>
-        </p:txBody>
-      </p:sp>
-    </p:spTree>
-    <p:extLst>
-      <p:ext uri="{BB962C8B-B14F-4D97-AF65-F5344CB8AC3E}">
-        <p14:creationId xmlns:p14="http://schemas.microsoft.com/office/powerpoint/2010/main" val="1366542185"/>
-      </p:ext>
-    </p:extLst>
-  </p:cSld>
-  <p:clrMapOvr>
-    <a:masterClrMapping/>
-  </p:clrMapOvr>
-  <p:timing>
-    <p:tnLst>
-      <p:par>
-        <p:cTn id="1" dur="indefinite" restart="never" nodeType="tmRoot"/>
-      </p:par>
-    </p:tnLst>
-  </p:timing>
-</p:sld>
-</file>
-
-<file path=ppt/slides/slide50.xml><?xml version="1.0" encoding="utf-8"?>
-<p:sld xmlns:a="http://schemas.openxmlformats.org/drawingml/2006/main" xmlns:r="http://schemas.openxmlformats.org/officeDocument/2006/relationships" xmlns:p="http://schemas.openxmlformats.org/presentationml/2006/main">
-  <p:cSld>
-    <p:spTree>
-      <p:nvGrpSpPr>
-        <p:cNvPr id="1" name=""/>
-        <p:cNvGrpSpPr/>
-        <p:nvPr/>
-      </p:nvGrpSpPr>
-      <p:grpSpPr>
-        <a:xfrm>
-          <a:off x="0" y="0"/>
-          <a:ext cx="0" cy="0"/>
-          <a:chOff x="0" y="0"/>
-          <a:chExt cx="0" cy="0"/>
-        </a:xfrm>
-      </p:grpSpPr>
-      <p:sp>
-        <p:nvSpPr>
-          <p:cNvPr id="2" name="Inhaltsplatzhalter 1"/>
-          <p:cNvSpPr>
-            <a:spLocks noGrp="1"/>
-          </p:cNvSpPr>
-          <p:nvPr>
-            <p:ph idx="1"/>
-          </p:nvPr>
-        </p:nvSpPr>
-        <p:spPr/>
-        <p:txBody>
-          <a:bodyPr/>
-          <a:lstStyle/>
-          <a:p>
-            <a:r>
-              <a:rPr lang="de-DE" dirty="0" smtClean="0"/>
-              <a:t>Für jedes Dreieck und </a:t>
-            </a:r>
-            <a:r>
-              <a:rPr lang="de-DE" dirty="0" err="1" smtClean="0"/>
-              <a:t>Skypatch</a:t>
-            </a:r>
-            <a:endParaRPr lang="de-DE" dirty="0" smtClean="0"/>
-          </a:p>
-          <a:p>
-            <a:pPr lvl="1"/>
-            <a:r>
-              <a:rPr lang="de-DE" dirty="0" smtClean="0"/>
-              <a:t>Bilde Gerade von Mittelpunkt von Dreieck zu Mittelpunkt </a:t>
-            </a:r>
-            <a:r>
-              <a:rPr lang="de-DE" dirty="0" err="1" smtClean="0"/>
-              <a:t>Skypatch</a:t>
-            </a:r>
-            <a:endParaRPr lang="de-DE" dirty="0" smtClean="0"/>
-          </a:p>
-          <a:p>
-            <a:pPr lvl="1"/>
-            <a:r>
-              <a:rPr lang="de-DE" dirty="0" smtClean="0"/>
-              <a:t>Prüfe ob Gerade andere Dreiecke</a:t>
-            </a:r>
-            <a:r>
-              <a:rPr lang="de-DE" dirty="0"/>
-              <a:t> </a:t>
-            </a:r>
-            <a:r>
-              <a:rPr lang="de-DE" dirty="0" smtClean="0"/>
-              <a:t>schneidet</a:t>
-            </a:r>
-          </a:p>
-          <a:p>
-            <a:pPr lvl="1"/>
-            <a:r>
-              <a:rPr lang="de-DE" dirty="0" smtClean="0"/>
-              <a:t>Falls Gerade nichts schneidet oder Dreieck hinter dem zu prüfenden Dreieck: kein Schatten</a:t>
-            </a:r>
-          </a:p>
-          <a:p>
-            <a:pPr lvl="1"/>
-            <a:r>
-              <a:rPr lang="de-DE" dirty="0" smtClean="0"/>
-              <a:t>Falls Gerade schneidet und Dreieck vor dem zu prüfenden Dreieck: Schatten</a:t>
-            </a:r>
-            <a:endParaRPr lang="de-DE" dirty="0"/>
-          </a:p>
-        </p:txBody>
-      </p:sp>
-      <p:sp>
-        <p:nvSpPr>
-          <p:cNvPr id="3" name="Titel 2"/>
-          <p:cNvSpPr>
-            <a:spLocks noGrp="1"/>
-          </p:cNvSpPr>
-          <p:nvPr>
-            <p:ph type="title"/>
-          </p:nvPr>
-        </p:nvSpPr>
-        <p:spPr/>
-        <p:txBody>
-          <a:bodyPr/>
-          <a:lstStyle/>
-          <a:p>
-            <a:r>
-              <a:rPr lang="de-DE" dirty="0" smtClean="0"/>
-              <a:t>Berechnung: </a:t>
-            </a:r>
-            <a:r>
-              <a:rPr lang="de-DE" dirty="0" err="1" smtClean="0"/>
-              <a:t>Raytracing</a:t>
-            </a:r>
-            <a:endParaRPr lang="de-DE" dirty="0"/>
-          </a:p>
-        </p:txBody>
-      </p:sp>
-      <p:sp>
-        <p:nvSpPr>
-          <p:cNvPr id="4" name="Datumsplatzhalter 3"/>
-          <p:cNvSpPr>
-            <a:spLocks noGrp="1"/>
-          </p:cNvSpPr>
-          <p:nvPr>
-            <p:ph type="dt" sz="half" idx="10"/>
-          </p:nvPr>
-        </p:nvSpPr>
-        <p:spPr/>
-        <p:txBody>
-          <a:bodyPr/>
-          <a:lstStyle/>
-          <a:p>
-            <a:r>
-              <a:rPr lang="de-DE" smtClean="0"/>
-              <a:t>23.06.2014</a:t>
-            </a:r>
-            <a:endParaRPr lang="de-DE"/>
-          </a:p>
-        </p:txBody>
-      </p:sp>
-      <p:sp>
-        <p:nvSpPr>
-          <p:cNvPr id="5" name="Foliennummernplatzhalter 4"/>
-          <p:cNvSpPr>
-            <a:spLocks noGrp="1"/>
-          </p:cNvSpPr>
-          <p:nvPr>
-            <p:ph type="sldNum" sz="quarter" idx="12"/>
-          </p:nvPr>
-        </p:nvSpPr>
-        <p:spPr/>
-        <p:txBody>
-          <a:bodyPr/>
-          <a:lstStyle/>
-          <a:p>
-            <a:fld id="{02075A8B-51D4-4999-A4F2-B3FAC6295E4D}" type="slidenum">
-              <a:rPr lang="de-DE" smtClean="0"/>
-              <a:pPr/>
-              <a:t>50</a:t>
-            </a:fld>
-            <a:endParaRPr lang="de-DE"/>
-          </a:p>
-        </p:txBody>
-      </p:sp>
-    </p:spTree>
-    <p:extLst>
-      <p:ext uri="{BB962C8B-B14F-4D97-AF65-F5344CB8AC3E}">
-        <p14:creationId xmlns:p14="http://schemas.microsoft.com/office/powerpoint/2010/main" val="2853518205"/>
-      </p:ext>
-    </p:extLst>
-  </p:cSld>
-  <p:clrMapOvr>
-    <a:masterClrMapping/>
-  </p:clrMapOvr>
-  <p:timing>
-    <p:tnLst>
-      <p:par>
-        <p:cTn id="1" dur="indefinite" restart="never" nodeType="tmRoot"/>
-      </p:par>
-    </p:tnLst>
-  </p:timing>
-</p:sld>
-</file>
-
-<file path=ppt/slides/slide51.xml><?xml version="1.0" encoding="utf-8"?>
-<p:sld xmlns:a="http://schemas.openxmlformats.org/drawingml/2006/main" xmlns:r="http://schemas.openxmlformats.org/officeDocument/2006/relationships" xmlns:p="http://schemas.openxmlformats.org/presentationml/2006/main">
-  <p:cSld>
-    <p:spTree>
-      <p:nvGrpSpPr>
-        <p:cNvPr id="1" name=""/>
-        <p:cNvGrpSpPr/>
-        <p:nvPr/>
-      </p:nvGrpSpPr>
-      <p:grpSpPr>
-        <a:xfrm>
-          <a:off x="0" y="0"/>
-          <a:ext cx="0" cy="0"/>
-          <a:chOff x="0" y="0"/>
-          <a:chExt cx="0" cy="0"/>
-        </a:xfrm>
-      </p:grpSpPr>
-      <p:sp>
-        <p:nvSpPr>
-          <p:cNvPr id="2" name="Inhaltsplatzhalter 1"/>
-          <p:cNvSpPr>
-            <a:spLocks noGrp="1"/>
-          </p:cNvSpPr>
-          <p:nvPr>
-            <p:ph idx="1"/>
-          </p:nvPr>
-        </p:nvSpPr>
-        <p:spPr/>
-        <p:txBody>
-          <a:bodyPr/>
-          <a:lstStyle/>
-          <a:p>
-            <a:r>
-              <a:rPr lang="de-DE" dirty="0" smtClean="0"/>
-              <a:t>Lange Rechenzeit</a:t>
-            </a:r>
-          </a:p>
-          <a:p>
-            <a:r>
-              <a:rPr lang="de-DE" dirty="0" err="1" smtClean="0"/>
-              <a:t>Watchdog</a:t>
-            </a:r>
-            <a:r>
-              <a:rPr lang="de-DE" dirty="0" smtClean="0"/>
-              <a:t> </a:t>
-            </a:r>
-            <a:r>
-              <a:rPr lang="de-DE" dirty="0" err="1" smtClean="0"/>
-              <a:t>Timer</a:t>
-            </a:r>
-            <a:r>
-              <a:rPr lang="de-DE" dirty="0" smtClean="0"/>
-              <a:t> der GPU schlägt zu</a:t>
-            </a:r>
-          </a:p>
-          <a:p>
-            <a:r>
-              <a:rPr lang="de-DE" dirty="0" smtClean="0"/>
-              <a:t>Dreiecke können groß sein dadurch sehr ungenau</a:t>
-            </a:r>
-          </a:p>
-        </p:txBody>
-      </p:sp>
-      <p:sp>
-        <p:nvSpPr>
-          <p:cNvPr id="3" name="Titel 2"/>
-          <p:cNvSpPr>
-            <a:spLocks noGrp="1"/>
-          </p:cNvSpPr>
-          <p:nvPr>
-            <p:ph type="title"/>
-          </p:nvPr>
-        </p:nvSpPr>
-        <p:spPr/>
-        <p:txBody>
-          <a:bodyPr/>
-          <a:lstStyle/>
-          <a:p>
-            <a:r>
-              <a:rPr lang="de-DE" dirty="0" smtClean="0"/>
-              <a:t>Berechnung: Probleme</a:t>
-            </a:r>
-            <a:endParaRPr lang="de-DE" dirty="0"/>
-          </a:p>
-        </p:txBody>
-      </p:sp>
-      <p:sp>
-        <p:nvSpPr>
-          <p:cNvPr id="4" name="Datumsplatzhalter 3"/>
-          <p:cNvSpPr>
-            <a:spLocks noGrp="1"/>
-          </p:cNvSpPr>
-          <p:nvPr>
-            <p:ph type="dt" sz="half" idx="10"/>
-          </p:nvPr>
-        </p:nvSpPr>
-        <p:spPr/>
-        <p:txBody>
-          <a:bodyPr/>
-          <a:lstStyle/>
-          <a:p>
-            <a:r>
-              <a:rPr lang="de-DE" smtClean="0"/>
-              <a:t>23.06.2014</a:t>
-            </a:r>
-            <a:endParaRPr lang="de-DE"/>
-          </a:p>
-        </p:txBody>
-      </p:sp>
-      <p:sp>
-        <p:nvSpPr>
-          <p:cNvPr id="5" name="Foliennummernplatzhalter 4"/>
-          <p:cNvSpPr>
-            <a:spLocks noGrp="1"/>
-          </p:cNvSpPr>
-          <p:nvPr>
-            <p:ph type="sldNum" sz="quarter" idx="12"/>
-          </p:nvPr>
-        </p:nvSpPr>
-        <p:spPr/>
-        <p:txBody>
-          <a:bodyPr/>
-          <a:lstStyle/>
-          <a:p>
-            <a:fld id="{02075A8B-51D4-4999-A4F2-B3FAC6295E4D}" type="slidenum">
-              <a:rPr lang="de-DE" smtClean="0"/>
-              <a:pPr/>
-              <a:t>51</a:t>
-            </a:fld>
-            <a:endParaRPr lang="de-DE"/>
-          </a:p>
-        </p:txBody>
-      </p:sp>
-    </p:spTree>
-    <p:extLst>
-      <p:ext uri="{BB962C8B-B14F-4D97-AF65-F5344CB8AC3E}">
-        <p14:creationId xmlns:p14="http://schemas.microsoft.com/office/powerpoint/2010/main" val="21049820"/>
-      </p:ext>
-    </p:extLst>
-  </p:cSld>
-  <p:clrMapOvr>
-    <a:masterClrMapping/>
-  </p:clrMapOvr>
-  <p:timing>
-    <p:tnLst>
-      <p:par>
-        <p:cTn id="1" dur="indefinite" restart="never" nodeType="tmRoot"/>
-      </p:par>
-    </p:tnLst>
-  </p:timing>
-</p:sld>
-</file>
-
-<file path=ppt/slides/slide52.xml><?xml version="1.0" encoding="utf-8"?>
-<p:sld xmlns:a="http://schemas.openxmlformats.org/drawingml/2006/main" xmlns:r="http://schemas.openxmlformats.org/officeDocument/2006/relationships" xmlns:p="http://schemas.openxmlformats.org/presentationml/2006/main">
-  <p:cSld>
-    <p:spTree>
-      <p:nvGrpSpPr>
-        <p:cNvPr id="1" name=""/>
-        <p:cNvGrpSpPr/>
-        <p:nvPr/>
-      </p:nvGrpSpPr>
-      <p:grpSpPr>
-        <a:xfrm>
-          <a:off x="0" y="0"/>
-          <a:ext cx="0" cy="0"/>
-          <a:chOff x="0" y="0"/>
-          <a:chExt cx="0" cy="0"/>
-        </a:xfrm>
-      </p:grpSpPr>
-      <p:sp>
-        <p:nvSpPr>
-          <p:cNvPr id="2" name="Inhaltsplatzhalter 1"/>
-          <p:cNvSpPr>
-            <a:spLocks noGrp="1"/>
-          </p:cNvSpPr>
-          <p:nvPr>
-            <p:ph idx="1"/>
-          </p:nvPr>
-        </p:nvSpPr>
-        <p:spPr/>
-        <p:txBody>
-          <a:bodyPr/>
-          <a:lstStyle/>
-          <a:p>
-            <a:r>
-              <a:rPr lang="de-DE" dirty="0" smtClean="0"/>
-              <a:t>Teile Dreiecke auf in kleinere Dreiecke</a:t>
-            </a:r>
-          </a:p>
-          <a:p>
-            <a:r>
-              <a:rPr lang="de-DE" dirty="0" smtClean="0"/>
-              <a:t>Falls Fläche von Dreieck größer als z.B. 1m² teile längste Seite in der Mitte und bilde zwei Dreiecke</a:t>
-            </a:r>
-          </a:p>
-        </p:txBody>
-      </p:sp>
-      <p:sp>
-        <p:nvSpPr>
-          <p:cNvPr id="3" name="Titel 2"/>
-          <p:cNvSpPr>
-            <a:spLocks noGrp="1"/>
-          </p:cNvSpPr>
-          <p:nvPr>
-            <p:ph type="title"/>
-          </p:nvPr>
-        </p:nvSpPr>
-        <p:spPr/>
-        <p:txBody>
-          <a:bodyPr/>
-          <a:lstStyle/>
-          <a:p>
-            <a:r>
-              <a:rPr lang="de-DE" dirty="0" smtClean="0"/>
-              <a:t>Berechnung: Lösung (1/2)</a:t>
-            </a:r>
-            <a:endParaRPr lang="de-DE" dirty="0"/>
-          </a:p>
-        </p:txBody>
-      </p:sp>
-      <p:pic>
-        <p:nvPicPr>
-          <p:cNvPr id="4" name="Grafik 3"/>
-          <p:cNvPicPr>
-            <a:picLocks noChangeAspect="1"/>
-          </p:cNvPicPr>
-          <p:nvPr/>
-        </p:nvPicPr>
-        <p:blipFill>
-          <a:blip r:embed="rId2" cstate="print">
-            <a:extLst>
-              <a:ext uri="{28A0092B-C50C-407E-A947-70E740481C1C}">
-                <a14:useLocalDpi xmlns:a14="http://schemas.microsoft.com/office/drawing/2010/main" val="0"/>
-              </a:ext>
-            </a:extLst>
-          </a:blip>
-          <a:stretch>
-            <a:fillRect/>
-          </a:stretch>
-        </p:blipFill>
-        <p:spPr>
-          <a:xfrm>
-            <a:off x="2339752" y="3212976"/>
-            <a:ext cx="4001059" cy="2057687"/>
-          </a:xfrm>
-          <a:prstGeom prst="rect">
-            <a:avLst/>
-          </a:prstGeom>
-        </p:spPr>
-      </p:pic>
-      <p:sp>
-        <p:nvSpPr>
-          <p:cNvPr id="5" name="Datumsplatzhalter 4"/>
-          <p:cNvSpPr>
-            <a:spLocks noGrp="1"/>
-          </p:cNvSpPr>
-          <p:nvPr>
-            <p:ph type="dt" sz="half" idx="10"/>
-          </p:nvPr>
-        </p:nvSpPr>
-        <p:spPr/>
-        <p:txBody>
-          <a:bodyPr/>
-          <a:lstStyle/>
-          <a:p>
-            <a:r>
-              <a:rPr lang="de-DE" smtClean="0"/>
-              <a:t>23.06.2014</a:t>
-            </a:r>
-            <a:endParaRPr lang="de-DE"/>
-          </a:p>
-        </p:txBody>
-      </p:sp>
-      <p:sp>
-        <p:nvSpPr>
-          <p:cNvPr id="6" name="Foliennummernplatzhalter 5"/>
-          <p:cNvSpPr>
-            <a:spLocks noGrp="1"/>
-          </p:cNvSpPr>
-          <p:nvPr>
-            <p:ph type="sldNum" sz="quarter" idx="12"/>
-          </p:nvPr>
-        </p:nvSpPr>
-        <p:spPr/>
-        <p:txBody>
-          <a:bodyPr/>
-          <a:lstStyle/>
-          <a:p>
-            <a:fld id="{02075A8B-51D4-4999-A4F2-B3FAC6295E4D}" type="slidenum">
-              <a:rPr lang="de-DE" smtClean="0"/>
-              <a:pPr/>
-              <a:t>52</a:t>
-            </a:fld>
-            <a:endParaRPr lang="de-DE"/>
-          </a:p>
-        </p:txBody>
-      </p:sp>
-    </p:spTree>
-    <p:extLst>
-      <p:ext uri="{BB962C8B-B14F-4D97-AF65-F5344CB8AC3E}">
-        <p14:creationId xmlns:p14="http://schemas.microsoft.com/office/powerpoint/2010/main" val="3148905547"/>
-      </p:ext>
-    </p:extLst>
-  </p:cSld>
-  <p:clrMapOvr>
-    <a:masterClrMapping/>
-  </p:clrMapOvr>
-  <p:timing>
-    <p:tnLst>
-      <p:par>
-        <p:cTn id="1" dur="indefinite" restart="never" nodeType="tmRoot"/>
-      </p:par>
-    </p:tnLst>
-  </p:timing>
-</p:sld>
-</file>
-
-<file path=ppt/slides/slide53.xml><?xml version="1.0" encoding="utf-8"?>
-<p:sld xmlns:a="http://schemas.openxmlformats.org/drawingml/2006/main" xmlns:r="http://schemas.openxmlformats.org/officeDocument/2006/relationships" xmlns:p="http://schemas.openxmlformats.org/presentationml/2006/main">
-  <p:cSld>
-    <p:spTree>
-      <p:nvGrpSpPr>
-        <p:cNvPr id="1" name=""/>
-        <p:cNvGrpSpPr/>
-        <p:nvPr/>
-      </p:nvGrpSpPr>
-      <p:grpSpPr>
-        <a:xfrm>
-          <a:off x="0" y="0"/>
-          <a:ext cx="0" cy="0"/>
-          <a:chOff x="0" y="0"/>
-          <a:chExt cx="0" cy="0"/>
-        </a:xfrm>
-      </p:grpSpPr>
-      <p:sp>
-        <p:nvSpPr>
-          <p:cNvPr id="2" name="Inhaltsplatzhalter 1"/>
-          <p:cNvSpPr>
-            <a:spLocks noGrp="1"/>
-          </p:cNvSpPr>
-          <p:nvPr>
-            <p:ph idx="1"/>
-          </p:nvPr>
-        </p:nvSpPr>
-        <p:spPr/>
-        <p:txBody>
-          <a:bodyPr/>
-          <a:lstStyle/>
-          <a:p>
-            <a:r>
-              <a:rPr lang="de-DE" dirty="0" smtClean="0"/>
-              <a:t>Berechne für jedes Gebäude eine Umgebung von Gebäuden</a:t>
-            </a:r>
-          </a:p>
-          <a:p>
-            <a:r>
-              <a:rPr lang="de-DE" dirty="0" smtClean="0"/>
-              <a:t>Alle Gebäude, die weiter entfernt sind als z.B. 80m werden nicht berücksichtigt</a:t>
-            </a:r>
-          </a:p>
-          <a:p>
-            <a:r>
-              <a:rPr lang="de-DE" dirty="0" smtClean="0"/>
-              <a:t>Berechne den Schatten in Paketen</a:t>
-            </a:r>
-            <a:endParaRPr lang="de-DE" dirty="0"/>
-          </a:p>
-        </p:txBody>
-      </p:sp>
-      <p:sp>
-        <p:nvSpPr>
-          <p:cNvPr id="3" name="Titel 2"/>
-          <p:cNvSpPr>
-            <a:spLocks noGrp="1"/>
-          </p:cNvSpPr>
-          <p:nvPr>
-            <p:ph type="title"/>
-          </p:nvPr>
-        </p:nvSpPr>
-        <p:spPr/>
-        <p:txBody>
-          <a:bodyPr/>
-          <a:lstStyle/>
-          <a:p>
-            <a:r>
-              <a:rPr lang="de-DE" dirty="0" smtClean="0"/>
-              <a:t>Berechnung: Lösung (2/2)</a:t>
-            </a:r>
-            <a:endParaRPr lang="de-DE" dirty="0"/>
-          </a:p>
-        </p:txBody>
-      </p:sp>
-      <p:sp>
-        <p:nvSpPr>
-          <p:cNvPr id="4" name="Datumsplatzhalter 3"/>
-          <p:cNvSpPr>
-            <a:spLocks noGrp="1"/>
-          </p:cNvSpPr>
-          <p:nvPr>
-            <p:ph type="dt" sz="half" idx="10"/>
-          </p:nvPr>
-        </p:nvSpPr>
-        <p:spPr/>
-        <p:txBody>
-          <a:bodyPr/>
-          <a:lstStyle/>
-          <a:p>
-            <a:r>
-              <a:rPr lang="de-DE" smtClean="0"/>
-              <a:t>23.06.2014</a:t>
-            </a:r>
-            <a:endParaRPr lang="de-DE"/>
-          </a:p>
-        </p:txBody>
-      </p:sp>
-      <p:sp>
-        <p:nvSpPr>
-          <p:cNvPr id="5" name="Foliennummernplatzhalter 4"/>
-          <p:cNvSpPr>
-            <a:spLocks noGrp="1"/>
-          </p:cNvSpPr>
-          <p:nvPr>
-            <p:ph type="sldNum" sz="quarter" idx="12"/>
-          </p:nvPr>
-        </p:nvSpPr>
-        <p:spPr/>
-        <p:txBody>
-          <a:bodyPr/>
-          <a:lstStyle/>
-          <a:p>
-            <a:fld id="{02075A8B-51D4-4999-A4F2-B3FAC6295E4D}" type="slidenum">
-              <a:rPr lang="de-DE" smtClean="0"/>
-              <a:pPr/>
-              <a:t>53</a:t>
-            </a:fld>
-            <a:endParaRPr lang="de-DE"/>
-          </a:p>
-        </p:txBody>
-      </p:sp>
-    </p:spTree>
-    <p:extLst>
-      <p:ext uri="{BB962C8B-B14F-4D97-AF65-F5344CB8AC3E}">
-        <p14:creationId xmlns:p14="http://schemas.microsoft.com/office/powerpoint/2010/main" val="1520712045"/>
       </p:ext>
     </p:extLst>
   </p:cSld>
@@ -15787,31 +15902,75 @@
           <a:p>
             <a:r>
               <a:rPr lang="de-DE" dirty="0" smtClean="0"/>
-              <a:t>Berechne Mittelpunkt von Gebäuden</a:t>
-            </a:r>
-          </a:p>
-          <a:p>
-            <a:r>
-              <a:rPr lang="de-DE" dirty="0" smtClean="0"/>
-              <a:t>Teile große Dreiecke in kleine Dreiecke</a:t>
-            </a:r>
-          </a:p>
-          <a:p>
-            <a:r>
-              <a:rPr lang="de-DE" dirty="0" smtClean="0"/>
-              <a:t>Berechne Mittelpunkt von kleinen Dreiecken</a:t>
-            </a:r>
-          </a:p>
-          <a:p>
-            <a:r>
-              <a:rPr lang="de-DE" dirty="0" smtClean="0"/>
-              <a:t>Sammle alle kleinen Dreiecke in einer Liste</a:t>
-            </a:r>
-          </a:p>
-          <a:p>
-            <a:r>
-              <a:rPr lang="de-DE" dirty="0" smtClean="0"/>
-              <a:t>Hole Pakete von 256/512/1024 Dreiecken aus Liste und bearbeite diese</a:t>
+              <a:t>Zeitunabhängige Berechnung</a:t>
+            </a:r>
+          </a:p>
+          <a:p>
+            <a:r>
+              <a:rPr lang="de-DE" dirty="0"/>
+              <a:t>Schatten wird pro </a:t>
+            </a:r>
+            <a:r>
+              <a:rPr lang="de-DE" dirty="0" err="1"/>
+              <a:t>Skypatch</a:t>
+            </a:r>
+            <a:r>
+              <a:rPr lang="de-DE" dirty="0"/>
+              <a:t> </a:t>
+            </a:r>
+            <a:r>
+              <a:rPr lang="de-DE" dirty="0" smtClean="0"/>
+              <a:t>berechnet</a:t>
+            </a:r>
+          </a:p>
+          <a:p>
+            <a:r>
+              <a:rPr lang="de-DE" dirty="0" smtClean="0"/>
+              <a:t>Pro </a:t>
+            </a:r>
+            <a:r>
+              <a:rPr lang="de-DE" dirty="0" err="1" smtClean="0"/>
+              <a:t>Skypatch</a:t>
+            </a:r>
+            <a:r>
+              <a:rPr lang="de-DE" dirty="0" smtClean="0"/>
+              <a:t> und Dreieck ein </a:t>
+            </a:r>
+            <a:r>
+              <a:rPr lang="de-DE" dirty="0" err="1" smtClean="0"/>
+              <a:t>boolean</a:t>
+            </a:r>
+            <a:r>
+              <a:rPr lang="de-DE" dirty="0" smtClean="0"/>
+              <a:t> Wert</a:t>
+            </a:r>
+          </a:p>
+          <a:p>
+            <a:r>
+              <a:rPr lang="de-DE" dirty="0"/>
+              <a:t>Sonnenstand wird </a:t>
+            </a:r>
+            <a:r>
+              <a:rPr lang="de-DE" dirty="0" err="1"/>
+              <a:t>Skypatch</a:t>
+            </a:r>
+            <a:r>
+              <a:rPr lang="de-DE" dirty="0"/>
+              <a:t> zugeordnet</a:t>
+            </a:r>
+          </a:p>
+          <a:p>
+            <a:r>
+              <a:rPr lang="de-DE" dirty="0" smtClean="0"/>
+              <a:t>Schatten wird von </a:t>
+            </a:r>
+            <a:r>
+              <a:rPr lang="de-DE" dirty="0" err="1" smtClean="0"/>
+              <a:t>Skypatch</a:t>
+            </a:r>
+            <a:r>
+              <a:rPr lang="de-DE" dirty="0" smtClean="0"/>
+              <a:t> genommen</a:t>
             </a:r>
             <a:endParaRPr lang="de-DE" dirty="0"/>
           </a:p>
@@ -15833,8 +15992,12 @@
           <a:lstStyle/>
           <a:p>
             <a:r>
-              <a:rPr lang="de-DE" dirty="0" smtClean="0"/>
-              <a:t>Berechnung: Umsetzung (1/2)</a:t>
+              <a:rPr lang="de-DE" dirty="0" err="1" smtClean="0"/>
+              <a:t>Skymodel</a:t>
+            </a:r>
+            <a:r>
+              <a:rPr lang="de-DE" dirty="0" smtClean="0"/>
+              <a:t> (2/2)</a:t>
             </a:r>
             <a:endParaRPr lang="de-DE" dirty="0"/>
           </a:p>
@@ -15890,7 +16053,7 @@
     </p:spTree>
     <p:extLst>
       <p:ext uri="{BB962C8B-B14F-4D97-AF65-F5344CB8AC3E}">
-        <p14:creationId xmlns:p14="http://schemas.microsoft.com/office/powerpoint/2010/main" val="1532000112"/>
+        <p14:creationId xmlns:p14="http://schemas.microsoft.com/office/powerpoint/2010/main" val="409179092"/>
       </p:ext>
     </p:extLst>
   </p:cSld>
@@ -15941,19 +16104,53 @@
           <a:p>
             <a:r>
               <a:rPr lang="de-DE" dirty="0" smtClean="0"/>
-              <a:t>Ermittle zu welchen Gebäuden die Dreiecke gehören</a:t>
-            </a:r>
-          </a:p>
-          <a:p>
-            <a:r>
-              <a:rPr lang="de-DE" dirty="0" smtClean="0"/>
-              <a:t>Berechne für jedes gefundene Gebäude die Umgebung</a:t>
-            </a:r>
-          </a:p>
-          <a:p>
-            <a:r>
-              <a:rPr lang="de-DE" dirty="0" smtClean="0"/>
-              <a:t>Speicher alles auf die Grafikkarte und starte die Berechnung</a:t>
+              <a:t>Für jedes Dreieck und </a:t>
+            </a:r>
+            <a:r>
+              <a:rPr lang="de-DE" dirty="0" err="1" smtClean="0"/>
+              <a:t>Skypatch</a:t>
+            </a:r>
+            <a:endParaRPr lang="de-DE" dirty="0" smtClean="0"/>
+          </a:p>
+          <a:p>
+            <a:pPr lvl="1"/>
+            <a:r>
+              <a:rPr lang="de-DE" dirty="0" smtClean="0"/>
+              <a:t>Bilde Gerade von Mittelpunkt von Dreieck zu Mittelpunkt </a:t>
+            </a:r>
+            <a:r>
+              <a:rPr lang="de-DE" dirty="0" err="1" smtClean="0"/>
+              <a:t>Skypatch</a:t>
+            </a:r>
+            <a:endParaRPr lang="de-DE" dirty="0" smtClean="0"/>
+          </a:p>
+          <a:p>
+            <a:pPr lvl="1"/>
+            <a:r>
+              <a:rPr lang="de-DE" dirty="0" smtClean="0"/>
+              <a:t>Prüfe ob Gerade andere Dreiecke</a:t>
+            </a:r>
+            <a:r>
+              <a:rPr lang="de-DE" dirty="0"/>
+              <a:t> </a:t>
+            </a:r>
+            <a:r>
+              <a:rPr lang="de-DE" dirty="0" smtClean="0"/>
+              <a:t>schneidet</a:t>
+            </a:r>
+          </a:p>
+          <a:p>
+            <a:pPr lvl="1"/>
+            <a:r>
+              <a:rPr lang="de-DE" dirty="0" smtClean="0"/>
+              <a:t>Falls Gerade nichts schneidet oder Dreieck hinter dem zu prüfenden Dreieck: kein Schatten</a:t>
+            </a:r>
+          </a:p>
+          <a:p>
+            <a:pPr lvl="1"/>
+            <a:r>
+              <a:rPr lang="de-DE" dirty="0" smtClean="0"/>
+              <a:t>Falls Gerade schneidet und Dreieck vor dem zu prüfenden Dreieck: Schatten</a:t>
             </a:r>
             <a:endParaRPr lang="de-DE" dirty="0"/>
           </a:p>
@@ -15976,7 +16173,11 @@
           <a:p>
             <a:r>
               <a:rPr lang="de-DE" dirty="0" smtClean="0"/>
-              <a:t>Berechnung: Umsetzung (2/2)</a:t>
+              <a:t>Berechnung: </a:t>
+            </a:r>
+            <a:r>
+              <a:rPr lang="de-DE" dirty="0" err="1" smtClean="0"/>
+              <a:t>Raytracing</a:t>
             </a:r>
             <a:endParaRPr lang="de-DE" dirty="0"/>
           </a:p>
@@ -16032,7 +16233,7 @@
     </p:spTree>
     <p:extLst>
       <p:ext uri="{BB962C8B-B14F-4D97-AF65-F5344CB8AC3E}">
-        <p14:creationId xmlns:p14="http://schemas.microsoft.com/office/powerpoint/2010/main" val="1716100772"/>
+        <p14:creationId xmlns:p14="http://schemas.microsoft.com/office/powerpoint/2010/main" val="2853518205"/>
       </p:ext>
     </p:extLst>
   </p:cSld>
@@ -16083,77 +16284,58 @@
           <a:p>
             <a:r>
               <a:rPr lang="de-DE" dirty="0" smtClean="0"/>
-              <a:t>Rot: zu berechnendes Gebäude</a:t>
-            </a:r>
-          </a:p>
-          <a:p>
-            <a:r>
-              <a:rPr lang="de-DE" dirty="0" smtClean="0"/>
-              <a:t>Grün: Umgebung</a:t>
-            </a:r>
-          </a:p>
-          <a:p>
-            <a:r>
-              <a:rPr lang="de-DE" dirty="0" smtClean="0"/>
-              <a:t>Schwarz: Gebäude außer Reichweite</a:t>
+              <a:t>Lange Rechenzeit</a:t>
+            </a:r>
+          </a:p>
+          <a:p>
+            <a:r>
+              <a:rPr lang="de-DE" dirty="0" err="1" smtClean="0"/>
+              <a:t>Watchdog</a:t>
+            </a:r>
+            <a:r>
+              <a:rPr lang="de-DE" dirty="0" smtClean="0"/>
+              <a:t> </a:t>
+            </a:r>
+            <a:r>
+              <a:rPr lang="de-DE" dirty="0" err="1" smtClean="0"/>
+              <a:t>Timer</a:t>
+            </a:r>
+            <a:r>
+              <a:rPr lang="de-DE" dirty="0" smtClean="0"/>
+              <a:t> der GPU schlägt zu</a:t>
+            </a:r>
+          </a:p>
+          <a:p>
+            <a:r>
+              <a:rPr lang="de-DE" dirty="0" smtClean="0"/>
+              <a:t>Dreiecke können groß sein dadurch sehr ungenau</a:t>
+            </a:r>
+          </a:p>
+        </p:txBody>
+      </p:sp>
+      <p:sp>
+        <p:nvSpPr>
+          <p:cNvPr id="3" name="Titel 2"/>
+          <p:cNvSpPr>
+            <a:spLocks noGrp="1"/>
+          </p:cNvSpPr>
+          <p:nvPr>
+            <p:ph type="title"/>
+          </p:nvPr>
+        </p:nvSpPr>
+        <p:spPr/>
+        <p:txBody>
+          <a:bodyPr/>
+          <a:lstStyle/>
+          <a:p>
+            <a:r>
+              <a:rPr lang="de-DE" dirty="0" smtClean="0"/>
+              <a:t>Berechnung: Probleme</a:t>
             </a:r>
             <a:endParaRPr lang="de-DE" dirty="0"/>
           </a:p>
         </p:txBody>
       </p:sp>
-      <p:sp>
-        <p:nvSpPr>
-          <p:cNvPr id="3" name="Titel 2"/>
-          <p:cNvSpPr>
-            <a:spLocks noGrp="1"/>
-          </p:cNvSpPr>
-          <p:nvPr>
-            <p:ph type="title"/>
-          </p:nvPr>
-        </p:nvSpPr>
-        <p:spPr/>
-        <p:txBody>
-          <a:bodyPr/>
-          <a:lstStyle/>
-          <a:p>
-            <a:r>
-              <a:rPr lang="de-DE" dirty="0" smtClean="0"/>
-              <a:t>Berechnung: Beispiel</a:t>
-            </a:r>
-            <a:endParaRPr lang="de-DE" dirty="0"/>
-          </a:p>
-        </p:txBody>
-      </p:sp>
-      <p:pic>
-        <p:nvPicPr>
-          <p:cNvPr id="5" name="Grafik 4"/>
-          <p:cNvPicPr>
-            <a:picLocks noChangeAspect="1"/>
-          </p:cNvPicPr>
-          <p:nvPr/>
-        </p:nvPicPr>
-        <p:blipFill>
-          <a:blip r:embed="rId2" cstate="print">
-            <a:extLst>
-              <a:ext uri="{28A0092B-C50C-407E-A947-70E740481C1C}">
-                <a14:useLocalDpi xmlns:a14="http://schemas.microsoft.com/office/drawing/2010/main" val="0"/>
-              </a:ext>
-            </a:extLst>
-          </a:blip>
-          <a:stretch>
-            <a:fillRect/>
-          </a:stretch>
-        </p:blipFill>
-        <p:spPr>
-          <a:xfrm>
-            <a:off x="3059832" y="3018538"/>
-            <a:ext cx="3696216" cy="3224358"/>
-          </a:xfrm>
-          <a:prstGeom prst="rect">
-            <a:avLst/>
-          </a:prstGeom>
-        </p:spPr>
-      </p:pic>
       <p:sp>
         <p:nvSpPr>
           <p:cNvPr id="4" name="Datumsplatzhalter 3"/>
@@ -16179,7 +16361,7 @@
       </p:sp>
       <p:sp>
         <p:nvSpPr>
-          <p:cNvPr id="6" name="Foliennummernplatzhalter 5"/>
+          <p:cNvPr id="5" name="Foliennummernplatzhalter 4"/>
           <p:cNvSpPr>
             <a:spLocks noGrp="1"/>
           </p:cNvSpPr>
@@ -16204,7 +16386,7 @@
     </p:spTree>
     <p:extLst>
       <p:ext uri="{BB962C8B-B14F-4D97-AF65-F5344CB8AC3E}">
-        <p14:creationId xmlns:p14="http://schemas.microsoft.com/office/powerpoint/2010/main" val="3167510390"/>
+        <p14:creationId xmlns:p14="http://schemas.microsoft.com/office/powerpoint/2010/main" val="21049820"/>
       </p:ext>
     </p:extLst>
   </p:cSld>
@@ -16255,72 +16437,73 @@
           <a:p>
             <a:r>
               <a:rPr lang="de-DE" dirty="0" smtClean="0"/>
-              <a:t>Anhand von Ort und Zeitpunkt (inkl. Datum) Position der Sonne bestimmen</a:t>
-            </a:r>
-          </a:p>
-          <a:p>
-            <a:r>
-              <a:rPr lang="de-DE" dirty="0" smtClean="0"/>
-              <a:t>Algorithmus aus Wikipedia übernommen</a:t>
-            </a:r>
-          </a:p>
-          <a:p>
-            <a:r>
-              <a:rPr lang="de-DE" dirty="0" smtClean="0"/>
-              <a:t>Ergebnis ist ein </a:t>
-            </a:r>
-            <a:r>
-              <a:rPr lang="de-DE" dirty="0" err="1" smtClean="0"/>
-              <a:t>Azimuthwinkel</a:t>
-            </a:r>
-            <a:r>
-              <a:rPr lang="de-DE" dirty="0" smtClean="0"/>
-              <a:t> und ein Höhenwinkel</a:t>
-            </a:r>
-          </a:p>
-          <a:p>
-            <a:r>
-              <a:rPr lang="de-DE" dirty="0" smtClean="0"/>
-              <a:t>Aus den Winkeln wird das richtige </a:t>
-            </a:r>
-            <a:r>
-              <a:rPr lang="de-DE" dirty="0" err="1" smtClean="0"/>
-              <a:t>Skypatch</a:t>
-            </a:r>
-            <a:r>
-              <a:rPr lang="de-DE" dirty="0" smtClean="0"/>
-              <a:t> ausgewählt</a:t>
+              <a:t>Teile Dreiecke auf in kleinere Dreiecke</a:t>
+            </a:r>
+          </a:p>
+          <a:p>
+            <a:r>
+              <a:rPr lang="de-DE" dirty="0" smtClean="0"/>
+              <a:t>Falls Fläche von Dreieck größer als z.B. 1m² teile längste Seite in der Mitte und bilde zwei Dreiecke</a:t>
+            </a:r>
+          </a:p>
+        </p:txBody>
+      </p:sp>
+      <p:sp>
+        <p:nvSpPr>
+          <p:cNvPr id="3" name="Titel 2"/>
+          <p:cNvSpPr>
+            <a:spLocks noGrp="1"/>
+          </p:cNvSpPr>
+          <p:nvPr>
+            <p:ph type="title"/>
+          </p:nvPr>
+        </p:nvSpPr>
+        <p:spPr/>
+        <p:txBody>
+          <a:bodyPr/>
+          <a:lstStyle/>
+          <a:p>
+            <a:r>
+              <a:rPr lang="de-DE" dirty="0" smtClean="0"/>
+              <a:t>Berechnung: Lösung (1/2)</a:t>
             </a:r>
             <a:endParaRPr lang="de-DE" dirty="0"/>
           </a:p>
         </p:txBody>
       </p:sp>
-      <p:sp>
-        <p:nvSpPr>
-          <p:cNvPr id="3" name="Titel 2"/>
-          <p:cNvSpPr>
-            <a:spLocks noGrp="1"/>
-          </p:cNvSpPr>
-          <p:nvPr>
-            <p:ph type="title"/>
-          </p:nvPr>
-        </p:nvSpPr>
-        <p:spPr/>
-        <p:txBody>
-          <a:bodyPr/>
-          <a:lstStyle/>
-          <a:p>
-            <a:r>
-              <a:rPr lang="de-DE" dirty="0" smtClean="0"/>
-              <a:t>Berechnung: Sonnenstand</a:t>
-            </a:r>
-            <a:endParaRPr lang="de-DE" dirty="0"/>
-          </a:p>
-        </p:txBody>
-      </p:sp>
-      <p:sp>
-        <p:nvSpPr>
-          <p:cNvPr id="4" name="Datumsplatzhalter 3"/>
+      <p:pic>
+        <p:nvPicPr>
+          <p:cNvPr id="4" name="Grafik 3"/>
+          <p:cNvPicPr>
+            <a:picLocks noChangeAspect="1"/>
+          </p:cNvPicPr>
+          <p:nvPr/>
+        </p:nvPicPr>
+        <p:blipFill>
+          <a:blip r:embed="rId2" cstate="print">
+            <a:extLst>
+              <a:ext uri="{28A0092B-C50C-407E-A947-70E740481C1C}">
+                <a14:useLocalDpi xmlns:a14="http://schemas.microsoft.com/office/drawing/2010/main" val="0"/>
+              </a:ext>
+            </a:extLst>
+          </a:blip>
+          <a:stretch>
+            <a:fillRect/>
+          </a:stretch>
+        </p:blipFill>
+        <p:spPr>
+          <a:xfrm>
+            <a:off x="2339752" y="3212976"/>
+            <a:ext cx="4001059" cy="2057687"/>
+          </a:xfrm>
+          <a:prstGeom prst="rect">
+            <a:avLst/>
+          </a:prstGeom>
+        </p:spPr>
+      </p:pic>
+      <p:sp>
+        <p:nvSpPr>
+          <p:cNvPr id="5" name="Datumsplatzhalter 4"/>
           <p:cNvSpPr>
             <a:spLocks noGrp="1"/>
           </p:cNvSpPr>
@@ -16343,7 +16526,7 @@
       </p:sp>
       <p:sp>
         <p:nvSpPr>
-          <p:cNvPr id="5" name="Foliennummernplatzhalter 4"/>
+          <p:cNvPr id="6" name="Foliennummernplatzhalter 5"/>
           <p:cNvSpPr>
             <a:spLocks noGrp="1"/>
           </p:cNvSpPr>
@@ -16368,7 +16551,7 @@
     </p:spTree>
     <p:extLst>
       <p:ext uri="{BB962C8B-B14F-4D97-AF65-F5344CB8AC3E}">
-        <p14:creationId xmlns:p14="http://schemas.microsoft.com/office/powerpoint/2010/main" val="952026451"/>
+        <p14:creationId xmlns:p14="http://schemas.microsoft.com/office/powerpoint/2010/main" val="3148905547"/>
       </p:ext>
     </p:extLst>
   </p:cSld>
@@ -16412,63 +16595,57 @@
             <p:ph idx="1"/>
           </p:nvPr>
         </p:nvSpPr>
-        <p:spPr>
-          <a:xfrm>
-            <a:off x="457200" y="1196752"/>
-            <a:ext cx="8229600" cy="4810539"/>
-          </a:xfrm>
-        </p:spPr>
-        <p:txBody>
-          <a:bodyPr/>
-          <a:lstStyle/>
-          <a:p>
-            <a:pPr>
-              <a:buNone/>
-            </a:pPr>
-            <a:endParaRPr lang="de-DE" b="1" dirty="0" smtClean="0"/>
-          </a:p>
-          <a:p>
-            <a:pPr>
-              <a:buNone/>
-            </a:pPr>
-            <a:r>
-              <a:rPr lang="de-DE" b="1" dirty="0" smtClean="0"/>
-              <a:t>Aufgaben</a:t>
-            </a:r>
-            <a:r>
-              <a:rPr lang="de-DE" dirty="0" smtClean="0"/>
-              <a:t>:</a:t>
-            </a:r>
-          </a:p>
-          <a:p>
-            <a:r>
-              <a:rPr lang="de-DE" dirty="0" smtClean="0"/>
-              <a:t>Erstellung einer graphischen Benutzungsschnittstelle inklusive 3D Visualisierung der Stadt</a:t>
-            </a:r>
-          </a:p>
-          <a:p>
-            <a:r>
-              <a:rPr lang="de-DE" dirty="0" smtClean="0"/>
-              <a:t>Die GUI in JAVA und Swing umsetzen</a:t>
-            </a:r>
-          </a:p>
-          <a:p>
-            <a:r>
-              <a:rPr lang="de-DE" dirty="0" smtClean="0"/>
-              <a:t>3D Visualisierung mit Hilfe von JOGL </a:t>
-            </a:r>
-          </a:p>
-          <a:p>
-            <a:endParaRPr lang="de-DE" dirty="0" smtClean="0"/>
-          </a:p>
-          <a:p>
-            <a:endParaRPr lang="de-DE" dirty="0" smtClean="0"/>
-          </a:p>
-        </p:txBody>
-      </p:sp>
-      <p:sp>
-        <p:nvSpPr>
-          <p:cNvPr id="3" name="Datumsplatzhalter 2"/>
+        <p:spPr/>
+        <p:txBody>
+          <a:bodyPr/>
+          <a:lstStyle/>
+          <a:p>
+            <a:r>
+              <a:rPr lang="de-DE" dirty="0" smtClean="0"/>
+              <a:t>Berechne für jedes Gebäude eine Umgebung von Gebäuden</a:t>
+            </a:r>
+          </a:p>
+          <a:p>
+            <a:r>
+              <a:rPr lang="de-DE" dirty="0" smtClean="0"/>
+              <a:t>Alle Gebäude, die weiter entfernt sind als z.B. 80m werden nicht berücksichtigt</a:t>
+            </a:r>
+          </a:p>
+          <a:p>
+            <a:r>
+              <a:rPr lang="de-DE" dirty="0" smtClean="0"/>
+              <a:t>Berechne den Schatten in Paketen</a:t>
+            </a:r>
+            <a:endParaRPr lang="de-DE" dirty="0"/>
+          </a:p>
+        </p:txBody>
+      </p:sp>
+      <p:sp>
+        <p:nvSpPr>
+          <p:cNvPr id="3" name="Titel 2"/>
+          <p:cNvSpPr>
+            <a:spLocks noGrp="1"/>
+          </p:cNvSpPr>
+          <p:nvPr>
+            <p:ph type="title"/>
+          </p:nvPr>
+        </p:nvSpPr>
+        <p:spPr/>
+        <p:txBody>
+          <a:bodyPr/>
+          <a:lstStyle/>
+          <a:p>
+            <a:r>
+              <a:rPr lang="de-DE" dirty="0" smtClean="0"/>
+              <a:t>Berechnung: Lösung (2/2)</a:t>
+            </a:r>
+            <a:endParaRPr lang="de-DE" dirty="0"/>
+          </a:p>
+        </p:txBody>
+      </p:sp>
+      <p:sp>
+        <p:nvSpPr>
+          <p:cNvPr id="4" name="Datumsplatzhalter 3"/>
           <p:cNvSpPr>
             <a:spLocks noGrp="1"/>
           </p:cNvSpPr>
@@ -16491,7 +16668,7 @@
       </p:sp>
       <p:sp>
         <p:nvSpPr>
-          <p:cNvPr id="4" name="Foliennummernplatzhalter 3"/>
+          <p:cNvPr id="5" name="Foliennummernplatzhalter 4"/>
           <p:cNvSpPr>
             <a:spLocks noGrp="1"/>
           </p:cNvSpPr>
@@ -16513,39 +16690,23 @@
           </a:p>
         </p:txBody>
       </p:sp>
-      <p:sp>
-        <p:nvSpPr>
-          <p:cNvPr id="5" name="Titel 4"/>
-          <p:cNvSpPr>
-            <a:spLocks noGrp="1"/>
-          </p:cNvSpPr>
-          <p:nvPr>
-            <p:ph type="title"/>
-          </p:nvPr>
-        </p:nvSpPr>
-        <p:spPr/>
-        <p:txBody>
-          <a:bodyPr/>
-          <a:lstStyle/>
-          <a:p>
-            <a:r>
-              <a:rPr lang="de-DE" dirty="0" smtClean="0"/>
-              <a:t>3D-Viewer und GUI</a:t>
-            </a:r>
-            <a:endParaRPr lang="de-DE" dirty="0"/>
-          </a:p>
-        </p:txBody>
-      </p:sp>
     </p:spTree>
     <p:extLst>
       <p:ext uri="{BB962C8B-B14F-4D97-AF65-F5344CB8AC3E}">
-        <p14:creationId xmlns:p14="http://schemas.microsoft.com/office/powerpoint/2010/main" val="1054123675"/>
+        <p14:creationId xmlns:p14="http://schemas.microsoft.com/office/powerpoint/2010/main" val="1520712045"/>
       </p:ext>
     </p:extLst>
   </p:cSld>
   <p:clrMapOvr>
     <a:masterClrMapping/>
   </p:clrMapOvr>
+  <p:timing>
+    <p:tnLst>
+      <p:par>
+        <p:cTn id="1" dur="indefinite" restart="never" nodeType="tmRoot"/>
+      </p:par>
+    </p:tnLst>
+  </p:timing>
 </p:sld>
 </file>
 
@@ -16581,70 +16742,64 @@
           <a:bodyPr/>
           <a:lstStyle/>
           <a:p>
-            <a:endParaRPr lang="de-DE" dirty="0" smtClean="0"/>
-          </a:p>
-          <a:p>
-            <a:r>
-              <a:rPr lang="de-DE" dirty="0" smtClean="0"/>
-              <a:t>Koordinatenachsen anzeigen</a:t>
-            </a:r>
-          </a:p>
-          <a:p>
-            <a:r>
-              <a:rPr lang="de-DE" dirty="0" err="1" smtClean="0"/>
-              <a:t>Skypatchs</a:t>
-            </a:r>
-            <a:r>
-              <a:rPr lang="de-DE" dirty="0" smtClean="0"/>
-              <a:t> zeichnen</a:t>
-            </a:r>
-          </a:p>
-          <a:p>
-            <a:r>
-              <a:rPr lang="de-DE" dirty="0" smtClean="0"/>
-              <a:t>Position der Sonne </a:t>
-            </a:r>
-            <a:r>
-              <a:rPr lang="de-DE" dirty="0" err="1" smtClean="0"/>
-              <a:t>anzeigbar</a:t>
-            </a:r>
-            <a:endParaRPr lang="de-DE" dirty="0" smtClean="0"/>
-          </a:p>
-          <a:p>
-            <a:r>
-              <a:rPr lang="de-DE" dirty="0" smtClean="0"/>
-              <a:t>Anzeige der Gebäude</a:t>
-            </a:r>
-          </a:p>
-          <a:p>
-            <a:r>
-              <a:rPr lang="de-DE" dirty="0" smtClean="0"/>
-              <a:t>Anzeige des Schattens unterteilt in Dreiecke</a:t>
-            </a:r>
-          </a:p>
-          <a:p>
-            <a:pPr>
-              <a:buNone/>
-            </a:pPr>
-            <a:r>
-              <a:rPr lang="de-DE" dirty="0" smtClean="0"/>
-              <a:t>  oder Polygone</a:t>
-            </a:r>
-          </a:p>
-          <a:p>
-            <a:r>
-              <a:rPr lang="de-DE" dirty="0" smtClean="0"/>
-              <a:t>Anzeige des Rasters </a:t>
-            </a:r>
-          </a:p>
-          <a:p>
+            <a:r>
+              <a:rPr lang="de-DE" dirty="0" smtClean="0"/>
+              <a:t>Berechne Mittelpunkt von Gebäuden</a:t>
+            </a:r>
+          </a:p>
+          <a:p>
+            <a:r>
+              <a:rPr lang="de-DE" dirty="0" smtClean="0"/>
+              <a:t>Teile große Dreiecke in kleine Dreiecke</a:t>
+            </a:r>
+          </a:p>
+          <a:p>
+            <a:r>
+              <a:rPr lang="de-DE" dirty="0" smtClean="0"/>
+              <a:t>Berechne Mittelpunkt von kleinen Dreiecken</a:t>
+            </a:r>
+          </a:p>
+          <a:p>
+            <a:r>
+              <a:rPr lang="de-DE" dirty="0" smtClean="0"/>
+              <a:t>Sammle alle kleinen Dreiecke in einer Liste</a:t>
+            </a:r>
+          </a:p>
+          <a:p>
+            <a:r>
+              <a:rPr lang="de-DE" dirty="0" smtClean="0"/>
+              <a:t>Hole Pakete von 256/512/1024 Dreiecken aus Liste und bearbeite diese</a:t>
+            </a:r>
             <a:endParaRPr lang="de-DE" dirty="0"/>
           </a:p>
         </p:txBody>
       </p:sp>
       <p:sp>
         <p:nvSpPr>
-          <p:cNvPr id="3" name="Datumsplatzhalter 2"/>
+          <p:cNvPr id="3" name="Titel 2"/>
+          <p:cNvSpPr>
+            <a:spLocks noGrp="1"/>
+          </p:cNvSpPr>
+          <p:nvPr>
+            <p:ph type="title"/>
+          </p:nvPr>
+        </p:nvSpPr>
+        <p:spPr/>
+        <p:txBody>
+          <a:bodyPr/>
+          <a:lstStyle/>
+          <a:p>
+            <a:r>
+              <a:rPr lang="de-DE" dirty="0" smtClean="0"/>
+              <a:t>Berechnung: Umsetzung (1/2)</a:t>
+            </a:r>
+            <a:endParaRPr lang="de-DE" dirty="0"/>
+          </a:p>
+        </p:txBody>
+      </p:sp>
+      <p:sp>
+        <p:nvSpPr>
+          <p:cNvPr id="4" name="Datumsplatzhalter 3"/>
           <p:cNvSpPr>
             <a:spLocks noGrp="1"/>
           </p:cNvSpPr>
@@ -16667,7 +16822,7 @@
       </p:sp>
       <p:sp>
         <p:nvSpPr>
-          <p:cNvPr id="4" name="Foliennummernplatzhalter 3"/>
+          <p:cNvPr id="5" name="Foliennummernplatzhalter 4"/>
           <p:cNvSpPr>
             <a:spLocks noGrp="1"/>
           </p:cNvSpPr>
@@ -16689,34 +16844,23 @@
           </a:p>
         </p:txBody>
       </p:sp>
-      <p:sp>
-        <p:nvSpPr>
-          <p:cNvPr id="5" name="Titel 4"/>
-          <p:cNvSpPr>
-            <a:spLocks noGrp="1"/>
-          </p:cNvSpPr>
-          <p:nvPr>
-            <p:ph type="title"/>
-          </p:nvPr>
-        </p:nvSpPr>
-        <p:spPr/>
-        <p:txBody>
-          <a:bodyPr/>
-          <a:lstStyle/>
-          <a:p>
-            <a:r>
-              <a:rPr lang="de-DE" dirty="0" smtClean="0"/>
-              <a:t>Funktionen der GUI</a:t>
-            </a:r>
-            <a:endParaRPr lang="de-DE" dirty="0"/>
-          </a:p>
-        </p:txBody>
-      </p:sp>
     </p:spTree>
+    <p:extLst>
+      <p:ext uri="{BB962C8B-B14F-4D97-AF65-F5344CB8AC3E}">
+        <p14:creationId xmlns:p14="http://schemas.microsoft.com/office/powerpoint/2010/main" val="1532000112"/>
+      </p:ext>
+    </p:extLst>
   </p:cSld>
   <p:clrMapOvr>
     <a:masterClrMapping/>
   </p:clrMapOvr>
+  <p:timing>
+    <p:tnLst>
+      <p:par>
+        <p:cTn id="1" dur="indefinite" restart="never" nodeType="tmRoot"/>
+      </p:par>
+    </p:tnLst>
+  </p:timing>
 </p:sld>
 </file>
 
@@ -16972,51 +17116,52 @@
           <a:bodyPr/>
           <a:lstStyle/>
           <a:p>
-            <a:endParaRPr lang="de-DE" dirty="0" smtClean="0"/>
-          </a:p>
-          <a:p>
-            <a:r>
-              <a:rPr lang="de-DE" dirty="0" smtClean="0"/>
-              <a:t>Volumenanzeige über den Gebäuden</a:t>
-            </a:r>
-          </a:p>
-          <a:p>
-            <a:r>
-              <a:rPr lang="de-DE" dirty="0" smtClean="0"/>
-              <a:t>Dynamische Kamera</a:t>
-            </a:r>
-          </a:p>
-          <a:p>
-            <a:r>
-              <a:rPr lang="de-DE" dirty="0" smtClean="0"/>
-              <a:t>Gebäude selektieren und Gebäudeinformationen einblenden lassen</a:t>
-            </a:r>
-          </a:p>
-          <a:p>
-            <a:r>
-              <a:rPr lang="de-DE" dirty="0" smtClean="0"/>
-              <a:t>Erhöhen der </a:t>
-            </a:r>
-            <a:r>
-              <a:rPr lang="de-DE" dirty="0" err="1" smtClean="0"/>
-              <a:t>Usability</a:t>
-            </a:r>
-            <a:r>
-              <a:rPr lang="de-DE" dirty="0" smtClean="0"/>
-              <a:t>, durch das Einblenden von Statusmeldungen in der Titelleiste</a:t>
-            </a:r>
-          </a:p>
-          <a:p>
-            <a:r>
-              <a:rPr lang="de-DE" dirty="0" smtClean="0"/>
-              <a:t>Informations-Panel für Fehlernachrichten und etwaige Programminformationen</a:t>
-            </a:r>
-          </a:p>
-        </p:txBody>
-      </p:sp>
-      <p:sp>
-        <p:nvSpPr>
-          <p:cNvPr id="3" name="Datumsplatzhalter 2"/>
+            <a:r>
+              <a:rPr lang="de-DE" dirty="0" smtClean="0"/>
+              <a:t>Ermittle zu welchen Gebäuden die Dreiecke gehören</a:t>
+            </a:r>
+          </a:p>
+          <a:p>
+            <a:r>
+              <a:rPr lang="de-DE" dirty="0" smtClean="0"/>
+              <a:t>Berechne für jedes gefundene Gebäude die Umgebung</a:t>
+            </a:r>
+          </a:p>
+          <a:p>
+            <a:r>
+              <a:rPr lang="de-DE" dirty="0" smtClean="0"/>
+              <a:t>Speicher alles auf die Grafikkarte und starte die Berechnung</a:t>
+            </a:r>
+            <a:endParaRPr lang="de-DE" dirty="0"/>
+          </a:p>
+        </p:txBody>
+      </p:sp>
+      <p:sp>
+        <p:nvSpPr>
+          <p:cNvPr id="3" name="Titel 2"/>
+          <p:cNvSpPr>
+            <a:spLocks noGrp="1"/>
+          </p:cNvSpPr>
+          <p:nvPr>
+            <p:ph type="title"/>
+          </p:nvPr>
+        </p:nvSpPr>
+        <p:spPr/>
+        <p:txBody>
+          <a:bodyPr/>
+          <a:lstStyle/>
+          <a:p>
+            <a:r>
+              <a:rPr lang="de-DE" dirty="0" smtClean="0"/>
+              <a:t>Berechnung: Umsetzung (2/2)</a:t>
+            </a:r>
+            <a:endParaRPr lang="de-DE" dirty="0"/>
+          </a:p>
+        </p:txBody>
+      </p:sp>
+      <p:sp>
+        <p:nvSpPr>
+          <p:cNvPr id="4" name="Datumsplatzhalter 3"/>
           <p:cNvSpPr>
             <a:spLocks noGrp="1"/>
           </p:cNvSpPr>
@@ -17039,7 +17184,7 @@
       </p:sp>
       <p:sp>
         <p:nvSpPr>
-          <p:cNvPr id="4" name="Foliennummernplatzhalter 3"/>
+          <p:cNvPr id="5" name="Foliennummernplatzhalter 4"/>
           <p:cNvSpPr>
             <a:spLocks noGrp="1"/>
           </p:cNvSpPr>
@@ -17061,34 +17206,23 @@
           </a:p>
         </p:txBody>
       </p:sp>
-      <p:sp>
-        <p:nvSpPr>
-          <p:cNvPr id="5" name="Titel 4"/>
-          <p:cNvSpPr>
-            <a:spLocks noGrp="1"/>
-          </p:cNvSpPr>
-          <p:nvPr>
-            <p:ph type="title"/>
-          </p:nvPr>
-        </p:nvSpPr>
-        <p:spPr/>
-        <p:txBody>
-          <a:bodyPr/>
-          <a:lstStyle/>
-          <a:p>
-            <a:r>
-              <a:rPr lang="de-DE" dirty="0" smtClean="0"/>
-              <a:t>Funktionen der GUI</a:t>
-            </a:r>
-            <a:endParaRPr lang="de-DE" dirty="0"/>
-          </a:p>
-        </p:txBody>
-      </p:sp>
     </p:spTree>
+    <p:extLst>
+      <p:ext uri="{BB962C8B-B14F-4D97-AF65-F5344CB8AC3E}">
+        <p14:creationId xmlns:p14="http://schemas.microsoft.com/office/powerpoint/2010/main" val="1716100772"/>
+      </p:ext>
+    </p:extLst>
   </p:cSld>
   <p:clrMapOvr>
     <a:masterClrMapping/>
   </p:clrMapOvr>
+  <p:timing>
+    <p:tnLst>
+      <p:par>
+        <p:cTn id="1" dur="indefinite" restart="never" nodeType="tmRoot"/>
+      </p:par>
+    </p:tnLst>
+  </p:timing>
 </p:sld>
 </file>
 
@@ -17126,49 +17260,80 @@
           <a:p>
             <a:r>
               <a:rPr lang="de-DE" dirty="0" smtClean="0"/>
-              <a:t>Ein Frame für die Optionen</a:t>
-            </a:r>
-          </a:p>
-          <a:p>
-            <a:pPr>
-              <a:buNone/>
-            </a:pPr>
-            <a:r>
-              <a:rPr lang="de-DE" dirty="0" smtClean="0"/>
-              <a:t>	(Komponenten in Swing)</a:t>
-            </a:r>
-          </a:p>
-          <a:p>
-            <a:pPr>
-              <a:buNone/>
-            </a:pPr>
-            <a:endParaRPr lang="de-DE" dirty="0" smtClean="0"/>
-          </a:p>
-          <a:p>
-            <a:r>
-              <a:rPr lang="de-DE" dirty="0" smtClean="0"/>
-              <a:t>Ein Frame für den Gebäude-Viewer, mit den Container </a:t>
-            </a:r>
-            <a:r>
-              <a:rPr lang="de-DE" dirty="0" err="1" smtClean="0"/>
-              <a:t>GLCanvas</a:t>
-            </a:r>
-            <a:endParaRPr lang="de-DE" dirty="0" smtClean="0"/>
-          </a:p>
-          <a:p>
-            <a:endParaRPr lang="de-DE" dirty="0" smtClean="0"/>
-          </a:p>
-          <a:p>
-            <a:r>
-              <a:rPr lang="de-DE" dirty="0" smtClean="0"/>
-              <a:t>Trennung erfolgte wegen Unterstützung von mehreren Bildschirmen</a:t>
-            </a:r>
-          </a:p>
-        </p:txBody>
-      </p:sp>
-      <p:sp>
-        <p:nvSpPr>
-          <p:cNvPr id="3" name="Datumsplatzhalter 2"/>
+              <a:t>Rot: zu berechnendes Gebäude</a:t>
+            </a:r>
+          </a:p>
+          <a:p>
+            <a:r>
+              <a:rPr lang="de-DE" dirty="0" smtClean="0"/>
+              <a:t>Grün: Umgebung</a:t>
+            </a:r>
+          </a:p>
+          <a:p>
+            <a:r>
+              <a:rPr lang="de-DE" dirty="0" smtClean="0"/>
+              <a:t>Schwarz: Gebäude außer Reichweite</a:t>
+            </a:r>
+            <a:endParaRPr lang="de-DE" dirty="0"/>
+          </a:p>
+        </p:txBody>
+      </p:sp>
+      <p:sp>
+        <p:nvSpPr>
+          <p:cNvPr id="3" name="Titel 2"/>
+          <p:cNvSpPr>
+            <a:spLocks noGrp="1"/>
+          </p:cNvSpPr>
+          <p:nvPr>
+            <p:ph type="title"/>
+          </p:nvPr>
+        </p:nvSpPr>
+        <p:spPr/>
+        <p:txBody>
+          <a:bodyPr/>
+          <a:lstStyle/>
+          <a:p>
+            <a:r>
+              <a:rPr lang="de-DE" dirty="0" smtClean="0"/>
+              <a:t>Berechnung: Beispiel</a:t>
+            </a:r>
+            <a:endParaRPr lang="de-DE" dirty="0"/>
+          </a:p>
+        </p:txBody>
+      </p:sp>
+      <p:pic>
+        <p:nvPicPr>
+          <p:cNvPr id="5" name="Grafik 4"/>
+          <p:cNvPicPr>
+            <a:picLocks noChangeAspect="1"/>
+          </p:cNvPicPr>
+          <p:nvPr/>
+        </p:nvPicPr>
+        <p:blipFill>
+          <a:blip r:embed="rId2" cstate="print">
+            <a:extLst>
+              <a:ext uri="{28A0092B-C50C-407E-A947-70E740481C1C}">
+                <a14:useLocalDpi xmlns:a14="http://schemas.microsoft.com/office/drawing/2010/main" val="0"/>
+              </a:ext>
+            </a:extLst>
+          </a:blip>
+          <a:stretch>
+            <a:fillRect/>
+          </a:stretch>
+        </p:blipFill>
+        <p:spPr>
+          <a:xfrm>
+            <a:off x="3059832" y="3018538"/>
+            <a:ext cx="3696216" cy="3224358"/>
+          </a:xfrm>
+          <a:prstGeom prst="rect">
+            <a:avLst/>
+          </a:prstGeom>
+        </p:spPr>
+      </p:pic>
+      <p:sp>
+        <p:nvSpPr>
+          <p:cNvPr id="4" name="Datumsplatzhalter 3"/>
           <p:cNvSpPr>
             <a:spLocks noGrp="1"/>
           </p:cNvSpPr>
@@ -17191,7 +17356,7 @@
       </p:sp>
       <p:sp>
         <p:nvSpPr>
-          <p:cNvPr id="4" name="Foliennummernplatzhalter 3"/>
+          <p:cNvPr id="6" name="Foliennummernplatzhalter 5"/>
           <p:cNvSpPr>
             <a:spLocks noGrp="1"/>
           </p:cNvSpPr>
@@ -17213,34 +17378,23 @@
           </a:p>
         </p:txBody>
       </p:sp>
-      <p:sp>
-        <p:nvSpPr>
-          <p:cNvPr id="5" name="Titel 4"/>
-          <p:cNvSpPr>
-            <a:spLocks noGrp="1"/>
-          </p:cNvSpPr>
-          <p:nvPr>
-            <p:ph type="title"/>
-          </p:nvPr>
-        </p:nvSpPr>
-        <p:spPr/>
-        <p:txBody>
-          <a:bodyPr/>
-          <a:lstStyle/>
-          <a:p>
-            <a:r>
-              <a:rPr lang="de-DE" dirty="0" smtClean="0"/>
-              <a:t>Aufbau der GUI</a:t>
-            </a:r>
-            <a:endParaRPr lang="de-DE" dirty="0"/>
-          </a:p>
-        </p:txBody>
-      </p:sp>
     </p:spTree>
+    <p:extLst>
+      <p:ext uri="{BB962C8B-B14F-4D97-AF65-F5344CB8AC3E}">
+        <p14:creationId xmlns:p14="http://schemas.microsoft.com/office/powerpoint/2010/main" val="3167510390"/>
+      </p:ext>
+    </p:extLst>
   </p:cSld>
   <p:clrMapOvr>
     <a:masterClrMapping/>
   </p:clrMapOvr>
+  <p:timing>
+    <p:tnLst>
+      <p:par>
+        <p:cTn id="1" dur="indefinite" restart="never" nodeType="tmRoot"/>
+      </p:par>
+    </p:tnLst>
+  </p:timing>
 </p:sld>
 </file>
 
@@ -17271,6 +17425,809 @@
             <p:ph idx="1"/>
           </p:nvPr>
         </p:nvSpPr>
+        <p:spPr/>
+        <p:txBody>
+          <a:bodyPr/>
+          <a:lstStyle/>
+          <a:p>
+            <a:r>
+              <a:rPr lang="de-DE" dirty="0" smtClean="0"/>
+              <a:t>Anhand von Ort und Zeitpunkt (inkl. Datum) Position der Sonne bestimmen</a:t>
+            </a:r>
+          </a:p>
+          <a:p>
+            <a:r>
+              <a:rPr lang="de-DE" dirty="0" smtClean="0"/>
+              <a:t>Algorithmus aus Wikipedia übernommen</a:t>
+            </a:r>
+          </a:p>
+          <a:p>
+            <a:r>
+              <a:rPr lang="de-DE" dirty="0" smtClean="0"/>
+              <a:t>Ergebnis ist ein </a:t>
+            </a:r>
+            <a:r>
+              <a:rPr lang="de-DE" dirty="0" err="1" smtClean="0"/>
+              <a:t>Azimuthwinkel</a:t>
+            </a:r>
+            <a:r>
+              <a:rPr lang="de-DE" dirty="0" smtClean="0"/>
+              <a:t> und ein Höhenwinkel</a:t>
+            </a:r>
+          </a:p>
+          <a:p>
+            <a:r>
+              <a:rPr lang="de-DE" dirty="0" smtClean="0"/>
+              <a:t>Aus den Winkeln wird das richtige </a:t>
+            </a:r>
+            <a:r>
+              <a:rPr lang="de-DE" dirty="0" err="1" smtClean="0"/>
+              <a:t>Skypatch</a:t>
+            </a:r>
+            <a:r>
+              <a:rPr lang="de-DE" dirty="0" smtClean="0"/>
+              <a:t> ausgewählt</a:t>
+            </a:r>
+            <a:endParaRPr lang="de-DE" dirty="0"/>
+          </a:p>
+        </p:txBody>
+      </p:sp>
+      <p:sp>
+        <p:nvSpPr>
+          <p:cNvPr id="3" name="Titel 2"/>
+          <p:cNvSpPr>
+            <a:spLocks noGrp="1"/>
+          </p:cNvSpPr>
+          <p:nvPr>
+            <p:ph type="title"/>
+          </p:nvPr>
+        </p:nvSpPr>
+        <p:spPr/>
+        <p:txBody>
+          <a:bodyPr/>
+          <a:lstStyle/>
+          <a:p>
+            <a:r>
+              <a:rPr lang="de-DE" dirty="0" smtClean="0"/>
+              <a:t>Berechnung: Sonnenstand</a:t>
+            </a:r>
+            <a:endParaRPr lang="de-DE" dirty="0"/>
+          </a:p>
+        </p:txBody>
+      </p:sp>
+      <p:sp>
+        <p:nvSpPr>
+          <p:cNvPr id="4" name="Datumsplatzhalter 3"/>
+          <p:cNvSpPr>
+            <a:spLocks noGrp="1"/>
+          </p:cNvSpPr>
+          <p:nvPr>
+            <p:ph type="dt" sz="half" idx="10"/>
+          </p:nvPr>
+        </p:nvSpPr>
+        <p:spPr/>
+        <p:txBody>
+          <a:bodyPr/>
+          <a:lstStyle/>
+          <a:p>
+            <a:r>
+              <a:rPr lang="de-DE" smtClean="0"/>
+              <a:t>23.06.2014</a:t>
+            </a:r>
+            <a:endParaRPr lang="de-DE"/>
+          </a:p>
+        </p:txBody>
+      </p:sp>
+      <p:sp>
+        <p:nvSpPr>
+          <p:cNvPr id="5" name="Foliennummernplatzhalter 4"/>
+          <p:cNvSpPr>
+            <a:spLocks noGrp="1"/>
+          </p:cNvSpPr>
+          <p:nvPr>
+            <p:ph type="sldNum" sz="quarter" idx="12"/>
+          </p:nvPr>
+        </p:nvSpPr>
+        <p:spPr/>
+        <p:txBody>
+          <a:bodyPr/>
+          <a:lstStyle/>
+          <a:p>
+            <a:fld id="{02075A8B-51D4-4999-A4F2-B3FAC6295E4D}" type="slidenum">
+              <a:rPr lang="de-DE" smtClean="0"/>
+              <a:pPr/>
+              <a:t>62</a:t>
+            </a:fld>
+            <a:endParaRPr lang="de-DE"/>
+          </a:p>
+        </p:txBody>
+      </p:sp>
+    </p:spTree>
+    <p:extLst>
+      <p:ext uri="{BB962C8B-B14F-4D97-AF65-F5344CB8AC3E}">
+        <p14:creationId xmlns:p14="http://schemas.microsoft.com/office/powerpoint/2010/main" val="952026451"/>
+      </p:ext>
+    </p:extLst>
+  </p:cSld>
+  <p:clrMapOvr>
+    <a:masterClrMapping/>
+  </p:clrMapOvr>
+  <p:timing>
+    <p:tnLst>
+      <p:par>
+        <p:cTn id="1" dur="indefinite" restart="never" nodeType="tmRoot"/>
+      </p:par>
+    </p:tnLst>
+  </p:timing>
+</p:sld>
+</file>
+
+<file path=ppt/slides/slide63.xml><?xml version="1.0" encoding="utf-8"?>
+<p:sld xmlns:a="http://schemas.openxmlformats.org/drawingml/2006/main" xmlns:r="http://schemas.openxmlformats.org/officeDocument/2006/relationships" xmlns:p="http://schemas.openxmlformats.org/presentationml/2006/main">
+  <p:cSld>
+    <p:spTree>
+      <p:nvGrpSpPr>
+        <p:cNvPr id="1" name=""/>
+        <p:cNvGrpSpPr/>
+        <p:nvPr/>
+      </p:nvGrpSpPr>
+      <p:grpSpPr>
+        <a:xfrm>
+          <a:off x="0" y="0"/>
+          <a:ext cx="0" cy="0"/>
+          <a:chOff x="0" y="0"/>
+          <a:chExt cx="0" cy="0"/>
+        </a:xfrm>
+      </p:grpSpPr>
+      <p:sp>
+        <p:nvSpPr>
+          <p:cNvPr id="2" name="Inhaltsplatzhalter 1"/>
+          <p:cNvSpPr>
+            <a:spLocks noGrp="1"/>
+          </p:cNvSpPr>
+          <p:nvPr>
+            <p:ph idx="1"/>
+          </p:nvPr>
+        </p:nvSpPr>
+        <p:spPr>
+          <a:xfrm>
+            <a:off x="457200" y="1196752"/>
+            <a:ext cx="8229600" cy="4810539"/>
+          </a:xfrm>
+        </p:spPr>
+        <p:txBody>
+          <a:bodyPr/>
+          <a:lstStyle/>
+          <a:p>
+            <a:pPr>
+              <a:buNone/>
+            </a:pPr>
+            <a:endParaRPr lang="de-DE" b="1" dirty="0" smtClean="0"/>
+          </a:p>
+          <a:p>
+            <a:pPr>
+              <a:buNone/>
+            </a:pPr>
+            <a:r>
+              <a:rPr lang="de-DE" b="1" dirty="0" smtClean="0"/>
+              <a:t>Aufgaben</a:t>
+            </a:r>
+            <a:r>
+              <a:rPr lang="de-DE" dirty="0" smtClean="0"/>
+              <a:t>:</a:t>
+            </a:r>
+          </a:p>
+          <a:p>
+            <a:r>
+              <a:rPr lang="de-DE" dirty="0" smtClean="0"/>
+              <a:t>Erstellung einer graphischen Benutzungsschnittstelle inklusive 3D Visualisierung der Stadt</a:t>
+            </a:r>
+          </a:p>
+          <a:p>
+            <a:r>
+              <a:rPr lang="de-DE" dirty="0" smtClean="0"/>
+              <a:t>Die GUI in JAVA und Swing umsetzen</a:t>
+            </a:r>
+          </a:p>
+          <a:p>
+            <a:r>
+              <a:rPr lang="de-DE" dirty="0" smtClean="0"/>
+              <a:t>3D Visualisierung mit Hilfe von JOGL </a:t>
+            </a:r>
+          </a:p>
+          <a:p>
+            <a:endParaRPr lang="de-DE" dirty="0" smtClean="0"/>
+          </a:p>
+          <a:p>
+            <a:endParaRPr lang="de-DE" dirty="0" smtClean="0"/>
+          </a:p>
+        </p:txBody>
+      </p:sp>
+      <p:sp>
+        <p:nvSpPr>
+          <p:cNvPr id="3" name="Datumsplatzhalter 2"/>
+          <p:cNvSpPr>
+            <a:spLocks noGrp="1"/>
+          </p:cNvSpPr>
+          <p:nvPr>
+            <p:ph type="dt" sz="half" idx="10"/>
+          </p:nvPr>
+        </p:nvSpPr>
+        <p:spPr/>
+        <p:txBody>
+          <a:bodyPr/>
+          <a:lstStyle/>
+          <a:p>
+            <a:r>
+              <a:rPr lang="de-DE" smtClean="0"/>
+              <a:t>23.06.2014</a:t>
+            </a:r>
+            <a:endParaRPr lang="de-DE"/>
+          </a:p>
+        </p:txBody>
+      </p:sp>
+      <p:sp>
+        <p:nvSpPr>
+          <p:cNvPr id="4" name="Foliennummernplatzhalter 3"/>
+          <p:cNvSpPr>
+            <a:spLocks noGrp="1"/>
+          </p:cNvSpPr>
+          <p:nvPr>
+            <p:ph type="sldNum" sz="quarter" idx="12"/>
+          </p:nvPr>
+        </p:nvSpPr>
+        <p:spPr/>
+        <p:txBody>
+          <a:bodyPr/>
+          <a:lstStyle/>
+          <a:p>
+            <a:fld id="{02075A8B-51D4-4999-A4F2-B3FAC6295E4D}" type="slidenum">
+              <a:rPr lang="de-DE" smtClean="0"/>
+              <a:pPr/>
+              <a:t>63</a:t>
+            </a:fld>
+            <a:endParaRPr lang="de-DE"/>
+          </a:p>
+        </p:txBody>
+      </p:sp>
+      <p:sp>
+        <p:nvSpPr>
+          <p:cNvPr id="5" name="Titel 4"/>
+          <p:cNvSpPr>
+            <a:spLocks noGrp="1"/>
+          </p:cNvSpPr>
+          <p:nvPr>
+            <p:ph type="title"/>
+          </p:nvPr>
+        </p:nvSpPr>
+        <p:spPr/>
+        <p:txBody>
+          <a:bodyPr/>
+          <a:lstStyle/>
+          <a:p>
+            <a:r>
+              <a:rPr lang="de-DE" dirty="0" smtClean="0"/>
+              <a:t>3D-Viewer und GUI</a:t>
+            </a:r>
+            <a:endParaRPr lang="de-DE" dirty="0"/>
+          </a:p>
+        </p:txBody>
+      </p:sp>
+    </p:spTree>
+    <p:extLst>
+      <p:ext uri="{BB962C8B-B14F-4D97-AF65-F5344CB8AC3E}">
+        <p14:creationId xmlns:p14="http://schemas.microsoft.com/office/powerpoint/2010/main" val="1054123675"/>
+      </p:ext>
+    </p:extLst>
+  </p:cSld>
+  <p:clrMapOvr>
+    <a:masterClrMapping/>
+  </p:clrMapOvr>
+</p:sld>
+</file>
+
+<file path=ppt/slides/slide64.xml><?xml version="1.0" encoding="utf-8"?>
+<p:sld xmlns:a="http://schemas.openxmlformats.org/drawingml/2006/main" xmlns:r="http://schemas.openxmlformats.org/officeDocument/2006/relationships" xmlns:p="http://schemas.openxmlformats.org/presentationml/2006/main">
+  <p:cSld>
+    <p:spTree>
+      <p:nvGrpSpPr>
+        <p:cNvPr id="1" name=""/>
+        <p:cNvGrpSpPr/>
+        <p:nvPr/>
+      </p:nvGrpSpPr>
+      <p:grpSpPr>
+        <a:xfrm>
+          <a:off x="0" y="0"/>
+          <a:ext cx="0" cy="0"/>
+          <a:chOff x="0" y="0"/>
+          <a:chExt cx="0" cy="0"/>
+        </a:xfrm>
+      </p:grpSpPr>
+      <p:sp>
+        <p:nvSpPr>
+          <p:cNvPr id="2" name="Inhaltsplatzhalter 1"/>
+          <p:cNvSpPr>
+            <a:spLocks noGrp="1"/>
+          </p:cNvSpPr>
+          <p:nvPr>
+            <p:ph idx="1"/>
+          </p:nvPr>
+        </p:nvSpPr>
+        <p:spPr/>
+        <p:txBody>
+          <a:bodyPr/>
+          <a:lstStyle/>
+          <a:p>
+            <a:endParaRPr lang="de-DE" dirty="0" smtClean="0"/>
+          </a:p>
+          <a:p>
+            <a:r>
+              <a:rPr lang="de-DE" dirty="0" smtClean="0"/>
+              <a:t>Koordinatenachsen anzeigen</a:t>
+            </a:r>
+          </a:p>
+          <a:p>
+            <a:r>
+              <a:rPr lang="de-DE" dirty="0" err="1" smtClean="0"/>
+              <a:t>Skypatchs</a:t>
+            </a:r>
+            <a:r>
+              <a:rPr lang="de-DE" dirty="0" smtClean="0"/>
+              <a:t> zeichnen</a:t>
+            </a:r>
+          </a:p>
+          <a:p>
+            <a:r>
+              <a:rPr lang="de-DE" dirty="0" smtClean="0"/>
+              <a:t>Position der Sonne </a:t>
+            </a:r>
+            <a:r>
+              <a:rPr lang="de-DE" dirty="0" err="1" smtClean="0"/>
+              <a:t>anzeigbar</a:t>
+            </a:r>
+            <a:endParaRPr lang="de-DE" dirty="0" smtClean="0"/>
+          </a:p>
+          <a:p>
+            <a:r>
+              <a:rPr lang="de-DE" dirty="0" smtClean="0"/>
+              <a:t>Anzeige der Gebäude</a:t>
+            </a:r>
+          </a:p>
+          <a:p>
+            <a:r>
+              <a:rPr lang="de-DE" dirty="0" smtClean="0"/>
+              <a:t>Anzeige des Schattens unterteilt in Dreiecke</a:t>
+            </a:r>
+          </a:p>
+          <a:p>
+            <a:pPr>
+              <a:buNone/>
+            </a:pPr>
+            <a:r>
+              <a:rPr lang="de-DE" dirty="0" smtClean="0"/>
+              <a:t>  oder Polygone</a:t>
+            </a:r>
+          </a:p>
+          <a:p>
+            <a:r>
+              <a:rPr lang="de-DE" dirty="0" smtClean="0"/>
+              <a:t>Anzeige des Rasters </a:t>
+            </a:r>
+          </a:p>
+          <a:p>
+            <a:endParaRPr lang="de-DE" dirty="0"/>
+          </a:p>
+        </p:txBody>
+      </p:sp>
+      <p:sp>
+        <p:nvSpPr>
+          <p:cNvPr id="3" name="Datumsplatzhalter 2"/>
+          <p:cNvSpPr>
+            <a:spLocks noGrp="1"/>
+          </p:cNvSpPr>
+          <p:nvPr>
+            <p:ph type="dt" sz="half" idx="10"/>
+          </p:nvPr>
+        </p:nvSpPr>
+        <p:spPr/>
+        <p:txBody>
+          <a:bodyPr/>
+          <a:lstStyle/>
+          <a:p>
+            <a:r>
+              <a:rPr lang="de-DE" smtClean="0"/>
+              <a:t>23.06.2014</a:t>
+            </a:r>
+            <a:endParaRPr lang="de-DE"/>
+          </a:p>
+        </p:txBody>
+      </p:sp>
+      <p:sp>
+        <p:nvSpPr>
+          <p:cNvPr id="4" name="Foliennummernplatzhalter 3"/>
+          <p:cNvSpPr>
+            <a:spLocks noGrp="1"/>
+          </p:cNvSpPr>
+          <p:nvPr>
+            <p:ph type="sldNum" sz="quarter" idx="12"/>
+          </p:nvPr>
+        </p:nvSpPr>
+        <p:spPr/>
+        <p:txBody>
+          <a:bodyPr/>
+          <a:lstStyle/>
+          <a:p>
+            <a:fld id="{02075A8B-51D4-4999-A4F2-B3FAC6295E4D}" type="slidenum">
+              <a:rPr lang="de-DE" smtClean="0"/>
+              <a:pPr/>
+              <a:t>64</a:t>
+            </a:fld>
+            <a:endParaRPr lang="de-DE"/>
+          </a:p>
+        </p:txBody>
+      </p:sp>
+      <p:sp>
+        <p:nvSpPr>
+          <p:cNvPr id="5" name="Titel 4"/>
+          <p:cNvSpPr>
+            <a:spLocks noGrp="1"/>
+          </p:cNvSpPr>
+          <p:nvPr>
+            <p:ph type="title"/>
+          </p:nvPr>
+        </p:nvSpPr>
+        <p:spPr/>
+        <p:txBody>
+          <a:bodyPr/>
+          <a:lstStyle/>
+          <a:p>
+            <a:r>
+              <a:rPr lang="de-DE" dirty="0" smtClean="0"/>
+              <a:t>Funktionen der GUI</a:t>
+            </a:r>
+            <a:endParaRPr lang="de-DE" dirty="0"/>
+          </a:p>
+        </p:txBody>
+      </p:sp>
+    </p:spTree>
+  </p:cSld>
+  <p:clrMapOvr>
+    <a:masterClrMapping/>
+  </p:clrMapOvr>
+</p:sld>
+</file>
+
+<file path=ppt/slides/slide65.xml><?xml version="1.0" encoding="utf-8"?>
+<p:sld xmlns:a="http://schemas.openxmlformats.org/drawingml/2006/main" xmlns:r="http://schemas.openxmlformats.org/officeDocument/2006/relationships" xmlns:p="http://schemas.openxmlformats.org/presentationml/2006/main">
+  <p:cSld>
+    <p:spTree>
+      <p:nvGrpSpPr>
+        <p:cNvPr id="1" name=""/>
+        <p:cNvGrpSpPr/>
+        <p:nvPr/>
+      </p:nvGrpSpPr>
+      <p:grpSpPr>
+        <a:xfrm>
+          <a:off x="0" y="0"/>
+          <a:ext cx="0" cy="0"/>
+          <a:chOff x="0" y="0"/>
+          <a:chExt cx="0" cy="0"/>
+        </a:xfrm>
+      </p:grpSpPr>
+      <p:sp>
+        <p:nvSpPr>
+          <p:cNvPr id="2" name="Inhaltsplatzhalter 1"/>
+          <p:cNvSpPr>
+            <a:spLocks noGrp="1"/>
+          </p:cNvSpPr>
+          <p:nvPr>
+            <p:ph idx="1"/>
+          </p:nvPr>
+        </p:nvSpPr>
+        <p:spPr/>
+        <p:txBody>
+          <a:bodyPr/>
+          <a:lstStyle/>
+          <a:p>
+            <a:endParaRPr lang="de-DE" dirty="0" smtClean="0"/>
+          </a:p>
+          <a:p>
+            <a:r>
+              <a:rPr lang="de-DE" dirty="0" smtClean="0"/>
+              <a:t>Volumenanzeige über den Gebäuden</a:t>
+            </a:r>
+          </a:p>
+          <a:p>
+            <a:r>
+              <a:rPr lang="de-DE" dirty="0" smtClean="0"/>
+              <a:t>Dynamische Kamera</a:t>
+            </a:r>
+          </a:p>
+          <a:p>
+            <a:r>
+              <a:rPr lang="de-DE" dirty="0" smtClean="0"/>
+              <a:t>Gebäude selektieren und Gebäudeinformationen einblenden lassen</a:t>
+            </a:r>
+          </a:p>
+          <a:p>
+            <a:r>
+              <a:rPr lang="de-DE" dirty="0" smtClean="0"/>
+              <a:t>Erhöhen der </a:t>
+            </a:r>
+            <a:r>
+              <a:rPr lang="de-DE" dirty="0" err="1" smtClean="0"/>
+              <a:t>Usability</a:t>
+            </a:r>
+            <a:r>
+              <a:rPr lang="de-DE" dirty="0" smtClean="0"/>
+              <a:t>, durch das Einblenden von Statusmeldungen in der Titelleiste</a:t>
+            </a:r>
+          </a:p>
+          <a:p>
+            <a:r>
+              <a:rPr lang="de-DE" dirty="0" smtClean="0"/>
+              <a:t>Informations-Panel für Fehlernachrichten und etwaige Programminformationen</a:t>
+            </a:r>
+          </a:p>
+        </p:txBody>
+      </p:sp>
+      <p:sp>
+        <p:nvSpPr>
+          <p:cNvPr id="3" name="Datumsplatzhalter 2"/>
+          <p:cNvSpPr>
+            <a:spLocks noGrp="1"/>
+          </p:cNvSpPr>
+          <p:nvPr>
+            <p:ph type="dt" sz="half" idx="10"/>
+          </p:nvPr>
+        </p:nvSpPr>
+        <p:spPr/>
+        <p:txBody>
+          <a:bodyPr/>
+          <a:lstStyle/>
+          <a:p>
+            <a:r>
+              <a:rPr lang="de-DE" smtClean="0"/>
+              <a:t>23.06.2014</a:t>
+            </a:r>
+            <a:endParaRPr lang="de-DE"/>
+          </a:p>
+        </p:txBody>
+      </p:sp>
+      <p:sp>
+        <p:nvSpPr>
+          <p:cNvPr id="4" name="Foliennummernplatzhalter 3"/>
+          <p:cNvSpPr>
+            <a:spLocks noGrp="1"/>
+          </p:cNvSpPr>
+          <p:nvPr>
+            <p:ph type="sldNum" sz="quarter" idx="12"/>
+          </p:nvPr>
+        </p:nvSpPr>
+        <p:spPr/>
+        <p:txBody>
+          <a:bodyPr/>
+          <a:lstStyle/>
+          <a:p>
+            <a:fld id="{02075A8B-51D4-4999-A4F2-B3FAC6295E4D}" type="slidenum">
+              <a:rPr lang="de-DE" smtClean="0"/>
+              <a:pPr/>
+              <a:t>65</a:t>
+            </a:fld>
+            <a:endParaRPr lang="de-DE"/>
+          </a:p>
+        </p:txBody>
+      </p:sp>
+      <p:sp>
+        <p:nvSpPr>
+          <p:cNvPr id="5" name="Titel 4"/>
+          <p:cNvSpPr>
+            <a:spLocks noGrp="1"/>
+          </p:cNvSpPr>
+          <p:nvPr>
+            <p:ph type="title"/>
+          </p:nvPr>
+        </p:nvSpPr>
+        <p:spPr/>
+        <p:txBody>
+          <a:bodyPr/>
+          <a:lstStyle/>
+          <a:p>
+            <a:r>
+              <a:rPr lang="de-DE" dirty="0" smtClean="0"/>
+              <a:t>Funktionen der GUI</a:t>
+            </a:r>
+            <a:endParaRPr lang="de-DE" dirty="0"/>
+          </a:p>
+        </p:txBody>
+      </p:sp>
+    </p:spTree>
+  </p:cSld>
+  <p:clrMapOvr>
+    <a:masterClrMapping/>
+  </p:clrMapOvr>
+</p:sld>
+</file>
+
+<file path=ppt/slides/slide66.xml><?xml version="1.0" encoding="utf-8"?>
+<p:sld xmlns:a="http://schemas.openxmlformats.org/drawingml/2006/main" xmlns:r="http://schemas.openxmlformats.org/officeDocument/2006/relationships" xmlns:p="http://schemas.openxmlformats.org/presentationml/2006/main">
+  <p:cSld>
+    <p:spTree>
+      <p:nvGrpSpPr>
+        <p:cNvPr id="1" name=""/>
+        <p:cNvGrpSpPr/>
+        <p:nvPr/>
+      </p:nvGrpSpPr>
+      <p:grpSpPr>
+        <a:xfrm>
+          <a:off x="0" y="0"/>
+          <a:ext cx="0" cy="0"/>
+          <a:chOff x="0" y="0"/>
+          <a:chExt cx="0" cy="0"/>
+        </a:xfrm>
+      </p:grpSpPr>
+      <p:sp>
+        <p:nvSpPr>
+          <p:cNvPr id="2" name="Inhaltsplatzhalter 1"/>
+          <p:cNvSpPr>
+            <a:spLocks noGrp="1"/>
+          </p:cNvSpPr>
+          <p:nvPr>
+            <p:ph idx="1"/>
+          </p:nvPr>
+        </p:nvSpPr>
+        <p:spPr/>
+        <p:txBody>
+          <a:bodyPr/>
+          <a:lstStyle/>
+          <a:p>
+            <a:r>
+              <a:rPr lang="de-DE" dirty="0" smtClean="0"/>
+              <a:t>Ein Frame für die Optionen</a:t>
+            </a:r>
+          </a:p>
+          <a:p>
+            <a:pPr>
+              <a:buNone/>
+            </a:pPr>
+            <a:r>
+              <a:rPr lang="de-DE" dirty="0" smtClean="0"/>
+              <a:t>	(Komponenten in Swing)</a:t>
+            </a:r>
+          </a:p>
+          <a:p>
+            <a:pPr>
+              <a:buNone/>
+            </a:pPr>
+            <a:endParaRPr lang="de-DE" dirty="0" smtClean="0"/>
+          </a:p>
+          <a:p>
+            <a:r>
+              <a:rPr lang="de-DE" dirty="0" smtClean="0"/>
+              <a:t>Ein Frame für den Gebäude-Viewer, mit den Container </a:t>
+            </a:r>
+            <a:r>
+              <a:rPr lang="de-DE" dirty="0" err="1" smtClean="0"/>
+              <a:t>GLCanvas</a:t>
+            </a:r>
+            <a:endParaRPr lang="de-DE" dirty="0" smtClean="0"/>
+          </a:p>
+          <a:p>
+            <a:endParaRPr lang="de-DE" dirty="0" smtClean="0"/>
+          </a:p>
+          <a:p>
+            <a:r>
+              <a:rPr lang="de-DE" dirty="0" smtClean="0"/>
+              <a:t>Trennung erfolgte wegen Unterstützung von mehreren Bildschirmen</a:t>
+            </a:r>
+          </a:p>
+        </p:txBody>
+      </p:sp>
+      <p:sp>
+        <p:nvSpPr>
+          <p:cNvPr id="3" name="Datumsplatzhalter 2"/>
+          <p:cNvSpPr>
+            <a:spLocks noGrp="1"/>
+          </p:cNvSpPr>
+          <p:nvPr>
+            <p:ph type="dt" sz="half" idx="10"/>
+          </p:nvPr>
+        </p:nvSpPr>
+        <p:spPr/>
+        <p:txBody>
+          <a:bodyPr/>
+          <a:lstStyle/>
+          <a:p>
+            <a:r>
+              <a:rPr lang="de-DE" smtClean="0"/>
+              <a:t>23.06.2014</a:t>
+            </a:r>
+            <a:endParaRPr lang="de-DE"/>
+          </a:p>
+        </p:txBody>
+      </p:sp>
+      <p:sp>
+        <p:nvSpPr>
+          <p:cNvPr id="4" name="Foliennummernplatzhalter 3"/>
+          <p:cNvSpPr>
+            <a:spLocks noGrp="1"/>
+          </p:cNvSpPr>
+          <p:nvPr>
+            <p:ph type="sldNum" sz="quarter" idx="12"/>
+          </p:nvPr>
+        </p:nvSpPr>
+        <p:spPr/>
+        <p:txBody>
+          <a:bodyPr/>
+          <a:lstStyle/>
+          <a:p>
+            <a:fld id="{02075A8B-51D4-4999-A4F2-B3FAC6295E4D}" type="slidenum">
+              <a:rPr lang="de-DE" smtClean="0"/>
+              <a:pPr/>
+              <a:t>66</a:t>
+            </a:fld>
+            <a:endParaRPr lang="de-DE"/>
+          </a:p>
+        </p:txBody>
+      </p:sp>
+      <p:sp>
+        <p:nvSpPr>
+          <p:cNvPr id="5" name="Titel 4"/>
+          <p:cNvSpPr>
+            <a:spLocks noGrp="1"/>
+          </p:cNvSpPr>
+          <p:nvPr>
+            <p:ph type="title"/>
+          </p:nvPr>
+        </p:nvSpPr>
+        <p:spPr/>
+        <p:txBody>
+          <a:bodyPr/>
+          <a:lstStyle/>
+          <a:p>
+            <a:r>
+              <a:rPr lang="de-DE" dirty="0" smtClean="0"/>
+              <a:t>Aufbau der GUI</a:t>
+            </a:r>
+            <a:endParaRPr lang="de-DE" dirty="0"/>
+          </a:p>
+        </p:txBody>
+      </p:sp>
+    </p:spTree>
+  </p:cSld>
+  <p:clrMapOvr>
+    <a:masterClrMapping/>
+  </p:clrMapOvr>
+</p:sld>
+</file>
+
+<file path=ppt/slides/slide67.xml><?xml version="1.0" encoding="utf-8"?>
+<p:sld xmlns:a="http://schemas.openxmlformats.org/drawingml/2006/main" xmlns:r="http://schemas.openxmlformats.org/officeDocument/2006/relationships" xmlns:p="http://schemas.openxmlformats.org/presentationml/2006/main">
+  <p:cSld>
+    <p:spTree>
+      <p:nvGrpSpPr>
+        <p:cNvPr id="1" name=""/>
+        <p:cNvGrpSpPr/>
+        <p:nvPr/>
+      </p:nvGrpSpPr>
+      <p:grpSpPr>
+        <a:xfrm>
+          <a:off x="0" y="0"/>
+          <a:ext cx="0" cy="0"/>
+          <a:chOff x="0" y="0"/>
+          <a:chExt cx="0" cy="0"/>
+        </a:xfrm>
+      </p:grpSpPr>
+      <p:sp>
+        <p:nvSpPr>
+          <p:cNvPr id="2" name="Inhaltsplatzhalter 1"/>
+          <p:cNvSpPr>
+            <a:spLocks noGrp="1"/>
+          </p:cNvSpPr>
+          <p:nvPr>
+            <p:ph idx="1"/>
+          </p:nvPr>
+        </p:nvSpPr>
         <p:spPr>
           <a:xfrm>
             <a:off x="5353744" y="1481328"/>
@@ -17326,7 +18283,7 @@
             <a:fld id="{02075A8B-51D4-4999-A4F2-B3FAC6295E4D}" type="slidenum">
               <a:rPr lang="de-DE" smtClean="0"/>
               <a:pPr/>
-              <a:t>62</a:t>
+              <a:t>67</a:t>
             </a:fld>
             <a:endParaRPr lang="de-DE"/>
           </a:p>
@@ -17779,7 +18736,7 @@
 </p:sld>
 </file>
 
-<file path=ppt/slides/slide63.xml><?xml version="1.0" encoding="utf-8"?>
+<file path=ppt/slides/slide68.xml><?xml version="1.0" encoding="utf-8"?>
 <p:sld xmlns:a="http://schemas.openxmlformats.org/drawingml/2006/main" xmlns:r="http://schemas.openxmlformats.org/officeDocument/2006/relationships" xmlns:p="http://schemas.openxmlformats.org/presentationml/2006/main">
   <p:cSld>
     <p:spTree>
@@ -17873,7 +18830,7 @@
             <a:fld id="{02075A8B-51D4-4999-A4F2-B3FAC6295E4D}" type="slidenum">
               <a:rPr lang="de-DE" smtClean="0"/>
               <a:pPr/>
-              <a:t>63</a:t>
+              <a:t>68</a:t>
             </a:fld>
             <a:endParaRPr lang="de-DE"/>
           </a:p>
@@ -17936,7 +18893,7 @@
 </p:sld>
 </file>
 
-<file path=ppt/slides/slide64.xml><?xml version="1.0" encoding="utf-8"?>
+<file path=ppt/slides/slide69.xml><?xml version="1.0" encoding="utf-8"?>
 <p:sld xmlns:a="http://schemas.openxmlformats.org/drawingml/2006/main" xmlns:r="http://schemas.openxmlformats.org/officeDocument/2006/relationships" xmlns:p="http://schemas.openxmlformats.org/presentationml/2006/main">
   <p:cSld>
     <p:spTree>
@@ -18063,7 +19020,7 @@
             <a:fld id="{02075A8B-51D4-4999-A4F2-B3FAC6295E4D}" type="slidenum">
               <a:rPr lang="de-DE" smtClean="0"/>
               <a:pPr/>
-              <a:t>64</a:t>
+              <a:t>69</a:t>
             </a:fld>
             <a:endParaRPr lang="de-DE"/>
           </a:p>
@@ -18100,7 +19057,7 @@
 </p:sld>
 </file>
 
-<file path=ppt/slides/slide65.xml><?xml version="1.0" encoding="utf-8"?>
+<file path=ppt/slides/slide7.xml><?xml version="1.0" encoding="utf-8"?>
 <p:sld xmlns:a="http://schemas.openxmlformats.org/drawingml/2006/main" xmlns:r="http://schemas.openxmlformats.org/officeDocument/2006/relationships" xmlns:p="http://schemas.openxmlformats.org/presentationml/2006/main">
   <p:cSld>
     <p:spTree>
@@ -18119,6 +19076,126 @@
       </p:grpSpPr>
       <p:sp>
         <p:nvSpPr>
+          <p:cNvPr id="2" name="Inhaltsplatzhalter 1"/>
+          <p:cNvSpPr>
+            <a:spLocks noGrp="1"/>
+          </p:cNvSpPr>
+          <p:nvPr>
+            <p:ph idx="1"/>
+          </p:nvPr>
+        </p:nvSpPr>
+        <p:spPr/>
+        <p:txBody>
+          <a:bodyPr>
+            <a:normAutofit/>
+          </a:bodyPr>
+          <a:lstStyle/>
+          <a:p>
+            <a:r>
+              <a:rPr lang="de-DE" dirty="0"/>
+              <a:t>Änderungen</a:t>
+            </a:r>
+          </a:p>
+          <a:p>
+            <a:pPr lvl="1"/>
+            <a:r>
+              <a:rPr lang="de-DE" dirty="0" smtClean="0"/>
+              <a:t>Flexible </a:t>
+            </a:r>
+            <a:r>
+              <a:rPr lang="de-DE" dirty="0"/>
+              <a:t>Reaktion</a:t>
+            </a:r>
+          </a:p>
+          <a:p>
+            <a:pPr lvl="1"/>
+            <a:r>
+              <a:rPr lang="de-DE" dirty="0" smtClean="0"/>
+              <a:t>Implementation </a:t>
+            </a:r>
+            <a:r>
+              <a:rPr lang="de-DE" dirty="0"/>
+              <a:t>ohne Rückfragen</a:t>
+            </a:r>
+          </a:p>
+          <a:p>
+            <a:pPr lvl="1"/>
+            <a:r>
+              <a:rPr lang="de-DE" dirty="0" smtClean="0"/>
+              <a:t>Fehlender Projektleiter</a:t>
+            </a:r>
+          </a:p>
+          <a:p>
+            <a:r>
+              <a:rPr lang="de-DE" dirty="0" smtClean="0"/>
+              <a:t>Werkzeuge</a:t>
+            </a:r>
+          </a:p>
+          <a:p>
+            <a:pPr lvl="1"/>
+            <a:r>
+              <a:rPr lang="de-DE" dirty="0" err="1" smtClean="0"/>
+              <a:t>Git</a:t>
+            </a:r>
+            <a:endParaRPr lang="de-DE" dirty="0"/>
+          </a:p>
+          <a:p>
+            <a:pPr lvl="1"/>
+            <a:r>
+              <a:rPr lang="de-DE" dirty="0" err="1" smtClean="0"/>
+              <a:t>Eclipse</a:t>
+            </a:r>
+            <a:endParaRPr lang="de-DE" dirty="0" smtClean="0"/>
+          </a:p>
+          <a:p>
+            <a:pPr lvl="1"/>
+            <a:r>
+              <a:rPr lang="de-DE" dirty="0" err="1" smtClean="0"/>
+              <a:t>CityDoctor</a:t>
+            </a:r>
+            <a:endParaRPr lang="de-DE" dirty="0" smtClean="0"/>
+          </a:p>
+          <a:p>
+            <a:pPr lvl="1"/>
+            <a:r>
+              <a:rPr lang="de-DE" dirty="0"/>
+              <a:t>Notepad</a:t>
+            </a:r>
+            <a:r>
+              <a:rPr lang="de-DE" dirty="0" smtClean="0"/>
+              <a:t>++</a:t>
+            </a:r>
+          </a:p>
+          <a:p>
+            <a:pPr lvl="1"/>
+            <a:r>
+              <a:rPr lang="de-DE" dirty="0" smtClean="0"/>
+              <a:t>Diverse IRC-Clients</a:t>
+            </a:r>
+          </a:p>
+          <a:p>
+            <a:pPr lvl="1"/>
+            <a:r>
+              <a:rPr lang="de-DE" dirty="0" err="1" smtClean="0"/>
+              <a:t>UMLet</a:t>
+            </a:r>
+            <a:r>
+              <a:rPr lang="de-DE" dirty="0" smtClean="0"/>
+              <a:t> / Enterprise </a:t>
+            </a:r>
+            <a:r>
+              <a:rPr lang="de-DE" dirty="0" err="1" smtClean="0"/>
+              <a:t>Architect</a:t>
+            </a:r>
+            <a:endParaRPr lang="de-DE" dirty="0"/>
+          </a:p>
+          <a:p>
+            <a:endParaRPr lang="de-DE" dirty="0"/>
+          </a:p>
+        </p:txBody>
+      </p:sp>
+      <p:sp>
+        <p:nvSpPr>
           <p:cNvPr id="3" name="Datumsplatzhalter 2"/>
           <p:cNvSpPr>
             <a:spLocks noGrp="1"/>
@@ -18158,7 +19235,117 @@
             <a:fld id="{02075A8B-51D4-4999-A4F2-B3FAC6295E4D}" type="slidenum">
               <a:rPr lang="de-DE" smtClean="0"/>
               <a:pPr/>
-              <a:t>65</a:t>
+              <a:t>7</a:t>
+            </a:fld>
+            <a:endParaRPr lang="de-DE"/>
+          </a:p>
+        </p:txBody>
+      </p:sp>
+      <p:sp>
+        <p:nvSpPr>
+          <p:cNvPr id="5" name="Titel 4"/>
+          <p:cNvSpPr>
+            <a:spLocks noGrp="1"/>
+          </p:cNvSpPr>
+          <p:nvPr>
+            <p:ph type="title"/>
+          </p:nvPr>
+        </p:nvSpPr>
+        <p:spPr/>
+        <p:txBody>
+          <a:bodyPr/>
+          <a:lstStyle/>
+          <a:p>
+            <a:r>
+              <a:rPr lang="de-DE" dirty="0" err="1"/>
+              <a:t>vCity</a:t>
+            </a:r>
+            <a:r>
+              <a:rPr lang="de-DE" dirty="0"/>
+              <a:t> (4/4)</a:t>
+            </a:r>
+          </a:p>
+        </p:txBody>
+      </p:sp>
+    </p:spTree>
+    <p:extLst>
+      <p:ext uri="{BB962C8B-B14F-4D97-AF65-F5344CB8AC3E}">
+        <p14:creationId xmlns:p14="http://schemas.microsoft.com/office/powerpoint/2010/main" val="3361393428"/>
+      </p:ext>
+    </p:extLst>
+  </p:cSld>
+  <p:clrMapOvr>
+    <a:masterClrMapping/>
+  </p:clrMapOvr>
+  <p:timing>
+    <p:tnLst>
+      <p:par>
+        <p:cTn id="1" dur="indefinite" restart="never" nodeType="tmRoot"/>
+      </p:par>
+    </p:tnLst>
+  </p:timing>
+</p:sld>
+</file>
+
+<file path=ppt/slides/slide70.xml><?xml version="1.0" encoding="utf-8"?>
+<p:sld xmlns:a="http://schemas.openxmlformats.org/drawingml/2006/main" xmlns:r="http://schemas.openxmlformats.org/officeDocument/2006/relationships" xmlns:p="http://schemas.openxmlformats.org/presentationml/2006/main">
+  <p:cSld>
+    <p:spTree>
+      <p:nvGrpSpPr>
+        <p:cNvPr id="1" name=""/>
+        <p:cNvGrpSpPr/>
+        <p:nvPr/>
+      </p:nvGrpSpPr>
+      <p:grpSpPr>
+        <a:xfrm>
+          <a:off x="0" y="0"/>
+          <a:ext cx="0" cy="0"/>
+          <a:chOff x="0" y="0"/>
+          <a:chExt cx="0" cy="0"/>
+        </a:xfrm>
+      </p:grpSpPr>
+      <p:sp>
+        <p:nvSpPr>
+          <p:cNvPr id="3" name="Datumsplatzhalter 2"/>
+          <p:cNvSpPr>
+            <a:spLocks noGrp="1"/>
+          </p:cNvSpPr>
+          <p:nvPr>
+            <p:ph type="dt" sz="half" idx="10"/>
+          </p:nvPr>
+        </p:nvSpPr>
+        <p:spPr/>
+        <p:txBody>
+          <a:bodyPr/>
+          <a:lstStyle/>
+          <a:p>
+            <a:r>
+              <a:rPr lang="de-DE" smtClean="0"/>
+              <a:t>23.06.2014</a:t>
+            </a:r>
+            <a:endParaRPr lang="de-DE"/>
+          </a:p>
+        </p:txBody>
+      </p:sp>
+      <p:sp>
+        <p:nvSpPr>
+          <p:cNvPr id="4" name="Foliennummernplatzhalter 3"/>
+          <p:cNvSpPr>
+            <a:spLocks noGrp="1"/>
+          </p:cNvSpPr>
+          <p:nvPr>
+            <p:ph type="sldNum" sz="quarter" idx="12"/>
+          </p:nvPr>
+        </p:nvSpPr>
+        <p:spPr/>
+        <p:txBody>
+          <a:bodyPr/>
+          <a:lstStyle/>
+          <a:p>
+            <a:fld id="{02075A8B-51D4-4999-A4F2-B3FAC6295E4D}" type="slidenum">
+              <a:rPr lang="de-DE" smtClean="0"/>
+              <a:pPr/>
+              <a:t>70</a:t>
             </a:fld>
             <a:endParaRPr lang="de-DE"/>
           </a:p>
@@ -18312,7 +19499,7 @@
 </p:sld>
 </file>
 
-<file path=ppt/slides/slide66.xml><?xml version="1.0" encoding="utf-8"?>
+<file path=ppt/slides/slide71.xml><?xml version="1.0" encoding="utf-8"?>
 <p:sld xmlns:a="http://schemas.openxmlformats.org/drawingml/2006/main" xmlns:r="http://schemas.openxmlformats.org/officeDocument/2006/relationships" xmlns:p="http://schemas.openxmlformats.org/presentationml/2006/main">
   <p:cSld>
     <p:spTree>
@@ -18452,7 +19639,7 @@
             <a:fld id="{02075A8B-51D4-4999-A4F2-B3FAC6295E4D}" type="slidenum">
               <a:rPr lang="de-DE" smtClean="0"/>
               <a:pPr/>
-              <a:t>66</a:t>
+              <a:t>71</a:t>
             </a:fld>
             <a:endParaRPr lang="de-DE"/>
           </a:p>
@@ -18495,7 +19682,7 @@
 </p:sld>
 </file>
 
-<file path=ppt/slides/slide67.xml><?xml version="1.0" encoding="utf-8"?>
+<file path=ppt/slides/slide72.xml><?xml version="1.0" encoding="utf-8"?>
 <p:sld xmlns:a="http://schemas.openxmlformats.org/drawingml/2006/main" xmlns:r="http://schemas.openxmlformats.org/officeDocument/2006/relationships" xmlns:p="http://schemas.openxmlformats.org/presentationml/2006/main">
   <p:cSld>
     <p:spTree>
@@ -18553,7 +19740,7 @@
             <a:fld id="{02075A8B-51D4-4999-A4F2-B3FAC6295E4D}" type="slidenum">
               <a:rPr lang="de-DE" smtClean="0"/>
               <a:pPr/>
-              <a:t>67</a:t>
+              <a:t>72</a:t>
             </a:fld>
             <a:endParaRPr lang="de-DE"/>
           </a:p>
@@ -18610,7 +19797,7 @@
 </p:sld>
 </file>
 
-<file path=ppt/slides/slide68.xml><?xml version="1.0" encoding="utf-8"?>
+<file path=ppt/slides/slide73.xml><?xml version="1.0" encoding="utf-8"?>
 <p:sld xmlns:a="http://schemas.openxmlformats.org/drawingml/2006/main" xmlns:r="http://schemas.openxmlformats.org/officeDocument/2006/relationships" xmlns:p="http://schemas.openxmlformats.org/presentationml/2006/main">
   <p:cSld>
     <p:spTree>
@@ -18800,7 +19987,7 @@
             <a:fld id="{02075A8B-51D4-4999-A4F2-B3FAC6295E4D}" type="slidenum">
               <a:rPr lang="de-DE" smtClean="0"/>
               <a:pPr/>
-              <a:t>68</a:t>
+              <a:t>73</a:t>
             </a:fld>
             <a:endParaRPr lang="de-DE"/>
           </a:p>
@@ -18826,7 +20013,7 @@
 </p:sld>
 </file>
 
-<file path=ppt/slides/slide69.xml><?xml version="1.0" encoding="utf-8"?>
+<file path=ppt/slides/slide74.xml><?xml version="1.0" encoding="utf-8"?>
 <p:sld xmlns:a="http://schemas.openxmlformats.org/drawingml/2006/main" xmlns:r="http://schemas.openxmlformats.org/officeDocument/2006/relationships" xmlns:p="http://schemas.openxmlformats.org/presentationml/2006/main">
   <p:cSld>
     <p:spTree>
@@ -18978,7 +20165,7 @@
             <a:fld id="{02075A8B-51D4-4999-A4F2-B3FAC6295E4D}" type="slidenum">
               <a:rPr lang="de-DE" smtClean="0"/>
               <a:pPr/>
-              <a:t>69</a:t>
+              <a:t>74</a:t>
             </a:fld>
             <a:endParaRPr lang="de-DE"/>
           </a:p>
@@ -19020,7 +20207,7 @@
 </p:sld>
 </file>
 
-<file path=ppt/slides/slide7.xml><?xml version="1.0" encoding="utf-8"?>
+<file path=ppt/slides/slide75.xml><?xml version="1.0" encoding="utf-8"?>
 <p:sld xmlns:a="http://schemas.openxmlformats.org/drawingml/2006/main" xmlns:r="http://schemas.openxmlformats.org/officeDocument/2006/relationships" xmlns:p="http://schemas.openxmlformats.org/presentationml/2006/main">
   <p:cSld>
     <p:spTree>
@@ -19049,236 +20236,6 @@
         </p:nvSpPr>
         <p:spPr/>
         <p:txBody>
-          <a:bodyPr>
-            <a:normAutofit/>
-          </a:bodyPr>
-          <a:lstStyle/>
-          <a:p>
-            <a:r>
-              <a:rPr lang="de-DE" dirty="0"/>
-              <a:t>Änderungen</a:t>
-            </a:r>
-          </a:p>
-          <a:p>
-            <a:pPr lvl="1"/>
-            <a:r>
-              <a:rPr lang="de-DE" dirty="0" smtClean="0"/>
-              <a:t>Flexible </a:t>
-            </a:r>
-            <a:r>
-              <a:rPr lang="de-DE" dirty="0"/>
-              <a:t>Reaktion</a:t>
-            </a:r>
-          </a:p>
-          <a:p>
-            <a:pPr lvl="1"/>
-            <a:r>
-              <a:rPr lang="de-DE" dirty="0" smtClean="0"/>
-              <a:t>Implementation </a:t>
-            </a:r>
-            <a:r>
-              <a:rPr lang="de-DE" dirty="0"/>
-              <a:t>ohne Rückfragen</a:t>
-            </a:r>
-          </a:p>
-          <a:p>
-            <a:pPr lvl="1"/>
-            <a:r>
-              <a:rPr lang="de-DE" dirty="0" smtClean="0"/>
-              <a:t>Fehlender Projektleiter</a:t>
-            </a:r>
-          </a:p>
-          <a:p>
-            <a:r>
-              <a:rPr lang="de-DE" dirty="0" smtClean="0"/>
-              <a:t>Werkzeuge</a:t>
-            </a:r>
-          </a:p>
-          <a:p>
-            <a:pPr lvl="1"/>
-            <a:r>
-              <a:rPr lang="de-DE" dirty="0" err="1" smtClean="0"/>
-              <a:t>Git</a:t>
-            </a:r>
-            <a:endParaRPr lang="de-DE" dirty="0"/>
-          </a:p>
-          <a:p>
-            <a:pPr lvl="1"/>
-            <a:r>
-              <a:rPr lang="de-DE" dirty="0" err="1" smtClean="0"/>
-              <a:t>Eclipse</a:t>
-            </a:r>
-            <a:endParaRPr lang="de-DE" dirty="0" smtClean="0"/>
-          </a:p>
-          <a:p>
-            <a:pPr lvl="1"/>
-            <a:r>
-              <a:rPr lang="de-DE" dirty="0" err="1" smtClean="0"/>
-              <a:t>CityDoctor</a:t>
-            </a:r>
-            <a:endParaRPr lang="de-DE" dirty="0" smtClean="0"/>
-          </a:p>
-          <a:p>
-            <a:pPr lvl="1"/>
-            <a:r>
-              <a:rPr lang="de-DE" dirty="0"/>
-              <a:t>Notepad</a:t>
-            </a:r>
-            <a:r>
-              <a:rPr lang="de-DE" dirty="0" smtClean="0"/>
-              <a:t>++</a:t>
-            </a:r>
-          </a:p>
-          <a:p>
-            <a:pPr lvl="1"/>
-            <a:r>
-              <a:rPr lang="de-DE" dirty="0" smtClean="0"/>
-              <a:t>Diverse IRC-Clients</a:t>
-            </a:r>
-          </a:p>
-          <a:p>
-            <a:pPr lvl="1"/>
-            <a:r>
-              <a:rPr lang="de-DE" dirty="0" err="1" smtClean="0"/>
-              <a:t>UMLet</a:t>
-            </a:r>
-            <a:r>
-              <a:rPr lang="de-DE" dirty="0" smtClean="0"/>
-              <a:t> / Enterprise </a:t>
-            </a:r>
-            <a:r>
-              <a:rPr lang="de-DE" dirty="0" err="1" smtClean="0"/>
-              <a:t>Architect</a:t>
-            </a:r>
-            <a:endParaRPr lang="de-DE" dirty="0"/>
-          </a:p>
-          <a:p>
-            <a:endParaRPr lang="de-DE" dirty="0"/>
-          </a:p>
-        </p:txBody>
-      </p:sp>
-      <p:sp>
-        <p:nvSpPr>
-          <p:cNvPr id="3" name="Datumsplatzhalter 2"/>
-          <p:cNvSpPr>
-            <a:spLocks noGrp="1"/>
-          </p:cNvSpPr>
-          <p:nvPr>
-            <p:ph type="dt" sz="half" idx="10"/>
-          </p:nvPr>
-        </p:nvSpPr>
-        <p:spPr/>
-        <p:txBody>
-          <a:bodyPr/>
-          <a:lstStyle/>
-          <a:p>
-            <a:r>
-              <a:rPr lang="de-DE" smtClean="0"/>
-              <a:t>23.06.2014</a:t>
-            </a:r>
-            <a:endParaRPr lang="de-DE"/>
-          </a:p>
-        </p:txBody>
-      </p:sp>
-      <p:sp>
-        <p:nvSpPr>
-          <p:cNvPr id="4" name="Foliennummernplatzhalter 3"/>
-          <p:cNvSpPr>
-            <a:spLocks noGrp="1"/>
-          </p:cNvSpPr>
-          <p:nvPr>
-            <p:ph type="sldNum" sz="quarter" idx="12"/>
-          </p:nvPr>
-        </p:nvSpPr>
-        <p:spPr/>
-        <p:txBody>
-          <a:bodyPr/>
-          <a:lstStyle/>
-          <a:p>
-            <a:fld id="{02075A8B-51D4-4999-A4F2-B3FAC6295E4D}" type="slidenum">
-              <a:rPr lang="de-DE" smtClean="0"/>
-              <a:pPr/>
-              <a:t>7</a:t>
-            </a:fld>
-            <a:endParaRPr lang="de-DE"/>
-          </a:p>
-        </p:txBody>
-      </p:sp>
-      <p:sp>
-        <p:nvSpPr>
-          <p:cNvPr id="5" name="Titel 4"/>
-          <p:cNvSpPr>
-            <a:spLocks noGrp="1"/>
-          </p:cNvSpPr>
-          <p:nvPr>
-            <p:ph type="title"/>
-          </p:nvPr>
-        </p:nvSpPr>
-        <p:spPr/>
-        <p:txBody>
-          <a:bodyPr/>
-          <a:lstStyle/>
-          <a:p>
-            <a:r>
-              <a:rPr lang="de-DE" dirty="0" err="1"/>
-              <a:t>vCity</a:t>
-            </a:r>
-            <a:r>
-              <a:rPr lang="de-DE" dirty="0"/>
-              <a:t> (4/4)</a:t>
-            </a:r>
-          </a:p>
-        </p:txBody>
-      </p:sp>
-    </p:spTree>
-    <p:extLst>
-      <p:ext uri="{BB962C8B-B14F-4D97-AF65-F5344CB8AC3E}">
-        <p14:creationId xmlns:p14="http://schemas.microsoft.com/office/powerpoint/2010/main" val="3361393428"/>
-      </p:ext>
-    </p:extLst>
-  </p:cSld>
-  <p:clrMapOvr>
-    <a:masterClrMapping/>
-  </p:clrMapOvr>
-  <p:timing>
-    <p:tnLst>
-      <p:par>
-        <p:cTn id="1" dur="indefinite" restart="never" nodeType="tmRoot"/>
-      </p:par>
-    </p:tnLst>
-  </p:timing>
-</p:sld>
-</file>
-
-<file path=ppt/slides/slide70.xml><?xml version="1.0" encoding="utf-8"?>
-<p:sld xmlns:a="http://schemas.openxmlformats.org/drawingml/2006/main" xmlns:r="http://schemas.openxmlformats.org/officeDocument/2006/relationships" xmlns:p="http://schemas.openxmlformats.org/presentationml/2006/main">
-  <p:cSld>
-    <p:spTree>
-      <p:nvGrpSpPr>
-        <p:cNvPr id="1" name=""/>
-        <p:cNvGrpSpPr/>
-        <p:nvPr/>
-      </p:nvGrpSpPr>
-      <p:grpSpPr>
-        <a:xfrm>
-          <a:off x="0" y="0"/>
-          <a:ext cx="0" cy="0"/>
-          <a:chOff x="0" y="0"/>
-          <a:chExt cx="0" cy="0"/>
-        </a:xfrm>
-      </p:grpSpPr>
-      <p:sp>
-        <p:nvSpPr>
-          <p:cNvPr id="2" name="Inhaltsplatzhalter 1"/>
-          <p:cNvSpPr>
-            <a:spLocks noGrp="1"/>
-          </p:cNvSpPr>
-          <p:nvPr>
-            <p:ph idx="1"/>
-          </p:nvPr>
-        </p:nvSpPr>
-        <p:spPr/>
-        <p:txBody>
           <a:bodyPr/>
           <a:lstStyle/>
           <a:p>
@@ -19365,7 +20322,7 @@
             <a:fld id="{02075A8B-51D4-4999-A4F2-B3FAC6295E4D}" type="slidenum">
               <a:rPr lang="de-DE" smtClean="0"/>
               <a:pPr/>
-              <a:t>70</a:t>
+              <a:t>75</a:t>
             </a:fld>
             <a:endParaRPr lang="de-DE"/>
           </a:p>

--- a/doku/präsentation nicht komplett/vCity-Präsentation.pptx
+++ b/doku/präsentation nicht komplett/vCity-Präsentation.pptx
@@ -5,7 +5,7 @@
     <p:sldMasterId id="2147483708" r:id="rId1"/>
   </p:sldMasterIdLst>
   <p:notesMasterIdLst>
-    <p:notesMasterId r:id="rId79"/>
+    <p:notesMasterId r:id="rId80"/>
   </p:notesMasterIdLst>
   <p:sldIdLst>
     <p:sldId id="256" r:id="rId2"/>
@@ -48,43 +48,44 @@
     <p:sldId id="298" r:id="rId39"/>
     <p:sldId id="304" r:id="rId40"/>
     <p:sldId id="302" r:id="rId41"/>
-    <p:sldId id="305" r:id="rId42"/>
-    <p:sldId id="291" r:id="rId43"/>
-    <p:sldId id="272" r:id="rId44"/>
-    <p:sldId id="278" r:id="rId45"/>
-    <p:sldId id="273" r:id="rId46"/>
-    <p:sldId id="274" r:id="rId47"/>
-    <p:sldId id="275" r:id="rId48"/>
-    <p:sldId id="276" r:id="rId49"/>
-    <p:sldId id="277" r:id="rId50"/>
-    <p:sldId id="279" r:id="rId51"/>
-    <p:sldId id="269" r:id="rId52"/>
-    <p:sldId id="271" r:id="rId53"/>
-    <p:sldId id="257" r:id="rId54"/>
-    <p:sldId id="258" r:id="rId55"/>
-    <p:sldId id="259" r:id="rId56"/>
-    <p:sldId id="260" r:id="rId57"/>
-    <p:sldId id="261" r:id="rId58"/>
-    <p:sldId id="262" r:id="rId59"/>
-    <p:sldId id="263" r:id="rId60"/>
-    <p:sldId id="264" r:id="rId61"/>
-    <p:sldId id="265" r:id="rId62"/>
-    <p:sldId id="266" r:id="rId63"/>
-    <p:sldId id="267" r:id="rId64"/>
-    <p:sldId id="332" r:id="rId65"/>
-    <p:sldId id="306" r:id="rId66"/>
-    <p:sldId id="314" r:id="rId67"/>
-    <p:sldId id="316" r:id="rId68"/>
-    <p:sldId id="313" r:id="rId69"/>
-    <p:sldId id="315" r:id="rId70"/>
-    <p:sldId id="310" r:id="rId71"/>
-    <p:sldId id="312" r:id="rId72"/>
-    <p:sldId id="311" r:id="rId73"/>
-    <p:sldId id="309" r:id="rId74"/>
-    <p:sldId id="293" r:id="rId75"/>
-    <p:sldId id="268" r:id="rId76"/>
-    <p:sldId id="330" r:id="rId77"/>
-    <p:sldId id="270" r:id="rId78"/>
+    <p:sldId id="340" r:id="rId42"/>
+    <p:sldId id="305" r:id="rId43"/>
+    <p:sldId id="291" r:id="rId44"/>
+    <p:sldId id="272" r:id="rId45"/>
+    <p:sldId id="278" r:id="rId46"/>
+    <p:sldId id="273" r:id="rId47"/>
+    <p:sldId id="274" r:id="rId48"/>
+    <p:sldId id="275" r:id="rId49"/>
+    <p:sldId id="276" r:id="rId50"/>
+    <p:sldId id="277" r:id="rId51"/>
+    <p:sldId id="279" r:id="rId52"/>
+    <p:sldId id="269" r:id="rId53"/>
+    <p:sldId id="271" r:id="rId54"/>
+    <p:sldId id="257" r:id="rId55"/>
+    <p:sldId id="258" r:id="rId56"/>
+    <p:sldId id="259" r:id="rId57"/>
+    <p:sldId id="260" r:id="rId58"/>
+    <p:sldId id="261" r:id="rId59"/>
+    <p:sldId id="262" r:id="rId60"/>
+    <p:sldId id="263" r:id="rId61"/>
+    <p:sldId id="264" r:id="rId62"/>
+    <p:sldId id="265" r:id="rId63"/>
+    <p:sldId id="266" r:id="rId64"/>
+    <p:sldId id="267" r:id="rId65"/>
+    <p:sldId id="332" r:id="rId66"/>
+    <p:sldId id="306" r:id="rId67"/>
+    <p:sldId id="314" r:id="rId68"/>
+    <p:sldId id="316" r:id="rId69"/>
+    <p:sldId id="313" r:id="rId70"/>
+    <p:sldId id="315" r:id="rId71"/>
+    <p:sldId id="310" r:id="rId72"/>
+    <p:sldId id="312" r:id="rId73"/>
+    <p:sldId id="311" r:id="rId74"/>
+    <p:sldId id="309" r:id="rId75"/>
+    <p:sldId id="293" r:id="rId76"/>
+    <p:sldId id="268" r:id="rId77"/>
+    <p:sldId id="330" r:id="rId78"/>
+    <p:sldId id="270" r:id="rId79"/>
   </p:sldIdLst>
   <p:sldSz cx="9144000" cy="6858000" type="screen4x3"/>
   <p:notesSz cx="6858000" cy="9144000"/>
@@ -185,7 +186,7 @@
   </p:defaultTextStyle>
   <p:extLst>
     <p:ext uri="{EFAFB233-063F-42B5-8137-9DF3F51BA10A}">
-      <p15:sldGuideLst xmlns:p15="http://schemas.microsoft.com/office/powerpoint/2012/main" xmlns="">
+      <p15:sldGuideLst xmlns="" xmlns:p15="http://schemas.microsoft.com/office/powerpoint/2012/main">
         <p15:guide id="1" orient="horz" pos="2160">
           <p15:clr>
             <a:srgbClr val="A4A3A4"/>
@@ -788,7 +789,7 @@
             <a:fld id="{B83A044C-E8EF-4CD0-9F6B-22623A7684E2}" type="slidenum">
               <a:rPr lang="de-DE" smtClean="0"/>
               <a:pPr/>
-              <a:t>53</a:t>
+              <a:t>54</a:t>
             </a:fld>
             <a:endParaRPr lang="de-DE"/>
           </a:p>
@@ -12126,8 +12127,15 @@
             </a:r>
             <a:r>
               <a:rPr lang="de-DE" dirty="0"/>
-              <a:t>- Doku</a:t>
-            </a:r>
+              <a:t>- </a:t>
+            </a:r>
+            <a:r>
+              <a:rPr lang="de-DE" dirty="0" smtClean="0"/>
+              <a:t>Doku</a:t>
+            </a:r>
+          </a:p>
+          <a:p>
+            <a:endParaRPr lang="de-DE" dirty="0"/>
           </a:p>
           <a:p>
             <a:pPr lvl="1"/>
@@ -12246,13 +12254,13 @@
           <p:nvPr>
             <p:extLst>
               <p:ext uri="{D42A27DB-BD31-4B8C-83A1-F6EECF244321}">
-                <p14:modId xmlns:p14="http://schemas.microsoft.com/office/powerpoint/2010/main" val="3635636256"/>
+                <p14:modId xmlns:p14="http://schemas.microsoft.com/office/powerpoint/2010/main" val="2567609841"/>
               </p:ext>
             </p:extLst>
           </p:nvPr>
         </p:nvGraphicFramePr>
         <p:xfrm>
-          <a:off x="827584" y="3501008"/>
+          <a:off x="827584" y="3933056"/>
           <a:ext cx="7847280" cy="1635120"/>
         </p:xfrm>
         <a:graphic>
@@ -12977,89 +12985,44 @@
           <a:lstStyle/>
           <a:p>
             <a:r>
-              <a:rPr lang="de-DE" dirty="0" err="1"/>
+              <a:rPr lang="de-DE" dirty="0" err="1" smtClean="0"/>
               <a:t>CityGML</a:t>
             </a:r>
             <a:r>
-              <a:rPr lang="de-DE" dirty="0"/>
-              <a:t>- Doku</a:t>
-            </a:r>
+              <a:rPr lang="de-DE" dirty="0" smtClean="0"/>
+              <a:t> – Dateiformat</a:t>
+            </a:r>
+          </a:p>
+          <a:p>
+            <a:endParaRPr lang="de-DE" dirty="0" smtClean="0"/>
           </a:p>
           <a:p>
             <a:pPr lvl="1"/>
             <a:r>
               <a:rPr lang="de-DE" dirty="0" smtClean="0"/>
-              <a:t>Schlecht </a:t>
-            </a:r>
-            <a:r>
-              <a:rPr lang="de-DE" dirty="0"/>
-              <a:t>dokumentiert</a:t>
+              <a:t>Zu viele Möglichkeiten, dieselben Daten zu speichern</a:t>
             </a:r>
           </a:p>
           <a:p>
             <a:pPr lvl="1"/>
             <a:r>
               <a:rPr lang="de-DE" dirty="0" smtClean="0"/>
-              <a:t>Viele </a:t>
-            </a:r>
-            <a:r>
-              <a:rPr lang="de-DE" dirty="0"/>
-              <a:t>Felder oft nicht belegt -&gt; „null“</a:t>
-            </a:r>
+              <a:t>Macht Auslesen schwierig</a:t>
+            </a:r>
+          </a:p>
+          <a:p>
+            <a:endParaRPr lang="de-DE" dirty="0"/>
           </a:p>
           <a:p>
             <a:pPr lvl="1"/>
-            <a:r>
-              <a:rPr lang="de-DE" dirty="0" smtClean="0"/>
-              <a:t>Exploratives </a:t>
-            </a:r>
-            <a:r>
-              <a:rPr lang="de-DE" dirty="0"/>
-              <a:t>Testen schwerfällig</a:t>
-            </a:r>
-          </a:p>
-          <a:p>
-            <a:r>
-              <a:rPr lang="de-DE" dirty="0"/>
-              <a:t>Laufzeit Parser</a:t>
-            </a:r>
-          </a:p>
-          <a:p>
-            <a:pPr lvl="1"/>
-            <a:r>
-              <a:rPr lang="de-DE" dirty="0" smtClean="0"/>
-              <a:t>Bisher </a:t>
-            </a:r>
-            <a:r>
-              <a:rPr lang="de-DE" dirty="0"/>
-              <a:t>verkraftbar</a:t>
-            </a:r>
-          </a:p>
-          <a:p>
-            <a:pPr lvl="1"/>
-            <a:r>
-              <a:rPr lang="de-DE" dirty="0" smtClean="0"/>
-              <a:t>Problem</a:t>
-            </a:r>
-            <a:r>
-              <a:rPr lang="de-DE" dirty="0"/>
-              <a:t>: Größere Stadtmodelle</a:t>
-            </a:r>
-          </a:p>
-          <a:p>
-            <a:pPr lvl="1"/>
-            <a:r>
-              <a:rPr lang="de-DE" dirty="0" smtClean="0"/>
-              <a:t>Ausblick</a:t>
-            </a:r>
-            <a:r>
-              <a:rPr lang="de-DE" dirty="0"/>
-              <a:t>: XML-Dokument in </a:t>
-            </a:r>
-            <a:r>
-              <a:rPr lang="de-DE" dirty="0" smtClean="0"/>
-              <a:t>RAM</a:t>
-            </a:r>
+            <a:endParaRPr lang="de-DE" dirty="0" smtClean="0"/>
+          </a:p>
+          <a:p>
+            <a:pPr lvl="2"/>
+            <a:endParaRPr lang="de-DE" dirty="0"/>
+          </a:p>
+          <a:p>
+            <a:pPr lvl="2"/>
             <a:endParaRPr lang="de-DE" dirty="0"/>
           </a:p>
         </p:txBody>
@@ -13189,52 +13152,12 @@
           <a:lstStyle/>
           <a:p>
             <a:r>
-              <a:rPr lang="de-DE" dirty="0" err="1"/>
-              <a:t>CityGML</a:t>
-            </a:r>
-            <a:r>
-              <a:rPr lang="de-DE" dirty="0"/>
-              <a:t>- Doku</a:t>
-            </a:r>
-          </a:p>
-          <a:p>
-            <a:pPr lvl="1"/>
-            <a:r>
-              <a:rPr lang="de-DE" dirty="0" smtClean="0"/>
-              <a:t>Schlecht </a:t>
-            </a:r>
-            <a:r>
-              <a:rPr lang="de-DE" dirty="0"/>
-              <a:t>dokumentiert</a:t>
-            </a:r>
-          </a:p>
-          <a:p>
-            <a:pPr lvl="1"/>
-            <a:r>
-              <a:rPr lang="de-DE" dirty="0" smtClean="0"/>
-              <a:t>Viele </a:t>
-            </a:r>
-            <a:r>
-              <a:rPr lang="de-DE" dirty="0"/>
-              <a:t>Felder oft nicht belegt -&gt; „null“</a:t>
-            </a:r>
-          </a:p>
-          <a:p>
-            <a:pPr lvl="1"/>
-            <a:r>
-              <a:rPr lang="de-DE" dirty="0" smtClean="0"/>
-              <a:t>Exploratives </a:t>
-            </a:r>
-            <a:r>
-              <a:rPr lang="de-DE" dirty="0"/>
-              <a:t>Testen schwerfällig</a:t>
-            </a:r>
-          </a:p>
-          <a:p>
-            <a:r>
-              <a:rPr lang="de-DE" dirty="0"/>
+              <a:rPr lang="de-DE" dirty="0" smtClean="0"/>
               <a:t>Laufzeit Parser</a:t>
             </a:r>
+          </a:p>
+          <a:p>
+            <a:endParaRPr lang="de-DE" dirty="0"/>
           </a:p>
           <a:p>
             <a:pPr lvl="1"/>
@@ -13266,35 +13189,12 @@
             </a:r>
             <a:r>
               <a:rPr lang="de-DE" dirty="0"/>
-              <a:t>: XML-Dokument in RAM</a:t>
-            </a:r>
-          </a:p>
-          <a:p>
-            <a:r>
-              <a:rPr lang="de-DE" dirty="0"/>
-              <a:t>Genauigkeit der Berechnungen</a:t>
-            </a:r>
-          </a:p>
-          <a:p>
-            <a:pPr lvl="1"/>
-            <a:r>
-              <a:rPr lang="de-DE" dirty="0" smtClean="0"/>
-              <a:t>„Umrechnen</a:t>
-            </a:r>
-            <a:r>
-              <a:rPr lang="de-DE" dirty="0"/>
-              <a:t>“ von double zu </a:t>
-            </a:r>
-            <a:r>
-              <a:rPr lang="de-DE" dirty="0" err="1"/>
-              <a:t>float</a:t>
-            </a:r>
-            <a:r>
-              <a:rPr lang="de-DE" dirty="0"/>
-              <a:t> - Datentypen zur Volumenberechnung</a:t>
-            </a:r>
-          </a:p>
-          <a:p>
+              <a:t>: XML-Dokument in </a:t>
+            </a:r>
+            <a:r>
+              <a:rPr lang="de-DE" dirty="0" smtClean="0"/>
+              <a:t>RAM</a:t>
+            </a:r>
             <a:endParaRPr lang="de-DE" dirty="0"/>
           </a:p>
         </p:txBody>
@@ -13372,7 +13272,7 @@
     </p:spTree>
     <p:extLst>
       <p:ext uri="{BB962C8B-B14F-4D97-AF65-F5344CB8AC3E}">
-        <p14:creationId xmlns:p14="http://schemas.microsoft.com/office/powerpoint/2010/main" val="3529786392"/>
+        <p14:creationId xmlns:p14="http://schemas.microsoft.com/office/powerpoint/2010/main" val="3533013732"/>
       </p:ext>
     </p:extLst>
   </p:cSld>
@@ -13418,41 +13318,44 @@
         </p:nvSpPr>
         <p:spPr/>
         <p:txBody>
-          <a:bodyPr/>
-          <a:lstStyle/>
-          <a:p>
-            <a:r>
-              <a:rPr lang="de-DE" dirty="0" smtClean="0"/>
-              <a:t>Aufgabe</a:t>
-            </a:r>
-          </a:p>
-          <a:p>
-            <a:r>
-              <a:rPr lang="de-DE" dirty="0" smtClean="0"/>
-              <a:t>Allgemeines zu </a:t>
-            </a:r>
-            <a:r>
-              <a:rPr lang="de-DE" dirty="0" err="1" smtClean="0"/>
-              <a:t>OpenCL</a:t>
-            </a:r>
-            <a:endParaRPr lang="de-DE" dirty="0" smtClean="0"/>
-          </a:p>
-          <a:p>
-            <a:r>
-              <a:rPr lang="de-DE" dirty="0" smtClean="0"/>
-              <a:t>Volumenberechnung</a:t>
-            </a:r>
-          </a:p>
-          <a:p>
-            <a:r>
-              <a:rPr lang="de-DE" dirty="0" smtClean="0"/>
-              <a:t>Schattenberechnung</a:t>
-            </a:r>
-          </a:p>
-          <a:p>
-            <a:r>
-              <a:rPr lang="de-DE" dirty="0" smtClean="0"/>
-              <a:t>Sonnenposition</a:t>
+          <a:bodyPr>
+            <a:normAutofit/>
+          </a:bodyPr>
+          <a:lstStyle/>
+          <a:p>
+            <a:r>
+              <a:rPr lang="de-DE" dirty="0" smtClean="0"/>
+              <a:t>Genauigkeit </a:t>
+            </a:r>
+            <a:r>
+              <a:rPr lang="de-DE" dirty="0"/>
+              <a:t>der </a:t>
+            </a:r>
+            <a:r>
+              <a:rPr lang="de-DE" dirty="0" smtClean="0"/>
+              <a:t>Berechnungen</a:t>
+            </a:r>
+          </a:p>
+          <a:p>
+            <a:endParaRPr lang="de-DE" dirty="0"/>
+          </a:p>
+          <a:p>
+            <a:pPr lvl="1"/>
+            <a:r>
+              <a:rPr lang="de-DE" dirty="0" smtClean="0"/>
+              <a:t>„Umrechnen</a:t>
+            </a:r>
+            <a:r>
+              <a:rPr lang="de-DE" dirty="0"/>
+              <a:t>“ von double zu </a:t>
+            </a:r>
+            <a:r>
+              <a:rPr lang="de-DE" dirty="0" err="1"/>
+              <a:t>float</a:t>
+            </a:r>
+            <a:r>
+              <a:rPr lang="de-DE" dirty="0"/>
+              <a:t> - Datentypen zur Volumenberechnung</a:t>
             </a:r>
           </a:p>
           <a:p>
@@ -13519,14 +13422,12 @@
         </p:nvSpPr>
         <p:spPr/>
         <p:txBody>
-          <a:bodyPr>
-            <a:normAutofit/>
-          </a:bodyPr>
-          <a:lstStyle/>
-          <a:p>
-            <a:r>
-              <a:rPr lang="de-DE" dirty="0" err="1" smtClean="0"/>
-              <a:t>OpenCL</a:t>
+          <a:bodyPr/>
+          <a:lstStyle/>
+          <a:p>
+            <a:r>
+              <a:rPr lang="de-DE" dirty="0" smtClean="0"/>
+              <a:t>Parser: Troubleshooting</a:t>
             </a:r>
             <a:endParaRPr lang="de-DE" dirty="0"/>
           </a:p>
@@ -13535,7 +13436,7 @@
     </p:spTree>
     <p:extLst>
       <p:ext uri="{BB962C8B-B14F-4D97-AF65-F5344CB8AC3E}">
-        <p14:creationId xmlns:p14="http://schemas.microsoft.com/office/powerpoint/2010/main" val="1711646626"/>
+        <p14:creationId xmlns:p14="http://schemas.microsoft.com/office/powerpoint/2010/main" val="3529786392"/>
       </p:ext>
     </p:extLst>
   </p:cSld>
@@ -13586,7 +13487,13 @@
           <a:p>
             <a:r>
               <a:rPr lang="de-DE" dirty="0" smtClean="0"/>
-              <a:t>Aufgabe: Implementierung einer Volumenberechnung und einer Schattenberechnung in CUDA oder </a:t>
+              <a:t>Aufgabe</a:t>
+            </a:r>
+          </a:p>
+          <a:p>
+            <a:r>
+              <a:rPr lang="de-DE" dirty="0" smtClean="0"/>
+              <a:t>Allgemeines zu </a:t>
             </a:r>
             <a:r>
               <a:rPr lang="de-DE" dirty="0" err="1" smtClean="0"/>
@@ -13597,52 +13504,29 @@
           <a:p>
             <a:r>
               <a:rPr lang="de-DE" dirty="0" smtClean="0"/>
-              <a:t>Aufgaben wurden sowohl in Java als auch </a:t>
-            </a:r>
-            <a:r>
-              <a:rPr lang="de-DE" dirty="0" err="1" smtClean="0"/>
-              <a:t>OpenCL</a:t>
-            </a:r>
-            <a:r>
-              <a:rPr lang="de-DE" dirty="0" smtClean="0"/>
-              <a:t> gelöst</a:t>
-            </a:r>
-          </a:p>
-          <a:p>
-            <a:r>
-              <a:rPr lang="de-DE" dirty="0" smtClean="0"/>
-              <a:t>Java Implementierung wird als Fall-Back verwendet</a:t>
-            </a:r>
+              <a:t>Volumenberechnung</a:t>
+            </a:r>
+          </a:p>
+          <a:p>
+            <a:r>
+              <a:rPr lang="de-DE" dirty="0" smtClean="0"/>
+              <a:t>Schattenberechnung</a:t>
+            </a:r>
+          </a:p>
+          <a:p>
+            <a:r>
+              <a:rPr lang="de-DE" dirty="0" smtClean="0"/>
+              <a:t>Sonnenposition</a:t>
+            </a:r>
+          </a:p>
+          <a:p>
             <a:endParaRPr lang="de-DE" dirty="0"/>
           </a:p>
         </p:txBody>
       </p:sp>
       <p:sp>
         <p:nvSpPr>
-          <p:cNvPr id="3" name="Titel 2"/>
-          <p:cNvSpPr>
-            <a:spLocks noGrp="1"/>
-          </p:cNvSpPr>
-          <p:nvPr>
-            <p:ph type="title"/>
-          </p:nvPr>
-        </p:nvSpPr>
-        <p:spPr/>
-        <p:txBody>
-          <a:bodyPr/>
-          <a:lstStyle/>
-          <a:p>
-            <a:r>
-              <a:rPr lang="de-DE" dirty="0" smtClean="0"/>
-              <a:t>Aufgabe</a:t>
-            </a:r>
-            <a:endParaRPr lang="de-DE" dirty="0"/>
-          </a:p>
-        </p:txBody>
-      </p:sp>
-      <p:sp>
-        <p:nvSpPr>
-          <p:cNvPr id="4" name="Datumsplatzhalter 3"/>
+          <p:cNvPr id="3" name="Datumsplatzhalter 2"/>
           <p:cNvSpPr>
             <a:spLocks noGrp="1"/>
           </p:cNvSpPr>
@@ -13665,7 +13549,7 @@
       </p:sp>
       <p:sp>
         <p:nvSpPr>
-          <p:cNvPr id="5" name="Foliennummernplatzhalter 4"/>
+          <p:cNvPr id="4" name="Foliennummernplatzhalter 3"/>
           <p:cNvSpPr>
             <a:spLocks noGrp="1"/>
           </p:cNvSpPr>
@@ -13687,10 +13571,35 @@
           </a:p>
         </p:txBody>
       </p:sp>
+      <p:sp>
+        <p:nvSpPr>
+          <p:cNvPr id="5" name="Titel 4"/>
+          <p:cNvSpPr>
+            <a:spLocks noGrp="1"/>
+          </p:cNvSpPr>
+          <p:nvPr>
+            <p:ph type="title"/>
+          </p:nvPr>
+        </p:nvSpPr>
+        <p:spPr/>
+        <p:txBody>
+          <a:bodyPr>
+            <a:normAutofit/>
+          </a:bodyPr>
+          <a:lstStyle/>
+          <a:p>
+            <a:r>
+              <a:rPr lang="de-DE" dirty="0" err="1" smtClean="0"/>
+              <a:t>OpenCL</a:t>
+            </a:r>
+            <a:endParaRPr lang="de-DE" dirty="0"/>
+          </a:p>
+        </p:txBody>
+      </p:sp>
     </p:spTree>
     <p:extLst>
       <p:ext uri="{BB962C8B-B14F-4D97-AF65-F5344CB8AC3E}">
-        <p14:creationId xmlns:p14="http://schemas.microsoft.com/office/powerpoint/2010/main" val="1439573380"/>
+        <p14:creationId xmlns:p14="http://schemas.microsoft.com/office/powerpoint/2010/main" val="1711646626"/>
       </p:ext>
     </p:extLst>
   </p:cSld>
@@ -13741,50 +13650,63 @@
           <a:p>
             <a:r>
               <a:rPr lang="de-DE" dirty="0" smtClean="0"/>
-              <a:t>CPU hat 2 – 8 Kerne, GPU im Labor hat 1024 Kerne</a:t>
-            </a:r>
-          </a:p>
-          <a:p>
-            <a:r>
-              <a:rPr lang="de-DE" dirty="0" smtClean="0"/>
-              <a:t>Aber geringere Taktrate pro Kern</a:t>
-            </a:r>
-          </a:p>
-          <a:p>
+              <a:t>Aufgabe: Implementierung einer Volumenberechnung und einer Schattenberechnung in CUDA oder </a:t>
+            </a:r>
             <a:r>
               <a:rPr lang="de-DE" dirty="0" err="1" smtClean="0"/>
-              <a:t>Parallelisierbarer</a:t>
-            </a:r>
-            <a:r>
-              <a:rPr lang="de-DE" dirty="0" smtClean="0"/>
-              <a:t> Code kann extrem gut auf der GPU berechnet werden</a:t>
-            </a:r>
-          </a:p>
-          <a:p>
-            <a:r>
-              <a:rPr lang="de-DE" dirty="0" smtClean="0"/>
-              <a:t>Sowohl Volumenberechnung als auch Schattenberechnung gut </a:t>
+              <a:t>OpenCL</a:t>
+            </a:r>
+            <a:endParaRPr lang="de-DE" dirty="0" smtClean="0"/>
+          </a:p>
+          <a:p>
+            <a:r>
+              <a:rPr lang="de-DE" dirty="0" smtClean="0"/>
+              <a:t>Aufgaben wurden sowohl in Java als auch </a:t>
             </a:r>
             <a:r>
               <a:rPr lang="de-DE" dirty="0" err="1" smtClean="0"/>
-              <a:t>parallelisierbar</a:t>
-            </a:r>
-            <a:endParaRPr lang="de-DE" dirty="0" smtClean="0"/>
-          </a:p>
-          <a:p>
-            <a:r>
-              <a:rPr lang="de-DE" dirty="0" smtClean="0"/>
-              <a:t>Schattenberechnungszeit von Stunden auf Minuten reduziert</a:t>
-            </a:r>
-          </a:p>
-          <a:p>
+              <a:t>OpenCL</a:t>
+            </a:r>
+            <a:r>
+              <a:rPr lang="de-DE" dirty="0" smtClean="0"/>
+              <a:t> gelöst</a:t>
+            </a:r>
+          </a:p>
+          <a:p>
+            <a:r>
+              <a:rPr lang="de-DE" dirty="0" smtClean="0"/>
+              <a:t>Java Implementierung wird als Fall-Back verwendet</a:t>
+            </a:r>
             <a:endParaRPr lang="de-DE" dirty="0"/>
           </a:p>
         </p:txBody>
       </p:sp>
       <p:sp>
         <p:nvSpPr>
-          <p:cNvPr id="3" name="Datumsplatzhalter 2"/>
+          <p:cNvPr id="3" name="Titel 2"/>
+          <p:cNvSpPr>
+            <a:spLocks noGrp="1"/>
+          </p:cNvSpPr>
+          <p:nvPr>
+            <p:ph type="title"/>
+          </p:nvPr>
+        </p:nvSpPr>
+        <p:spPr/>
+        <p:txBody>
+          <a:bodyPr/>
+          <a:lstStyle/>
+          <a:p>
+            <a:r>
+              <a:rPr lang="de-DE" dirty="0" smtClean="0"/>
+              <a:t>Aufgabe</a:t>
+            </a:r>
+            <a:endParaRPr lang="de-DE" dirty="0"/>
+          </a:p>
+        </p:txBody>
+      </p:sp>
+      <p:sp>
+        <p:nvSpPr>
+          <p:cNvPr id="4" name="Datumsplatzhalter 3"/>
           <p:cNvSpPr>
             <a:spLocks noGrp="1"/>
           </p:cNvSpPr>
@@ -13807,7 +13729,7 @@
       </p:sp>
       <p:sp>
         <p:nvSpPr>
-          <p:cNvPr id="4" name="Foliennummernplatzhalter 3"/>
+          <p:cNvPr id="5" name="Foliennummernplatzhalter 4"/>
           <p:cNvSpPr>
             <a:spLocks noGrp="1"/>
           </p:cNvSpPr>
@@ -13829,33 +13751,10 @@
           </a:p>
         </p:txBody>
       </p:sp>
-      <p:sp>
-        <p:nvSpPr>
-          <p:cNvPr id="5" name="Titel 4"/>
-          <p:cNvSpPr>
-            <a:spLocks noGrp="1"/>
-          </p:cNvSpPr>
-          <p:nvPr>
-            <p:ph type="title"/>
-          </p:nvPr>
-        </p:nvSpPr>
-        <p:spPr/>
-        <p:txBody>
-          <a:bodyPr/>
-          <a:lstStyle/>
-          <a:p>
-            <a:r>
-              <a:rPr lang="de-DE" dirty="0" smtClean="0"/>
-              <a:t>Warum GPU?</a:t>
-            </a:r>
-            <a:endParaRPr lang="de-DE" dirty="0"/>
-          </a:p>
-        </p:txBody>
-      </p:sp>
     </p:spTree>
     <p:extLst>
       <p:ext uri="{BB962C8B-B14F-4D97-AF65-F5344CB8AC3E}">
-        <p14:creationId xmlns:p14="http://schemas.microsoft.com/office/powerpoint/2010/main" val="3272700345"/>
+        <p14:creationId xmlns:p14="http://schemas.microsoft.com/office/powerpoint/2010/main" val="1439573380"/>
       </p:ext>
     </p:extLst>
   </p:cSld>
@@ -13906,78 +13805,50 @@
           <a:p>
             <a:r>
               <a:rPr lang="de-DE" dirty="0" smtClean="0"/>
-              <a:t>Entscheidung für </a:t>
-            </a:r>
+              <a:t>CPU hat 2 – 8 Kerne, GPU im Labor hat 1024 Kerne</a:t>
+            </a:r>
+          </a:p>
+          <a:p>
+            <a:r>
+              <a:rPr lang="de-DE" dirty="0" smtClean="0"/>
+              <a:t>Aber geringere Taktrate pro Kern</a:t>
+            </a:r>
+          </a:p>
+          <a:p>
             <a:r>
               <a:rPr lang="de-DE" dirty="0" err="1" smtClean="0"/>
-              <a:t>OpenCL</a:t>
-            </a:r>
-            <a:r>
-              <a:rPr lang="de-DE" dirty="0" smtClean="0"/>
-              <a:t> da plattformübergreifend</a:t>
-            </a:r>
-          </a:p>
-          <a:p>
-            <a:r>
-              <a:rPr lang="de-DE" dirty="0" smtClean="0"/>
-              <a:t>Offener Standard seit 2008</a:t>
-            </a:r>
-          </a:p>
-          <a:p>
-            <a:r>
-              <a:rPr lang="de-DE" dirty="0" smtClean="0"/>
-              <a:t>Wird von der </a:t>
+              <a:t>Parallelisierbarer</a:t>
+            </a:r>
+            <a:r>
+              <a:rPr lang="de-DE" dirty="0" smtClean="0"/>
+              <a:t> Code kann extrem gut auf der GPU berechnet werden</a:t>
+            </a:r>
+          </a:p>
+          <a:p>
+            <a:r>
+              <a:rPr lang="de-DE" dirty="0" smtClean="0"/>
+              <a:t>Sowohl Volumenberechnung als auch Schattenberechnung gut </a:t>
             </a:r>
             <a:r>
               <a:rPr lang="de-DE" dirty="0" err="1" smtClean="0"/>
-              <a:t>Khronos</a:t>
-            </a:r>
-            <a:r>
-              <a:rPr lang="de-DE" dirty="0" smtClean="0"/>
-              <a:t>-Group gepflegt</a:t>
-            </a:r>
-          </a:p>
-          <a:p>
-            <a:r>
-              <a:rPr lang="de-DE" dirty="0" smtClean="0"/>
-              <a:t>Unterstützt AMD-Grafikkarten</a:t>
-            </a:r>
-          </a:p>
-          <a:p>
-            <a:r>
-              <a:rPr lang="de-DE" dirty="0" smtClean="0"/>
-              <a:t>Java-Binding mit JOCL vorhanden</a:t>
-            </a:r>
+              <a:t>parallelisierbar</a:t>
+            </a:r>
+            <a:endParaRPr lang="de-DE" dirty="0" smtClean="0"/>
+          </a:p>
+          <a:p>
+            <a:r>
+              <a:rPr lang="de-DE" dirty="0" smtClean="0"/>
+              <a:t>Schattenberechnungszeit von Stunden auf Minuten reduziert</a:t>
+            </a:r>
+          </a:p>
+          <a:p>
             <a:endParaRPr lang="de-DE" dirty="0"/>
           </a:p>
         </p:txBody>
       </p:sp>
       <p:sp>
         <p:nvSpPr>
-          <p:cNvPr id="3" name="Titel 2"/>
-          <p:cNvSpPr>
-            <a:spLocks noGrp="1"/>
-          </p:cNvSpPr>
-          <p:nvPr>
-            <p:ph type="title"/>
-          </p:nvPr>
-        </p:nvSpPr>
-        <p:spPr/>
-        <p:txBody>
-          <a:bodyPr/>
-          <a:lstStyle/>
-          <a:p>
-            <a:r>
-              <a:rPr lang="de-DE" dirty="0" err="1" smtClean="0"/>
-              <a:t>OpenCL</a:t>
-            </a:r>
-            <a:endParaRPr lang="de-DE" dirty="0"/>
-          </a:p>
-        </p:txBody>
-      </p:sp>
-      <p:sp>
-        <p:nvSpPr>
-          <p:cNvPr id="4" name="Datumsplatzhalter 3"/>
+          <p:cNvPr id="3" name="Datumsplatzhalter 2"/>
           <p:cNvSpPr>
             <a:spLocks noGrp="1"/>
           </p:cNvSpPr>
@@ -14000,7 +13871,7 @@
       </p:sp>
       <p:sp>
         <p:nvSpPr>
-          <p:cNvPr id="5" name="Foliennummernplatzhalter 4"/>
+          <p:cNvPr id="4" name="Foliennummernplatzhalter 3"/>
           <p:cNvSpPr>
             <a:spLocks noGrp="1"/>
           </p:cNvSpPr>
@@ -14022,10 +13893,33 @@
           </a:p>
         </p:txBody>
       </p:sp>
+      <p:sp>
+        <p:nvSpPr>
+          <p:cNvPr id="5" name="Titel 4"/>
+          <p:cNvSpPr>
+            <a:spLocks noGrp="1"/>
+          </p:cNvSpPr>
+          <p:nvPr>
+            <p:ph type="title"/>
+          </p:nvPr>
+        </p:nvSpPr>
+        <p:spPr/>
+        <p:txBody>
+          <a:bodyPr/>
+          <a:lstStyle/>
+          <a:p>
+            <a:r>
+              <a:rPr lang="de-DE" dirty="0" smtClean="0"/>
+              <a:t>Warum GPU?</a:t>
+            </a:r>
+            <a:endParaRPr lang="de-DE" dirty="0"/>
+          </a:p>
+        </p:txBody>
+      </p:sp>
     </p:spTree>
     <p:extLst>
       <p:ext uri="{BB962C8B-B14F-4D97-AF65-F5344CB8AC3E}">
-        <p14:creationId xmlns:p14="http://schemas.microsoft.com/office/powerpoint/2010/main" val="1885144604"/>
+        <p14:creationId xmlns:p14="http://schemas.microsoft.com/office/powerpoint/2010/main" val="3272700345"/>
       </p:ext>
     </p:extLst>
   </p:cSld>
@@ -14075,87 +13969,50 @@
           <a:lstStyle/>
           <a:p>
             <a:r>
+              <a:rPr lang="de-DE" dirty="0" smtClean="0"/>
+              <a:t>Entscheidung für </a:t>
+            </a:r>
+            <a:r>
               <a:rPr lang="de-DE" dirty="0" err="1" smtClean="0"/>
               <a:t>OpenCL</a:t>
             </a:r>
             <a:r>
               <a:rPr lang="de-DE" dirty="0" smtClean="0"/>
-              <a:t> </a:t>
+              <a:t> da plattformübergreifend</a:t>
+            </a:r>
+          </a:p>
+          <a:p>
+            <a:r>
+              <a:rPr lang="de-DE" dirty="0" smtClean="0"/>
+              <a:t>Offener Standard seit 2008</a:t>
+            </a:r>
+          </a:p>
+          <a:p>
+            <a:r>
+              <a:rPr lang="de-DE" dirty="0" smtClean="0"/>
+              <a:t>Wird von der </a:t>
             </a:r>
             <a:r>
               <a:rPr lang="de-DE" dirty="0" err="1" smtClean="0"/>
-              <a:t>Context</a:t>
-            </a:r>
-            <a:r>
-              <a:rPr lang="de-DE" dirty="0" smtClean="0"/>
-              <a:t> erstellen</a:t>
-            </a:r>
-            <a:br>
-              <a:rPr lang="de-DE" dirty="0" smtClean="0"/>
-            </a:br>
-            <a:r>
-              <a:rPr lang="de-DE" i="1" dirty="0" err="1" smtClean="0"/>
-              <a:t>clCreateContextFromType</a:t>
-            </a:r>
-            <a:endParaRPr lang="de-DE" i="1" dirty="0" smtClean="0"/>
-          </a:p>
-          <a:p>
-            <a:r>
-              <a:rPr lang="de-DE" dirty="0" smtClean="0"/>
-              <a:t>Devices (GPUs oder </a:t>
-            </a:r>
-            <a:r>
-              <a:rPr lang="de-DE" dirty="0" err="1" smtClean="0"/>
-              <a:t>evtl</a:t>
-            </a:r>
-            <a:r>
-              <a:rPr lang="de-DE" dirty="0" smtClean="0"/>
-              <a:t> CPUs) holen</a:t>
-            </a:r>
-            <a:br>
-              <a:rPr lang="de-DE" dirty="0" smtClean="0"/>
-            </a:br>
-            <a:r>
-              <a:rPr lang="de-DE" i="1" dirty="0" err="1" smtClean="0"/>
-              <a:t>clGetContextInfo</a:t>
-            </a:r>
-            <a:endParaRPr lang="de-DE" i="1" dirty="0" smtClean="0"/>
-          </a:p>
-          <a:p>
-            <a:r>
-              <a:rPr lang="de-DE" dirty="0" smtClean="0"/>
-              <a:t>Eine </a:t>
-            </a:r>
-            <a:r>
-              <a:rPr lang="de-DE" dirty="0" err="1" smtClean="0"/>
-              <a:t>CommandQueue</a:t>
-            </a:r>
-            <a:r>
-              <a:rPr lang="de-DE" dirty="0" smtClean="0"/>
-              <a:t> erstellen</a:t>
-            </a:r>
-            <a:br>
-              <a:rPr lang="de-DE" dirty="0" smtClean="0"/>
-            </a:br>
-            <a:r>
-              <a:rPr lang="de-DE" i="1" dirty="0" err="1" smtClean="0"/>
-              <a:t>clCreateCommandQueue</a:t>
-            </a:r>
-            <a:endParaRPr lang="de-DE" i="1" dirty="0" smtClean="0"/>
-          </a:p>
-          <a:p>
-            <a:r>
-              <a:rPr lang="de-DE" dirty="0" smtClean="0"/>
-              <a:t>Ein Programm laden</a:t>
-            </a:r>
-            <a:br>
-              <a:rPr lang="de-DE" dirty="0" smtClean="0"/>
-            </a:br>
-            <a:r>
-              <a:rPr lang="de-DE" i="1" dirty="0" err="1" smtClean="0"/>
-              <a:t>clCreateProgramWithSource</a:t>
-            </a:r>
-            <a:endParaRPr lang="de-DE" i="1" dirty="0" smtClean="0"/>
+              <a:t>Khronos</a:t>
+            </a:r>
+            <a:r>
+              <a:rPr lang="de-DE" dirty="0" smtClean="0"/>
+              <a:t>-Group gepflegt</a:t>
+            </a:r>
+          </a:p>
+          <a:p>
+            <a:r>
+              <a:rPr lang="de-DE" dirty="0" smtClean="0"/>
+              <a:t>Unterstützt AMD-Grafikkarten</a:t>
+            </a:r>
+          </a:p>
+          <a:p>
+            <a:r>
+              <a:rPr lang="de-DE" dirty="0" smtClean="0"/>
+              <a:t>Java-Binding mit JOCL vorhanden</a:t>
+            </a:r>
+            <a:endParaRPr lang="de-DE" dirty="0"/>
           </a:p>
         </p:txBody>
       </p:sp>
@@ -14171,22 +14028,12 @@
         </p:nvSpPr>
         <p:spPr/>
         <p:txBody>
-          <a:bodyPr>
-            <a:normAutofit fontScale="90000"/>
-          </a:bodyPr>
-          <a:lstStyle/>
-          <a:p>
-            <a:r>
-              <a:rPr lang="de-DE" dirty="0" smtClean="0"/>
-              <a:t>Aufbau </a:t>
-            </a:r>
+          <a:bodyPr/>
+          <a:lstStyle/>
+          <a:p>
             <a:r>
               <a:rPr lang="de-DE" dirty="0" err="1" smtClean="0"/>
               <a:t>OpenCL</a:t>
-            </a:r>
-            <a:r>
-              <a:rPr lang="de-DE" dirty="0" smtClean="0"/>
-              <a:t> Programm (1/3)</a:t>
             </a:r>
             <a:endParaRPr lang="de-DE" dirty="0"/>
           </a:p>
@@ -14242,7 +14089,7 @@
     </p:spTree>
     <p:extLst>
       <p:ext uri="{BB962C8B-B14F-4D97-AF65-F5344CB8AC3E}">
-        <p14:creationId xmlns:p14="http://schemas.microsoft.com/office/powerpoint/2010/main" val="3149190744"/>
+        <p14:creationId xmlns:p14="http://schemas.microsoft.com/office/powerpoint/2010/main" val="1885144604"/>
       </p:ext>
     </p:extLst>
   </p:cSld>
@@ -14292,23 +14139,60 @@
           <a:lstStyle/>
           <a:p>
             <a:r>
-              <a:rPr lang="de-DE" dirty="0" smtClean="0"/>
-              <a:t>Das Programm kompilieren und linken </a:t>
-            </a:r>
+              <a:rPr lang="de-DE" dirty="0" err="1" smtClean="0"/>
+              <a:t>OpenCL</a:t>
+            </a:r>
+            <a:r>
+              <a:rPr lang="de-DE" dirty="0" smtClean="0"/>
+              <a:t> </a:t>
+            </a:r>
+            <a:r>
+              <a:rPr lang="de-DE" dirty="0" err="1" smtClean="0"/>
+              <a:t>Context</a:t>
+            </a:r>
+            <a:r>
+              <a:rPr lang="de-DE" dirty="0" smtClean="0"/>
+              <a:t> erstellen</a:t>
+            </a:r>
+            <a:br>
+              <a:rPr lang="de-DE" dirty="0" smtClean="0"/>
+            </a:br>
             <a:r>
               <a:rPr lang="de-DE" i="1" dirty="0" err="1" smtClean="0"/>
-              <a:t>clBuildProgram</a:t>
+              <a:t>clCreateContextFromType</a:t>
             </a:r>
             <a:endParaRPr lang="de-DE" i="1" dirty="0" smtClean="0"/>
           </a:p>
           <a:p>
             <a:r>
               <a:rPr lang="de-DE" dirty="0" smtClean="0"/>
-              <a:t>Den </a:t>
+              <a:t>Devices (GPUs oder </a:t>
             </a:r>
             <a:r>
               <a:rPr lang="de-DE" dirty="0" err="1" smtClean="0"/>
-              <a:t>Programmkernel</a:t>
+              <a:t>evtl</a:t>
+            </a:r>
+            <a:r>
+              <a:rPr lang="de-DE" dirty="0" smtClean="0"/>
+              <a:t> CPUs) holen</a:t>
+            </a:r>
+            <a:br>
+              <a:rPr lang="de-DE" dirty="0" smtClean="0"/>
+            </a:br>
+            <a:r>
+              <a:rPr lang="de-DE" i="1" dirty="0" err="1" smtClean="0"/>
+              <a:t>clGetContextInfo</a:t>
+            </a:r>
+            <a:endParaRPr lang="de-DE" i="1" dirty="0" smtClean="0"/>
+          </a:p>
+          <a:p>
+            <a:r>
+              <a:rPr lang="de-DE" dirty="0" smtClean="0"/>
+              <a:t>Eine </a:t>
+            </a:r>
+            <a:r>
+              <a:rPr lang="de-DE" dirty="0" err="1" smtClean="0"/>
+              <a:t>CommandQueue</a:t>
             </a:r>
             <a:r>
               <a:rPr lang="de-DE" dirty="0" smtClean="0"/>
@@ -14319,49 +14203,23 @@
             </a:br>
             <a:r>
               <a:rPr lang="de-DE" i="1" dirty="0" err="1" smtClean="0"/>
-              <a:t>clCreateKernel</a:t>
+              <a:t>clCreateCommandQueue</a:t>
             </a:r>
             <a:endParaRPr lang="de-DE" i="1" dirty="0" smtClean="0"/>
           </a:p>
           <a:p>
             <a:r>
               <a:rPr lang="de-DE" dirty="0" smtClean="0"/>
-              <a:t>Programmdaten auf die GPU laden</a:t>
-            </a:r>
-          </a:p>
-          <a:p>
-            <a:pPr lvl="1"/>
-            <a:r>
-              <a:rPr lang="de-DE" dirty="0" err="1" smtClean="0"/>
-              <a:t>Buffer</a:t>
-            </a:r>
-            <a:r>
-              <a:rPr lang="de-DE" dirty="0" smtClean="0"/>
-              <a:t> auf GPU erstellen mit </a:t>
+              <a:t>Ein Programm laden</a:t>
             </a:r>
             <a:br>
               <a:rPr lang="de-DE" dirty="0" smtClean="0"/>
             </a:br>
             <a:r>
               <a:rPr lang="de-DE" i="1" dirty="0" err="1" smtClean="0"/>
-              <a:t>clCreateBuffer</a:t>
+              <a:t>clCreateProgramWithSource</a:t>
             </a:r>
             <a:endParaRPr lang="de-DE" i="1" dirty="0" smtClean="0"/>
-          </a:p>
-          <a:p>
-            <a:pPr lvl="1"/>
-            <a:r>
-              <a:rPr lang="de-DE" dirty="0" smtClean="0"/>
-              <a:t>Parameter für den Kernel setzen mit</a:t>
-            </a:r>
-            <a:br>
-              <a:rPr lang="de-DE" dirty="0" smtClean="0"/>
-            </a:br>
-            <a:r>
-              <a:rPr lang="de-DE" i="1" dirty="0" err="1"/>
-              <a:t>clSetKernelArg</a:t>
-            </a:r>
-            <a:endParaRPr lang="de-DE" dirty="0"/>
           </a:p>
         </p:txBody>
       </p:sp>
@@ -14392,7 +14250,7 @@
             </a:r>
             <a:r>
               <a:rPr lang="de-DE" dirty="0" smtClean="0"/>
-              <a:t> Programm (2/3)</a:t>
+              <a:t> Programm (1/3)</a:t>
             </a:r>
             <a:endParaRPr lang="de-DE" dirty="0"/>
           </a:p>
@@ -14448,7 +14306,7 @@
     </p:spTree>
     <p:extLst>
       <p:ext uri="{BB962C8B-B14F-4D97-AF65-F5344CB8AC3E}">
-        <p14:creationId xmlns:p14="http://schemas.microsoft.com/office/powerpoint/2010/main" val="2679847430"/>
+        <p14:creationId xmlns:p14="http://schemas.microsoft.com/office/powerpoint/2010/main" val="3149190744"/>
       </p:ext>
     </p:extLst>
   </p:cSld>
@@ -14498,85 +14356,76 @@
           <a:lstStyle/>
           <a:p>
             <a:r>
+              <a:rPr lang="de-DE" dirty="0" smtClean="0"/>
+              <a:t>Das Programm kompilieren und linken </a:t>
+            </a:r>
+            <a:r>
+              <a:rPr lang="de-DE" i="1" dirty="0" err="1" smtClean="0"/>
+              <a:t>clBuildProgram</a:t>
+            </a:r>
+            <a:endParaRPr lang="de-DE" i="1" dirty="0" smtClean="0"/>
+          </a:p>
+          <a:p>
+            <a:r>
+              <a:rPr lang="de-DE" dirty="0" smtClean="0"/>
+              <a:t>Den </a:t>
+            </a:r>
+            <a:r>
               <a:rPr lang="de-DE" dirty="0" err="1" smtClean="0"/>
-              <a:t>OpenCL</a:t>
-            </a:r>
-            <a:r>
-              <a:rPr lang="de-DE" dirty="0" smtClean="0"/>
-              <a:t> </a:t>
-            </a:r>
+              <a:t>Programmkernel</a:t>
+            </a:r>
+            <a:r>
+              <a:rPr lang="de-DE" dirty="0" smtClean="0"/>
+              <a:t> erstellen</a:t>
+            </a:r>
+            <a:br>
+              <a:rPr lang="de-DE" dirty="0" smtClean="0"/>
+            </a:br>
+            <a:r>
+              <a:rPr lang="de-DE" i="1" dirty="0" err="1" smtClean="0"/>
+              <a:t>clCreateKernel</a:t>
+            </a:r>
+            <a:endParaRPr lang="de-DE" i="1" dirty="0" smtClean="0"/>
+          </a:p>
+          <a:p>
+            <a:r>
+              <a:rPr lang="de-DE" dirty="0" smtClean="0"/>
+              <a:t>Programmdaten auf die GPU laden</a:t>
+            </a:r>
+          </a:p>
+          <a:p>
+            <a:pPr lvl="1"/>
             <a:r>
               <a:rPr lang="de-DE" dirty="0" err="1" smtClean="0"/>
-              <a:t>kernel</a:t>
-            </a:r>
-            <a:r>
-              <a:rPr lang="de-DE" dirty="0" smtClean="0"/>
-              <a:t> ausführen</a:t>
+              <a:t>Buffer</a:t>
+            </a:r>
+            <a:r>
+              <a:rPr lang="de-DE" dirty="0" smtClean="0"/>
+              <a:t> auf GPU erstellen mit </a:t>
             </a:r>
             <a:br>
               <a:rPr lang="de-DE" dirty="0" smtClean="0"/>
             </a:br>
             <a:r>
               <a:rPr lang="de-DE" i="1" dirty="0" err="1" smtClean="0"/>
-              <a:t>clEnqueueNDRangeKernel</a:t>
+              <a:t>clCreateBuffer</a:t>
             </a:r>
             <a:endParaRPr lang="de-DE" i="1" dirty="0" smtClean="0"/>
           </a:p>
           <a:p>
-            <a:r>
-              <a:rPr lang="de-DE" dirty="0" smtClean="0"/>
-              <a:t>Warten bis die Ausführung beendet ist</a:t>
+            <a:pPr lvl="1"/>
+            <a:r>
+              <a:rPr lang="de-DE" dirty="0" smtClean="0"/>
+              <a:t>Parameter für den Kernel setzen mit</a:t>
             </a:r>
             <a:br>
               <a:rPr lang="de-DE" dirty="0" smtClean="0"/>
             </a:br>
             <a:r>
-              <a:rPr lang="de-DE" i="1" dirty="0" err="1" smtClean="0"/>
-              <a:t>clFinish</a:t>
-            </a:r>
-            <a:endParaRPr lang="de-DE" i="1" dirty="0" smtClean="0"/>
-          </a:p>
-          <a:p>
-            <a:r>
-              <a:rPr lang="de-DE" dirty="0" smtClean="0"/>
-              <a:t>Lesen von Ausgabedaten</a:t>
-            </a:r>
-            <a:br>
-              <a:rPr lang="de-DE" dirty="0" smtClean="0"/>
-            </a:br>
-            <a:r>
-              <a:rPr lang="de-DE" i="1" dirty="0" err="1" smtClean="0"/>
-              <a:t>clEnqueueReadBuffer</a:t>
-            </a:r>
-            <a:endParaRPr lang="de-DE" i="1" dirty="0" smtClean="0"/>
-          </a:p>
-          <a:p>
-            <a:r>
-              <a:rPr lang="de-DE" dirty="0" smtClean="0"/>
-              <a:t>Gespeicherte Daten wieder löschen</a:t>
-            </a:r>
-            <a:br>
-              <a:rPr lang="de-DE" dirty="0" smtClean="0"/>
-            </a:br>
-            <a:r>
-              <a:rPr lang="de-DE" i="1" dirty="0" err="1" smtClean="0"/>
-              <a:t>clReleaseMemObject</a:t>
-            </a:r>
-            <a:endParaRPr lang="de-DE" i="1" dirty="0" smtClean="0"/>
-          </a:p>
-          <a:p>
-            <a:r>
-              <a:rPr lang="de-DE" dirty="0" smtClean="0"/>
-              <a:t>Kernel wieder freigeben</a:t>
-            </a:r>
-            <a:br>
-              <a:rPr lang="de-DE" dirty="0" smtClean="0"/>
-            </a:br>
-            <a:r>
               <a:rPr lang="de-DE" i="1" dirty="0" err="1"/>
-              <a:t>clReleaseKernel</a:t>
-            </a:r>
-            <a:endParaRPr lang="de-DE" dirty="0" smtClean="0"/>
+              <a:t>clSetKernelArg</a:t>
+            </a:r>
+            <a:endParaRPr lang="de-DE" dirty="0"/>
           </a:p>
         </p:txBody>
       </p:sp>
@@ -14607,7 +14456,7 @@
             </a:r>
             <a:r>
               <a:rPr lang="de-DE" dirty="0" smtClean="0"/>
-              <a:t> Programm (3/3)</a:t>
+              <a:t> Programm (2/3)</a:t>
             </a:r>
             <a:endParaRPr lang="de-DE" dirty="0"/>
           </a:p>
@@ -14663,7 +14512,7 @@
     </p:spTree>
     <p:extLst>
       <p:ext uri="{BB962C8B-B14F-4D97-AF65-F5344CB8AC3E}">
-        <p14:creationId xmlns:p14="http://schemas.microsoft.com/office/powerpoint/2010/main" val="8515451"/>
+        <p14:creationId xmlns:p14="http://schemas.microsoft.com/office/powerpoint/2010/main" val="2679847430"/>
       </p:ext>
     </p:extLst>
   </p:cSld>
@@ -14709,9 +14558,7 @@
         </p:nvSpPr>
         <p:spPr/>
         <p:txBody>
-          <a:bodyPr>
-            <a:normAutofit/>
-          </a:bodyPr>
+          <a:bodyPr/>
           <a:lstStyle/>
           <a:p>
             <a:r>
@@ -14720,229 +14567,111 @@
             </a:r>
             <a:r>
               <a:rPr lang="de-DE" dirty="0" smtClean="0"/>
-              <a:t> Sprache ist eine </a:t>
-            </a:r>
-            <a:r>
-              <a:rPr lang="de-DE" dirty="0"/>
-              <a:t>E</a:t>
-            </a:r>
-            <a:r>
-              <a:rPr lang="de-DE" dirty="0" smtClean="0"/>
-              <a:t>rweiterung des C-Standards</a:t>
-            </a:r>
-          </a:p>
-          <a:p>
-            <a:r>
-              <a:rPr lang="de-DE" dirty="0" smtClean="0"/>
-              <a:t>Beispiel zur Berechnung von Quadratzahlen auf der GPU</a:t>
-            </a:r>
-          </a:p>
-          <a:p>
-            <a:pPr marL="109728" indent="0">
-              <a:buNone/>
-            </a:pPr>
-            <a:r>
-              <a:rPr lang="de-DE" dirty="0" smtClean="0"/>
-              <a:t>__</a:t>
-            </a:r>
-            <a:r>
-              <a:rPr lang="de-DE" dirty="0" err="1"/>
+              <a:t> </a:t>
+            </a:r>
+            <a:r>
+              <a:rPr lang="de-DE" dirty="0" err="1" smtClean="0"/>
               <a:t>kernel</a:t>
             </a:r>
             <a:r>
-              <a:rPr lang="de-DE" dirty="0"/>
-              <a:t> </a:t>
-            </a:r>
-            <a:r>
-              <a:rPr lang="de-DE" dirty="0" err="1">
-                <a:solidFill>
-                  <a:srgbClr val="0070C0"/>
-                </a:solidFill>
-              </a:rPr>
-              <a:t>void</a:t>
-            </a:r>
-            <a:r>
-              <a:rPr lang="de-DE" dirty="0">
-                <a:solidFill>
-                  <a:srgbClr val="0070C0"/>
-                </a:solidFill>
-              </a:rPr>
-              <a:t> </a:t>
-            </a:r>
-            <a:r>
-              <a:rPr lang="de-DE" dirty="0" err="1"/>
-              <a:t>calc</a:t>
-            </a:r>
-            <a:r>
-              <a:rPr lang="de-DE" dirty="0"/>
-              <a:t>(__global </a:t>
-            </a:r>
-            <a:r>
-              <a:rPr lang="de-DE" dirty="0" err="1">
-                <a:solidFill>
-                  <a:srgbClr val="0070C0"/>
-                </a:solidFill>
-              </a:rPr>
-              <a:t>int</a:t>
-            </a:r>
-            <a:r>
-              <a:rPr lang="de-DE" dirty="0"/>
-              <a:t>* </a:t>
-            </a:r>
-            <a:r>
-              <a:rPr lang="de-DE" dirty="0" err="1"/>
-              <a:t>array</a:t>
-            </a:r>
-            <a:r>
-              <a:rPr lang="de-DE" dirty="0"/>
-              <a:t>,				   </a:t>
-            </a:r>
-            <a:r>
-              <a:rPr lang="de-DE" dirty="0" smtClean="0"/>
-              <a:t>         __</a:t>
-            </a:r>
-            <a:r>
-              <a:rPr lang="de-DE" dirty="0"/>
-              <a:t>global </a:t>
-            </a:r>
-            <a:r>
-              <a:rPr lang="de-DE" dirty="0" err="1">
-                <a:solidFill>
-                  <a:srgbClr val="0070C0"/>
-                </a:solidFill>
-              </a:rPr>
-              <a:t>int</a:t>
-            </a:r>
-            <a:r>
-              <a:rPr lang="de-DE" dirty="0"/>
-              <a:t>* </a:t>
-            </a:r>
-            <a:r>
-              <a:rPr lang="de-DE" dirty="0" err="1"/>
-              <a:t>result</a:t>
-            </a:r>
-            <a:r>
-              <a:rPr lang="de-DE" dirty="0"/>
-              <a:t>) </a:t>
-            </a:r>
-            <a:r>
-              <a:rPr lang="de-DE" dirty="0" smtClean="0"/>
-              <a:t>{</a:t>
+              <a:rPr lang="de-DE" dirty="0" smtClean="0"/>
+              <a:t> ausführen</a:t>
             </a:r>
             <a:br>
               <a:rPr lang="de-DE" dirty="0" smtClean="0"/>
             </a:br>
             <a:r>
-              <a:rPr lang="de-DE" dirty="0" smtClean="0"/>
-              <a:t>	</a:t>
-            </a:r>
-            <a:r>
-              <a:rPr lang="de-DE" dirty="0" err="1" smtClean="0">
-                <a:solidFill>
-                  <a:srgbClr val="0070C0"/>
-                </a:solidFill>
-              </a:rPr>
-              <a:t>int</a:t>
-            </a:r>
-            <a:r>
-              <a:rPr lang="de-DE" dirty="0" smtClean="0">
-                <a:solidFill>
-                  <a:srgbClr val="0070C0"/>
-                </a:solidFill>
-              </a:rPr>
-              <a:t> </a:t>
-            </a:r>
-            <a:r>
-              <a:rPr lang="de-DE" dirty="0" err="1"/>
-              <a:t>gid</a:t>
-            </a:r>
-            <a:r>
-              <a:rPr lang="de-DE" dirty="0"/>
-              <a:t> = </a:t>
-            </a:r>
-            <a:r>
-              <a:rPr lang="de-DE" dirty="0" err="1"/>
-              <a:t>get_global_id</a:t>
-            </a:r>
-            <a:r>
-              <a:rPr lang="de-DE" dirty="0"/>
-              <a:t>(</a:t>
-            </a:r>
-            <a:r>
-              <a:rPr lang="de-DE" dirty="0">
-                <a:solidFill>
-                  <a:srgbClr val="FFC000"/>
-                </a:solidFill>
-              </a:rPr>
-              <a:t>0</a:t>
-            </a:r>
-            <a:r>
-              <a:rPr lang="de-DE" dirty="0" smtClean="0"/>
-              <a:t>);</a:t>
+              <a:rPr lang="de-DE" i="1" dirty="0" err="1" smtClean="0"/>
+              <a:t>clEnqueueNDRangeKernel</a:t>
+            </a:r>
+            <a:endParaRPr lang="de-DE" i="1" dirty="0" smtClean="0"/>
+          </a:p>
+          <a:p>
+            <a:r>
+              <a:rPr lang="de-DE" dirty="0" smtClean="0"/>
+              <a:t>Warten bis die Ausführung beendet ist</a:t>
             </a:r>
             <a:br>
               <a:rPr lang="de-DE" dirty="0" smtClean="0"/>
             </a:br>
             <a:r>
-              <a:rPr lang="de-DE" dirty="0" smtClean="0"/>
-              <a:t>	</a:t>
+              <a:rPr lang="de-DE" i="1" dirty="0" err="1" smtClean="0"/>
+              <a:t>clFinish</a:t>
+            </a:r>
+            <a:endParaRPr lang="de-DE" i="1" dirty="0" smtClean="0"/>
+          </a:p>
+          <a:p>
+            <a:r>
+              <a:rPr lang="de-DE" dirty="0" smtClean="0"/>
+              <a:t>Lesen von Ausgabedaten</a:t>
+            </a:r>
+            <a:br>
+              <a:rPr lang="de-DE" dirty="0" smtClean="0"/>
+            </a:br>
+            <a:r>
+              <a:rPr lang="de-DE" i="1" dirty="0" err="1" smtClean="0"/>
+              <a:t>clEnqueueReadBuffer</a:t>
+            </a:r>
+            <a:endParaRPr lang="de-DE" i="1" dirty="0" smtClean="0"/>
+          </a:p>
+          <a:p>
+            <a:r>
+              <a:rPr lang="de-DE" dirty="0" smtClean="0"/>
+              <a:t>Gespeicherte Daten wieder löschen</a:t>
+            </a:r>
+            <a:br>
+              <a:rPr lang="de-DE" dirty="0" smtClean="0"/>
+            </a:br>
+            <a:r>
+              <a:rPr lang="de-DE" i="1" dirty="0" err="1" smtClean="0"/>
+              <a:t>clReleaseMemObject</a:t>
+            </a:r>
+            <a:endParaRPr lang="de-DE" i="1" dirty="0" smtClean="0"/>
+          </a:p>
+          <a:p>
+            <a:r>
+              <a:rPr lang="de-DE" dirty="0" smtClean="0"/>
+              <a:t>Kernel wieder freigeben</a:t>
+            </a:r>
+            <a:br>
+              <a:rPr lang="de-DE" dirty="0" smtClean="0"/>
+            </a:br>
+            <a:r>
+              <a:rPr lang="de-DE" i="1" dirty="0" err="1"/>
+              <a:t>clReleaseKernel</a:t>
+            </a:r>
+            <a:endParaRPr lang="de-DE" dirty="0" smtClean="0"/>
+          </a:p>
+        </p:txBody>
+      </p:sp>
+      <p:sp>
+        <p:nvSpPr>
+          <p:cNvPr id="3" name="Titel 2"/>
+          <p:cNvSpPr>
+            <a:spLocks noGrp="1"/>
+          </p:cNvSpPr>
+          <p:nvPr>
+            <p:ph type="title"/>
+          </p:nvPr>
+        </p:nvSpPr>
+        <p:spPr/>
+        <p:txBody>
+          <a:bodyPr>
+            <a:normAutofit fontScale="90000"/>
+          </a:bodyPr>
+          <a:lstStyle/>
+          <a:p>
+            <a:r>
+              <a:rPr lang="de-DE" dirty="0" smtClean="0"/>
+              <a:t>Aufbau </a:t>
             </a:r>
             <a:r>
               <a:rPr lang="de-DE" dirty="0" err="1" smtClean="0"/>
-              <a:t>result</a:t>
-            </a:r>
-            <a:r>
-              <a:rPr lang="de-DE" dirty="0" smtClean="0"/>
-              <a:t>[</a:t>
-            </a:r>
-            <a:r>
-              <a:rPr lang="de-DE" dirty="0" err="1" smtClean="0"/>
-              <a:t>gid</a:t>
-            </a:r>
-            <a:r>
-              <a:rPr lang="de-DE" dirty="0"/>
-              <a:t>] = </a:t>
-            </a:r>
-            <a:r>
-              <a:rPr lang="de-DE" dirty="0" err="1"/>
-              <a:t>array</a:t>
-            </a:r>
-            <a:r>
-              <a:rPr lang="de-DE" dirty="0"/>
-              <a:t>[</a:t>
-            </a:r>
-            <a:r>
-              <a:rPr lang="de-DE" dirty="0" err="1"/>
-              <a:t>gid</a:t>
-            </a:r>
-            <a:r>
-              <a:rPr lang="de-DE" dirty="0"/>
-              <a:t>] * </a:t>
-            </a:r>
-            <a:r>
-              <a:rPr lang="de-DE" dirty="0" err="1"/>
-              <a:t>array</a:t>
-            </a:r>
-            <a:r>
-              <a:rPr lang="de-DE" dirty="0"/>
-              <a:t>[</a:t>
-            </a:r>
-            <a:r>
-              <a:rPr lang="de-DE" dirty="0" err="1"/>
-              <a:t>gid</a:t>
-            </a:r>
-            <a:r>
-              <a:rPr lang="de-DE" dirty="0" smtClean="0"/>
-              <a:t>];</a:t>
-            </a:r>
-          </a:p>
-          <a:p>
-            <a:pPr marL="109728" indent="0">
-              <a:buNone/>
-            </a:pPr>
-            <a:r>
-              <a:rPr lang="de-DE" dirty="0" smtClean="0"/>
-              <a:t>}</a:t>
+              <a:t>OpenCL</a:t>
+            </a:r>
+            <a:r>
+              <a:rPr lang="de-DE" dirty="0" smtClean="0"/>
+              <a:t> Programm (3/3)</a:t>
             </a:r>
             <a:endParaRPr lang="de-DE" dirty="0"/>
           </a:p>
@@ -14950,7 +14679,7 @@
       </p:sp>
       <p:sp>
         <p:nvSpPr>
-          <p:cNvPr id="3" name="Datumsplatzhalter 2"/>
+          <p:cNvPr id="4" name="Datumsplatzhalter 3"/>
           <p:cNvSpPr>
             <a:spLocks noGrp="1"/>
           </p:cNvSpPr>
@@ -14973,7 +14702,7 @@
       </p:sp>
       <p:sp>
         <p:nvSpPr>
-          <p:cNvPr id="4" name="Foliennummernplatzhalter 3"/>
+          <p:cNvPr id="5" name="Foliennummernplatzhalter 4"/>
           <p:cNvSpPr>
             <a:spLocks noGrp="1"/>
           </p:cNvSpPr>
@@ -14995,41 +14724,10 @@
           </a:p>
         </p:txBody>
       </p:sp>
-      <p:sp>
-        <p:nvSpPr>
-          <p:cNvPr id="5" name="Titel 4"/>
-          <p:cNvSpPr>
-            <a:spLocks noGrp="1"/>
-          </p:cNvSpPr>
-          <p:nvPr>
-            <p:ph type="title"/>
-          </p:nvPr>
-        </p:nvSpPr>
-        <p:spPr/>
-        <p:txBody>
-          <a:bodyPr/>
-          <a:lstStyle/>
-          <a:p>
-            <a:r>
-              <a:rPr lang="de-DE" dirty="0" smtClean="0"/>
-              <a:t>Aufbau </a:t>
-            </a:r>
-            <a:r>
-              <a:rPr lang="de-DE" dirty="0" err="1" smtClean="0"/>
-              <a:t>OpenCL</a:t>
-            </a:r>
-            <a:r>
-              <a:rPr lang="de-DE" dirty="0" smtClean="0"/>
-              <a:t> Kernel</a:t>
-            </a:r>
-            <a:endParaRPr lang="de-DE" dirty="0"/>
-          </a:p>
-        </p:txBody>
-      </p:sp>
     </p:spTree>
     <p:extLst>
       <p:ext uri="{BB962C8B-B14F-4D97-AF65-F5344CB8AC3E}">
-        <p14:creationId xmlns:p14="http://schemas.microsoft.com/office/powerpoint/2010/main" val="3256973187"/>
+        <p14:creationId xmlns:p14="http://schemas.microsoft.com/office/powerpoint/2010/main" val="8515451"/>
       </p:ext>
     </p:extLst>
   </p:cSld>
@@ -15242,49 +14940,242 @@
         </p:nvSpPr>
         <p:spPr/>
         <p:txBody>
-          <a:bodyPr/>
-          <a:lstStyle/>
-          <a:p>
-            <a:r>
-              <a:rPr lang="de-DE" dirty="0" smtClean="0"/>
-              <a:t>Voraussetzung: Modell mit </a:t>
-            </a:r>
+          <a:bodyPr>
+            <a:normAutofit/>
+          </a:bodyPr>
+          <a:lstStyle/>
+          <a:p>
             <a:r>
               <a:rPr lang="de-DE" dirty="0" err="1" smtClean="0"/>
-              <a:t>CityDoctor</a:t>
-            </a:r>
-            <a:r>
-              <a:rPr lang="de-DE" dirty="0" smtClean="0"/>
-              <a:t> validiert bzw. korrigiert.</a:t>
-            </a:r>
-          </a:p>
-          <a:p>
-            <a:r>
-              <a:rPr lang="de-DE" dirty="0" smtClean="0"/>
-              <a:t>Ohne Validierung:</a:t>
-            </a:r>
-          </a:p>
-          <a:p>
-            <a:pPr lvl="1"/>
-            <a:r>
-              <a:rPr lang="de-DE" dirty="0" smtClean="0"/>
-              <a:t>Ergebnis der Volumenberechnung nicht korrekt.</a:t>
+              <a:t>OpenCL</a:t>
+            </a:r>
+            <a:r>
+              <a:rPr lang="de-DE" dirty="0" smtClean="0"/>
+              <a:t> Sprache ist eine </a:t>
+            </a:r>
+            <a:r>
+              <a:rPr lang="de-DE" dirty="0"/>
+              <a:t>E</a:t>
+            </a:r>
+            <a:r>
+              <a:rPr lang="de-DE" dirty="0" smtClean="0"/>
+              <a:t>rweiterung des C-Standards</a:t>
+            </a:r>
+          </a:p>
+          <a:p>
+            <a:r>
+              <a:rPr lang="de-DE" dirty="0" smtClean="0"/>
+              <a:t>Beispiel zur Berechnung von Quadratzahlen auf der GPU</a:t>
+            </a:r>
+          </a:p>
+          <a:p>
+            <a:pPr marL="109728" indent="0">
+              <a:buNone/>
+            </a:pPr>
+            <a:r>
+              <a:rPr lang="de-DE" dirty="0" smtClean="0"/>
+              <a:t>__</a:t>
+            </a:r>
+            <a:r>
+              <a:rPr lang="de-DE" dirty="0" err="1"/>
+              <a:t>kernel</a:t>
+            </a:r>
+            <a:r>
+              <a:rPr lang="de-DE" dirty="0"/>
+              <a:t> </a:t>
+            </a:r>
+            <a:r>
+              <a:rPr lang="de-DE" dirty="0" err="1">
+                <a:solidFill>
+                  <a:srgbClr val="0070C0"/>
+                </a:solidFill>
+              </a:rPr>
+              <a:t>void</a:t>
+            </a:r>
+            <a:r>
+              <a:rPr lang="de-DE" dirty="0">
+                <a:solidFill>
+                  <a:srgbClr val="0070C0"/>
+                </a:solidFill>
+              </a:rPr>
+              <a:t> </a:t>
+            </a:r>
+            <a:r>
+              <a:rPr lang="de-DE" dirty="0" err="1"/>
+              <a:t>calc</a:t>
+            </a:r>
+            <a:r>
+              <a:rPr lang="de-DE" dirty="0"/>
+              <a:t>(__global </a:t>
+            </a:r>
+            <a:r>
+              <a:rPr lang="de-DE" dirty="0" err="1">
+                <a:solidFill>
+                  <a:srgbClr val="0070C0"/>
+                </a:solidFill>
+              </a:rPr>
+              <a:t>int</a:t>
+            </a:r>
+            <a:r>
+              <a:rPr lang="de-DE" dirty="0"/>
+              <a:t>* </a:t>
+            </a:r>
+            <a:r>
+              <a:rPr lang="de-DE" dirty="0" err="1"/>
+              <a:t>array</a:t>
+            </a:r>
+            <a:r>
+              <a:rPr lang="de-DE" dirty="0"/>
+              <a:t>,				   </a:t>
+            </a:r>
+            <a:r>
+              <a:rPr lang="de-DE" dirty="0" smtClean="0"/>
+              <a:t>         __</a:t>
+            </a:r>
+            <a:r>
+              <a:rPr lang="de-DE" dirty="0"/>
+              <a:t>global </a:t>
+            </a:r>
+            <a:r>
+              <a:rPr lang="de-DE" dirty="0" err="1">
+                <a:solidFill>
+                  <a:srgbClr val="0070C0"/>
+                </a:solidFill>
+              </a:rPr>
+              <a:t>int</a:t>
+            </a:r>
+            <a:r>
+              <a:rPr lang="de-DE" dirty="0"/>
+              <a:t>* </a:t>
+            </a:r>
+            <a:r>
+              <a:rPr lang="de-DE" dirty="0" err="1"/>
+              <a:t>result</a:t>
+            </a:r>
+            <a:r>
+              <a:rPr lang="de-DE" dirty="0"/>
+              <a:t>) </a:t>
+            </a:r>
+            <a:r>
+              <a:rPr lang="de-DE" dirty="0" smtClean="0"/>
+              <a:t>{</a:t>
+            </a:r>
+            <a:br>
+              <a:rPr lang="de-DE" dirty="0" smtClean="0"/>
+            </a:br>
+            <a:r>
+              <a:rPr lang="de-DE" dirty="0" smtClean="0"/>
+              <a:t>	</a:t>
+            </a:r>
+            <a:r>
+              <a:rPr lang="de-DE" dirty="0" err="1" smtClean="0">
+                <a:solidFill>
+                  <a:srgbClr val="0070C0"/>
+                </a:solidFill>
+              </a:rPr>
+              <a:t>int</a:t>
+            </a:r>
+            <a:r>
+              <a:rPr lang="de-DE" dirty="0" smtClean="0">
+                <a:solidFill>
+                  <a:srgbClr val="0070C0"/>
+                </a:solidFill>
+              </a:rPr>
+              <a:t> </a:t>
+            </a:r>
+            <a:r>
+              <a:rPr lang="de-DE" dirty="0" err="1"/>
+              <a:t>gid</a:t>
+            </a:r>
+            <a:r>
+              <a:rPr lang="de-DE" dirty="0"/>
+              <a:t> = </a:t>
+            </a:r>
+            <a:r>
+              <a:rPr lang="de-DE" dirty="0" err="1"/>
+              <a:t>get_global_id</a:t>
+            </a:r>
+            <a:r>
+              <a:rPr lang="de-DE" dirty="0"/>
+              <a:t>(</a:t>
+            </a:r>
+            <a:r>
+              <a:rPr lang="de-DE" dirty="0">
+                <a:solidFill>
+                  <a:srgbClr val="FFC000"/>
+                </a:solidFill>
+              </a:rPr>
+              <a:t>0</a:t>
+            </a:r>
+            <a:r>
+              <a:rPr lang="de-DE" dirty="0" smtClean="0"/>
+              <a:t>);</a:t>
+            </a:r>
+            <a:br>
+              <a:rPr lang="de-DE" dirty="0" smtClean="0"/>
+            </a:br>
+            <a:r>
+              <a:rPr lang="de-DE" dirty="0" smtClean="0"/>
+              <a:t>	</a:t>
+            </a:r>
+            <a:r>
+              <a:rPr lang="de-DE" dirty="0" err="1" smtClean="0"/>
+              <a:t>result</a:t>
+            </a:r>
+            <a:r>
+              <a:rPr lang="de-DE" dirty="0" smtClean="0"/>
+              <a:t>[</a:t>
+            </a:r>
+            <a:r>
+              <a:rPr lang="de-DE" dirty="0" err="1" smtClean="0"/>
+              <a:t>gid</a:t>
+            </a:r>
+            <a:r>
+              <a:rPr lang="de-DE" dirty="0"/>
+              <a:t>] = </a:t>
+            </a:r>
+            <a:r>
+              <a:rPr lang="de-DE" dirty="0" err="1"/>
+              <a:t>array</a:t>
+            </a:r>
+            <a:r>
+              <a:rPr lang="de-DE" dirty="0"/>
+              <a:t>[</a:t>
+            </a:r>
+            <a:r>
+              <a:rPr lang="de-DE" dirty="0" err="1"/>
+              <a:t>gid</a:t>
+            </a:r>
+            <a:r>
+              <a:rPr lang="de-DE" dirty="0"/>
+              <a:t>] * </a:t>
+            </a:r>
+            <a:r>
+              <a:rPr lang="de-DE" dirty="0" err="1"/>
+              <a:t>array</a:t>
+            </a:r>
+            <a:r>
+              <a:rPr lang="de-DE" dirty="0"/>
+              <a:t>[</a:t>
+            </a:r>
+            <a:r>
+              <a:rPr lang="de-DE" dirty="0" err="1"/>
+              <a:t>gid</a:t>
+            </a:r>
+            <a:r>
+              <a:rPr lang="de-DE" dirty="0" smtClean="0"/>
+              <a:t>];</a:t>
+            </a:r>
+          </a:p>
+          <a:p>
+            <a:pPr marL="109728" indent="0">
+              <a:buNone/>
+            </a:pPr>
+            <a:r>
+              <a:rPr lang="de-DE" dirty="0" smtClean="0"/>
+              <a:t>}</a:t>
             </a:r>
             <a:endParaRPr lang="de-DE" dirty="0"/>
-          </a:p>
-          <a:p>
-            <a:pPr lvl="1"/>
-            <a:r>
-              <a:rPr lang="de-DE" dirty="0" smtClean="0"/>
-              <a:t>Schattenberechnung fehlerhaft.</a:t>
-            </a:r>
-          </a:p>
-          <a:p>
-            <a:pPr lvl="1"/>
-            <a:r>
-              <a:rPr lang="de-DE" dirty="0" smtClean="0"/>
-              <a:t>Fehlerhafte Darstellung im 3D-Viewer, da „Rückseiten“ der Dreiecke nicht angezeigt werden.</a:t>
-            </a:r>
           </a:p>
         </p:txBody>
       </p:sp>
@@ -15330,6 +15221,179 @@
               <a:rPr lang="de-DE" smtClean="0"/>
               <a:pPr/>
               <a:t>50</a:t>
+            </a:fld>
+            <a:endParaRPr lang="de-DE"/>
+          </a:p>
+        </p:txBody>
+      </p:sp>
+      <p:sp>
+        <p:nvSpPr>
+          <p:cNvPr id="5" name="Titel 4"/>
+          <p:cNvSpPr>
+            <a:spLocks noGrp="1"/>
+          </p:cNvSpPr>
+          <p:nvPr>
+            <p:ph type="title"/>
+          </p:nvPr>
+        </p:nvSpPr>
+        <p:spPr/>
+        <p:txBody>
+          <a:bodyPr/>
+          <a:lstStyle/>
+          <a:p>
+            <a:r>
+              <a:rPr lang="de-DE" dirty="0" smtClean="0"/>
+              <a:t>Aufbau </a:t>
+            </a:r>
+            <a:r>
+              <a:rPr lang="de-DE" dirty="0" err="1" smtClean="0"/>
+              <a:t>OpenCL</a:t>
+            </a:r>
+            <a:r>
+              <a:rPr lang="de-DE" dirty="0" smtClean="0"/>
+              <a:t> Kernel</a:t>
+            </a:r>
+            <a:endParaRPr lang="de-DE" dirty="0"/>
+          </a:p>
+        </p:txBody>
+      </p:sp>
+    </p:spTree>
+    <p:extLst>
+      <p:ext uri="{BB962C8B-B14F-4D97-AF65-F5344CB8AC3E}">
+        <p14:creationId xmlns:p14="http://schemas.microsoft.com/office/powerpoint/2010/main" val="3256973187"/>
+      </p:ext>
+    </p:extLst>
+  </p:cSld>
+  <p:clrMapOvr>
+    <a:masterClrMapping/>
+  </p:clrMapOvr>
+  <p:timing>
+    <p:tnLst>
+      <p:par>
+        <p:cTn id="1" dur="indefinite" restart="never" nodeType="tmRoot"/>
+      </p:par>
+    </p:tnLst>
+  </p:timing>
+</p:sld>
+</file>
+
+<file path=ppt/slides/slide51.xml><?xml version="1.0" encoding="utf-8"?>
+<p:sld xmlns:a="http://schemas.openxmlformats.org/drawingml/2006/main" xmlns:r="http://schemas.openxmlformats.org/officeDocument/2006/relationships" xmlns:p="http://schemas.openxmlformats.org/presentationml/2006/main">
+  <p:cSld>
+    <p:spTree>
+      <p:nvGrpSpPr>
+        <p:cNvPr id="1" name=""/>
+        <p:cNvGrpSpPr/>
+        <p:nvPr/>
+      </p:nvGrpSpPr>
+      <p:grpSpPr>
+        <a:xfrm>
+          <a:off x="0" y="0"/>
+          <a:ext cx="0" cy="0"/>
+          <a:chOff x="0" y="0"/>
+          <a:chExt cx="0" cy="0"/>
+        </a:xfrm>
+      </p:grpSpPr>
+      <p:sp>
+        <p:nvSpPr>
+          <p:cNvPr id="2" name="Inhaltsplatzhalter 1"/>
+          <p:cNvSpPr>
+            <a:spLocks noGrp="1"/>
+          </p:cNvSpPr>
+          <p:nvPr>
+            <p:ph idx="1"/>
+          </p:nvPr>
+        </p:nvSpPr>
+        <p:spPr/>
+        <p:txBody>
+          <a:bodyPr/>
+          <a:lstStyle/>
+          <a:p>
+            <a:r>
+              <a:rPr lang="de-DE" dirty="0" smtClean="0"/>
+              <a:t>Voraussetzung: Modell mit </a:t>
+            </a:r>
+            <a:r>
+              <a:rPr lang="de-DE" dirty="0" err="1" smtClean="0"/>
+              <a:t>CityDoctor</a:t>
+            </a:r>
+            <a:r>
+              <a:rPr lang="de-DE" dirty="0" smtClean="0"/>
+              <a:t> validiert bzw. korrigiert.</a:t>
+            </a:r>
+          </a:p>
+          <a:p>
+            <a:r>
+              <a:rPr lang="de-DE" dirty="0" smtClean="0"/>
+              <a:t>Ohne Validierung:</a:t>
+            </a:r>
+          </a:p>
+          <a:p>
+            <a:pPr lvl="1"/>
+            <a:r>
+              <a:rPr lang="de-DE" dirty="0" smtClean="0"/>
+              <a:t>Ergebnis der Volumenberechnung nicht korrekt.</a:t>
+            </a:r>
+            <a:endParaRPr lang="de-DE" dirty="0"/>
+          </a:p>
+          <a:p>
+            <a:pPr lvl="1"/>
+            <a:r>
+              <a:rPr lang="de-DE" dirty="0" smtClean="0"/>
+              <a:t>Schattenberechnung fehlerhaft.</a:t>
+            </a:r>
+          </a:p>
+          <a:p>
+            <a:pPr lvl="1"/>
+            <a:r>
+              <a:rPr lang="de-DE" dirty="0" smtClean="0"/>
+              <a:t>Fehlerhafte Darstellung im 3D-Viewer, da „Rückseiten“ der Dreiecke nicht angezeigt werden.</a:t>
+            </a:r>
+          </a:p>
+        </p:txBody>
+      </p:sp>
+      <p:sp>
+        <p:nvSpPr>
+          <p:cNvPr id="3" name="Datumsplatzhalter 2"/>
+          <p:cNvSpPr>
+            <a:spLocks noGrp="1"/>
+          </p:cNvSpPr>
+          <p:nvPr>
+            <p:ph type="dt" sz="half" idx="10"/>
+          </p:nvPr>
+        </p:nvSpPr>
+        <p:spPr/>
+        <p:txBody>
+          <a:bodyPr/>
+          <a:lstStyle/>
+          <a:p>
+            <a:r>
+              <a:rPr lang="de-DE" smtClean="0"/>
+              <a:t>23.06.2014</a:t>
+            </a:r>
+            <a:endParaRPr lang="de-DE"/>
+          </a:p>
+        </p:txBody>
+      </p:sp>
+      <p:sp>
+        <p:nvSpPr>
+          <p:cNvPr id="4" name="Foliennummernplatzhalter 3"/>
+          <p:cNvSpPr>
+            <a:spLocks noGrp="1"/>
+          </p:cNvSpPr>
+          <p:nvPr>
+            <p:ph type="sldNum" sz="quarter" idx="12"/>
+          </p:nvPr>
+        </p:nvSpPr>
+        <p:spPr/>
+        <p:txBody>
+          <a:bodyPr/>
+          <a:lstStyle/>
+          <a:p>
+            <a:fld id="{02075A8B-51D4-4999-A4F2-B3FAC6295E4D}" type="slidenum">
+              <a:rPr lang="de-DE" smtClean="0"/>
+              <a:pPr/>
+              <a:t>51</a:t>
             </a:fld>
             <a:endParaRPr lang="de-DE"/>
           </a:p>
@@ -15378,7 +15442,7 @@
 </p:sld>
 </file>
 
-<file path=ppt/slides/slide51.xml><?xml version="1.0" encoding="utf-8"?>
+<file path=ppt/slides/slide52.xml><?xml version="1.0" encoding="utf-8"?>
 <p:sld xmlns:a="http://schemas.openxmlformats.org/drawingml/2006/main" xmlns:r="http://schemas.openxmlformats.org/officeDocument/2006/relationships" xmlns:p="http://schemas.openxmlformats.org/presentationml/2006/main">
   <p:cSld>
     <p:spTree>
@@ -15588,7 +15652,7 @@
             <a:fld id="{02075A8B-51D4-4999-A4F2-B3FAC6295E4D}" type="slidenum">
               <a:rPr lang="de-DE" smtClean="0"/>
               <a:pPr/>
-              <a:t>51</a:t>
+              <a:t>52</a:t>
             </a:fld>
             <a:endParaRPr lang="de-DE"/>
           </a:p>
@@ -15614,7 +15678,7 @@
 </p:sld>
 </file>
 
-<file path=ppt/slides/slide52.xml><?xml version="1.0" encoding="utf-8"?>
+<file path=ppt/slides/slide53.xml><?xml version="1.0" encoding="utf-8"?>
 <p:sld xmlns:a="http://schemas.openxmlformats.org/drawingml/2006/main" xmlns:r="http://schemas.openxmlformats.org/officeDocument/2006/relationships" xmlns:p="http://schemas.openxmlformats.org/presentationml/2006/main">
   <p:cSld>
     <p:spTree>
@@ -15747,7 +15811,7 @@
             <a:fld id="{02075A8B-51D4-4999-A4F2-B3FAC6295E4D}" type="slidenum">
               <a:rPr lang="de-DE" smtClean="0"/>
               <a:pPr/>
-              <a:t>52</a:t>
+              <a:t>53</a:t>
             </a:fld>
             <a:endParaRPr lang="de-DE"/>
           </a:p>
@@ -15803,7 +15867,7 @@
 </p:sld>
 </file>
 
-<file path=ppt/slides/slide53.xml><?xml version="1.0" encoding="utf-8"?>
+<file path=ppt/slides/slide54.xml><?xml version="1.0" encoding="utf-8"?>
 <p:sld xmlns:a="http://schemas.openxmlformats.org/drawingml/2006/main" xmlns:r="http://schemas.openxmlformats.org/officeDocument/2006/relationships" xmlns:p="http://schemas.openxmlformats.org/presentationml/2006/main">
   <p:cSld>
     <p:spTree>
@@ -15937,7 +16001,7 @@
             <a:fld id="{02075A8B-51D4-4999-A4F2-B3FAC6295E4D}" type="slidenum">
               <a:rPr lang="de-DE" smtClean="0"/>
               <a:pPr/>
-              <a:t>53</a:t>
+              <a:t>54</a:t>
             </a:fld>
             <a:endParaRPr lang="de-DE"/>
           </a:p>
@@ -15963,7 +16027,7 @@
 </p:sld>
 </file>
 
-<file path=ppt/slides/slide54.xml><?xml version="1.0" encoding="utf-8"?>
+<file path=ppt/slides/slide55.xml><?xml version="1.0" encoding="utf-8"?>
 <p:sld xmlns:a="http://schemas.openxmlformats.org/drawingml/2006/main" xmlns:r="http://schemas.openxmlformats.org/officeDocument/2006/relationships" xmlns:p="http://schemas.openxmlformats.org/presentationml/2006/main">
   <p:cSld>
     <p:spTree>
@@ -16129,7 +16193,7 @@
             <a:fld id="{02075A8B-51D4-4999-A4F2-B3FAC6295E4D}" type="slidenum">
               <a:rPr lang="de-DE" smtClean="0"/>
               <a:pPr/>
-              <a:t>54</a:t>
+              <a:t>55</a:t>
             </a:fld>
             <a:endParaRPr lang="de-DE"/>
           </a:p>
@@ -16139,208 +16203,6 @@
     <p:extLst>
       <p:ext uri="{BB962C8B-B14F-4D97-AF65-F5344CB8AC3E}">
         <p14:creationId xmlns:p14="http://schemas.microsoft.com/office/powerpoint/2010/main" val="2097748742"/>
-      </p:ext>
-    </p:extLst>
-  </p:cSld>
-  <p:clrMapOvr>
-    <a:masterClrMapping/>
-  </p:clrMapOvr>
-  <p:timing>
-    <p:tnLst>
-      <p:par>
-        <p:cTn id="1" dur="indefinite" restart="never" nodeType="tmRoot"/>
-      </p:par>
-    </p:tnLst>
-  </p:timing>
-</p:sld>
-</file>
-
-<file path=ppt/slides/slide55.xml><?xml version="1.0" encoding="utf-8"?>
-<p:sld xmlns:a="http://schemas.openxmlformats.org/drawingml/2006/main" xmlns:r="http://schemas.openxmlformats.org/officeDocument/2006/relationships" xmlns:p="http://schemas.openxmlformats.org/presentationml/2006/main">
-  <p:cSld>
-    <p:spTree>
-      <p:nvGrpSpPr>
-        <p:cNvPr id="1" name=""/>
-        <p:cNvGrpSpPr/>
-        <p:nvPr/>
-      </p:nvGrpSpPr>
-      <p:grpSpPr>
-        <a:xfrm>
-          <a:off x="0" y="0"/>
-          <a:ext cx="0" cy="0"/>
-          <a:chOff x="0" y="0"/>
-          <a:chExt cx="0" cy="0"/>
-        </a:xfrm>
-      </p:grpSpPr>
-      <p:sp>
-        <p:nvSpPr>
-          <p:cNvPr id="2" name="Inhaltsplatzhalter 1"/>
-          <p:cNvSpPr>
-            <a:spLocks noGrp="1"/>
-          </p:cNvSpPr>
-          <p:nvPr>
-            <p:ph idx="1"/>
-          </p:nvPr>
-        </p:nvSpPr>
-        <p:spPr/>
-        <p:txBody>
-          <a:bodyPr/>
-          <a:lstStyle/>
-          <a:p>
-            <a:r>
-              <a:rPr lang="de-DE" dirty="0" smtClean="0"/>
-              <a:t>Zeitunabhängige Berechnung</a:t>
-            </a:r>
-          </a:p>
-          <a:p>
-            <a:r>
-              <a:rPr lang="de-DE" dirty="0"/>
-              <a:t>Schatten wird pro </a:t>
-            </a:r>
-            <a:r>
-              <a:rPr lang="de-DE" dirty="0" err="1"/>
-              <a:t>Skypatch</a:t>
-            </a:r>
-            <a:r>
-              <a:rPr lang="de-DE" dirty="0"/>
-              <a:t> </a:t>
-            </a:r>
-            <a:r>
-              <a:rPr lang="de-DE" dirty="0" smtClean="0"/>
-              <a:t>berechnet</a:t>
-            </a:r>
-          </a:p>
-          <a:p>
-            <a:r>
-              <a:rPr lang="de-DE" dirty="0" smtClean="0"/>
-              <a:t>Pro </a:t>
-            </a:r>
-            <a:r>
-              <a:rPr lang="de-DE" dirty="0" err="1" smtClean="0"/>
-              <a:t>Skypatch</a:t>
-            </a:r>
-            <a:r>
-              <a:rPr lang="de-DE" dirty="0" smtClean="0"/>
-              <a:t> und Dreieck ein </a:t>
-            </a:r>
-            <a:r>
-              <a:rPr lang="de-DE" dirty="0" err="1" smtClean="0"/>
-              <a:t>boolean</a:t>
-            </a:r>
-            <a:r>
-              <a:rPr lang="de-DE" dirty="0" smtClean="0"/>
-              <a:t> Wert</a:t>
-            </a:r>
-          </a:p>
-          <a:p>
-            <a:r>
-              <a:rPr lang="de-DE" dirty="0"/>
-              <a:t>Sonnenstand wird </a:t>
-            </a:r>
-            <a:r>
-              <a:rPr lang="de-DE" dirty="0" err="1"/>
-              <a:t>Skypatch</a:t>
-            </a:r>
-            <a:r>
-              <a:rPr lang="de-DE" dirty="0"/>
-              <a:t> zugeordnet</a:t>
-            </a:r>
-          </a:p>
-          <a:p>
-            <a:r>
-              <a:rPr lang="de-DE" dirty="0" smtClean="0"/>
-              <a:t>Schatten wird von </a:t>
-            </a:r>
-            <a:r>
-              <a:rPr lang="de-DE" dirty="0" err="1" smtClean="0"/>
-              <a:t>Skypatch</a:t>
-            </a:r>
-            <a:r>
-              <a:rPr lang="de-DE" dirty="0" smtClean="0"/>
-              <a:t> genommen</a:t>
-            </a:r>
-            <a:endParaRPr lang="de-DE" dirty="0"/>
-          </a:p>
-        </p:txBody>
-      </p:sp>
-      <p:sp>
-        <p:nvSpPr>
-          <p:cNvPr id="3" name="Titel 2"/>
-          <p:cNvSpPr>
-            <a:spLocks noGrp="1"/>
-          </p:cNvSpPr>
-          <p:nvPr>
-            <p:ph type="title"/>
-          </p:nvPr>
-        </p:nvSpPr>
-        <p:spPr/>
-        <p:txBody>
-          <a:bodyPr/>
-          <a:lstStyle/>
-          <a:p>
-            <a:r>
-              <a:rPr lang="de-DE" dirty="0" err="1" smtClean="0"/>
-              <a:t>Skymodel</a:t>
-            </a:r>
-            <a:r>
-              <a:rPr lang="de-DE" dirty="0" smtClean="0"/>
-              <a:t> (2/2)</a:t>
-            </a:r>
-            <a:endParaRPr lang="de-DE" dirty="0"/>
-          </a:p>
-        </p:txBody>
-      </p:sp>
-      <p:sp>
-        <p:nvSpPr>
-          <p:cNvPr id="4" name="Datumsplatzhalter 3"/>
-          <p:cNvSpPr>
-            <a:spLocks noGrp="1"/>
-          </p:cNvSpPr>
-          <p:nvPr>
-            <p:ph type="dt" sz="half" idx="10"/>
-          </p:nvPr>
-        </p:nvSpPr>
-        <p:spPr/>
-        <p:txBody>
-          <a:bodyPr/>
-          <a:lstStyle/>
-          <a:p>
-            <a:r>
-              <a:rPr lang="de-DE" smtClean="0"/>
-              <a:t>23.06.2014</a:t>
-            </a:r>
-            <a:endParaRPr lang="de-DE"/>
-          </a:p>
-        </p:txBody>
-      </p:sp>
-      <p:sp>
-        <p:nvSpPr>
-          <p:cNvPr id="5" name="Foliennummernplatzhalter 4"/>
-          <p:cNvSpPr>
-            <a:spLocks noGrp="1"/>
-          </p:cNvSpPr>
-          <p:nvPr>
-            <p:ph type="sldNum" sz="quarter" idx="12"/>
-          </p:nvPr>
-        </p:nvSpPr>
-        <p:spPr/>
-        <p:txBody>
-          <a:bodyPr/>
-          <a:lstStyle/>
-          <a:p>
-            <a:fld id="{02075A8B-51D4-4999-A4F2-B3FAC6295E4D}" type="slidenum">
-              <a:rPr lang="de-DE" smtClean="0"/>
-              <a:pPr/>
-              <a:t>55</a:t>
-            </a:fld>
-            <a:endParaRPr lang="de-DE"/>
-          </a:p>
-        </p:txBody>
-      </p:sp>
-    </p:spTree>
-    <p:extLst>
-      <p:ext uri="{BB962C8B-B14F-4D97-AF65-F5344CB8AC3E}">
-        <p14:creationId xmlns:p14="http://schemas.microsoft.com/office/powerpoint/2010/main" val="409179092"/>
       </p:ext>
     </p:extLst>
   </p:cSld>
@@ -16391,53 +16253,75 @@
           <a:p>
             <a:r>
               <a:rPr lang="de-DE" dirty="0" smtClean="0"/>
-              <a:t>Für jedes Dreieck und </a:t>
+              <a:t>Zeitunabhängige Berechnung</a:t>
+            </a:r>
+          </a:p>
+          <a:p>
+            <a:r>
+              <a:rPr lang="de-DE" dirty="0"/>
+              <a:t>Schatten wird pro </a:t>
+            </a:r>
+            <a:r>
+              <a:rPr lang="de-DE" dirty="0" err="1"/>
+              <a:t>Skypatch</a:t>
+            </a:r>
+            <a:r>
+              <a:rPr lang="de-DE" dirty="0"/>
+              <a:t> </a:t>
+            </a:r>
+            <a:r>
+              <a:rPr lang="de-DE" dirty="0" smtClean="0"/>
+              <a:t>berechnet</a:t>
+            </a:r>
+          </a:p>
+          <a:p>
+            <a:r>
+              <a:rPr lang="de-DE" dirty="0" smtClean="0"/>
+              <a:t>Pro </a:t>
             </a:r>
             <a:r>
               <a:rPr lang="de-DE" dirty="0" err="1" smtClean="0"/>
               <a:t>Skypatch</a:t>
             </a:r>
-            <a:endParaRPr lang="de-DE" dirty="0" smtClean="0"/>
-          </a:p>
-          <a:p>
-            <a:pPr lvl="1"/>
-            <a:r>
-              <a:rPr lang="de-DE" dirty="0" smtClean="0"/>
-              <a:t>Bilde Gerade von Mittelpunkt von Dreieck zu Mittelpunkt </a:t>
+            <a:r>
+              <a:rPr lang="de-DE" dirty="0" smtClean="0"/>
+              <a:t> und Dreieck ein </a:t>
+            </a:r>
+            <a:r>
+              <a:rPr lang="de-DE" dirty="0" err="1" smtClean="0"/>
+              <a:t>boolean</a:t>
+            </a:r>
+            <a:r>
+              <a:rPr lang="de-DE" dirty="0" smtClean="0"/>
+              <a:t> Wert</a:t>
+            </a:r>
+          </a:p>
+          <a:p>
+            <a:r>
+              <a:rPr lang="de-DE" dirty="0"/>
+              <a:t>Sonnenstand wird </a:t>
+            </a:r>
+            <a:r>
+              <a:rPr lang="de-DE" dirty="0" err="1"/>
+              <a:t>Skypatch</a:t>
+            </a:r>
+            <a:r>
+              <a:rPr lang="de-DE" dirty="0"/>
+              <a:t> zugeordnet</a:t>
+            </a:r>
+          </a:p>
+          <a:p>
+            <a:r>
+              <a:rPr lang="de-DE" dirty="0" smtClean="0"/>
+              <a:t>Schatten wird von </a:t>
             </a:r>
             <a:r>
               <a:rPr lang="de-DE" dirty="0" err="1" smtClean="0"/>
               <a:t>Skypatch</a:t>
             </a:r>
-            <a:endParaRPr lang="de-DE" dirty="0" smtClean="0"/>
-          </a:p>
-          <a:p>
-            <a:pPr lvl="1"/>
-            <a:r>
-              <a:rPr lang="de-DE" dirty="0" smtClean="0"/>
-              <a:t>Prüfe ob Gerade andere Dreiecke</a:t>
-            </a:r>
-            <a:r>
-              <a:rPr lang="de-DE" dirty="0"/>
-              <a:t> </a:t>
-            </a:r>
-            <a:r>
-              <a:rPr lang="de-DE" dirty="0" smtClean="0"/>
-              <a:t>schneidet</a:t>
-            </a:r>
-          </a:p>
-          <a:p>
-            <a:pPr lvl="1"/>
-            <a:r>
-              <a:rPr lang="de-DE" dirty="0" smtClean="0"/>
-              <a:t>Falls Gerade nichts schneidet oder Dreieck hinter dem zu prüfenden Dreieck: kein Schatten</a:t>
-            </a:r>
-          </a:p>
-          <a:p>
-            <a:pPr lvl="1"/>
-            <a:r>
-              <a:rPr lang="de-DE" dirty="0" smtClean="0"/>
-              <a:t>Falls Gerade schneidet und Dreieck vor dem zu prüfenden Dreieck: Schatten</a:t>
+            <a:r>
+              <a:rPr lang="de-DE" dirty="0" smtClean="0"/>
+              <a:t> genommen</a:t>
             </a:r>
             <a:endParaRPr lang="de-DE" dirty="0"/>
           </a:p>
@@ -16459,12 +16343,12 @@
           <a:lstStyle/>
           <a:p>
             <a:r>
-              <a:rPr lang="de-DE" dirty="0" smtClean="0"/>
-              <a:t>Berechnung: </a:t>
-            </a:r>
-            <a:r>
               <a:rPr lang="de-DE" dirty="0" err="1" smtClean="0"/>
-              <a:t>Raytracing</a:t>
+              <a:t>Skymodel</a:t>
+            </a:r>
+            <a:r>
+              <a:rPr lang="de-DE" dirty="0" smtClean="0"/>
+              <a:t> (2/2)</a:t>
             </a:r>
             <a:endParaRPr lang="de-DE" dirty="0"/>
           </a:p>
@@ -16520,7 +16404,7 @@
     </p:spTree>
     <p:extLst>
       <p:ext uri="{BB962C8B-B14F-4D97-AF65-F5344CB8AC3E}">
-        <p14:creationId xmlns:p14="http://schemas.microsoft.com/office/powerpoint/2010/main" val="2853518205"/>
+        <p14:creationId xmlns:p14="http://schemas.microsoft.com/office/powerpoint/2010/main" val="409179092"/>
       </p:ext>
     </p:extLst>
   </p:cSld>
@@ -16571,53 +16455,80 @@
           <a:p>
             <a:r>
               <a:rPr lang="de-DE" dirty="0" smtClean="0"/>
-              <a:t>Lange Rechenzeit</a:t>
-            </a:r>
-          </a:p>
-          <a:p>
+              <a:t>Für jedes Dreieck und </a:t>
+            </a:r>
             <a:r>
               <a:rPr lang="de-DE" dirty="0" err="1" smtClean="0"/>
-              <a:t>Watchdog</a:t>
-            </a:r>
-            <a:r>
-              <a:rPr lang="de-DE" dirty="0" smtClean="0"/>
+              <a:t>Skypatch</a:t>
+            </a:r>
+            <a:endParaRPr lang="de-DE" dirty="0" smtClean="0"/>
+          </a:p>
+          <a:p>
+            <a:pPr lvl="1"/>
+            <a:r>
+              <a:rPr lang="de-DE" dirty="0" smtClean="0"/>
+              <a:t>Bilde Gerade von Mittelpunkt von Dreieck zu Mittelpunkt </a:t>
+            </a:r>
+            <a:r>
+              <a:rPr lang="de-DE" dirty="0" err="1" smtClean="0"/>
+              <a:t>Skypatch</a:t>
+            </a:r>
+            <a:endParaRPr lang="de-DE" dirty="0" smtClean="0"/>
+          </a:p>
+          <a:p>
+            <a:pPr lvl="1"/>
+            <a:r>
+              <a:rPr lang="de-DE" dirty="0" smtClean="0"/>
+              <a:t>Prüfe ob Gerade andere Dreiecke</a:t>
+            </a:r>
+            <a:r>
+              <a:rPr lang="de-DE" dirty="0"/>
               <a:t> </a:t>
             </a:r>
             <a:r>
+              <a:rPr lang="de-DE" dirty="0" smtClean="0"/>
+              <a:t>schneidet</a:t>
+            </a:r>
+          </a:p>
+          <a:p>
+            <a:pPr lvl="1"/>
+            <a:r>
+              <a:rPr lang="de-DE" dirty="0" smtClean="0"/>
+              <a:t>Falls Gerade nichts schneidet oder Dreieck hinter dem zu prüfenden Dreieck: kein Schatten</a:t>
+            </a:r>
+          </a:p>
+          <a:p>
+            <a:pPr lvl="1"/>
+            <a:r>
+              <a:rPr lang="de-DE" dirty="0" smtClean="0"/>
+              <a:t>Falls Gerade schneidet und Dreieck vor dem zu prüfenden Dreieck: Schatten</a:t>
+            </a:r>
+            <a:endParaRPr lang="de-DE" dirty="0"/>
+          </a:p>
+        </p:txBody>
+      </p:sp>
+      <p:sp>
+        <p:nvSpPr>
+          <p:cNvPr id="3" name="Titel 2"/>
+          <p:cNvSpPr>
+            <a:spLocks noGrp="1"/>
+          </p:cNvSpPr>
+          <p:nvPr>
+            <p:ph type="title"/>
+          </p:nvPr>
+        </p:nvSpPr>
+        <p:spPr/>
+        <p:txBody>
+          <a:bodyPr/>
+          <a:lstStyle/>
+          <a:p>
+            <a:r>
+              <a:rPr lang="de-DE" dirty="0" smtClean="0"/>
+              <a:t>Berechnung: </a:t>
+            </a:r>
+            <a:r>
               <a:rPr lang="de-DE" dirty="0" err="1" smtClean="0"/>
-              <a:t>Timer</a:t>
-            </a:r>
-            <a:r>
-              <a:rPr lang="de-DE" dirty="0" smtClean="0"/>
-              <a:t> der GPU schlägt zu</a:t>
-            </a:r>
-          </a:p>
-          <a:p>
-            <a:r>
-              <a:rPr lang="de-DE" dirty="0" smtClean="0"/>
-              <a:t>Dreiecke können groß sein dadurch sehr ungenau</a:t>
-            </a:r>
-          </a:p>
-        </p:txBody>
-      </p:sp>
-      <p:sp>
-        <p:nvSpPr>
-          <p:cNvPr id="3" name="Titel 2"/>
-          <p:cNvSpPr>
-            <a:spLocks noGrp="1"/>
-          </p:cNvSpPr>
-          <p:nvPr>
-            <p:ph type="title"/>
-          </p:nvPr>
-        </p:nvSpPr>
-        <p:spPr/>
-        <p:txBody>
-          <a:bodyPr/>
-          <a:lstStyle/>
-          <a:p>
-            <a:r>
-              <a:rPr lang="de-DE" dirty="0" smtClean="0"/>
-              <a:t>Berechnung: Probleme</a:t>
+              <a:t>Raytracing</a:t>
             </a:r>
             <a:endParaRPr lang="de-DE" dirty="0"/>
           </a:p>
@@ -16673,7 +16584,7 @@
     </p:spTree>
     <p:extLst>
       <p:ext uri="{BB962C8B-B14F-4D97-AF65-F5344CB8AC3E}">
-        <p14:creationId xmlns:p14="http://schemas.microsoft.com/office/powerpoint/2010/main" val="21049820"/>
+        <p14:creationId xmlns:p14="http://schemas.microsoft.com/office/powerpoint/2010/main" val="2853518205"/>
       </p:ext>
     </p:extLst>
   </p:cSld>
@@ -16724,13 +16635,31 @@
           <a:p>
             <a:r>
               <a:rPr lang="de-DE" dirty="0" smtClean="0"/>
-              <a:t>Teile Dreiecke auf in kleinere Dreiecke</a:t>
-            </a:r>
-          </a:p>
-          <a:p>
-            <a:r>
-              <a:rPr lang="de-DE" dirty="0" smtClean="0"/>
-              <a:t>Falls Fläche von Dreieck größer als z.B. 1m² teile längste Seite in der Mitte und bilde zwei Dreiecke</a:t>
+              <a:t>Lange Rechenzeit</a:t>
+            </a:r>
+          </a:p>
+          <a:p>
+            <a:r>
+              <a:rPr lang="de-DE" dirty="0" err="1" smtClean="0"/>
+              <a:t>Watchdog</a:t>
+            </a:r>
+            <a:r>
+              <a:rPr lang="de-DE" dirty="0" smtClean="0"/>
+              <a:t> </a:t>
+            </a:r>
+            <a:r>
+              <a:rPr lang="de-DE" dirty="0" err="1" smtClean="0"/>
+              <a:t>Timer</a:t>
+            </a:r>
+            <a:r>
+              <a:rPr lang="de-DE" dirty="0" smtClean="0"/>
+              <a:t> der GPU schlägt zu</a:t>
+            </a:r>
+          </a:p>
+          <a:p>
+            <a:r>
+              <a:rPr lang="de-DE" dirty="0" smtClean="0"/>
+              <a:t>Dreiecke können groß sein dadurch sehr ungenau</a:t>
             </a:r>
           </a:p>
         </p:txBody>
@@ -16752,45 +16681,15 @@
           <a:p>
             <a:r>
               <a:rPr lang="de-DE" dirty="0" smtClean="0"/>
-              <a:t>Berechnung: Lösung (1/2)</a:t>
+              <a:t>Berechnung: Probleme</a:t>
             </a:r>
             <a:endParaRPr lang="de-DE" dirty="0"/>
           </a:p>
         </p:txBody>
       </p:sp>
-      <p:pic>
-        <p:nvPicPr>
-          <p:cNvPr id="4" name="Grafik 3"/>
-          <p:cNvPicPr>
-            <a:picLocks noChangeAspect="1"/>
-          </p:cNvPicPr>
-          <p:nvPr/>
-        </p:nvPicPr>
-        <p:blipFill>
-          <a:blip r:embed="rId2" cstate="print">
-            <a:extLst>
-              <a:ext uri="{28A0092B-C50C-407E-A947-70E740481C1C}">
-                <a14:useLocalDpi xmlns:a14="http://schemas.microsoft.com/office/drawing/2010/main" val="0"/>
-              </a:ext>
-            </a:extLst>
-          </a:blip>
-          <a:stretch>
-            <a:fillRect/>
-          </a:stretch>
-        </p:blipFill>
-        <p:spPr>
-          <a:xfrm>
-            <a:off x="2339752" y="3212976"/>
-            <a:ext cx="4001059" cy="2057687"/>
-          </a:xfrm>
-          <a:prstGeom prst="rect">
-            <a:avLst/>
-          </a:prstGeom>
-        </p:spPr>
-      </p:pic>
-      <p:sp>
-        <p:nvSpPr>
-          <p:cNvPr id="5" name="Datumsplatzhalter 4"/>
+      <p:sp>
+        <p:nvSpPr>
+          <p:cNvPr id="4" name="Datumsplatzhalter 3"/>
           <p:cNvSpPr>
             <a:spLocks noGrp="1"/>
           </p:cNvSpPr>
@@ -16813,7 +16712,7 @@
       </p:sp>
       <p:sp>
         <p:nvSpPr>
-          <p:cNvPr id="6" name="Foliennummernplatzhalter 5"/>
+          <p:cNvPr id="5" name="Foliennummernplatzhalter 4"/>
           <p:cNvSpPr>
             <a:spLocks noGrp="1"/>
           </p:cNvSpPr>
@@ -16838,7 +16737,7 @@
     </p:spTree>
     <p:extLst>
       <p:ext uri="{BB962C8B-B14F-4D97-AF65-F5344CB8AC3E}">
-        <p14:creationId xmlns:p14="http://schemas.microsoft.com/office/powerpoint/2010/main" val="3148905547"/>
+        <p14:creationId xmlns:p14="http://schemas.microsoft.com/office/powerpoint/2010/main" val="21049820"/>
       </p:ext>
     </p:extLst>
   </p:cSld>
@@ -16889,50 +16788,73 @@
           <a:p>
             <a:r>
               <a:rPr lang="de-DE" dirty="0" smtClean="0"/>
-              <a:t>Berechne für jedes Gebäude eine Umgebung von Gebäuden</a:t>
-            </a:r>
-          </a:p>
-          <a:p>
-            <a:r>
-              <a:rPr lang="de-DE" dirty="0" smtClean="0"/>
-              <a:t>Alle Gebäude, die weiter entfernt sind als z.B. 80m werden nicht berücksichtigt</a:t>
-            </a:r>
-          </a:p>
-          <a:p>
-            <a:r>
-              <a:rPr lang="de-DE" dirty="0" smtClean="0"/>
-              <a:t>Berechne den Schatten in Paketen</a:t>
+              <a:t>Teile Dreiecke auf in kleinere Dreiecke</a:t>
+            </a:r>
+          </a:p>
+          <a:p>
+            <a:r>
+              <a:rPr lang="de-DE" dirty="0" smtClean="0"/>
+              <a:t>Falls Fläche von Dreieck größer als z.B. 1m² teile längste Seite in der Mitte und bilde zwei Dreiecke</a:t>
+            </a:r>
+          </a:p>
+        </p:txBody>
+      </p:sp>
+      <p:sp>
+        <p:nvSpPr>
+          <p:cNvPr id="3" name="Titel 2"/>
+          <p:cNvSpPr>
+            <a:spLocks noGrp="1"/>
+          </p:cNvSpPr>
+          <p:nvPr>
+            <p:ph type="title"/>
+          </p:nvPr>
+        </p:nvSpPr>
+        <p:spPr/>
+        <p:txBody>
+          <a:bodyPr/>
+          <a:lstStyle/>
+          <a:p>
+            <a:r>
+              <a:rPr lang="de-DE" dirty="0" smtClean="0"/>
+              <a:t>Berechnung: Lösung (1/2)</a:t>
             </a:r>
             <a:endParaRPr lang="de-DE" dirty="0"/>
           </a:p>
         </p:txBody>
       </p:sp>
-      <p:sp>
-        <p:nvSpPr>
-          <p:cNvPr id="3" name="Titel 2"/>
-          <p:cNvSpPr>
-            <a:spLocks noGrp="1"/>
-          </p:cNvSpPr>
-          <p:nvPr>
-            <p:ph type="title"/>
-          </p:nvPr>
-        </p:nvSpPr>
-        <p:spPr/>
-        <p:txBody>
-          <a:bodyPr/>
-          <a:lstStyle/>
-          <a:p>
-            <a:r>
-              <a:rPr lang="de-DE" dirty="0" smtClean="0"/>
-              <a:t>Berechnung: Lösung (2/2)</a:t>
-            </a:r>
-            <a:endParaRPr lang="de-DE" dirty="0"/>
-          </a:p>
-        </p:txBody>
-      </p:sp>
-      <p:sp>
-        <p:nvSpPr>
-          <p:cNvPr id="4" name="Datumsplatzhalter 3"/>
+      <p:pic>
+        <p:nvPicPr>
+          <p:cNvPr id="4" name="Grafik 3"/>
+          <p:cNvPicPr>
+            <a:picLocks noChangeAspect="1"/>
+          </p:cNvPicPr>
+          <p:nvPr/>
+        </p:nvPicPr>
+        <p:blipFill>
+          <a:blip r:embed="rId2" cstate="print">
+            <a:extLst>
+              <a:ext uri="{28A0092B-C50C-407E-A947-70E740481C1C}">
+                <a14:useLocalDpi xmlns:a14="http://schemas.microsoft.com/office/drawing/2010/main" val="0"/>
+              </a:ext>
+            </a:extLst>
+          </a:blip>
+          <a:stretch>
+            <a:fillRect/>
+          </a:stretch>
+        </p:blipFill>
+        <p:spPr>
+          <a:xfrm>
+            <a:off x="2339752" y="3212976"/>
+            <a:ext cx="4001059" cy="2057687"/>
+          </a:xfrm>
+          <a:prstGeom prst="rect">
+            <a:avLst/>
+          </a:prstGeom>
+        </p:spPr>
+      </p:pic>
+      <p:sp>
+        <p:nvSpPr>
+          <p:cNvPr id="5" name="Datumsplatzhalter 4"/>
           <p:cNvSpPr>
             <a:spLocks noGrp="1"/>
           </p:cNvSpPr>
@@ -16955,7 +16877,7 @@
       </p:sp>
       <p:sp>
         <p:nvSpPr>
-          <p:cNvPr id="5" name="Foliennummernplatzhalter 4"/>
+          <p:cNvPr id="6" name="Foliennummernplatzhalter 5"/>
           <p:cNvSpPr>
             <a:spLocks noGrp="1"/>
           </p:cNvSpPr>
@@ -16980,7 +16902,7 @@
     </p:spTree>
     <p:extLst>
       <p:ext uri="{BB962C8B-B14F-4D97-AF65-F5344CB8AC3E}">
-        <p14:creationId xmlns:p14="http://schemas.microsoft.com/office/powerpoint/2010/main" val="1520712045"/>
+        <p14:creationId xmlns:p14="http://schemas.microsoft.com/office/powerpoint/2010/main" val="3148905547"/>
       </p:ext>
     </p:extLst>
   </p:cSld>
@@ -17227,31 +17149,19 @@
           <a:p>
             <a:r>
               <a:rPr lang="de-DE" dirty="0" smtClean="0"/>
-              <a:t>Berechne Mittelpunkt von Gebäuden</a:t>
-            </a:r>
-          </a:p>
-          <a:p>
-            <a:r>
-              <a:rPr lang="de-DE" dirty="0" smtClean="0"/>
-              <a:t>Teile große Dreiecke in kleine Dreiecke</a:t>
-            </a:r>
-          </a:p>
-          <a:p>
-            <a:r>
-              <a:rPr lang="de-DE" dirty="0" smtClean="0"/>
-              <a:t>Berechne Mittelpunkt von kleinen Dreiecken</a:t>
-            </a:r>
-          </a:p>
-          <a:p>
-            <a:r>
-              <a:rPr lang="de-DE" dirty="0" smtClean="0"/>
-              <a:t>Sammle alle kleinen Dreiecke in einer Liste</a:t>
-            </a:r>
-          </a:p>
-          <a:p>
-            <a:r>
-              <a:rPr lang="de-DE" dirty="0" smtClean="0"/>
-              <a:t>Hole Pakete von 256/512/1024 Dreiecken aus Liste und bearbeite diese</a:t>
+              <a:t>Berechne für jedes Gebäude eine Umgebung von Gebäuden</a:t>
+            </a:r>
+          </a:p>
+          <a:p>
+            <a:r>
+              <a:rPr lang="de-DE" dirty="0" smtClean="0"/>
+              <a:t>Alle Gebäude, die weiter entfernt sind als z.B. 80m werden nicht berücksichtigt</a:t>
+            </a:r>
+          </a:p>
+          <a:p>
+            <a:r>
+              <a:rPr lang="de-DE" dirty="0" smtClean="0"/>
+              <a:t>Berechne den Schatten in Paketen</a:t>
             </a:r>
             <a:endParaRPr lang="de-DE" dirty="0"/>
           </a:p>
@@ -17274,7 +17184,7 @@
           <a:p>
             <a:r>
               <a:rPr lang="de-DE" dirty="0" smtClean="0"/>
-              <a:t>Berechnung: Umsetzung (1/2)</a:t>
+              <a:t>Berechnung: Lösung (2/2)</a:t>
             </a:r>
             <a:endParaRPr lang="de-DE" dirty="0"/>
           </a:p>
@@ -17330,7 +17240,7 @@
     </p:spTree>
     <p:extLst>
       <p:ext uri="{BB962C8B-B14F-4D97-AF65-F5344CB8AC3E}">
-        <p14:creationId xmlns:p14="http://schemas.microsoft.com/office/powerpoint/2010/main" val="1532000112"/>
+        <p14:creationId xmlns:p14="http://schemas.microsoft.com/office/powerpoint/2010/main" val="1520712045"/>
       </p:ext>
     </p:extLst>
   </p:cSld>
@@ -17381,19 +17291,31 @@
           <a:p>
             <a:r>
               <a:rPr lang="de-DE" dirty="0" smtClean="0"/>
-              <a:t>Ermittle zu welchen Gebäuden die Dreiecke gehören</a:t>
-            </a:r>
-          </a:p>
-          <a:p>
-            <a:r>
-              <a:rPr lang="de-DE" dirty="0" smtClean="0"/>
-              <a:t>Berechne für jedes gefundene Gebäude die Umgebung</a:t>
-            </a:r>
-          </a:p>
-          <a:p>
-            <a:r>
-              <a:rPr lang="de-DE" dirty="0" smtClean="0"/>
-              <a:t>Speicher alles auf die Grafikkarte und starte die Berechnung</a:t>
+              <a:t>Berechne Mittelpunkt von Gebäuden</a:t>
+            </a:r>
+          </a:p>
+          <a:p>
+            <a:r>
+              <a:rPr lang="de-DE" dirty="0" smtClean="0"/>
+              <a:t>Teile große Dreiecke in kleine Dreiecke</a:t>
+            </a:r>
+          </a:p>
+          <a:p>
+            <a:r>
+              <a:rPr lang="de-DE" dirty="0" smtClean="0"/>
+              <a:t>Berechne Mittelpunkt von kleinen Dreiecken</a:t>
+            </a:r>
+          </a:p>
+          <a:p>
+            <a:r>
+              <a:rPr lang="de-DE" dirty="0" smtClean="0"/>
+              <a:t>Sammle alle kleinen Dreiecke in einer Liste</a:t>
+            </a:r>
+          </a:p>
+          <a:p>
+            <a:r>
+              <a:rPr lang="de-DE" dirty="0" smtClean="0"/>
+              <a:t>Hole Pakete von 256/512/1024 Dreiecken aus Liste und bearbeite diese</a:t>
             </a:r>
             <a:endParaRPr lang="de-DE" dirty="0"/>
           </a:p>
@@ -17416,7 +17338,7 @@
           <a:p>
             <a:r>
               <a:rPr lang="de-DE" dirty="0" smtClean="0"/>
-              <a:t>Berechnung: Umsetzung (2/2)</a:t>
+              <a:t>Berechnung: Umsetzung (1/2)</a:t>
             </a:r>
             <a:endParaRPr lang="de-DE" dirty="0"/>
           </a:p>
@@ -17472,7 +17394,7 @@
     </p:spTree>
     <p:extLst>
       <p:ext uri="{BB962C8B-B14F-4D97-AF65-F5344CB8AC3E}">
-        <p14:creationId xmlns:p14="http://schemas.microsoft.com/office/powerpoint/2010/main" val="1716100772"/>
+        <p14:creationId xmlns:p14="http://schemas.microsoft.com/office/powerpoint/2010/main" val="1532000112"/>
       </p:ext>
     </p:extLst>
   </p:cSld>
@@ -17523,19 +17445,19 @@
           <a:p>
             <a:r>
               <a:rPr lang="de-DE" dirty="0" smtClean="0"/>
-              <a:t>Rot: zu berechnendes Gebäude</a:t>
-            </a:r>
-          </a:p>
-          <a:p>
-            <a:r>
-              <a:rPr lang="de-DE" dirty="0" smtClean="0"/>
-              <a:t>Grün: Umgebung</a:t>
-            </a:r>
-          </a:p>
-          <a:p>
-            <a:r>
-              <a:rPr lang="de-DE" dirty="0" smtClean="0"/>
-              <a:t>Schwarz: Gebäude außer Reichweite</a:t>
+              <a:t>Ermittle zu welchen Gebäuden die Dreiecke gehören</a:t>
+            </a:r>
+          </a:p>
+          <a:p>
+            <a:r>
+              <a:rPr lang="de-DE" dirty="0" smtClean="0"/>
+              <a:t>Berechne für jedes gefundene Gebäude die Umgebung</a:t>
+            </a:r>
+          </a:p>
+          <a:p>
+            <a:r>
+              <a:rPr lang="de-DE" dirty="0" smtClean="0"/>
+              <a:t>Speicher alles auf die Grafikkarte und starte die Berechnung</a:t>
             </a:r>
             <a:endParaRPr lang="de-DE" dirty="0"/>
           </a:p>
@@ -17558,42 +17480,12 @@
           <a:p>
             <a:r>
               <a:rPr lang="de-DE" dirty="0" smtClean="0"/>
-              <a:t>Berechnung: Beispiel</a:t>
+              <a:t>Berechnung: Umsetzung (2/2)</a:t>
             </a:r>
             <a:endParaRPr lang="de-DE" dirty="0"/>
           </a:p>
         </p:txBody>
       </p:sp>
-      <p:pic>
-        <p:nvPicPr>
-          <p:cNvPr id="5" name="Grafik 4"/>
-          <p:cNvPicPr>
-            <a:picLocks noChangeAspect="1"/>
-          </p:cNvPicPr>
-          <p:nvPr/>
-        </p:nvPicPr>
-        <p:blipFill>
-          <a:blip r:embed="rId2" cstate="print">
-            <a:extLst>
-              <a:ext uri="{28A0092B-C50C-407E-A947-70E740481C1C}">
-                <a14:useLocalDpi xmlns:a14="http://schemas.microsoft.com/office/drawing/2010/main" val="0"/>
-              </a:ext>
-            </a:extLst>
-          </a:blip>
-          <a:stretch>
-            <a:fillRect/>
-          </a:stretch>
-        </p:blipFill>
-        <p:spPr>
-          <a:xfrm>
-            <a:off x="3059832" y="3018538"/>
-            <a:ext cx="3696216" cy="3224358"/>
-          </a:xfrm>
-          <a:prstGeom prst="rect">
-            <a:avLst/>
-          </a:prstGeom>
-        </p:spPr>
-      </p:pic>
       <p:sp>
         <p:nvSpPr>
           <p:cNvPr id="4" name="Datumsplatzhalter 3"/>
@@ -17619,7 +17511,7 @@
       </p:sp>
       <p:sp>
         <p:nvSpPr>
-          <p:cNvPr id="6" name="Foliennummernplatzhalter 5"/>
+          <p:cNvPr id="5" name="Foliennummernplatzhalter 4"/>
           <p:cNvSpPr>
             <a:spLocks noGrp="1"/>
           </p:cNvSpPr>
@@ -17644,7 +17536,7 @@
     </p:spTree>
     <p:extLst>
       <p:ext uri="{BB962C8B-B14F-4D97-AF65-F5344CB8AC3E}">
-        <p14:creationId xmlns:p14="http://schemas.microsoft.com/office/powerpoint/2010/main" val="3167510390"/>
+        <p14:creationId xmlns:p14="http://schemas.microsoft.com/office/powerpoint/2010/main" val="1716100772"/>
       </p:ext>
     </p:extLst>
   </p:cSld>
@@ -17695,41 +17587,19 @@
           <a:p>
             <a:r>
               <a:rPr lang="de-DE" dirty="0" smtClean="0"/>
-              <a:t>Anhand von Ort und Zeitpunkt (inkl. Datum) Position der Sonne bestimmen</a:t>
-            </a:r>
-          </a:p>
-          <a:p>
-            <a:r>
-              <a:rPr lang="de-DE" dirty="0" smtClean="0"/>
-              <a:t>Algorithmus aus Wikipedia übernommen</a:t>
-            </a:r>
-          </a:p>
-          <a:p>
-            <a:r>
-              <a:rPr lang="de-DE" dirty="0" smtClean="0"/>
-              <a:t>Ergebnis ist ein </a:t>
-            </a:r>
-            <a:r>
-              <a:rPr lang="de-DE" dirty="0" err="1" smtClean="0"/>
-              <a:t>Azimuthwinkel</a:t>
-            </a:r>
-            <a:r>
-              <a:rPr lang="de-DE" dirty="0" smtClean="0"/>
-              <a:t> und ein Höhenwinkel</a:t>
-            </a:r>
-          </a:p>
-          <a:p>
-            <a:r>
-              <a:rPr lang="de-DE" dirty="0" smtClean="0"/>
-              <a:t>Aus den Winkeln wird das richtige </a:t>
-            </a:r>
-            <a:r>
-              <a:rPr lang="de-DE" dirty="0" err="1" smtClean="0"/>
-              <a:t>Skypatch</a:t>
-            </a:r>
-            <a:r>
-              <a:rPr lang="de-DE" dirty="0" smtClean="0"/>
-              <a:t> ausgewählt</a:t>
+              <a:t>Rot: zu berechnendes Gebäude</a:t>
+            </a:r>
+          </a:p>
+          <a:p>
+            <a:r>
+              <a:rPr lang="de-DE" dirty="0" smtClean="0"/>
+              <a:t>Grün: Umgebung</a:t>
+            </a:r>
+          </a:p>
+          <a:p>
+            <a:r>
+              <a:rPr lang="de-DE" dirty="0" smtClean="0"/>
+              <a:t>Schwarz: Gebäude außer Reichweite</a:t>
             </a:r>
             <a:endParaRPr lang="de-DE" dirty="0"/>
           </a:p>
@@ -17752,12 +17622,42 @@
           <a:p>
             <a:r>
               <a:rPr lang="de-DE" dirty="0" smtClean="0"/>
-              <a:t>Berechnung: Sonnenstand</a:t>
+              <a:t>Berechnung: Beispiel</a:t>
             </a:r>
             <a:endParaRPr lang="de-DE" dirty="0"/>
           </a:p>
         </p:txBody>
       </p:sp>
+      <p:pic>
+        <p:nvPicPr>
+          <p:cNvPr id="5" name="Grafik 4"/>
+          <p:cNvPicPr>
+            <a:picLocks noChangeAspect="1"/>
+          </p:cNvPicPr>
+          <p:nvPr/>
+        </p:nvPicPr>
+        <p:blipFill>
+          <a:blip r:embed="rId2" cstate="print">
+            <a:extLst>
+              <a:ext uri="{28A0092B-C50C-407E-A947-70E740481C1C}">
+                <a14:useLocalDpi xmlns:a14="http://schemas.microsoft.com/office/drawing/2010/main" val="0"/>
+              </a:ext>
+            </a:extLst>
+          </a:blip>
+          <a:stretch>
+            <a:fillRect/>
+          </a:stretch>
+        </p:blipFill>
+        <p:spPr>
+          <a:xfrm>
+            <a:off x="3059832" y="3018538"/>
+            <a:ext cx="3696216" cy="3224358"/>
+          </a:xfrm>
+          <a:prstGeom prst="rect">
+            <a:avLst/>
+          </a:prstGeom>
+        </p:spPr>
+      </p:pic>
       <p:sp>
         <p:nvSpPr>
           <p:cNvPr id="4" name="Datumsplatzhalter 3"/>
@@ -17783,7 +17683,7 @@
       </p:sp>
       <p:sp>
         <p:nvSpPr>
-          <p:cNvPr id="5" name="Foliennummernplatzhalter 4"/>
+          <p:cNvPr id="6" name="Foliennummernplatzhalter 5"/>
           <p:cNvSpPr>
             <a:spLocks noGrp="1"/>
           </p:cNvSpPr>
@@ -17808,7 +17708,7 @@
     </p:spTree>
     <p:extLst>
       <p:ext uri="{BB962C8B-B14F-4D97-AF65-F5344CB8AC3E}">
-        <p14:creationId xmlns:p14="http://schemas.microsoft.com/office/powerpoint/2010/main" val="952026451"/>
+        <p14:creationId xmlns:p14="http://schemas.microsoft.com/office/powerpoint/2010/main" val="3167510390"/>
       </p:ext>
     </p:extLst>
   </p:cSld>
@@ -17859,41 +17759,72 @@
           <a:p>
             <a:r>
               <a:rPr lang="de-DE" dirty="0" smtClean="0"/>
-              <a:t>Aufgaben</a:t>
-            </a:r>
-          </a:p>
-          <a:p>
-            <a:r>
-              <a:rPr lang="de-DE" dirty="0" smtClean="0"/>
-              <a:t>Funktionen</a:t>
-            </a:r>
-          </a:p>
-          <a:p>
-            <a:r>
-              <a:rPr lang="de-DE" dirty="0" smtClean="0"/>
-              <a:t>Aufbau</a:t>
-            </a:r>
-          </a:p>
-          <a:p>
-            <a:r>
-              <a:rPr lang="de-DE" dirty="0" smtClean="0"/>
-              <a:t>Probleme / Lösungen</a:t>
-            </a:r>
-          </a:p>
-          <a:p>
-            <a:r>
-              <a:rPr lang="de-DE" dirty="0" smtClean="0"/>
-              <a:t>Performance</a:t>
-            </a:r>
-          </a:p>
-          <a:p>
+              <a:t>Anhand von Ort und Zeitpunkt (inkl. Datum) Position der Sonne bestimmen</a:t>
+            </a:r>
+          </a:p>
+          <a:p>
+            <a:r>
+              <a:rPr lang="de-DE" dirty="0" smtClean="0"/>
+              <a:t>Algorithmus aus Wikipedia übernommen</a:t>
+            </a:r>
+          </a:p>
+          <a:p>
+            <a:r>
+              <a:rPr lang="de-DE" dirty="0" smtClean="0"/>
+              <a:t>Ergebnis ist ein </a:t>
+            </a:r>
+            <a:r>
+              <a:rPr lang="de-DE" dirty="0" err="1" smtClean="0"/>
+              <a:t>Azimuthwinkel</a:t>
+            </a:r>
+            <a:r>
+              <a:rPr lang="de-DE" dirty="0" smtClean="0"/>
+              <a:t> und ein Höhenwinkel</a:t>
+            </a:r>
+          </a:p>
+          <a:p>
+            <a:r>
+              <a:rPr lang="de-DE" dirty="0" smtClean="0"/>
+              <a:t>Aus den Winkeln wird das richtige </a:t>
+            </a:r>
+            <a:r>
+              <a:rPr lang="de-DE" dirty="0" err="1" smtClean="0"/>
+              <a:t>Skypatch</a:t>
+            </a:r>
+            <a:r>
+              <a:rPr lang="de-DE" dirty="0" smtClean="0"/>
+              <a:t> ausgewählt</a:t>
+            </a:r>
             <a:endParaRPr lang="de-DE" dirty="0"/>
           </a:p>
         </p:txBody>
       </p:sp>
       <p:sp>
         <p:nvSpPr>
-          <p:cNvPr id="3" name="Datumsplatzhalter 2"/>
+          <p:cNvPr id="3" name="Titel 2"/>
+          <p:cNvSpPr>
+            <a:spLocks noGrp="1"/>
+          </p:cNvSpPr>
+          <p:nvPr>
+            <p:ph type="title"/>
+          </p:nvPr>
+        </p:nvSpPr>
+        <p:spPr/>
+        <p:txBody>
+          <a:bodyPr/>
+          <a:lstStyle/>
+          <a:p>
+            <a:r>
+              <a:rPr lang="de-DE" dirty="0" smtClean="0"/>
+              <a:t>Berechnung: Sonnenstand</a:t>
+            </a:r>
+            <a:endParaRPr lang="de-DE" dirty="0"/>
+          </a:p>
+        </p:txBody>
+      </p:sp>
+      <p:sp>
+        <p:nvSpPr>
+          <p:cNvPr id="4" name="Datumsplatzhalter 3"/>
           <p:cNvSpPr>
             <a:spLocks noGrp="1"/>
           </p:cNvSpPr>
@@ -17916,7 +17847,7 @@
       </p:sp>
       <p:sp>
         <p:nvSpPr>
-          <p:cNvPr id="4" name="Foliennummernplatzhalter 3"/>
+          <p:cNvPr id="5" name="Foliennummernplatzhalter 4"/>
           <p:cNvSpPr>
             <a:spLocks noGrp="1"/>
           </p:cNvSpPr>
@@ -17938,32 +17869,10 @@
           </a:p>
         </p:txBody>
       </p:sp>
-      <p:sp>
-        <p:nvSpPr>
-          <p:cNvPr id="5" name="Titel 4"/>
-          <p:cNvSpPr>
-            <a:spLocks noGrp="1"/>
-          </p:cNvSpPr>
-          <p:nvPr>
-            <p:ph type="title"/>
-          </p:nvPr>
-        </p:nvSpPr>
-        <p:spPr/>
-        <p:txBody>
-          <a:bodyPr/>
-          <a:lstStyle/>
-          <a:p>
-            <a:r>
-              <a:rPr lang="de-DE" dirty="0"/>
-              <a:t>3D-Viewer und GUI</a:t>
-            </a:r>
-          </a:p>
-        </p:txBody>
-      </p:sp>
     </p:spTree>
     <p:extLst>
       <p:ext uri="{BB962C8B-B14F-4D97-AF65-F5344CB8AC3E}">
-        <p14:creationId xmlns:p14="http://schemas.microsoft.com/office/powerpoint/2010/main" val="3848441913"/>
+        <p14:creationId xmlns:p14="http://schemas.microsoft.com/office/powerpoint/2010/main" val="952026451"/>
       </p:ext>
     </p:extLst>
   </p:cSld>
@@ -18007,48 +17916,42 @@
             <p:ph idx="1"/>
           </p:nvPr>
         </p:nvSpPr>
-        <p:spPr>
-          <a:xfrm>
-            <a:off x="457200" y="1196752"/>
-            <a:ext cx="8229600" cy="4810539"/>
-          </a:xfrm>
-        </p:spPr>
-        <p:txBody>
-          <a:bodyPr/>
-          <a:lstStyle/>
-          <a:p>
-            <a:pPr>
-              <a:buNone/>
-            </a:pPr>
-            <a:endParaRPr lang="de-DE" b="1" dirty="0" smtClean="0"/>
-          </a:p>
-          <a:p>
-            <a:r>
-              <a:rPr lang="de-DE" dirty="0" smtClean="0"/>
-              <a:t>Erstellung </a:t>
-            </a:r>
-            <a:r>
-              <a:rPr lang="de-DE" dirty="0" smtClean="0"/>
-              <a:t>einer graphischen Benutzungsschnittstelle inklusive 3D Visualisierung der Stadt</a:t>
-            </a:r>
-          </a:p>
-          <a:p>
-            <a:r>
-              <a:rPr lang="de-DE" dirty="0" smtClean="0"/>
-              <a:t>Die GUI in JAVA und Swing umsetzen</a:t>
-            </a:r>
-          </a:p>
-          <a:p>
-            <a:r>
-              <a:rPr lang="de-DE" dirty="0" smtClean="0"/>
-              <a:t>3D Visualisierung mit Hilfe von JOGL </a:t>
-            </a:r>
-          </a:p>
-          <a:p>
-            <a:endParaRPr lang="de-DE" dirty="0" smtClean="0"/>
-          </a:p>
-          <a:p>
-            <a:endParaRPr lang="de-DE" dirty="0" smtClean="0"/>
+        <p:spPr/>
+        <p:txBody>
+          <a:bodyPr/>
+          <a:lstStyle/>
+          <a:p>
+            <a:r>
+              <a:rPr lang="de-DE" dirty="0" smtClean="0"/>
+              <a:t>Aufgaben</a:t>
+            </a:r>
+          </a:p>
+          <a:p>
+            <a:r>
+              <a:rPr lang="de-DE" dirty="0" smtClean="0"/>
+              <a:t>Funktionen</a:t>
+            </a:r>
+          </a:p>
+          <a:p>
+            <a:r>
+              <a:rPr lang="de-DE" dirty="0" smtClean="0"/>
+              <a:t>Aufbau</a:t>
+            </a:r>
+          </a:p>
+          <a:p>
+            <a:r>
+              <a:rPr lang="de-DE" dirty="0" smtClean="0"/>
+              <a:t>Probleme / Lösungen</a:t>
+            </a:r>
+          </a:p>
+          <a:p>
+            <a:r>
+              <a:rPr lang="de-DE" dirty="0" smtClean="0"/>
+              <a:t>Performance</a:t>
+            </a:r>
+          </a:p>
+          <a:p>
+            <a:endParaRPr lang="de-DE" dirty="0"/>
           </a:p>
         </p:txBody>
       </p:sp>
@@ -18115,17 +18018,16 @@
           <a:lstStyle/>
           <a:p>
             <a:r>
-              <a:rPr lang="de-DE" dirty="0" smtClean="0"/>
-              <a:t>Aufgaben der GUI</a:t>
-            </a:r>
-            <a:endParaRPr lang="de-DE" dirty="0"/>
+              <a:rPr lang="de-DE" dirty="0"/>
+              <a:t>3D-Viewer und GUI</a:t>
+            </a:r>
           </a:p>
         </p:txBody>
       </p:sp>
     </p:spTree>
     <p:extLst>
       <p:ext uri="{BB962C8B-B14F-4D97-AF65-F5344CB8AC3E}">
-        <p14:creationId xmlns:p14="http://schemas.microsoft.com/office/powerpoint/2010/main" val="1054123675"/>
+        <p14:creationId xmlns:p14="http://schemas.microsoft.com/office/powerpoint/2010/main" val="3848441913"/>
       </p:ext>
     </p:extLst>
   </p:cSld>
@@ -18169,69 +18071,44 @@
             <p:ph idx="1"/>
           </p:nvPr>
         </p:nvSpPr>
-        <p:spPr/>
-        <p:txBody>
-          <a:bodyPr/>
-          <a:lstStyle/>
-          <a:p>
-            <a:endParaRPr lang="de-DE" dirty="0" smtClean="0"/>
-          </a:p>
-          <a:p>
-            <a:r>
-              <a:rPr lang="de-DE" dirty="0" smtClean="0"/>
-              <a:t>Koordinatenachsen anzeigen</a:t>
-            </a:r>
-          </a:p>
-          <a:p>
-            <a:r>
-              <a:rPr lang="de-DE" dirty="0" err="1" smtClean="0"/>
-              <a:t>Skypatchs</a:t>
-            </a:r>
-            <a:r>
-              <a:rPr lang="de-DE" dirty="0" smtClean="0"/>
-              <a:t> zeichnen</a:t>
-            </a:r>
-          </a:p>
-          <a:p>
-            <a:r>
-              <a:rPr lang="de-DE" dirty="0" smtClean="0"/>
-              <a:t>Position der Sonne </a:t>
-            </a:r>
-            <a:r>
-              <a:rPr lang="de-DE" dirty="0" err="1" smtClean="0"/>
-              <a:t>anzeigbar</a:t>
-            </a:r>
-            <a:endParaRPr lang="de-DE" dirty="0" smtClean="0"/>
-          </a:p>
-          <a:p>
-            <a:r>
-              <a:rPr lang="de-DE" dirty="0" smtClean="0"/>
-              <a:t>Anzeige der Gebäude</a:t>
-            </a:r>
-          </a:p>
-          <a:p>
-            <a:r>
-              <a:rPr lang="de-DE" dirty="0" smtClean="0"/>
-              <a:t>Anzeige des Schattens unterteilt in Dreiecke</a:t>
-            </a:r>
-          </a:p>
+        <p:spPr>
+          <a:xfrm>
+            <a:off x="457200" y="1196752"/>
+            <a:ext cx="8229600" cy="4810539"/>
+          </a:xfrm>
+        </p:spPr>
+        <p:txBody>
+          <a:bodyPr/>
+          <a:lstStyle/>
           <a:p>
             <a:pPr>
               <a:buNone/>
             </a:pPr>
-            <a:r>
-              <a:rPr lang="de-DE" dirty="0" smtClean="0"/>
-              <a:t>  oder Polygone</a:t>
-            </a:r>
-          </a:p>
-          <a:p>
-            <a:r>
-              <a:rPr lang="de-DE" dirty="0" smtClean="0"/>
-              <a:t>Anzeige des Rasters </a:t>
-            </a:r>
-          </a:p>
-          <a:p>
-            <a:endParaRPr lang="de-DE" dirty="0"/>
+            <a:endParaRPr lang="de-DE" b="1" dirty="0" smtClean="0"/>
+          </a:p>
+          <a:p>
+            <a:r>
+              <a:rPr lang="de-DE" dirty="0" smtClean="0"/>
+              <a:t>Erstellung einer graphischen Benutzungsschnittstelle inklusive 3D Visualisierung der Stadt</a:t>
+            </a:r>
+          </a:p>
+          <a:p>
+            <a:r>
+              <a:rPr lang="de-DE" dirty="0" smtClean="0"/>
+              <a:t>Die GUI in JAVA und Swing umsetzen</a:t>
+            </a:r>
+          </a:p>
+          <a:p>
+            <a:r>
+              <a:rPr lang="de-DE" dirty="0" smtClean="0"/>
+              <a:t>3D Visualisierung mit Hilfe von JOGL </a:t>
+            </a:r>
+          </a:p>
+          <a:p>
+            <a:endParaRPr lang="de-DE" dirty="0" smtClean="0"/>
+          </a:p>
+          <a:p>
+            <a:endParaRPr lang="de-DE" dirty="0" smtClean="0"/>
           </a:p>
         </p:txBody>
       </p:sp>
@@ -18299,13 +18176,18 @@
           <a:p>
             <a:r>
               <a:rPr lang="de-DE" dirty="0" smtClean="0"/>
-              <a:t>Funktionen der GUI</a:t>
+              <a:t>Aufgaben der GUI</a:t>
             </a:r>
             <a:endParaRPr lang="de-DE" dirty="0"/>
           </a:p>
         </p:txBody>
       </p:sp>
     </p:spTree>
+    <p:extLst>
+      <p:ext uri="{BB962C8B-B14F-4D97-AF65-F5344CB8AC3E}">
+        <p14:creationId xmlns:p14="http://schemas.microsoft.com/office/powerpoint/2010/main" val="1054123675"/>
+      </p:ext>
+    </p:extLst>
   </p:cSld>
   <p:clrMapOvr>
     <a:masterClrMapping/>
@@ -18357,40 +18239,59 @@
           <a:p>
             <a:r>
               <a:rPr lang="de-DE" dirty="0" smtClean="0"/>
-              <a:t>Volumenanzeige über den Gebäuden</a:t>
-            </a:r>
-          </a:p>
-          <a:p>
-            <a:r>
-              <a:rPr lang="de-DE" dirty="0" smtClean="0"/>
-              <a:t>Dynamische Kamera</a:t>
-            </a:r>
-          </a:p>
-          <a:p>
-            <a:r>
-              <a:rPr lang="de-DE" dirty="0" smtClean="0"/>
-              <a:t>Gebäude selektieren und Gebäudeinformationen einblenden lassen</a:t>
-            </a:r>
-          </a:p>
-          <a:p>
-            <a:r>
-              <a:rPr lang="de-DE" dirty="0" smtClean="0"/>
-              <a:t>Erhöhen der </a:t>
-            </a:r>
+              <a:t>Koordinatenachsen anzeigen</a:t>
+            </a:r>
+          </a:p>
+          <a:p>
             <a:r>
               <a:rPr lang="de-DE" dirty="0" err="1" smtClean="0"/>
-              <a:t>Usability</a:t>
-            </a:r>
-            <a:r>
-              <a:rPr lang="de-DE" dirty="0" smtClean="0"/>
-              <a:t>, durch das Einblenden von Statusmeldungen in der Titelleiste</a:t>
-            </a:r>
-          </a:p>
-          <a:p>
-            <a:r>
-              <a:rPr lang="de-DE" dirty="0" smtClean="0"/>
-              <a:t>Informations-Panel für Fehlernachrichten und etwaige Programminformationen</a:t>
-            </a:r>
+              <a:t>Skypatchs</a:t>
+            </a:r>
+            <a:r>
+              <a:rPr lang="de-DE" dirty="0" smtClean="0"/>
+              <a:t> zeichnen</a:t>
+            </a:r>
+          </a:p>
+          <a:p>
+            <a:r>
+              <a:rPr lang="de-DE" dirty="0" smtClean="0"/>
+              <a:t>Position der Sonne </a:t>
+            </a:r>
+            <a:r>
+              <a:rPr lang="de-DE" dirty="0" err="1" smtClean="0"/>
+              <a:t>anzeigbar</a:t>
+            </a:r>
+            <a:endParaRPr lang="de-DE" dirty="0" smtClean="0"/>
+          </a:p>
+          <a:p>
+            <a:r>
+              <a:rPr lang="de-DE" dirty="0" smtClean="0"/>
+              <a:t>Anzeige der Gebäude</a:t>
+            </a:r>
+          </a:p>
+          <a:p>
+            <a:r>
+              <a:rPr lang="de-DE" dirty="0" smtClean="0"/>
+              <a:t>Anzeige des Schattens unterteilt in Dreiecke</a:t>
+            </a:r>
+          </a:p>
+          <a:p>
+            <a:pPr>
+              <a:buNone/>
+            </a:pPr>
+            <a:r>
+              <a:rPr lang="de-DE" dirty="0" smtClean="0"/>
+              <a:t>  oder Polygone</a:t>
+            </a:r>
+          </a:p>
+          <a:p>
+            <a:r>
+              <a:rPr lang="de-DE" dirty="0" smtClean="0"/>
+              <a:t>Anzeige des Rasters </a:t>
+            </a:r>
+          </a:p>
+          <a:p>
+            <a:endParaRPr lang="de-DE" dirty="0"/>
           </a:p>
         </p:txBody>
       </p:sp>
@@ -18511,44 +18412,44 @@
           <a:bodyPr/>
           <a:lstStyle/>
           <a:p>
-            <a:r>
-              <a:rPr lang="de-DE" dirty="0" smtClean="0"/>
-              <a:t>Ein Frame für die Optionen</a:t>
-            </a:r>
-          </a:p>
-          <a:p>
-            <a:pPr>
-              <a:buNone/>
-            </a:pPr>
-            <a:r>
-              <a:rPr lang="de-DE" dirty="0" smtClean="0"/>
-              <a:t>	(Komponenten in Swing)</a:t>
-            </a:r>
-          </a:p>
-          <a:p>
-            <a:pPr>
-              <a:buNone/>
-            </a:pPr>
             <a:endParaRPr lang="de-DE" dirty="0" smtClean="0"/>
           </a:p>
           <a:p>
             <a:r>
               <a:rPr lang="de-DE" dirty="0" smtClean="0"/>
-              <a:t>Ein Frame für den Gebäude-Viewer, mit den Container </a:t>
+              <a:t>Volumenanzeige über den Gebäuden</a:t>
+            </a:r>
+          </a:p>
+          <a:p>
+            <a:r>
+              <a:rPr lang="de-DE" dirty="0" smtClean="0"/>
+              <a:t>Dynamische Kamera</a:t>
+            </a:r>
+          </a:p>
+          <a:p>
+            <a:r>
+              <a:rPr lang="de-DE" dirty="0" smtClean="0"/>
+              <a:t>Gebäude selektieren und Gebäudeinformationen einblenden lassen</a:t>
+            </a:r>
+          </a:p>
+          <a:p>
+            <a:r>
+              <a:rPr lang="de-DE" dirty="0" smtClean="0"/>
+              <a:t>Erhöhen der </a:t>
             </a:r>
             <a:r>
               <a:rPr lang="de-DE" dirty="0" err="1" smtClean="0"/>
-              <a:t>GLCanvas</a:t>
-            </a:r>
-            <a:endParaRPr lang="de-DE" dirty="0" smtClean="0"/>
-          </a:p>
-          <a:p>
-            <a:endParaRPr lang="de-DE" dirty="0" smtClean="0"/>
-          </a:p>
-          <a:p>
-            <a:r>
-              <a:rPr lang="de-DE" dirty="0" smtClean="0"/>
-              <a:t>Trennung erfolgte wegen Unterstützung von mehreren Bildschirmen</a:t>
+              <a:t>Usability</a:t>
+            </a:r>
+            <a:r>
+              <a:rPr lang="de-DE" dirty="0" smtClean="0"/>
+              <a:t>, durch das Einblenden von Statusmeldungen in der Titelleiste</a:t>
+            </a:r>
+          </a:p>
+          <a:p>
+            <a:r>
+              <a:rPr lang="de-DE" dirty="0" smtClean="0"/>
+              <a:t>Informations-Panel für Fehlernachrichten und etwaige Programminformationen</a:t>
             </a:r>
           </a:p>
         </p:txBody>
@@ -18617,7 +18518,7 @@
           <a:p>
             <a:r>
               <a:rPr lang="de-DE" dirty="0" smtClean="0"/>
-              <a:t>Aufbau der GUI</a:t>
+              <a:t>Funktionen der GUI</a:t>
             </a:r>
             <a:endParaRPr lang="de-DE" dirty="0"/>
           </a:p>
@@ -18665,17 +18566,50 @@
             <p:ph idx="1"/>
           </p:nvPr>
         </p:nvSpPr>
-        <p:spPr>
-          <a:xfrm>
-            <a:off x="5353744" y="1481328"/>
-            <a:ext cx="3178696" cy="4525963"/>
-          </a:xfrm>
-        </p:spPr>
-        <p:txBody>
-          <a:bodyPr/>
-          <a:lstStyle/>
-          <a:p>
-            <a:endParaRPr lang="de-DE" dirty="0"/>
+        <p:spPr/>
+        <p:txBody>
+          <a:bodyPr/>
+          <a:lstStyle/>
+          <a:p>
+            <a:r>
+              <a:rPr lang="de-DE" dirty="0" smtClean="0"/>
+              <a:t>Ein Frame für die Optionen</a:t>
+            </a:r>
+          </a:p>
+          <a:p>
+            <a:pPr>
+              <a:buNone/>
+            </a:pPr>
+            <a:r>
+              <a:rPr lang="de-DE" dirty="0" smtClean="0"/>
+              <a:t>	(Komponenten in Swing)</a:t>
+            </a:r>
+          </a:p>
+          <a:p>
+            <a:pPr>
+              <a:buNone/>
+            </a:pPr>
+            <a:endParaRPr lang="de-DE" dirty="0" smtClean="0"/>
+          </a:p>
+          <a:p>
+            <a:r>
+              <a:rPr lang="de-DE" dirty="0" smtClean="0"/>
+              <a:t>Ein Frame für den Gebäude-Viewer, mit den Container </a:t>
+            </a:r>
+            <a:r>
+              <a:rPr lang="de-DE" dirty="0" err="1" smtClean="0"/>
+              <a:t>GLCanvas</a:t>
+            </a:r>
+            <a:endParaRPr lang="de-DE" dirty="0" smtClean="0"/>
+          </a:p>
+          <a:p>
+            <a:endParaRPr lang="de-DE" dirty="0" smtClean="0"/>
+          </a:p>
+          <a:p>
+            <a:r>
+              <a:rPr lang="de-DE" dirty="0" smtClean="0"/>
+              <a:t>Trennung erfolgte wegen Unterstützung von mehreren Bildschirmen</a:t>
+            </a:r>
           </a:p>
         </p:txBody>
       </p:sp>
@@ -18746,422 +18680,6 @@
               <a:t>Aufbau der GUI</a:t>
             </a:r>
             <a:endParaRPr lang="de-DE" dirty="0"/>
-          </a:p>
-        </p:txBody>
-      </p:sp>
-      <p:sp>
-        <p:nvSpPr>
-          <p:cNvPr id="6" name="Rechteck 5"/>
-          <p:cNvSpPr/>
-          <p:nvPr/>
-        </p:nvSpPr>
-        <p:spPr>
-          <a:xfrm>
-            <a:off x="5220072" y="1412776"/>
-            <a:ext cx="3312368" cy="4680520"/>
-          </a:xfrm>
-          <a:prstGeom prst="rect">
-            <a:avLst/>
-          </a:prstGeom>
-        </p:spPr>
-        <p:style>
-          <a:lnRef idx="2">
-            <a:schemeClr val="accent5">
-              <a:shade val="50000"/>
-            </a:schemeClr>
-          </a:lnRef>
-          <a:fillRef idx="1">
-            <a:schemeClr val="accent5"/>
-          </a:fillRef>
-          <a:effectRef idx="0">
-            <a:schemeClr val="accent5"/>
-          </a:effectRef>
-          <a:fontRef idx="minor">
-            <a:schemeClr val="lt1"/>
-          </a:fontRef>
-        </p:style>
-        <p:txBody>
-          <a:bodyPr rtlCol="0" anchor="t"/>
-          <a:lstStyle/>
-          <a:p>
-            <a:pPr algn="ctr"/>
-            <a:r>
-              <a:rPr lang="de-DE" dirty="0" smtClean="0"/>
-              <a:t>Einstellungen</a:t>
-            </a:r>
-          </a:p>
-          <a:p>
-            <a:pPr algn="ctr"/>
-            <a:endParaRPr lang="de-DE" dirty="0" smtClean="0"/>
-          </a:p>
-          <a:p>
-            <a:pPr algn="ctr"/>
-            <a:endParaRPr lang="de-DE" dirty="0" smtClean="0"/>
-          </a:p>
-          <a:p>
-            <a:pPr algn="ctr"/>
-            <a:endParaRPr lang="de-DE" dirty="0" smtClean="0"/>
-          </a:p>
-          <a:p>
-            <a:pPr algn="ctr"/>
-            <a:endParaRPr lang="de-DE" dirty="0" smtClean="0"/>
-          </a:p>
-          <a:p>
-            <a:pPr algn="ctr"/>
-            <a:endParaRPr lang="de-DE" dirty="0" smtClean="0"/>
-          </a:p>
-          <a:p>
-            <a:pPr algn="ctr"/>
-            <a:endParaRPr lang="de-DE" dirty="0" smtClean="0"/>
-          </a:p>
-          <a:p>
-            <a:pPr algn="ctr"/>
-            <a:r>
-              <a:rPr lang="de-DE" dirty="0" smtClean="0"/>
-              <a:t>Stadtinformation</a:t>
-            </a:r>
-          </a:p>
-          <a:p>
-            <a:pPr algn="ctr"/>
-            <a:endParaRPr lang="de-DE" dirty="0" smtClean="0"/>
-          </a:p>
-          <a:p>
-            <a:pPr algn="ctr"/>
-            <a:endParaRPr lang="de-DE" dirty="0" smtClean="0"/>
-          </a:p>
-          <a:p>
-            <a:pPr algn="ctr"/>
-            <a:endParaRPr lang="de-DE" dirty="0" smtClean="0"/>
-          </a:p>
-          <a:p>
-            <a:pPr algn="ctr"/>
-            <a:endParaRPr lang="de-DE" dirty="0" smtClean="0"/>
-          </a:p>
-          <a:p>
-            <a:pPr algn="ctr"/>
-            <a:r>
-              <a:rPr lang="de-DE" dirty="0" smtClean="0"/>
-              <a:t>Steuerung</a:t>
-            </a:r>
-            <a:endParaRPr lang="de-DE" dirty="0"/>
-          </a:p>
-        </p:txBody>
-      </p:sp>
-      <p:sp>
-        <p:nvSpPr>
-          <p:cNvPr id="8" name="Rechteck 7"/>
-          <p:cNvSpPr/>
-          <p:nvPr/>
-        </p:nvSpPr>
-        <p:spPr>
-          <a:xfrm>
-            <a:off x="5508104" y="1844824"/>
-            <a:ext cx="2736304" cy="1440160"/>
-          </a:xfrm>
-          <a:prstGeom prst="rect">
-            <a:avLst/>
-          </a:prstGeom>
-        </p:spPr>
-        <p:style>
-          <a:lnRef idx="2">
-            <a:schemeClr val="accent1">
-              <a:shade val="50000"/>
-            </a:schemeClr>
-          </a:lnRef>
-          <a:fillRef idx="1">
-            <a:schemeClr val="accent1"/>
-          </a:fillRef>
-          <a:effectRef idx="0">
-            <a:schemeClr val="accent1"/>
-          </a:effectRef>
-          <a:fontRef idx="minor">
-            <a:schemeClr val="lt1"/>
-          </a:fontRef>
-        </p:style>
-        <p:txBody>
-          <a:bodyPr rtlCol="0" anchor="ctr"/>
-          <a:lstStyle/>
-          <a:p>
-            <a:pPr algn="ctr"/>
-            <a:r>
-              <a:rPr lang="de-DE" dirty="0" smtClean="0"/>
-              <a:t>PanelSettings</a:t>
-            </a:r>
-            <a:endParaRPr lang="de-DE" dirty="0"/>
-          </a:p>
-        </p:txBody>
-      </p:sp>
-      <p:sp>
-        <p:nvSpPr>
-          <p:cNvPr id="9" name="Rechteck 8"/>
-          <p:cNvSpPr/>
-          <p:nvPr/>
-        </p:nvSpPr>
-        <p:spPr>
-          <a:xfrm>
-            <a:off x="5508104" y="3645024"/>
-            <a:ext cx="2736304" cy="1008112"/>
-          </a:xfrm>
-          <a:prstGeom prst="rect">
-            <a:avLst/>
-          </a:prstGeom>
-        </p:spPr>
-        <p:style>
-          <a:lnRef idx="2">
-            <a:schemeClr val="accent1">
-              <a:shade val="50000"/>
-            </a:schemeClr>
-          </a:lnRef>
-          <a:fillRef idx="1">
-            <a:schemeClr val="accent1"/>
-          </a:fillRef>
-          <a:effectRef idx="0">
-            <a:schemeClr val="accent1"/>
-          </a:effectRef>
-          <a:fontRef idx="minor">
-            <a:schemeClr val="lt1"/>
-          </a:fontRef>
-        </p:style>
-        <p:txBody>
-          <a:bodyPr rtlCol="0" anchor="ctr"/>
-          <a:lstStyle/>
-          <a:p>
-            <a:pPr algn="ctr"/>
-            <a:r>
-              <a:rPr lang="de-DE" dirty="0" smtClean="0"/>
-              <a:t>PanelCityInfo</a:t>
-            </a:r>
-            <a:endParaRPr lang="de-DE" dirty="0"/>
-          </a:p>
-        </p:txBody>
-      </p:sp>
-      <p:sp>
-        <p:nvSpPr>
-          <p:cNvPr id="10" name="Rechteck 9"/>
-          <p:cNvSpPr/>
-          <p:nvPr/>
-        </p:nvSpPr>
-        <p:spPr>
-          <a:xfrm>
-            <a:off x="5436096" y="5013176"/>
-            <a:ext cx="2736304" cy="936104"/>
-          </a:xfrm>
-          <a:prstGeom prst="rect">
-            <a:avLst/>
-          </a:prstGeom>
-        </p:spPr>
-        <p:style>
-          <a:lnRef idx="2">
-            <a:schemeClr val="accent1">
-              <a:shade val="50000"/>
-            </a:schemeClr>
-          </a:lnRef>
-          <a:fillRef idx="1">
-            <a:schemeClr val="accent1"/>
-          </a:fillRef>
-          <a:effectRef idx="0">
-            <a:schemeClr val="accent1"/>
-          </a:effectRef>
-          <a:fontRef idx="minor">
-            <a:schemeClr val="lt1"/>
-          </a:fontRef>
-        </p:style>
-        <p:txBody>
-          <a:bodyPr rtlCol="0" anchor="ctr"/>
-          <a:lstStyle/>
-          <a:p>
-            <a:pPr algn="ctr"/>
-            <a:r>
-              <a:rPr lang="de-DE" dirty="0" smtClean="0"/>
-              <a:t>PanelNavigation</a:t>
-            </a:r>
-            <a:endParaRPr lang="de-DE" dirty="0"/>
-          </a:p>
-        </p:txBody>
-      </p:sp>
-      <p:sp>
-        <p:nvSpPr>
-          <p:cNvPr id="12" name="Inhaltsplatzhalter 1"/>
-          <p:cNvSpPr txBox="1">
-            <a:spLocks/>
-          </p:cNvSpPr>
-          <p:nvPr/>
-        </p:nvSpPr>
-        <p:spPr>
-          <a:xfrm>
-            <a:off x="395536" y="1412776"/>
-            <a:ext cx="4680520" cy="4525963"/>
-          </a:xfrm>
-          <a:prstGeom prst="rect">
-            <a:avLst/>
-          </a:prstGeom>
-        </p:spPr>
-        <p:txBody>
-          <a:bodyPr vert="horz">
-            <a:normAutofit/>
-          </a:bodyPr>
-          <a:lstStyle/>
-          <a:p>
-            <a:pPr marL="365760" marR="0" lvl="0" indent="-256032" algn="l" defTabSz="914400" rtl="0" eaLnBrk="1" fontAlgn="auto" latinLnBrk="0" hangingPunct="1">
-              <a:lnSpc>
-                <a:spcPct val="100000"/>
-              </a:lnSpc>
-              <a:spcBef>
-                <a:spcPts val="400"/>
-              </a:spcBef>
-              <a:spcAft>
-                <a:spcPts val="0"/>
-              </a:spcAft>
-              <a:buClr>
-                <a:schemeClr val="accent1"/>
-              </a:buClr>
-              <a:buSzPct val="68000"/>
-              <a:buFont typeface="Wingdings 3"/>
-              <a:buChar char=""/>
-              <a:tabLst/>
-              <a:defRPr/>
-            </a:pPr>
-            <a:r>
-              <a:rPr kumimoji="0" lang="de-DE" sz="2700" b="0" i="0" u="none" strike="noStrike" kern="1200" cap="none" spc="0" normalizeH="0" baseline="0" noProof="0" dirty="0" smtClean="0">
-                <a:ln>
-                  <a:noFill/>
-                </a:ln>
-                <a:solidFill>
-                  <a:schemeClr val="tx1"/>
-                </a:solidFill>
-                <a:effectLst/>
-                <a:uLnTx/>
-                <a:uFillTx/>
-                <a:latin typeface="+mn-lt"/>
-                <a:ea typeface="+mn-ea"/>
-                <a:cs typeface="+mn-cs"/>
-              </a:rPr>
-              <a:t>Akkordeon</a:t>
-            </a:r>
-            <a:r>
-              <a:rPr lang="de-DE" sz="2700" dirty="0" smtClean="0"/>
-              <a:t>-Menü  (d.h. Elemente werden auf-/zugeklappt)</a:t>
-            </a:r>
-          </a:p>
-          <a:p>
-            <a:pPr marL="365760" marR="0" lvl="0" indent="-256032" algn="l" defTabSz="914400" rtl="0" eaLnBrk="1" fontAlgn="auto" latinLnBrk="0" hangingPunct="1">
-              <a:lnSpc>
-                <a:spcPct val="100000"/>
-              </a:lnSpc>
-              <a:spcBef>
-                <a:spcPts val="400"/>
-              </a:spcBef>
-              <a:spcAft>
-                <a:spcPts val="0"/>
-              </a:spcAft>
-              <a:buClr>
-                <a:schemeClr val="accent1"/>
-              </a:buClr>
-              <a:buSzPct val="68000"/>
-              <a:buFont typeface="Wingdings 3"/>
-              <a:buChar char=""/>
-              <a:tabLst/>
-              <a:defRPr/>
-            </a:pPr>
-            <a:r>
-              <a:rPr lang="de-DE" sz="2700" dirty="0" smtClean="0"/>
-              <a:t>Aufteilung der Elemente auf mehrere Panels</a:t>
-            </a:r>
-          </a:p>
-          <a:p>
-            <a:pPr marL="365760" marR="0" lvl="0" indent="-256032" algn="l" defTabSz="914400" rtl="0" eaLnBrk="1" fontAlgn="auto" latinLnBrk="0" hangingPunct="1">
-              <a:lnSpc>
-                <a:spcPct val="100000"/>
-              </a:lnSpc>
-              <a:spcBef>
-                <a:spcPts val="400"/>
-              </a:spcBef>
-              <a:spcAft>
-                <a:spcPts val="0"/>
-              </a:spcAft>
-              <a:buClr>
-                <a:schemeClr val="accent1"/>
-              </a:buClr>
-              <a:buSzPct val="68000"/>
-              <a:buFont typeface="Wingdings 3"/>
-              <a:buChar char=""/>
-              <a:tabLst/>
-              <a:defRPr/>
-            </a:pPr>
-            <a:r>
-              <a:rPr lang="de-DE" sz="2700" dirty="0" smtClean="0"/>
-              <a:t>Akkordeon-Effekt durch neu rendern mit/ohne entsprechende Panels</a:t>
-            </a:r>
-          </a:p>
-          <a:p>
-            <a:pPr marL="365760" marR="0" lvl="0" indent="-256032" algn="l" defTabSz="914400" rtl="0" eaLnBrk="1" fontAlgn="auto" latinLnBrk="0" hangingPunct="1">
-              <a:lnSpc>
-                <a:spcPct val="100000"/>
-              </a:lnSpc>
-              <a:spcBef>
-                <a:spcPts val="400"/>
-              </a:spcBef>
-              <a:spcAft>
-                <a:spcPts val="0"/>
-              </a:spcAft>
-              <a:buClr>
-                <a:schemeClr val="accent1"/>
-              </a:buClr>
-              <a:buSzPct val="68000"/>
-              <a:buFont typeface="Wingdings 3"/>
-              <a:buChar char=""/>
-              <a:tabLst/>
-              <a:defRPr/>
-            </a:pPr>
-            <a:endParaRPr kumimoji="0" lang="de-DE" sz="2700" b="0" i="0" u="none" strike="noStrike" kern="1200" cap="none" spc="0" normalizeH="0" baseline="0" noProof="0" dirty="0" smtClean="0">
-              <a:ln>
-                <a:noFill/>
-              </a:ln>
-              <a:solidFill>
-                <a:schemeClr val="tx1"/>
-              </a:solidFill>
-              <a:effectLst/>
-              <a:uLnTx/>
-              <a:uFillTx/>
-              <a:latin typeface="+mn-lt"/>
-              <a:ea typeface="+mn-ea"/>
-              <a:cs typeface="+mn-cs"/>
-            </a:endParaRPr>
-          </a:p>
-          <a:p>
-            <a:pPr marL="365760" marR="0" lvl="0" indent="-256032" algn="l" defTabSz="914400" rtl="0" eaLnBrk="1" fontAlgn="auto" latinLnBrk="0" hangingPunct="1">
-              <a:lnSpc>
-                <a:spcPct val="100000"/>
-              </a:lnSpc>
-              <a:spcBef>
-                <a:spcPts val="400"/>
-              </a:spcBef>
-              <a:spcAft>
-                <a:spcPts val="0"/>
-              </a:spcAft>
-              <a:buClr>
-                <a:schemeClr val="accent1"/>
-              </a:buClr>
-              <a:buSzPct val="68000"/>
-              <a:buFont typeface="Wingdings 3"/>
-              <a:buChar char=""/>
-              <a:tabLst/>
-              <a:defRPr/>
-            </a:pPr>
-            <a:endParaRPr kumimoji="0" lang="de-DE" sz="2700" b="0" i="0" u="none" strike="noStrike" kern="1200" cap="none" spc="0" normalizeH="0" baseline="0" noProof="0" dirty="0">
-              <a:ln>
-                <a:noFill/>
-              </a:ln>
-              <a:solidFill>
-                <a:schemeClr val="tx1"/>
-              </a:solidFill>
-              <a:effectLst/>
-              <a:uLnTx/>
-              <a:uFillTx/>
-              <a:latin typeface="+mn-lt"/>
-              <a:ea typeface="+mn-ea"/>
-              <a:cs typeface="+mn-cs"/>
-            </a:endParaRPr>
           </a:p>
         </p:txBody>
       </p:sp>
@@ -19427,27 +18945,15 @@
             <p:ph idx="1"/>
           </p:nvPr>
         </p:nvSpPr>
-        <p:spPr/>
-        <p:txBody>
-          <a:bodyPr/>
-          <a:lstStyle/>
-          <a:p>
-            <a:r>
-              <a:rPr lang="de-DE" dirty="0" smtClean="0"/>
-              <a:t>Aliasing</a:t>
-            </a:r>
-          </a:p>
-          <a:p>
-            <a:r>
-              <a:rPr lang="de-DE" dirty="0" smtClean="0"/>
-              <a:t>Z- </a:t>
-            </a:r>
-            <a:r>
-              <a:rPr lang="de-DE" dirty="0" err="1" smtClean="0"/>
-              <a:t>Fighting</a:t>
-            </a:r>
-            <a:endParaRPr lang="de-DE" dirty="0" smtClean="0"/>
-          </a:p>
+        <p:spPr>
+          <a:xfrm>
+            <a:off x="5353744" y="1481328"/>
+            <a:ext cx="3178696" cy="4525963"/>
+          </a:xfrm>
+        </p:spPr>
+        <p:txBody>
+          <a:bodyPr/>
+          <a:lstStyle/>
           <a:p>
             <a:endParaRPr lang="de-DE" dirty="0"/>
           </a:p>
@@ -19495,6 +19001,560 @@
               <a:rPr lang="de-DE" smtClean="0"/>
               <a:pPr/>
               <a:t>70</a:t>
+            </a:fld>
+            <a:endParaRPr lang="de-DE"/>
+          </a:p>
+        </p:txBody>
+      </p:sp>
+      <p:sp>
+        <p:nvSpPr>
+          <p:cNvPr id="5" name="Titel 4"/>
+          <p:cNvSpPr>
+            <a:spLocks noGrp="1"/>
+          </p:cNvSpPr>
+          <p:nvPr>
+            <p:ph type="title"/>
+          </p:nvPr>
+        </p:nvSpPr>
+        <p:spPr/>
+        <p:txBody>
+          <a:bodyPr/>
+          <a:lstStyle/>
+          <a:p>
+            <a:r>
+              <a:rPr lang="de-DE" dirty="0" smtClean="0"/>
+              <a:t>Aufbau der GUI</a:t>
+            </a:r>
+            <a:endParaRPr lang="de-DE" dirty="0"/>
+          </a:p>
+        </p:txBody>
+      </p:sp>
+      <p:sp>
+        <p:nvSpPr>
+          <p:cNvPr id="6" name="Rechteck 5"/>
+          <p:cNvSpPr/>
+          <p:nvPr/>
+        </p:nvSpPr>
+        <p:spPr>
+          <a:xfrm>
+            <a:off x="5220072" y="1412776"/>
+            <a:ext cx="3312368" cy="4680520"/>
+          </a:xfrm>
+          <a:prstGeom prst="rect">
+            <a:avLst/>
+          </a:prstGeom>
+        </p:spPr>
+        <p:style>
+          <a:lnRef idx="2">
+            <a:schemeClr val="accent5">
+              <a:shade val="50000"/>
+            </a:schemeClr>
+          </a:lnRef>
+          <a:fillRef idx="1">
+            <a:schemeClr val="accent5"/>
+          </a:fillRef>
+          <a:effectRef idx="0">
+            <a:schemeClr val="accent5"/>
+          </a:effectRef>
+          <a:fontRef idx="minor">
+            <a:schemeClr val="lt1"/>
+          </a:fontRef>
+        </p:style>
+        <p:txBody>
+          <a:bodyPr rtlCol="0" anchor="t"/>
+          <a:lstStyle/>
+          <a:p>
+            <a:pPr algn="ctr"/>
+            <a:r>
+              <a:rPr lang="de-DE" dirty="0" smtClean="0"/>
+              <a:t>Einstellungen</a:t>
+            </a:r>
+          </a:p>
+          <a:p>
+            <a:pPr algn="ctr"/>
+            <a:endParaRPr lang="de-DE" dirty="0" smtClean="0"/>
+          </a:p>
+          <a:p>
+            <a:pPr algn="ctr"/>
+            <a:endParaRPr lang="de-DE" dirty="0" smtClean="0"/>
+          </a:p>
+          <a:p>
+            <a:pPr algn="ctr"/>
+            <a:endParaRPr lang="de-DE" dirty="0" smtClean="0"/>
+          </a:p>
+          <a:p>
+            <a:pPr algn="ctr"/>
+            <a:endParaRPr lang="de-DE" dirty="0" smtClean="0"/>
+          </a:p>
+          <a:p>
+            <a:pPr algn="ctr"/>
+            <a:endParaRPr lang="de-DE" dirty="0" smtClean="0"/>
+          </a:p>
+          <a:p>
+            <a:pPr algn="ctr"/>
+            <a:endParaRPr lang="de-DE" dirty="0" smtClean="0"/>
+          </a:p>
+          <a:p>
+            <a:pPr algn="ctr"/>
+            <a:r>
+              <a:rPr lang="de-DE" dirty="0" smtClean="0"/>
+              <a:t>Stadtinformation</a:t>
+            </a:r>
+          </a:p>
+          <a:p>
+            <a:pPr algn="ctr"/>
+            <a:endParaRPr lang="de-DE" dirty="0" smtClean="0"/>
+          </a:p>
+          <a:p>
+            <a:pPr algn="ctr"/>
+            <a:endParaRPr lang="de-DE" dirty="0" smtClean="0"/>
+          </a:p>
+          <a:p>
+            <a:pPr algn="ctr"/>
+            <a:endParaRPr lang="de-DE" dirty="0" smtClean="0"/>
+          </a:p>
+          <a:p>
+            <a:pPr algn="ctr"/>
+            <a:endParaRPr lang="de-DE" dirty="0" smtClean="0"/>
+          </a:p>
+          <a:p>
+            <a:pPr algn="ctr"/>
+            <a:r>
+              <a:rPr lang="de-DE" dirty="0" smtClean="0"/>
+              <a:t>Steuerung</a:t>
+            </a:r>
+            <a:endParaRPr lang="de-DE" dirty="0"/>
+          </a:p>
+        </p:txBody>
+      </p:sp>
+      <p:sp>
+        <p:nvSpPr>
+          <p:cNvPr id="8" name="Rechteck 7"/>
+          <p:cNvSpPr/>
+          <p:nvPr/>
+        </p:nvSpPr>
+        <p:spPr>
+          <a:xfrm>
+            <a:off x="5508104" y="1844824"/>
+            <a:ext cx="2736304" cy="1440160"/>
+          </a:xfrm>
+          <a:prstGeom prst="rect">
+            <a:avLst/>
+          </a:prstGeom>
+        </p:spPr>
+        <p:style>
+          <a:lnRef idx="2">
+            <a:schemeClr val="accent1">
+              <a:shade val="50000"/>
+            </a:schemeClr>
+          </a:lnRef>
+          <a:fillRef idx="1">
+            <a:schemeClr val="accent1"/>
+          </a:fillRef>
+          <a:effectRef idx="0">
+            <a:schemeClr val="accent1"/>
+          </a:effectRef>
+          <a:fontRef idx="minor">
+            <a:schemeClr val="lt1"/>
+          </a:fontRef>
+        </p:style>
+        <p:txBody>
+          <a:bodyPr rtlCol="0" anchor="ctr"/>
+          <a:lstStyle/>
+          <a:p>
+            <a:pPr algn="ctr"/>
+            <a:r>
+              <a:rPr lang="de-DE" dirty="0" smtClean="0"/>
+              <a:t>PanelSettings</a:t>
+            </a:r>
+            <a:endParaRPr lang="de-DE" dirty="0"/>
+          </a:p>
+        </p:txBody>
+      </p:sp>
+      <p:sp>
+        <p:nvSpPr>
+          <p:cNvPr id="9" name="Rechteck 8"/>
+          <p:cNvSpPr/>
+          <p:nvPr/>
+        </p:nvSpPr>
+        <p:spPr>
+          <a:xfrm>
+            <a:off x="5508104" y="3645024"/>
+            <a:ext cx="2736304" cy="1008112"/>
+          </a:xfrm>
+          <a:prstGeom prst="rect">
+            <a:avLst/>
+          </a:prstGeom>
+        </p:spPr>
+        <p:style>
+          <a:lnRef idx="2">
+            <a:schemeClr val="accent1">
+              <a:shade val="50000"/>
+            </a:schemeClr>
+          </a:lnRef>
+          <a:fillRef idx="1">
+            <a:schemeClr val="accent1"/>
+          </a:fillRef>
+          <a:effectRef idx="0">
+            <a:schemeClr val="accent1"/>
+          </a:effectRef>
+          <a:fontRef idx="minor">
+            <a:schemeClr val="lt1"/>
+          </a:fontRef>
+        </p:style>
+        <p:txBody>
+          <a:bodyPr rtlCol="0" anchor="ctr"/>
+          <a:lstStyle/>
+          <a:p>
+            <a:pPr algn="ctr"/>
+            <a:r>
+              <a:rPr lang="de-DE" dirty="0" smtClean="0"/>
+              <a:t>PanelCityInfo</a:t>
+            </a:r>
+            <a:endParaRPr lang="de-DE" dirty="0"/>
+          </a:p>
+        </p:txBody>
+      </p:sp>
+      <p:sp>
+        <p:nvSpPr>
+          <p:cNvPr id="10" name="Rechteck 9"/>
+          <p:cNvSpPr/>
+          <p:nvPr/>
+        </p:nvSpPr>
+        <p:spPr>
+          <a:xfrm>
+            <a:off x="5436096" y="5013176"/>
+            <a:ext cx="2736304" cy="936104"/>
+          </a:xfrm>
+          <a:prstGeom prst="rect">
+            <a:avLst/>
+          </a:prstGeom>
+        </p:spPr>
+        <p:style>
+          <a:lnRef idx="2">
+            <a:schemeClr val="accent1">
+              <a:shade val="50000"/>
+            </a:schemeClr>
+          </a:lnRef>
+          <a:fillRef idx="1">
+            <a:schemeClr val="accent1"/>
+          </a:fillRef>
+          <a:effectRef idx="0">
+            <a:schemeClr val="accent1"/>
+          </a:effectRef>
+          <a:fontRef idx="minor">
+            <a:schemeClr val="lt1"/>
+          </a:fontRef>
+        </p:style>
+        <p:txBody>
+          <a:bodyPr rtlCol="0" anchor="ctr"/>
+          <a:lstStyle/>
+          <a:p>
+            <a:pPr algn="ctr"/>
+            <a:r>
+              <a:rPr lang="de-DE" dirty="0" smtClean="0"/>
+              <a:t>PanelNavigation</a:t>
+            </a:r>
+            <a:endParaRPr lang="de-DE" dirty="0"/>
+          </a:p>
+        </p:txBody>
+      </p:sp>
+      <p:sp>
+        <p:nvSpPr>
+          <p:cNvPr id="12" name="Inhaltsplatzhalter 1"/>
+          <p:cNvSpPr txBox="1">
+            <a:spLocks/>
+          </p:cNvSpPr>
+          <p:nvPr/>
+        </p:nvSpPr>
+        <p:spPr>
+          <a:xfrm>
+            <a:off x="395536" y="1412776"/>
+            <a:ext cx="4680520" cy="4525963"/>
+          </a:xfrm>
+          <a:prstGeom prst="rect">
+            <a:avLst/>
+          </a:prstGeom>
+        </p:spPr>
+        <p:txBody>
+          <a:bodyPr vert="horz">
+            <a:normAutofit/>
+          </a:bodyPr>
+          <a:lstStyle/>
+          <a:p>
+            <a:pPr marL="365760" marR="0" lvl="0" indent="-256032" algn="l" defTabSz="914400" rtl="0" eaLnBrk="1" fontAlgn="auto" latinLnBrk="0" hangingPunct="1">
+              <a:lnSpc>
+                <a:spcPct val="100000"/>
+              </a:lnSpc>
+              <a:spcBef>
+                <a:spcPts val="400"/>
+              </a:spcBef>
+              <a:spcAft>
+                <a:spcPts val="0"/>
+              </a:spcAft>
+              <a:buClr>
+                <a:schemeClr val="accent1"/>
+              </a:buClr>
+              <a:buSzPct val="68000"/>
+              <a:buFont typeface="Wingdings 3"/>
+              <a:buChar char=""/>
+              <a:tabLst/>
+              <a:defRPr/>
+            </a:pPr>
+            <a:r>
+              <a:rPr kumimoji="0" lang="de-DE" sz="2700" b="0" i="0" u="none" strike="noStrike" kern="1200" cap="none" spc="0" normalizeH="0" baseline="0" noProof="0" dirty="0" smtClean="0">
+                <a:ln>
+                  <a:noFill/>
+                </a:ln>
+                <a:solidFill>
+                  <a:schemeClr val="tx1"/>
+                </a:solidFill>
+                <a:effectLst/>
+                <a:uLnTx/>
+                <a:uFillTx/>
+                <a:latin typeface="+mn-lt"/>
+                <a:ea typeface="+mn-ea"/>
+                <a:cs typeface="+mn-cs"/>
+              </a:rPr>
+              <a:t>Akkordeon</a:t>
+            </a:r>
+            <a:r>
+              <a:rPr lang="de-DE" sz="2700" dirty="0" smtClean="0"/>
+              <a:t>-Menü  (d.h. Elemente werden auf-/zugeklappt)</a:t>
+            </a:r>
+          </a:p>
+          <a:p>
+            <a:pPr marL="365760" marR="0" lvl="0" indent="-256032" algn="l" defTabSz="914400" rtl="0" eaLnBrk="1" fontAlgn="auto" latinLnBrk="0" hangingPunct="1">
+              <a:lnSpc>
+                <a:spcPct val="100000"/>
+              </a:lnSpc>
+              <a:spcBef>
+                <a:spcPts val="400"/>
+              </a:spcBef>
+              <a:spcAft>
+                <a:spcPts val="0"/>
+              </a:spcAft>
+              <a:buClr>
+                <a:schemeClr val="accent1"/>
+              </a:buClr>
+              <a:buSzPct val="68000"/>
+              <a:buFont typeface="Wingdings 3"/>
+              <a:buChar char=""/>
+              <a:tabLst/>
+              <a:defRPr/>
+            </a:pPr>
+            <a:r>
+              <a:rPr lang="de-DE" sz="2700" dirty="0" smtClean="0"/>
+              <a:t>Aufteilung der Elemente auf mehrere Panels</a:t>
+            </a:r>
+          </a:p>
+          <a:p>
+            <a:pPr marL="365760" marR="0" lvl="0" indent="-256032" algn="l" defTabSz="914400" rtl="0" eaLnBrk="1" fontAlgn="auto" latinLnBrk="0" hangingPunct="1">
+              <a:lnSpc>
+                <a:spcPct val="100000"/>
+              </a:lnSpc>
+              <a:spcBef>
+                <a:spcPts val="400"/>
+              </a:spcBef>
+              <a:spcAft>
+                <a:spcPts val="0"/>
+              </a:spcAft>
+              <a:buClr>
+                <a:schemeClr val="accent1"/>
+              </a:buClr>
+              <a:buSzPct val="68000"/>
+              <a:buFont typeface="Wingdings 3"/>
+              <a:buChar char=""/>
+              <a:tabLst/>
+              <a:defRPr/>
+            </a:pPr>
+            <a:r>
+              <a:rPr lang="de-DE" sz="2700" dirty="0" smtClean="0"/>
+              <a:t>Akkordeon-Effekt durch neu rendern mit/ohne entsprechende Panels</a:t>
+            </a:r>
+          </a:p>
+          <a:p>
+            <a:pPr marL="365760" marR="0" lvl="0" indent="-256032" algn="l" defTabSz="914400" rtl="0" eaLnBrk="1" fontAlgn="auto" latinLnBrk="0" hangingPunct="1">
+              <a:lnSpc>
+                <a:spcPct val="100000"/>
+              </a:lnSpc>
+              <a:spcBef>
+                <a:spcPts val="400"/>
+              </a:spcBef>
+              <a:spcAft>
+                <a:spcPts val="0"/>
+              </a:spcAft>
+              <a:buClr>
+                <a:schemeClr val="accent1"/>
+              </a:buClr>
+              <a:buSzPct val="68000"/>
+              <a:buFont typeface="Wingdings 3"/>
+              <a:buChar char=""/>
+              <a:tabLst/>
+              <a:defRPr/>
+            </a:pPr>
+            <a:endParaRPr kumimoji="0" lang="de-DE" sz="2700" b="0" i="0" u="none" strike="noStrike" kern="1200" cap="none" spc="0" normalizeH="0" baseline="0" noProof="0" dirty="0" smtClean="0">
+              <a:ln>
+                <a:noFill/>
+              </a:ln>
+              <a:solidFill>
+                <a:schemeClr val="tx1"/>
+              </a:solidFill>
+              <a:effectLst/>
+              <a:uLnTx/>
+              <a:uFillTx/>
+              <a:latin typeface="+mn-lt"/>
+              <a:ea typeface="+mn-ea"/>
+              <a:cs typeface="+mn-cs"/>
+            </a:endParaRPr>
+          </a:p>
+          <a:p>
+            <a:pPr marL="365760" marR="0" lvl="0" indent="-256032" algn="l" defTabSz="914400" rtl="0" eaLnBrk="1" fontAlgn="auto" latinLnBrk="0" hangingPunct="1">
+              <a:lnSpc>
+                <a:spcPct val="100000"/>
+              </a:lnSpc>
+              <a:spcBef>
+                <a:spcPts val="400"/>
+              </a:spcBef>
+              <a:spcAft>
+                <a:spcPts val="0"/>
+              </a:spcAft>
+              <a:buClr>
+                <a:schemeClr val="accent1"/>
+              </a:buClr>
+              <a:buSzPct val="68000"/>
+              <a:buFont typeface="Wingdings 3"/>
+              <a:buChar char=""/>
+              <a:tabLst/>
+              <a:defRPr/>
+            </a:pPr>
+            <a:endParaRPr kumimoji="0" lang="de-DE" sz="2700" b="0" i="0" u="none" strike="noStrike" kern="1200" cap="none" spc="0" normalizeH="0" baseline="0" noProof="0" dirty="0">
+              <a:ln>
+                <a:noFill/>
+              </a:ln>
+              <a:solidFill>
+                <a:schemeClr val="tx1"/>
+              </a:solidFill>
+              <a:effectLst/>
+              <a:uLnTx/>
+              <a:uFillTx/>
+              <a:latin typeface="+mn-lt"/>
+              <a:ea typeface="+mn-ea"/>
+              <a:cs typeface="+mn-cs"/>
+            </a:endParaRPr>
+          </a:p>
+        </p:txBody>
+      </p:sp>
+    </p:spTree>
+  </p:cSld>
+  <p:clrMapOvr>
+    <a:masterClrMapping/>
+  </p:clrMapOvr>
+  <p:timing>
+    <p:tnLst>
+      <p:par>
+        <p:cTn id="1" dur="indefinite" restart="never" nodeType="tmRoot"/>
+      </p:par>
+    </p:tnLst>
+  </p:timing>
+</p:sld>
+</file>
+
+<file path=ppt/slides/slide71.xml><?xml version="1.0" encoding="utf-8"?>
+<p:sld xmlns:a="http://schemas.openxmlformats.org/drawingml/2006/main" xmlns:r="http://schemas.openxmlformats.org/officeDocument/2006/relationships" xmlns:p="http://schemas.openxmlformats.org/presentationml/2006/main">
+  <p:cSld>
+    <p:spTree>
+      <p:nvGrpSpPr>
+        <p:cNvPr id="1" name=""/>
+        <p:cNvGrpSpPr/>
+        <p:nvPr/>
+      </p:nvGrpSpPr>
+      <p:grpSpPr>
+        <a:xfrm>
+          <a:off x="0" y="0"/>
+          <a:ext cx="0" cy="0"/>
+          <a:chOff x="0" y="0"/>
+          <a:chExt cx="0" cy="0"/>
+        </a:xfrm>
+      </p:grpSpPr>
+      <p:sp>
+        <p:nvSpPr>
+          <p:cNvPr id="2" name="Inhaltsplatzhalter 1"/>
+          <p:cNvSpPr>
+            <a:spLocks noGrp="1"/>
+          </p:cNvSpPr>
+          <p:nvPr>
+            <p:ph idx="1"/>
+          </p:nvPr>
+        </p:nvSpPr>
+        <p:spPr/>
+        <p:txBody>
+          <a:bodyPr/>
+          <a:lstStyle/>
+          <a:p>
+            <a:r>
+              <a:rPr lang="de-DE" dirty="0" smtClean="0"/>
+              <a:t>Aliasing</a:t>
+            </a:r>
+          </a:p>
+          <a:p>
+            <a:r>
+              <a:rPr lang="de-DE" dirty="0" smtClean="0"/>
+              <a:t>Z- </a:t>
+            </a:r>
+            <a:r>
+              <a:rPr lang="de-DE" dirty="0" err="1" smtClean="0"/>
+              <a:t>Fighting</a:t>
+            </a:r>
+            <a:endParaRPr lang="de-DE" dirty="0" smtClean="0"/>
+          </a:p>
+          <a:p>
+            <a:endParaRPr lang="de-DE" dirty="0"/>
+          </a:p>
+        </p:txBody>
+      </p:sp>
+      <p:sp>
+        <p:nvSpPr>
+          <p:cNvPr id="3" name="Datumsplatzhalter 2"/>
+          <p:cNvSpPr>
+            <a:spLocks noGrp="1"/>
+          </p:cNvSpPr>
+          <p:nvPr>
+            <p:ph type="dt" sz="half" idx="10"/>
+          </p:nvPr>
+        </p:nvSpPr>
+        <p:spPr/>
+        <p:txBody>
+          <a:bodyPr/>
+          <a:lstStyle/>
+          <a:p>
+            <a:r>
+              <a:rPr lang="de-DE" smtClean="0"/>
+              <a:t>23.06.2014</a:t>
+            </a:r>
+            <a:endParaRPr lang="de-DE"/>
+          </a:p>
+        </p:txBody>
+      </p:sp>
+      <p:sp>
+        <p:nvSpPr>
+          <p:cNvPr id="4" name="Foliennummernplatzhalter 3"/>
+          <p:cNvSpPr>
+            <a:spLocks noGrp="1"/>
+          </p:cNvSpPr>
+          <p:nvPr>
+            <p:ph type="sldNum" sz="quarter" idx="12"/>
+          </p:nvPr>
+        </p:nvSpPr>
+        <p:spPr/>
+        <p:txBody>
+          <a:bodyPr/>
+          <a:lstStyle/>
+          <a:p>
+            <a:fld id="{02075A8B-51D4-4999-A4F2-B3FAC6295E4D}" type="slidenum">
+              <a:rPr lang="de-DE" smtClean="0"/>
+              <a:pPr/>
+              <a:t>71</a:t>
             </a:fld>
             <a:endParaRPr lang="de-DE"/>
           </a:p>
@@ -19564,177 +19624,6 @@
 </p:sld>
 </file>
 
-<file path=ppt/slides/slide71.xml><?xml version="1.0" encoding="utf-8"?>
-<p:sld xmlns:a="http://schemas.openxmlformats.org/drawingml/2006/main" xmlns:r="http://schemas.openxmlformats.org/officeDocument/2006/relationships" xmlns:p="http://schemas.openxmlformats.org/presentationml/2006/main">
-  <p:cSld>
-    <p:spTree>
-      <p:nvGrpSpPr>
-        <p:cNvPr id="1" name=""/>
-        <p:cNvGrpSpPr/>
-        <p:nvPr/>
-      </p:nvGrpSpPr>
-      <p:grpSpPr>
-        <a:xfrm>
-          <a:off x="0" y="0"/>
-          <a:ext cx="0" cy="0"/>
-          <a:chOff x="0" y="0"/>
-          <a:chExt cx="0" cy="0"/>
-        </a:xfrm>
-      </p:grpSpPr>
-      <p:sp>
-        <p:nvSpPr>
-          <p:cNvPr id="2" name="Inhaltsplatzhalter 1"/>
-          <p:cNvSpPr>
-            <a:spLocks noGrp="1"/>
-          </p:cNvSpPr>
-          <p:nvPr>
-            <p:ph idx="1"/>
-          </p:nvPr>
-        </p:nvSpPr>
-        <p:spPr/>
-        <p:txBody>
-          <a:bodyPr/>
-          <a:lstStyle/>
-          <a:p>
-            <a:r>
-              <a:rPr lang="de-DE" dirty="0" smtClean="0"/>
-              <a:t>Antialiasing in </a:t>
-            </a:r>
-            <a:r>
-              <a:rPr lang="de-DE" dirty="0" err="1" smtClean="0"/>
-              <a:t>OpenGL</a:t>
-            </a:r>
-            <a:r>
-              <a:rPr lang="de-DE" dirty="0" smtClean="0"/>
-              <a:t> aktiviert</a:t>
-            </a:r>
-          </a:p>
-          <a:p>
-            <a:pPr>
-              <a:buNone/>
-            </a:pPr>
-            <a:r>
-              <a:rPr lang="de-DE" dirty="0" smtClean="0"/>
-              <a:t>  unter anderem durch:</a:t>
-            </a:r>
-          </a:p>
-          <a:p>
-            <a:pPr lvl="1"/>
-            <a:r>
-              <a:rPr lang="de-DE" dirty="0" smtClean="0"/>
-              <a:t>Double </a:t>
-            </a:r>
-            <a:r>
-              <a:rPr lang="de-DE" dirty="0" err="1" smtClean="0"/>
-              <a:t>Buffering</a:t>
-            </a:r>
-            <a:r>
-              <a:rPr lang="de-DE" dirty="0" smtClean="0"/>
-              <a:t> aktiviert</a:t>
-            </a:r>
-          </a:p>
-          <a:p>
-            <a:pPr lvl="1"/>
-            <a:r>
-              <a:rPr lang="de-DE" dirty="0" smtClean="0"/>
-              <a:t>Blending Funktion gesetzt</a:t>
-            </a:r>
-          </a:p>
-          <a:p>
-            <a:pPr lvl="1"/>
-            <a:r>
-              <a:rPr lang="de-DE" dirty="0" smtClean="0"/>
-              <a:t>Multisampling aktiviert</a:t>
-            </a:r>
-            <a:endParaRPr lang="de-DE" dirty="0"/>
-          </a:p>
-        </p:txBody>
-      </p:sp>
-      <p:sp>
-        <p:nvSpPr>
-          <p:cNvPr id="3" name="Datumsplatzhalter 2"/>
-          <p:cNvSpPr>
-            <a:spLocks noGrp="1"/>
-          </p:cNvSpPr>
-          <p:nvPr>
-            <p:ph type="dt" sz="half" idx="10"/>
-          </p:nvPr>
-        </p:nvSpPr>
-        <p:spPr/>
-        <p:txBody>
-          <a:bodyPr/>
-          <a:lstStyle/>
-          <a:p>
-            <a:r>
-              <a:rPr lang="de-DE" smtClean="0"/>
-              <a:t>23.06.2014</a:t>
-            </a:r>
-            <a:endParaRPr lang="de-DE"/>
-          </a:p>
-        </p:txBody>
-      </p:sp>
-      <p:sp>
-        <p:nvSpPr>
-          <p:cNvPr id="4" name="Foliennummernplatzhalter 3"/>
-          <p:cNvSpPr>
-            <a:spLocks noGrp="1"/>
-          </p:cNvSpPr>
-          <p:nvPr>
-            <p:ph type="sldNum" sz="quarter" idx="12"/>
-          </p:nvPr>
-        </p:nvSpPr>
-        <p:spPr/>
-        <p:txBody>
-          <a:bodyPr/>
-          <a:lstStyle/>
-          <a:p>
-            <a:fld id="{02075A8B-51D4-4999-A4F2-B3FAC6295E4D}" type="slidenum">
-              <a:rPr lang="de-DE" smtClean="0"/>
-              <a:pPr/>
-              <a:t>71</a:t>
-            </a:fld>
-            <a:endParaRPr lang="de-DE"/>
-          </a:p>
-        </p:txBody>
-      </p:sp>
-      <p:sp>
-        <p:nvSpPr>
-          <p:cNvPr id="5" name="Titel 4"/>
-          <p:cNvSpPr>
-            <a:spLocks noGrp="1"/>
-          </p:cNvSpPr>
-          <p:nvPr>
-            <p:ph type="title"/>
-          </p:nvPr>
-        </p:nvSpPr>
-        <p:spPr/>
-        <p:txBody>
-          <a:bodyPr/>
-          <a:lstStyle/>
-          <a:p>
-            <a:r>
-              <a:rPr lang="de-DE" dirty="0" smtClean="0"/>
-              <a:t>Lösung der Probleme</a:t>
-            </a:r>
-            <a:endParaRPr lang="de-DE" dirty="0"/>
-          </a:p>
-        </p:txBody>
-      </p:sp>
-    </p:spTree>
-  </p:cSld>
-  <p:clrMapOvr>
-    <a:masterClrMapping/>
-  </p:clrMapOvr>
-  <p:timing>
-    <p:tnLst>
-      <p:par>
-        <p:cTn id="1" dur="indefinite" restart="never" nodeType="tmRoot"/>
-      </p:par>
-    </p:tnLst>
-  </p:timing>
-</p:sld>
-</file>
-
 <file path=ppt/slides/slide72.xml><?xml version="1.0" encoding="utf-8"?>
 <p:sld xmlns:a="http://schemas.openxmlformats.org/drawingml/2006/main" xmlns:r="http://schemas.openxmlformats.org/officeDocument/2006/relationships" xmlns:p="http://schemas.openxmlformats.org/presentationml/2006/main">
   <p:cSld>
@@ -19754,6 +19643,75 @@
       </p:grpSpPr>
       <p:sp>
         <p:nvSpPr>
+          <p:cNvPr id="2" name="Inhaltsplatzhalter 1"/>
+          <p:cNvSpPr>
+            <a:spLocks noGrp="1"/>
+          </p:cNvSpPr>
+          <p:nvPr>
+            <p:ph idx="1"/>
+          </p:nvPr>
+        </p:nvSpPr>
+        <p:spPr/>
+        <p:txBody>
+          <a:bodyPr/>
+          <a:lstStyle/>
+          <a:p>
+            <a:r>
+              <a:rPr lang="de-DE" dirty="0" smtClean="0"/>
+              <a:t>Antialiasing in </a:t>
+            </a:r>
+            <a:r>
+              <a:rPr lang="de-DE" dirty="0" err="1" smtClean="0"/>
+              <a:t>OpenGL</a:t>
+            </a:r>
+            <a:r>
+              <a:rPr lang="de-DE" dirty="0" smtClean="0"/>
+              <a:t> aktiviert</a:t>
+            </a:r>
+          </a:p>
+          <a:p>
+            <a:pPr>
+              <a:buNone/>
+            </a:pPr>
+            <a:r>
+              <a:rPr lang="de-DE" dirty="0" smtClean="0"/>
+              <a:t>  unter anderem durch:</a:t>
+            </a:r>
+          </a:p>
+          <a:p>
+            <a:pPr lvl="1"/>
+            <a:r>
+              <a:rPr lang="de-DE" dirty="0" smtClean="0"/>
+              <a:t>Double </a:t>
+            </a:r>
+            <a:r>
+              <a:rPr lang="de-DE" dirty="0" err="1" smtClean="0"/>
+              <a:t>Buffering</a:t>
+            </a:r>
+            <a:r>
+              <a:rPr lang="de-DE" dirty="0" smtClean="0"/>
+              <a:t> aktiviert</a:t>
+            </a:r>
+          </a:p>
+          <a:p>
+            <a:pPr lvl="1"/>
+            <a:r>
+              <a:rPr lang="de-DE" dirty="0" smtClean="0"/>
+              <a:t>Blending Funktion gesetzt</a:t>
+            </a:r>
+          </a:p>
+          <a:p>
+            <a:pPr lvl="1"/>
+            <a:r>
+              <a:rPr lang="de-DE" dirty="0" smtClean="0"/>
+              <a:t>Multisampling aktiviert</a:t>
+            </a:r>
+            <a:endParaRPr lang="de-DE" dirty="0"/>
+          </a:p>
+        </p:txBody>
+      </p:sp>
+      <p:sp>
+        <p:nvSpPr>
           <p:cNvPr id="3" name="Datumsplatzhalter 2"/>
           <p:cNvSpPr>
             <a:spLocks noGrp="1"/>
@@ -19794,6 +19752,108 @@
               <a:rPr lang="de-DE" smtClean="0"/>
               <a:pPr/>
               <a:t>72</a:t>
+            </a:fld>
+            <a:endParaRPr lang="de-DE"/>
+          </a:p>
+        </p:txBody>
+      </p:sp>
+      <p:sp>
+        <p:nvSpPr>
+          <p:cNvPr id="5" name="Titel 4"/>
+          <p:cNvSpPr>
+            <a:spLocks noGrp="1"/>
+          </p:cNvSpPr>
+          <p:nvPr>
+            <p:ph type="title"/>
+          </p:nvPr>
+        </p:nvSpPr>
+        <p:spPr/>
+        <p:txBody>
+          <a:bodyPr/>
+          <a:lstStyle/>
+          <a:p>
+            <a:r>
+              <a:rPr lang="de-DE" dirty="0" smtClean="0"/>
+              <a:t>Lösung der Probleme</a:t>
+            </a:r>
+            <a:endParaRPr lang="de-DE" dirty="0"/>
+          </a:p>
+        </p:txBody>
+      </p:sp>
+    </p:spTree>
+  </p:cSld>
+  <p:clrMapOvr>
+    <a:masterClrMapping/>
+  </p:clrMapOvr>
+  <p:timing>
+    <p:tnLst>
+      <p:par>
+        <p:cTn id="1" dur="indefinite" restart="never" nodeType="tmRoot"/>
+      </p:par>
+    </p:tnLst>
+  </p:timing>
+</p:sld>
+</file>
+
+<file path=ppt/slides/slide73.xml><?xml version="1.0" encoding="utf-8"?>
+<p:sld xmlns:a="http://schemas.openxmlformats.org/drawingml/2006/main" xmlns:r="http://schemas.openxmlformats.org/officeDocument/2006/relationships" xmlns:p="http://schemas.openxmlformats.org/presentationml/2006/main">
+  <p:cSld>
+    <p:spTree>
+      <p:nvGrpSpPr>
+        <p:cNvPr id="1" name=""/>
+        <p:cNvGrpSpPr/>
+        <p:nvPr/>
+      </p:nvGrpSpPr>
+      <p:grpSpPr>
+        <a:xfrm>
+          <a:off x="0" y="0"/>
+          <a:ext cx="0" cy="0"/>
+          <a:chOff x="0" y="0"/>
+          <a:chExt cx="0" cy="0"/>
+        </a:xfrm>
+      </p:grpSpPr>
+      <p:sp>
+        <p:nvSpPr>
+          <p:cNvPr id="3" name="Datumsplatzhalter 2"/>
+          <p:cNvSpPr>
+            <a:spLocks noGrp="1"/>
+          </p:cNvSpPr>
+          <p:nvPr>
+            <p:ph type="dt" sz="half" idx="10"/>
+          </p:nvPr>
+        </p:nvSpPr>
+        <p:spPr/>
+        <p:txBody>
+          <a:bodyPr/>
+          <a:lstStyle/>
+          <a:p>
+            <a:r>
+              <a:rPr lang="de-DE" smtClean="0"/>
+              <a:t>23.06.2014</a:t>
+            </a:r>
+            <a:endParaRPr lang="de-DE"/>
+          </a:p>
+        </p:txBody>
+      </p:sp>
+      <p:sp>
+        <p:nvSpPr>
+          <p:cNvPr id="4" name="Foliennummernplatzhalter 3"/>
+          <p:cNvSpPr>
+            <a:spLocks noGrp="1"/>
+          </p:cNvSpPr>
+          <p:nvPr>
+            <p:ph type="sldNum" sz="quarter" idx="12"/>
+          </p:nvPr>
+        </p:nvSpPr>
+        <p:spPr/>
+        <p:txBody>
+          <a:bodyPr/>
+          <a:lstStyle/>
+          <a:p>
+            <a:fld id="{02075A8B-51D4-4999-A4F2-B3FAC6295E4D}" type="slidenum">
+              <a:rPr lang="de-DE" smtClean="0"/>
+              <a:pPr/>
+              <a:t>73</a:t>
             </a:fld>
             <a:endParaRPr lang="de-DE"/>
           </a:p>
@@ -19947,196 +20007,6 @@
 </p:sld>
 </file>
 
-<file path=ppt/slides/slide73.xml><?xml version="1.0" encoding="utf-8"?>
-<p:sld xmlns:a="http://schemas.openxmlformats.org/drawingml/2006/main" xmlns:r="http://schemas.openxmlformats.org/officeDocument/2006/relationships" xmlns:p="http://schemas.openxmlformats.org/presentationml/2006/main">
-  <p:cSld>
-    <p:spTree>
-      <p:nvGrpSpPr>
-        <p:cNvPr id="1" name=""/>
-        <p:cNvGrpSpPr/>
-        <p:nvPr/>
-      </p:nvGrpSpPr>
-      <p:grpSpPr>
-        <a:xfrm>
-          <a:off x="0" y="0"/>
-          <a:ext cx="0" cy="0"/>
-          <a:chOff x="0" y="0"/>
-          <a:chExt cx="0" cy="0"/>
-        </a:xfrm>
-      </p:grpSpPr>
-      <p:sp>
-        <p:nvSpPr>
-          <p:cNvPr id="2" name="Inhaltsplatzhalter 1"/>
-          <p:cNvSpPr>
-            <a:spLocks noGrp="1"/>
-          </p:cNvSpPr>
-          <p:nvPr>
-            <p:ph idx="1"/>
-          </p:nvPr>
-        </p:nvSpPr>
-        <p:spPr/>
-        <p:txBody>
-          <a:bodyPr/>
-          <a:lstStyle/>
-          <a:p>
-            <a:r>
-              <a:rPr lang="de-DE" dirty="0" smtClean="0"/>
-              <a:t>Kontinuierliche Performance-Tests</a:t>
-            </a:r>
-          </a:p>
-          <a:p>
-            <a:r>
-              <a:rPr lang="de-DE" dirty="0" smtClean="0"/>
-              <a:t>Untersuchung der </a:t>
-            </a:r>
-            <a:r>
-              <a:rPr lang="de-DE" dirty="0" err="1" smtClean="0"/>
-              <a:t>display</a:t>
-            </a:r>
-            <a:r>
-              <a:rPr lang="de-DE" dirty="0" smtClean="0"/>
-              <a:t>-Methode:</a:t>
-            </a:r>
-          </a:p>
-          <a:p>
-            <a:pPr lvl="1"/>
-            <a:r>
-              <a:rPr lang="de-DE" dirty="0" smtClean="0"/>
-              <a:t>Berechnungen werden nur einmal ausgeführt,</a:t>
-            </a:r>
-          </a:p>
-          <a:p>
-            <a:pPr lvl="1">
-              <a:buNone/>
-            </a:pPr>
-            <a:r>
-              <a:rPr lang="de-DE" dirty="0" smtClean="0"/>
-              <a:t>	sehr viele </a:t>
-            </a:r>
-            <a:r>
-              <a:rPr lang="de-DE" dirty="0" err="1" smtClean="0"/>
-              <a:t>if</a:t>
-            </a:r>
-            <a:r>
-              <a:rPr lang="de-DE" dirty="0" smtClean="0"/>
-              <a:t>-Abfragen notwendig</a:t>
-            </a:r>
-          </a:p>
-          <a:p>
-            <a:pPr lvl="1"/>
-            <a:r>
-              <a:rPr lang="de-DE" dirty="0" smtClean="0"/>
-              <a:t>Hardwarebeschleunigung aktiviert</a:t>
-            </a:r>
-          </a:p>
-          <a:p>
-            <a:pPr lvl="1"/>
-            <a:r>
-              <a:rPr lang="de-DE" dirty="0" smtClean="0"/>
-              <a:t>Optimierte Thread-Verwaltung durch </a:t>
-            </a:r>
-            <a:r>
-              <a:rPr lang="de-DE" dirty="0" err="1" smtClean="0"/>
-              <a:t>Executor</a:t>
-            </a:r>
-            <a:r>
-              <a:rPr lang="de-DE" dirty="0" smtClean="0"/>
-              <a:t>-Service </a:t>
-            </a:r>
-          </a:p>
-        </p:txBody>
-      </p:sp>
-      <p:sp>
-        <p:nvSpPr>
-          <p:cNvPr id="3" name="Datumsplatzhalter 2"/>
-          <p:cNvSpPr>
-            <a:spLocks noGrp="1"/>
-          </p:cNvSpPr>
-          <p:nvPr>
-            <p:ph type="dt" sz="half" idx="10"/>
-          </p:nvPr>
-        </p:nvSpPr>
-        <p:spPr/>
-        <p:txBody>
-          <a:bodyPr/>
-          <a:lstStyle/>
-          <a:p>
-            <a:r>
-              <a:rPr lang="de-DE" smtClean="0"/>
-              <a:t>23.06.2014</a:t>
-            </a:r>
-            <a:endParaRPr lang="de-DE"/>
-          </a:p>
-        </p:txBody>
-      </p:sp>
-      <p:sp>
-        <p:nvSpPr>
-          <p:cNvPr id="4" name="Foliennummernplatzhalter 3"/>
-          <p:cNvSpPr>
-            <a:spLocks noGrp="1"/>
-          </p:cNvSpPr>
-          <p:nvPr>
-            <p:ph type="sldNum" sz="quarter" idx="12"/>
-          </p:nvPr>
-        </p:nvSpPr>
-        <p:spPr/>
-        <p:txBody>
-          <a:bodyPr/>
-          <a:lstStyle/>
-          <a:p>
-            <a:fld id="{02075A8B-51D4-4999-A4F2-B3FAC6295E4D}" type="slidenum">
-              <a:rPr lang="de-DE" smtClean="0"/>
-              <a:pPr/>
-              <a:t>73</a:t>
-            </a:fld>
-            <a:endParaRPr lang="de-DE"/>
-          </a:p>
-        </p:txBody>
-      </p:sp>
-      <p:sp>
-        <p:nvSpPr>
-          <p:cNvPr id="5" name="Titel 4"/>
-          <p:cNvSpPr>
-            <a:spLocks noGrp="1"/>
-          </p:cNvSpPr>
-          <p:nvPr>
-            <p:ph type="title"/>
-          </p:nvPr>
-        </p:nvSpPr>
-        <p:spPr/>
-        <p:txBody>
-          <a:bodyPr/>
-          <a:lstStyle/>
-          <a:p>
-            <a:pPr algn="ctr"/>
-            <a:r>
-              <a:rPr lang="de-DE" dirty="0" smtClean="0"/>
-              <a:t>Performance</a:t>
-            </a:r>
-            <a:endParaRPr lang="de-DE" dirty="0"/>
-          </a:p>
-        </p:txBody>
-      </p:sp>
-    </p:spTree>
-    <p:extLst>
-      <p:ext uri="{BB962C8B-B14F-4D97-AF65-F5344CB8AC3E}">
-        <p14:creationId xmlns:p14="http://schemas.microsoft.com/office/powerpoint/2010/main" val="1468489249"/>
-      </p:ext>
-    </p:extLst>
-  </p:cSld>
-  <p:clrMapOvr>
-    <a:masterClrMapping/>
-  </p:clrMapOvr>
-  <p:timing>
-    <p:tnLst>
-      <p:par>
-        <p:cTn id="1" dur="indefinite" restart="never" nodeType="tmRoot"/>
-      </p:par>
-    </p:tnLst>
-  </p:timing>
-</p:sld>
-</file>
-
 <file path=ppt/slides/slide74.xml><?xml version="1.0" encoding="utf-8"?>
 <p:sld xmlns:a="http://schemas.openxmlformats.org/drawingml/2006/main" xmlns:r="http://schemas.openxmlformats.org/officeDocument/2006/relationships" xmlns:p="http://schemas.openxmlformats.org/presentationml/2006/main">
   <p:cSld>
@@ -20156,6 +20026,88 @@
       </p:grpSpPr>
       <p:sp>
         <p:nvSpPr>
+          <p:cNvPr id="2" name="Inhaltsplatzhalter 1"/>
+          <p:cNvSpPr>
+            <a:spLocks noGrp="1"/>
+          </p:cNvSpPr>
+          <p:nvPr>
+            <p:ph idx="1"/>
+          </p:nvPr>
+        </p:nvSpPr>
+        <p:spPr/>
+        <p:txBody>
+          <a:bodyPr/>
+          <a:lstStyle/>
+          <a:p>
+            <a:r>
+              <a:rPr lang="de-DE" dirty="0" smtClean="0"/>
+              <a:t>Kontinuierliche Performance-Tests</a:t>
+            </a:r>
+          </a:p>
+          <a:p>
+            <a:r>
+              <a:rPr lang="de-DE" dirty="0" smtClean="0"/>
+              <a:t>Untersuchung der </a:t>
+            </a:r>
+            <a:r>
+              <a:rPr lang="de-DE" dirty="0" err="1" smtClean="0"/>
+              <a:t>display</a:t>
+            </a:r>
+            <a:r>
+              <a:rPr lang="de-DE" dirty="0" smtClean="0"/>
+              <a:t>-Methode:</a:t>
+            </a:r>
+          </a:p>
+          <a:p>
+            <a:pPr lvl="1"/>
+            <a:r>
+              <a:rPr lang="de-DE" dirty="0" smtClean="0"/>
+              <a:t>Berechnungen werden nur einmal ausgeführt,</a:t>
+            </a:r>
+          </a:p>
+          <a:p>
+            <a:pPr lvl="1">
+              <a:buNone/>
+            </a:pPr>
+            <a:r>
+              <a:rPr lang="de-DE" dirty="0" smtClean="0"/>
+              <a:t>	sehr viele </a:t>
+            </a:r>
+            <a:r>
+              <a:rPr lang="de-DE" dirty="0" err="1" smtClean="0"/>
+              <a:t>if</a:t>
+            </a:r>
+            <a:r>
+              <a:rPr lang="de-DE" dirty="0" smtClean="0"/>
+              <a:t>-Abfragen notwendig</a:t>
+            </a:r>
+          </a:p>
+          <a:p>
+            <a:pPr lvl="1"/>
+            <a:r>
+              <a:rPr lang="de-DE" dirty="0" smtClean="0"/>
+              <a:t>Hardwarebeschleunigung aktiviert</a:t>
+            </a:r>
+          </a:p>
+          <a:p>
+            <a:pPr lvl="1"/>
+            <a:r>
+              <a:rPr lang="de-DE" dirty="0" smtClean="0"/>
+              <a:t>Optimierte Thread-Verwaltung durch </a:t>
+            </a:r>
+            <a:r>
+              <a:rPr lang="de-DE" dirty="0" err="1" smtClean="0"/>
+              <a:t>Executor</a:t>
+            </a:r>
+            <a:r>
+              <a:rPr lang="de-DE" dirty="0" smtClean="0"/>
+              <a:t>-Service </a:t>
+            </a:r>
+          </a:p>
+        </p:txBody>
+      </p:sp>
+      <p:sp>
+        <p:nvSpPr>
           <p:cNvPr id="3" name="Datumsplatzhalter 2"/>
           <p:cNvSpPr>
             <a:spLocks noGrp="1"/>
@@ -20211,31 +20163,24 @@
             <p:ph type="title"/>
           </p:nvPr>
         </p:nvSpPr>
-        <p:spPr>
-          <a:xfrm>
-            <a:off x="457200" y="274638"/>
-            <a:ext cx="8229600" cy="5314602"/>
-          </a:xfrm>
-        </p:spPr>
-        <p:txBody>
-          <a:bodyPr>
-            <a:noAutofit/>
-          </a:bodyPr>
+        <p:spPr/>
+        <p:txBody>
+          <a:bodyPr/>
           <a:lstStyle/>
           <a:p>
             <a:pPr algn="ctr"/>
             <a:r>
-              <a:rPr lang="de-DE" sz="8000" dirty="0" smtClean="0"/>
-              <a:t>Demo</a:t>
-            </a:r>
-            <a:endParaRPr lang="de-DE" sz="8000" dirty="0"/>
+              <a:rPr lang="de-DE" dirty="0" smtClean="0"/>
+              <a:t>Performance</a:t>
+            </a:r>
+            <a:endParaRPr lang="de-DE" dirty="0"/>
           </a:p>
         </p:txBody>
       </p:sp>
     </p:spTree>
     <p:extLst>
       <p:ext uri="{BB962C8B-B14F-4D97-AF65-F5344CB8AC3E}">
-        <p14:creationId xmlns:p14="http://schemas.microsoft.com/office/powerpoint/2010/main" val="707920820"/>
+        <p14:creationId xmlns:p14="http://schemas.microsoft.com/office/powerpoint/2010/main" val="1468489249"/>
       </p:ext>
     </p:extLst>
   </p:cSld>
@@ -20271,142 +20216,7 @@
       </p:grpSpPr>
       <p:sp>
         <p:nvSpPr>
-          <p:cNvPr id="2" name="Inhaltsplatzhalter 1"/>
-          <p:cNvSpPr>
-            <a:spLocks noGrp="1"/>
-          </p:cNvSpPr>
-          <p:nvPr>
-            <p:ph idx="1"/>
-          </p:nvPr>
-        </p:nvSpPr>
-        <p:spPr/>
-        <p:txBody>
-          <a:bodyPr>
-            <a:normAutofit lnSpcReduction="10000"/>
-          </a:bodyPr>
-          <a:lstStyle/>
-          <a:p>
-            <a:r>
-              <a:rPr lang="de-DE" dirty="0" smtClean="0"/>
-              <a:t>Bild auf Seite 53:</a:t>
-            </a:r>
-            <a:br>
-              <a:rPr lang="de-DE" dirty="0" smtClean="0"/>
-            </a:br>
-            <a:r>
-              <a:rPr lang="de-DE" dirty="0" smtClean="0">
-                <a:hlinkClick r:id="rId2"/>
-              </a:rPr>
-              <a:t>http</a:t>
-            </a:r>
-            <a:r>
-              <a:rPr lang="de-DE" dirty="0">
-                <a:hlinkClick r:id="rId2"/>
-              </a:rPr>
-              <a:t>://www.mynetcologne.de/~</a:t>
-            </a:r>
-            <a:r>
-              <a:rPr lang="de-DE" dirty="0" smtClean="0">
-                <a:hlinkClick r:id="rId2"/>
-              </a:rPr>
-              <a:t>nc-purschst3/garten/klima/Sonne.jpg</a:t>
-            </a:r>
-            <a:endParaRPr lang="de-DE" dirty="0" smtClean="0"/>
-          </a:p>
-          <a:p>
-            <a:r>
-              <a:rPr lang="de-DE" dirty="0" smtClean="0">
-                <a:hlinkClick r:id="rId3"/>
-              </a:rPr>
-              <a:t>http</a:t>
-            </a:r>
-            <a:r>
-              <a:rPr lang="de-DE" dirty="0">
-                <a:hlinkClick r:id="rId3"/>
-              </a:rPr>
-              <a:t>://</a:t>
-            </a:r>
-            <a:r>
-              <a:rPr lang="de-DE" dirty="0" smtClean="0">
-                <a:hlinkClick r:id="rId3"/>
-              </a:rPr>
-              <a:t>de.wikipedia.org/wiki/Sonnenstand</a:t>
-            </a:r>
-            <a:endParaRPr lang="de-DE" dirty="0" smtClean="0"/>
-          </a:p>
-          <a:p>
-            <a:r>
-              <a:rPr lang="de-DE" dirty="0">
-                <a:hlinkClick r:id="rId4"/>
-              </a:rPr>
-              <a:t>http://</a:t>
-            </a:r>
-            <a:r>
-              <a:rPr lang="de-DE" dirty="0" smtClean="0">
-                <a:hlinkClick r:id="rId4"/>
-              </a:rPr>
-              <a:t>stackoverflow.com/questions/1406029/how-to-calculate-the-volume-of-a-3d-mesh-object-the-surface-of-which-is-made-up</a:t>
-            </a:r>
-            <a:endParaRPr lang="de-DE" dirty="0" smtClean="0"/>
-          </a:p>
-          <a:p>
-            <a:r>
-              <a:rPr lang="de-DE" dirty="0">
-                <a:hlinkClick r:id="rId5"/>
-              </a:rPr>
-              <a:t>http://www.jocl.org</a:t>
-            </a:r>
-            <a:r>
-              <a:rPr lang="de-DE" dirty="0" smtClean="0">
-                <a:hlinkClick r:id="rId5"/>
-              </a:rPr>
-              <a:t>/</a:t>
-            </a:r>
-            <a:endParaRPr lang="de-DE" dirty="0" smtClean="0"/>
-          </a:p>
-          <a:p>
-            <a:r>
-              <a:rPr lang="de-DE" dirty="0">
-                <a:hlinkClick r:id="rId6"/>
-              </a:rPr>
-              <a:t>http://</a:t>
-            </a:r>
-            <a:r>
-              <a:rPr lang="de-DE" dirty="0" smtClean="0">
-                <a:hlinkClick r:id="rId6"/>
-              </a:rPr>
-              <a:t>www.khronos.org/registry/cl/specs/opencl-1.1.pdf</a:t>
-            </a:r>
-            <a:endParaRPr lang="de-DE" dirty="0" smtClean="0"/>
-          </a:p>
-        </p:txBody>
-      </p:sp>
-      <p:sp>
-        <p:nvSpPr>
-          <p:cNvPr id="3" name="Titel 2"/>
-          <p:cNvSpPr>
-            <a:spLocks noGrp="1"/>
-          </p:cNvSpPr>
-          <p:nvPr>
-            <p:ph type="title"/>
-          </p:nvPr>
-        </p:nvSpPr>
-        <p:spPr/>
-        <p:txBody>
-          <a:bodyPr/>
-          <a:lstStyle/>
-          <a:p>
-            <a:r>
-              <a:rPr lang="de-DE" dirty="0" smtClean="0"/>
-              <a:t>Quellen (1/3)</a:t>
-            </a:r>
-            <a:endParaRPr lang="de-DE" dirty="0"/>
-          </a:p>
-        </p:txBody>
-      </p:sp>
-      <p:sp>
-        <p:nvSpPr>
-          <p:cNvPr id="4" name="Datumsplatzhalter 3"/>
+          <p:cNvPr id="3" name="Datumsplatzhalter 2"/>
           <p:cNvSpPr>
             <a:spLocks noGrp="1"/>
           </p:cNvSpPr>
@@ -20429,7 +20239,7 @@
       </p:sp>
       <p:sp>
         <p:nvSpPr>
-          <p:cNvPr id="5" name="Foliennummernplatzhalter 4"/>
+          <p:cNvPr id="4" name="Foliennummernplatzhalter 3"/>
           <p:cNvSpPr>
             <a:spLocks noGrp="1"/>
           </p:cNvSpPr>
@@ -20451,10 +20261,41 @@
           </a:p>
         </p:txBody>
       </p:sp>
+      <p:sp>
+        <p:nvSpPr>
+          <p:cNvPr id="5" name="Titel 4"/>
+          <p:cNvSpPr>
+            <a:spLocks noGrp="1"/>
+          </p:cNvSpPr>
+          <p:nvPr>
+            <p:ph type="title"/>
+          </p:nvPr>
+        </p:nvSpPr>
+        <p:spPr>
+          <a:xfrm>
+            <a:off x="457200" y="274638"/>
+            <a:ext cx="8229600" cy="5314602"/>
+          </a:xfrm>
+        </p:spPr>
+        <p:txBody>
+          <a:bodyPr>
+            <a:noAutofit/>
+          </a:bodyPr>
+          <a:lstStyle/>
+          <a:p>
+            <a:pPr algn="ctr"/>
+            <a:r>
+              <a:rPr lang="de-DE" sz="8000" dirty="0" smtClean="0"/>
+              <a:t>Demo</a:t>
+            </a:r>
+            <a:endParaRPr lang="de-DE" sz="8000" dirty="0"/>
+          </a:p>
+        </p:txBody>
+      </p:sp>
     </p:spTree>
     <p:extLst>
       <p:ext uri="{BB962C8B-B14F-4D97-AF65-F5344CB8AC3E}">
-        <p14:creationId xmlns:p14="http://schemas.microsoft.com/office/powerpoint/2010/main" val="1704796354"/>
+        <p14:creationId xmlns:p14="http://schemas.microsoft.com/office/powerpoint/2010/main" val="707920820"/>
       </p:ext>
     </p:extLst>
   </p:cSld>
@@ -20490,7 +20331,7 @@
       </p:grpSpPr>
       <p:sp>
         <p:nvSpPr>
-          <p:cNvPr id="2" name="Content Placeholder 1"/>
+          <p:cNvPr id="2" name="Inhaltsplatzhalter 1"/>
           <p:cNvSpPr>
             <a:spLocks noGrp="1"/>
           </p:cNvSpPr>
@@ -20507,51 +20348,49 @@
           <a:p>
             <a:r>
               <a:rPr lang="de-DE" dirty="0" smtClean="0"/>
-              <a:t>Bild auf Seite 16:</a:t>
-            </a:r>
-            <a:r>
-              <a:rPr lang="de-DE" u="sng" dirty="0" smtClean="0">
-                <a:hlinkClick r:id="rId2"/>
-              </a:rPr>
-              <a:t/>
+              <a:t>Bild auf Seite 53:</a:t>
             </a:r>
             <a:br>
-              <a:rPr lang="de-DE" u="sng" dirty="0" smtClean="0">
-                <a:hlinkClick r:id="rId2"/>
-              </a:rPr>
+              <a:rPr lang="de-DE" dirty="0" smtClean="0"/>
             </a:br>
             <a:r>
-              <a:rPr lang="de-DE" u="sng" dirty="0" smtClean="0">
+              <a:rPr lang="de-DE" dirty="0" smtClean="0">
                 <a:hlinkClick r:id="rId2"/>
               </a:rPr>
               <a:t>http</a:t>
             </a:r>
             <a:r>
-              <a:rPr lang="de-DE" u="sng" dirty="0">
+              <a:rPr lang="de-DE" dirty="0">
                 <a:hlinkClick r:id="rId2"/>
               </a:rPr>
-              <a:t>://lh5.ggpht.com/-</a:t>
-            </a:r>
-            <a:r>
-              <a:rPr lang="de-DE" u="sng" dirty="0" smtClean="0">
+              <a:t>://www.mynetcologne.de/~</a:t>
+            </a:r>
+            <a:r>
+              <a:rPr lang="de-DE" dirty="0" smtClean="0">
                 <a:hlinkClick r:id="rId2"/>
               </a:rPr>
-              <a:t>TQoisMDRkRM/T_QLRsg2UeI/AAAAAAAAAPA/ZmbB3KCsH9g/image_thumb%2525255B13%2525255D.png%3Fimgmax%3D800</a:t>
-            </a:r>
-            <a:endParaRPr lang="de-DE" u="sng" dirty="0" smtClean="0"/>
-          </a:p>
-          <a:p>
+              <a:t>nc-purschst3/garten/klima/Sonne.jpg</a:t>
+            </a:r>
+            <a:endParaRPr lang="de-DE" dirty="0" smtClean="0"/>
+          </a:p>
+          <a:p>
+            <a:r>
+              <a:rPr lang="de-DE" dirty="0" smtClean="0">
+                <a:hlinkClick r:id="rId3"/>
+              </a:rPr>
+              <a:t>http</a:t>
+            </a:r>
             <a:r>
               <a:rPr lang="de-DE" dirty="0">
                 <a:hlinkClick r:id="rId3"/>
               </a:rPr>
-              <a:t>http://</a:t>
+              <a:t>://</a:t>
             </a:r>
             <a:r>
               <a:rPr lang="de-DE" dirty="0" smtClean="0">
                 <a:hlinkClick r:id="rId3"/>
               </a:rPr>
-              <a:t>www.dma.ufg.ac.at/assets/13152/intern/konkaves.jpg</a:t>
+              <a:t>de.wikipedia.org/wiki/Sonnenstand</a:t>
             </a:r>
             <a:endParaRPr lang="de-DE" dirty="0" smtClean="0"/>
           </a:p>
@@ -20560,13 +20399,13 @@
               <a:rPr lang="de-DE" dirty="0">
                 <a:hlinkClick r:id="rId4"/>
               </a:rPr>
-              <a:t>http://profs.sci.univr.it/~</a:t>
+              <a:t>http://</a:t>
             </a:r>
             <a:r>
               <a:rPr lang="de-DE" dirty="0" smtClean="0">
                 <a:hlinkClick r:id="rId4"/>
               </a:rPr>
-              <a:t>colombar/html_openGL_tutorial/images/triangle_strips.gif</a:t>
+              <a:t>stackoverflow.com/questions/1406029/how-to-calculate-the-volume-of-a-3d-mesh-object-the-surface-of-which-is-made-up</a:t>
             </a:r>
             <a:endParaRPr lang="de-DE" dirty="0" smtClean="0"/>
           </a:p>
@@ -20575,33 +20414,59 @@
               <a:rPr lang="de-DE" dirty="0">
                 <a:hlinkClick r:id="rId5"/>
               </a:rPr>
-              <a:t>http://profs.sci.univr.it/~</a:t>
+              <a:t>http://www.jocl.org</a:t>
             </a:r>
             <a:r>
               <a:rPr lang="de-DE" dirty="0" smtClean="0">
                 <a:hlinkClick r:id="rId5"/>
               </a:rPr>
-              <a:t>colombar/html_openGL_tutorial/images/triangle_fans.gif</a:t>
+              <a:t>/</a:t>
             </a:r>
             <a:endParaRPr lang="de-DE" dirty="0" smtClean="0"/>
           </a:p>
           <a:p>
+            <a:r>
+              <a:rPr lang="de-DE" dirty="0">
+                <a:hlinkClick r:id="rId6"/>
+              </a:rPr>
+              <a:t>http://</a:t>
+            </a:r>
+            <a:r>
+              <a:rPr lang="de-DE" dirty="0" smtClean="0">
+                <a:hlinkClick r:id="rId6"/>
+              </a:rPr>
+              <a:t>www.khronos.org/registry/cl/specs/opencl-1.1.pdf</a:t>
+            </a:r>
             <a:endParaRPr lang="de-DE" dirty="0" smtClean="0"/>
           </a:p>
-          <a:p>
-            <a:endParaRPr lang="de-DE" dirty="0" smtClean="0"/>
-          </a:p>
-          <a:p>
+        </p:txBody>
+      </p:sp>
+      <p:sp>
+        <p:nvSpPr>
+          <p:cNvPr id="3" name="Titel 2"/>
+          <p:cNvSpPr>
+            <a:spLocks noGrp="1"/>
+          </p:cNvSpPr>
+          <p:nvPr>
+            <p:ph type="title"/>
+          </p:nvPr>
+        </p:nvSpPr>
+        <p:spPr/>
+        <p:txBody>
+          <a:bodyPr/>
+          <a:lstStyle/>
+          <a:p>
+            <a:r>
+              <a:rPr lang="de-DE" dirty="0" smtClean="0"/>
+              <a:t>Quellen (1/3)</a:t>
+            </a:r>
             <a:endParaRPr lang="de-DE" dirty="0"/>
           </a:p>
-          <a:p>
-            <a:endParaRPr lang="de-DE" dirty="0"/>
-          </a:p>
-        </p:txBody>
-      </p:sp>
-      <p:sp>
-        <p:nvSpPr>
-          <p:cNvPr id="3" name="Date Placeholder 2"/>
+        </p:txBody>
+      </p:sp>
+      <p:sp>
+        <p:nvSpPr>
+          <p:cNvPr id="4" name="Datumsplatzhalter 3"/>
           <p:cNvSpPr>
             <a:spLocks noGrp="1"/>
           </p:cNvSpPr>
@@ -20624,7 +20489,7 @@
       </p:sp>
       <p:sp>
         <p:nvSpPr>
-          <p:cNvPr id="4" name="Slide Number Placeholder 3"/>
+          <p:cNvPr id="5" name="Foliennummernplatzhalter 4"/>
           <p:cNvSpPr>
             <a:spLocks noGrp="1"/>
           </p:cNvSpPr>
@@ -20646,33 +20511,10 @@
           </a:p>
         </p:txBody>
       </p:sp>
-      <p:sp>
-        <p:nvSpPr>
-          <p:cNvPr id="5" name="Title 4"/>
-          <p:cNvSpPr>
-            <a:spLocks noGrp="1"/>
-          </p:cNvSpPr>
-          <p:nvPr>
-            <p:ph type="title"/>
-          </p:nvPr>
-        </p:nvSpPr>
-        <p:spPr/>
-        <p:txBody>
-          <a:bodyPr/>
-          <a:lstStyle/>
-          <a:p>
-            <a:r>
-              <a:rPr lang="de-DE" dirty="0" smtClean="0"/>
-              <a:t>Quellen (2/3)</a:t>
-            </a:r>
-            <a:endParaRPr lang="de-DE" dirty="0"/>
-          </a:p>
-        </p:txBody>
-      </p:sp>
     </p:spTree>
     <p:extLst>
       <p:ext uri="{BB962C8B-B14F-4D97-AF65-F5344CB8AC3E}">
-        <p14:creationId xmlns:p14="http://schemas.microsoft.com/office/powerpoint/2010/main" val="3236726599"/>
+        <p14:creationId xmlns:p14="http://schemas.microsoft.com/office/powerpoint/2010/main" val="1704796354"/>
       </p:ext>
     </p:extLst>
   </p:cSld>
@@ -20708,6 +20550,224 @@
       </p:grpSpPr>
       <p:sp>
         <p:nvSpPr>
+          <p:cNvPr id="2" name="Content Placeholder 1"/>
+          <p:cNvSpPr>
+            <a:spLocks noGrp="1"/>
+          </p:cNvSpPr>
+          <p:nvPr>
+            <p:ph idx="1"/>
+          </p:nvPr>
+        </p:nvSpPr>
+        <p:spPr/>
+        <p:txBody>
+          <a:bodyPr>
+            <a:normAutofit lnSpcReduction="10000"/>
+          </a:bodyPr>
+          <a:lstStyle/>
+          <a:p>
+            <a:r>
+              <a:rPr lang="de-DE" dirty="0" smtClean="0"/>
+              <a:t>Bild auf Seite 16:</a:t>
+            </a:r>
+            <a:r>
+              <a:rPr lang="de-DE" u="sng" dirty="0" smtClean="0">
+                <a:hlinkClick r:id="rId2"/>
+              </a:rPr>
+              <a:t/>
+            </a:r>
+            <a:br>
+              <a:rPr lang="de-DE" u="sng" dirty="0" smtClean="0">
+                <a:hlinkClick r:id="rId2"/>
+              </a:rPr>
+            </a:br>
+            <a:r>
+              <a:rPr lang="de-DE" u="sng" dirty="0" smtClean="0">
+                <a:hlinkClick r:id="rId2"/>
+              </a:rPr>
+              <a:t>http</a:t>
+            </a:r>
+            <a:r>
+              <a:rPr lang="de-DE" u="sng" dirty="0">
+                <a:hlinkClick r:id="rId2"/>
+              </a:rPr>
+              <a:t>://lh5.ggpht.com/-</a:t>
+            </a:r>
+            <a:r>
+              <a:rPr lang="de-DE" u="sng" dirty="0" smtClean="0">
+                <a:hlinkClick r:id="rId2"/>
+              </a:rPr>
+              <a:t>TQoisMDRkRM/T_QLRsg2UeI/AAAAAAAAAPA/ZmbB3KCsH9g/image_thumb%2525255B13%2525255D.png%3Fimgmax%3D800</a:t>
+            </a:r>
+            <a:endParaRPr lang="de-DE" u="sng" dirty="0" smtClean="0"/>
+          </a:p>
+          <a:p>
+            <a:r>
+              <a:rPr lang="de-DE" dirty="0">
+                <a:hlinkClick r:id="rId3"/>
+              </a:rPr>
+              <a:t>http://</a:t>
+            </a:r>
+            <a:r>
+              <a:rPr lang="de-DE" dirty="0" smtClean="0">
+                <a:hlinkClick r:id="rId3"/>
+              </a:rPr>
+              <a:t>www.dma.ufg.ac.at/assets/13152/intern/konkaves.jpg</a:t>
+            </a:r>
+            <a:endParaRPr lang="de-DE" dirty="0" smtClean="0"/>
+          </a:p>
+          <a:p>
+            <a:r>
+              <a:rPr lang="de-DE" dirty="0">
+                <a:hlinkClick r:id="rId4"/>
+              </a:rPr>
+              <a:t>http://profs.sci.univr.it/~</a:t>
+            </a:r>
+            <a:r>
+              <a:rPr lang="de-DE" dirty="0" smtClean="0">
+                <a:hlinkClick r:id="rId4"/>
+              </a:rPr>
+              <a:t>colombar/html_openGL_tutorial/images/triangle_strips.gif</a:t>
+            </a:r>
+            <a:endParaRPr lang="de-DE" dirty="0" smtClean="0"/>
+          </a:p>
+          <a:p>
+            <a:r>
+              <a:rPr lang="de-DE" dirty="0">
+                <a:hlinkClick r:id="rId5"/>
+              </a:rPr>
+              <a:t>http://profs.sci.univr.it/~</a:t>
+            </a:r>
+            <a:r>
+              <a:rPr lang="de-DE" dirty="0" smtClean="0">
+                <a:hlinkClick r:id="rId5"/>
+              </a:rPr>
+              <a:t>colombar/html_openGL_tutorial/images/triangle_fans.gif</a:t>
+            </a:r>
+            <a:endParaRPr lang="de-DE" dirty="0" smtClean="0"/>
+          </a:p>
+          <a:p>
+            <a:endParaRPr lang="de-DE" dirty="0" smtClean="0"/>
+          </a:p>
+          <a:p>
+            <a:endParaRPr lang="de-DE" dirty="0" smtClean="0"/>
+          </a:p>
+          <a:p>
+            <a:endParaRPr lang="de-DE" dirty="0"/>
+          </a:p>
+          <a:p>
+            <a:endParaRPr lang="de-DE" dirty="0"/>
+          </a:p>
+        </p:txBody>
+      </p:sp>
+      <p:sp>
+        <p:nvSpPr>
+          <p:cNvPr id="3" name="Date Placeholder 2"/>
+          <p:cNvSpPr>
+            <a:spLocks noGrp="1"/>
+          </p:cNvSpPr>
+          <p:nvPr>
+            <p:ph type="dt" sz="half" idx="10"/>
+          </p:nvPr>
+        </p:nvSpPr>
+        <p:spPr/>
+        <p:txBody>
+          <a:bodyPr/>
+          <a:lstStyle/>
+          <a:p>
+            <a:r>
+              <a:rPr lang="de-DE" smtClean="0"/>
+              <a:t>23.06.2014</a:t>
+            </a:r>
+            <a:endParaRPr lang="de-DE"/>
+          </a:p>
+        </p:txBody>
+      </p:sp>
+      <p:sp>
+        <p:nvSpPr>
+          <p:cNvPr id="4" name="Slide Number Placeholder 3"/>
+          <p:cNvSpPr>
+            <a:spLocks noGrp="1"/>
+          </p:cNvSpPr>
+          <p:nvPr>
+            <p:ph type="sldNum" sz="quarter" idx="12"/>
+          </p:nvPr>
+        </p:nvSpPr>
+        <p:spPr/>
+        <p:txBody>
+          <a:bodyPr/>
+          <a:lstStyle/>
+          <a:p>
+            <a:fld id="{02075A8B-51D4-4999-A4F2-B3FAC6295E4D}" type="slidenum">
+              <a:rPr lang="de-DE" smtClean="0"/>
+              <a:pPr/>
+              <a:t>77</a:t>
+            </a:fld>
+            <a:endParaRPr lang="de-DE"/>
+          </a:p>
+        </p:txBody>
+      </p:sp>
+      <p:sp>
+        <p:nvSpPr>
+          <p:cNvPr id="5" name="Title 4"/>
+          <p:cNvSpPr>
+            <a:spLocks noGrp="1"/>
+          </p:cNvSpPr>
+          <p:nvPr>
+            <p:ph type="title"/>
+          </p:nvPr>
+        </p:nvSpPr>
+        <p:spPr/>
+        <p:txBody>
+          <a:bodyPr/>
+          <a:lstStyle/>
+          <a:p>
+            <a:r>
+              <a:rPr lang="de-DE" dirty="0" smtClean="0"/>
+              <a:t>Quellen (2/3)</a:t>
+            </a:r>
+            <a:endParaRPr lang="de-DE" dirty="0"/>
+          </a:p>
+        </p:txBody>
+      </p:sp>
+    </p:spTree>
+    <p:extLst>
+      <p:ext uri="{BB962C8B-B14F-4D97-AF65-F5344CB8AC3E}">
+        <p14:creationId xmlns:p14="http://schemas.microsoft.com/office/powerpoint/2010/main" val="3236726599"/>
+      </p:ext>
+    </p:extLst>
+  </p:cSld>
+  <p:clrMapOvr>
+    <a:masterClrMapping/>
+  </p:clrMapOvr>
+  <p:timing>
+    <p:tnLst>
+      <p:par>
+        <p:cTn id="1" dur="indefinite" restart="never" nodeType="tmRoot"/>
+      </p:par>
+    </p:tnLst>
+  </p:timing>
+</p:sld>
+</file>
+
+<file path=ppt/slides/slide78.xml><?xml version="1.0" encoding="utf-8"?>
+<p:sld xmlns:a="http://schemas.openxmlformats.org/drawingml/2006/main" xmlns:r="http://schemas.openxmlformats.org/officeDocument/2006/relationships" xmlns:p="http://schemas.openxmlformats.org/presentationml/2006/main">
+  <p:cSld>
+    <p:spTree>
+      <p:nvGrpSpPr>
+        <p:cNvPr id="1" name=""/>
+        <p:cNvGrpSpPr/>
+        <p:nvPr/>
+      </p:nvGrpSpPr>
+      <p:grpSpPr>
+        <a:xfrm>
+          <a:off x="0" y="0"/>
+          <a:ext cx="0" cy="0"/>
+          <a:chOff x="0" y="0"/>
+          <a:chExt cx="0" cy="0"/>
+        </a:xfrm>
+      </p:grpSpPr>
+      <p:sp>
+        <p:nvSpPr>
           <p:cNvPr id="2" name="Inhaltsplatzhalter 1"/>
           <p:cNvSpPr>
             <a:spLocks noGrp="1"/>
@@ -20804,7 +20864,7 @@
             <a:fld id="{02075A8B-51D4-4999-A4F2-B3FAC6295E4D}" type="slidenum">
               <a:rPr lang="de-DE" smtClean="0"/>
               <a:pPr/>
-              <a:t>77</a:t>
+              <a:t>78</a:t>
             </a:fld>
             <a:endParaRPr lang="de-DE"/>
           </a:p>

--- a/doku/präsentation nicht komplett/vCity-Präsentation.pptx
+++ b/doku/präsentation nicht komplett/vCity-Präsentation.pptx
@@ -5,7 +5,7 @@
     <p:sldMasterId id="2147483708" r:id="rId1"/>
   </p:sldMasterIdLst>
   <p:notesMasterIdLst>
-    <p:notesMasterId r:id="rId80"/>
+    <p:notesMasterId r:id="rId81"/>
   </p:notesMasterIdLst>
   <p:sldIdLst>
     <p:sldId id="256" r:id="rId2"/>
@@ -46,46 +46,47 @@
     <p:sldId id="296" r:id="rId37"/>
     <p:sldId id="297" r:id="rId38"/>
     <p:sldId id="298" r:id="rId39"/>
-    <p:sldId id="304" r:id="rId40"/>
-    <p:sldId id="302" r:id="rId41"/>
-    <p:sldId id="340" r:id="rId42"/>
-    <p:sldId id="305" r:id="rId43"/>
-    <p:sldId id="291" r:id="rId44"/>
-    <p:sldId id="272" r:id="rId45"/>
-    <p:sldId id="278" r:id="rId46"/>
-    <p:sldId id="273" r:id="rId47"/>
-    <p:sldId id="274" r:id="rId48"/>
-    <p:sldId id="275" r:id="rId49"/>
-    <p:sldId id="276" r:id="rId50"/>
-    <p:sldId id="277" r:id="rId51"/>
-    <p:sldId id="279" r:id="rId52"/>
-    <p:sldId id="269" r:id="rId53"/>
-    <p:sldId id="271" r:id="rId54"/>
-    <p:sldId id="257" r:id="rId55"/>
-    <p:sldId id="258" r:id="rId56"/>
-    <p:sldId id="259" r:id="rId57"/>
-    <p:sldId id="260" r:id="rId58"/>
-    <p:sldId id="261" r:id="rId59"/>
-    <p:sldId id="262" r:id="rId60"/>
-    <p:sldId id="263" r:id="rId61"/>
-    <p:sldId id="264" r:id="rId62"/>
-    <p:sldId id="265" r:id="rId63"/>
-    <p:sldId id="266" r:id="rId64"/>
-    <p:sldId id="267" r:id="rId65"/>
-    <p:sldId id="332" r:id="rId66"/>
-    <p:sldId id="306" r:id="rId67"/>
-    <p:sldId id="314" r:id="rId68"/>
-    <p:sldId id="316" r:id="rId69"/>
-    <p:sldId id="313" r:id="rId70"/>
-    <p:sldId id="315" r:id="rId71"/>
-    <p:sldId id="310" r:id="rId72"/>
-    <p:sldId id="312" r:id="rId73"/>
-    <p:sldId id="311" r:id="rId74"/>
-    <p:sldId id="309" r:id="rId75"/>
-    <p:sldId id="293" r:id="rId76"/>
-    <p:sldId id="268" r:id="rId77"/>
-    <p:sldId id="330" r:id="rId78"/>
-    <p:sldId id="270" r:id="rId79"/>
+    <p:sldId id="341" r:id="rId40"/>
+    <p:sldId id="304" r:id="rId41"/>
+    <p:sldId id="302" r:id="rId42"/>
+    <p:sldId id="340" r:id="rId43"/>
+    <p:sldId id="305" r:id="rId44"/>
+    <p:sldId id="291" r:id="rId45"/>
+    <p:sldId id="272" r:id="rId46"/>
+    <p:sldId id="278" r:id="rId47"/>
+    <p:sldId id="273" r:id="rId48"/>
+    <p:sldId id="274" r:id="rId49"/>
+    <p:sldId id="275" r:id="rId50"/>
+    <p:sldId id="276" r:id="rId51"/>
+    <p:sldId id="277" r:id="rId52"/>
+    <p:sldId id="279" r:id="rId53"/>
+    <p:sldId id="269" r:id="rId54"/>
+    <p:sldId id="271" r:id="rId55"/>
+    <p:sldId id="257" r:id="rId56"/>
+    <p:sldId id="258" r:id="rId57"/>
+    <p:sldId id="259" r:id="rId58"/>
+    <p:sldId id="260" r:id="rId59"/>
+    <p:sldId id="261" r:id="rId60"/>
+    <p:sldId id="262" r:id="rId61"/>
+    <p:sldId id="263" r:id="rId62"/>
+    <p:sldId id="264" r:id="rId63"/>
+    <p:sldId id="265" r:id="rId64"/>
+    <p:sldId id="266" r:id="rId65"/>
+    <p:sldId id="267" r:id="rId66"/>
+    <p:sldId id="332" r:id="rId67"/>
+    <p:sldId id="306" r:id="rId68"/>
+    <p:sldId id="314" r:id="rId69"/>
+    <p:sldId id="316" r:id="rId70"/>
+    <p:sldId id="313" r:id="rId71"/>
+    <p:sldId id="315" r:id="rId72"/>
+    <p:sldId id="310" r:id="rId73"/>
+    <p:sldId id="312" r:id="rId74"/>
+    <p:sldId id="311" r:id="rId75"/>
+    <p:sldId id="309" r:id="rId76"/>
+    <p:sldId id="293" r:id="rId77"/>
+    <p:sldId id="268" r:id="rId78"/>
+    <p:sldId id="330" r:id="rId79"/>
+    <p:sldId id="270" r:id="rId80"/>
   </p:sldIdLst>
   <p:sldSz cx="9144000" cy="6858000" type="screen4x3"/>
   <p:notesSz cx="6858000" cy="9144000"/>
@@ -186,7 +187,7 @@
   </p:defaultTextStyle>
   <p:extLst>
     <p:ext uri="{EFAFB233-063F-42B5-8137-9DF3F51BA10A}">
-      <p15:sldGuideLst xmlns="" xmlns:p15="http://schemas.microsoft.com/office/powerpoint/2012/main">
+      <p15:sldGuideLst xmlns:p15="http://schemas.microsoft.com/office/powerpoint/2012/main" xmlns="">
         <p15:guide id="1" orient="horz" pos="2160">
           <p15:clr>
             <a:srgbClr val="A4A3A4"/>
@@ -286,7 +287,7 @@
             <a:fld id="{818EA85A-F392-4AA9-AA1C-721538E5A23E}" type="datetimeFigureOut">
               <a:rPr lang="de-DE" smtClean="0"/>
               <a:pPr/>
-              <a:t>20.06.2014</a:t>
+              <a:t>22.06.2014</a:t>
             </a:fld>
             <a:endParaRPr lang="de-DE"/>
           </a:p>
@@ -574,7 +575,7 @@
       </p:grpSpPr>
       <p:sp>
         <p:nvSpPr>
-          <p:cNvPr id="2" name="Slide Image Placeholder 1"/>
+          <p:cNvPr id="2" name="Folienbildplatzhalter 1"/>
           <p:cNvSpPr>
             <a:spLocks noGrp="1" noRot="1" noChangeAspect="1"/>
           </p:cNvSpPr>
@@ -586,7 +587,7 @@
       </p:sp>
       <p:sp>
         <p:nvSpPr>
-          <p:cNvPr id="3" name="Notes Placeholder 2"/>
+          <p:cNvPr id="3" name="Notizenplatzhalter 2"/>
           <p:cNvSpPr>
             <a:spLocks noGrp="1"/>
           </p:cNvSpPr>
@@ -605,7 +606,7 @@
       </p:sp>
       <p:sp>
         <p:nvSpPr>
-          <p:cNvPr id="4" name="Slide Number Placeholder 3"/>
+          <p:cNvPr id="4" name="Foliennummernplatzhalter 3"/>
           <p:cNvSpPr>
             <a:spLocks noGrp="1"/>
           </p:cNvSpPr>
@@ -618,9 +619,10 @@
           <a:bodyPr/>
           <a:lstStyle/>
           <a:p>
-            <a:fld id="{56008F65-3CF6-4B99-B0C1-6B42DB428529}" type="slidenum">
+            <a:fld id="{B83A044C-E8EF-4CD0-9F6B-22623A7684E2}" type="slidenum">
               <a:rPr lang="de-DE" smtClean="0"/>
-              <a:t>23</a:t>
+              <a:pPr/>
+              <a:t>11</a:t>
             </a:fld>
             <a:endParaRPr lang="de-DE"/>
           </a:p>
@@ -629,7 +631,193 @@
     </p:spTree>
     <p:extLst>
       <p:ext uri="{BB962C8B-B14F-4D97-AF65-F5344CB8AC3E}">
-        <p14:creationId xmlns:p14="http://schemas.microsoft.com/office/powerpoint/2010/main" val="2338725900"/>
+        <p14:creationId xmlns:p14="http://schemas.microsoft.com/office/powerpoint/2010/main" val="4019420304"/>
+      </p:ext>
+    </p:extLst>
+  </p:cSld>
+  <p:clrMapOvr>
+    <a:masterClrMapping/>
+  </p:clrMapOvr>
+</p:notes>
+</file>
+
+<file path=ppt/notesSlides/notesSlide10.xml><?xml version="1.0" encoding="utf-8"?>
+<p:notes xmlns:a="http://schemas.openxmlformats.org/drawingml/2006/main" xmlns:r="http://schemas.openxmlformats.org/officeDocument/2006/relationships" xmlns:p="http://schemas.openxmlformats.org/presentationml/2006/main">
+  <p:cSld>
+    <p:spTree>
+      <p:nvGrpSpPr>
+        <p:cNvPr id="1" name=""/>
+        <p:cNvGrpSpPr/>
+        <p:nvPr/>
+      </p:nvGrpSpPr>
+      <p:grpSpPr>
+        <a:xfrm>
+          <a:off x="0" y="0"/>
+          <a:ext cx="0" cy="0"/>
+          <a:chOff x="0" y="0"/>
+          <a:chExt cx="0" cy="0"/>
+        </a:xfrm>
+      </p:grpSpPr>
+      <p:sp>
+        <p:nvSpPr>
+          <p:cNvPr id="2" name="Folienbildplatzhalter 1"/>
+          <p:cNvSpPr>
+            <a:spLocks noGrp="1" noRot="1" noChangeAspect="1"/>
+          </p:cNvSpPr>
+          <p:nvPr>
+            <p:ph type="sldImg"/>
+          </p:nvPr>
+        </p:nvSpPr>
+        <p:spPr/>
+      </p:sp>
+      <p:sp>
+        <p:nvSpPr>
+          <p:cNvPr id="3" name="Notizenplatzhalter 2"/>
+          <p:cNvSpPr>
+            <a:spLocks noGrp="1"/>
+          </p:cNvSpPr>
+          <p:nvPr>
+            <p:ph type="body" idx="1"/>
+          </p:nvPr>
+        </p:nvSpPr>
+        <p:spPr/>
+        <p:txBody>
+          <a:bodyPr/>
+          <a:lstStyle/>
+          <a:p>
+            <a:r>
+              <a:rPr lang="de-DE" dirty="0" smtClean="0"/>
+              <a:t>DTD (</a:t>
+            </a:r>
+            <a:r>
+              <a:rPr lang="de-DE" dirty="0" err="1" smtClean="0"/>
+              <a:t>Document</a:t>
+            </a:r>
+            <a:r>
+              <a:rPr lang="de-DE" baseline="0" dirty="0" smtClean="0"/>
+              <a:t> </a:t>
+            </a:r>
+            <a:r>
+              <a:rPr lang="de-DE" baseline="0" smtClean="0"/>
+              <a:t>Type Definition)</a:t>
+            </a:r>
+            <a:endParaRPr lang="de-DE"/>
+          </a:p>
+        </p:txBody>
+      </p:sp>
+      <p:sp>
+        <p:nvSpPr>
+          <p:cNvPr id="4" name="Foliennummernplatzhalter 3"/>
+          <p:cNvSpPr>
+            <a:spLocks noGrp="1"/>
+          </p:cNvSpPr>
+          <p:nvPr>
+            <p:ph type="sldNum" sz="quarter" idx="10"/>
+          </p:nvPr>
+        </p:nvSpPr>
+        <p:spPr/>
+        <p:txBody>
+          <a:bodyPr/>
+          <a:lstStyle/>
+          <a:p>
+            <a:fld id="{B83A044C-E8EF-4CD0-9F6B-22623A7684E2}" type="slidenum">
+              <a:rPr lang="de-DE" smtClean="0"/>
+              <a:pPr/>
+              <a:t>39</a:t>
+            </a:fld>
+            <a:endParaRPr lang="de-DE"/>
+          </a:p>
+        </p:txBody>
+      </p:sp>
+    </p:spTree>
+    <p:extLst>
+      <p:ext uri="{BB962C8B-B14F-4D97-AF65-F5344CB8AC3E}">
+        <p14:creationId xmlns:p14="http://schemas.microsoft.com/office/powerpoint/2010/main" val="402743665"/>
+      </p:ext>
+    </p:extLst>
+  </p:cSld>
+  <p:clrMapOvr>
+    <a:masterClrMapping/>
+  </p:clrMapOvr>
+</p:notes>
+</file>
+
+<file path=ppt/notesSlides/notesSlide11.xml><?xml version="1.0" encoding="utf-8"?>
+<p:notes xmlns:a="http://schemas.openxmlformats.org/drawingml/2006/main" xmlns:r="http://schemas.openxmlformats.org/officeDocument/2006/relationships" xmlns:p="http://schemas.openxmlformats.org/presentationml/2006/main">
+  <p:cSld>
+    <p:spTree>
+      <p:nvGrpSpPr>
+        <p:cNvPr id="1" name=""/>
+        <p:cNvGrpSpPr/>
+        <p:nvPr/>
+      </p:nvGrpSpPr>
+      <p:grpSpPr>
+        <a:xfrm>
+          <a:off x="0" y="0"/>
+          <a:ext cx="0" cy="0"/>
+          <a:chOff x="0" y="0"/>
+          <a:chExt cx="0" cy="0"/>
+        </a:xfrm>
+      </p:grpSpPr>
+      <p:sp>
+        <p:nvSpPr>
+          <p:cNvPr id="2" name="Folienbildplatzhalter 1"/>
+          <p:cNvSpPr>
+            <a:spLocks noGrp="1" noRot="1" noChangeAspect="1"/>
+          </p:cNvSpPr>
+          <p:nvPr>
+            <p:ph type="sldImg"/>
+          </p:nvPr>
+        </p:nvSpPr>
+        <p:spPr/>
+      </p:sp>
+      <p:sp>
+        <p:nvSpPr>
+          <p:cNvPr id="3" name="Notizenplatzhalter 2"/>
+          <p:cNvSpPr>
+            <a:spLocks noGrp="1"/>
+          </p:cNvSpPr>
+          <p:nvPr>
+            <p:ph type="body" idx="1"/>
+          </p:nvPr>
+        </p:nvSpPr>
+        <p:spPr/>
+        <p:txBody>
+          <a:bodyPr/>
+          <a:lstStyle/>
+          <a:p>
+            <a:endParaRPr lang="de-DE" dirty="0"/>
+          </a:p>
+        </p:txBody>
+      </p:sp>
+      <p:sp>
+        <p:nvSpPr>
+          <p:cNvPr id="4" name="Foliennummernplatzhalter 3"/>
+          <p:cNvSpPr>
+            <a:spLocks noGrp="1"/>
+          </p:cNvSpPr>
+          <p:nvPr>
+            <p:ph type="sldNum" sz="quarter" idx="10"/>
+          </p:nvPr>
+        </p:nvSpPr>
+        <p:spPr/>
+        <p:txBody>
+          <a:bodyPr/>
+          <a:lstStyle/>
+          <a:p>
+            <a:fld id="{B83A044C-E8EF-4CD0-9F6B-22623A7684E2}" type="slidenum">
+              <a:rPr lang="de-DE" smtClean="0"/>
+              <a:pPr/>
+              <a:t>55</a:t>
+            </a:fld>
+            <a:endParaRPr lang="de-DE"/>
+          </a:p>
+        </p:txBody>
+      </p:sp>
+    </p:spTree>
+    <p:extLst>
+      <p:ext uri="{BB962C8B-B14F-4D97-AF65-F5344CB8AC3E}">
+        <p14:creationId xmlns:p14="http://schemas.microsoft.com/office/powerpoint/2010/main" val="250007977"/>
       </p:ext>
     </p:extLst>
   </p:cSld>
@@ -658,7 +846,7 @@
       </p:grpSpPr>
       <p:sp>
         <p:nvSpPr>
-          <p:cNvPr id="2" name="Slide Image Placeholder 1"/>
+          <p:cNvPr id="2" name="Folienbildplatzhalter 1"/>
           <p:cNvSpPr>
             <a:spLocks noGrp="1" noRot="1" noChangeAspect="1"/>
           </p:cNvSpPr>
@@ -670,7 +858,7 @@
       </p:sp>
       <p:sp>
         <p:nvSpPr>
-          <p:cNvPr id="3" name="Notes Placeholder 2"/>
+          <p:cNvPr id="3" name="Notizenplatzhalter 2"/>
           <p:cNvSpPr>
             <a:spLocks noGrp="1"/>
           </p:cNvSpPr>
@@ -683,13 +871,72 @@
           <a:bodyPr/>
           <a:lstStyle/>
           <a:p>
+            <a:pPr marL="171450" indent="-171450">
+              <a:buFont typeface="Arial" panose="020B0604020202020204" pitchFamily="34" charset="0"/>
+              <a:buChar char="•"/>
+            </a:pPr>
+            <a:r>
+              <a:rPr lang="de-DE" dirty="0" smtClean="0"/>
+              <a:t>Einlesen der GML Datei durch CityGML4J</a:t>
+            </a:r>
+          </a:p>
+          <a:p>
+            <a:endParaRPr lang="de-DE" dirty="0" smtClean="0"/>
+          </a:p>
+          <a:p>
+            <a:pPr marL="171450" indent="-171450">
+              <a:buFont typeface="Arial" panose="020B0604020202020204" pitchFamily="34" charset="0"/>
+              <a:buChar char="•"/>
+            </a:pPr>
+            <a:r>
+              <a:rPr lang="de-DE" dirty="0" smtClean="0"/>
+              <a:t>Transformation (Translation) später mehr</a:t>
+            </a:r>
+          </a:p>
+          <a:p>
+            <a:pPr marL="171450" indent="-171450">
+              <a:buFont typeface="Arial" panose="020B0604020202020204" pitchFamily="34" charset="0"/>
+              <a:buChar char="•"/>
+            </a:pPr>
+            <a:endParaRPr lang="de-DE" dirty="0" smtClean="0"/>
+          </a:p>
+          <a:p>
+            <a:pPr marL="171450" indent="-171450">
+              <a:buFont typeface="Arial" panose="020B0604020202020204" pitchFamily="34" charset="0"/>
+              <a:buChar char="•"/>
+            </a:pPr>
+            <a:r>
+              <a:rPr lang="de-DE" dirty="0" smtClean="0"/>
+              <a:t>Triangulation – Häuser in GML sind als</a:t>
+            </a:r>
+            <a:r>
+              <a:rPr lang="de-DE" baseline="0" dirty="0" smtClean="0"/>
+              <a:t> Polygone definiert, zum berechnen von Schatten und Volumen eignen sich Dreiecke besser</a:t>
+            </a:r>
+          </a:p>
+          <a:p>
+            <a:pPr marL="171450" indent="-171450">
+              <a:buFont typeface="Arial" panose="020B0604020202020204" pitchFamily="34" charset="0"/>
+              <a:buChar char="•"/>
+            </a:pPr>
+            <a:endParaRPr lang="de-DE" baseline="0" dirty="0" smtClean="0"/>
+          </a:p>
+          <a:p>
+            <a:pPr marL="171450" indent="-171450">
+              <a:buFont typeface="Arial" panose="020B0604020202020204" pitchFamily="34" charset="0"/>
+              <a:buChar char="•"/>
+            </a:pPr>
+            <a:r>
+              <a:rPr lang="de-DE" baseline="0" dirty="0" smtClean="0"/>
+              <a:t>Exports werden gleich erklärt</a:t>
+            </a:r>
             <a:endParaRPr lang="de-DE" dirty="0"/>
           </a:p>
         </p:txBody>
       </p:sp>
       <p:sp>
         <p:nvSpPr>
-          <p:cNvPr id="4" name="Slide Number Placeholder 3"/>
+          <p:cNvPr id="4" name="Foliennummernplatzhalter 3"/>
           <p:cNvSpPr>
             <a:spLocks noGrp="1"/>
           </p:cNvSpPr>
@@ -702,9 +949,10 @@
           <a:bodyPr/>
           <a:lstStyle/>
           <a:p>
-            <a:fld id="{56008F65-3CF6-4B99-B0C1-6B42DB428529}" type="slidenum">
+            <a:fld id="{B83A044C-E8EF-4CD0-9F6B-22623A7684E2}" type="slidenum">
               <a:rPr lang="de-DE" smtClean="0"/>
-              <a:t>35</a:t>
+              <a:pPr/>
+              <a:t>15</a:t>
             </a:fld>
             <a:endParaRPr lang="de-DE"/>
           </a:p>
@@ -713,7 +961,7 @@
     </p:spTree>
     <p:extLst>
       <p:ext uri="{BB962C8B-B14F-4D97-AF65-F5344CB8AC3E}">
-        <p14:creationId xmlns:p14="http://schemas.microsoft.com/office/powerpoint/2010/main" val="2279118210"/>
+        <p14:creationId xmlns:p14="http://schemas.microsoft.com/office/powerpoint/2010/main" val="2939931466"/>
       </p:ext>
     </p:extLst>
   </p:cSld>
@@ -742,6 +990,144 @@
       </p:grpSpPr>
       <p:sp>
         <p:nvSpPr>
+          <p:cNvPr id="2" name="Slide Image Placeholder 1"/>
+          <p:cNvSpPr>
+            <a:spLocks noGrp="1" noRot="1" noChangeAspect="1"/>
+          </p:cNvSpPr>
+          <p:nvPr>
+            <p:ph type="sldImg"/>
+          </p:nvPr>
+        </p:nvSpPr>
+        <p:spPr/>
+      </p:sp>
+      <p:sp>
+        <p:nvSpPr>
+          <p:cNvPr id="3" name="Notes Placeholder 2"/>
+          <p:cNvSpPr>
+            <a:spLocks noGrp="1"/>
+          </p:cNvSpPr>
+          <p:nvPr>
+            <p:ph type="body" idx="1"/>
+          </p:nvPr>
+        </p:nvSpPr>
+        <p:spPr/>
+        <p:txBody>
+          <a:bodyPr/>
+          <a:lstStyle/>
+          <a:p>
+            <a:r>
+              <a:rPr lang="de-DE" dirty="0" smtClean="0"/>
+              <a:t>Im</a:t>
+            </a:r>
+            <a:r>
+              <a:rPr lang="de-DE" baseline="0" dirty="0" smtClean="0"/>
+              <a:t> </a:t>
+            </a:r>
+            <a:r>
+              <a:rPr lang="de-DE" baseline="0" dirty="0" err="1" smtClean="0"/>
+              <a:t>Vorraus</a:t>
+            </a:r>
+            <a:r>
+              <a:rPr lang="de-DE" baseline="0" dirty="0" smtClean="0"/>
+              <a:t> erwähnt: </a:t>
+            </a:r>
+            <a:r>
+              <a:rPr lang="de-DE" dirty="0" smtClean="0"/>
+              <a:t>Dieser Aufbau</a:t>
+            </a:r>
+            <a:r>
+              <a:rPr lang="de-DE" baseline="0" dirty="0" smtClean="0"/>
+              <a:t> ist nicht immer so, GML ist vielseitig</a:t>
+            </a:r>
+          </a:p>
+          <a:p>
+            <a:endParaRPr lang="de-DE" baseline="0" dirty="0" smtClean="0"/>
+          </a:p>
+          <a:p>
+            <a:r>
+              <a:rPr lang="de-DE" baseline="0" dirty="0" smtClean="0"/>
+              <a:t>in der Regel wie folgt</a:t>
+            </a:r>
+          </a:p>
+          <a:p>
+            <a:endParaRPr lang="de-DE" baseline="0" dirty="0" smtClean="0"/>
+          </a:p>
+          <a:p>
+            <a:r>
+              <a:rPr lang="de-DE" baseline="0" dirty="0" err="1" smtClean="0"/>
+              <a:t>CityModell</a:t>
+            </a:r>
+            <a:r>
+              <a:rPr lang="de-DE" baseline="0" dirty="0" smtClean="0"/>
+              <a:t> -- Gebäude – Solid Members werden definiert – </a:t>
+            </a:r>
+            <a:r>
+              <a:rPr lang="de-DE" baseline="0" dirty="0" err="1" smtClean="0"/>
+              <a:t>Bounded</a:t>
+            </a:r>
+            <a:r>
+              <a:rPr lang="de-DE" baseline="0" dirty="0" smtClean="0"/>
+              <a:t> werden beschrieben – Polygone, Koordinaten – Adresse Optional</a:t>
+            </a:r>
+            <a:endParaRPr lang="de-DE" dirty="0"/>
+          </a:p>
+        </p:txBody>
+      </p:sp>
+      <p:sp>
+        <p:nvSpPr>
+          <p:cNvPr id="4" name="Slide Number Placeholder 3"/>
+          <p:cNvSpPr>
+            <a:spLocks noGrp="1"/>
+          </p:cNvSpPr>
+          <p:nvPr>
+            <p:ph type="sldNum" sz="quarter" idx="10"/>
+          </p:nvPr>
+        </p:nvSpPr>
+        <p:spPr/>
+        <p:txBody>
+          <a:bodyPr/>
+          <a:lstStyle/>
+          <a:p>
+            <a:fld id="{56008F65-3CF6-4B99-B0C1-6B42DB428529}" type="slidenum">
+              <a:rPr lang="de-DE" smtClean="0"/>
+              <a:t>23</a:t>
+            </a:fld>
+            <a:endParaRPr lang="de-DE"/>
+          </a:p>
+        </p:txBody>
+      </p:sp>
+    </p:spTree>
+    <p:extLst>
+      <p:ext uri="{BB962C8B-B14F-4D97-AF65-F5344CB8AC3E}">
+        <p14:creationId xmlns:p14="http://schemas.microsoft.com/office/powerpoint/2010/main" val="2338725900"/>
+      </p:ext>
+    </p:extLst>
+  </p:cSld>
+  <p:clrMapOvr>
+    <a:masterClrMapping/>
+  </p:clrMapOvr>
+</p:notes>
+</file>
+
+<file path=ppt/notesSlides/notesSlide4.xml><?xml version="1.0" encoding="utf-8"?>
+<p:notes xmlns:a="http://schemas.openxmlformats.org/drawingml/2006/main" xmlns:r="http://schemas.openxmlformats.org/officeDocument/2006/relationships" xmlns:p="http://schemas.openxmlformats.org/presentationml/2006/main">
+  <p:cSld>
+    <p:spTree>
+      <p:nvGrpSpPr>
+        <p:cNvPr id="1" name=""/>
+        <p:cNvGrpSpPr/>
+        <p:nvPr/>
+      </p:nvGrpSpPr>
+      <p:grpSpPr>
+        <a:xfrm>
+          <a:off x="0" y="0"/>
+          <a:ext cx="0" cy="0"/>
+          <a:chOff x="0" y="0"/>
+          <a:chExt cx="0" cy="0"/>
+        </a:xfrm>
+      </p:grpSpPr>
+      <p:sp>
+        <p:nvSpPr>
           <p:cNvPr id="2" name="Folienbildplatzhalter 1"/>
           <p:cNvSpPr>
             <a:spLocks noGrp="1" noRot="1" noChangeAspect="1"/>
@@ -767,7 +1153,48 @@
           <a:bodyPr/>
           <a:lstStyle/>
           <a:p>
-            <a:endParaRPr lang="de-DE" dirty="0"/>
+            <a:r>
+              <a:rPr lang="de-DE" dirty="0" smtClean="0"/>
+              <a:t>STRG + F4</a:t>
+            </a:r>
+            <a:r>
+              <a:rPr lang="de-DE" baseline="0" dirty="0" smtClean="0"/>
+              <a:t> zum Zoomen</a:t>
+            </a:r>
+          </a:p>
+          <a:p>
+            <a:r>
+              <a:rPr lang="de-DE" baseline="0" dirty="0" smtClean="0"/>
+              <a:t>STRG + F2 zum Zeichnen</a:t>
+            </a:r>
+          </a:p>
+          <a:p>
+            <a:endParaRPr lang="de-DE" baseline="0" dirty="0" smtClean="0"/>
+          </a:p>
+          <a:p>
+            <a:r>
+              <a:rPr lang="de-DE" baseline="0" dirty="0" err="1" smtClean="0"/>
+              <a:t>Bounding</a:t>
+            </a:r>
+            <a:r>
+              <a:rPr lang="de-DE" baseline="0" dirty="0" smtClean="0"/>
+              <a:t> Box</a:t>
+            </a:r>
+          </a:p>
+          <a:p>
+            <a:r>
+              <a:rPr lang="de-DE" baseline="0" dirty="0" smtClean="0"/>
+              <a:t>(Erklärung: Polygon so wie es ist in eine Kiste packen, weil Post teuer muss es genau rein passen)</a:t>
+            </a:r>
+          </a:p>
+          <a:p>
+            <a:endParaRPr lang="de-DE" baseline="0" dirty="0" smtClean="0"/>
+          </a:p>
+          <a:p>
+            <a:r>
+              <a:rPr lang="de-DE" baseline="0" dirty="0" smtClean="0"/>
+              <a:t>S R S Dimension</a:t>
+            </a:r>
           </a:p>
         </p:txBody>
       </p:sp>
@@ -789,7 +1216,7 @@
             <a:fld id="{B83A044C-E8EF-4CD0-9F6B-22623A7684E2}" type="slidenum">
               <a:rPr lang="de-DE" smtClean="0"/>
               <a:pPr/>
-              <a:t>54</a:t>
+              <a:t>25</a:t>
             </a:fld>
             <a:endParaRPr lang="de-DE"/>
           </a:p>
@@ -798,7 +1225,524 @@
     </p:spTree>
     <p:extLst>
       <p:ext uri="{BB962C8B-B14F-4D97-AF65-F5344CB8AC3E}">
-        <p14:creationId xmlns:p14="http://schemas.microsoft.com/office/powerpoint/2010/main" val="250007977"/>
+        <p14:creationId xmlns:p14="http://schemas.microsoft.com/office/powerpoint/2010/main" val="1193994023"/>
+      </p:ext>
+    </p:extLst>
+  </p:cSld>
+  <p:clrMapOvr>
+    <a:masterClrMapping/>
+  </p:clrMapOvr>
+</p:notes>
+</file>
+
+<file path=ppt/notesSlides/notesSlide5.xml><?xml version="1.0" encoding="utf-8"?>
+<p:notes xmlns:a="http://schemas.openxmlformats.org/drawingml/2006/main" xmlns:r="http://schemas.openxmlformats.org/officeDocument/2006/relationships" xmlns:p="http://schemas.openxmlformats.org/presentationml/2006/main">
+  <p:cSld>
+    <p:spTree>
+      <p:nvGrpSpPr>
+        <p:cNvPr id="1" name=""/>
+        <p:cNvGrpSpPr/>
+        <p:nvPr/>
+      </p:nvGrpSpPr>
+      <p:grpSpPr>
+        <a:xfrm>
+          <a:off x="0" y="0"/>
+          <a:ext cx="0" cy="0"/>
+          <a:chOff x="0" y="0"/>
+          <a:chExt cx="0" cy="0"/>
+        </a:xfrm>
+      </p:grpSpPr>
+      <p:sp>
+        <p:nvSpPr>
+          <p:cNvPr id="2" name="Folienbildplatzhalter 1"/>
+          <p:cNvSpPr>
+            <a:spLocks noGrp="1" noRot="1" noChangeAspect="1"/>
+          </p:cNvSpPr>
+          <p:nvPr>
+            <p:ph type="sldImg"/>
+          </p:nvPr>
+        </p:nvSpPr>
+        <p:spPr/>
+      </p:sp>
+      <p:sp>
+        <p:nvSpPr>
+          <p:cNvPr id="3" name="Notizenplatzhalter 2"/>
+          <p:cNvSpPr>
+            <a:spLocks noGrp="1"/>
+          </p:cNvSpPr>
+          <p:nvPr>
+            <p:ph type="body" idx="1"/>
+          </p:nvPr>
+        </p:nvSpPr>
+        <p:spPr/>
+        <p:txBody>
+          <a:bodyPr/>
+          <a:lstStyle/>
+          <a:p>
+            <a:r>
+              <a:rPr lang="de-DE" dirty="0" smtClean="0"/>
+              <a:t>K s a l </a:t>
+            </a:r>
+            <a:r>
+              <a:rPr lang="de-DE" dirty="0" err="1" smtClean="0"/>
+              <a:t>l</a:t>
+            </a:r>
+            <a:endParaRPr lang="de-DE" dirty="0" smtClean="0"/>
+          </a:p>
+          <a:p>
+            <a:endParaRPr lang="de-DE" dirty="0" smtClean="0"/>
+          </a:p>
+          <a:p>
+            <a:r>
+              <a:rPr lang="de-DE" dirty="0" smtClean="0"/>
+              <a:t>FFF o r o f ä h r</a:t>
+            </a:r>
+            <a:endParaRPr lang="de-DE" dirty="0"/>
+          </a:p>
+        </p:txBody>
+      </p:sp>
+      <p:sp>
+        <p:nvSpPr>
+          <p:cNvPr id="4" name="Foliennummernplatzhalter 3"/>
+          <p:cNvSpPr>
+            <a:spLocks noGrp="1"/>
+          </p:cNvSpPr>
+          <p:nvPr>
+            <p:ph type="sldNum" sz="quarter" idx="10"/>
+          </p:nvPr>
+        </p:nvSpPr>
+        <p:spPr/>
+        <p:txBody>
+          <a:bodyPr/>
+          <a:lstStyle/>
+          <a:p>
+            <a:fld id="{B83A044C-E8EF-4CD0-9F6B-22623A7684E2}" type="slidenum">
+              <a:rPr lang="de-DE" smtClean="0"/>
+              <a:pPr/>
+              <a:t>26</a:t>
+            </a:fld>
+            <a:endParaRPr lang="de-DE"/>
+          </a:p>
+        </p:txBody>
+      </p:sp>
+    </p:spTree>
+    <p:extLst>
+      <p:ext uri="{BB962C8B-B14F-4D97-AF65-F5344CB8AC3E}">
+        <p14:creationId xmlns:p14="http://schemas.microsoft.com/office/powerpoint/2010/main" val="19318869"/>
+      </p:ext>
+    </p:extLst>
+  </p:cSld>
+  <p:clrMapOvr>
+    <a:masterClrMapping/>
+  </p:clrMapOvr>
+</p:notes>
+</file>
+
+<file path=ppt/notesSlides/notesSlide6.xml><?xml version="1.0" encoding="utf-8"?>
+<p:notes xmlns:a="http://schemas.openxmlformats.org/drawingml/2006/main" xmlns:r="http://schemas.openxmlformats.org/officeDocument/2006/relationships" xmlns:p="http://schemas.openxmlformats.org/presentationml/2006/main">
+  <p:cSld>
+    <p:spTree>
+      <p:nvGrpSpPr>
+        <p:cNvPr id="1" name=""/>
+        <p:cNvGrpSpPr/>
+        <p:nvPr/>
+      </p:nvGrpSpPr>
+      <p:grpSpPr>
+        <a:xfrm>
+          <a:off x="0" y="0"/>
+          <a:ext cx="0" cy="0"/>
+          <a:chOff x="0" y="0"/>
+          <a:chExt cx="0" cy="0"/>
+        </a:xfrm>
+      </p:grpSpPr>
+      <p:sp>
+        <p:nvSpPr>
+          <p:cNvPr id="2" name="Slide Image Placeholder 1"/>
+          <p:cNvSpPr>
+            <a:spLocks noGrp="1" noRot="1" noChangeAspect="1"/>
+          </p:cNvSpPr>
+          <p:nvPr>
+            <p:ph type="sldImg"/>
+          </p:nvPr>
+        </p:nvSpPr>
+        <p:spPr/>
+      </p:sp>
+      <p:sp>
+        <p:nvSpPr>
+          <p:cNvPr id="3" name="Notes Placeholder 2"/>
+          <p:cNvSpPr>
+            <a:spLocks noGrp="1"/>
+          </p:cNvSpPr>
+          <p:nvPr>
+            <p:ph type="body" idx="1"/>
+          </p:nvPr>
+        </p:nvSpPr>
+        <p:spPr/>
+        <p:txBody>
+          <a:bodyPr/>
+          <a:lstStyle/>
+          <a:p>
+            <a:endParaRPr lang="de-DE" dirty="0"/>
+          </a:p>
+        </p:txBody>
+      </p:sp>
+      <p:sp>
+        <p:nvSpPr>
+          <p:cNvPr id="4" name="Slide Number Placeholder 3"/>
+          <p:cNvSpPr>
+            <a:spLocks noGrp="1"/>
+          </p:cNvSpPr>
+          <p:nvPr>
+            <p:ph type="sldNum" sz="quarter" idx="10"/>
+          </p:nvPr>
+        </p:nvSpPr>
+        <p:spPr/>
+        <p:txBody>
+          <a:bodyPr/>
+          <a:lstStyle/>
+          <a:p>
+            <a:fld id="{56008F65-3CF6-4B99-B0C1-6B42DB428529}" type="slidenum">
+              <a:rPr lang="de-DE" smtClean="0"/>
+              <a:t>35</a:t>
+            </a:fld>
+            <a:endParaRPr lang="de-DE"/>
+          </a:p>
+        </p:txBody>
+      </p:sp>
+    </p:spTree>
+    <p:extLst>
+      <p:ext uri="{BB962C8B-B14F-4D97-AF65-F5344CB8AC3E}">
+        <p14:creationId xmlns:p14="http://schemas.microsoft.com/office/powerpoint/2010/main" val="2279118210"/>
+      </p:ext>
+    </p:extLst>
+  </p:cSld>
+  <p:clrMapOvr>
+    <a:masterClrMapping/>
+  </p:clrMapOvr>
+</p:notes>
+</file>
+
+<file path=ppt/notesSlides/notesSlide7.xml><?xml version="1.0" encoding="utf-8"?>
+<p:notes xmlns:a="http://schemas.openxmlformats.org/drawingml/2006/main" xmlns:r="http://schemas.openxmlformats.org/officeDocument/2006/relationships" xmlns:p="http://schemas.openxmlformats.org/presentationml/2006/main">
+  <p:cSld>
+    <p:spTree>
+      <p:nvGrpSpPr>
+        <p:cNvPr id="1" name=""/>
+        <p:cNvGrpSpPr/>
+        <p:nvPr/>
+      </p:nvGrpSpPr>
+      <p:grpSpPr>
+        <a:xfrm>
+          <a:off x="0" y="0"/>
+          <a:ext cx="0" cy="0"/>
+          <a:chOff x="0" y="0"/>
+          <a:chExt cx="0" cy="0"/>
+        </a:xfrm>
+      </p:grpSpPr>
+      <p:sp>
+        <p:nvSpPr>
+          <p:cNvPr id="2" name="Folienbildplatzhalter 1"/>
+          <p:cNvSpPr>
+            <a:spLocks noGrp="1" noRot="1" noChangeAspect="1"/>
+          </p:cNvSpPr>
+          <p:nvPr>
+            <p:ph type="sldImg"/>
+          </p:nvPr>
+        </p:nvSpPr>
+        <p:spPr/>
+      </p:sp>
+      <p:sp>
+        <p:nvSpPr>
+          <p:cNvPr id="3" name="Notizenplatzhalter 2"/>
+          <p:cNvSpPr>
+            <a:spLocks noGrp="1"/>
+          </p:cNvSpPr>
+          <p:nvPr>
+            <p:ph type="body" idx="1"/>
+          </p:nvPr>
+        </p:nvSpPr>
+        <p:spPr/>
+        <p:txBody>
+          <a:bodyPr/>
+          <a:lstStyle/>
+          <a:p>
+            <a:r>
+              <a:rPr lang="de-DE" dirty="0" err="1" smtClean="0"/>
+              <a:t>Comma</a:t>
+            </a:r>
+            <a:r>
+              <a:rPr lang="de-DE" dirty="0" smtClean="0"/>
+              <a:t> </a:t>
+            </a:r>
+            <a:r>
+              <a:rPr lang="de-DE" dirty="0" err="1" smtClean="0"/>
+              <a:t>Separated</a:t>
+            </a:r>
+            <a:r>
+              <a:rPr lang="de-DE" dirty="0" smtClean="0"/>
+              <a:t> Value</a:t>
+            </a:r>
+          </a:p>
+          <a:p>
+            <a:endParaRPr lang="de-DE" dirty="0" smtClean="0"/>
+          </a:p>
+          <a:p>
+            <a:r>
+              <a:rPr lang="de-DE" dirty="0" smtClean="0"/>
+              <a:t>Kein</a:t>
+            </a:r>
+            <a:r>
+              <a:rPr lang="de-DE" baseline="0" dirty="0" smtClean="0"/>
+              <a:t> Framework, Java File Writer</a:t>
+            </a:r>
+            <a:endParaRPr lang="de-DE" dirty="0"/>
+          </a:p>
+        </p:txBody>
+      </p:sp>
+      <p:sp>
+        <p:nvSpPr>
+          <p:cNvPr id="4" name="Foliennummernplatzhalter 3"/>
+          <p:cNvSpPr>
+            <a:spLocks noGrp="1"/>
+          </p:cNvSpPr>
+          <p:nvPr>
+            <p:ph type="sldNum" sz="quarter" idx="10"/>
+          </p:nvPr>
+        </p:nvSpPr>
+        <p:spPr/>
+        <p:txBody>
+          <a:bodyPr/>
+          <a:lstStyle/>
+          <a:p>
+            <a:fld id="{B83A044C-E8EF-4CD0-9F6B-22623A7684E2}" type="slidenum">
+              <a:rPr lang="de-DE" smtClean="0"/>
+              <a:pPr/>
+              <a:t>36</a:t>
+            </a:fld>
+            <a:endParaRPr lang="de-DE"/>
+          </a:p>
+        </p:txBody>
+      </p:sp>
+    </p:spTree>
+    <p:extLst>
+      <p:ext uri="{BB962C8B-B14F-4D97-AF65-F5344CB8AC3E}">
+        <p14:creationId xmlns:p14="http://schemas.microsoft.com/office/powerpoint/2010/main" val="3058436857"/>
+      </p:ext>
+    </p:extLst>
+  </p:cSld>
+  <p:clrMapOvr>
+    <a:masterClrMapping/>
+  </p:clrMapOvr>
+</p:notes>
+</file>
+
+<file path=ppt/notesSlides/notesSlide8.xml><?xml version="1.0" encoding="utf-8"?>
+<p:notes xmlns:a="http://schemas.openxmlformats.org/drawingml/2006/main" xmlns:r="http://schemas.openxmlformats.org/officeDocument/2006/relationships" xmlns:p="http://schemas.openxmlformats.org/presentationml/2006/main">
+  <p:cSld>
+    <p:spTree>
+      <p:nvGrpSpPr>
+        <p:cNvPr id="1" name=""/>
+        <p:cNvGrpSpPr/>
+        <p:nvPr/>
+      </p:nvGrpSpPr>
+      <p:grpSpPr>
+        <a:xfrm>
+          <a:off x="0" y="0"/>
+          <a:ext cx="0" cy="0"/>
+          <a:chOff x="0" y="0"/>
+          <a:chExt cx="0" cy="0"/>
+        </a:xfrm>
+      </p:grpSpPr>
+      <p:sp>
+        <p:nvSpPr>
+          <p:cNvPr id="2" name="Folienbildplatzhalter 1"/>
+          <p:cNvSpPr>
+            <a:spLocks noGrp="1" noRot="1" noChangeAspect="1"/>
+          </p:cNvSpPr>
+          <p:nvPr>
+            <p:ph type="sldImg"/>
+          </p:nvPr>
+        </p:nvSpPr>
+        <p:spPr/>
+      </p:sp>
+      <p:sp>
+        <p:nvSpPr>
+          <p:cNvPr id="3" name="Notizenplatzhalter 2"/>
+          <p:cNvSpPr>
+            <a:spLocks noGrp="1"/>
+          </p:cNvSpPr>
+          <p:nvPr>
+            <p:ph type="body" idx="1"/>
+          </p:nvPr>
+        </p:nvSpPr>
+        <p:spPr/>
+        <p:txBody>
+          <a:bodyPr/>
+          <a:lstStyle/>
+          <a:p>
+            <a:r>
+              <a:rPr lang="de-DE" dirty="0" err="1" smtClean="0"/>
+              <a:t>Geography</a:t>
+            </a:r>
+            <a:r>
+              <a:rPr lang="de-DE" baseline="0" dirty="0" smtClean="0"/>
+              <a:t> Markup Language</a:t>
+            </a:r>
+          </a:p>
+          <a:p>
+            <a:endParaRPr lang="de-DE" baseline="0" dirty="0" smtClean="0"/>
+          </a:p>
+          <a:p>
+            <a:r>
+              <a:rPr lang="de-DE" dirty="0" smtClean="0"/>
+              <a:t>Zu jedem</a:t>
+            </a:r>
+            <a:r>
+              <a:rPr lang="de-DE" baseline="0" dirty="0" smtClean="0"/>
+              <a:t> Gebäude wird ein Double Attribut hinzugefügt</a:t>
+            </a:r>
+            <a:endParaRPr lang="de-DE" dirty="0"/>
+          </a:p>
+        </p:txBody>
+      </p:sp>
+      <p:sp>
+        <p:nvSpPr>
+          <p:cNvPr id="4" name="Foliennummernplatzhalter 3"/>
+          <p:cNvSpPr>
+            <a:spLocks noGrp="1"/>
+          </p:cNvSpPr>
+          <p:nvPr>
+            <p:ph type="sldNum" sz="quarter" idx="10"/>
+          </p:nvPr>
+        </p:nvSpPr>
+        <p:spPr/>
+        <p:txBody>
+          <a:bodyPr/>
+          <a:lstStyle/>
+          <a:p>
+            <a:fld id="{B83A044C-E8EF-4CD0-9F6B-22623A7684E2}" type="slidenum">
+              <a:rPr lang="de-DE" smtClean="0"/>
+              <a:pPr/>
+              <a:t>37</a:t>
+            </a:fld>
+            <a:endParaRPr lang="de-DE"/>
+          </a:p>
+        </p:txBody>
+      </p:sp>
+    </p:spTree>
+    <p:extLst>
+      <p:ext uri="{BB962C8B-B14F-4D97-AF65-F5344CB8AC3E}">
+        <p14:creationId xmlns:p14="http://schemas.microsoft.com/office/powerpoint/2010/main" val="3748730140"/>
+      </p:ext>
+    </p:extLst>
+  </p:cSld>
+  <p:clrMapOvr>
+    <a:masterClrMapping/>
+  </p:clrMapOvr>
+</p:notes>
+</file>
+
+<file path=ppt/notesSlides/notesSlide9.xml><?xml version="1.0" encoding="utf-8"?>
+<p:notes xmlns:a="http://schemas.openxmlformats.org/drawingml/2006/main" xmlns:r="http://schemas.openxmlformats.org/officeDocument/2006/relationships" xmlns:p="http://schemas.openxmlformats.org/presentationml/2006/main">
+  <p:cSld>
+    <p:spTree>
+      <p:nvGrpSpPr>
+        <p:cNvPr id="1" name=""/>
+        <p:cNvGrpSpPr/>
+        <p:nvPr/>
+      </p:nvGrpSpPr>
+      <p:grpSpPr>
+        <a:xfrm>
+          <a:off x="0" y="0"/>
+          <a:ext cx="0" cy="0"/>
+          <a:chOff x="0" y="0"/>
+          <a:chExt cx="0" cy="0"/>
+        </a:xfrm>
+      </p:grpSpPr>
+      <p:sp>
+        <p:nvSpPr>
+          <p:cNvPr id="2" name="Folienbildplatzhalter 1"/>
+          <p:cNvSpPr>
+            <a:spLocks noGrp="1" noRot="1" noChangeAspect="1"/>
+          </p:cNvSpPr>
+          <p:nvPr>
+            <p:ph type="sldImg"/>
+          </p:nvPr>
+        </p:nvSpPr>
+        <p:spPr/>
+      </p:sp>
+      <p:sp>
+        <p:nvSpPr>
+          <p:cNvPr id="3" name="Notizenplatzhalter 2"/>
+          <p:cNvSpPr>
+            <a:spLocks noGrp="1"/>
+          </p:cNvSpPr>
+          <p:nvPr>
+            <p:ph type="body" idx="1"/>
+          </p:nvPr>
+        </p:nvSpPr>
+        <p:spPr/>
+        <p:txBody>
+          <a:bodyPr/>
+          <a:lstStyle/>
+          <a:p>
+            <a:r>
+              <a:rPr lang="de-DE" dirty="0" smtClean="0"/>
+              <a:t>(Extensible</a:t>
+            </a:r>
+            <a:r>
+              <a:rPr lang="de-DE" baseline="0" dirty="0" smtClean="0"/>
+              <a:t> Markup Language)</a:t>
+            </a:r>
+          </a:p>
+          <a:p>
+            <a:endParaRPr lang="de-DE" baseline="0" dirty="0" smtClean="0"/>
+          </a:p>
+          <a:p>
+            <a:r>
+              <a:rPr lang="de-DE" baseline="0" dirty="0" smtClean="0"/>
+              <a:t>Framework weil </a:t>
+            </a:r>
+            <a:r>
+              <a:rPr lang="de-DE" baseline="0" dirty="0" err="1" smtClean="0"/>
+              <a:t>performant</a:t>
+            </a:r>
+            <a:r>
+              <a:rPr lang="de-DE" baseline="0" dirty="0" smtClean="0"/>
+              <a:t> und einfach</a:t>
+            </a:r>
+            <a:endParaRPr lang="de-DE" dirty="0"/>
+          </a:p>
+        </p:txBody>
+      </p:sp>
+      <p:sp>
+        <p:nvSpPr>
+          <p:cNvPr id="4" name="Foliennummernplatzhalter 3"/>
+          <p:cNvSpPr>
+            <a:spLocks noGrp="1"/>
+          </p:cNvSpPr>
+          <p:nvPr>
+            <p:ph type="sldNum" sz="quarter" idx="10"/>
+          </p:nvPr>
+        </p:nvSpPr>
+        <p:spPr/>
+        <p:txBody>
+          <a:bodyPr/>
+          <a:lstStyle/>
+          <a:p>
+            <a:fld id="{B83A044C-E8EF-4CD0-9F6B-22623A7684E2}" type="slidenum">
+              <a:rPr lang="de-DE" smtClean="0"/>
+              <a:pPr/>
+              <a:t>38</a:t>
+            </a:fld>
+            <a:endParaRPr lang="de-DE"/>
+          </a:p>
+        </p:txBody>
+      </p:sp>
+    </p:spTree>
+    <p:extLst>
+      <p:ext uri="{BB962C8B-B14F-4D97-AF65-F5344CB8AC3E}">
+        <p14:creationId xmlns:p14="http://schemas.microsoft.com/office/powerpoint/2010/main" val="1404064626"/>
       </p:ext>
     </p:extLst>
   </p:cSld>
@@ -8473,7 +9417,7 @@
           <p:nvPr/>
         </p:nvPicPr>
         <p:blipFill>
-          <a:blip r:embed="rId2">
+          <a:blip r:embed="rId3">
             <a:extLst>
               <a:ext uri="{28A0092B-C50C-407E-A947-70E740481C1C}">
                 <a14:useLocalDpi xmlns:a14="http://schemas.microsoft.com/office/drawing/2010/main" val="0"/>
@@ -8593,7 +9537,7 @@
           <p:nvPr/>
         </p:nvPicPr>
         <p:blipFill>
-          <a:blip r:embed="rId2">
+          <a:blip r:embed="rId3">
             <a:extLst>
               <a:ext uri="{28A0092B-C50C-407E-A947-70E740481C1C}">
                 <a14:useLocalDpi xmlns:a14="http://schemas.microsoft.com/office/drawing/2010/main" val="0"/>
@@ -11677,7 +12621,7 @@
           <p:nvPr/>
         </p:nvPicPr>
         <p:blipFill>
-          <a:blip r:embed="rId2" cstate="print">
+          <a:blip r:embed="rId3" cstate="print">
             <a:extLst>
               <a:ext uri="{28A0092B-C50C-407E-A947-70E740481C1C}">
                 <a14:useLocalDpi xmlns:a14="http://schemas.microsoft.com/office/drawing/2010/main" val="0"/>
@@ -11784,13 +12728,10 @@
           </a:p>
           <a:p>
             <a:r>
-              <a:rPr lang="de-DE" dirty="0" err="1"/>
-              <a:t>CityGML</a:t>
-            </a:r>
-            <a:r>
-              <a:rPr lang="de-DE" dirty="0"/>
-              <a:t>-Framework</a:t>
-            </a:r>
+              <a:rPr lang="de-DE" dirty="0" smtClean="0"/>
+              <a:t>CityGML4J-Framework</a:t>
+            </a:r>
+            <a:endParaRPr lang="de-DE" dirty="0"/>
           </a:p>
         </p:txBody>
       </p:sp>
@@ -11875,7 +12816,7 @@
           <p:nvPr/>
         </p:nvPicPr>
         <p:blipFill>
-          <a:blip r:embed="rId2" cstate="print">
+          <a:blip r:embed="rId3" cstate="print">
             <a:extLst>
               <a:ext uri="{28A0092B-C50C-407E-A947-70E740481C1C}">
                 <a14:useLocalDpi xmlns:a14="http://schemas.microsoft.com/office/drawing/2010/main" val="0"/>
@@ -12062,8 +13003,13 @@
           <a:p>
             <a:r>
               <a:rPr lang="de-DE" dirty="0"/>
-              <a:t>Export: XML</a:t>
-            </a:r>
+              <a:t>Export: </a:t>
+            </a:r>
+            <a:r>
+              <a:rPr lang="de-DE" dirty="0" smtClean="0"/>
+              <a:t>XML (1 / 2)</a:t>
+            </a:r>
+            <a:endParaRPr lang="de-DE" dirty="0"/>
           </a:p>
         </p:txBody>
       </p:sp>
@@ -12116,62 +13062,95 @@
         </p:nvSpPr>
         <p:spPr/>
         <p:txBody>
-          <a:bodyPr>
-            <a:normAutofit/>
-          </a:bodyPr>
-          <a:lstStyle/>
-          <a:p>
-            <a:r>
-              <a:rPr lang="de-DE" dirty="0" err="1"/>
-              <a:t>CityGML</a:t>
-            </a:r>
-            <a:r>
-              <a:rPr lang="de-DE" dirty="0"/>
-              <a:t>- </a:t>
-            </a:r>
-            <a:r>
-              <a:rPr lang="de-DE" dirty="0" smtClean="0"/>
-              <a:t>Doku</a:t>
-            </a:r>
-          </a:p>
-          <a:p>
-            <a:endParaRPr lang="de-DE" dirty="0"/>
+          <a:bodyPr/>
+          <a:lstStyle/>
+          <a:p>
+            <a:r>
+              <a:rPr lang="de-DE" dirty="0" smtClean="0"/>
+              <a:t>City</a:t>
+            </a:r>
           </a:p>
           <a:p>
             <a:pPr lvl="1"/>
             <a:r>
-              <a:rPr lang="de-DE" dirty="0" smtClean="0"/>
-              <a:t>Schlecht </a:t>
-            </a:r>
-            <a:r>
-              <a:rPr lang="de-DE" dirty="0"/>
-              <a:t>dokumentiert</a:t>
+              <a:rPr lang="de-DE" dirty="0" err="1" smtClean="0"/>
+              <a:t>SkyModel</a:t>
+            </a:r>
+            <a:endParaRPr lang="de-DE" dirty="0" smtClean="0"/>
+          </a:p>
+          <a:p>
+            <a:pPr lvl="2"/>
+            <a:r>
+              <a:rPr lang="de-DE" dirty="0" err="1" smtClean="0"/>
+              <a:t>Azimuth</a:t>
+            </a:r>
+            <a:r>
+              <a:rPr lang="de-DE" dirty="0" smtClean="0"/>
+              <a:t>, Height</a:t>
             </a:r>
           </a:p>
           <a:p>
             <a:pPr lvl="1"/>
             <a:r>
               <a:rPr lang="de-DE" dirty="0" smtClean="0"/>
-              <a:t>Viele </a:t>
-            </a:r>
-            <a:r>
-              <a:rPr lang="de-DE" dirty="0"/>
-              <a:t>Felder oft nicht belegt -&gt; „null“</a:t>
-            </a:r>
-          </a:p>
-          <a:p>
-            <a:pPr lvl="1"/>
-            <a:r>
-              <a:rPr lang="de-DE" dirty="0" smtClean="0"/>
-              <a:t>Exploratives </a:t>
-            </a:r>
-            <a:r>
-              <a:rPr lang="de-DE" dirty="0"/>
-              <a:t>Testen </a:t>
-            </a:r>
-            <a:r>
-              <a:rPr lang="de-DE" dirty="0" smtClean="0"/>
-              <a:t>schwerfällig</a:t>
+              <a:t>Building</a:t>
+            </a:r>
+          </a:p>
+          <a:p>
+            <a:pPr lvl="2"/>
+            <a:r>
+              <a:rPr lang="de-DE" dirty="0" smtClean="0"/>
+              <a:t>Volume</a:t>
+            </a:r>
+          </a:p>
+          <a:p>
+            <a:pPr lvl="2"/>
+            <a:r>
+              <a:rPr lang="de-DE" dirty="0" err="1" smtClean="0"/>
+              <a:t>BoundarySurface</a:t>
+            </a:r>
+            <a:endParaRPr lang="de-DE" dirty="0" smtClean="0"/>
+          </a:p>
+          <a:p>
+            <a:pPr lvl="3"/>
+            <a:r>
+              <a:rPr lang="de-DE" dirty="0" smtClean="0"/>
+              <a:t>ID</a:t>
+            </a:r>
+          </a:p>
+          <a:p>
+            <a:pPr lvl="3"/>
+            <a:r>
+              <a:rPr lang="de-DE" dirty="0" smtClean="0"/>
+              <a:t>Type</a:t>
+            </a:r>
+          </a:p>
+          <a:p>
+            <a:pPr lvl="3"/>
+            <a:r>
+              <a:rPr lang="de-DE" dirty="0" smtClean="0"/>
+              <a:t>Polygon</a:t>
+            </a:r>
+          </a:p>
+          <a:p>
+            <a:pPr lvl="4"/>
+            <a:r>
+              <a:rPr lang="de-DE" dirty="0" smtClean="0"/>
+              <a:t>ID</a:t>
+            </a:r>
+          </a:p>
+          <a:p>
+            <a:pPr lvl="4"/>
+            <a:r>
+              <a:rPr lang="de-DE" dirty="0" smtClean="0"/>
+              <a:t>Area</a:t>
+            </a:r>
+          </a:p>
+          <a:p>
+            <a:pPr lvl="4"/>
+            <a:r>
+              <a:rPr lang="de-DE" dirty="0" smtClean="0"/>
+              <a:t>Shadow</a:t>
             </a:r>
             <a:endParaRPr lang="de-DE" dirty="0"/>
           </a:p>
@@ -12219,6 +13198,301 @@
               <a:rPr lang="de-DE" smtClean="0"/>
               <a:pPr/>
               <a:t>39</a:t>
+            </a:fld>
+            <a:endParaRPr lang="de-DE"/>
+          </a:p>
+        </p:txBody>
+      </p:sp>
+      <p:sp>
+        <p:nvSpPr>
+          <p:cNvPr id="5" name="Titel 4"/>
+          <p:cNvSpPr>
+            <a:spLocks noGrp="1"/>
+          </p:cNvSpPr>
+          <p:nvPr>
+            <p:ph type="title"/>
+          </p:nvPr>
+        </p:nvSpPr>
+        <p:spPr/>
+        <p:txBody>
+          <a:bodyPr/>
+          <a:lstStyle/>
+          <a:p>
+            <a:r>
+              <a:rPr lang="de-DE" dirty="0"/>
+              <a:t>Export: XML </a:t>
+            </a:r>
+            <a:r>
+              <a:rPr lang="de-DE" dirty="0" smtClean="0"/>
+              <a:t>(2 </a:t>
+            </a:r>
+            <a:r>
+              <a:rPr lang="de-DE" dirty="0"/>
+              <a:t>/ 2)</a:t>
+            </a:r>
+          </a:p>
+        </p:txBody>
+      </p:sp>
+    </p:spTree>
+    <p:extLst>
+      <p:ext uri="{BB962C8B-B14F-4D97-AF65-F5344CB8AC3E}">
+        <p14:creationId xmlns:p14="http://schemas.microsoft.com/office/powerpoint/2010/main" val="1621091453"/>
+      </p:ext>
+    </p:extLst>
+  </p:cSld>
+  <p:clrMapOvr>
+    <a:masterClrMapping/>
+  </p:clrMapOvr>
+</p:sld>
+</file>
+
+<file path=ppt/slides/slide4.xml><?xml version="1.0" encoding="utf-8"?>
+<p:sld xmlns:a="http://schemas.openxmlformats.org/drawingml/2006/main" xmlns:r="http://schemas.openxmlformats.org/officeDocument/2006/relationships" xmlns:p="http://schemas.openxmlformats.org/presentationml/2006/main">
+  <p:cSld>
+    <p:spTree>
+      <p:nvGrpSpPr>
+        <p:cNvPr id="1" name=""/>
+        <p:cNvGrpSpPr/>
+        <p:nvPr/>
+      </p:nvGrpSpPr>
+      <p:grpSpPr>
+        <a:xfrm>
+          <a:off x="0" y="0"/>
+          <a:ext cx="0" cy="0"/>
+          <a:chOff x="0" y="0"/>
+          <a:chExt cx="0" cy="0"/>
+        </a:xfrm>
+      </p:grpSpPr>
+      <p:sp>
+        <p:nvSpPr>
+          <p:cNvPr id="3" name="Datumsplatzhalter 2"/>
+          <p:cNvSpPr>
+            <a:spLocks noGrp="1"/>
+          </p:cNvSpPr>
+          <p:nvPr>
+            <p:ph type="dt" sz="half" idx="10"/>
+          </p:nvPr>
+        </p:nvSpPr>
+        <p:spPr/>
+        <p:txBody>
+          <a:bodyPr/>
+          <a:lstStyle/>
+          <a:p>
+            <a:r>
+              <a:rPr lang="de-DE" smtClean="0"/>
+              <a:t>23.06.2014</a:t>
+            </a:r>
+            <a:endParaRPr lang="de-DE"/>
+          </a:p>
+        </p:txBody>
+      </p:sp>
+      <p:sp>
+        <p:nvSpPr>
+          <p:cNvPr id="4" name="Foliennummernplatzhalter 3"/>
+          <p:cNvSpPr>
+            <a:spLocks noGrp="1"/>
+          </p:cNvSpPr>
+          <p:nvPr>
+            <p:ph type="sldNum" sz="quarter" idx="12"/>
+          </p:nvPr>
+        </p:nvSpPr>
+        <p:spPr/>
+        <p:txBody>
+          <a:bodyPr/>
+          <a:lstStyle/>
+          <a:p>
+            <a:fld id="{02075A8B-51D4-4999-A4F2-B3FAC6295E4D}" type="slidenum">
+              <a:rPr lang="de-DE" smtClean="0"/>
+              <a:pPr/>
+              <a:t>4</a:t>
+            </a:fld>
+            <a:endParaRPr lang="de-DE"/>
+          </a:p>
+        </p:txBody>
+      </p:sp>
+      <p:sp>
+        <p:nvSpPr>
+          <p:cNvPr id="5" name="Titel 4"/>
+          <p:cNvSpPr>
+            <a:spLocks noGrp="1"/>
+          </p:cNvSpPr>
+          <p:nvPr>
+            <p:ph type="title"/>
+          </p:nvPr>
+        </p:nvSpPr>
+        <p:spPr>
+          <a:xfrm>
+            <a:off x="457200" y="274638"/>
+            <a:ext cx="8229600" cy="5314602"/>
+          </a:xfrm>
+        </p:spPr>
+        <p:txBody>
+          <a:bodyPr>
+            <a:noAutofit/>
+          </a:bodyPr>
+          <a:lstStyle/>
+          <a:p>
+            <a:pPr algn="ctr"/>
+            <a:r>
+              <a:rPr lang="de-DE" sz="8000" dirty="0" smtClean="0"/>
+              <a:t>Demo</a:t>
+            </a:r>
+            <a:endParaRPr lang="de-DE" sz="8000" dirty="0"/>
+          </a:p>
+        </p:txBody>
+      </p:sp>
+    </p:spTree>
+    <p:extLst>
+      <p:ext uri="{BB962C8B-B14F-4D97-AF65-F5344CB8AC3E}">
+        <p14:creationId xmlns:p14="http://schemas.microsoft.com/office/powerpoint/2010/main" val="931504045"/>
+      </p:ext>
+    </p:extLst>
+  </p:cSld>
+  <p:clrMapOvr>
+    <a:masterClrMapping/>
+  </p:clrMapOvr>
+  <p:timing>
+    <p:tnLst>
+      <p:par>
+        <p:cTn id="1" dur="indefinite" restart="never" nodeType="tmRoot"/>
+      </p:par>
+    </p:tnLst>
+  </p:timing>
+</p:sld>
+</file>
+
+<file path=ppt/slides/slide40.xml><?xml version="1.0" encoding="utf-8"?>
+<p:sld xmlns:a="http://schemas.openxmlformats.org/drawingml/2006/main" xmlns:r="http://schemas.openxmlformats.org/officeDocument/2006/relationships" xmlns:p="http://schemas.openxmlformats.org/presentationml/2006/main">
+  <p:cSld>
+    <p:spTree>
+      <p:nvGrpSpPr>
+        <p:cNvPr id="1" name=""/>
+        <p:cNvGrpSpPr/>
+        <p:nvPr/>
+      </p:nvGrpSpPr>
+      <p:grpSpPr>
+        <a:xfrm>
+          <a:off x="0" y="0"/>
+          <a:ext cx="0" cy="0"/>
+          <a:chOff x="0" y="0"/>
+          <a:chExt cx="0" cy="0"/>
+        </a:xfrm>
+      </p:grpSpPr>
+      <p:sp>
+        <p:nvSpPr>
+          <p:cNvPr id="2" name="Inhaltsplatzhalter 1"/>
+          <p:cNvSpPr>
+            <a:spLocks noGrp="1"/>
+          </p:cNvSpPr>
+          <p:nvPr>
+            <p:ph idx="1"/>
+          </p:nvPr>
+        </p:nvSpPr>
+        <p:spPr/>
+        <p:txBody>
+          <a:bodyPr>
+            <a:normAutofit/>
+          </a:bodyPr>
+          <a:lstStyle/>
+          <a:p>
+            <a:r>
+              <a:rPr lang="de-DE" dirty="0" err="1"/>
+              <a:t>CityGML</a:t>
+            </a:r>
+            <a:r>
+              <a:rPr lang="de-DE" dirty="0"/>
+              <a:t>- </a:t>
+            </a:r>
+            <a:r>
+              <a:rPr lang="de-DE" dirty="0" smtClean="0"/>
+              <a:t>Doku</a:t>
+            </a:r>
+          </a:p>
+          <a:p>
+            <a:endParaRPr lang="de-DE" dirty="0"/>
+          </a:p>
+          <a:p>
+            <a:pPr lvl="1"/>
+            <a:r>
+              <a:rPr lang="de-DE" dirty="0" smtClean="0"/>
+              <a:t>Schlecht </a:t>
+            </a:r>
+            <a:r>
+              <a:rPr lang="de-DE" dirty="0"/>
+              <a:t>dokumentiert</a:t>
+            </a:r>
+          </a:p>
+          <a:p>
+            <a:pPr lvl="1"/>
+            <a:r>
+              <a:rPr lang="de-DE" dirty="0" smtClean="0"/>
+              <a:t>Viele </a:t>
+            </a:r>
+            <a:r>
+              <a:rPr lang="de-DE" dirty="0"/>
+              <a:t>Felder oft nicht belegt -&gt; „null“</a:t>
+            </a:r>
+          </a:p>
+          <a:p>
+            <a:pPr lvl="1"/>
+            <a:r>
+              <a:rPr lang="de-DE" dirty="0" smtClean="0"/>
+              <a:t>Exploratives </a:t>
+            </a:r>
+            <a:r>
+              <a:rPr lang="de-DE" dirty="0"/>
+              <a:t>Testen </a:t>
+            </a:r>
+            <a:r>
+              <a:rPr lang="de-DE" dirty="0" smtClean="0"/>
+              <a:t>schwerfällig</a:t>
+            </a:r>
+            <a:endParaRPr lang="de-DE" dirty="0"/>
+          </a:p>
+        </p:txBody>
+      </p:sp>
+      <p:sp>
+        <p:nvSpPr>
+          <p:cNvPr id="3" name="Datumsplatzhalter 2"/>
+          <p:cNvSpPr>
+            <a:spLocks noGrp="1"/>
+          </p:cNvSpPr>
+          <p:nvPr>
+            <p:ph type="dt" sz="half" idx="10"/>
+          </p:nvPr>
+        </p:nvSpPr>
+        <p:spPr/>
+        <p:txBody>
+          <a:bodyPr/>
+          <a:lstStyle/>
+          <a:p>
+            <a:r>
+              <a:rPr lang="de-DE" smtClean="0"/>
+              <a:t>23.06.2014</a:t>
+            </a:r>
+            <a:endParaRPr lang="de-DE"/>
+          </a:p>
+        </p:txBody>
+      </p:sp>
+      <p:sp>
+        <p:nvSpPr>
+          <p:cNvPr id="4" name="Foliennummernplatzhalter 3"/>
+          <p:cNvSpPr>
+            <a:spLocks noGrp="1"/>
+          </p:cNvSpPr>
+          <p:nvPr>
+            <p:ph type="sldNum" sz="quarter" idx="12"/>
+          </p:nvPr>
+        </p:nvSpPr>
+        <p:spPr/>
+        <p:txBody>
+          <a:bodyPr/>
+          <a:lstStyle/>
+          <a:p>
+            <a:fld id="{02075A8B-51D4-4999-A4F2-B3FAC6295E4D}" type="slidenum">
+              <a:rPr lang="de-DE" smtClean="0"/>
+              <a:pPr/>
+              <a:t>40</a:t>
             </a:fld>
             <a:endParaRPr lang="de-DE"/>
           </a:p>
@@ -12835,288 +14109,6 @@
 </p:sld>
 </file>
 
-<file path=ppt/slides/slide4.xml><?xml version="1.0" encoding="utf-8"?>
-<p:sld xmlns:a="http://schemas.openxmlformats.org/drawingml/2006/main" xmlns:r="http://schemas.openxmlformats.org/officeDocument/2006/relationships" xmlns:p="http://schemas.openxmlformats.org/presentationml/2006/main">
-  <p:cSld>
-    <p:spTree>
-      <p:nvGrpSpPr>
-        <p:cNvPr id="1" name=""/>
-        <p:cNvGrpSpPr/>
-        <p:nvPr/>
-      </p:nvGrpSpPr>
-      <p:grpSpPr>
-        <a:xfrm>
-          <a:off x="0" y="0"/>
-          <a:ext cx="0" cy="0"/>
-          <a:chOff x="0" y="0"/>
-          <a:chExt cx="0" cy="0"/>
-        </a:xfrm>
-      </p:grpSpPr>
-      <p:sp>
-        <p:nvSpPr>
-          <p:cNvPr id="3" name="Datumsplatzhalter 2"/>
-          <p:cNvSpPr>
-            <a:spLocks noGrp="1"/>
-          </p:cNvSpPr>
-          <p:nvPr>
-            <p:ph type="dt" sz="half" idx="10"/>
-          </p:nvPr>
-        </p:nvSpPr>
-        <p:spPr/>
-        <p:txBody>
-          <a:bodyPr/>
-          <a:lstStyle/>
-          <a:p>
-            <a:r>
-              <a:rPr lang="de-DE" smtClean="0"/>
-              <a:t>23.06.2014</a:t>
-            </a:r>
-            <a:endParaRPr lang="de-DE"/>
-          </a:p>
-        </p:txBody>
-      </p:sp>
-      <p:sp>
-        <p:nvSpPr>
-          <p:cNvPr id="4" name="Foliennummernplatzhalter 3"/>
-          <p:cNvSpPr>
-            <a:spLocks noGrp="1"/>
-          </p:cNvSpPr>
-          <p:nvPr>
-            <p:ph type="sldNum" sz="quarter" idx="12"/>
-          </p:nvPr>
-        </p:nvSpPr>
-        <p:spPr/>
-        <p:txBody>
-          <a:bodyPr/>
-          <a:lstStyle/>
-          <a:p>
-            <a:fld id="{02075A8B-51D4-4999-A4F2-B3FAC6295E4D}" type="slidenum">
-              <a:rPr lang="de-DE" smtClean="0"/>
-              <a:pPr/>
-              <a:t>4</a:t>
-            </a:fld>
-            <a:endParaRPr lang="de-DE"/>
-          </a:p>
-        </p:txBody>
-      </p:sp>
-      <p:sp>
-        <p:nvSpPr>
-          <p:cNvPr id="5" name="Titel 4"/>
-          <p:cNvSpPr>
-            <a:spLocks noGrp="1"/>
-          </p:cNvSpPr>
-          <p:nvPr>
-            <p:ph type="title"/>
-          </p:nvPr>
-        </p:nvSpPr>
-        <p:spPr>
-          <a:xfrm>
-            <a:off x="457200" y="274638"/>
-            <a:ext cx="8229600" cy="5314602"/>
-          </a:xfrm>
-        </p:spPr>
-        <p:txBody>
-          <a:bodyPr>
-            <a:noAutofit/>
-          </a:bodyPr>
-          <a:lstStyle/>
-          <a:p>
-            <a:pPr algn="ctr"/>
-            <a:r>
-              <a:rPr lang="de-DE" sz="8000" dirty="0" smtClean="0"/>
-              <a:t>Demo</a:t>
-            </a:r>
-            <a:endParaRPr lang="de-DE" sz="8000" dirty="0"/>
-          </a:p>
-        </p:txBody>
-      </p:sp>
-    </p:spTree>
-    <p:extLst>
-      <p:ext uri="{BB962C8B-B14F-4D97-AF65-F5344CB8AC3E}">
-        <p14:creationId xmlns:p14="http://schemas.microsoft.com/office/powerpoint/2010/main" val="931504045"/>
-      </p:ext>
-    </p:extLst>
-  </p:cSld>
-  <p:clrMapOvr>
-    <a:masterClrMapping/>
-  </p:clrMapOvr>
-  <p:timing>
-    <p:tnLst>
-      <p:par>
-        <p:cTn id="1" dur="indefinite" restart="never" nodeType="tmRoot"/>
-      </p:par>
-    </p:tnLst>
-  </p:timing>
-</p:sld>
-</file>
-
-<file path=ppt/slides/slide40.xml><?xml version="1.0" encoding="utf-8"?>
-<p:sld xmlns:a="http://schemas.openxmlformats.org/drawingml/2006/main" xmlns:r="http://schemas.openxmlformats.org/officeDocument/2006/relationships" xmlns:p="http://schemas.openxmlformats.org/presentationml/2006/main">
-  <p:cSld>
-    <p:spTree>
-      <p:nvGrpSpPr>
-        <p:cNvPr id="1" name=""/>
-        <p:cNvGrpSpPr/>
-        <p:nvPr/>
-      </p:nvGrpSpPr>
-      <p:grpSpPr>
-        <a:xfrm>
-          <a:off x="0" y="0"/>
-          <a:ext cx="0" cy="0"/>
-          <a:chOff x="0" y="0"/>
-          <a:chExt cx="0" cy="0"/>
-        </a:xfrm>
-      </p:grpSpPr>
-      <p:sp>
-        <p:nvSpPr>
-          <p:cNvPr id="2" name="Inhaltsplatzhalter 1"/>
-          <p:cNvSpPr>
-            <a:spLocks noGrp="1"/>
-          </p:cNvSpPr>
-          <p:nvPr>
-            <p:ph idx="1"/>
-          </p:nvPr>
-        </p:nvSpPr>
-        <p:spPr/>
-        <p:txBody>
-          <a:bodyPr>
-            <a:normAutofit/>
-          </a:bodyPr>
-          <a:lstStyle/>
-          <a:p>
-            <a:r>
-              <a:rPr lang="de-DE" dirty="0" err="1" smtClean="0"/>
-              <a:t>CityGML</a:t>
-            </a:r>
-            <a:r>
-              <a:rPr lang="de-DE" dirty="0" smtClean="0"/>
-              <a:t> – Dateiformat</a:t>
-            </a:r>
-          </a:p>
-          <a:p>
-            <a:endParaRPr lang="de-DE" dirty="0" smtClean="0"/>
-          </a:p>
-          <a:p>
-            <a:pPr lvl="1"/>
-            <a:r>
-              <a:rPr lang="de-DE" dirty="0" smtClean="0"/>
-              <a:t>Zu viele Möglichkeiten, dieselben Daten zu speichern</a:t>
-            </a:r>
-          </a:p>
-          <a:p>
-            <a:pPr lvl="1"/>
-            <a:r>
-              <a:rPr lang="de-DE" dirty="0" smtClean="0"/>
-              <a:t>Macht Auslesen schwierig</a:t>
-            </a:r>
-          </a:p>
-          <a:p>
-            <a:endParaRPr lang="de-DE" dirty="0"/>
-          </a:p>
-          <a:p>
-            <a:pPr lvl="1"/>
-            <a:endParaRPr lang="de-DE" dirty="0" smtClean="0"/>
-          </a:p>
-          <a:p>
-            <a:pPr lvl="2"/>
-            <a:endParaRPr lang="de-DE" dirty="0"/>
-          </a:p>
-          <a:p>
-            <a:pPr lvl="2"/>
-            <a:endParaRPr lang="de-DE" dirty="0"/>
-          </a:p>
-        </p:txBody>
-      </p:sp>
-      <p:sp>
-        <p:nvSpPr>
-          <p:cNvPr id="3" name="Datumsplatzhalter 2"/>
-          <p:cNvSpPr>
-            <a:spLocks noGrp="1"/>
-          </p:cNvSpPr>
-          <p:nvPr>
-            <p:ph type="dt" sz="half" idx="10"/>
-          </p:nvPr>
-        </p:nvSpPr>
-        <p:spPr/>
-        <p:txBody>
-          <a:bodyPr/>
-          <a:lstStyle/>
-          <a:p>
-            <a:r>
-              <a:rPr lang="de-DE" smtClean="0"/>
-              <a:t>23.06.2014</a:t>
-            </a:r>
-            <a:endParaRPr lang="de-DE"/>
-          </a:p>
-        </p:txBody>
-      </p:sp>
-      <p:sp>
-        <p:nvSpPr>
-          <p:cNvPr id="4" name="Foliennummernplatzhalter 3"/>
-          <p:cNvSpPr>
-            <a:spLocks noGrp="1"/>
-          </p:cNvSpPr>
-          <p:nvPr>
-            <p:ph type="sldNum" sz="quarter" idx="12"/>
-          </p:nvPr>
-        </p:nvSpPr>
-        <p:spPr/>
-        <p:txBody>
-          <a:bodyPr/>
-          <a:lstStyle/>
-          <a:p>
-            <a:fld id="{02075A8B-51D4-4999-A4F2-B3FAC6295E4D}" type="slidenum">
-              <a:rPr lang="de-DE" smtClean="0"/>
-              <a:pPr/>
-              <a:t>40</a:t>
-            </a:fld>
-            <a:endParaRPr lang="de-DE"/>
-          </a:p>
-        </p:txBody>
-      </p:sp>
-      <p:sp>
-        <p:nvSpPr>
-          <p:cNvPr id="5" name="Titel 4"/>
-          <p:cNvSpPr>
-            <a:spLocks noGrp="1"/>
-          </p:cNvSpPr>
-          <p:nvPr>
-            <p:ph type="title"/>
-          </p:nvPr>
-        </p:nvSpPr>
-        <p:spPr/>
-        <p:txBody>
-          <a:bodyPr/>
-          <a:lstStyle/>
-          <a:p>
-            <a:r>
-              <a:rPr lang="de-DE" dirty="0" smtClean="0"/>
-              <a:t>Parser: Troubleshooting</a:t>
-            </a:r>
-            <a:endParaRPr lang="de-DE" dirty="0"/>
-          </a:p>
-        </p:txBody>
-      </p:sp>
-    </p:spTree>
-    <p:extLst>
-      <p:ext uri="{BB962C8B-B14F-4D97-AF65-F5344CB8AC3E}">
-        <p14:creationId xmlns:p14="http://schemas.microsoft.com/office/powerpoint/2010/main" val="174954716"/>
-      </p:ext>
-    </p:extLst>
-  </p:cSld>
-  <p:clrMapOvr>
-    <a:masterClrMapping/>
-  </p:clrMapOvr>
-  <p:timing>
-    <p:tnLst>
-      <p:par>
-        <p:cTn id="1" dur="indefinite" restart="never" nodeType="tmRoot"/>
-      </p:par>
-    </p:tnLst>
-  </p:timing>
-</p:sld>
-</file>
-
 <file path=ppt/slides/slide41.xml><?xml version="1.0" encoding="utf-8"?>
 <p:sld xmlns:a="http://schemas.openxmlformats.org/drawingml/2006/main" xmlns:r="http://schemas.openxmlformats.org/officeDocument/2006/relationships" xmlns:p="http://schemas.openxmlformats.org/presentationml/2006/main">
   <p:cSld>
@@ -13152,8 +14144,29 @@
           <a:lstStyle/>
           <a:p>
             <a:r>
-              <a:rPr lang="de-DE" dirty="0" smtClean="0"/>
-              <a:t>Laufzeit Parser</a:t>
+              <a:rPr lang="de-DE" dirty="0" err="1" smtClean="0"/>
+              <a:t>CityGML</a:t>
+            </a:r>
+            <a:r>
+              <a:rPr lang="de-DE" dirty="0" smtClean="0"/>
+              <a:t> – Dateiformat</a:t>
+            </a:r>
+          </a:p>
+          <a:p>
+            <a:endParaRPr lang="de-DE" dirty="0" smtClean="0"/>
+          </a:p>
+          <a:p>
+            <a:pPr lvl="1"/>
+            <a:r>
+              <a:rPr lang="de-DE" dirty="0" smtClean="0"/>
+              <a:t>Zu viele Möglichkeiten, dieselben Daten zu speichern</a:t>
+            </a:r>
+          </a:p>
+          <a:p>
+            <a:pPr lvl="1"/>
+            <a:r>
+              <a:rPr lang="de-DE" dirty="0" smtClean="0"/>
+              <a:t>Macht Auslesen schwierig</a:t>
             </a:r>
           </a:p>
           <a:p>
@@ -13161,40 +14174,14 @@
           </a:p>
           <a:p>
             <a:pPr lvl="1"/>
-            <a:r>
-              <a:rPr lang="de-DE" dirty="0" smtClean="0"/>
-              <a:t>Bisher </a:t>
-            </a:r>
-            <a:r>
-              <a:rPr lang="de-DE" dirty="0"/>
-              <a:t>verkraftbar</a:t>
-            </a:r>
-          </a:p>
-          <a:p>
-            <a:pPr lvl="1"/>
-            <a:r>
-              <a:rPr lang="de-DE" dirty="0" smtClean="0"/>
-              <a:t>Problem</a:t>
-            </a:r>
-            <a:r>
-              <a:rPr lang="de-DE" dirty="0"/>
-              <a:t>: Größere Stadtmodelle</a:t>
-            </a:r>
-          </a:p>
-          <a:p>
-            <a:pPr lvl="1"/>
-            <a:r>
-              <a:rPr lang="de-DE" dirty="0" smtClean="0"/>
-              <a:t>Ausblick</a:t>
-            </a:r>
-            <a:r>
-              <a:rPr lang="de-DE" dirty="0"/>
-              <a:t>: XML-Dokument in </a:t>
-            </a:r>
-            <a:r>
-              <a:rPr lang="de-DE" dirty="0" smtClean="0"/>
-              <a:t>RAM</a:t>
-            </a:r>
+            <a:endParaRPr lang="de-DE" dirty="0" smtClean="0"/>
+          </a:p>
+          <a:p>
+            <a:pPr lvl="2"/>
+            <a:endParaRPr lang="de-DE" dirty="0"/>
+          </a:p>
+          <a:p>
+            <a:pPr lvl="2"/>
             <a:endParaRPr lang="de-DE" dirty="0"/>
           </a:p>
         </p:txBody>
@@ -13272,7 +14259,7 @@
     </p:spTree>
     <p:extLst>
       <p:ext uri="{BB962C8B-B14F-4D97-AF65-F5344CB8AC3E}">
-        <p14:creationId xmlns:p14="http://schemas.microsoft.com/office/powerpoint/2010/main" val="3533013732"/>
+        <p14:creationId xmlns:p14="http://schemas.microsoft.com/office/powerpoint/2010/main" val="174954716"/>
       </p:ext>
     </p:extLst>
   </p:cSld>
@@ -13325,40 +14312,48 @@
           <a:p>
             <a:r>
               <a:rPr lang="de-DE" dirty="0" smtClean="0"/>
-              <a:t>Genauigkeit </a:t>
+              <a:t>Laufzeit Parser</a:t>
+            </a:r>
+          </a:p>
+          <a:p>
+            <a:endParaRPr lang="de-DE" dirty="0"/>
+          </a:p>
+          <a:p>
+            <a:pPr lvl="1"/>
+            <a:r>
+              <a:rPr lang="de-DE" dirty="0" smtClean="0"/>
+              <a:t>Bisher </a:t>
             </a:r>
             <a:r>
               <a:rPr lang="de-DE" dirty="0"/>
-              <a:t>der </a:t>
-            </a:r>
-            <a:r>
-              <a:rPr lang="de-DE" dirty="0" smtClean="0"/>
-              <a:t>Berechnungen</a:t>
-            </a:r>
-          </a:p>
-          <a:p>
-            <a:endParaRPr lang="de-DE" dirty="0"/>
+              <a:t>verkraftbar</a:t>
+            </a:r>
           </a:p>
           <a:p>
             <a:pPr lvl="1"/>
             <a:r>
               <a:rPr lang="de-DE" dirty="0" smtClean="0"/>
-              <a:t>„Umrechnen</a:t>
+              <a:t>Problem</a:t>
             </a:r>
             <a:r>
               <a:rPr lang="de-DE" dirty="0"/>
-              <a:t>“ von double zu </a:t>
-            </a:r>
-            <a:r>
-              <a:rPr lang="de-DE" dirty="0" err="1"/>
-              <a:t>float</a:t>
+              <a:t>: Größere Stadtmodelle</a:t>
+            </a:r>
+          </a:p>
+          <a:p>
+            <a:pPr lvl="1"/>
+            <a:r>
+              <a:rPr lang="de-DE" dirty="0" smtClean="0"/>
+              <a:t>Ausblick</a:t>
             </a:r>
             <a:r>
               <a:rPr lang="de-DE" dirty="0"/>
-              <a:t> - Datentypen zur Volumenberechnung</a:t>
-            </a:r>
-          </a:p>
-          <a:p>
+              <a:t>: XML-Dokument in </a:t>
+            </a:r>
+            <a:r>
+              <a:rPr lang="de-DE" dirty="0" smtClean="0"/>
+              <a:t>RAM</a:t>
+            </a:r>
             <a:endParaRPr lang="de-DE" dirty="0"/>
           </a:p>
         </p:txBody>
@@ -13436,7 +14431,7 @@
     </p:spTree>
     <p:extLst>
       <p:ext uri="{BB962C8B-B14F-4D97-AF65-F5344CB8AC3E}">
-        <p14:creationId xmlns:p14="http://schemas.microsoft.com/office/powerpoint/2010/main" val="3529786392"/>
+        <p14:creationId xmlns:p14="http://schemas.microsoft.com/office/powerpoint/2010/main" val="3533013732"/>
       </p:ext>
     </p:extLst>
   </p:cSld>
@@ -13482,41 +14477,44 @@
         </p:nvSpPr>
         <p:spPr/>
         <p:txBody>
-          <a:bodyPr/>
-          <a:lstStyle/>
-          <a:p>
-            <a:r>
-              <a:rPr lang="de-DE" dirty="0" smtClean="0"/>
-              <a:t>Aufgabe</a:t>
-            </a:r>
-          </a:p>
-          <a:p>
-            <a:r>
-              <a:rPr lang="de-DE" dirty="0" smtClean="0"/>
-              <a:t>Allgemeines zu </a:t>
-            </a:r>
-            <a:r>
-              <a:rPr lang="de-DE" dirty="0" err="1" smtClean="0"/>
-              <a:t>OpenCL</a:t>
-            </a:r>
-            <a:endParaRPr lang="de-DE" dirty="0" smtClean="0"/>
-          </a:p>
-          <a:p>
-            <a:r>
-              <a:rPr lang="de-DE" dirty="0" smtClean="0"/>
-              <a:t>Volumenberechnung</a:t>
-            </a:r>
-          </a:p>
-          <a:p>
-            <a:r>
-              <a:rPr lang="de-DE" dirty="0" smtClean="0"/>
-              <a:t>Schattenberechnung</a:t>
-            </a:r>
-          </a:p>
-          <a:p>
-            <a:r>
-              <a:rPr lang="de-DE" dirty="0" smtClean="0"/>
-              <a:t>Sonnenposition</a:t>
+          <a:bodyPr>
+            <a:normAutofit/>
+          </a:bodyPr>
+          <a:lstStyle/>
+          <a:p>
+            <a:r>
+              <a:rPr lang="de-DE" dirty="0" smtClean="0"/>
+              <a:t>Genauigkeit </a:t>
+            </a:r>
+            <a:r>
+              <a:rPr lang="de-DE" dirty="0"/>
+              <a:t>der </a:t>
+            </a:r>
+            <a:r>
+              <a:rPr lang="de-DE" dirty="0" smtClean="0"/>
+              <a:t>Berechnungen</a:t>
+            </a:r>
+          </a:p>
+          <a:p>
+            <a:endParaRPr lang="de-DE" dirty="0"/>
+          </a:p>
+          <a:p>
+            <a:pPr lvl="1"/>
+            <a:r>
+              <a:rPr lang="de-DE" dirty="0" smtClean="0"/>
+              <a:t>„Umrechnen</a:t>
+            </a:r>
+            <a:r>
+              <a:rPr lang="de-DE" dirty="0"/>
+              <a:t>“ von double zu </a:t>
+            </a:r>
+            <a:r>
+              <a:rPr lang="de-DE" dirty="0" err="1"/>
+              <a:t>float</a:t>
+            </a:r>
+            <a:r>
+              <a:rPr lang="de-DE" dirty="0"/>
+              <a:t> - Datentypen zur Volumenberechnung</a:t>
             </a:r>
           </a:p>
           <a:p>
@@ -13583,14 +14581,12 @@
         </p:nvSpPr>
         <p:spPr/>
         <p:txBody>
-          <a:bodyPr>
-            <a:normAutofit/>
-          </a:bodyPr>
-          <a:lstStyle/>
-          <a:p>
-            <a:r>
-              <a:rPr lang="de-DE" dirty="0" err="1" smtClean="0"/>
-              <a:t>OpenCL</a:t>
+          <a:bodyPr/>
+          <a:lstStyle/>
+          <a:p>
+            <a:r>
+              <a:rPr lang="de-DE" dirty="0" smtClean="0"/>
+              <a:t>Parser: Troubleshooting</a:t>
             </a:r>
             <a:endParaRPr lang="de-DE" dirty="0"/>
           </a:p>
@@ -13599,7 +14595,7 @@
     </p:spTree>
     <p:extLst>
       <p:ext uri="{BB962C8B-B14F-4D97-AF65-F5344CB8AC3E}">
-        <p14:creationId xmlns:p14="http://schemas.microsoft.com/office/powerpoint/2010/main" val="1711646626"/>
+        <p14:creationId xmlns:p14="http://schemas.microsoft.com/office/powerpoint/2010/main" val="3529786392"/>
       </p:ext>
     </p:extLst>
   </p:cSld>
@@ -13650,7 +14646,13 @@
           <a:p>
             <a:r>
               <a:rPr lang="de-DE" dirty="0" smtClean="0"/>
-              <a:t>Aufgabe: Implementierung einer Volumenberechnung und einer Schattenberechnung in CUDA oder </a:t>
+              <a:t>Aufgabe</a:t>
+            </a:r>
+          </a:p>
+          <a:p>
+            <a:r>
+              <a:rPr lang="de-DE" dirty="0" smtClean="0"/>
+              <a:t>Allgemeines zu </a:t>
             </a:r>
             <a:r>
               <a:rPr lang="de-DE" dirty="0" err="1" smtClean="0"/>
@@ -13661,52 +14663,29 @@
           <a:p>
             <a:r>
               <a:rPr lang="de-DE" dirty="0" smtClean="0"/>
-              <a:t>Aufgaben wurden sowohl in Java als auch </a:t>
-            </a:r>
-            <a:r>
-              <a:rPr lang="de-DE" dirty="0" err="1" smtClean="0"/>
-              <a:t>OpenCL</a:t>
-            </a:r>
-            <a:r>
-              <a:rPr lang="de-DE" dirty="0" smtClean="0"/>
-              <a:t> gelöst</a:t>
-            </a:r>
-          </a:p>
-          <a:p>
-            <a:r>
-              <a:rPr lang="de-DE" dirty="0" smtClean="0"/>
-              <a:t>Java Implementierung wird als Fall-Back verwendet</a:t>
-            </a:r>
+              <a:t>Volumenberechnung</a:t>
+            </a:r>
+          </a:p>
+          <a:p>
+            <a:r>
+              <a:rPr lang="de-DE" dirty="0" smtClean="0"/>
+              <a:t>Schattenberechnung</a:t>
+            </a:r>
+          </a:p>
+          <a:p>
+            <a:r>
+              <a:rPr lang="de-DE" dirty="0" smtClean="0"/>
+              <a:t>Sonnenposition</a:t>
+            </a:r>
+          </a:p>
+          <a:p>
             <a:endParaRPr lang="de-DE" dirty="0"/>
           </a:p>
         </p:txBody>
       </p:sp>
       <p:sp>
         <p:nvSpPr>
-          <p:cNvPr id="3" name="Titel 2"/>
-          <p:cNvSpPr>
-            <a:spLocks noGrp="1"/>
-          </p:cNvSpPr>
-          <p:nvPr>
-            <p:ph type="title"/>
-          </p:nvPr>
-        </p:nvSpPr>
-        <p:spPr/>
-        <p:txBody>
-          <a:bodyPr/>
-          <a:lstStyle/>
-          <a:p>
-            <a:r>
-              <a:rPr lang="de-DE" dirty="0" smtClean="0"/>
-              <a:t>Aufgabe</a:t>
-            </a:r>
-            <a:endParaRPr lang="de-DE" dirty="0"/>
-          </a:p>
-        </p:txBody>
-      </p:sp>
-      <p:sp>
-        <p:nvSpPr>
-          <p:cNvPr id="4" name="Datumsplatzhalter 3"/>
+          <p:cNvPr id="3" name="Datumsplatzhalter 2"/>
           <p:cNvSpPr>
             <a:spLocks noGrp="1"/>
           </p:cNvSpPr>
@@ -13729,7 +14708,7 @@
       </p:sp>
       <p:sp>
         <p:nvSpPr>
-          <p:cNvPr id="5" name="Foliennummernplatzhalter 4"/>
+          <p:cNvPr id="4" name="Foliennummernplatzhalter 3"/>
           <p:cNvSpPr>
             <a:spLocks noGrp="1"/>
           </p:cNvSpPr>
@@ -13751,10 +14730,35 @@
           </a:p>
         </p:txBody>
       </p:sp>
+      <p:sp>
+        <p:nvSpPr>
+          <p:cNvPr id="5" name="Titel 4"/>
+          <p:cNvSpPr>
+            <a:spLocks noGrp="1"/>
+          </p:cNvSpPr>
+          <p:nvPr>
+            <p:ph type="title"/>
+          </p:nvPr>
+        </p:nvSpPr>
+        <p:spPr/>
+        <p:txBody>
+          <a:bodyPr>
+            <a:normAutofit/>
+          </a:bodyPr>
+          <a:lstStyle/>
+          <a:p>
+            <a:r>
+              <a:rPr lang="de-DE" dirty="0" err="1" smtClean="0"/>
+              <a:t>OpenCL</a:t>
+            </a:r>
+            <a:endParaRPr lang="de-DE" dirty="0"/>
+          </a:p>
+        </p:txBody>
+      </p:sp>
     </p:spTree>
     <p:extLst>
       <p:ext uri="{BB962C8B-B14F-4D97-AF65-F5344CB8AC3E}">
-        <p14:creationId xmlns:p14="http://schemas.microsoft.com/office/powerpoint/2010/main" val="1439573380"/>
+        <p14:creationId xmlns:p14="http://schemas.microsoft.com/office/powerpoint/2010/main" val="1711646626"/>
       </p:ext>
     </p:extLst>
   </p:cSld>
@@ -13805,50 +14809,63 @@
           <a:p>
             <a:r>
               <a:rPr lang="de-DE" dirty="0" smtClean="0"/>
-              <a:t>CPU hat 2 – 8 Kerne, GPU im Labor hat 1024 Kerne</a:t>
-            </a:r>
-          </a:p>
-          <a:p>
-            <a:r>
-              <a:rPr lang="de-DE" dirty="0" smtClean="0"/>
-              <a:t>Aber geringere Taktrate pro Kern</a:t>
-            </a:r>
-          </a:p>
-          <a:p>
+              <a:t>Aufgabe: Implementierung einer Volumenberechnung und einer Schattenberechnung in CUDA oder </a:t>
+            </a:r>
             <a:r>
               <a:rPr lang="de-DE" dirty="0" err="1" smtClean="0"/>
-              <a:t>Parallelisierbarer</a:t>
-            </a:r>
-            <a:r>
-              <a:rPr lang="de-DE" dirty="0" smtClean="0"/>
-              <a:t> Code kann extrem gut auf der GPU berechnet werden</a:t>
-            </a:r>
-          </a:p>
-          <a:p>
-            <a:r>
-              <a:rPr lang="de-DE" dirty="0" smtClean="0"/>
-              <a:t>Sowohl Volumenberechnung als auch Schattenberechnung gut </a:t>
+              <a:t>OpenCL</a:t>
+            </a:r>
+            <a:endParaRPr lang="de-DE" dirty="0" smtClean="0"/>
+          </a:p>
+          <a:p>
+            <a:r>
+              <a:rPr lang="de-DE" dirty="0" smtClean="0"/>
+              <a:t>Aufgaben wurden sowohl in Java als auch </a:t>
             </a:r>
             <a:r>
               <a:rPr lang="de-DE" dirty="0" err="1" smtClean="0"/>
-              <a:t>parallelisierbar</a:t>
-            </a:r>
-            <a:endParaRPr lang="de-DE" dirty="0" smtClean="0"/>
-          </a:p>
-          <a:p>
-            <a:r>
-              <a:rPr lang="de-DE" dirty="0" smtClean="0"/>
-              <a:t>Schattenberechnungszeit von Stunden auf Minuten reduziert</a:t>
-            </a:r>
-          </a:p>
-          <a:p>
+              <a:t>OpenCL</a:t>
+            </a:r>
+            <a:r>
+              <a:rPr lang="de-DE" dirty="0" smtClean="0"/>
+              <a:t> gelöst</a:t>
+            </a:r>
+          </a:p>
+          <a:p>
+            <a:r>
+              <a:rPr lang="de-DE" dirty="0" smtClean="0"/>
+              <a:t>Java Implementierung wird als Fall-Back verwendet</a:t>
+            </a:r>
             <a:endParaRPr lang="de-DE" dirty="0"/>
           </a:p>
         </p:txBody>
       </p:sp>
       <p:sp>
         <p:nvSpPr>
-          <p:cNvPr id="3" name="Datumsplatzhalter 2"/>
+          <p:cNvPr id="3" name="Titel 2"/>
+          <p:cNvSpPr>
+            <a:spLocks noGrp="1"/>
+          </p:cNvSpPr>
+          <p:nvPr>
+            <p:ph type="title"/>
+          </p:nvPr>
+        </p:nvSpPr>
+        <p:spPr/>
+        <p:txBody>
+          <a:bodyPr/>
+          <a:lstStyle/>
+          <a:p>
+            <a:r>
+              <a:rPr lang="de-DE" dirty="0" smtClean="0"/>
+              <a:t>Aufgabe</a:t>
+            </a:r>
+            <a:endParaRPr lang="de-DE" dirty="0"/>
+          </a:p>
+        </p:txBody>
+      </p:sp>
+      <p:sp>
+        <p:nvSpPr>
+          <p:cNvPr id="4" name="Datumsplatzhalter 3"/>
           <p:cNvSpPr>
             <a:spLocks noGrp="1"/>
           </p:cNvSpPr>
@@ -13871,7 +14888,7 @@
       </p:sp>
       <p:sp>
         <p:nvSpPr>
-          <p:cNvPr id="4" name="Foliennummernplatzhalter 3"/>
+          <p:cNvPr id="5" name="Foliennummernplatzhalter 4"/>
           <p:cNvSpPr>
             <a:spLocks noGrp="1"/>
           </p:cNvSpPr>
@@ -13893,33 +14910,10 @@
           </a:p>
         </p:txBody>
       </p:sp>
-      <p:sp>
-        <p:nvSpPr>
-          <p:cNvPr id="5" name="Titel 4"/>
-          <p:cNvSpPr>
-            <a:spLocks noGrp="1"/>
-          </p:cNvSpPr>
-          <p:nvPr>
-            <p:ph type="title"/>
-          </p:nvPr>
-        </p:nvSpPr>
-        <p:spPr/>
-        <p:txBody>
-          <a:bodyPr/>
-          <a:lstStyle/>
-          <a:p>
-            <a:r>
-              <a:rPr lang="de-DE" dirty="0" smtClean="0"/>
-              <a:t>Warum GPU?</a:t>
-            </a:r>
-            <a:endParaRPr lang="de-DE" dirty="0"/>
-          </a:p>
-        </p:txBody>
-      </p:sp>
     </p:spTree>
     <p:extLst>
       <p:ext uri="{BB962C8B-B14F-4D97-AF65-F5344CB8AC3E}">
-        <p14:creationId xmlns:p14="http://schemas.microsoft.com/office/powerpoint/2010/main" val="3272700345"/>
+        <p14:creationId xmlns:p14="http://schemas.microsoft.com/office/powerpoint/2010/main" val="1439573380"/>
       </p:ext>
     </p:extLst>
   </p:cSld>
@@ -13970,78 +14964,50 @@
           <a:p>
             <a:r>
               <a:rPr lang="de-DE" dirty="0" smtClean="0"/>
-              <a:t>Entscheidung für </a:t>
-            </a:r>
+              <a:t>CPU hat 2 – 8 Kerne, GPU im Labor hat 1024 Kerne</a:t>
+            </a:r>
+          </a:p>
+          <a:p>
+            <a:r>
+              <a:rPr lang="de-DE" dirty="0" smtClean="0"/>
+              <a:t>Aber geringere Taktrate pro Kern</a:t>
+            </a:r>
+          </a:p>
+          <a:p>
             <a:r>
               <a:rPr lang="de-DE" dirty="0" err="1" smtClean="0"/>
-              <a:t>OpenCL</a:t>
-            </a:r>
-            <a:r>
-              <a:rPr lang="de-DE" dirty="0" smtClean="0"/>
-              <a:t> da plattformübergreifend</a:t>
-            </a:r>
-          </a:p>
-          <a:p>
-            <a:r>
-              <a:rPr lang="de-DE" dirty="0" smtClean="0"/>
-              <a:t>Offener Standard seit 2008</a:t>
-            </a:r>
-          </a:p>
-          <a:p>
-            <a:r>
-              <a:rPr lang="de-DE" dirty="0" smtClean="0"/>
-              <a:t>Wird von der </a:t>
+              <a:t>Parallelisierbarer</a:t>
+            </a:r>
+            <a:r>
+              <a:rPr lang="de-DE" dirty="0" smtClean="0"/>
+              <a:t> Code kann extrem gut auf der GPU berechnet werden</a:t>
+            </a:r>
+          </a:p>
+          <a:p>
+            <a:r>
+              <a:rPr lang="de-DE" dirty="0" smtClean="0"/>
+              <a:t>Sowohl Volumenberechnung als auch Schattenberechnung gut </a:t>
             </a:r>
             <a:r>
               <a:rPr lang="de-DE" dirty="0" err="1" smtClean="0"/>
-              <a:t>Khronos</a:t>
-            </a:r>
-            <a:r>
-              <a:rPr lang="de-DE" dirty="0" smtClean="0"/>
-              <a:t>-Group gepflegt</a:t>
-            </a:r>
-          </a:p>
-          <a:p>
-            <a:r>
-              <a:rPr lang="de-DE" dirty="0" smtClean="0"/>
-              <a:t>Unterstützt AMD-Grafikkarten</a:t>
-            </a:r>
-          </a:p>
-          <a:p>
-            <a:r>
-              <a:rPr lang="de-DE" dirty="0" smtClean="0"/>
-              <a:t>Java-Binding mit JOCL vorhanden</a:t>
-            </a:r>
+              <a:t>parallelisierbar</a:t>
+            </a:r>
+            <a:endParaRPr lang="de-DE" dirty="0" smtClean="0"/>
+          </a:p>
+          <a:p>
+            <a:r>
+              <a:rPr lang="de-DE" dirty="0" smtClean="0"/>
+              <a:t>Schattenberechnungszeit von Stunden auf Minuten reduziert</a:t>
+            </a:r>
+          </a:p>
+          <a:p>
             <a:endParaRPr lang="de-DE" dirty="0"/>
           </a:p>
         </p:txBody>
       </p:sp>
       <p:sp>
         <p:nvSpPr>
-          <p:cNvPr id="3" name="Titel 2"/>
-          <p:cNvSpPr>
-            <a:spLocks noGrp="1"/>
-          </p:cNvSpPr>
-          <p:nvPr>
-            <p:ph type="title"/>
-          </p:nvPr>
-        </p:nvSpPr>
-        <p:spPr/>
-        <p:txBody>
-          <a:bodyPr/>
-          <a:lstStyle/>
-          <a:p>
-            <a:r>
-              <a:rPr lang="de-DE" dirty="0" err="1" smtClean="0"/>
-              <a:t>OpenCL</a:t>
-            </a:r>
-            <a:endParaRPr lang="de-DE" dirty="0"/>
-          </a:p>
-        </p:txBody>
-      </p:sp>
-      <p:sp>
-        <p:nvSpPr>
-          <p:cNvPr id="4" name="Datumsplatzhalter 3"/>
+          <p:cNvPr id="3" name="Datumsplatzhalter 2"/>
           <p:cNvSpPr>
             <a:spLocks noGrp="1"/>
           </p:cNvSpPr>
@@ -14064,7 +15030,7 @@
       </p:sp>
       <p:sp>
         <p:nvSpPr>
-          <p:cNvPr id="5" name="Foliennummernplatzhalter 4"/>
+          <p:cNvPr id="4" name="Foliennummernplatzhalter 3"/>
           <p:cNvSpPr>
             <a:spLocks noGrp="1"/>
           </p:cNvSpPr>
@@ -14086,10 +15052,33 @@
           </a:p>
         </p:txBody>
       </p:sp>
+      <p:sp>
+        <p:nvSpPr>
+          <p:cNvPr id="5" name="Titel 4"/>
+          <p:cNvSpPr>
+            <a:spLocks noGrp="1"/>
+          </p:cNvSpPr>
+          <p:nvPr>
+            <p:ph type="title"/>
+          </p:nvPr>
+        </p:nvSpPr>
+        <p:spPr/>
+        <p:txBody>
+          <a:bodyPr/>
+          <a:lstStyle/>
+          <a:p>
+            <a:r>
+              <a:rPr lang="de-DE" dirty="0" smtClean="0"/>
+              <a:t>Warum GPU?</a:t>
+            </a:r>
+            <a:endParaRPr lang="de-DE" dirty="0"/>
+          </a:p>
+        </p:txBody>
+      </p:sp>
     </p:spTree>
     <p:extLst>
       <p:ext uri="{BB962C8B-B14F-4D97-AF65-F5344CB8AC3E}">
-        <p14:creationId xmlns:p14="http://schemas.microsoft.com/office/powerpoint/2010/main" val="1885144604"/>
+        <p14:creationId xmlns:p14="http://schemas.microsoft.com/office/powerpoint/2010/main" val="3272700345"/>
       </p:ext>
     </p:extLst>
   </p:cSld>
@@ -14139,87 +15128,50 @@
           <a:lstStyle/>
           <a:p>
             <a:r>
+              <a:rPr lang="de-DE" dirty="0" smtClean="0"/>
+              <a:t>Entscheidung für </a:t>
+            </a:r>
+            <a:r>
               <a:rPr lang="de-DE" dirty="0" err="1" smtClean="0"/>
               <a:t>OpenCL</a:t>
             </a:r>
             <a:r>
               <a:rPr lang="de-DE" dirty="0" smtClean="0"/>
-              <a:t> </a:t>
+              <a:t> da plattformübergreifend</a:t>
+            </a:r>
+          </a:p>
+          <a:p>
+            <a:r>
+              <a:rPr lang="de-DE" dirty="0" smtClean="0"/>
+              <a:t>Offener Standard seit 2008</a:t>
+            </a:r>
+          </a:p>
+          <a:p>
+            <a:r>
+              <a:rPr lang="de-DE" dirty="0" smtClean="0"/>
+              <a:t>Wird von der </a:t>
             </a:r>
             <a:r>
               <a:rPr lang="de-DE" dirty="0" err="1" smtClean="0"/>
-              <a:t>Context</a:t>
-            </a:r>
-            <a:r>
-              <a:rPr lang="de-DE" dirty="0" smtClean="0"/>
-              <a:t> erstellen</a:t>
-            </a:r>
-            <a:br>
-              <a:rPr lang="de-DE" dirty="0" smtClean="0"/>
-            </a:br>
-            <a:r>
-              <a:rPr lang="de-DE" i="1" dirty="0" err="1" smtClean="0"/>
-              <a:t>clCreateContextFromType</a:t>
-            </a:r>
-            <a:endParaRPr lang="de-DE" i="1" dirty="0" smtClean="0"/>
-          </a:p>
-          <a:p>
-            <a:r>
-              <a:rPr lang="de-DE" dirty="0" smtClean="0"/>
-              <a:t>Devices (GPUs oder </a:t>
-            </a:r>
-            <a:r>
-              <a:rPr lang="de-DE" dirty="0" err="1" smtClean="0"/>
-              <a:t>evtl</a:t>
-            </a:r>
-            <a:r>
-              <a:rPr lang="de-DE" dirty="0" smtClean="0"/>
-              <a:t> CPUs) holen</a:t>
-            </a:r>
-            <a:br>
-              <a:rPr lang="de-DE" dirty="0" smtClean="0"/>
-            </a:br>
-            <a:r>
-              <a:rPr lang="de-DE" i="1" dirty="0" err="1" smtClean="0"/>
-              <a:t>clGetContextInfo</a:t>
-            </a:r>
-            <a:endParaRPr lang="de-DE" i="1" dirty="0" smtClean="0"/>
-          </a:p>
-          <a:p>
-            <a:r>
-              <a:rPr lang="de-DE" dirty="0" smtClean="0"/>
-              <a:t>Eine </a:t>
-            </a:r>
-            <a:r>
-              <a:rPr lang="de-DE" dirty="0" err="1" smtClean="0"/>
-              <a:t>CommandQueue</a:t>
-            </a:r>
-            <a:r>
-              <a:rPr lang="de-DE" dirty="0" smtClean="0"/>
-              <a:t> erstellen</a:t>
-            </a:r>
-            <a:br>
-              <a:rPr lang="de-DE" dirty="0" smtClean="0"/>
-            </a:br>
-            <a:r>
-              <a:rPr lang="de-DE" i="1" dirty="0" err="1" smtClean="0"/>
-              <a:t>clCreateCommandQueue</a:t>
-            </a:r>
-            <a:endParaRPr lang="de-DE" i="1" dirty="0" smtClean="0"/>
-          </a:p>
-          <a:p>
-            <a:r>
-              <a:rPr lang="de-DE" dirty="0" smtClean="0"/>
-              <a:t>Ein Programm laden</a:t>
-            </a:r>
-            <a:br>
-              <a:rPr lang="de-DE" dirty="0" smtClean="0"/>
-            </a:br>
-            <a:r>
-              <a:rPr lang="de-DE" i="1" dirty="0" err="1" smtClean="0"/>
-              <a:t>clCreateProgramWithSource</a:t>
-            </a:r>
-            <a:endParaRPr lang="de-DE" i="1" dirty="0" smtClean="0"/>
+              <a:t>Khronos</a:t>
+            </a:r>
+            <a:r>
+              <a:rPr lang="de-DE" dirty="0" smtClean="0"/>
+              <a:t>-Group gepflegt</a:t>
+            </a:r>
+          </a:p>
+          <a:p>
+            <a:r>
+              <a:rPr lang="de-DE" dirty="0" smtClean="0"/>
+              <a:t>Unterstützt AMD-Grafikkarten</a:t>
+            </a:r>
+          </a:p>
+          <a:p>
+            <a:r>
+              <a:rPr lang="de-DE" dirty="0" smtClean="0"/>
+              <a:t>Java-Binding mit JOCL vorhanden</a:t>
+            </a:r>
+            <a:endParaRPr lang="de-DE" dirty="0"/>
           </a:p>
         </p:txBody>
       </p:sp>
@@ -14235,22 +15187,12 @@
         </p:nvSpPr>
         <p:spPr/>
         <p:txBody>
-          <a:bodyPr>
-            <a:normAutofit fontScale="90000"/>
-          </a:bodyPr>
-          <a:lstStyle/>
-          <a:p>
-            <a:r>
-              <a:rPr lang="de-DE" dirty="0" smtClean="0"/>
-              <a:t>Aufbau </a:t>
-            </a:r>
+          <a:bodyPr/>
+          <a:lstStyle/>
+          <a:p>
             <a:r>
               <a:rPr lang="de-DE" dirty="0" err="1" smtClean="0"/>
               <a:t>OpenCL</a:t>
-            </a:r>
-            <a:r>
-              <a:rPr lang="de-DE" dirty="0" smtClean="0"/>
-              <a:t> Programm (1/3)</a:t>
             </a:r>
             <a:endParaRPr lang="de-DE" dirty="0"/>
           </a:p>
@@ -14306,7 +15248,7 @@
     </p:spTree>
     <p:extLst>
       <p:ext uri="{BB962C8B-B14F-4D97-AF65-F5344CB8AC3E}">
-        <p14:creationId xmlns:p14="http://schemas.microsoft.com/office/powerpoint/2010/main" val="3149190744"/>
+        <p14:creationId xmlns:p14="http://schemas.microsoft.com/office/powerpoint/2010/main" val="1885144604"/>
       </p:ext>
     </p:extLst>
   </p:cSld>
@@ -14356,23 +15298,60 @@
           <a:lstStyle/>
           <a:p>
             <a:r>
-              <a:rPr lang="de-DE" dirty="0" smtClean="0"/>
-              <a:t>Das Programm kompilieren und linken </a:t>
-            </a:r>
+              <a:rPr lang="de-DE" dirty="0" err="1" smtClean="0"/>
+              <a:t>OpenCL</a:t>
+            </a:r>
+            <a:r>
+              <a:rPr lang="de-DE" dirty="0" smtClean="0"/>
+              <a:t> </a:t>
+            </a:r>
+            <a:r>
+              <a:rPr lang="de-DE" dirty="0" err="1" smtClean="0"/>
+              <a:t>Context</a:t>
+            </a:r>
+            <a:r>
+              <a:rPr lang="de-DE" dirty="0" smtClean="0"/>
+              <a:t> erstellen</a:t>
+            </a:r>
+            <a:br>
+              <a:rPr lang="de-DE" dirty="0" smtClean="0"/>
+            </a:br>
             <a:r>
               <a:rPr lang="de-DE" i="1" dirty="0" err="1" smtClean="0"/>
-              <a:t>clBuildProgram</a:t>
+              <a:t>clCreateContextFromType</a:t>
             </a:r>
             <a:endParaRPr lang="de-DE" i="1" dirty="0" smtClean="0"/>
           </a:p>
           <a:p>
             <a:r>
               <a:rPr lang="de-DE" dirty="0" smtClean="0"/>
-              <a:t>Den </a:t>
+              <a:t>Devices (GPUs oder </a:t>
             </a:r>
             <a:r>
               <a:rPr lang="de-DE" dirty="0" err="1" smtClean="0"/>
-              <a:t>Programmkernel</a:t>
+              <a:t>evtl</a:t>
+            </a:r>
+            <a:r>
+              <a:rPr lang="de-DE" dirty="0" smtClean="0"/>
+              <a:t> CPUs) holen</a:t>
+            </a:r>
+            <a:br>
+              <a:rPr lang="de-DE" dirty="0" smtClean="0"/>
+            </a:br>
+            <a:r>
+              <a:rPr lang="de-DE" i="1" dirty="0" err="1" smtClean="0"/>
+              <a:t>clGetContextInfo</a:t>
+            </a:r>
+            <a:endParaRPr lang="de-DE" i="1" dirty="0" smtClean="0"/>
+          </a:p>
+          <a:p>
+            <a:r>
+              <a:rPr lang="de-DE" dirty="0" smtClean="0"/>
+              <a:t>Eine </a:t>
+            </a:r>
+            <a:r>
+              <a:rPr lang="de-DE" dirty="0" err="1" smtClean="0"/>
+              <a:t>CommandQueue</a:t>
             </a:r>
             <a:r>
               <a:rPr lang="de-DE" dirty="0" smtClean="0"/>
@@ -14383,49 +15362,23 @@
             </a:br>
             <a:r>
               <a:rPr lang="de-DE" i="1" dirty="0" err="1" smtClean="0"/>
-              <a:t>clCreateKernel</a:t>
+              <a:t>clCreateCommandQueue</a:t>
             </a:r>
             <a:endParaRPr lang="de-DE" i="1" dirty="0" smtClean="0"/>
           </a:p>
           <a:p>
             <a:r>
               <a:rPr lang="de-DE" dirty="0" smtClean="0"/>
-              <a:t>Programmdaten auf die GPU laden</a:t>
-            </a:r>
-          </a:p>
-          <a:p>
-            <a:pPr lvl="1"/>
-            <a:r>
-              <a:rPr lang="de-DE" dirty="0" err="1" smtClean="0"/>
-              <a:t>Buffer</a:t>
-            </a:r>
-            <a:r>
-              <a:rPr lang="de-DE" dirty="0" smtClean="0"/>
-              <a:t> auf GPU erstellen mit </a:t>
+              <a:t>Ein Programm laden</a:t>
             </a:r>
             <a:br>
               <a:rPr lang="de-DE" dirty="0" smtClean="0"/>
             </a:br>
             <a:r>
               <a:rPr lang="de-DE" i="1" dirty="0" err="1" smtClean="0"/>
-              <a:t>clCreateBuffer</a:t>
+              <a:t>clCreateProgramWithSource</a:t>
             </a:r>
             <a:endParaRPr lang="de-DE" i="1" dirty="0" smtClean="0"/>
-          </a:p>
-          <a:p>
-            <a:pPr lvl="1"/>
-            <a:r>
-              <a:rPr lang="de-DE" dirty="0" smtClean="0"/>
-              <a:t>Parameter für den Kernel setzen mit</a:t>
-            </a:r>
-            <a:br>
-              <a:rPr lang="de-DE" dirty="0" smtClean="0"/>
-            </a:br>
-            <a:r>
-              <a:rPr lang="de-DE" i="1" dirty="0" err="1"/>
-              <a:t>clSetKernelArg</a:t>
-            </a:r>
-            <a:endParaRPr lang="de-DE" dirty="0"/>
           </a:p>
         </p:txBody>
       </p:sp>
@@ -14456,7 +15409,7 @@
             </a:r>
             <a:r>
               <a:rPr lang="de-DE" dirty="0" smtClean="0"/>
-              <a:t> Programm (2/3)</a:t>
+              <a:t> Programm (1/3)</a:t>
             </a:r>
             <a:endParaRPr lang="de-DE" dirty="0"/>
           </a:p>
@@ -14512,7 +15465,7 @@
     </p:spTree>
     <p:extLst>
       <p:ext uri="{BB962C8B-B14F-4D97-AF65-F5344CB8AC3E}">
-        <p14:creationId xmlns:p14="http://schemas.microsoft.com/office/powerpoint/2010/main" val="2679847430"/>
+        <p14:creationId xmlns:p14="http://schemas.microsoft.com/office/powerpoint/2010/main" val="3149190744"/>
       </p:ext>
     </p:extLst>
   </p:cSld>
@@ -14562,85 +15515,76 @@
           <a:lstStyle/>
           <a:p>
             <a:r>
+              <a:rPr lang="de-DE" dirty="0" smtClean="0"/>
+              <a:t>Das Programm kompilieren und linken </a:t>
+            </a:r>
+            <a:r>
+              <a:rPr lang="de-DE" i="1" dirty="0" err="1" smtClean="0"/>
+              <a:t>clBuildProgram</a:t>
+            </a:r>
+            <a:endParaRPr lang="de-DE" i="1" dirty="0" smtClean="0"/>
+          </a:p>
+          <a:p>
+            <a:r>
+              <a:rPr lang="de-DE" dirty="0" smtClean="0"/>
+              <a:t>Den </a:t>
+            </a:r>
+            <a:r>
               <a:rPr lang="de-DE" dirty="0" err="1" smtClean="0"/>
-              <a:t>OpenCL</a:t>
-            </a:r>
-            <a:r>
-              <a:rPr lang="de-DE" dirty="0" smtClean="0"/>
-              <a:t> </a:t>
-            </a:r>
+              <a:t>Programmkernel</a:t>
+            </a:r>
+            <a:r>
+              <a:rPr lang="de-DE" dirty="0" smtClean="0"/>
+              <a:t> erstellen</a:t>
+            </a:r>
+            <a:br>
+              <a:rPr lang="de-DE" dirty="0" smtClean="0"/>
+            </a:br>
+            <a:r>
+              <a:rPr lang="de-DE" i="1" dirty="0" err="1" smtClean="0"/>
+              <a:t>clCreateKernel</a:t>
+            </a:r>
+            <a:endParaRPr lang="de-DE" i="1" dirty="0" smtClean="0"/>
+          </a:p>
+          <a:p>
+            <a:r>
+              <a:rPr lang="de-DE" dirty="0" smtClean="0"/>
+              <a:t>Programmdaten auf die GPU laden</a:t>
+            </a:r>
+          </a:p>
+          <a:p>
+            <a:pPr lvl="1"/>
             <a:r>
               <a:rPr lang="de-DE" dirty="0" err="1" smtClean="0"/>
-              <a:t>kernel</a:t>
-            </a:r>
-            <a:r>
-              <a:rPr lang="de-DE" dirty="0" smtClean="0"/>
-              <a:t> ausführen</a:t>
+              <a:t>Buffer</a:t>
+            </a:r>
+            <a:r>
+              <a:rPr lang="de-DE" dirty="0" smtClean="0"/>
+              <a:t> auf GPU erstellen mit </a:t>
             </a:r>
             <a:br>
               <a:rPr lang="de-DE" dirty="0" smtClean="0"/>
             </a:br>
             <a:r>
               <a:rPr lang="de-DE" i="1" dirty="0" err="1" smtClean="0"/>
-              <a:t>clEnqueueNDRangeKernel</a:t>
+              <a:t>clCreateBuffer</a:t>
             </a:r>
             <a:endParaRPr lang="de-DE" i="1" dirty="0" smtClean="0"/>
           </a:p>
           <a:p>
-            <a:r>
-              <a:rPr lang="de-DE" dirty="0" smtClean="0"/>
-              <a:t>Warten bis die Ausführung beendet ist</a:t>
+            <a:pPr lvl="1"/>
+            <a:r>
+              <a:rPr lang="de-DE" dirty="0" smtClean="0"/>
+              <a:t>Parameter für den Kernel setzen mit</a:t>
             </a:r>
             <a:br>
               <a:rPr lang="de-DE" dirty="0" smtClean="0"/>
             </a:br>
             <a:r>
-              <a:rPr lang="de-DE" i="1" dirty="0" err="1" smtClean="0"/>
-              <a:t>clFinish</a:t>
-            </a:r>
-            <a:endParaRPr lang="de-DE" i="1" dirty="0" smtClean="0"/>
-          </a:p>
-          <a:p>
-            <a:r>
-              <a:rPr lang="de-DE" dirty="0" smtClean="0"/>
-              <a:t>Lesen von Ausgabedaten</a:t>
-            </a:r>
-            <a:br>
-              <a:rPr lang="de-DE" dirty="0" smtClean="0"/>
-            </a:br>
-            <a:r>
-              <a:rPr lang="de-DE" i="1" dirty="0" err="1" smtClean="0"/>
-              <a:t>clEnqueueReadBuffer</a:t>
-            </a:r>
-            <a:endParaRPr lang="de-DE" i="1" dirty="0" smtClean="0"/>
-          </a:p>
-          <a:p>
-            <a:r>
-              <a:rPr lang="de-DE" dirty="0" smtClean="0"/>
-              <a:t>Gespeicherte Daten wieder löschen</a:t>
-            </a:r>
-            <a:br>
-              <a:rPr lang="de-DE" dirty="0" smtClean="0"/>
-            </a:br>
-            <a:r>
-              <a:rPr lang="de-DE" i="1" dirty="0" err="1" smtClean="0"/>
-              <a:t>clReleaseMemObject</a:t>
-            </a:r>
-            <a:endParaRPr lang="de-DE" i="1" dirty="0" smtClean="0"/>
-          </a:p>
-          <a:p>
-            <a:r>
-              <a:rPr lang="de-DE" dirty="0" smtClean="0"/>
-              <a:t>Kernel wieder freigeben</a:t>
-            </a:r>
-            <a:br>
-              <a:rPr lang="de-DE" dirty="0" smtClean="0"/>
-            </a:br>
-            <a:r>
               <a:rPr lang="de-DE" i="1" dirty="0" err="1"/>
-              <a:t>clReleaseKernel</a:t>
-            </a:r>
-            <a:endParaRPr lang="de-DE" dirty="0" smtClean="0"/>
+              <a:t>clSetKernelArg</a:t>
+            </a:r>
+            <a:endParaRPr lang="de-DE" dirty="0"/>
           </a:p>
         </p:txBody>
       </p:sp>
@@ -14671,7 +15615,7 @@
             </a:r>
             <a:r>
               <a:rPr lang="de-DE" dirty="0" smtClean="0"/>
-              <a:t> Programm (3/3)</a:t>
+              <a:t> Programm (2/3)</a:t>
             </a:r>
             <a:endParaRPr lang="de-DE" dirty="0"/>
           </a:p>
@@ -14727,7 +15671,7 @@
     </p:spTree>
     <p:extLst>
       <p:ext uri="{BB962C8B-B14F-4D97-AF65-F5344CB8AC3E}">
-        <p14:creationId xmlns:p14="http://schemas.microsoft.com/office/powerpoint/2010/main" val="8515451"/>
+        <p14:creationId xmlns:p14="http://schemas.microsoft.com/office/powerpoint/2010/main" val="2679847430"/>
       </p:ext>
     </p:extLst>
   </p:cSld>
@@ -14940,9 +15884,7 @@
         </p:nvSpPr>
         <p:spPr/>
         <p:txBody>
-          <a:bodyPr>
-            <a:normAutofit/>
-          </a:bodyPr>
+          <a:bodyPr/>
           <a:lstStyle/>
           <a:p>
             <a:r>
@@ -14951,229 +15893,111 @@
             </a:r>
             <a:r>
               <a:rPr lang="de-DE" dirty="0" smtClean="0"/>
-              <a:t> Sprache ist eine </a:t>
-            </a:r>
-            <a:r>
-              <a:rPr lang="de-DE" dirty="0"/>
-              <a:t>E</a:t>
-            </a:r>
-            <a:r>
-              <a:rPr lang="de-DE" dirty="0" smtClean="0"/>
-              <a:t>rweiterung des C-Standards</a:t>
-            </a:r>
-          </a:p>
-          <a:p>
-            <a:r>
-              <a:rPr lang="de-DE" dirty="0" smtClean="0"/>
-              <a:t>Beispiel zur Berechnung von Quadratzahlen auf der GPU</a:t>
-            </a:r>
-          </a:p>
-          <a:p>
-            <a:pPr marL="109728" indent="0">
-              <a:buNone/>
-            </a:pPr>
-            <a:r>
-              <a:rPr lang="de-DE" dirty="0" smtClean="0"/>
-              <a:t>__</a:t>
-            </a:r>
-            <a:r>
-              <a:rPr lang="de-DE" dirty="0" err="1"/>
+              <a:t> </a:t>
+            </a:r>
+            <a:r>
+              <a:rPr lang="de-DE" dirty="0" err="1" smtClean="0"/>
               <a:t>kernel</a:t>
             </a:r>
             <a:r>
-              <a:rPr lang="de-DE" dirty="0"/>
-              <a:t> </a:t>
-            </a:r>
-            <a:r>
-              <a:rPr lang="de-DE" dirty="0" err="1">
-                <a:solidFill>
-                  <a:srgbClr val="0070C0"/>
-                </a:solidFill>
-              </a:rPr>
-              <a:t>void</a:t>
-            </a:r>
-            <a:r>
-              <a:rPr lang="de-DE" dirty="0">
-                <a:solidFill>
-                  <a:srgbClr val="0070C0"/>
-                </a:solidFill>
-              </a:rPr>
-              <a:t> </a:t>
-            </a:r>
-            <a:r>
-              <a:rPr lang="de-DE" dirty="0" err="1"/>
-              <a:t>calc</a:t>
-            </a:r>
-            <a:r>
-              <a:rPr lang="de-DE" dirty="0"/>
-              <a:t>(__global </a:t>
-            </a:r>
-            <a:r>
-              <a:rPr lang="de-DE" dirty="0" err="1">
-                <a:solidFill>
-                  <a:srgbClr val="0070C0"/>
-                </a:solidFill>
-              </a:rPr>
-              <a:t>int</a:t>
-            </a:r>
-            <a:r>
-              <a:rPr lang="de-DE" dirty="0"/>
-              <a:t>* </a:t>
-            </a:r>
-            <a:r>
-              <a:rPr lang="de-DE" dirty="0" err="1"/>
-              <a:t>array</a:t>
-            </a:r>
-            <a:r>
-              <a:rPr lang="de-DE" dirty="0"/>
-              <a:t>,				   </a:t>
-            </a:r>
-            <a:r>
-              <a:rPr lang="de-DE" dirty="0" smtClean="0"/>
-              <a:t>         __</a:t>
-            </a:r>
-            <a:r>
-              <a:rPr lang="de-DE" dirty="0"/>
-              <a:t>global </a:t>
-            </a:r>
-            <a:r>
-              <a:rPr lang="de-DE" dirty="0" err="1">
-                <a:solidFill>
-                  <a:srgbClr val="0070C0"/>
-                </a:solidFill>
-              </a:rPr>
-              <a:t>int</a:t>
-            </a:r>
-            <a:r>
-              <a:rPr lang="de-DE" dirty="0"/>
-              <a:t>* </a:t>
-            </a:r>
-            <a:r>
-              <a:rPr lang="de-DE" dirty="0" err="1"/>
-              <a:t>result</a:t>
-            </a:r>
-            <a:r>
-              <a:rPr lang="de-DE" dirty="0"/>
-              <a:t>) </a:t>
-            </a:r>
-            <a:r>
-              <a:rPr lang="de-DE" dirty="0" smtClean="0"/>
-              <a:t>{</a:t>
+              <a:rPr lang="de-DE" dirty="0" smtClean="0"/>
+              <a:t> ausführen</a:t>
             </a:r>
             <a:br>
               <a:rPr lang="de-DE" dirty="0" smtClean="0"/>
             </a:br>
             <a:r>
-              <a:rPr lang="de-DE" dirty="0" smtClean="0"/>
-              <a:t>	</a:t>
-            </a:r>
-            <a:r>
-              <a:rPr lang="de-DE" dirty="0" err="1" smtClean="0">
-                <a:solidFill>
-                  <a:srgbClr val="0070C0"/>
-                </a:solidFill>
-              </a:rPr>
-              <a:t>int</a:t>
-            </a:r>
-            <a:r>
-              <a:rPr lang="de-DE" dirty="0" smtClean="0">
-                <a:solidFill>
-                  <a:srgbClr val="0070C0"/>
-                </a:solidFill>
-              </a:rPr>
-              <a:t> </a:t>
-            </a:r>
-            <a:r>
-              <a:rPr lang="de-DE" dirty="0" err="1"/>
-              <a:t>gid</a:t>
-            </a:r>
-            <a:r>
-              <a:rPr lang="de-DE" dirty="0"/>
-              <a:t> = </a:t>
-            </a:r>
-            <a:r>
-              <a:rPr lang="de-DE" dirty="0" err="1"/>
-              <a:t>get_global_id</a:t>
-            </a:r>
-            <a:r>
-              <a:rPr lang="de-DE" dirty="0"/>
-              <a:t>(</a:t>
-            </a:r>
-            <a:r>
-              <a:rPr lang="de-DE" dirty="0">
-                <a:solidFill>
-                  <a:srgbClr val="FFC000"/>
-                </a:solidFill>
-              </a:rPr>
-              <a:t>0</a:t>
-            </a:r>
-            <a:r>
-              <a:rPr lang="de-DE" dirty="0" smtClean="0"/>
-              <a:t>);</a:t>
+              <a:rPr lang="de-DE" i="1" dirty="0" err="1" smtClean="0"/>
+              <a:t>clEnqueueNDRangeKernel</a:t>
+            </a:r>
+            <a:endParaRPr lang="de-DE" i="1" dirty="0" smtClean="0"/>
+          </a:p>
+          <a:p>
+            <a:r>
+              <a:rPr lang="de-DE" dirty="0" smtClean="0"/>
+              <a:t>Warten bis die Ausführung beendet ist</a:t>
             </a:r>
             <a:br>
               <a:rPr lang="de-DE" dirty="0" smtClean="0"/>
             </a:br>
             <a:r>
-              <a:rPr lang="de-DE" dirty="0" smtClean="0"/>
-              <a:t>	</a:t>
+              <a:rPr lang="de-DE" i="1" dirty="0" err="1" smtClean="0"/>
+              <a:t>clFinish</a:t>
+            </a:r>
+            <a:endParaRPr lang="de-DE" i="1" dirty="0" smtClean="0"/>
+          </a:p>
+          <a:p>
+            <a:r>
+              <a:rPr lang="de-DE" dirty="0" smtClean="0"/>
+              <a:t>Lesen von Ausgabedaten</a:t>
+            </a:r>
+            <a:br>
+              <a:rPr lang="de-DE" dirty="0" smtClean="0"/>
+            </a:br>
+            <a:r>
+              <a:rPr lang="de-DE" i="1" dirty="0" err="1" smtClean="0"/>
+              <a:t>clEnqueueReadBuffer</a:t>
+            </a:r>
+            <a:endParaRPr lang="de-DE" i="1" dirty="0" smtClean="0"/>
+          </a:p>
+          <a:p>
+            <a:r>
+              <a:rPr lang="de-DE" dirty="0" smtClean="0"/>
+              <a:t>Gespeicherte Daten wieder löschen</a:t>
+            </a:r>
+            <a:br>
+              <a:rPr lang="de-DE" dirty="0" smtClean="0"/>
+            </a:br>
+            <a:r>
+              <a:rPr lang="de-DE" i="1" dirty="0" err="1" smtClean="0"/>
+              <a:t>clReleaseMemObject</a:t>
+            </a:r>
+            <a:endParaRPr lang="de-DE" i="1" dirty="0" smtClean="0"/>
+          </a:p>
+          <a:p>
+            <a:r>
+              <a:rPr lang="de-DE" dirty="0" smtClean="0"/>
+              <a:t>Kernel wieder freigeben</a:t>
+            </a:r>
+            <a:br>
+              <a:rPr lang="de-DE" dirty="0" smtClean="0"/>
+            </a:br>
+            <a:r>
+              <a:rPr lang="de-DE" i="1" dirty="0" err="1"/>
+              <a:t>clReleaseKernel</a:t>
+            </a:r>
+            <a:endParaRPr lang="de-DE" dirty="0" smtClean="0"/>
+          </a:p>
+        </p:txBody>
+      </p:sp>
+      <p:sp>
+        <p:nvSpPr>
+          <p:cNvPr id="3" name="Titel 2"/>
+          <p:cNvSpPr>
+            <a:spLocks noGrp="1"/>
+          </p:cNvSpPr>
+          <p:nvPr>
+            <p:ph type="title"/>
+          </p:nvPr>
+        </p:nvSpPr>
+        <p:spPr/>
+        <p:txBody>
+          <a:bodyPr>
+            <a:normAutofit fontScale="90000"/>
+          </a:bodyPr>
+          <a:lstStyle/>
+          <a:p>
+            <a:r>
+              <a:rPr lang="de-DE" dirty="0" smtClean="0"/>
+              <a:t>Aufbau </a:t>
             </a:r>
             <a:r>
               <a:rPr lang="de-DE" dirty="0" err="1" smtClean="0"/>
-              <a:t>result</a:t>
-            </a:r>
-            <a:r>
-              <a:rPr lang="de-DE" dirty="0" smtClean="0"/>
-              <a:t>[</a:t>
-            </a:r>
-            <a:r>
-              <a:rPr lang="de-DE" dirty="0" err="1" smtClean="0"/>
-              <a:t>gid</a:t>
-            </a:r>
-            <a:r>
-              <a:rPr lang="de-DE" dirty="0"/>
-              <a:t>] = </a:t>
-            </a:r>
-            <a:r>
-              <a:rPr lang="de-DE" dirty="0" err="1"/>
-              <a:t>array</a:t>
-            </a:r>
-            <a:r>
-              <a:rPr lang="de-DE" dirty="0"/>
-              <a:t>[</a:t>
-            </a:r>
-            <a:r>
-              <a:rPr lang="de-DE" dirty="0" err="1"/>
-              <a:t>gid</a:t>
-            </a:r>
-            <a:r>
-              <a:rPr lang="de-DE" dirty="0"/>
-              <a:t>] * </a:t>
-            </a:r>
-            <a:r>
-              <a:rPr lang="de-DE" dirty="0" err="1"/>
-              <a:t>array</a:t>
-            </a:r>
-            <a:r>
-              <a:rPr lang="de-DE" dirty="0"/>
-              <a:t>[</a:t>
-            </a:r>
-            <a:r>
-              <a:rPr lang="de-DE" dirty="0" err="1"/>
-              <a:t>gid</a:t>
-            </a:r>
-            <a:r>
-              <a:rPr lang="de-DE" dirty="0" smtClean="0"/>
-              <a:t>];</a:t>
-            </a:r>
-          </a:p>
-          <a:p>
-            <a:pPr marL="109728" indent="0">
-              <a:buNone/>
-            </a:pPr>
-            <a:r>
-              <a:rPr lang="de-DE" dirty="0" smtClean="0"/>
-              <a:t>}</a:t>
+              <a:t>OpenCL</a:t>
+            </a:r>
+            <a:r>
+              <a:rPr lang="de-DE" dirty="0" smtClean="0"/>
+              <a:t> Programm (3/3)</a:t>
             </a:r>
             <a:endParaRPr lang="de-DE" dirty="0"/>
           </a:p>
@@ -15181,7 +16005,7 @@
       </p:sp>
       <p:sp>
         <p:nvSpPr>
-          <p:cNvPr id="3" name="Datumsplatzhalter 2"/>
+          <p:cNvPr id="4" name="Datumsplatzhalter 3"/>
           <p:cNvSpPr>
             <a:spLocks noGrp="1"/>
           </p:cNvSpPr>
@@ -15204,7 +16028,7 @@
       </p:sp>
       <p:sp>
         <p:nvSpPr>
-          <p:cNvPr id="4" name="Foliennummernplatzhalter 3"/>
+          <p:cNvPr id="5" name="Foliennummernplatzhalter 4"/>
           <p:cNvSpPr>
             <a:spLocks noGrp="1"/>
           </p:cNvSpPr>
@@ -15226,41 +16050,10 @@
           </a:p>
         </p:txBody>
       </p:sp>
-      <p:sp>
-        <p:nvSpPr>
-          <p:cNvPr id="5" name="Titel 4"/>
-          <p:cNvSpPr>
-            <a:spLocks noGrp="1"/>
-          </p:cNvSpPr>
-          <p:nvPr>
-            <p:ph type="title"/>
-          </p:nvPr>
-        </p:nvSpPr>
-        <p:spPr/>
-        <p:txBody>
-          <a:bodyPr/>
-          <a:lstStyle/>
-          <a:p>
-            <a:r>
-              <a:rPr lang="de-DE" dirty="0" smtClean="0"/>
-              <a:t>Aufbau </a:t>
-            </a:r>
-            <a:r>
-              <a:rPr lang="de-DE" dirty="0" err="1" smtClean="0"/>
-              <a:t>OpenCL</a:t>
-            </a:r>
-            <a:r>
-              <a:rPr lang="de-DE" dirty="0" smtClean="0"/>
-              <a:t> Kernel</a:t>
-            </a:r>
-            <a:endParaRPr lang="de-DE" dirty="0"/>
-          </a:p>
-        </p:txBody>
-      </p:sp>
     </p:spTree>
     <p:extLst>
       <p:ext uri="{BB962C8B-B14F-4D97-AF65-F5344CB8AC3E}">
-        <p14:creationId xmlns:p14="http://schemas.microsoft.com/office/powerpoint/2010/main" val="3256973187"/>
+        <p14:creationId xmlns:p14="http://schemas.microsoft.com/office/powerpoint/2010/main" val="8515451"/>
       </p:ext>
     </p:extLst>
   </p:cSld>
@@ -15306,49 +16099,242 @@
         </p:nvSpPr>
         <p:spPr/>
         <p:txBody>
-          <a:bodyPr/>
-          <a:lstStyle/>
-          <a:p>
-            <a:r>
-              <a:rPr lang="de-DE" dirty="0" smtClean="0"/>
-              <a:t>Voraussetzung: Modell mit </a:t>
-            </a:r>
+          <a:bodyPr>
+            <a:normAutofit/>
+          </a:bodyPr>
+          <a:lstStyle/>
+          <a:p>
             <a:r>
               <a:rPr lang="de-DE" dirty="0" err="1" smtClean="0"/>
-              <a:t>CityDoctor</a:t>
-            </a:r>
-            <a:r>
-              <a:rPr lang="de-DE" dirty="0" smtClean="0"/>
-              <a:t> validiert bzw. korrigiert.</a:t>
-            </a:r>
-          </a:p>
-          <a:p>
-            <a:r>
-              <a:rPr lang="de-DE" dirty="0" smtClean="0"/>
-              <a:t>Ohne Validierung:</a:t>
-            </a:r>
-          </a:p>
-          <a:p>
-            <a:pPr lvl="1"/>
-            <a:r>
-              <a:rPr lang="de-DE" dirty="0" smtClean="0"/>
-              <a:t>Ergebnis der Volumenberechnung nicht korrekt.</a:t>
+              <a:t>OpenCL</a:t>
+            </a:r>
+            <a:r>
+              <a:rPr lang="de-DE" dirty="0" smtClean="0"/>
+              <a:t> Sprache ist eine </a:t>
+            </a:r>
+            <a:r>
+              <a:rPr lang="de-DE" dirty="0"/>
+              <a:t>E</a:t>
+            </a:r>
+            <a:r>
+              <a:rPr lang="de-DE" dirty="0" smtClean="0"/>
+              <a:t>rweiterung des C-Standards</a:t>
+            </a:r>
+          </a:p>
+          <a:p>
+            <a:r>
+              <a:rPr lang="de-DE" dirty="0" smtClean="0"/>
+              <a:t>Beispiel zur Berechnung von Quadratzahlen auf der GPU</a:t>
+            </a:r>
+          </a:p>
+          <a:p>
+            <a:pPr marL="109728" indent="0">
+              <a:buNone/>
+            </a:pPr>
+            <a:r>
+              <a:rPr lang="de-DE" dirty="0" smtClean="0"/>
+              <a:t>__</a:t>
+            </a:r>
+            <a:r>
+              <a:rPr lang="de-DE" dirty="0" err="1"/>
+              <a:t>kernel</a:t>
+            </a:r>
+            <a:r>
+              <a:rPr lang="de-DE" dirty="0"/>
+              <a:t> </a:t>
+            </a:r>
+            <a:r>
+              <a:rPr lang="de-DE" dirty="0" err="1">
+                <a:solidFill>
+                  <a:srgbClr val="0070C0"/>
+                </a:solidFill>
+              </a:rPr>
+              <a:t>void</a:t>
+            </a:r>
+            <a:r>
+              <a:rPr lang="de-DE" dirty="0">
+                <a:solidFill>
+                  <a:srgbClr val="0070C0"/>
+                </a:solidFill>
+              </a:rPr>
+              <a:t> </a:t>
+            </a:r>
+            <a:r>
+              <a:rPr lang="de-DE" dirty="0" err="1"/>
+              <a:t>calc</a:t>
+            </a:r>
+            <a:r>
+              <a:rPr lang="de-DE" dirty="0"/>
+              <a:t>(__global </a:t>
+            </a:r>
+            <a:r>
+              <a:rPr lang="de-DE" dirty="0" err="1">
+                <a:solidFill>
+                  <a:srgbClr val="0070C0"/>
+                </a:solidFill>
+              </a:rPr>
+              <a:t>int</a:t>
+            </a:r>
+            <a:r>
+              <a:rPr lang="de-DE" dirty="0"/>
+              <a:t>* </a:t>
+            </a:r>
+            <a:r>
+              <a:rPr lang="de-DE" dirty="0" err="1"/>
+              <a:t>array</a:t>
+            </a:r>
+            <a:r>
+              <a:rPr lang="de-DE" dirty="0"/>
+              <a:t>,				   </a:t>
+            </a:r>
+            <a:r>
+              <a:rPr lang="de-DE" dirty="0" smtClean="0"/>
+              <a:t>         __</a:t>
+            </a:r>
+            <a:r>
+              <a:rPr lang="de-DE" dirty="0"/>
+              <a:t>global </a:t>
+            </a:r>
+            <a:r>
+              <a:rPr lang="de-DE" dirty="0" err="1">
+                <a:solidFill>
+                  <a:srgbClr val="0070C0"/>
+                </a:solidFill>
+              </a:rPr>
+              <a:t>int</a:t>
+            </a:r>
+            <a:r>
+              <a:rPr lang="de-DE" dirty="0"/>
+              <a:t>* </a:t>
+            </a:r>
+            <a:r>
+              <a:rPr lang="de-DE" dirty="0" err="1"/>
+              <a:t>result</a:t>
+            </a:r>
+            <a:r>
+              <a:rPr lang="de-DE" dirty="0"/>
+              <a:t>) </a:t>
+            </a:r>
+            <a:r>
+              <a:rPr lang="de-DE" dirty="0" smtClean="0"/>
+              <a:t>{</a:t>
+            </a:r>
+            <a:br>
+              <a:rPr lang="de-DE" dirty="0" smtClean="0"/>
+            </a:br>
+            <a:r>
+              <a:rPr lang="de-DE" dirty="0" smtClean="0"/>
+              <a:t>	</a:t>
+            </a:r>
+            <a:r>
+              <a:rPr lang="de-DE" dirty="0" err="1" smtClean="0">
+                <a:solidFill>
+                  <a:srgbClr val="0070C0"/>
+                </a:solidFill>
+              </a:rPr>
+              <a:t>int</a:t>
+            </a:r>
+            <a:r>
+              <a:rPr lang="de-DE" dirty="0" smtClean="0">
+                <a:solidFill>
+                  <a:srgbClr val="0070C0"/>
+                </a:solidFill>
+              </a:rPr>
+              <a:t> </a:t>
+            </a:r>
+            <a:r>
+              <a:rPr lang="de-DE" dirty="0" err="1"/>
+              <a:t>gid</a:t>
+            </a:r>
+            <a:r>
+              <a:rPr lang="de-DE" dirty="0"/>
+              <a:t> = </a:t>
+            </a:r>
+            <a:r>
+              <a:rPr lang="de-DE" dirty="0" err="1"/>
+              <a:t>get_global_id</a:t>
+            </a:r>
+            <a:r>
+              <a:rPr lang="de-DE" dirty="0"/>
+              <a:t>(</a:t>
+            </a:r>
+            <a:r>
+              <a:rPr lang="de-DE" dirty="0">
+                <a:solidFill>
+                  <a:srgbClr val="FFC000"/>
+                </a:solidFill>
+              </a:rPr>
+              <a:t>0</a:t>
+            </a:r>
+            <a:r>
+              <a:rPr lang="de-DE" dirty="0" smtClean="0"/>
+              <a:t>);</a:t>
+            </a:r>
+            <a:br>
+              <a:rPr lang="de-DE" dirty="0" smtClean="0"/>
+            </a:br>
+            <a:r>
+              <a:rPr lang="de-DE" dirty="0" smtClean="0"/>
+              <a:t>	</a:t>
+            </a:r>
+            <a:r>
+              <a:rPr lang="de-DE" dirty="0" err="1" smtClean="0"/>
+              <a:t>result</a:t>
+            </a:r>
+            <a:r>
+              <a:rPr lang="de-DE" dirty="0" smtClean="0"/>
+              <a:t>[</a:t>
+            </a:r>
+            <a:r>
+              <a:rPr lang="de-DE" dirty="0" err="1" smtClean="0"/>
+              <a:t>gid</a:t>
+            </a:r>
+            <a:r>
+              <a:rPr lang="de-DE" dirty="0"/>
+              <a:t>] = </a:t>
+            </a:r>
+            <a:r>
+              <a:rPr lang="de-DE" dirty="0" err="1"/>
+              <a:t>array</a:t>
+            </a:r>
+            <a:r>
+              <a:rPr lang="de-DE" dirty="0"/>
+              <a:t>[</a:t>
+            </a:r>
+            <a:r>
+              <a:rPr lang="de-DE" dirty="0" err="1"/>
+              <a:t>gid</a:t>
+            </a:r>
+            <a:r>
+              <a:rPr lang="de-DE" dirty="0"/>
+              <a:t>] * </a:t>
+            </a:r>
+            <a:r>
+              <a:rPr lang="de-DE" dirty="0" err="1"/>
+              <a:t>array</a:t>
+            </a:r>
+            <a:r>
+              <a:rPr lang="de-DE" dirty="0"/>
+              <a:t>[</a:t>
+            </a:r>
+            <a:r>
+              <a:rPr lang="de-DE" dirty="0" err="1"/>
+              <a:t>gid</a:t>
+            </a:r>
+            <a:r>
+              <a:rPr lang="de-DE" dirty="0" smtClean="0"/>
+              <a:t>];</a:t>
+            </a:r>
+          </a:p>
+          <a:p>
+            <a:pPr marL="109728" indent="0">
+              <a:buNone/>
+            </a:pPr>
+            <a:r>
+              <a:rPr lang="de-DE" dirty="0" smtClean="0"/>
+              <a:t>}</a:t>
             </a:r>
             <a:endParaRPr lang="de-DE" dirty="0"/>
-          </a:p>
-          <a:p>
-            <a:pPr lvl="1"/>
-            <a:r>
-              <a:rPr lang="de-DE" dirty="0" smtClean="0"/>
-              <a:t>Schattenberechnung fehlerhaft.</a:t>
-            </a:r>
-          </a:p>
-          <a:p>
-            <a:pPr lvl="1"/>
-            <a:r>
-              <a:rPr lang="de-DE" dirty="0" smtClean="0"/>
-              <a:t>Fehlerhafte Darstellung im 3D-Viewer, da „Rückseiten“ der Dreiecke nicht angezeigt werden.</a:t>
-            </a:r>
           </a:p>
         </p:txBody>
       </p:sp>
@@ -15394,6 +16380,179 @@
               <a:rPr lang="de-DE" smtClean="0"/>
               <a:pPr/>
               <a:t>51</a:t>
+            </a:fld>
+            <a:endParaRPr lang="de-DE"/>
+          </a:p>
+        </p:txBody>
+      </p:sp>
+      <p:sp>
+        <p:nvSpPr>
+          <p:cNvPr id="5" name="Titel 4"/>
+          <p:cNvSpPr>
+            <a:spLocks noGrp="1"/>
+          </p:cNvSpPr>
+          <p:nvPr>
+            <p:ph type="title"/>
+          </p:nvPr>
+        </p:nvSpPr>
+        <p:spPr/>
+        <p:txBody>
+          <a:bodyPr/>
+          <a:lstStyle/>
+          <a:p>
+            <a:r>
+              <a:rPr lang="de-DE" dirty="0" smtClean="0"/>
+              <a:t>Aufbau </a:t>
+            </a:r>
+            <a:r>
+              <a:rPr lang="de-DE" dirty="0" err="1" smtClean="0"/>
+              <a:t>OpenCL</a:t>
+            </a:r>
+            <a:r>
+              <a:rPr lang="de-DE" dirty="0" smtClean="0"/>
+              <a:t> Kernel</a:t>
+            </a:r>
+            <a:endParaRPr lang="de-DE" dirty="0"/>
+          </a:p>
+        </p:txBody>
+      </p:sp>
+    </p:spTree>
+    <p:extLst>
+      <p:ext uri="{BB962C8B-B14F-4D97-AF65-F5344CB8AC3E}">
+        <p14:creationId xmlns:p14="http://schemas.microsoft.com/office/powerpoint/2010/main" val="3256973187"/>
+      </p:ext>
+    </p:extLst>
+  </p:cSld>
+  <p:clrMapOvr>
+    <a:masterClrMapping/>
+  </p:clrMapOvr>
+  <p:timing>
+    <p:tnLst>
+      <p:par>
+        <p:cTn id="1" dur="indefinite" restart="never" nodeType="tmRoot"/>
+      </p:par>
+    </p:tnLst>
+  </p:timing>
+</p:sld>
+</file>
+
+<file path=ppt/slides/slide52.xml><?xml version="1.0" encoding="utf-8"?>
+<p:sld xmlns:a="http://schemas.openxmlformats.org/drawingml/2006/main" xmlns:r="http://schemas.openxmlformats.org/officeDocument/2006/relationships" xmlns:p="http://schemas.openxmlformats.org/presentationml/2006/main">
+  <p:cSld>
+    <p:spTree>
+      <p:nvGrpSpPr>
+        <p:cNvPr id="1" name=""/>
+        <p:cNvGrpSpPr/>
+        <p:nvPr/>
+      </p:nvGrpSpPr>
+      <p:grpSpPr>
+        <a:xfrm>
+          <a:off x="0" y="0"/>
+          <a:ext cx="0" cy="0"/>
+          <a:chOff x="0" y="0"/>
+          <a:chExt cx="0" cy="0"/>
+        </a:xfrm>
+      </p:grpSpPr>
+      <p:sp>
+        <p:nvSpPr>
+          <p:cNvPr id="2" name="Inhaltsplatzhalter 1"/>
+          <p:cNvSpPr>
+            <a:spLocks noGrp="1"/>
+          </p:cNvSpPr>
+          <p:nvPr>
+            <p:ph idx="1"/>
+          </p:nvPr>
+        </p:nvSpPr>
+        <p:spPr/>
+        <p:txBody>
+          <a:bodyPr/>
+          <a:lstStyle/>
+          <a:p>
+            <a:r>
+              <a:rPr lang="de-DE" dirty="0" smtClean="0"/>
+              <a:t>Voraussetzung: Modell mit </a:t>
+            </a:r>
+            <a:r>
+              <a:rPr lang="de-DE" dirty="0" err="1" smtClean="0"/>
+              <a:t>CityDoctor</a:t>
+            </a:r>
+            <a:r>
+              <a:rPr lang="de-DE" dirty="0" smtClean="0"/>
+              <a:t> validiert bzw. korrigiert.</a:t>
+            </a:r>
+          </a:p>
+          <a:p>
+            <a:r>
+              <a:rPr lang="de-DE" dirty="0" smtClean="0"/>
+              <a:t>Ohne Validierung:</a:t>
+            </a:r>
+          </a:p>
+          <a:p>
+            <a:pPr lvl="1"/>
+            <a:r>
+              <a:rPr lang="de-DE" dirty="0" smtClean="0"/>
+              <a:t>Ergebnis der Volumenberechnung nicht korrekt.</a:t>
+            </a:r>
+            <a:endParaRPr lang="de-DE" dirty="0"/>
+          </a:p>
+          <a:p>
+            <a:pPr lvl="1"/>
+            <a:r>
+              <a:rPr lang="de-DE" dirty="0" smtClean="0"/>
+              <a:t>Schattenberechnung fehlerhaft.</a:t>
+            </a:r>
+          </a:p>
+          <a:p>
+            <a:pPr lvl="1"/>
+            <a:r>
+              <a:rPr lang="de-DE" dirty="0" smtClean="0"/>
+              <a:t>Fehlerhafte Darstellung im 3D-Viewer, da „Rückseiten“ der Dreiecke nicht angezeigt werden.</a:t>
+            </a:r>
+          </a:p>
+        </p:txBody>
+      </p:sp>
+      <p:sp>
+        <p:nvSpPr>
+          <p:cNvPr id="3" name="Datumsplatzhalter 2"/>
+          <p:cNvSpPr>
+            <a:spLocks noGrp="1"/>
+          </p:cNvSpPr>
+          <p:nvPr>
+            <p:ph type="dt" sz="half" idx="10"/>
+          </p:nvPr>
+        </p:nvSpPr>
+        <p:spPr/>
+        <p:txBody>
+          <a:bodyPr/>
+          <a:lstStyle/>
+          <a:p>
+            <a:r>
+              <a:rPr lang="de-DE" smtClean="0"/>
+              <a:t>23.06.2014</a:t>
+            </a:r>
+            <a:endParaRPr lang="de-DE"/>
+          </a:p>
+        </p:txBody>
+      </p:sp>
+      <p:sp>
+        <p:nvSpPr>
+          <p:cNvPr id="4" name="Foliennummernplatzhalter 3"/>
+          <p:cNvSpPr>
+            <a:spLocks noGrp="1"/>
+          </p:cNvSpPr>
+          <p:nvPr>
+            <p:ph type="sldNum" sz="quarter" idx="12"/>
+          </p:nvPr>
+        </p:nvSpPr>
+        <p:spPr/>
+        <p:txBody>
+          <a:bodyPr/>
+          <a:lstStyle/>
+          <a:p>
+            <a:fld id="{02075A8B-51D4-4999-A4F2-B3FAC6295E4D}" type="slidenum">
+              <a:rPr lang="de-DE" smtClean="0"/>
+              <a:pPr/>
+              <a:t>52</a:t>
             </a:fld>
             <a:endParaRPr lang="de-DE"/>
           </a:p>
@@ -15442,7 +16601,7 @@
 </p:sld>
 </file>
 
-<file path=ppt/slides/slide52.xml><?xml version="1.0" encoding="utf-8"?>
+<file path=ppt/slides/slide53.xml><?xml version="1.0" encoding="utf-8"?>
 <p:sld xmlns:a="http://schemas.openxmlformats.org/drawingml/2006/main" xmlns:r="http://schemas.openxmlformats.org/officeDocument/2006/relationships" xmlns:p="http://schemas.openxmlformats.org/presentationml/2006/main">
   <p:cSld>
     <p:spTree>
@@ -15652,7 +16811,7 @@
             <a:fld id="{02075A8B-51D4-4999-A4F2-B3FAC6295E4D}" type="slidenum">
               <a:rPr lang="de-DE" smtClean="0"/>
               <a:pPr/>
-              <a:t>52</a:t>
+              <a:t>53</a:t>
             </a:fld>
             <a:endParaRPr lang="de-DE"/>
           </a:p>
@@ -15678,7 +16837,7 @@
 </p:sld>
 </file>
 
-<file path=ppt/slides/slide53.xml><?xml version="1.0" encoding="utf-8"?>
+<file path=ppt/slides/slide54.xml><?xml version="1.0" encoding="utf-8"?>
 <p:sld xmlns:a="http://schemas.openxmlformats.org/drawingml/2006/main" xmlns:r="http://schemas.openxmlformats.org/officeDocument/2006/relationships" xmlns:p="http://schemas.openxmlformats.org/presentationml/2006/main">
   <p:cSld>
     <p:spTree>
@@ -15811,7 +16970,7 @@
             <a:fld id="{02075A8B-51D4-4999-A4F2-B3FAC6295E4D}" type="slidenum">
               <a:rPr lang="de-DE" smtClean="0"/>
               <a:pPr/>
-              <a:t>53</a:t>
+              <a:t>54</a:t>
             </a:fld>
             <a:endParaRPr lang="de-DE"/>
           </a:p>
@@ -15867,7 +17026,7 @@
 </p:sld>
 </file>
 
-<file path=ppt/slides/slide54.xml><?xml version="1.0" encoding="utf-8"?>
+<file path=ppt/slides/slide55.xml><?xml version="1.0" encoding="utf-8"?>
 <p:sld xmlns:a="http://schemas.openxmlformats.org/drawingml/2006/main" xmlns:r="http://schemas.openxmlformats.org/officeDocument/2006/relationships" xmlns:p="http://schemas.openxmlformats.org/presentationml/2006/main">
   <p:cSld>
     <p:spTree>
@@ -16001,7 +17160,7 @@
             <a:fld id="{02075A8B-51D4-4999-A4F2-B3FAC6295E4D}" type="slidenum">
               <a:rPr lang="de-DE" smtClean="0"/>
               <a:pPr/>
-              <a:t>54</a:t>
+              <a:t>55</a:t>
             </a:fld>
             <a:endParaRPr lang="de-DE"/>
           </a:p>
@@ -16027,7 +17186,7 @@
 </p:sld>
 </file>
 
-<file path=ppt/slides/slide55.xml><?xml version="1.0" encoding="utf-8"?>
+<file path=ppt/slides/slide56.xml><?xml version="1.0" encoding="utf-8"?>
 <p:sld xmlns:a="http://schemas.openxmlformats.org/drawingml/2006/main" xmlns:r="http://schemas.openxmlformats.org/officeDocument/2006/relationships" xmlns:p="http://schemas.openxmlformats.org/presentationml/2006/main">
   <p:cSld>
     <p:spTree>
@@ -16193,7 +17352,7 @@
             <a:fld id="{02075A8B-51D4-4999-A4F2-B3FAC6295E4D}" type="slidenum">
               <a:rPr lang="de-DE" smtClean="0"/>
               <a:pPr/>
-              <a:t>55</a:t>
+              <a:t>56</a:t>
             </a:fld>
             <a:endParaRPr lang="de-DE"/>
           </a:p>
@@ -16203,208 +17362,6 @@
     <p:extLst>
       <p:ext uri="{BB962C8B-B14F-4D97-AF65-F5344CB8AC3E}">
         <p14:creationId xmlns:p14="http://schemas.microsoft.com/office/powerpoint/2010/main" val="2097748742"/>
-      </p:ext>
-    </p:extLst>
-  </p:cSld>
-  <p:clrMapOvr>
-    <a:masterClrMapping/>
-  </p:clrMapOvr>
-  <p:timing>
-    <p:tnLst>
-      <p:par>
-        <p:cTn id="1" dur="indefinite" restart="never" nodeType="tmRoot"/>
-      </p:par>
-    </p:tnLst>
-  </p:timing>
-</p:sld>
-</file>
-
-<file path=ppt/slides/slide56.xml><?xml version="1.0" encoding="utf-8"?>
-<p:sld xmlns:a="http://schemas.openxmlformats.org/drawingml/2006/main" xmlns:r="http://schemas.openxmlformats.org/officeDocument/2006/relationships" xmlns:p="http://schemas.openxmlformats.org/presentationml/2006/main">
-  <p:cSld>
-    <p:spTree>
-      <p:nvGrpSpPr>
-        <p:cNvPr id="1" name=""/>
-        <p:cNvGrpSpPr/>
-        <p:nvPr/>
-      </p:nvGrpSpPr>
-      <p:grpSpPr>
-        <a:xfrm>
-          <a:off x="0" y="0"/>
-          <a:ext cx="0" cy="0"/>
-          <a:chOff x="0" y="0"/>
-          <a:chExt cx="0" cy="0"/>
-        </a:xfrm>
-      </p:grpSpPr>
-      <p:sp>
-        <p:nvSpPr>
-          <p:cNvPr id="2" name="Inhaltsplatzhalter 1"/>
-          <p:cNvSpPr>
-            <a:spLocks noGrp="1"/>
-          </p:cNvSpPr>
-          <p:nvPr>
-            <p:ph idx="1"/>
-          </p:nvPr>
-        </p:nvSpPr>
-        <p:spPr/>
-        <p:txBody>
-          <a:bodyPr/>
-          <a:lstStyle/>
-          <a:p>
-            <a:r>
-              <a:rPr lang="de-DE" dirty="0" smtClean="0"/>
-              <a:t>Zeitunabhängige Berechnung</a:t>
-            </a:r>
-          </a:p>
-          <a:p>
-            <a:r>
-              <a:rPr lang="de-DE" dirty="0"/>
-              <a:t>Schatten wird pro </a:t>
-            </a:r>
-            <a:r>
-              <a:rPr lang="de-DE" dirty="0" err="1"/>
-              <a:t>Skypatch</a:t>
-            </a:r>
-            <a:r>
-              <a:rPr lang="de-DE" dirty="0"/>
-              <a:t> </a:t>
-            </a:r>
-            <a:r>
-              <a:rPr lang="de-DE" dirty="0" smtClean="0"/>
-              <a:t>berechnet</a:t>
-            </a:r>
-          </a:p>
-          <a:p>
-            <a:r>
-              <a:rPr lang="de-DE" dirty="0" smtClean="0"/>
-              <a:t>Pro </a:t>
-            </a:r>
-            <a:r>
-              <a:rPr lang="de-DE" dirty="0" err="1" smtClean="0"/>
-              <a:t>Skypatch</a:t>
-            </a:r>
-            <a:r>
-              <a:rPr lang="de-DE" dirty="0" smtClean="0"/>
-              <a:t> und Dreieck ein </a:t>
-            </a:r>
-            <a:r>
-              <a:rPr lang="de-DE" dirty="0" err="1" smtClean="0"/>
-              <a:t>boolean</a:t>
-            </a:r>
-            <a:r>
-              <a:rPr lang="de-DE" dirty="0" smtClean="0"/>
-              <a:t> Wert</a:t>
-            </a:r>
-          </a:p>
-          <a:p>
-            <a:r>
-              <a:rPr lang="de-DE" dirty="0"/>
-              <a:t>Sonnenstand wird </a:t>
-            </a:r>
-            <a:r>
-              <a:rPr lang="de-DE" dirty="0" err="1"/>
-              <a:t>Skypatch</a:t>
-            </a:r>
-            <a:r>
-              <a:rPr lang="de-DE" dirty="0"/>
-              <a:t> zugeordnet</a:t>
-            </a:r>
-          </a:p>
-          <a:p>
-            <a:r>
-              <a:rPr lang="de-DE" dirty="0" smtClean="0"/>
-              <a:t>Schatten wird von </a:t>
-            </a:r>
-            <a:r>
-              <a:rPr lang="de-DE" dirty="0" err="1" smtClean="0"/>
-              <a:t>Skypatch</a:t>
-            </a:r>
-            <a:r>
-              <a:rPr lang="de-DE" dirty="0" smtClean="0"/>
-              <a:t> genommen</a:t>
-            </a:r>
-            <a:endParaRPr lang="de-DE" dirty="0"/>
-          </a:p>
-        </p:txBody>
-      </p:sp>
-      <p:sp>
-        <p:nvSpPr>
-          <p:cNvPr id="3" name="Titel 2"/>
-          <p:cNvSpPr>
-            <a:spLocks noGrp="1"/>
-          </p:cNvSpPr>
-          <p:nvPr>
-            <p:ph type="title"/>
-          </p:nvPr>
-        </p:nvSpPr>
-        <p:spPr/>
-        <p:txBody>
-          <a:bodyPr/>
-          <a:lstStyle/>
-          <a:p>
-            <a:r>
-              <a:rPr lang="de-DE" dirty="0" err="1" smtClean="0"/>
-              <a:t>Skymodel</a:t>
-            </a:r>
-            <a:r>
-              <a:rPr lang="de-DE" dirty="0" smtClean="0"/>
-              <a:t> (2/2)</a:t>
-            </a:r>
-            <a:endParaRPr lang="de-DE" dirty="0"/>
-          </a:p>
-        </p:txBody>
-      </p:sp>
-      <p:sp>
-        <p:nvSpPr>
-          <p:cNvPr id="4" name="Datumsplatzhalter 3"/>
-          <p:cNvSpPr>
-            <a:spLocks noGrp="1"/>
-          </p:cNvSpPr>
-          <p:nvPr>
-            <p:ph type="dt" sz="half" idx="10"/>
-          </p:nvPr>
-        </p:nvSpPr>
-        <p:spPr/>
-        <p:txBody>
-          <a:bodyPr/>
-          <a:lstStyle/>
-          <a:p>
-            <a:r>
-              <a:rPr lang="de-DE" smtClean="0"/>
-              <a:t>23.06.2014</a:t>
-            </a:r>
-            <a:endParaRPr lang="de-DE"/>
-          </a:p>
-        </p:txBody>
-      </p:sp>
-      <p:sp>
-        <p:nvSpPr>
-          <p:cNvPr id="5" name="Foliennummernplatzhalter 4"/>
-          <p:cNvSpPr>
-            <a:spLocks noGrp="1"/>
-          </p:cNvSpPr>
-          <p:nvPr>
-            <p:ph type="sldNum" sz="quarter" idx="12"/>
-          </p:nvPr>
-        </p:nvSpPr>
-        <p:spPr/>
-        <p:txBody>
-          <a:bodyPr/>
-          <a:lstStyle/>
-          <a:p>
-            <a:fld id="{02075A8B-51D4-4999-A4F2-B3FAC6295E4D}" type="slidenum">
-              <a:rPr lang="de-DE" smtClean="0"/>
-              <a:pPr/>
-              <a:t>56</a:t>
-            </a:fld>
-            <a:endParaRPr lang="de-DE"/>
-          </a:p>
-        </p:txBody>
-      </p:sp>
-    </p:spTree>
-    <p:extLst>
-      <p:ext uri="{BB962C8B-B14F-4D97-AF65-F5344CB8AC3E}">
-        <p14:creationId xmlns:p14="http://schemas.microsoft.com/office/powerpoint/2010/main" val="409179092"/>
       </p:ext>
     </p:extLst>
   </p:cSld>
@@ -16455,53 +17412,75 @@
           <a:p>
             <a:r>
               <a:rPr lang="de-DE" dirty="0" smtClean="0"/>
-              <a:t>Für jedes Dreieck und </a:t>
+              <a:t>Zeitunabhängige Berechnung</a:t>
+            </a:r>
+          </a:p>
+          <a:p>
+            <a:r>
+              <a:rPr lang="de-DE" dirty="0"/>
+              <a:t>Schatten wird pro </a:t>
+            </a:r>
+            <a:r>
+              <a:rPr lang="de-DE" dirty="0" err="1"/>
+              <a:t>Skypatch</a:t>
+            </a:r>
+            <a:r>
+              <a:rPr lang="de-DE" dirty="0"/>
+              <a:t> </a:t>
+            </a:r>
+            <a:r>
+              <a:rPr lang="de-DE" dirty="0" smtClean="0"/>
+              <a:t>berechnet</a:t>
+            </a:r>
+          </a:p>
+          <a:p>
+            <a:r>
+              <a:rPr lang="de-DE" dirty="0" smtClean="0"/>
+              <a:t>Pro </a:t>
             </a:r>
             <a:r>
               <a:rPr lang="de-DE" dirty="0" err="1" smtClean="0"/>
               <a:t>Skypatch</a:t>
             </a:r>
-            <a:endParaRPr lang="de-DE" dirty="0" smtClean="0"/>
-          </a:p>
-          <a:p>
-            <a:pPr lvl="1"/>
-            <a:r>
-              <a:rPr lang="de-DE" dirty="0" smtClean="0"/>
-              <a:t>Bilde Gerade von Mittelpunkt von Dreieck zu Mittelpunkt </a:t>
+            <a:r>
+              <a:rPr lang="de-DE" dirty="0" smtClean="0"/>
+              <a:t> und Dreieck ein </a:t>
+            </a:r>
+            <a:r>
+              <a:rPr lang="de-DE" dirty="0" err="1" smtClean="0"/>
+              <a:t>boolean</a:t>
+            </a:r>
+            <a:r>
+              <a:rPr lang="de-DE" dirty="0" smtClean="0"/>
+              <a:t> Wert</a:t>
+            </a:r>
+          </a:p>
+          <a:p>
+            <a:r>
+              <a:rPr lang="de-DE" dirty="0"/>
+              <a:t>Sonnenstand wird </a:t>
+            </a:r>
+            <a:r>
+              <a:rPr lang="de-DE" dirty="0" err="1"/>
+              <a:t>Skypatch</a:t>
+            </a:r>
+            <a:r>
+              <a:rPr lang="de-DE" dirty="0"/>
+              <a:t> zugeordnet</a:t>
+            </a:r>
+          </a:p>
+          <a:p>
+            <a:r>
+              <a:rPr lang="de-DE" dirty="0" smtClean="0"/>
+              <a:t>Schatten wird von </a:t>
             </a:r>
             <a:r>
               <a:rPr lang="de-DE" dirty="0" err="1" smtClean="0"/>
               <a:t>Skypatch</a:t>
             </a:r>
-            <a:endParaRPr lang="de-DE" dirty="0" smtClean="0"/>
-          </a:p>
-          <a:p>
-            <a:pPr lvl="1"/>
-            <a:r>
-              <a:rPr lang="de-DE" dirty="0" smtClean="0"/>
-              <a:t>Prüfe ob Gerade andere Dreiecke</a:t>
-            </a:r>
-            <a:r>
-              <a:rPr lang="de-DE" dirty="0"/>
-              <a:t> </a:t>
-            </a:r>
-            <a:r>
-              <a:rPr lang="de-DE" dirty="0" smtClean="0"/>
-              <a:t>schneidet</a:t>
-            </a:r>
-          </a:p>
-          <a:p>
-            <a:pPr lvl="1"/>
-            <a:r>
-              <a:rPr lang="de-DE" dirty="0" smtClean="0"/>
-              <a:t>Falls Gerade nichts schneidet oder Dreieck hinter dem zu prüfenden Dreieck: kein Schatten</a:t>
-            </a:r>
-          </a:p>
-          <a:p>
-            <a:pPr lvl="1"/>
-            <a:r>
-              <a:rPr lang="de-DE" dirty="0" smtClean="0"/>
-              <a:t>Falls Gerade schneidet und Dreieck vor dem zu prüfenden Dreieck: Schatten</a:t>
+            <a:r>
+              <a:rPr lang="de-DE" dirty="0" smtClean="0"/>
+              <a:t> genommen</a:t>
             </a:r>
             <a:endParaRPr lang="de-DE" dirty="0"/>
           </a:p>
@@ -16523,12 +17502,12 @@
           <a:lstStyle/>
           <a:p>
             <a:r>
-              <a:rPr lang="de-DE" dirty="0" smtClean="0"/>
-              <a:t>Berechnung: </a:t>
-            </a:r>
-            <a:r>
               <a:rPr lang="de-DE" dirty="0" err="1" smtClean="0"/>
-              <a:t>Raytracing</a:t>
+              <a:t>Skymodel</a:t>
+            </a:r>
+            <a:r>
+              <a:rPr lang="de-DE" dirty="0" smtClean="0"/>
+              <a:t> (2/2)</a:t>
             </a:r>
             <a:endParaRPr lang="de-DE" dirty="0"/>
           </a:p>
@@ -16584,7 +17563,7 @@
     </p:spTree>
     <p:extLst>
       <p:ext uri="{BB962C8B-B14F-4D97-AF65-F5344CB8AC3E}">
-        <p14:creationId xmlns:p14="http://schemas.microsoft.com/office/powerpoint/2010/main" val="2853518205"/>
+        <p14:creationId xmlns:p14="http://schemas.microsoft.com/office/powerpoint/2010/main" val="409179092"/>
       </p:ext>
     </p:extLst>
   </p:cSld>
@@ -16635,53 +17614,80 @@
           <a:p>
             <a:r>
               <a:rPr lang="de-DE" dirty="0" smtClean="0"/>
-              <a:t>Lange Rechenzeit</a:t>
-            </a:r>
-          </a:p>
-          <a:p>
+              <a:t>Für jedes Dreieck und </a:t>
+            </a:r>
             <a:r>
               <a:rPr lang="de-DE" dirty="0" err="1" smtClean="0"/>
-              <a:t>Watchdog</a:t>
-            </a:r>
-            <a:r>
-              <a:rPr lang="de-DE" dirty="0" smtClean="0"/>
+              <a:t>Skypatch</a:t>
+            </a:r>
+            <a:endParaRPr lang="de-DE" dirty="0" smtClean="0"/>
+          </a:p>
+          <a:p>
+            <a:pPr lvl="1"/>
+            <a:r>
+              <a:rPr lang="de-DE" dirty="0" smtClean="0"/>
+              <a:t>Bilde Gerade von Mittelpunkt von Dreieck zu Mittelpunkt </a:t>
+            </a:r>
+            <a:r>
+              <a:rPr lang="de-DE" dirty="0" err="1" smtClean="0"/>
+              <a:t>Skypatch</a:t>
+            </a:r>
+            <a:endParaRPr lang="de-DE" dirty="0" smtClean="0"/>
+          </a:p>
+          <a:p>
+            <a:pPr lvl="1"/>
+            <a:r>
+              <a:rPr lang="de-DE" dirty="0" smtClean="0"/>
+              <a:t>Prüfe ob Gerade andere Dreiecke</a:t>
+            </a:r>
+            <a:r>
+              <a:rPr lang="de-DE" dirty="0"/>
               <a:t> </a:t>
             </a:r>
             <a:r>
+              <a:rPr lang="de-DE" dirty="0" smtClean="0"/>
+              <a:t>schneidet</a:t>
+            </a:r>
+          </a:p>
+          <a:p>
+            <a:pPr lvl="1"/>
+            <a:r>
+              <a:rPr lang="de-DE" dirty="0" smtClean="0"/>
+              <a:t>Falls Gerade nichts schneidet oder Dreieck hinter dem zu prüfenden Dreieck: kein Schatten</a:t>
+            </a:r>
+          </a:p>
+          <a:p>
+            <a:pPr lvl="1"/>
+            <a:r>
+              <a:rPr lang="de-DE" dirty="0" smtClean="0"/>
+              <a:t>Falls Gerade schneidet und Dreieck vor dem zu prüfenden Dreieck: Schatten</a:t>
+            </a:r>
+            <a:endParaRPr lang="de-DE" dirty="0"/>
+          </a:p>
+        </p:txBody>
+      </p:sp>
+      <p:sp>
+        <p:nvSpPr>
+          <p:cNvPr id="3" name="Titel 2"/>
+          <p:cNvSpPr>
+            <a:spLocks noGrp="1"/>
+          </p:cNvSpPr>
+          <p:nvPr>
+            <p:ph type="title"/>
+          </p:nvPr>
+        </p:nvSpPr>
+        <p:spPr/>
+        <p:txBody>
+          <a:bodyPr/>
+          <a:lstStyle/>
+          <a:p>
+            <a:r>
+              <a:rPr lang="de-DE" dirty="0" smtClean="0"/>
+              <a:t>Berechnung: </a:t>
+            </a:r>
+            <a:r>
               <a:rPr lang="de-DE" dirty="0" err="1" smtClean="0"/>
-              <a:t>Timer</a:t>
-            </a:r>
-            <a:r>
-              <a:rPr lang="de-DE" dirty="0" smtClean="0"/>
-              <a:t> der GPU schlägt zu</a:t>
-            </a:r>
-          </a:p>
-          <a:p>
-            <a:r>
-              <a:rPr lang="de-DE" dirty="0" smtClean="0"/>
-              <a:t>Dreiecke können groß sein dadurch sehr ungenau</a:t>
-            </a:r>
-          </a:p>
-        </p:txBody>
-      </p:sp>
-      <p:sp>
-        <p:nvSpPr>
-          <p:cNvPr id="3" name="Titel 2"/>
-          <p:cNvSpPr>
-            <a:spLocks noGrp="1"/>
-          </p:cNvSpPr>
-          <p:nvPr>
-            <p:ph type="title"/>
-          </p:nvPr>
-        </p:nvSpPr>
-        <p:spPr/>
-        <p:txBody>
-          <a:bodyPr/>
-          <a:lstStyle/>
-          <a:p>
-            <a:r>
-              <a:rPr lang="de-DE" dirty="0" smtClean="0"/>
-              <a:t>Berechnung: Probleme</a:t>
+              <a:t>Raytracing</a:t>
             </a:r>
             <a:endParaRPr lang="de-DE" dirty="0"/>
           </a:p>
@@ -16737,7 +17743,7 @@
     </p:spTree>
     <p:extLst>
       <p:ext uri="{BB962C8B-B14F-4D97-AF65-F5344CB8AC3E}">
-        <p14:creationId xmlns:p14="http://schemas.microsoft.com/office/powerpoint/2010/main" val="21049820"/>
+        <p14:creationId xmlns:p14="http://schemas.microsoft.com/office/powerpoint/2010/main" val="2853518205"/>
       </p:ext>
     </p:extLst>
   </p:cSld>
@@ -16788,13 +17794,31 @@
           <a:p>
             <a:r>
               <a:rPr lang="de-DE" dirty="0" smtClean="0"/>
-              <a:t>Teile Dreiecke auf in kleinere Dreiecke</a:t>
-            </a:r>
-          </a:p>
-          <a:p>
-            <a:r>
-              <a:rPr lang="de-DE" dirty="0" smtClean="0"/>
-              <a:t>Falls Fläche von Dreieck größer als z.B. 1m² teile längste Seite in der Mitte und bilde zwei Dreiecke</a:t>
+              <a:t>Lange Rechenzeit</a:t>
+            </a:r>
+          </a:p>
+          <a:p>
+            <a:r>
+              <a:rPr lang="de-DE" dirty="0" err="1" smtClean="0"/>
+              <a:t>Watchdog</a:t>
+            </a:r>
+            <a:r>
+              <a:rPr lang="de-DE" dirty="0" smtClean="0"/>
+              <a:t> </a:t>
+            </a:r>
+            <a:r>
+              <a:rPr lang="de-DE" dirty="0" err="1" smtClean="0"/>
+              <a:t>Timer</a:t>
+            </a:r>
+            <a:r>
+              <a:rPr lang="de-DE" dirty="0" smtClean="0"/>
+              <a:t> der GPU schlägt zu</a:t>
+            </a:r>
+          </a:p>
+          <a:p>
+            <a:r>
+              <a:rPr lang="de-DE" dirty="0" smtClean="0"/>
+              <a:t>Dreiecke können groß sein dadurch sehr ungenau</a:t>
             </a:r>
           </a:p>
         </p:txBody>
@@ -16816,45 +17840,15 @@
           <a:p>
             <a:r>
               <a:rPr lang="de-DE" dirty="0" smtClean="0"/>
-              <a:t>Berechnung: Lösung (1/2)</a:t>
+              <a:t>Berechnung: Probleme</a:t>
             </a:r>
             <a:endParaRPr lang="de-DE" dirty="0"/>
           </a:p>
         </p:txBody>
       </p:sp>
-      <p:pic>
-        <p:nvPicPr>
-          <p:cNvPr id="4" name="Grafik 3"/>
-          <p:cNvPicPr>
-            <a:picLocks noChangeAspect="1"/>
-          </p:cNvPicPr>
-          <p:nvPr/>
-        </p:nvPicPr>
-        <p:blipFill>
-          <a:blip r:embed="rId2" cstate="print">
-            <a:extLst>
-              <a:ext uri="{28A0092B-C50C-407E-A947-70E740481C1C}">
-                <a14:useLocalDpi xmlns:a14="http://schemas.microsoft.com/office/drawing/2010/main" val="0"/>
-              </a:ext>
-            </a:extLst>
-          </a:blip>
-          <a:stretch>
-            <a:fillRect/>
-          </a:stretch>
-        </p:blipFill>
-        <p:spPr>
-          <a:xfrm>
-            <a:off x="2339752" y="3212976"/>
-            <a:ext cx="4001059" cy="2057687"/>
-          </a:xfrm>
-          <a:prstGeom prst="rect">
-            <a:avLst/>
-          </a:prstGeom>
-        </p:spPr>
-      </p:pic>
-      <p:sp>
-        <p:nvSpPr>
-          <p:cNvPr id="5" name="Datumsplatzhalter 4"/>
+      <p:sp>
+        <p:nvSpPr>
+          <p:cNvPr id="4" name="Datumsplatzhalter 3"/>
           <p:cNvSpPr>
             <a:spLocks noGrp="1"/>
           </p:cNvSpPr>
@@ -16877,7 +17871,7 @@
       </p:sp>
       <p:sp>
         <p:nvSpPr>
-          <p:cNvPr id="6" name="Foliennummernplatzhalter 5"/>
+          <p:cNvPr id="5" name="Foliennummernplatzhalter 4"/>
           <p:cNvSpPr>
             <a:spLocks noGrp="1"/>
           </p:cNvSpPr>
@@ -16902,7 +17896,7 @@
     </p:spTree>
     <p:extLst>
       <p:ext uri="{BB962C8B-B14F-4D97-AF65-F5344CB8AC3E}">
-        <p14:creationId xmlns:p14="http://schemas.microsoft.com/office/powerpoint/2010/main" val="3148905547"/>
+        <p14:creationId xmlns:p14="http://schemas.microsoft.com/office/powerpoint/2010/main" val="21049820"/>
       </p:ext>
     </p:extLst>
   </p:cSld>
@@ -17149,50 +18143,73 @@
           <a:p>
             <a:r>
               <a:rPr lang="de-DE" dirty="0" smtClean="0"/>
-              <a:t>Berechne für jedes Gebäude eine Umgebung von Gebäuden</a:t>
-            </a:r>
-          </a:p>
-          <a:p>
-            <a:r>
-              <a:rPr lang="de-DE" dirty="0" smtClean="0"/>
-              <a:t>Alle Gebäude, die weiter entfernt sind als z.B. 80m werden nicht berücksichtigt</a:t>
-            </a:r>
-          </a:p>
-          <a:p>
-            <a:r>
-              <a:rPr lang="de-DE" dirty="0" smtClean="0"/>
-              <a:t>Berechne den Schatten in Paketen</a:t>
+              <a:t>Teile Dreiecke auf in kleinere Dreiecke</a:t>
+            </a:r>
+          </a:p>
+          <a:p>
+            <a:r>
+              <a:rPr lang="de-DE" dirty="0" smtClean="0"/>
+              <a:t>Falls Fläche von Dreieck größer als z.B. 1m² teile längste Seite in der Mitte und bilde zwei Dreiecke</a:t>
+            </a:r>
+          </a:p>
+        </p:txBody>
+      </p:sp>
+      <p:sp>
+        <p:nvSpPr>
+          <p:cNvPr id="3" name="Titel 2"/>
+          <p:cNvSpPr>
+            <a:spLocks noGrp="1"/>
+          </p:cNvSpPr>
+          <p:nvPr>
+            <p:ph type="title"/>
+          </p:nvPr>
+        </p:nvSpPr>
+        <p:spPr/>
+        <p:txBody>
+          <a:bodyPr/>
+          <a:lstStyle/>
+          <a:p>
+            <a:r>
+              <a:rPr lang="de-DE" dirty="0" smtClean="0"/>
+              <a:t>Berechnung: Lösung (1/2)</a:t>
             </a:r>
             <a:endParaRPr lang="de-DE" dirty="0"/>
           </a:p>
         </p:txBody>
       </p:sp>
-      <p:sp>
-        <p:nvSpPr>
-          <p:cNvPr id="3" name="Titel 2"/>
-          <p:cNvSpPr>
-            <a:spLocks noGrp="1"/>
-          </p:cNvSpPr>
-          <p:nvPr>
-            <p:ph type="title"/>
-          </p:nvPr>
-        </p:nvSpPr>
-        <p:spPr/>
-        <p:txBody>
-          <a:bodyPr/>
-          <a:lstStyle/>
-          <a:p>
-            <a:r>
-              <a:rPr lang="de-DE" dirty="0" smtClean="0"/>
-              <a:t>Berechnung: Lösung (2/2)</a:t>
-            </a:r>
-            <a:endParaRPr lang="de-DE" dirty="0"/>
-          </a:p>
-        </p:txBody>
-      </p:sp>
-      <p:sp>
-        <p:nvSpPr>
-          <p:cNvPr id="4" name="Datumsplatzhalter 3"/>
+      <p:pic>
+        <p:nvPicPr>
+          <p:cNvPr id="4" name="Grafik 3"/>
+          <p:cNvPicPr>
+            <a:picLocks noChangeAspect="1"/>
+          </p:cNvPicPr>
+          <p:nvPr/>
+        </p:nvPicPr>
+        <p:blipFill>
+          <a:blip r:embed="rId2" cstate="print">
+            <a:extLst>
+              <a:ext uri="{28A0092B-C50C-407E-A947-70E740481C1C}">
+                <a14:useLocalDpi xmlns:a14="http://schemas.microsoft.com/office/drawing/2010/main" val="0"/>
+              </a:ext>
+            </a:extLst>
+          </a:blip>
+          <a:stretch>
+            <a:fillRect/>
+          </a:stretch>
+        </p:blipFill>
+        <p:spPr>
+          <a:xfrm>
+            <a:off x="2339752" y="3212976"/>
+            <a:ext cx="4001059" cy="2057687"/>
+          </a:xfrm>
+          <a:prstGeom prst="rect">
+            <a:avLst/>
+          </a:prstGeom>
+        </p:spPr>
+      </p:pic>
+      <p:sp>
+        <p:nvSpPr>
+          <p:cNvPr id="5" name="Datumsplatzhalter 4"/>
           <p:cNvSpPr>
             <a:spLocks noGrp="1"/>
           </p:cNvSpPr>
@@ -17215,7 +18232,7 @@
       </p:sp>
       <p:sp>
         <p:nvSpPr>
-          <p:cNvPr id="5" name="Foliennummernplatzhalter 4"/>
+          <p:cNvPr id="6" name="Foliennummernplatzhalter 5"/>
           <p:cNvSpPr>
             <a:spLocks noGrp="1"/>
           </p:cNvSpPr>
@@ -17240,7 +18257,7 @@
     </p:spTree>
     <p:extLst>
       <p:ext uri="{BB962C8B-B14F-4D97-AF65-F5344CB8AC3E}">
-        <p14:creationId xmlns:p14="http://schemas.microsoft.com/office/powerpoint/2010/main" val="1520712045"/>
+        <p14:creationId xmlns:p14="http://schemas.microsoft.com/office/powerpoint/2010/main" val="3148905547"/>
       </p:ext>
     </p:extLst>
   </p:cSld>
@@ -17291,31 +18308,19 @@
           <a:p>
             <a:r>
               <a:rPr lang="de-DE" dirty="0" smtClean="0"/>
-              <a:t>Berechne Mittelpunkt von Gebäuden</a:t>
-            </a:r>
-          </a:p>
-          <a:p>
-            <a:r>
-              <a:rPr lang="de-DE" dirty="0" smtClean="0"/>
-              <a:t>Teile große Dreiecke in kleine Dreiecke</a:t>
-            </a:r>
-          </a:p>
-          <a:p>
-            <a:r>
-              <a:rPr lang="de-DE" dirty="0" smtClean="0"/>
-              <a:t>Berechne Mittelpunkt von kleinen Dreiecken</a:t>
-            </a:r>
-          </a:p>
-          <a:p>
-            <a:r>
-              <a:rPr lang="de-DE" dirty="0" smtClean="0"/>
-              <a:t>Sammle alle kleinen Dreiecke in einer Liste</a:t>
-            </a:r>
-          </a:p>
-          <a:p>
-            <a:r>
-              <a:rPr lang="de-DE" dirty="0" smtClean="0"/>
-              <a:t>Hole Pakete von 256/512/1024 Dreiecken aus Liste und bearbeite diese</a:t>
+              <a:t>Berechne für jedes Gebäude eine Umgebung von Gebäuden</a:t>
+            </a:r>
+          </a:p>
+          <a:p>
+            <a:r>
+              <a:rPr lang="de-DE" dirty="0" smtClean="0"/>
+              <a:t>Alle Gebäude, die weiter entfernt sind als z.B. 80m werden nicht berücksichtigt</a:t>
+            </a:r>
+          </a:p>
+          <a:p>
+            <a:r>
+              <a:rPr lang="de-DE" dirty="0" smtClean="0"/>
+              <a:t>Berechne den Schatten in Paketen</a:t>
             </a:r>
             <a:endParaRPr lang="de-DE" dirty="0"/>
           </a:p>
@@ -17338,7 +18343,7 @@
           <a:p>
             <a:r>
               <a:rPr lang="de-DE" dirty="0" smtClean="0"/>
-              <a:t>Berechnung: Umsetzung (1/2)</a:t>
+              <a:t>Berechnung: Lösung (2/2)</a:t>
             </a:r>
             <a:endParaRPr lang="de-DE" dirty="0"/>
           </a:p>
@@ -17394,7 +18399,7 @@
     </p:spTree>
     <p:extLst>
       <p:ext uri="{BB962C8B-B14F-4D97-AF65-F5344CB8AC3E}">
-        <p14:creationId xmlns:p14="http://schemas.microsoft.com/office/powerpoint/2010/main" val="1532000112"/>
+        <p14:creationId xmlns:p14="http://schemas.microsoft.com/office/powerpoint/2010/main" val="1520712045"/>
       </p:ext>
     </p:extLst>
   </p:cSld>
@@ -17445,19 +18450,31 @@
           <a:p>
             <a:r>
               <a:rPr lang="de-DE" dirty="0" smtClean="0"/>
-              <a:t>Ermittle zu welchen Gebäuden die Dreiecke gehören</a:t>
-            </a:r>
-          </a:p>
-          <a:p>
-            <a:r>
-              <a:rPr lang="de-DE" dirty="0" smtClean="0"/>
-              <a:t>Berechne für jedes gefundene Gebäude die Umgebung</a:t>
-            </a:r>
-          </a:p>
-          <a:p>
-            <a:r>
-              <a:rPr lang="de-DE" dirty="0" smtClean="0"/>
-              <a:t>Speicher alles auf die Grafikkarte und starte die Berechnung</a:t>
+              <a:t>Berechne Mittelpunkt von Gebäuden</a:t>
+            </a:r>
+          </a:p>
+          <a:p>
+            <a:r>
+              <a:rPr lang="de-DE" dirty="0" smtClean="0"/>
+              <a:t>Teile große Dreiecke in kleine Dreiecke</a:t>
+            </a:r>
+          </a:p>
+          <a:p>
+            <a:r>
+              <a:rPr lang="de-DE" dirty="0" smtClean="0"/>
+              <a:t>Berechne Mittelpunkt von kleinen Dreiecken</a:t>
+            </a:r>
+          </a:p>
+          <a:p>
+            <a:r>
+              <a:rPr lang="de-DE" dirty="0" smtClean="0"/>
+              <a:t>Sammle alle kleinen Dreiecke in einer Liste</a:t>
+            </a:r>
+          </a:p>
+          <a:p>
+            <a:r>
+              <a:rPr lang="de-DE" dirty="0" smtClean="0"/>
+              <a:t>Hole Pakete von 256/512/1024 Dreiecken aus Liste und bearbeite diese</a:t>
             </a:r>
             <a:endParaRPr lang="de-DE" dirty="0"/>
           </a:p>
@@ -17480,7 +18497,7 @@
           <a:p>
             <a:r>
               <a:rPr lang="de-DE" dirty="0" smtClean="0"/>
-              <a:t>Berechnung: Umsetzung (2/2)</a:t>
+              <a:t>Berechnung: Umsetzung (1/2)</a:t>
             </a:r>
             <a:endParaRPr lang="de-DE" dirty="0"/>
           </a:p>
@@ -17536,7 +18553,7 @@
     </p:spTree>
     <p:extLst>
       <p:ext uri="{BB962C8B-B14F-4D97-AF65-F5344CB8AC3E}">
-        <p14:creationId xmlns:p14="http://schemas.microsoft.com/office/powerpoint/2010/main" val="1716100772"/>
+        <p14:creationId xmlns:p14="http://schemas.microsoft.com/office/powerpoint/2010/main" val="1532000112"/>
       </p:ext>
     </p:extLst>
   </p:cSld>
@@ -17587,19 +18604,19 @@
           <a:p>
             <a:r>
               <a:rPr lang="de-DE" dirty="0" smtClean="0"/>
-              <a:t>Rot: zu berechnendes Gebäude</a:t>
-            </a:r>
-          </a:p>
-          <a:p>
-            <a:r>
-              <a:rPr lang="de-DE" dirty="0" smtClean="0"/>
-              <a:t>Grün: Umgebung</a:t>
-            </a:r>
-          </a:p>
-          <a:p>
-            <a:r>
-              <a:rPr lang="de-DE" dirty="0" smtClean="0"/>
-              <a:t>Schwarz: Gebäude außer Reichweite</a:t>
+              <a:t>Ermittle zu welchen Gebäuden die Dreiecke gehören</a:t>
+            </a:r>
+          </a:p>
+          <a:p>
+            <a:r>
+              <a:rPr lang="de-DE" dirty="0" smtClean="0"/>
+              <a:t>Berechne für jedes gefundene Gebäude die Umgebung</a:t>
+            </a:r>
+          </a:p>
+          <a:p>
+            <a:r>
+              <a:rPr lang="de-DE" dirty="0" smtClean="0"/>
+              <a:t>Speicher alles auf die Grafikkarte und starte die Berechnung</a:t>
             </a:r>
             <a:endParaRPr lang="de-DE" dirty="0"/>
           </a:p>
@@ -17622,42 +18639,12 @@
           <a:p>
             <a:r>
               <a:rPr lang="de-DE" dirty="0" smtClean="0"/>
-              <a:t>Berechnung: Beispiel</a:t>
+              <a:t>Berechnung: Umsetzung (2/2)</a:t>
             </a:r>
             <a:endParaRPr lang="de-DE" dirty="0"/>
           </a:p>
         </p:txBody>
       </p:sp>
-      <p:pic>
-        <p:nvPicPr>
-          <p:cNvPr id="5" name="Grafik 4"/>
-          <p:cNvPicPr>
-            <a:picLocks noChangeAspect="1"/>
-          </p:cNvPicPr>
-          <p:nvPr/>
-        </p:nvPicPr>
-        <p:blipFill>
-          <a:blip r:embed="rId2" cstate="print">
-            <a:extLst>
-              <a:ext uri="{28A0092B-C50C-407E-A947-70E740481C1C}">
-                <a14:useLocalDpi xmlns:a14="http://schemas.microsoft.com/office/drawing/2010/main" val="0"/>
-              </a:ext>
-            </a:extLst>
-          </a:blip>
-          <a:stretch>
-            <a:fillRect/>
-          </a:stretch>
-        </p:blipFill>
-        <p:spPr>
-          <a:xfrm>
-            <a:off x="3059832" y="3018538"/>
-            <a:ext cx="3696216" cy="3224358"/>
-          </a:xfrm>
-          <a:prstGeom prst="rect">
-            <a:avLst/>
-          </a:prstGeom>
-        </p:spPr>
-      </p:pic>
       <p:sp>
         <p:nvSpPr>
           <p:cNvPr id="4" name="Datumsplatzhalter 3"/>
@@ -17683,7 +18670,7 @@
       </p:sp>
       <p:sp>
         <p:nvSpPr>
-          <p:cNvPr id="6" name="Foliennummernplatzhalter 5"/>
+          <p:cNvPr id="5" name="Foliennummernplatzhalter 4"/>
           <p:cNvSpPr>
             <a:spLocks noGrp="1"/>
           </p:cNvSpPr>
@@ -17708,7 +18695,7 @@
     </p:spTree>
     <p:extLst>
       <p:ext uri="{BB962C8B-B14F-4D97-AF65-F5344CB8AC3E}">
-        <p14:creationId xmlns:p14="http://schemas.microsoft.com/office/powerpoint/2010/main" val="3167510390"/>
+        <p14:creationId xmlns:p14="http://schemas.microsoft.com/office/powerpoint/2010/main" val="1716100772"/>
       </p:ext>
     </p:extLst>
   </p:cSld>
@@ -17759,41 +18746,19 @@
           <a:p>
             <a:r>
               <a:rPr lang="de-DE" dirty="0" smtClean="0"/>
-              <a:t>Anhand von Ort und Zeitpunkt (inkl. Datum) Position der Sonne bestimmen</a:t>
-            </a:r>
-          </a:p>
-          <a:p>
-            <a:r>
-              <a:rPr lang="de-DE" dirty="0" smtClean="0"/>
-              <a:t>Algorithmus aus Wikipedia übernommen</a:t>
-            </a:r>
-          </a:p>
-          <a:p>
-            <a:r>
-              <a:rPr lang="de-DE" dirty="0" smtClean="0"/>
-              <a:t>Ergebnis ist ein </a:t>
-            </a:r>
-            <a:r>
-              <a:rPr lang="de-DE" dirty="0" err="1" smtClean="0"/>
-              <a:t>Azimuthwinkel</a:t>
-            </a:r>
-            <a:r>
-              <a:rPr lang="de-DE" dirty="0" smtClean="0"/>
-              <a:t> und ein Höhenwinkel</a:t>
-            </a:r>
-          </a:p>
-          <a:p>
-            <a:r>
-              <a:rPr lang="de-DE" dirty="0" smtClean="0"/>
-              <a:t>Aus den Winkeln wird das richtige </a:t>
-            </a:r>
-            <a:r>
-              <a:rPr lang="de-DE" dirty="0" err="1" smtClean="0"/>
-              <a:t>Skypatch</a:t>
-            </a:r>
-            <a:r>
-              <a:rPr lang="de-DE" dirty="0" smtClean="0"/>
-              <a:t> ausgewählt</a:t>
+              <a:t>Rot: zu berechnendes Gebäude</a:t>
+            </a:r>
+          </a:p>
+          <a:p>
+            <a:r>
+              <a:rPr lang="de-DE" dirty="0" smtClean="0"/>
+              <a:t>Grün: Umgebung</a:t>
+            </a:r>
+          </a:p>
+          <a:p>
+            <a:r>
+              <a:rPr lang="de-DE" dirty="0" smtClean="0"/>
+              <a:t>Schwarz: Gebäude außer Reichweite</a:t>
             </a:r>
             <a:endParaRPr lang="de-DE" dirty="0"/>
           </a:p>
@@ -17816,12 +18781,42 @@
           <a:p>
             <a:r>
               <a:rPr lang="de-DE" dirty="0" smtClean="0"/>
-              <a:t>Berechnung: Sonnenstand</a:t>
+              <a:t>Berechnung: Beispiel</a:t>
             </a:r>
             <a:endParaRPr lang="de-DE" dirty="0"/>
           </a:p>
         </p:txBody>
       </p:sp>
+      <p:pic>
+        <p:nvPicPr>
+          <p:cNvPr id="5" name="Grafik 4"/>
+          <p:cNvPicPr>
+            <a:picLocks noChangeAspect="1"/>
+          </p:cNvPicPr>
+          <p:nvPr/>
+        </p:nvPicPr>
+        <p:blipFill>
+          <a:blip r:embed="rId2" cstate="print">
+            <a:extLst>
+              <a:ext uri="{28A0092B-C50C-407E-A947-70E740481C1C}">
+                <a14:useLocalDpi xmlns:a14="http://schemas.microsoft.com/office/drawing/2010/main" val="0"/>
+              </a:ext>
+            </a:extLst>
+          </a:blip>
+          <a:stretch>
+            <a:fillRect/>
+          </a:stretch>
+        </p:blipFill>
+        <p:spPr>
+          <a:xfrm>
+            <a:off x="3059832" y="3018538"/>
+            <a:ext cx="3696216" cy="3224358"/>
+          </a:xfrm>
+          <a:prstGeom prst="rect">
+            <a:avLst/>
+          </a:prstGeom>
+        </p:spPr>
+      </p:pic>
       <p:sp>
         <p:nvSpPr>
           <p:cNvPr id="4" name="Datumsplatzhalter 3"/>
@@ -17847,7 +18842,7 @@
       </p:sp>
       <p:sp>
         <p:nvSpPr>
-          <p:cNvPr id="5" name="Foliennummernplatzhalter 4"/>
+          <p:cNvPr id="6" name="Foliennummernplatzhalter 5"/>
           <p:cNvSpPr>
             <a:spLocks noGrp="1"/>
           </p:cNvSpPr>
@@ -17872,7 +18867,7 @@
     </p:spTree>
     <p:extLst>
       <p:ext uri="{BB962C8B-B14F-4D97-AF65-F5344CB8AC3E}">
-        <p14:creationId xmlns:p14="http://schemas.microsoft.com/office/powerpoint/2010/main" val="952026451"/>
+        <p14:creationId xmlns:p14="http://schemas.microsoft.com/office/powerpoint/2010/main" val="3167510390"/>
       </p:ext>
     </p:extLst>
   </p:cSld>
@@ -17923,41 +18918,72 @@
           <a:p>
             <a:r>
               <a:rPr lang="de-DE" dirty="0" smtClean="0"/>
-              <a:t>Aufgaben</a:t>
-            </a:r>
-          </a:p>
-          <a:p>
-            <a:r>
-              <a:rPr lang="de-DE" dirty="0" smtClean="0"/>
-              <a:t>Funktionen</a:t>
-            </a:r>
-          </a:p>
-          <a:p>
-            <a:r>
-              <a:rPr lang="de-DE" dirty="0" smtClean="0"/>
-              <a:t>Aufbau</a:t>
-            </a:r>
-          </a:p>
-          <a:p>
-            <a:r>
-              <a:rPr lang="de-DE" dirty="0" smtClean="0"/>
-              <a:t>Probleme / Lösungen</a:t>
-            </a:r>
-          </a:p>
-          <a:p>
-            <a:r>
-              <a:rPr lang="de-DE" dirty="0" smtClean="0"/>
-              <a:t>Performance</a:t>
-            </a:r>
-          </a:p>
-          <a:p>
+              <a:t>Anhand von Ort und Zeitpunkt (inkl. Datum) Position der Sonne bestimmen</a:t>
+            </a:r>
+          </a:p>
+          <a:p>
+            <a:r>
+              <a:rPr lang="de-DE" dirty="0" smtClean="0"/>
+              <a:t>Algorithmus aus Wikipedia übernommen</a:t>
+            </a:r>
+          </a:p>
+          <a:p>
+            <a:r>
+              <a:rPr lang="de-DE" dirty="0" smtClean="0"/>
+              <a:t>Ergebnis ist ein </a:t>
+            </a:r>
+            <a:r>
+              <a:rPr lang="de-DE" dirty="0" err="1" smtClean="0"/>
+              <a:t>Azimuthwinkel</a:t>
+            </a:r>
+            <a:r>
+              <a:rPr lang="de-DE" dirty="0" smtClean="0"/>
+              <a:t> und ein Höhenwinkel</a:t>
+            </a:r>
+          </a:p>
+          <a:p>
+            <a:r>
+              <a:rPr lang="de-DE" dirty="0" smtClean="0"/>
+              <a:t>Aus den Winkeln wird das richtige </a:t>
+            </a:r>
+            <a:r>
+              <a:rPr lang="de-DE" dirty="0" err="1" smtClean="0"/>
+              <a:t>Skypatch</a:t>
+            </a:r>
+            <a:r>
+              <a:rPr lang="de-DE" dirty="0" smtClean="0"/>
+              <a:t> ausgewählt</a:t>
+            </a:r>
             <a:endParaRPr lang="de-DE" dirty="0"/>
           </a:p>
         </p:txBody>
       </p:sp>
       <p:sp>
         <p:nvSpPr>
-          <p:cNvPr id="3" name="Datumsplatzhalter 2"/>
+          <p:cNvPr id="3" name="Titel 2"/>
+          <p:cNvSpPr>
+            <a:spLocks noGrp="1"/>
+          </p:cNvSpPr>
+          <p:nvPr>
+            <p:ph type="title"/>
+          </p:nvPr>
+        </p:nvSpPr>
+        <p:spPr/>
+        <p:txBody>
+          <a:bodyPr/>
+          <a:lstStyle/>
+          <a:p>
+            <a:r>
+              <a:rPr lang="de-DE" dirty="0" smtClean="0"/>
+              <a:t>Berechnung: Sonnenstand</a:t>
+            </a:r>
+            <a:endParaRPr lang="de-DE" dirty="0"/>
+          </a:p>
+        </p:txBody>
+      </p:sp>
+      <p:sp>
+        <p:nvSpPr>
+          <p:cNvPr id="4" name="Datumsplatzhalter 3"/>
           <p:cNvSpPr>
             <a:spLocks noGrp="1"/>
           </p:cNvSpPr>
@@ -17980,7 +19006,7 @@
       </p:sp>
       <p:sp>
         <p:nvSpPr>
-          <p:cNvPr id="4" name="Foliennummernplatzhalter 3"/>
+          <p:cNvPr id="5" name="Foliennummernplatzhalter 4"/>
           <p:cNvSpPr>
             <a:spLocks noGrp="1"/>
           </p:cNvSpPr>
@@ -18002,32 +19028,10 @@
           </a:p>
         </p:txBody>
       </p:sp>
-      <p:sp>
-        <p:nvSpPr>
-          <p:cNvPr id="5" name="Titel 4"/>
-          <p:cNvSpPr>
-            <a:spLocks noGrp="1"/>
-          </p:cNvSpPr>
-          <p:nvPr>
-            <p:ph type="title"/>
-          </p:nvPr>
-        </p:nvSpPr>
-        <p:spPr/>
-        <p:txBody>
-          <a:bodyPr/>
-          <a:lstStyle/>
-          <a:p>
-            <a:r>
-              <a:rPr lang="de-DE" dirty="0"/>
-              <a:t>3D-Viewer und GUI</a:t>
-            </a:r>
-          </a:p>
-        </p:txBody>
-      </p:sp>
     </p:spTree>
     <p:extLst>
       <p:ext uri="{BB962C8B-B14F-4D97-AF65-F5344CB8AC3E}">
-        <p14:creationId xmlns:p14="http://schemas.microsoft.com/office/powerpoint/2010/main" val="3848441913"/>
+        <p14:creationId xmlns:p14="http://schemas.microsoft.com/office/powerpoint/2010/main" val="952026451"/>
       </p:ext>
     </p:extLst>
   </p:cSld>
@@ -18071,44 +19075,42 @@
             <p:ph idx="1"/>
           </p:nvPr>
         </p:nvSpPr>
-        <p:spPr>
-          <a:xfrm>
-            <a:off x="457200" y="1196752"/>
-            <a:ext cx="8229600" cy="4810539"/>
-          </a:xfrm>
-        </p:spPr>
-        <p:txBody>
-          <a:bodyPr/>
-          <a:lstStyle/>
-          <a:p>
-            <a:pPr>
-              <a:buNone/>
-            </a:pPr>
-            <a:endParaRPr lang="de-DE" b="1" dirty="0" smtClean="0"/>
-          </a:p>
-          <a:p>
-            <a:r>
-              <a:rPr lang="de-DE" dirty="0" smtClean="0"/>
-              <a:t>Erstellung einer graphischen Benutzungsschnittstelle inklusive 3D Visualisierung der Stadt</a:t>
-            </a:r>
-          </a:p>
-          <a:p>
-            <a:r>
-              <a:rPr lang="de-DE" dirty="0" smtClean="0"/>
-              <a:t>Die GUI in JAVA und Swing umsetzen</a:t>
-            </a:r>
-          </a:p>
-          <a:p>
-            <a:r>
-              <a:rPr lang="de-DE" dirty="0" smtClean="0"/>
-              <a:t>3D Visualisierung mit Hilfe von JOGL </a:t>
-            </a:r>
-          </a:p>
-          <a:p>
-            <a:endParaRPr lang="de-DE" dirty="0" smtClean="0"/>
-          </a:p>
-          <a:p>
-            <a:endParaRPr lang="de-DE" dirty="0" smtClean="0"/>
+        <p:spPr/>
+        <p:txBody>
+          <a:bodyPr/>
+          <a:lstStyle/>
+          <a:p>
+            <a:r>
+              <a:rPr lang="de-DE" dirty="0" smtClean="0"/>
+              <a:t>Aufgaben</a:t>
+            </a:r>
+          </a:p>
+          <a:p>
+            <a:r>
+              <a:rPr lang="de-DE" dirty="0" smtClean="0"/>
+              <a:t>Funktionen</a:t>
+            </a:r>
+          </a:p>
+          <a:p>
+            <a:r>
+              <a:rPr lang="de-DE" dirty="0" smtClean="0"/>
+              <a:t>Aufbau</a:t>
+            </a:r>
+          </a:p>
+          <a:p>
+            <a:r>
+              <a:rPr lang="de-DE" dirty="0" smtClean="0"/>
+              <a:t>Probleme / Lösungen</a:t>
+            </a:r>
+          </a:p>
+          <a:p>
+            <a:r>
+              <a:rPr lang="de-DE" dirty="0" smtClean="0"/>
+              <a:t>Performance</a:t>
+            </a:r>
+          </a:p>
+          <a:p>
+            <a:endParaRPr lang="de-DE" dirty="0"/>
           </a:p>
         </p:txBody>
       </p:sp>
@@ -18175,17 +19177,16 @@
           <a:lstStyle/>
           <a:p>
             <a:r>
-              <a:rPr lang="de-DE" dirty="0" smtClean="0"/>
-              <a:t>Aufgaben der GUI</a:t>
-            </a:r>
-            <a:endParaRPr lang="de-DE" dirty="0"/>
+              <a:rPr lang="de-DE" dirty="0"/>
+              <a:t>3D-Viewer und GUI</a:t>
+            </a:r>
           </a:p>
         </p:txBody>
       </p:sp>
     </p:spTree>
     <p:extLst>
       <p:ext uri="{BB962C8B-B14F-4D97-AF65-F5344CB8AC3E}">
-        <p14:creationId xmlns:p14="http://schemas.microsoft.com/office/powerpoint/2010/main" val="1054123675"/>
+        <p14:creationId xmlns:p14="http://schemas.microsoft.com/office/powerpoint/2010/main" val="3848441913"/>
       </p:ext>
     </p:extLst>
   </p:cSld>
@@ -18229,69 +19230,44 @@
             <p:ph idx="1"/>
           </p:nvPr>
         </p:nvSpPr>
-        <p:spPr/>
-        <p:txBody>
-          <a:bodyPr/>
-          <a:lstStyle/>
-          <a:p>
-            <a:endParaRPr lang="de-DE" dirty="0" smtClean="0"/>
-          </a:p>
-          <a:p>
-            <a:r>
-              <a:rPr lang="de-DE" dirty="0" smtClean="0"/>
-              <a:t>Koordinatenachsen anzeigen</a:t>
-            </a:r>
-          </a:p>
-          <a:p>
-            <a:r>
-              <a:rPr lang="de-DE" dirty="0" err="1" smtClean="0"/>
-              <a:t>Skypatchs</a:t>
-            </a:r>
-            <a:r>
-              <a:rPr lang="de-DE" dirty="0" smtClean="0"/>
-              <a:t> zeichnen</a:t>
-            </a:r>
-          </a:p>
-          <a:p>
-            <a:r>
-              <a:rPr lang="de-DE" dirty="0" smtClean="0"/>
-              <a:t>Position der Sonne </a:t>
-            </a:r>
-            <a:r>
-              <a:rPr lang="de-DE" dirty="0" err="1" smtClean="0"/>
-              <a:t>anzeigbar</a:t>
-            </a:r>
-            <a:endParaRPr lang="de-DE" dirty="0" smtClean="0"/>
-          </a:p>
-          <a:p>
-            <a:r>
-              <a:rPr lang="de-DE" dirty="0" smtClean="0"/>
-              <a:t>Anzeige der Gebäude</a:t>
-            </a:r>
-          </a:p>
-          <a:p>
-            <a:r>
-              <a:rPr lang="de-DE" dirty="0" smtClean="0"/>
-              <a:t>Anzeige des Schattens unterteilt in Dreiecke</a:t>
-            </a:r>
-          </a:p>
+        <p:spPr>
+          <a:xfrm>
+            <a:off x="457200" y="1196752"/>
+            <a:ext cx="8229600" cy="4810539"/>
+          </a:xfrm>
+        </p:spPr>
+        <p:txBody>
+          <a:bodyPr/>
+          <a:lstStyle/>
           <a:p>
             <a:pPr>
               <a:buNone/>
             </a:pPr>
-            <a:r>
-              <a:rPr lang="de-DE" dirty="0" smtClean="0"/>
-              <a:t>  oder Polygone</a:t>
-            </a:r>
-          </a:p>
-          <a:p>
-            <a:r>
-              <a:rPr lang="de-DE" dirty="0" smtClean="0"/>
-              <a:t>Anzeige des Rasters </a:t>
-            </a:r>
-          </a:p>
-          <a:p>
-            <a:endParaRPr lang="de-DE" dirty="0"/>
+            <a:endParaRPr lang="de-DE" b="1" dirty="0" smtClean="0"/>
+          </a:p>
+          <a:p>
+            <a:r>
+              <a:rPr lang="de-DE" dirty="0" smtClean="0"/>
+              <a:t>Erstellung einer graphischen Benutzungsschnittstelle inklusive 3D Visualisierung der Stadt</a:t>
+            </a:r>
+          </a:p>
+          <a:p>
+            <a:r>
+              <a:rPr lang="de-DE" dirty="0" smtClean="0"/>
+              <a:t>Die GUI in JAVA und Swing umsetzen</a:t>
+            </a:r>
+          </a:p>
+          <a:p>
+            <a:r>
+              <a:rPr lang="de-DE" dirty="0" smtClean="0"/>
+              <a:t>3D Visualisierung mit Hilfe von JOGL </a:t>
+            </a:r>
+          </a:p>
+          <a:p>
+            <a:endParaRPr lang="de-DE" dirty="0" smtClean="0"/>
+          </a:p>
+          <a:p>
+            <a:endParaRPr lang="de-DE" dirty="0" smtClean="0"/>
           </a:p>
         </p:txBody>
       </p:sp>
@@ -18359,13 +19335,18 @@
           <a:p>
             <a:r>
               <a:rPr lang="de-DE" dirty="0" smtClean="0"/>
-              <a:t>Funktionen der GUI</a:t>
+              <a:t>Aufgaben der GUI</a:t>
             </a:r>
             <a:endParaRPr lang="de-DE" dirty="0"/>
           </a:p>
         </p:txBody>
       </p:sp>
     </p:spTree>
+    <p:extLst>
+      <p:ext uri="{BB962C8B-B14F-4D97-AF65-F5344CB8AC3E}">
+        <p14:creationId xmlns:p14="http://schemas.microsoft.com/office/powerpoint/2010/main" val="1054123675"/>
+      </p:ext>
+    </p:extLst>
   </p:cSld>
   <p:clrMapOvr>
     <a:masterClrMapping/>
@@ -18417,40 +19398,59 @@
           <a:p>
             <a:r>
               <a:rPr lang="de-DE" dirty="0" smtClean="0"/>
-              <a:t>Volumenanzeige über den Gebäuden</a:t>
-            </a:r>
-          </a:p>
-          <a:p>
-            <a:r>
-              <a:rPr lang="de-DE" dirty="0" smtClean="0"/>
-              <a:t>Dynamische Kamera</a:t>
-            </a:r>
-          </a:p>
-          <a:p>
-            <a:r>
-              <a:rPr lang="de-DE" dirty="0" smtClean="0"/>
-              <a:t>Gebäude selektieren und Gebäudeinformationen einblenden lassen</a:t>
-            </a:r>
-          </a:p>
-          <a:p>
-            <a:r>
-              <a:rPr lang="de-DE" dirty="0" smtClean="0"/>
-              <a:t>Erhöhen der </a:t>
-            </a:r>
+              <a:t>Koordinatenachsen anzeigen</a:t>
+            </a:r>
+          </a:p>
+          <a:p>
             <a:r>
               <a:rPr lang="de-DE" dirty="0" err="1" smtClean="0"/>
-              <a:t>Usability</a:t>
-            </a:r>
-            <a:r>
-              <a:rPr lang="de-DE" dirty="0" smtClean="0"/>
-              <a:t>, durch das Einblenden von Statusmeldungen in der Titelleiste</a:t>
-            </a:r>
-          </a:p>
-          <a:p>
-            <a:r>
-              <a:rPr lang="de-DE" dirty="0" smtClean="0"/>
-              <a:t>Informations-Panel für Fehlernachrichten und etwaige Programminformationen</a:t>
-            </a:r>
+              <a:t>Skypatchs</a:t>
+            </a:r>
+            <a:r>
+              <a:rPr lang="de-DE" dirty="0" smtClean="0"/>
+              <a:t> zeichnen</a:t>
+            </a:r>
+          </a:p>
+          <a:p>
+            <a:r>
+              <a:rPr lang="de-DE" dirty="0" smtClean="0"/>
+              <a:t>Position der Sonne </a:t>
+            </a:r>
+            <a:r>
+              <a:rPr lang="de-DE" dirty="0" err="1" smtClean="0"/>
+              <a:t>anzeigbar</a:t>
+            </a:r>
+            <a:endParaRPr lang="de-DE" dirty="0" smtClean="0"/>
+          </a:p>
+          <a:p>
+            <a:r>
+              <a:rPr lang="de-DE" dirty="0" smtClean="0"/>
+              <a:t>Anzeige der Gebäude</a:t>
+            </a:r>
+          </a:p>
+          <a:p>
+            <a:r>
+              <a:rPr lang="de-DE" dirty="0" smtClean="0"/>
+              <a:t>Anzeige des Schattens unterteilt in Dreiecke</a:t>
+            </a:r>
+          </a:p>
+          <a:p>
+            <a:pPr>
+              <a:buNone/>
+            </a:pPr>
+            <a:r>
+              <a:rPr lang="de-DE" dirty="0" smtClean="0"/>
+              <a:t>  oder Polygone</a:t>
+            </a:r>
+          </a:p>
+          <a:p>
+            <a:r>
+              <a:rPr lang="de-DE" dirty="0" smtClean="0"/>
+              <a:t>Anzeige des Rasters </a:t>
+            </a:r>
+          </a:p>
+          <a:p>
+            <a:endParaRPr lang="de-DE" dirty="0"/>
           </a:p>
         </p:txBody>
       </p:sp>
@@ -18571,44 +19571,44 @@
           <a:bodyPr/>
           <a:lstStyle/>
           <a:p>
-            <a:r>
-              <a:rPr lang="de-DE" dirty="0" smtClean="0"/>
-              <a:t>Ein Frame für die Optionen</a:t>
-            </a:r>
-          </a:p>
-          <a:p>
-            <a:pPr>
-              <a:buNone/>
-            </a:pPr>
-            <a:r>
-              <a:rPr lang="de-DE" dirty="0" smtClean="0"/>
-              <a:t>	(Komponenten in Swing)</a:t>
-            </a:r>
-          </a:p>
-          <a:p>
-            <a:pPr>
-              <a:buNone/>
-            </a:pPr>
             <a:endParaRPr lang="de-DE" dirty="0" smtClean="0"/>
           </a:p>
           <a:p>
             <a:r>
               <a:rPr lang="de-DE" dirty="0" smtClean="0"/>
-              <a:t>Ein Frame für den Gebäude-Viewer, mit den Container </a:t>
+              <a:t>Volumenanzeige über den Gebäuden</a:t>
+            </a:r>
+          </a:p>
+          <a:p>
+            <a:r>
+              <a:rPr lang="de-DE" dirty="0" smtClean="0"/>
+              <a:t>Dynamische Kamera</a:t>
+            </a:r>
+          </a:p>
+          <a:p>
+            <a:r>
+              <a:rPr lang="de-DE" dirty="0" smtClean="0"/>
+              <a:t>Gebäude selektieren und Gebäudeinformationen einblenden lassen</a:t>
+            </a:r>
+          </a:p>
+          <a:p>
+            <a:r>
+              <a:rPr lang="de-DE" dirty="0" smtClean="0"/>
+              <a:t>Erhöhen der </a:t>
             </a:r>
             <a:r>
               <a:rPr lang="de-DE" dirty="0" err="1" smtClean="0"/>
-              <a:t>GLCanvas</a:t>
-            </a:r>
-            <a:endParaRPr lang="de-DE" dirty="0" smtClean="0"/>
-          </a:p>
-          <a:p>
-            <a:endParaRPr lang="de-DE" dirty="0" smtClean="0"/>
-          </a:p>
-          <a:p>
-            <a:r>
-              <a:rPr lang="de-DE" dirty="0" smtClean="0"/>
-              <a:t>Trennung erfolgte wegen Unterstützung von mehreren Bildschirmen</a:t>
+              <a:t>Usability</a:t>
+            </a:r>
+            <a:r>
+              <a:rPr lang="de-DE" dirty="0" smtClean="0"/>
+              <a:t>, durch das Einblenden von Statusmeldungen in der Titelleiste</a:t>
+            </a:r>
+          </a:p>
+          <a:p>
+            <a:r>
+              <a:rPr lang="de-DE" dirty="0" smtClean="0"/>
+              <a:t>Informations-Panel für Fehlernachrichten und etwaige Programminformationen</a:t>
             </a:r>
           </a:p>
         </p:txBody>
@@ -18677,7 +19677,7 @@
           <a:p>
             <a:r>
               <a:rPr lang="de-DE" dirty="0" smtClean="0"/>
-              <a:t>Aufbau der GUI</a:t>
+              <a:t>Funktionen der GUI</a:t>
             </a:r>
             <a:endParaRPr lang="de-DE" dirty="0"/>
           </a:p>
@@ -18945,6 +19945,165 @@
             <p:ph idx="1"/>
           </p:nvPr>
         </p:nvSpPr>
+        <p:spPr/>
+        <p:txBody>
+          <a:bodyPr/>
+          <a:lstStyle/>
+          <a:p>
+            <a:r>
+              <a:rPr lang="de-DE" dirty="0" smtClean="0"/>
+              <a:t>Ein Frame für die Optionen</a:t>
+            </a:r>
+          </a:p>
+          <a:p>
+            <a:pPr>
+              <a:buNone/>
+            </a:pPr>
+            <a:r>
+              <a:rPr lang="de-DE" dirty="0" smtClean="0"/>
+              <a:t>	(Komponenten in Swing)</a:t>
+            </a:r>
+          </a:p>
+          <a:p>
+            <a:pPr>
+              <a:buNone/>
+            </a:pPr>
+            <a:endParaRPr lang="de-DE" dirty="0" smtClean="0"/>
+          </a:p>
+          <a:p>
+            <a:r>
+              <a:rPr lang="de-DE" dirty="0" smtClean="0"/>
+              <a:t>Ein Frame für den Gebäude-Viewer, mit den Container </a:t>
+            </a:r>
+            <a:r>
+              <a:rPr lang="de-DE" dirty="0" err="1" smtClean="0"/>
+              <a:t>GLCanvas</a:t>
+            </a:r>
+            <a:endParaRPr lang="de-DE" dirty="0" smtClean="0"/>
+          </a:p>
+          <a:p>
+            <a:endParaRPr lang="de-DE" dirty="0" smtClean="0"/>
+          </a:p>
+          <a:p>
+            <a:r>
+              <a:rPr lang="de-DE" dirty="0" smtClean="0"/>
+              <a:t>Trennung erfolgte wegen Unterstützung von mehreren Bildschirmen</a:t>
+            </a:r>
+          </a:p>
+        </p:txBody>
+      </p:sp>
+      <p:sp>
+        <p:nvSpPr>
+          <p:cNvPr id="3" name="Datumsplatzhalter 2"/>
+          <p:cNvSpPr>
+            <a:spLocks noGrp="1"/>
+          </p:cNvSpPr>
+          <p:nvPr>
+            <p:ph type="dt" sz="half" idx="10"/>
+          </p:nvPr>
+        </p:nvSpPr>
+        <p:spPr/>
+        <p:txBody>
+          <a:bodyPr/>
+          <a:lstStyle/>
+          <a:p>
+            <a:r>
+              <a:rPr lang="de-DE" smtClean="0"/>
+              <a:t>23.06.2014</a:t>
+            </a:r>
+            <a:endParaRPr lang="de-DE"/>
+          </a:p>
+        </p:txBody>
+      </p:sp>
+      <p:sp>
+        <p:nvSpPr>
+          <p:cNvPr id="4" name="Foliennummernplatzhalter 3"/>
+          <p:cNvSpPr>
+            <a:spLocks noGrp="1"/>
+          </p:cNvSpPr>
+          <p:nvPr>
+            <p:ph type="sldNum" sz="quarter" idx="12"/>
+          </p:nvPr>
+        </p:nvSpPr>
+        <p:spPr/>
+        <p:txBody>
+          <a:bodyPr/>
+          <a:lstStyle/>
+          <a:p>
+            <a:fld id="{02075A8B-51D4-4999-A4F2-B3FAC6295E4D}" type="slidenum">
+              <a:rPr lang="de-DE" smtClean="0"/>
+              <a:pPr/>
+              <a:t>70</a:t>
+            </a:fld>
+            <a:endParaRPr lang="de-DE"/>
+          </a:p>
+        </p:txBody>
+      </p:sp>
+      <p:sp>
+        <p:nvSpPr>
+          <p:cNvPr id="5" name="Titel 4"/>
+          <p:cNvSpPr>
+            <a:spLocks noGrp="1"/>
+          </p:cNvSpPr>
+          <p:nvPr>
+            <p:ph type="title"/>
+          </p:nvPr>
+        </p:nvSpPr>
+        <p:spPr/>
+        <p:txBody>
+          <a:bodyPr/>
+          <a:lstStyle/>
+          <a:p>
+            <a:r>
+              <a:rPr lang="de-DE" dirty="0" smtClean="0"/>
+              <a:t>Aufbau der GUI</a:t>
+            </a:r>
+            <a:endParaRPr lang="de-DE" dirty="0"/>
+          </a:p>
+        </p:txBody>
+      </p:sp>
+    </p:spTree>
+  </p:cSld>
+  <p:clrMapOvr>
+    <a:masterClrMapping/>
+  </p:clrMapOvr>
+  <p:timing>
+    <p:tnLst>
+      <p:par>
+        <p:cTn id="1" dur="indefinite" restart="never" nodeType="tmRoot"/>
+      </p:par>
+    </p:tnLst>
+  </p:timing>
+</p:sld>
+</file>
+
+<file path=ppt/slides/slide71.xml><?xml version="1.0" encoding="utf-8"?>
+<p:sld xmlns:a="http://schemas.openxmlformats.org/drawingml/2006/main" xmlns:r="http://schemas.openxmlformats.org/officeDocument/2006/relationships" xmlns:p="http://schemas.openxmlformats.org/presentationml/2006/main">
+  <p:cSld>
+    <p:spTree>
+      <p:nvGrpSpPr>
+        <p:cNvPr id="1" name=""/>
+        <p:cNvGrpSpPr/>
+        <p:nvPr/>
+      </p:nvGrpSpPr>
+      <p:grpSpPr>
+        <a:xfrm>
+          <a:off x="0" y="0"/>
+          <a:ext cx="0" cy="0"/>
+          <a:chOff x="0" y="0"/>
+          <a:chExt cx="0" cy="0"/>
+        </a:xfrm>
+      </p:grpSpPr>
+      <p:sp>
+        <p:nvSpPr>
+          <p:cNvPr id="2" name="Inhaltsplatzhalter 1"/>
+          <p:cNvSpPr>
+            <a:spLocks noGrp="1"/>
+          </p:cNvSpPr>
+          <p:nvPr>
+            <p:ph idx="1"/>
+          </p:nvPr>
+        </p:nvSpPr>
         <p:spPr>
           <a:xfrm>
             <a:off x="5353744" y="1481328"/>
@@ -19000,7 +20159,7 @@
             <a:fld id="{02075A8B-51D4-4999-A4F2-B3FAC6295E4D}" type="slidenum">
               <a:rPr lang="de-DE" smtClean="0"/>
               <a:pPr/>
-              <a:t>70</a:t>
+              <a:t>71</a:t>
             </a:fld>
             <a:endParaRPr lang="de-DE"/>
           </a:p>
@@ -19460,7 +20619,7 @@
 </p:sld>
 </file>
 
-<file path=ppt/slides/slide71.xml><?xml version="1.0" encoding="utf-8"?>
+<file path=ppt/slides/slide72.xml><?xml version="1.0" encoding="utf-8"?>
 <p:sld xmlns:a="http://schemas.openxmlformats.org/drawingml/2006/main" xmlns:r="http://schemas.openxmlformats.org/officeDocument/2006/relationships" xmlns:p="http://schemas.openxmlformats.org/presentationml/2006/main">
   <p:cSld>
     <p:spTree>
@@ -19554,7 +20713,7 @@
             <a:fld id="{02075A8B-51D4-4999-A4F2-B3FAC6295E4D}" type="slidenum">
               <a:rPr lang="de-DE" smtClean="0"/>
               <a:pPr/>
-              <a:t>71</a:t>
+              <a:t>72</a:t>
             </a:fld>
             <a:endParaRPr lang="de-DE"/>
           </a:p>
@@ -19624,177 +20783,6 @@
 </p:sld>
 </file>
 
-<file path=ppt/slides/slide72.xml><?xml version="1.0" encoding="utf-8"?>
-<p:sld xmlns:a="http://schemas.openxmlformats.org/drawingml/2006/main" xmlns:r="http://schemas.openxmlformats.org/officeDocument/2006/relationships" xmlns:p="http://schemas.openxmlformats.org/presentationml/2006/main">
-  <p:cSld>
-    <p:spTree>
-      <p:nvGrpSpPr>
-        <p:cNvPr id="1" name=""/>
-        <p:cNvGrpSpPr/>
-        <p:nvPr/>
-      </p:nvGrpSpPr>
-      <p:grpSpPr>
-        <a:xfrm>
-          <a:off x="0" y="0"/>
-          <a:ext cx="0" cy="0"/>
-          <a:chOff x="0" y="0"/>
-          <a:chExt cx="0" cy="0"/>
-        </a:xfrm>
-      </p:grpSpPr>
-      <p:sp>
-        <p:nvSpPr>
-          <p:cNvPr id="2" name="Inhaltsplatzhalter 1"/>
-          <p:cNvSpPr>
-            <a:spLocks noGrp="1"/>
-          </p:cNvSpPr>
-          <p:nvPr>
-            <p:ph idx="1"/>
-          </p:nvPr>
-        </p:nvSpPr>
-        <p:spPr/>
-        <p:txBody>
-          <a:bodyPr/>
-          <a:lstStyle/>
-          <a:p>
-            <a:r>
-              <a:rPr lang="de-DE" dirty="0" smtClean="0"/>
-              <a:t>Antialiasing in </a:t>
-            </a:r>
-            <a:r>
-              <a:rPr lang="de-DE" dirty="0" err="1" smtClean="0"/>
-              <a:t>OpenGL</a:t>
-            </a:r>
-            <a:r>
-              <a:rPr lang="de-DE" dirty="0" smtClean="0"/>
-              <a:t> aktiviert</a:t>
-            </a:r>
-          </a:p>
-          <a:p>
-            <a:pPr>
-              <a:buNone/>
-            </a:pPr>
-            <a:r>
-              <a:rPr lang="de-DE" dirty="0" smtClean="0"/>
-              <a:t>  unter anderem durch:</a:t>
-            </a:r>
-          </a:p>
-          <a:p>
-            <a:pPr lvl="1"/>
-            <a:r>
-              <a:rPr lang="de-DE" dirty="0" smtClean="0"/>
-              <a:t>Double </a:t>
-            </a:r>
-            <a:r>
-              <a:rPr lang="de-DE" dirty="0" err="1" smtClean="0"/>
-              <a:t>Buffering</a:t>
-            </a:r>
-            <a:r>
-              <a:rPr lang="de-DE" dirty="0" smtClean="0"/>
-              <a:t> aktiviert</a:t>
-            </a:r>
-          </a:p>
-          <a:p>
-            <a:pPr lvl="1"/>
-            <a:r>
-              <a:rPr lang="de-DE" dirty="0" smtClean="0"/>
-              <a:t>Blending Funktion gesetzt</a:t>
-            </a:r>
-          </a:p>
-          <a:p>
-            <a:pPr lvl="1"/>
-            <a:r>
-              <a:rPr lang="de-DE" dirty="0" smtClean="0"/>
-              <a:t>Multisampling aktiviert</a:t>
-            </a:r>
-            <a:endParaRPr lang="de-DE" dirty="0"/>
-          </a:p>
-        </p:txBody>
-      </p:sp>
-      <p:sp>
-        <p:nvSpPr>
-          <p:cNvPr id="3" name="Datumsplatzhalter 2"/>
-          <p:cNvSpPr>
-            <a:spLocks noGrp="1"/>
-          </p:cNvSpPr>
-          <p:nvPr>
-            <p:ph type="dt" sz="half" idx="10"/>
-          </p:nvPr>
-        </p:nvSpPr>
-        <p:spPr/>
-        <p:txBody>
-          <a:bodyPr/>
-          <a:lstStyle/>
-          <a:p>
-            <a:r>
-              <a:rPr lang="de-DE" smtClean="0"/>
-              <a:t>23.06.2014</a:t>
-            </a:r>
-            <a:endParaRPr lang="de-DE"/>
-          </a:p>
-        </p:txBody>
-      </p:sp>
-      <p:sp>
-        <p:nvSpPr>
-          <p:cNvPr id="4" name="Foliennummernplatzhalter 3"/>
-          <p:cNvSpPr>
-            <a:spLocks noGrp="1"/>
-          </p:cNvSpPr>
-          <p:nvPr>
-            <p:ph type="sldNum" sz="quarter" idx="12"/>
-          </p:nvPr>
-        </p:nvSpPr>
-        <p:spPr/>
-        <p:txBody>
-          <a:bodyPr/>
-          <a:lstStyle/>
-          <a:p>
-            <a:fld id="{02075A8B-51D4-4999-A4F2-B3FAC6295E4D}" type="slidenum">
-              <a:rPr lang="de-DE" smtClean="0"/>
-              <a:pPr/>
-              <a:t>72</a:t>
-            </a:fld>
-            <a:endParaRPr lang="de-DE"/>
-          </a:p>
-        </p:txBody>
-      </p:sp>
-      <p:sp>
-        <p:nvSpPr>
-          <p:cNvPr id="5" name="Titel 4"/>
-          <p:cNvSpPr>
-            <a:spLocks noGrp="1"/>
-          </p:cNvSpPr>
-          <p:nvPr>
-            <p:ph type="title"/>
-          </p:nvPr>
-        </p:nvSpPr>
-        <p:spPr/>
-        <p:txBody>
-          <a:bodyPr/>
-          <a:lstStyle/>
-          <a:p>
-            <a:r>
-              <a:rPr lang="de-DE" dirty="0" smtClean="0"/>
-              <a:t>Lösung der Probleme</a:t>
-            </a:r>
-            <a:endParaRPr lang="de-DE" dirty="0"/>
-          </a:p>
-        </p:txBody>
-      </p:sp>
-    </p:spTree>
-  </p:cSld>
-  <p:clrMapOvr>
-    <a:masterClrMapping/>
-  </p:clrMapOvr>
-  <p:timing>
-    <p:tnLst>
-      <p:par>
-        <p:cTn id="1" dur="indefinite" restart="never" nodeType="tmRoot"/>
-      </p:par>
-    </p:tnLst>
-  </p:timing>
-</p:sld>
-</file>
-
 <file path=ppt/slides/slide73.xml><?xml version="1.0" encoding="utf-8"?>
 <p:sld xmlns:a="http://schemas.openxmlformats.org/drawingml/2006/main" xmlns:r="http://schemas.openxmlformats.org/officeDocument/2006/relationships" xmlns:p="http://schemas.openxmlformats.org/presentationml/2006/main">
   <p:cSld>
@@ -19814,6 +20802,75 @@
       </p:grpSpPr>
       <p:sp>
         <p:nvSpPr>
+          <p:cNvPr id="2" name="Inhaltsplatzhalter 1"/>
+          <p:cNvSpPr>
+            <a:spLocks noGrp="1"/>
+          </p:cNvSpPr>
+          <p:nvPr>
+            <p:ph idx="1"/>
+          </p:nvPr>
+        </p:nvSpPr>
+        <p:spPr/>
+        <p:txBody>
+          <a:bodyPr/>
+          <a:lstStyle/>
+          <a:p>
+            <a:r>
+              <a:rPr lang="de-DE" dirty="0" smtClean="0"/>
+              <a:t>Antialiasing in </a:t>
+            </a:r>
+            <a:r>
+              <a:rPr lang="de-DE" dirty="0" err="1" smtClean="0"/>
+              <a:t>OpenGL</a:t>
+            </a:r>
+            <a:r>
+              <a:rPr lang="de-DE" dirty="0" smtClean="0"/>
+              <a:t> aktiviert</a:t>
+            </a:r>
+          </a:p>
+          <a:p>
+            <a:pPr>
+              <a:buNone/>
+            </a:pPr>
+            <a:r>
+              <a:rPr lang="de-DE" dirty="0" smtClean="0"/>
+              <a:t>  unter anderem durch:</a:t>
+            </a:r>
+          </a:p>
+          <a:p>
+            <a:pPr lvl="1"/>
+            <a:r>
+              <a:rPr lang="de-DE" dirty="0" smtClean="0"/>
+              <a:t>Double </a:t>
+            </a:r>
+            <a:r>
+              <a:rPr lang="de-DE" dirty="0" err="1" smtClean="0"/>
+              <a:t>Buffering</a:t>
+            </a:r>
+            <a:r>
+              <a:rPr lang="de-DE" dirty="0" smtClean="0"/>
+              <a:t> aktiviert</a:t>
+            </a:r>
+          </a:p>
+          <a:p>
+            <a:pPr lvl="1"/>
+            <a:r>
+              <a:rPr lang="de-DE" dirty="0" smtClean="0"/>
+              <a:t>Blending Funktion gesetzt</a:t>
+            </a:r>
+          </a:p>
+          <a:p>
+            <a:pPr lvl="1"/>
+            <a:r>
+              <a:rPr lang="de-DE" dirty="0" smtClean="0"/>
+              <a:t>Multisampling aktiviert</a:t>
+            </a:r>
+            <a:endParaRPr lang="de-DE" dirty="0"/>
+          </a:p>
+        </p:txBody>
+      </p:sp>
+      <p:sp>
+        <p:nvSpPr>
           <p:cNvPr id="3" name="Datumsplatzhalter 2"/>
           <p:cNvSpPr>
             <a:spLocks noGrp="1"/>
@@ -19854,6 +20911,108 @@
               <a:rPr lang="de-DE" smtClean="0"/>
               <a:pPr/>
               <a:t>73</a:t>
+            </a:fld>
+            <a:endParaRPr lang="de-DE"/>
+          </a:p>
+        </p:txBody>
+      </p:sp>
+      <p:sp>
+        <p:nvSpPr>
+          <p:cNvPr id="5" name="Titel 4"/>
+          <p:cNvSpPr>
+            <a:spLocks noGrp="1"/>
+          </p:cNvSpPr>
+          <p:nvPr>
+            <p:ph type="title"/>
+          </p:nvPr>
+        </p:nvSpPr>
+        <p:spPr/>
+        <p:txBody>
+          <a:bodyPr/>
+          <a:lstStyle/>
+          <a:p>
+            <a:r>
+              <a:rPr lang="de-DE" dirty="0" smtClean="0"/>
+              <a:t>Lösung der Probleme</a:t>
+            </a:r>
+            <a:endParaRPr lang="de-DE" dirty="0"/>
+          </a:p>
+        </p:txBody>
+      </p:sp>
+    </p:spTree>
+  </p:cSld>
+  <p:clrMapOvr>
+    <a:masterClrMapping/>
+  </p:clrMapOvr>
+  <p:timing>
+    <p:tnLst>
+      <p:par>
+        <p:cTn id="1" dur="indefinite" restart="never" nodeType="tmRoot"/>
+      </p:par>
+    </p:tnLst>
+  </p:timing>
+</p:sld>
+</file>
+
+<file path=ppt/slides/slide74.xml><?xml version="1.0" encoding="utf-8"?>
+<p:sld xmlns:a="http://schemas.openxmlformats.org/drawingml/2006/main" xmlns:r="http://schemas.openxmlformats.org/officeDocument/2006/relationships" xmlns:p="http://schemas.openxmlformats.org/presentationml/2006/main">
+  <p:cSld>
+    <p:spTree>
+      <p:nvGrpSpPr>
+        <p:cNvPr id="1" name=""/>
+        <p:cNvGrpSpPr/>
+        <p:nvPr/>
+      </p:nvGrpSpPr>
+      <p:grpSpPr>
+        <a:xfrm>
+          <a:off x="0" y="0"/>
+          <a:ext cx="0" cy="0"/>
+          <a:chOff x="0" y="0"/>
+          <a:chExt cx="0" cy="0"/>
+        </a:xfrm>
+      </p:grpSpPr>
+      <p:sp>
+        <p:nvSpPr>
+          <p:cNvPr id="3" name="Datumsplatzhalter 2"/>
+          <p:cNvSpPr>
+            <a:spLocks noGrp="1"/>
+          </p:cNvSpPr>
+          <p:nvPr>
+            <p:ph type="dt" sz="half" idx="10"/>
+          </p:nvPr>
+        </p:nvSpPr>
+        <p:spPr/>
+        <p:txBody>
+          <a:bodyPr/>
+          <a:lstStyle/>
+          <a:p>
+            <a:r>
+              <a:rPr lang="de-DE" smtClean="0"/>
+              <a:t>23.06.2014</a:t>
+            </a:r>
+            <a:endParaRPr lang="de-DE"/>
+          </a:p>
+        </p:txBody>
+      </p:sp>
+      <p:sp>
+        <p:nvSpPr>
+          <p:cNvPr id="4" name="Foliennummernplatzhalter 3"/>
+          <p:cNvSpPr>
+            <a:spLocks noGrp="1"/>
+          </p:cNvSpPr>
+          <p:nvPr>
+            <p:ph type="sldNum" sz="quarter" idx="12"/>
+          </p:nvPr>
+        </p:nvSpPr>
+        <p:spPr/>
+        <p:txBody>
+          <a:bodyPr/>
+          <a:lstStyle/>
+          <a:p>
+            <a:fld id="{02075A8B-51D4-4999-A4F2-B3FAC6295E4D}" type="slidenum">
+              <a:rPr lang="de-DE" smtClean="0"/>
+              <a:pPr/>
+              <a:t>74</a:t>
             </a:fld>
             <a:endParaRPr lang="de-DE"/>
           </a:p>
@@ -20007,196 +21166,6 @@
 </p:sld>
 </file>
 
-<file path=ppt/slides/slide74.xml><?xml version="1.0" encoding="utf-8"?>
-<p:sld xmlns:a="http://schemas.openxmlformats.org/drawingml/2006/main" xmlns:r="http://schemas.openxmlformats.org/officeDocument/2006/relationships" xmlns:p="http://schemas.openxmlformats.org/presentationml/2006/main">
-  <p:cSld>
-    <p:spTree>
-      <p:nvGrpSpPr>
-        <p:cNvPr id="1" name=""/>
-        <p:cNvGrpSpPr/>
-        <p:nvPr/>
-      </p:nvGrpSpPr>
-      <p:grpSpPr>
-        <a:xfrm>
-          <a:off x="0" y="0"/>
-          <a:ext cx="0" cy="0"/>
-          <a:chOff x="0" y="0"/>
-          <a:chExt cx="0" cy="0"/>
-        </a:xfrm>
-      </p:grpSpPr>
-      <p:sp>
-        <p:nvSpPr>
-          <p:cNvPr id="2" name="Inhaltsplatzhalter 1"/>
-          <p:cNvSpPr>
-            <a:spLocks noGrp="1"/>
-          </p:cNvSpPr>
-          <p:nvPr>
-            <p:ph idx="1"/>
-          </p:nvPr>
-        </p:nvSpPr>
-        <p:spPr/>
-        <p:txBody>
-          <a:bodyPr/>
-          <a:lstStyle/>
-          <a:p>
-            <a:r>
-              <a:rPr lang="de-DE" dirty="0" smtClean="0"/>
-              <a:t>Kontinuierliche Performance-Tests</a:t>
-            </a:r>
-          </a:p>
-          <a:p>
-            <a:r>
-              <a:rPr lang="de-DE" dirty="0" smtClean="0"/>
-              <a:t>Untersuchung der </a:t>
-            </a:r>
-            <a:r>
-              <a:rPr lang="de-DE" dirty="0" err="1" smtClean="0"/>
-              <a:t>display</a:t>
-            </a:r>
-            <a:r>
-              <a:rPr lang="de-DE" dirty="0" smtClean="0"/>
-              <a:t>-Methode:</a:t>
-            </a:r>
-          </a:p>
-          <a:p>
-            <a:pPr lvl="1"/>
-            <a:r>
-              <a:rPr lang="de-DE" dirty="0" smtClean="0"/>
-              <a:t>Berechnungen werden nur einmal ausgeführt,</a:t>
-            </a:r>
-          </a:p>
-          <a:p>
-            <a:pPr lvl="1">
-              <a:buNone/>
-            </a:pPr>
-            <a:r>
-              <a:rPr lang="de-DE" dirty="0" smtClean="0"/>
-              <a:t>	sehr viele </a:t>
-            </a:r>
-            <a:r>
-              <a:rPr lang="de-DE" dirty="0" err="1" smtClean="0"/>
-              <a:t>if</a:t>
-            </a:r>
-            <a:r>
-              <a:rPr lang="de-DE" dirty="0" smtClean="0"/>
-              <a:t>-Abfragen notwendig</a:t>
-            </a:r>
-          </a:p>
-          <a:p>
-            <a:pPr lvl="1"/>
-            <a:r>
-              <a:rPr lang="de-DE" dirty="0" smtClean="0"/>
-              <a:t>Hardwarebeschleunigung aktiviert</a:t>
-            </a:r>
-          </a:p>
-          <a:p>
-            <a:pPr lvl="1"/>
-            <a:r>
-              <a:rPr lang="de-DE" dirty="0" smtClean="0"/>
-              <a:t>Optimierte Thread-Verwaltung durch </a:t>
-            </a:r>
-            <a:r>
-              <a:rPr lang="de-DE" dirty="0" err="1" smtClean="0"/>
-              <a:t>Executor</a:t>
-            </a:r>
-            <a:r>
-              <a:rPr lang="de-DE" dirty="0" smtClean="0"/>
-              <a:t>-Service </a:t>
-            </a:r>
-          </a:p>
-        </p:txBody>
-      </p:sp>
-      <p:sp>
-        <p:nvSpPr>
-          <p:cNvPr id="3" name="Datumsplatzhalter 2"/>
-          <p:cNvSpPr>
-            <a:spLocks noGrp="1"/>
-          </p:cNvSpPr>
-          <p:nvPr>
-            <p:ph type="dt" sz="half" idx="10"/>
-          </p:nvPr>
-        </p:nvSpPr>
-        <p:spPr/>
-        <p:txBody>
-          <a:bodyPr/>
-          <a:lstStyle/>
-          <a:p>
-            <a:r>
-              <a:rPr lang="de-DE" smtClean="0"/>
-              <a:t>23.06.2014</a:t>
-            </a:r>
-            <a:endParaRPr lang="de-DE"/>
-          </a:p>
-        </p:txBody>
-      </p:sp>
-      <p:sp>
-        <p:nvSpPr>
-          <p:cNvPr id="4" name="Foliennummernplatzhalter 3"/>
-          <p:cNvSpPr>
-            <a:spLocks noGrp="1"/>
-          </p:cNvSpPr>
-          <p:nvPr>
-            <p:ph type="sldNum" sz="quarter" idx="12"/>
-          </p:nvPr>
-        </p:nvSpPr>
-        <p:spPr/>
-        <p:txBody>
-          <a:bodyPr/>
-          <a:lstStyle/>
-          <a:p>
-            <a:fld id="{02075A8B-51D4-4999-A4F2-B3FAC6295E4D}" type="slidenum">
-              <a:rPr lang="de-DE" smtClean="0"/>
-              <a:pPr/>
-              <a:t>74</a:t>
-            </a:fld>
-            <a:endParaRPr lang="de-DE"/>
-          </a:p>
-        </p:txBody>
-      </p:sp>
-      <p:sp>
-        <p:nvSpPr>
-          <p:cNvPr id="5" name="Titel 4"/>
-          <p:cNvSpPr>
-            <a:spLocks noGrp="1"/>
-          </p:cNvSpPr>
-          <p:nvPr>
-            <p:ph type="title"/>
-          </p:nvPr>
-        </p:nvSpPr>
-        <p:spPr/>
-        <p:txBody>
-          <a:bodyPr/>
-          <a:lstStyle/>
-          <a:p>
-            <a:pPr algn="ctr"/>
-            <a:r>
-              <a:rPr lang="de-DE" dirty="0" smtClean="0"/>
-              <a:t>Performance</a:t>
-            </a:r>
-            <a:endParaRPr lang="de-DE" dirty="0"/>
-          </a:p>
-        </p:txBody>
-      </p:sp>
-    </p:spTree>
-    <p:extLst>
-      <p:ext uri="{BB962C8B-B14F-4D97-AF65-F5344CB8AC3E}">
-        <p14:creationId xmlns:p14="http://schemas.microsoft.com/office/powerpoint/2010/main" val="1468489249"/>
-      </p:ext>
-    </p:extLst>
-  </p:cSld>
-  <p:clrMapOvr>
-    <a:masterClrMapping/>
-  </p:clrMapOvr>
-  <p:timing>
-    <p:tnLst>
-      <p:par>
-        <p:cTn id="1" dur="indefinite" restart="never" nodeType="tmRoot"/>
-      </p:par>
-    </p:tnLst>
-  </p:timing>
-</p:sld>
-</file>
-
 <file path=ppt/slides/slide75.xml><?xml version="1.0" encoding="utf-8"?>
 <p:sld xmlns:a="http://schemas.openxmlformats.org/drawingml/2006/main" xmlns:r="http://schemas.openxmlformats.org/officeDocument/2006/relationships" xmlns:p="http://schemas.openxmlformats.org/presentationml/2006/main">
   <p:cSld>
@@ -20216,6 +21185,88 @@
       </p:grpSpPr>
       <p:sp>
         <p:nvSpPr>
+          <p:cNvPr id="2" name="Inhaltsplatzhalter 1"/>
+          <p:cNvSpPr>
+            <a:spLocks noGrp="1"/>
+          </p:cNvSpPr>
+          <p:nvPr>
+            <p:ph idx="1"/>
+          </p:nvPr>
+        </p:nvSpPr>
+        <p:spPr/>
+        <p:txBody>
+          <a:bodyPr/>
+          <a:lstStyle/>
+          <a:p>
+            <a:r>
+              <a:rPr lang="de-DE" dirty="0" smtClean="0"/>
+              <a:t>Kontinuierliche Performance-Tests</a:t>
+            </a:r>
+          </a:p>
+          <a:p>
+            <a:r>
+              <a:rPr lang="de-DE" dirty="0" smtClean="0"/>
+              <a:t>Untersuchung der </a:t>
+            </a:r>
+            <a:r>
+              <a:rPr lang="de-DE" dirty="0" err="1" smtClean="0"/>
+              <a:t>display</a:t>
+            </a:r>
+            <a:r>
+              <a:rPr lang="de-DE" dirty="0" smtClean="0"/>
+              <a:t>-Methode:</a:t>
+            </a:r>
+          </a:p>
+          <a:p>
+            <a:pPr lvl="1"/>
+            <a:r>
+              <a:rPr lang="de-DE" dirty="0" smtClean="0"/>
+              <a:t>Berechnungen werden nur einmal ausgeführt,</a:t>
+            </a:r>
+          </a:p>
+          <a:p>
+            <a:pPr lvl="1">
+              <a:buNone/>
+            </a:pPr>
+            <a:r>
+              <a:rPr lang="de-DE" dirty="0" smtClean="0"/>
+              <a:t>	sehr viele </a:t>
+            </a:r>
+            <a:r>
+              <a:rPr lang="de-DE" dirty="0" err="1" smtClean="0"/>
+              <a:t>if</a:t>
+            </a:r>
+            <a:r>
+              <a:rPr lang="de-DE" dirty="0" smtClean="0"/>
+              <a:t>-Abfragen notwendig</a:t>
+            </a:r>
+          </a:p>
+          <a:p>
+            <a:pPr lvl="1"/>
+            <a:r>
+              <a:rPr lang="de-DE" dirty="0" smtClean="0"/>
+              <a:t>Hardwarebeschleunigung aktiviert</a:t>
+            </a:r>
+          </a:p>
+          <a:p>
+            <a:pPr lvl="1"/>
+            <a:r>
+              <a:rPr lang="de-DE" dirty="0" smtClean="0"/>
+              <a:t>Optimierte Thread-Verwaltung durch </a:t>
+            </a:r>
+            <a:r>
+              <a:rPr lang="de-DE" dirty="0" err="1" smtClean="0"/>
+              <a:t>Executor</a:t>
+            </a:r>
+            <a:r>
+              <a:rPr lang="de-DE" dirty="0" smtClean="0"/>
+              <a:t>-Service </a:t>
+            </a:r>
+          </a:p>
+        </p:txBody>
+      </p:sp>
+      <p:sp>
+        <p:nvSpPr>
           <p:cNvPr id="3" name="Datumsplatzhalter 2"/>
           <p:cNvSpPr>
             <a:spLocks noGrp="1"/>
@@ -20271,31 +21322,24 @@
             <p:ph type="title"/>
           </p:nvPr>
         </p:nvSpPr>
-        <p:spPr>
-          <a:xfrm>
-            <a:off x="457200" y="274638"/>
-            <a:ext cx="8229600" cy="5314602"/>
-          </a:xfrm>
-        </p:spPr>
-        <p:txBody>
-          <a:bodyPr>
-            <a:noAutofit/>
-          </a:bodyPr>
+        <p:spPr/>
+        <p:txBody>
+          <a:bodyPr/>
           <a:lstStyle/>
           <a:p>
             <a:pPr algn="ctr"/>
             <a:r>
-              <a:rPr lang="de-DE" sz="8000" dirty="0" smtClean="0"/>
-              <a:t>Demo</a:t>
-            </a:r>
-            <a:endParaRPr lang="de-DE" sz="8000" dirty="0"/>
+              <a:rPr lang="de-DE" dirty="0" smtClean="0"/>
+              <a:t>Performance</a:t>
+            </a:r>
+            <a:endParaRPr lang="de-DE" dirty="0"/>
           </a:p>
         </p:txBody>
       </p:sp>
     </p:spTree>
     <p:extLst>
       <p:ext uri="{BB962C8B-B14F-4D97-AF65-F5344CB8AC3E}">
-        <p14:creationId xmlns:p14="http://schemas.microsoft.com/office/powerpoint/2010/main" val="707920820"/>
+        <p14:creationId xmlns:p14="http://schemas.microsoft.com/office/powerpoint/2010/main" val="1468489249"/>
       </p:ext>
     </p:extLst>
   </p:cSld>
@@ -20331,142 +21375,7 @@
       </p:grpSpPr>
       <p:sp>
         <p:nvSpPr>
-          <p:cNvPr id="2" name="Inhaltsplatzhalter 1"/>
-          <p:cNvSpPr>
-            <a:spLocks noGrp="1"/>
-          </p:cNvSpPr>
-          <p:nvPr>
-            <p:ph idx="1"/>
-          </p:nvPr>
-        </p:nvSpPr>
-        <p:spPr/>
-        <p:txBody>
-          <a:bodyPr>
-            <a:normAutofit lnSpcReduction="10000"/>
-          </a:bodyPr>
-          <a:lstStyle/>
-          <a:p>
-            <a:r>
-              <a:rPr lang="de-DE" dirty="0" smtClean="0"/>
-              <a:t>Bild auf Seite 53:</a:t>
-            </a:r>
-            <a:br>
-              <a:rPr lang="de-DE" dirty="0" smtClean="0"/>
-            </a:br>
-            <a:r>
-              <a:rPr lang="de-DE" dirty="0" smtClean="0">
-                <a:hlinkClick r:id="rId2"/>
-              </a:rPr>
-              <a:t>http</a:t>
-            </a:r>
-            <a:r>
-              <a:rPr lang="de-DE" dirty="0">
-                <a:hlinkClick r:id="rId2"/>
-              </a:rPr>
-              <a:t>://www.mynetcologne.de/~</a:t>
-            </a:r>
-            <a:r>
-              <a:rPr lang="de-DE" dirty="0" smtClean="0">
-                <a:hlinkClick r:id="rId2"/>
-              </a:rPr>
-              <a:t>nc-purschst3/garten/klima/Sonne.jpg</a:t>
-            </a:r>
-            <a:endParaRPr lang="de-DE" dirty="0" smtClean="0"/>
-          </a:p>
-          <a:p>
-            <a:r>
-              <a:rPr lang="de-DE" dirty="0" smtClean="0">
-                <a:hlinkClick r:id="rId3"/>
-              </a:rPr>
-              <a:t>http</a:t>
-            </a:r>
-            <a:r>
-              <a:rPr lang="de-DE" dirty="0">
-                <a:hlinkClick r:id="rId3"/>
-              </a:rPr>
-              <a:t>://</a:t>
-            </a:r>
-            <a:r>
-              <a:rPr lang="de-DE" dirty="0" smtClean="0">
-                <a:hlinkClick r:id="rId3"/>
-              </a:rPr>
-              <a:t>de.wikipedia.org/wiki/Sonnenstand</a:t>
-            </a:r>
-            <a:endParaRPr lang="de-DE" dirty="0" smtClean="0"/>
-          </a:p>
-          <a:p>
-            <a:r>
-              <a:rPr lang="de-DE" dirty="0">
-                <a:hlinkClick r:id="rId4"/>
-              </a:rPr>
-              <a:t>http://</a:t>
-            </a:r>
-            <a:r>
-              <a:rPr lang="de-DE" dirty="0" smtClean="0">
-                <a:hlinkClick r:id="rId4"/>
-              </a:rPr>
-              <a:t>stackoverflow.com/questions/1406029/how-to-calculate-the-volume-of-a-3d-mesh-object-the-surface-of-which-is-made-up</a:t>
-            </a:r>
-            <a:endParaRPr lang="de-DE" dirty="0" smtClean="0"/>
-          </a:p>
-          <a:p>
-            <a:r>
-              <a:rPr lang="de-DE" dirty="0">
-                <a:hlinkClick r:id="rId5"/>
-              </a:rPr>
-              <a:t>http://www.jocl.org</a:t>
-            </a:r>
-            <a:r>
-              <a:rPr lang="de-DE" dirty="0" smtClean="0">
-                <a:hlinkClick r:id="rId5"/>
-              </a:rPr>
-              <a:t>/</a:t>
-            </a:r>
-            <a:endParaRPr lang="de-DE" dirty="0" smtClean="0"/>
-          </a:p>
-          <a:p>
-            <a:r>
-              <a:rPr lang="de-DE" dirty="0">
-                <a:hlinkClick r:id="rId6"/>
-              </a:rPr>
-              <a:t>http://</a:t>
-            </a:r>
-            <a:r>
-              <a:rPr lang="de-DE" dirty="0" smtClean="0">
-                <a:hlinkClick r:id="rId6"/>
-              </a:rPr>
-              <a:t>www.khronos.org/registry/cl/specs/opencl-1.1.pdf</a:t>
-            </a:r>
-            <a:endParaRPr lang="de-DE" dirty="0" smtClean="0"/>
-          </a:p>
-        </p:txBody>
-      </p:sp>
-      <p:sp>
-        <p:nvSpPr>
-          <p:cNvPr id="3" name="Titel 2"/>
-          <p:cNvSpPr>
-            <a:spLocks noGrp="1"/>
-          </p:cNvSpPr>
-          <p:nvPr>
-            <p:ph type="title"/>
-          </p:nvPr>
-        </p:nvSpPr>
-        <p:spPr/>
-        <p:txBody>
-          <a:bodyPr/>
-          <a:lstStyle/>
-          <a:p>
-            <a:r>
-              <a:rPr lang="de-DE" dirty="0" smtClean="0"/>
-              <a:t>Quellen (1/3)</a:t>
-            </a:r>
-            <a:endParaRPr lang="de-DE" dirty="0"/>
-          </a:p>
-        </p:txBody>
-      </p:sp>
-      <p:sp>
-        <p:nvSpPr>
-          <p:cNvPr id="4" name="Datumsplatzhalter 3"/>
+          <p:cNvPr id="3" name="Datumsplatzhalter 2"/>
           <p:cNvSpPr>
             <a:spLocks noGrp="1"/>
           </p:cNvSpPr>
@@ -20489,7 +21398,7 @@
       </p:sp>
       <p:sp>
         <p:nvSpPr>
-          <p:cNvPr id="5" name="Foliennummernplatzhalter 4"/>
+          <p:cNvPr id="4" name="Foliennummernplatzhalter 3"/>
           <p:cNvSpPr>
             <a:spLocks noGrp="1"/>
           </p:cNvSpPr>
@@ -20511,10 +21420,41 @@
           </a:p>
         </p:txBody>
       </p:sp>
+      <p:sp>
+        <p:nvSpPr>
+          <p:cNvPr id="5" name="Titel 4"/>
+          <p:cNvSpPr>
+            <a:spLocks noGrp="1"/>
+          </p:cNvSpPr>
+          <p:nvPr>
+            <p:ph type="title"/>
+          </p:nvPr>
+        </p:nvSpPr>
+        <p:spPr>
+          <a:xfrm>
+            <a:off x="457200" y="274638"/>
+            <a:ext cx="8229600" cy="5314602"/>
+          </a:xfrm>
+        </p:spPr>
+        <p:txBody>
+          <a:bodyPr>
+            <a:noAutofit/>
+          </a:bodyPr>
+          <a:lstStyle/>
+          <a:p>
+            <a:pPr algn="ctr"/>
+            <a:r>
+              <a:rPr lang="de-DE" sz="8000" dirty="0" smtClean="0"/>
+              <a:t>Demo</a:t>
+            </a:r>
+            <a:endParaRPr lang="de-DE" sz="8000" dirty="0"/>
+          </a:p>
+        </p:txBody>
+      </p:sp>
     </p:spTree>
     <p:extLst>
       <p:ext uri="{BB962C8B-B14F-4D97-AF65-F5344CB8AC3E}">
-        <p14:creationId xmlns:p14="http://schemas.microsoft.com/office/powerpoint/2010/main" val="1704796354"/>
+        <p14:creationId xmlns:p14="http://schemas.microsoft.com/office/powerpoint/2010/main" val="707920820"/>
       </p:ext>
     </p:extLst>
   </p:cSld>
@@ -20550,7 +21490,7 @@
       </p:grpSpPr>
       <p:sp>
         <p:nvSpPr>
-          <p:cNvPr id="2" name="Content Placeholder 1"/>
+          <p:cNvPr id="2" name="Inhaltsplatzhalter 1"/>
           <p:cNvSpPr>
             <a:spLocks noGrp="1"/>
           </p:cNvSpPr>
@@ -20567,51 +21507,49 @@
           <a:p>
             <a:r>
               <a:rPr lang="de-DE" dirty="0" smtClean="0"/>
-              <a:t>Bild auf Seite 16:</a:t>
-            </a:r>
-            <a:r>
-              <a:rPr lang="de-DE" u="sng" dirty="0" smtClean="0">
-                <a:hlinkClick r:id="rId2"/>
-              </a:rPr>
-              <a:t/>
+              <a:t>Bild auf Seite 53:</a:t>
             </a:r>
             <a:br>
-              <a:rPr lang="de-DE" u="sng" dirty="0" smtClean="0">
-                <a:hlinkClick r:id="rId2"/>
-              </a:rPr>
+              <a:rPr lang="de-DE" dirty="0" smtClean="0"/>
             </a:br>
             <a:r>
-              <a:rPr lang="de-DE" u="sng" dirty="0" smtClean="0">
+              <a:rPr lang="de-DE" dirty="0" smtClean="0">
                 <a:hlinkClick r:id="rId2"/>
               </a:rPr>
               <a:t>http</a:t>
             </a:r>
             <a:r>
-              <a:rPr lang="de-DE" u="sng" dirty="0">
+              <a:rPr lang="de-DE" dirty="0">
                 <a:hlinkClick r:id="rId2"/>
               </a:rPr>
-              <a:t>://lh5.ggpht.com/-</a:t>
-            </a:r>
-            <a:r>
-              <a:rPr lang="de-DE" u="sng" dirty="0" smtClean="0">
+              <a:t>://www.mynetcologne.de/~</a:t>
+            </a:r>
+            <a:r>
+              <a:rPr lang="de-DE" dirty="0" smtClean="0">
                 <a:hlinkClick r:id="rId2"/>
               </a:rPr>
-              <a:t>TQoisMDRkRM/T_QLRsg2UeI/AAAAAAAAAPA/ZmbB3KCsH9g/image_thumb%2525255B13%2525255D.png%3Fimgmax%3D800</a:t>
-            </a:r>
-            <a:endParaRPr lang="de-DE" u="sng" dirty="0" smtClean="0"/>
-          </a:p>
-          <a:p>
+              <a:t>nc-purschst3/garten/klima/Sonne.jpg</a:t>
+            </a:r>
+            <a:endParaRPr lang="de-DE" dirty="0" smtClean="0"/>
+          </a:p>
+          <a:p>
+            <a:r>
+              <a:rPr lang="de-DE" dirty="0" smtClean="0">
+                <a:hlinkClick r:id="rId3"/>
+              </a:rPr>
+              <a:t>http</a:t>
+            </a:r>
             <a:r>
               <a:rPr lang="de-DE" dirty="0">
                 <a:hlinkClick r:id="rId3"/>
               </a:rPr>
-              <a:t>http://</a:t>
+              <a:t>://</a:t>
             </a:r>
             <a:r>
               <a:rPr lang="de-DE" dirty="0" smtClean="0">
                 <a:hlinkClick r:id="rId3"/>
               </a:rPr>
-              <a:t>www.dma.ufg.ac.at/assets/13152/intern/konkaves.jpg</a:t>
+              <a:t>de.wikipedia.org/wiki/Sonnenstand</a:t>
             </a:r>
             <a:endParaRPr lang="de-DE" dirty="0" smtClean="0"/>
           </a:p>
@@ -20620,13 +21558,13 @@
               <a:rPr lang="de-DE" dirty="0">
                 <a:hlinkClick r:id="rId4"/>
               </a:rPr>
-              <a:t>http://profs.sci.univr.it/~</a:t>
+              <a:t>http://</a:t>
             </a:r>
             <a:r>
               <a:rPr lang="de-DE" dirty="0" smtClean="0">
                 <a:hlinkClick r:id="rId4"/>
               </a:rPr>
-              <a:t>colombar/html_openGL_tutorial/images/triangle_strips.gif</a:t>
+              <a:t>stackoverflow.com/questions/1406029/how-to-calculate-the-volume-of-a-3d-mesh-object-the-surface-of-which-is-made-up</a:t>
             </a:r>
             <a:endParaRPr lang="de-DE" dirty="0" smtClean="0"/>
           </a:p>
@@ -20635,33 +21573,59 @@
               <a:rPr lang="de-DE" dirty="0">
                 <a:hlinkClick r:id="rId5"/>
               </a:rPr>
-              <a:t>http://profs.sci.univr.it/~</a:t>
+              <a:t>http://www.jocl.org</a:t>
             </a:r>
             <a:r>
               <a:rPr lang="de-DE" dirty="0" smtClean="0">
                 <a:hlinkClick r:id="rId5"/>
               </a:rPr>
-              <a:t>colombar/html_openGL_tutorial/images/triangle_fans.gif</a:t>
+              <a:t>/</a:t>
             </a:r>
             <a:endParaRPr lang="de-DE" dirty="0" smtClean="0"/>
           </a:p>
           <a:p>
+            <a:r>
+              <a:rPr lang="de-DE" dirty="0">
+                <a:hlinkClick r:id="rId6"/>
+              </a:rPr>
+              <a:t>http://</a:t>
+            </a:r>
+            <a:r>
+              <a:rPr lang="de-DE" dirty="0" smtClean="0">
+                <a:hlinkClick r:id="rId6"/>
+              </a:rPr>
+              <a:t>www.khronos.org/registry/cl/specs/opencl-1.1.pdf</a:t>
+            </a:r>
             <a:endParaRPr lang="de-DE" dirty="0" smtClean="0"/>
           </a:p>
-          <a:p>
-            <a:endParaRPr lang="de-DE" dirty="0" smtClean="0"/>
-          </a:p>
-          <a:p>
+        </p:txBody>
+      </p:sp>
+      <p:sp>
+        <p:nvSpPr>
+          <p:cNvPr id="3" name="Titel 2"/>
+          <p:cNvSpPr>
+            <a:spLocks noGrp="1"/>
+          </p:cNvSpPr>
+          <p:nvPr>
+            <p:ph type="title"/>
+          </p:nvPr>
+        </p:nvSpPr>
+        <p:spPr/>
+        <p:txBody>
+          <a:bodyPr/>
+          <a:lstStyle/>
+          <a:p>
+            <a:r>
+              <a:rPr lang="de-DE" dirty="0" smtClean="0"/>
+              <a:t>Quellen (1/3)</a:t>
+            </a:r>
             <a:endParaRPr lang="de-DE" dirty="0"/>
           </a:p>
-          <a:p>
-            <a:endParaRPr lang="de-DE" dirty="0"/>
-          </a:p>
-        </p:txBody>
-      </p:sp>
-      <p:sp>
-        <p:nvSpPr>
-          <p:cNvPr id="3" name="Date Placeholder 2"/>
+        </p:txBody>
+      </p:sp>
+      <p:sp>
+        <p:nvSpPr>
+          <p:cNvPr id="4" name="Datumsplatzhalter 3"/>
           <p:cNvSpPr>
             <a:spLocks noGrp="1"/>
           </p:cNvSpPr>
@@ -20684,7 +21648,7 @@
       </p:sp>
       <p:sp>
         <p:nvSpPr>
-          <p:cNvPr id="4" name="Slide Number Placeholder 3"/>
+          <p:cNvPr id="5" name="Foliennummernplatzhalter 4"/>
           <p:cNvSpPr>
             <a:spLocks noGrp="1"/>
           </p:cNvSpPr>
@@ -20706,33 +21670,10 @@
           </a:p>
         </p:txBody>
       </p:sp>
-      <p:sp>
-        <p:nvSpPr>
-          <p:cNvPr id="5" name="Title 4"/>
-          <p:cNvSpPr>
-            <a:spLocks noGrp="1"/>
-          </p:cNvSpPr>
-          <p:nvPr>
-            <p:ph type="title"/>
-          </p:nvPr>
-        </p:nvSpPr>
-        <p:spPr/>
-        <p:txBody>
-          <a:bodyPr/>
-          <a:lstStyle/>
-          <a:p>
-            <a:r>
-              <a:rPr lang="de-DE" dirty="0" smtClean="0"/>
-              <a:t>Quellen (2/3)</a:t>
-            </a:r>
-            <a:endParaRPr lang="de-DE" dirty="0"/>
-          </a:p>
-        </p:txBody>
-      </p:sp>
     </p:spTree>
     <p:extLst>
       <p:ext uri="{BB962C8B-B14F-4D97-AF65-F5344CB8AC3E}">
-        <p14:creationId xmlns:p14="http://schemas.microsoft.com/office/powerpoint/2010/main" val="3236726599"/>
+        <p14:creationId xmlns:p14="http://schemas.microsoft.com/office/powerpoint/2010/main" val="1704796354"/>
       </p:ext>
     </p:extLst>
   </p:cSld>
@@ -20768,6 +21709,224 @@
       </p:grpSpPr>
       <p:sp>
         <p:nvSpPr>
+          <p:cNvPr id="2" name="Content Placeholder 1"/>
+          <p:cNvSpPr>
+            <a:spLocks noGrp="1"/>
+          </p:cNvSpPr>
+          <p:nvPr>
+            <p:ph idx="1"/>
+          </p:nvPr>
+        </p:nvSpPr>
+        <p:spPr/>
+        <p:txBody>
+          <a:bodyPr>
+            <a:normAutofit lnSpcReduction="10000"/>
+          </a:bodyPr>
+          <a:lstStyle/>
+          <a:p>
+            <a:r>
+              <a:rPr lang="de-DE" dirty="0" smtClean="0"/>
+              <a:t>Bild auf Seite 16:</a:t>
+            </a:r>
+            <a:r>
+              <a:rPr lang="de-DE" u="sng" dirty="0" smtClean="0">
+                <a:hlinkClick r:id="rId2"/>
+              </a:rPr>
+              <a:t/>
+            </a:r>
+            <a:br>
+              <a:rPr lang="de-DE" u="sng" dirty="0" smtClean="0">
+                <a:hlinkClick r:id="rId2"/>
+              </a:rPr>
+            </a:br>
+            <a:r>
+              <a:rPr lang="de-DE" u="sng" dirty="0" smtClean="0">
+                <a:hlinkClick r:id="rId2"/>
+              </a:rPr>
+              <a:t>http</a:t>
+            </a:r>
+            <a:r>
+              <a:rPr lang="de-DE" u="sng" dirty="0">
+                <a:hlinkClick r:id="rId2"/>
+              </a:rPr>
+              <a:t>://lh5.ggpht.com/-</a:t>
+            </a:r>
+            <a:r>
+              <a:rPr lang="de-DE" u="sng" dirty="0" smtClean="0">
+                <a:hlinkClick r:id="rId2"/>
+              </a:rPr>
+              <a:t>TQoisMDRkRM/T_QLRsg2UeI/AAAAAAAAAPA/ZmbB3KCsH9g/image_thumb%2525255B13%2525255D.png%3Fimgmax%3D800</a:t>
+            </a:r>
+            <a:endParaRPr lang="de-DE" u="sng" dirty="0" smtClean="0"/>
+          </a:p>
+          <a:p>
+            <a:r>
+              <a:rPr lang="de-DE" dirty="0">
+                <a:hlinkClick r:id="rId3"/>
+              </a:rPr>
+              <a:t>http://</a:t>
+            </a:r>
+            <a:r>
+              <a:rPr lang="de-DE" dirty="0" smtClean="0">
+                <a:hlinkClick r:id="rId3"/>
+              </a:rPr>
+              <a:t>www.dma.ufg.ac.at/assets/13152/intern/konkaves.jpg</a:t>
+            </a:r>
+            <a:endParaRPr lang="de-DE" dirty="0" smtClean="0"/>
+          </a:p>
+          <a:p>
+            <a:r>
+              <a:rPr lang="de-DE" dirty="0">
+                <a:hlinkClick r:id="rId4"/>
+              </a:rPr>
+              <a:t>http://profs.sci.univr.it/~</a:t>
+            </a:r>
+            <a:r>
+              <a:rPr lang="de-DE" dirty="0" smtClean="0">
+                <a:hlinkClick r:id="rId4"/>
+              </a:rPr>
+              <a:t>colombar/html_openGL_tutorial/images/triangle_strips.gif</a:t>
+            </a:r>
+            <a:endParaRPr lang="de-DE" dirty="0" smtClean="0"/>
+          </a:p>
+          <a:p>
+            <a:r>
+              <a:rPr lang="de-DE" dirty="0">
+                <a:hlinkClick r:id="rId5"/>
+              </a:rPr>
+              <a:t>http://profs.sci.univr.it/~</a:t>
+            </a:r>
+            <a:r>
+              <a:rPr lang="de-DE" dirty="0" smtClean="0">
+                <a:hlinkClick r:id="rId5"/>
+              </a:rPr>
+              <a:t>colombar/html_openGL_tutorial/images/triangle_fans.gif</a:t>
+            </a:r>
+            <a:endParaRPr lang="de-DE" dirty="0" smtClean="0"/>
+          </a:p>
+          <a:p>
+            <a:endParaRPr lang="de-DE" dirty="0" smtClean="0"/>
+          </a:p>
+          <a:p>
+            <a:endParaRPr lang="de-DE" dirty="0" smtClean="0"/>
+          </a:p>
+          <a:p>
+            <a:endParaRPr lang="de-DE" dirty="0"/>
+          </a:p>
+          <a:p>
+            <a:endParaRPr lang="de-DE" dirty="0"/>
+          </a:p>
+        </p:txBody>
+      </p:sp>
+      <p:sp>
+        <p:nvSpPr>
+          <p:cNvPr id="3" name="Date Placeholder 2"/>
+          <p:cNvSpPr>
+            <a:spLocks noGrp="1"/>
+          </p:cNvSpPr>
+          <p:nvPr>
+            <p:ph type="dt" sz="half" idx="10"/>
+          </p:nvPr>
+        </p:nvSpPr>
+        <p:spPr/>
+        <p:txBody>
+          <a:bodyPr/>
+          <a:lstStyle/>
+          <a:p>
+            <a:r>
+              <a:rPr lang="de-DE" smtClean="0"/>
+              <a:t>23.06.2014</a:t>
+            </a:r>
+            <a:endParaRPr lang="de-DE"/>
+          </a:p>
+        </p:txBody>
+      </p:sp>
+      <p:sp>
+        <p:nvSpPr>
+          <p:cNvPr id="4" name="Slide Number Placeholder 3"/>
+          <p:cNvSpPr>
+            <a:spLocks noGrp="1"/>
+          </p:cNvSpPr>
+          <p:nvPr>
+            <p:ph type="sldNum" sz="quarter" idx="12"/>
+          </p:nvPr>
+        </p:nvSpPr>
+        <p:spPr/>
+        <p:txBody>
+          <a:bodyPr/>
+          <a:lstStyle/>
+          <a:p>
+            <a:fld id="{02075A8B-51D4-4999-A4F2-B3FAC6295E4D}" type="slidenum">
+              <a:rPr lang="de-DE" smtClean="0"/>
+              <a:pPr/>
+              <a:t>78</a:t>
+            </a:fld>
+            <a:endParaRPr lang="de-DE"/>
+          </a:p>
+        </p:txBody>
+      </p:sp>
+      <p:sp>
+        <p:nvSpPr>
+          <p:cNvPr id="5" name="Title 4"/>
+          <p:cNvSpPr>
+            <a:spLocks noGrp="1"/>
+          </p:cNvSpPr>
+          <p:nvPr>
+            <p:ph type="title"/>
+          </p:nvPr>
+        </p:nvSpPr>
+        <p:spPr/>
+        <p:txBody>
+          <a:bodyPr/>
+          <a:lstStyle/>
+          <a:p>
+            <a:r>
+              <a:rPr lang="de-DE" dirty="0" smtClean="0"/>
+              <a:t>Quellen (2/3)</a:t>
+            </a:r>
+            <a:endParaRPr lang="de-DE" dirty="0"/>
+          </a:p>
+        </p:txBody>
+      </p:sp>
+    </p:spTree>
+    <p:extLst>
+      <p:ext uri="{BB962C8B-B14F-4D97-AF65-F5344CB8AC3E}">
+        <p14:creationId xmlns:p14="http://schemas.microsoft.com/office/powerpoint/2010/main" val="3236726599"/>
+      </p:ext>
+    </p:extLst>
+  </p:cSld>
+  <p:clrMapOvr>
+    <a:masterClrMapping/>
+  </p:clrMapOvr>
+  <p:timing>
+    <p:tnLst>
+      <p:par>
+        <p:cTn id="1" dur="indefinite" restart="never" nodeType="tmRoot"/>
+      </p:par>
+    </p:tnLst>
+  </p:timing>
+</p:sld>
+</file>
+
+<file path=ppt/slides/slide79.xml><?xml version="1.0" encoding="utf-8"?>
+<p:sld xmlns:a="http://schemas.openxmlformats.org/drawingml/2006/main" xmlns:r="http://schemas.openxmlformats.org/officeDocument/2006/relationships" xmlns:p="http://schemas.openxmlformats.org/presentationml/2006/main">
+  <p:cSld>
+    <p:spTree>
+      <p:nvGrpSpPr>
+        <p:cNvPr id="1" name=""/>
+        <p:cNvGrpSpPr/>
+        <p:nvPr/>
+      </p:nvGrpSpPr>
+      <p:grpSpPr>
+        <a:xfrm>
+          <a:off x="0" y="0"/>
+          <a:ext cx="0" cy="0"/>
+          <a:chOff x="0" y="0"/>
+          <a:chExt cx="0" cy="0"/>
+        </a:xfrm>
+      </p:grpSpPr>
+      <p:sp>
+        <p:nvSpPr>
           <p:cNvPr id="2" name="Inhaltsplatzhalter 1"/>
           <p:cNvSpPr>
             <a:spLocks noGrp="1"/>
@@ -20864,7 +22023,7 @@
             <a:fld id="{02075A8B-51D4-4999-A4F2-B3FAC6295E4D}" type="slidenum">
               <a:rPr lang="de-DE" smtClean="0"/>
               <a:pPr/>
-              <a:t>78</a:t>
+              <a:t>79</a:t>
             </a:fld>
             <a:endParaRPr lang="de-DE"/>
           </a:p>

--- a/doku/präsentation nicht komplett/vCity-Präsentation.pptx
+++ b/doku/präsentation nicht komplett/vCity-Präsentation.pptx
@@ -5,7 +5,7 @@
     <p:sldMasterId id="2147483708" r:id="rId1"/>
   </p:sldMasterIdLst>
   <p:notesMasterIdLst>
-    <p:notesMasterId r:id="rId81"/>
+    <p:notesMasterId r:id="rId82"/>
   </p:notesMasterIdLst>
   <p:sldIdLst>
     <p:sldId id="256" r:id="rId2"/>
@@ -34,59 +34,60 @@
     <p:sldId id="318" r:id="rId25"/>
     <p:sldId id="319" r:id="rId26"/>
     <p:sldId id="320" r:id="rId27"/>
-    <p:sldId id="321" r:id="rId28"/>
-    <p:sldId id="322" r:id="rId29"/>
-    <p:sldId id="323" r:id="rId30"/>
-    <p:sldId id="324" r:id="rId31"/>
-    <p:sldId id="325" r:id="rId32"/>
-    <p:sldId id="326" r:id="rId33"/>
-    <p:sldId id="327" r:id="rId34"/>
-    <p:sldId id="328" r:id="rId35"/>
-    <p:sldId id="329" r:id="rId36"/>
-    <p:sldId id="296" r:id="rId37"/>
-    <p:sldId id="297" r:id="rId38"/>
-    <p:sldId id="298" r:id="rId39"/>
-    <p:sldId id="341" r:id="rId40"/>
-    <p:sldId id="304" r:id="rId41"/>
-    <p:sldId id="302" r:id="rId42"/>
-    <p:sldId id="340" r:id="rId43"/>
-    <p:sldId id="305" r:id="rId44"/>
-    <p:sldId id="291" r:id="rId45"/>
-    <p:sldId id="272" r:id="rId46"/>
-    <p:sldId id="278" r:id="rId47"/>
-    <p:sldId id="273" r:id="rId48"/>
-    <p:sldId id="274" r:id="rId49"/>
-    <p:sldId id="275" r:id="rId50"/>
-    <p:sldId id="276" r:id="rId51"/>
-    <p:sldId id="277" r:id="rId52"/>
-    <p:sldId id="279" r:id="rId53"/>
-    <p:sldId id="269" r:id="rId54"/>
-    <p:sldId id="271" r:id="rId55"/>
-    <p:sldId id="257" r:id="rId56"/>
-    <p:sldId id="258" r:id="rId57"/>
-    <p:sldId id="259" r:id="rId58"/>
-    <p:sldId id="260" r:id="rId59"/>
-    <p:sldId id="261" r:id="rId60"/>
-    <p:sldId id="262" r:id="rId61"/>
-    <p:sldId id="263" r:id="rId62"/>
-    <p:sldId id="264" r:id="rId63"/>
-    <p:sldId id="265" r:id="rId64"/>
-    <p:sldId id="266" r:id="rId65"/>
-    <p:sldId id="267" r:id="rId66"/>
-    <p:sldId id="332" r:id="rId67"/>
-    <p:sldId id="306" r:id="rId68"/>
-    <p:sldId id="314" r:id="rId69"/>
-    <p:sldId id="316" r:id="rId70"/>
-    <p:sldId id="313" r:id="rId71"/>
-    <p:sldId id="315" r:id="rId72"/>
-    <p:sldId id="310" r:id="rId73"/>
-    <p:sldId id="312" r:id="rId74"/>
-    <p:sldId id="311" r:id="rId75"/>
-    <p:sldId id="309" r:id="rId76"/>
-    <p:sldId id="293" r:id="rId77"/>
-    <p:sldId id="268" r:id="rId78"/>
-    <p:sldId id="330" r:id="rId79"/>
-    <p:sldId id="270" r:id="rId80"/>
+    <p:sldId id="342" r:id="rId28"/>
+    <p:sldId id="321" r:id="rId29"/>
+    <p:sldId id="322" r:id="rId30"/>
+    <p:sldId id="323" r:id="rId31"/>
+    <p:sldId id="324" r:id="rId32"/>
+    <p:sldId id="325" r:id="rId33"/>
+    <p:sldId id="326" r:id="rId34"/>
+    <p:sldId id="327" r:id="rId35"/>
+    <p:sldId id="328" r:id="rId36"/>
+    <p:sldId id="329" r:id="rId37"/>
+    <p:sldId id="296" r:id="rId38"/>
+    <p:sldId id="297" r:id="rId39"/>
+    <p:sldId id="298" r:id="rId40"/>
+    <p:sldId id="341" r:id="rId41"/>
+    <p:sldId id="304" r:id="rId42"/>
+    <p:sldId id="302" r:id="rId43"/>
+    <p:sldId id="340" r:id="rId44"/>
+    <p:sldId id="305" r:id="rId45"/>
+    <p:sldId id="291" r:id="rId46"/>
+    <p:sldId id="272" r:id="rId47"/>
+    <p:sldId id="278" r:id="rId48"/>
+    <p:sldId id="273" r:id="rId49"/>
+    <p:sldId id="274" r:id="rId50"/>
+    <p:sldId id="275" r:id="rId51"/>
+    <p:sldId id="276" r:id="rId52"/>
+    <p:sldId id="277" r:id="rId53"/>
+    <p:sldId id="279" r:id="rId54"/>
+    <p:sldId id="269" r:id="rId55"/>
+    <p:sldId id="271" r:id="rId56"/>
+    <p:sldId id="257" r:id="rId57"/>
+    <p:sldId id="258" r:id="rId58"/>
+    <p:sldId id="259" r:id="rId59"/>
+    <p:sldId id="260" r:id="rId60"/>
+    <p:sldId id="261" r:id="rId61"/>
+    <p:sldId id="262" r:id="rId62"/>
+    <p:sldId id="263" r:id="rId63"/>
+    <p:sldId id="264" r:id="rId64"/>
+    <p:sldId id="265" r:id="rId65"/>
+    <p:sldId id="266" r:id="rId66"/>
+    <p:sldId id="267" r:id="rId67"/>
+    <p:sldId id="332" r:id="rId68"/>
+    <p:sldId id="306" r:id="rId69"/>
+    <p:sldId id="314" r:id="rId70"/>
+    <p:sldId id="316" r:id="rId71"/>
+    <p:sldId id="313" r:id="rId72"/>
+    <p:sldId id="315" r:id="rId73"/>
+    <p:sldId id="310" r:id="rId74"/>
+    <p:sldId id="312" r:id="rId75"/>
+    <p:sldId id="311" r:id="rId76"/>
+    <p:sldId id="309" r:id="rId77"/>
+    <p:sldId id="293" r:id="rId78"/>
+    <p:sldId id="268" r:id="rId79"/>
+    <p:sldId id="330" r:id="rId80"/>
+    <p:sldId id="270" r:id="rId81"/>
   </p:sldIdLst>
   <p:sldSz cx="9144000" cy="6858000" type="screen4x3"/>
   <p:notesSz cx="6858000" cy="9144000"/>
@@ -287,7 +288,7 @@
             <a:fld id="{818EA85A-F392-4AA9-AA1C-721538E5A23E}" type="datetimeFigureOut">
               <a:rPr lang="de-DE" smtClean="0"/>
               <a:pPr/>
-              <a:t>22.06.2014</a:t>
+              <a:t>23.06.2014</a:t>
             </a:fld>
             <a:endParaRPr lang="de-DE"/>
           </a:p>
@@ -447,7 +448,7 @@
             <a:fld id="{B83A044C-E8EF-4CD0-9F6B-22623A7684E2}" type="slidenum">
               <a:rPr lang="de-DE" smtClean="0"/>
               <a:pPr/>
-              <a:t>‹Nr.›</a:t>
+              <a:t>‹#›</a:t>
             </a:fld>
             <a:endParaRPr lang="de-DE"/>
           </a:p>
@@ -687,21 +688,30 @@
           <a:p>
             <a:r>
               <a:rPr lang="de-DE" dirty="0" smtClean="0"/>
-              <a:t>DTD (</a:t>
-            </a:r>
-            <a:r>
-              <a:rPr lang="de-DE" dirty="0" err="1" smtClean="0"/>
-              <a:t>Document</a:t>
+              <a:t>(Extensible</a:t>
             </a:r>
             <a:r>
               <a:rPr lang="de-DE" baseline="0" dirty="0" smtClean="0"/>
-              <a:t> </a:t>
-            </a:r>
-            <a:r>
-              <a:rPr lang="de-DE" baseline="0" smtClean="0"/>
-              <a:t>Type Definition)</a:t>
-            </a:r>
-            <a:endParaRPr lang="de-DE"/>
+              <a:t> Markup Language)</a:t>
+            </a:r>
+          </a:p>
+          <a:p>
+            <a:endParaRPr lang="de-DE" baseline="0" dirty="0" smtClean="0"/>
+          </a:p>
+          <a:p>
+            <a:r>
+              <a:rPr lang="de-DE" baseline="0" dirty="0" smtClean="0"/>
+              <a:t>Framework weil </a:t>
+            </a:r>
+            <a:r>
+              <a:rPr lang="de-DE" baseline="0" dirty="0" err="1" smtClean="0"/>
+              <a:t>performant</a:t>
+            </a:r>
+            <a:r>
+              <a:rPr lang="de-DE" baseline="0" dirty="0" smtClean="0"/>
+              <a:t> und einfach</a:t>
+            </a:r>
+            <a:endParaRPr lang="de-DE" dirty="0"/>
           </a:p>
         </p:txBody>
       </p:sp>
@@ -732,7 +742,7 @@
     </p:spTree>
     <p:extLst>
       <p:ext uri="{BB962C8B-B14F-4D97-AF65-F5344CB8AC3E}">
-        <p14:creationId xmlns:p14="http://schemas.microsoft.com/office/powerpoint/2010/main" val="402743665"/>
+        <p14:creationId xmlns:p14="http://schemas.microsoft.com/office/powerpoint/2010/main" val="1404064626"/>
       </p:ext>
     </p:extLst>
   </p:cSld>
@@ -786,7 +796,23 @@
           <a:bodyPr/>
           <a:lstStyle/>
           <a:p>
-            <a:endParaRPr lang="de-DE" dirty="0"/>
+            <a:r>
+              <a:rPr lang="de-DE" dirty="0" smtClean="0"/>
+              <a:t>DTD (</a:t>
+            </a:r>
+            <a:r>
+              <a:rPr lang="de-DE" dirty="0" err="1" smtClean="0"/>
+              <a:t>Document</a:t>
+            </a:r>
+            <a:r>
+              <a:rPr lang="de-DE" baseline="0" dirty="0" smtClean="0"/>
+              <a:t> </a:t>
+            </a:r>
+            <a:r>
+              <a:rPr lang="de-DE" baseline="0" smtClean="0"/>
+              <a:t>Type Definition)</a:t>
+            </a:r>
+            <a:endParaRPr lang="de-DE"/>
           </a:p>
         </p:txBody>
       </p:sp>
@@ -808,7 +834,92 @@
             <a:fld id="{B83A044C-E8EF-4CD0-9F6B-22623A7684E2}" type="slidenum">
               <a:rPr lang="de-DE" smtClean="0"/>
               <a:pPr/>
-              <a:t>55</a:t>
+              <a:t>40</a:t>
+            </a:fld>
+            <a:endParaRPr lang="de-DE"/>
+          </a:p>
+        </p:txBody>
+      </p:sp>
+    </p:spTree>
+    <p:extLst>
+      <p:ext uri="{BB962C8B-B14F-4D97-AF65-F5344CB8AC3E}">
+        <p14:creationId xmlns:p14="http://schemas.microsoft.com/office/powerpoint/2010/main" val="402743665"/>
+      </p:ext>
+    </p:extLst>
+  </p:cSld>
+  <p:clrMapOvr>
+    <a:masterClrMapping/>
+  </p:clrMapOvr>
+</p:notes>
+</file>
+
+<file path=ppt/notesSlides/notesSlide12.xml><?xml version="1.0" encoding="utf-8"?>
+<p:notes xmlns:a="http://schemas.openxmlformats.org/drawingml/2006/main" xmlns:r="http://schemas.openxmlformats.org/officeDocument/2006/relationships" xmlns:p="http://schemas.openxmlformats.org/presentationml/2006/main">
+  <p:cSld>
+    <p:spTree>
+      <p:nvGrpSpPr>
+        <p:cNvPr id="1" name=""/>
+        <p:cNvGrpSpPr/>
+        <p:nvPr/>
+      </p:nvGrpSpPr>
+      <p:grpSpPr>
+        <a:xfrm>
+          <a:off x="0" y="0"/>
+          <a:ext cx="0" cy="0"/>
+          <a:chOff x="0" y="0"/>
+          <a:chExt cx="0" cy="0"/>
+        </a:xfrm>
+      </p:grpSpPr>
+      <p:sp>
+        <p:nvSpPr>
+          <p:cNvPr id="2" name="Folienbildplatzhalter 1"/>
+          <p:cNvSpPr>
+            <a:spLocks noGrp="1" noRot="1" noChangeAspect="1"/>
+          </p:cNvSpPr>
+          <p:nvPr>
+            <p:ph type="sldImg"/>
+          </p:nvPr>
+        </p:nvSpPr>
+        <p:spPr/>
+      </p:sp>
+      <p:sp>
+        <p:nvSpPr>
+          <p:cNvPr id="3" name="Notizenplatzhalter 2"/>
+          <p:cNvSpPr>
+            <a:spLocks noGrp="1"/>
+          </p:cNvSpPr>
+          <p:nvPr>
+            <p:ph type="body" idx="1"/>
+          </p:nvPr>
+        </p:nvSpPr>
+        <p:spPr/>
+        <p:txBody>
+          <a:bodyPr/>
+          <a:lstStyle/>
+          <a:p>
+            <a:endParaRPr lang="de-DE" dirty="0"/>
+          </a:p>
+        </p:txBody>
+      </p:sp>
+      <p:sp>
+        <p:nvSpPr>
+          <p:cNvPr id="4" name="Foliennummernplatzhalter 3"/>
+          <p:cNvSpPr>
+            <a:spLocks noGrp="1"/>
+          </p:cNvSpPr>
+          <p:nvPr>
+            <p:ph type="sldNum" sz="quarter" idx="10"/>
+          </p:nvPr>
+        </p:nvSpPr>
+        <p:spPr/>
+        <p:txBody>
+          <a:bodyPr/>
+          <a:lstStyle/>
+          <a:p>
+            <a:fld id="{B83A044C-E8EF-4CD0-9F6B-22623A7684E2}" type="slidenum">
+              <a:rPr lang="de-DE" smtClean="0"/>
+              <a:pPr/>
+              <a:t>56</a:t>
             </a:fld>
             <a:endParaRPr lang="de-DE"/>
           </a:p>
@@ -1382,7 +1493,32 @@
           <a:bodyPr/>
           <a:lstStyle/>
           <a:p>
-            <a:endParaRPr lang="de-DE" dirty="0"/>
+            <a:r>
+              <a:rPr lang="de-DE" dirty="0" smtClean="0"/>
+              <a:t>Die</a:t>
+            </a:r>
+            <a:r>
+              <a:rPr lang="de-DE" baseline="0" dirty="0" smtClean="0"/>
+              <a:t> Eingelesenen Daten werden für die Berechnung und dem Renderer aufbereitet.</a:t>
+            </a:r>
+          </a:p>
+          <a:p>
+            <a:r>
+              <a:rPr lang="de-DE" baseline="0" dirty="0" smtClean="0"/>
+              <a:t>Dazu zählen versch und Drehung.</a:t>
+            </a:r>
+          </a:p>
+          <a:p>
+            <a:r>
+              <a:rPr lang="de-DE" baseline="0" dirty="0" smtClean="0"/>
+              <a:t>Transformation  mithilfe homogonen Koordinaten. Das bedeutet die Vektoren werden eine Dimension erhöht somit ist werden die berechnungen einfacher</a:t>
+            </a:r>
+          </a:p>
+          <a:p>
+            <a:r>
+              <a:rPr lang="de-DE" baseline="0" dirty="0" smtClean="0"/>
+              <a:t>Die berechnungen werden vereinheitlich es werden nur Matrixmultiplkationen benötigt</a:t>
+            </a:r>
           </a:p>
         </p:txBody>
       </p:sp>
@@ -1401,9 +1537,10 @@
           <a:bodyPr/>
           <a:lstStyle/>
           <a:p>
-            <a:fld id="{56008F65-3CF6-4B99-B0C1-6B42DB428529}" type="slidenum">
+            <a:fld id="{B83A044C-E8EF-4CD0-9F6B-22623A7684E2}" type="slidenum">
               <a:rPr lang="de-DE" smtClean="0"/>
-              <a:t>35</a:t>
+              <a:pPr/>
+              <a:t>28</a:t>
             </a:fld>
             <a:endParaRPr lang="de-DE"/>
           </a:p>
@@ -1412,7 +1549,7 @@
     </p:spTree>
     <p:extLst>
       <p:ext uri="{BB962C8B-B14F-4D97-AF65-F5344CB8AC3E}">
-        <p14:creationId xmlns:p14="http://schemas.microsoft.com/office/powerpoint/2010/main" val="2279118210"/>
+        <p14:creationId xmlns:p14="http://schemas.microsoft.com/office/powerpoint/2010/main" val="2362968161"/>
       </p:ext>
     </p:extLst>
   </p:cSld>
@@ -1441,7 +1578,7 @@
       </p:grpSpPr>
       <p:sp>
         <p:nvSpPr>
-          <p:cNvPr id="2" name="Folienbildplatzhalter 1"/>
+          <p:cNvPr id="2" name="Slide Image Placeholder 1"/>
           <p:cNvSpPr>
             <a:spLocks noGrp="1" noRot="1" noChangeAspect="1"/>
           </p:cNvSpPr>
@@ -1453,7 +1590,7 @@
       </p:sp>
       <p:sp>
         <p:nvSpPr>
-          <p:cNvPr id="3" name="Notizenplatzhalter 2"/>
+          <p:cNvPr id="3" name="Notes Placeholder 2"/>
           <p:cNvSpPr>
             <a:spLocks noGrp="1"/>
           </p:cNvSpPr>
@@ -1466,42 +1603,13 @@
           <a:bodyPr/>
           <a:lstStyle/>
           <a:p>
-            <a:r>
-              <a:rPr lang="de-DE" dirty="0" err="1" smtClean="0"/>
-              <a:t>Comma</a:t>
-            </a:r>
-            <a:r>
-              <a:rPr lang="de-DE" dirty="0" smtClean="0"/>
-              <a:t> </a:t>
-            </a:r>
-            <a:r>
-              <a:rPr lang="de-DE" dirty="0" err="1" smtClean="0"/>
-              <a:t>Separated</a:t>
-            </a:r>
-            <a:r>
-              <a:rPr lang="de-DE" dirty="0" smtClean="0"/>
-              <a:t> Value</a:t>
-            </a:r>
-          </a:p>
-          <a:p>
-            <a:endParaRPr lang="de-DE" dirty="0" smtClean="0"/>
-          </a:p>
-          <a:p>
-            <a:r>
-              <a:rPr lang="de-DE" dirty="0" smtClean="0"/>
-              <a:t>Kein</a:t>
-            </a:r>
-            <a:r>
-              <a:rPr lang="de-DE" baseline="0" dirty="0" smtClean="0"/>
-              <a:t> Framework, Java File Writer</a:t>
-            </a:r>
             <a:endParaRPr lang="de-DE" dirty="0"/>
           </a:p>
         </p:txBody>
       </p:sp>
       <p:sp>
         <p:nvSpPr>
-          <p:cNvPr id="4" name="Foliennummernplatzhalter 3"/>
+          <p:cNvPr id="4" name="Slide Number Placeholder 3"/>
           <p:cNvSpPr>
             <a:spLocks noGrp="1"/>
           </p:cNvSpPr>
@@ -1514,9 +1622,8 @@
           <a:bodyPr/>
           <a:lstStyle/>
           <a:p>
-            <a:fld id="{B83A044C-E8EF-4CD0-9F6B-22623A7684E2}" type="slidenum">
+            <a:fld id="{56008F65-3CF6-4B99-B0C1-6B42DB428529}" type="slidenum">
               <a:rPr lang="de-DE" smtClean="0"/>
-              <a:pPr/>
               <a:t>36</a:t>
             </a:fld>
             <a:endParaRPr lang="de-DE"/>
@@ -1526,7 +1633,7 @@
     </p:spTree>
     <p:extLst>
       <p:ext uri="{BB962C8B-B14F-4D97-AF65-F5344CB8AC3E}">
-        <p14:creationId xmlns:p14="http://schemas.microsoft.com/office/powerpoint/2010/main" val="3058436857"/>
+        <p14:creationId xmlns:p14="http://schemas.microsoft.com/office/powerpoint/2010/main" val="2279118210"/>
       </p:ext>
     </p:extLst>
   </p:cSld>
@@ -1582,24 +1689,32 @@
           <a:p>
             <a:r>
               <a:rPr lang="de-DE" dirty="0" err="1" smtClean="0"/>
-              <a:t>Geography</a:t>
+              <a:t>Comma</a:t>
+            </a:r>
+            <a:r>
+              <a:rPr lang="de-DE" dirty="0" smtClean="0"/>
+              <a:t> </a:t>
+            </a:r>
+            <a:r>
+              <a:rPr lang="de-DE" dirty="0" err="1" smtClean="0"/>
+              <a:t>Separated</a:t>
+            </a:r>
+            <a:r>
+              <a:rPr lang="de-DE" dirty="0" smtClean="0"/>
+              <a:t> Value</a:t>
+            </a:r>
+          </a:p>
+          <a:p>
+            <a:endParaRPr lang="de-DE" dirty="0" smtClean="0"/>
+          </a:p>
+          <a:p>
+            <a:r>
+              <a:rPr lang="de-DE" dirty="0" smtClean="0"/>
+              <a:t>Kein</a:t>
             </a:r>
             <a:r>
               <a:rPr lang="de-DE" baseline="0" dirty="0" smtClean="0"/>
-              <a:t> Markup Language</a:t>
-            </a:r>
-          </a:p>
-          <a:p>
-            <a:endParaRPr lang="de-DE" baseline="0" dirty="0" smtClean="0"/>
-          </a:p>
-          <a:p>
-            <a:r>
-              <a:rPr lang="de-DE" dirty="0" smtClean="0"/>
-              <a:t>Zu jedem</a:t>
-            </a:r>
-            <a:r>
-              <a:rPr lang="de-DE" baseline="0" dirty="0" smtClean="0"/>
-              <a:t> Gebäude wird ein Double Attribut hinzugefügt</a:t>
+              <a:t> Framework, Java File Writer</a:t>
             </a:r>
             <a:endParaRPr lang="de-DE" dirty="0"/>
           </a:p>
@@ -1632,7 +1747,7 @@
     </p:spTree>
     <p:extLst>
       <p:ext uri="{BB962C8B-B14F-4D97-AF65-F5344CB8AC3E}">
-        <p14:creationId xmlns:p14="http://schemas.microsoft.com/office/powerpoint/2010/main" val="3748730140"/>
+        <p14:creationId xmlns:p14="http://schemas.microsoft.com/office/powerpoint/2010/main" val="3058436857"/>
       </p:ext>
     </p:extLst>
   </p:cSld>
@@ -1687,12 +1802,12 @@
           <a:lstStyle/>
           <a:p>
             <a:r>
-              <a:rPr lang="de-DE" dirty="0" smtClean="0"/>
-              <a:t>(Extensible</a:t>
+              <a:rPr lang="de-DE" dirty="0" err="1" smtClean="0"/>
+              <a:t>Geography</a:t>
             </a:r>
             <a:r>
               <a:rPr lang="de-DE" baseline="0" dirty="0" smtClean="0"/>
-              <a:t> Markup Language)</a:t>
+              <a:t> Markup Language</a:t>
             </a:r>
           </a:p>
           <a:p>
@@ -1700,16 +1815,12 @@
           </a:p>
           <a:p>
             <a:r>
+              <a:rPr lang="de-DE" dirty="0" smtClean="0"/>
+              <a:t>Zu jedem</a:t>
+            </a:r>
+            <a:r>
               <a:rPr lang="de-DE" baseline="0" dirty="0" smtClean="0"/>
-              <a:t>Framework weil </a:t>
-            </a:r>
-            <a:r>
-              <a:rPr lang="de-DE" baseline="0" dirty="0" err="1" smtClean="0"/>
-              <a:t>performant</a:t>
-            </a:r>
-            <a:r>
-              <a:rPr lang="de-DE" baseline="0" dirty="0" smtClean="0"/>
-              <a:t> und einfach</a:t>
+              <a:t> Gebäude wird ein Double Attribut hinzugefügt</a:t>
             </a:r>
             <a:endParaRPr lang="de-DE" dirty="0"/>
           </a:p>
@@ -1742,7 +1853,7 @@
     </p:spTree>
     <p:extLst>
       <p:ext uri="{BB962C8B-B14F-4D97-AF65-F5344CB8AC3E}">
-        <p14:creationId xmlns:p14="http://schemas.microsoft.com/office/powerpoint/2010/main" val="1404064626"/>
+        <p14:creationId xmlns:p14="http://schemas.microsoft.com/office/powerpoint/2010/main" val="3748730140"/>
       </p:ext>
     </p:extLst>
   </p:cSld>
@@ -2440,7 +2551,7 @@
             <a:fld id="{02075A8B-51D4-4999-A4F2-B3FAC6295E4D}" type="slidenum">
               <a:rPr lang="de-DE" smtClean="0"/>
               <a:pPr/>
-              <a:t>‹Nr.›</a:t>
+              <a:t>‹#›</a:t>
             </a:fld>
             <a:endParaRPr lang="de-DE" dirty="0"/>
           </a:p>
@@ -2621,7 +2732,7 @@
             <a:fld id="{02075A8B-51D4-4999-A4F2-B3FAC6295E4D}" type="slidenum">
               <a:rPr lang="de-DE" smtClean="0"/>
               <a:pPr/>
-              <a:t>‹Nr.›</a:t>
+              <a:t>‹#›</a:t>
             </a:fld>
             <a:endParaRPr lang="de-DE"/>
           </a:p>
@@ -2807,7 +2918,7 @@
             <a:fld id="{02075A8B-51D4-4999-A4F2-B3FAC6295E4D}" type="slidenum">
               <a:rPr lang="de-DE" smtClean="0"/>
               <a:pPr/>
-              <a:t>‹Nr.›</a:t>
+              <a:t>‹#›</a:t>
             </a:fld>
             <a:endParaRPr lang="de-DE"/>
           </a:p>
@@ -2958,7 +3069,7 @@
             <a:fld id="{02075A8B-51D4-4999-A4F2-B3FAC6295E4D}" type="slidenum">
               <a:rPr lang="de-DE" smtClean="0"/>
               <a:pPr/>
-              <a:t>‹Nr.›</a:t>
+              <a:t>‹#›</a:t>
             </a:fld>
             <a:endParaRPr lang="de-DE"/>
           </a:p>
@@ -3214,7 +3325,7 @@
             <a:fld id="{02075A8B-51D4-4999-A4F2-B3FAC6295E4D}" type="slidenum">
               <a:rPr lang="de-DE" smtClean="0"/>
               <a:pPr/>
-              <a:t>‹Nr.›</a:t>
+              <a:t>‹#›</a:t>
             </a:fld>
             <a:endParaRPr lang="de-DE"/>
           </a:p>
@@ -3624,7 +3735,7 @@
             <a:fld id="{02075A8B-51D4-4999-A4F2-B3FAC6295E4D}" type="slidenum">
               <a:rPr lang="de-DE" smtClean="0"/>
               <a:pPr/>
-              <a:t>‹Nr.›</a:t>
+              <a:t>‹#›</a:t>
             </a:fld>
             <a:endParaRPr lang="de-DE"/>
           </a:p>
@@ -4071,7 +4182,7 @@
             <a:fld id="{02075A8B-51D4-4999-A4F2-B3FAC6295E4D}" type="slidenum">
               <a:rPr lang="de-DE" smtClean="0"/>
               <a:pPr/>
-              <a:t>‹Nr.›</a:t>
+              <a:t>‹#›</a:t>
             </a:fld>
             <a:endParaRPr lang="de-DE"/>
           </a:p>
@@ -4173,7 +4284,7 @@
             <a:fld id="{02075A8B-51D4-4999-A4F2-B3FAC6295E4D}" type="slidenum">
               <a:rPr lang="de-DE" smtClean="0"/>
               <a:pPr/>
-              <a:t>‹Nr.›</a:t>
+              <a:t>‹#›</a:t>
             </a:fld>
             <a:endParaRPr lang="de-DE"/>
           </a:p>
@@ -4295,7 +4406,7 @@
             <a:fld id="{02075A8B-51D4-4999-A4F2-B3FAC6295E4D}" type="slidenum">
               <a:rPr lang="de-DE" smtClean="0"/>
               <a:pPr/>
-              <a:t>‹Nr.›</a:t>
+              <a:t>‹#›</a:t>
             </a:fld>
             <a:endParaRPr lang="de-DE"/>
           </a:p>
@@ -4570,7 +4681,7 @@
             <a:fld id="{02075A8B-51D4-4999-A4F2-B3FAC6295E4D}" type="slidenum">
               <a:rPr lang="de-DE" smtClean="0"/>
               <a:pPr/>
-              <a:t>‹Nr.›</a:t>
+              <a:t>‹#›</a:t>
             </a:fld>
             <a:endParaRPr lang="de-DE"/>
           </a:p>
@@ -4795,7 +4906,7 @@
             <a:fld id="{02075A8B-51D4-4999-A4F2-B3FAC6295E4D}" type="slidenum">
               <a:rPr lang="de-DE" smtClean="0"/>
               <a:pPr/>
-              <a:t>‹Nr.›</a:t>
+              <a:t>‹#›</a:t>
             </a:fld>
             <a:endParaRPr lang="de-DE"/>
           </a:p>
@@ -5916,7 +6027,7 @@
             <a:fld id="{02075A8B-51D4-4999-A4F2-B3FAC6295E4D}" type="slidenum">
               <a:rPr lang="de-DE" smtClean="0"/>
               <a:pPr/>
-              <a:t>‹Nr.›</a:t>
+              <a:t>‹#›</a:t>
             </a:fld>
             <a:endParaRPr lang="de-DE"/>
           </a:p>
@@ -9623,6 +9734,143 @@
           <a:p>
             <a:r>
               <a:rPr lang="de-DE" dirty="0" smtClean="0"/>
+              <a:t>Koordinatentransformation</a:t>
+            </a:r>
+          </a:p>
+          <a:p>
+            <a:endParaRPr lang="de-DE" dirty="0" smtClean="0"/>
+          </a:p>
+          <a:p>
+            <a:endParaRPr lang="de-DE" dirty="0"/>
+          </a:p>
+          <a:p>
+            <a:r>
+              <a:rPr lang="de-DE" dirty="0" smtClean="0"/>
+              <a:t>Polygontriangulation</a:t>
+            </a:r>
+            <a:endParaRPr lang="de-DE" dirty="0"/>
+          </a:p>
+        </p:txBody>
+      </p:sp>
+      <p:sp>
+        <p:nvSpPr>
+          <p:cNvPr id="3" name="Date Placeholder 2"/>
+          <p:cNvSpPr>
+            <a:spLocks noGrp="1"/>
+          </p:cNvSpPr>
+          <p:nvPr>
+            <p:ph type="dt" sz="half" idx="10"/>
+          </p:nvPr>
+        </p:nvSpPr>
+        <p:spPr/>
+        <p:txBody>
+          <a:bodyPr/>
+          <a:lstStyle/>
+          <a:p>
+            <a:r>
+              <a:rPr lang="de-DE" smtClean="0"/>
+              <a:t>23.06.2014</a:t>
+            </a:r>
+            <a:endParaRPr lang="de-DE"/>
+          </a:p>
+        </p:txBody>
+      </p:sp>
+      <p:sp>
+        <p:nvSpPr>
+          <p:cNvPr id="4" name="Slide Number Placeholder 3"/>
+          <p:cNvSpPr>
+            <a:spLocks noGrp="1"/>
+          </p:cNvSpPr>
+          <p:nvPr>
+            <p:ph type="sldNum" sz="quarter" idx="12"/>
+          </p:nvPr>
+        </p:nvSpPr>
+        <p:spPr/>
+        <p:txBody>
+          <a:bodyPr/>
+          <a:lstStyle/>
+          <a:p>
+            <a:fld id="{02075A8B-51D4-4999-A4F2-B3FAC6295E4D}" type="slidenum">
+              <a:rPr lang="de-DE" smtClean="0"/>
+              <a:pPr/>
+              <a:t>27</a:t>
+            </a:fld>
+            <a:endParaRPr lang="de-DE"/>
+          </a:p>
+        </p:txBody>
+      </p:sp>
+      <p:sp>
+        <p:nvSpPr>
+          <p:cNvPr id="5" name="Title 4"/>
+          <p:cNvSpPr>
+            <a:spLocks noGrp="1"/>
+          </p:cNvSpPr>
+          <p:nvPr>
+            <p:ph type="title"/>
+          </p:nvPr>
+        </p:nvSpPr>
+        <p:spPr/>
+        <p:txBody>
+          <a:bodyPr>
+            <a:normAutofit fontScale="90000"/>
+          </a:bodyPr>
+          <a:lstStyle/>
+          <a:p>
+            <a:r>
+              <a:rPr lang="de-DE" dirty="0" smtClean="0"/>
+              <a:t>Aufbereitung der eingelesenen Daten</a:t>
+            </a:r>
+            <a:endParaRPr lang="de-DE" dirty="0"/>
+          </a:p>
+        </p:txBody>
+      </p:sp>
+    </p:spTree>
+    <p:extLst>
+      <p:ext uri="{BB962C8B-B14F-4D97-AF65-F5344CB8AC3E}">
+        <p14:creationId xmlns:p14="http://schemas.microsoft.com/office/powerpoint/2010/main" val="1240355717"/>
+      </p:ext>
+    </p:extLst>
+  </p:cSld>
+  <p:clrMapOvr>
+    <a:masterClrMapping/>
+  </p:clrMapOvr>
+</p:sld>
+</file>
+
+<file path=ppt/slides/slide28.xml><?xml version="1.0" encoding="utf-8"?>
+<p:sld xmlns:a="http://schemas.openxmlformats.org/drawingml/2006/main" xmlns:r="http://schemas.openxmlformats.org/officeDocument/2006/relationships" xmlns:p="http://schemas.openxmlformats.org/presentationml/2006/main">
+  <p:cSld>
+    <p:spTree>
+      <p:nvGrpSpPr>
+        <p:cNvPr id="1" name=""/>
+        <p:cNvGrpSpPr/>
+        <p:nvPr/>
+      </p:nvGrpSpPr>
+      <p:grpSpPr>
+        <a:xfrm>
+          <a:off x="0" y="0"/>
+          <a:ext cx="0" cy="0"/>
+          <a:chOff x="0" y="0"/>
+          <a:chExt cx="0" cy="0"/>
+        </a:xfrm>
+      </p:grpSpPr>
+      <p:sp>
+        <p:nvSpPr>
+          <p:cNvPr id="2" name="Content Placeholder 1"/>
+          <p:cNvSpPr>
+            <a:spLocks noGrp="1"/>
+          </p:cNvSpPr>
+          <p:nvPr>
+            <p:ph idx="1"/>
+          </p:nvPr>
+        </p:nvSpPr>
+        <p:spPr/>
+        <p:txBody>
+          <a:bodyPr/>
+          <a:lstStyle/>
+          <a:p>
+            <a:r>
+              <a:rPr lang="de-DE" dirty="0" smtClean="0"/>
               <a:t>Verschiebung zum Koordinatenursprung</a:t>
             </a:r>
           </a:p>
@@ -9638,15 +9886,15 @@
           <a:p>
             <a:r>
               <a:rPr lang="de-DE" dirty="0" smtClean="0"/>
-              <a:t>Durchgeführt mithilfe </a:t>
-            </a:r>
-            <a:r>
-              <a:rPr lang="de-DE" dirty="0"/>
-              <a:t>h</a:t>
-            </a:r>
-            <a:r>
-              <a:rPr lang="de-DE" dirty="0" smtClean="0"/>
-              <a:t>omogener Koordinaten</a:t>
+              <a:t>Durchgeführt </a:t>
+            </a:r>
+            <a:r>
+              <a:rPr lang="de-DE" dirty="0" smtClean="0"/>
+              <a:t>mithilfe homogener </a:t>
+            </a:r>
+            <a:r>
+              <a:rPr lang="de-DE" dirty="0" smtClean="0"/>
+              <a:t>Koordinaten</a:t>
             </a:r>
           </a:p>
           <a:p>
@@ -9715,7 +9963,7 @@
 </p:sld>
 </file>
 
-<file path=ppt/slides/slide28.xml><?xml version="1.0" encoding="utf-8"?>
+<file path=ppt/slides/slide29.xml><?xml version="1.0" encoding="utf-8"?>
 <p:sld xmlns:a="http://schemas.openxmlformats.org/drawingml/2006/main" xmlns:r="http://schemas.openxmlformats.org/officeDocument/2006/relationships" xmlns:p="http://schemas.openxmlformats.org/presentationml/2006/main">
   <p:cSld>
     <p:spTree>
@@ -9867,7 +10115,163 @@
 </p:sld>
 </file>
 
-<file path=ppt/slides/slide29.xml><?xml version="1.0" encoding="utf-8"?>
+<file path=ppt/slides/slide3.xml><?xml version="1.0" encoding="utf-8"?>
+<p:sld xmlns:a="http://schemas.openxmlformats.org/drawingml/2006/main" xmlns:r="http://schemas.openxmlformats.org/officeDocument/2006/relationships" xmlns:p="http://schemas.openxmlformats.org/presentationml/2006/main">
+  <p:cSld>
+    <p:spTree>
+      <p:nvGrpSpPr>
+        <p:cNvPr id="1" name=""/>
+        <p:cNvGrpSpPr/>
+        <p:nvPr/>
+      </p:nvGrpSpPr>
+      <p:grpSpPr>
+        <a:xfrm>
+          <a:off x="0" y="0"/>
+          <a:ext cx="0" cy="0"/>
+          <a:chOff x="0" y="0"/>
+          <a:chExt cx="0" cy="0"/>
+        </a:xfrm>
+      </p:grpSpPr>
+      <p:sp>
+        <p:nvSpPr>
+          <p:cNvPr id="2" name="Inhaltsplatzhalter 1"/>
+          <p:cNvSpPr>
+            <a:spLocks noGrp="1"/>
+          </p:cNvSpPr>
+          <p:nvPr>
+            <p:ph idx="1"/>
+          </p:nvPr>
+        </p:nvSpPr>
+        <p:spPr/>
+        <p:txBody>
+          <a:bodyPr/>
+          <a:lstStyle/>
+          <a:p>
+            <a:r>
+              <a:rPr lang="de-DE" dirty="0" smtClean="0"/>
+              <a:t>Was ist </a:t>
+            </a:r>
+            <a:r>
+              <a:rPr lang="de-DE" dirty="0" err="1" smtClean="0"/>
+              <a:t>vCity</a:t>
+            </a:r>
+            <a:r>
+              <a:rPr lang="de-DE" dirty="0" smtClean="0"/>
+              <a:t>?</a:t>
+            </a:r>
+          </a:p>
+          <a:p>
+            <a:r>
+              <a:rPr lang="de-DE" dirty="0" smtClean="0"/>
+              <a:t>Kommunikation</a:t>
+            </a:r>
+          </a:p>
+          <a:p>
+            <a:r>
+              <a:rPr lang="de-DE" dirty="0" err="1" smtClean="0"/>
+              <a:t>GitHub</a:t>
+            </a:r>
+            <a:endParaRPr lang="de-DE" dirty="0"/>
+          </a:p>
+        </p:txBody>
+      </p:sp>
+      <p:sp>
+        <p:nvSpPr>
+          <p:cNvPr id="3" name="Datumsplatzhalter 2"/>
+          <p:cNvSpPr>
+            <a:spLocks noGrp="1"/>
+          </p:cNvSpPr>
+          <p:nvPr>
+            <p:ph type="dt" sz="half" idx="10"/>
+          </p:nvPr>
+        </p:nvSpPr>
+        <p:spPr/>
+        <p:txBody>
+          <a:bodyPr/>
+          <a:lstStyle/>
+          <a:p>
+            <a:r>
+              <a:rPr lang="de-DE" smtClean="0"/>
+              <a:t>23.06.2014</a:t>
+            </a:r>
+            <a:endParaRPr lang="de-DE"/>
+          </a:p>
+        </p:txBody>
+      </p:sp>
+      <p:sp>
+        <p:nvSpPr>
+          <p:cNvPr id="4" name="Foliennummernplatzhalter 3"/>
+          <p:cNvSpPr>
+            <a:spLocks noGrp="1"/>
+          </p:cNvSpPr>
+          <p:nvPr>
+            <p:ph type="sldNum" sz="quarter" idx="12"/>
+          </p:nvPr>
+        </p:nvSpPr>
+        <p:spPr/>
+        <p:txBody>
+          <a:bodyPr/>
+          <a:lstStyle/>
+          <a:p>
+            <a:fld id="{02075A8B-51D4-4999-A4F2-B3FAC6295E4D}" type="slidenum">
+              <a:rPr lang="de-DE" smtClean="0"/>
+              <a:pPr/>
+              <a:t>3</a:t>
+            </a:fld>
+            <a:endParaRPr lang="de-DE"/>
+          </a:p>
+        </p:txBody>
+      </p:sp>
+      <p:sp>
+        <p:nvSpPr>
+          <p:cNvPr id="5" name="Titel 4"/>
+          <p:cNvSpPr>
+            <a:spLocks noGrp="1"/>
+          </p:cNvSpPr>
+          <p:nvPr>
+            <p:ph type="title"/>
+          </p:nvPr>
+        </p:nvSpPr>
+        <p:spPr/>
+        <p:txBody>
+          <a:bodyPr>
+            <a:normAutofit/>
+          </a:bodyPr>
+          <a:lstStyle/>
+          <a:p>
+            <a:r>
+              <a:rPr lang="de-DE" dirty="0"/>
+              <a:t>Vorstellung </a:t>
+            </a:r>
+            <a:r>
+              <a:rPr lang="de-DE" dirty="0" err="1" smtClean="0"/>
+              <a:t>vCity</a:t>
+            </a:r>
+            <a:endParaRPr lang="de-DE" dirty="0"/>
+          </a:p>
+        </p:txBody>
+      </p:sp>
+    </p:spTree>
+    <p:extLst>
+      <p:ext uri="{BB962C8B-B14F-4D97-AF65-F5344CB8AC3E}">
+        <p14:creationId xmlns:p14="http://schemas.microsoft.com/office/powerpoint/2010/main" val="1397236420"/>
+      </p:ext>
+    </p:extLst>
+  </p:cSld>
+  <p:clrMapOvr>
+    <a:masterClrMapping/>
+  </p:clrMapOvr>
+  <p:timing>
+    <p:tnLst>
+      <p:par>
+        <p:cTn id="1" dur="indefinite" restart="never" nodeType="tmRoot"/>
+      </p:par>
+    </p:tnLst>
+  </p:timing>
+</p:sld>
+</file>
+
+<file path=ppt/slides/slide30.xml><?xml version="1.0" encoding="utf-8"?>
 <p:sld xmlns:a="http://schemas.openxmlformats.org/drawingml/2006/main" xmlns:r="http://schemas.openxmlformats.org/officeDocument/2006/relationships" xmlns:p="http://schemas.openxmlformats.org/presentationml/2006/main">
   <p:cSld>
     <p:spTree>
@@ -10449,163 +10853,7 @@
 </p:sld>
 </file>
 
-<file path=ppt/slides/slide3.xml><?xml version="1.0" encoding="utf-8"?>
-<p:sld xmlns:a="http://schemas.openxmlformats.org/drawingml/2006/main" xmlns:r="http://schemas.openxmlformats.org/officeDocument/2006/relationships" xmlns:p="http://schemas.openxmlformats.org/presentationml/2006/main">
-  <p:cSld>
-    <p:spTree>
-      <p:nvGrpSpPr>
-        <p:cNvPr id="1" name=""/>
-        <p:cNvGrpSpPr/>
-        <p:nvPr/>
-      </p:nvGrpSpPr>
-      <p:grpSpPr>
-        <a:xfrm>
-          <a:off x="0" y="0"/>
-          <a:ext cx="0" cy="0"/>
-          <a:chOff x="0" y="0"/>
-          <a:chExt cx="0" cy="0"/>
-        </a:xfrm>
-      </p:grpSpPr>
-      <p:sp>
-        <p:nvSpPr>
-          <p:cNvPr id="2" name="Inhaltsplatzhalter 1"/>
-          <p:cNvSpPr>
-            <a:spLocks noGrp="1"/>
-          </p:cNvSpPr>
-          <p:nvPr>
-            <p:ph idx="1"/>
-          </p:nvPr>
-        </p:nvSpPr>
-        <p:spPr/>
-        <p:txBody>
-          <a:bodyPr/>
-          <a:lstStyle/>
-          <a:p>
-            <a:r>
-              <a:rPr lang="de-DE" dirty="0" smtClean="0"/>
-              <a:t>Was ist </a:t>
-            </a:r>
-            <a:r>
-              <a:rPr lang="de-DE" dirty="0" err="1" smtClean="0"/>
-              <a:t>vCity</a:t>
-            </a:r>
-            <a:r>
-              <a:rPr lang="de-DE" dirty="0" smtClean="0"/>
-              <a:t>?</a:t>
-            </a:r>
-          </a:p>
-          <a:p>
-            <a:r>
-              <a:rPr lang="de-DE" dirty="0" smtClean="0"/>
-              <a:t>Kommunikation</a:t>
-            </a:r>
-          </a:p>
-          <a:p>
-            <a:r>
-              <a:rPr lang="de-DE" dirty="0" err="1" smtClean="0"/>
-              <a:t>GitHub</a:t>
-            </a:r>
-            <a:endParaRPr lang="de-DE" dirty="0"/>
-          </a:p>
-        </p:txBody>
-      </p:sp>
-      <p:sp>
-        <p:nvSpPr>
-          <p:cNvPr id="3" name="Datumsplatzhalter 2"/>
-          <p:cNvSpPr>
-            <a:spLocks noGrp="1"/>
-          </p:cNvSpPr>
-          <p:nvPr>
-            <p:ph type="dt" sz="half" idx="10"/>
-          </p:nvPr>
-        </p:nvSpPr>
-        <p:spPr/>
-        <p:txBody>
-          <a:bodyPr/>
-          <a:lstStyle/>
-          <a:p>
-            <a:r>
-              <a:rPr lang="de-DE" smtClean="0"/>
-              <a:t>23.06.2014</a:t>
-            </a:r>
-            <a:endParaRPr lang="de-DE"/>
-          </a:p>
-        </p:txBody>
-      </p:sp>
-      <p:sp>
-        <p:nvSpPr>
-          <p:cNvPr id="4" name="Foliennummernplatzhalter 3"/>
-          <p:cNvSpPr>
-            <a:spLocks noGrp="1"/>
-          </p:cNvSpPr>
-          <p:nvPr>
-            <p:ph type="sldNum" sz="quarter" idx="12"/>
-          </p:nvPr>
-        </p:nvSpPr>
-        <p:spPr/>
-        <p:txBody>
-          <a:bodyPr/>
-          <a:lstStyle/>
-          <a:p>
-            <a:fld id="{02075A8B-51D4-4999-A4F2-B3FAC6295E4D}" type="slidenum">
-              <a:rPr lang="de-DE" smtClean="0"/>
-              <a:pPr/>
-              <a:t>3</a:t>
-            </a:fld>
-            <a:endParaRPr lang="de-DE"/>
-          </a:p>
-        </p:txBody>
-      </p:sp>
-      <p:sp>
-        <p:nvSpPr>
-          <p:cNvPr id="5" name="Titel 4"/>
-          <p:cNvSpPr>
-            <a:spLocks noGrp="1"/>
-          </p:cNvSpPr>
-          <p:nvPr>
-            <p:ph type="title"/>
-          </p:nvPr>
-        </p:nvSpPr>
-        <p:spPr/>
-        <p:txBody>
-          <a:bodyPr>
-            <a:normAutofit/>
-          </a:bodyPr>
-          <a:lstStyle/>
-          <a:p>
-            <a:r>
-              <a:rPr lang="de-DE" dirty="0"/>
-              <a:t>Vorstellung </a:t>
-            </a:r>
-            <a:r>
-              <a:rPr lang="de-DE" dirty="0" err="1" smtClean="0"/>
-              <a:t>vCity</a:t>
-            </a:r>
-            <a:endParaRPr lang="de-DE" dirty="0"/>
-          </a:p>
-        </p:txBody>
-      </p:sp>
-    </p:spTree>
-    <p:extLst>
-      <p:ext uri="{BB962C8B-B14F-4D97-AF65-F5344CB8AC3E}">
-        <p14:creationId xmlns:p14="http://schemas.microsoft.com/office/powerpoint/2010/main" val="1397236420"/>
-      </p:ext>
-    </p:extLst>
-  </p:cSld>
-  <p:clrMapOvr>
-    <a:masterClrMapping/>
-  </p:clrMapOvr>
-  <p:timing>
-    <p:tnLst>
-      <p:par>
-        <p:cTn id="1" dur="indefinite" restart="never" nodeType="tmRoot"/>
-      </p:par>
-    </p:tnLst>
-  </p:timing>
-</p:sld>
-</file>
-
-<file path=ppt/slides/slide30.xml><?xml version="1.0" encoding="utf-8"?>
+<file path=ppt/slides/slide31.xml><?xml version="1.0" encoding="utf-8"?>
 <p:sld xmlns:a="http://schemas.openxmlformats.org/drawingml/2006/main" xmlns:r="http://schemas.openxmlformats.org/officeDocument/2006/relationships" xmlns:p="http://schemas.openxmlformats.org/presentationml/2006/main">
   <p:cSld>
     <p:spTree>
@@ -10729,7 +10977,7 @@
 </p:sld>
 </file>
 
-<file path=ppt/slides/slide31.xml><?xml version="1.0" encoding="utf-8"?>
+<file path=ppt/slides/slide32.xml><?xml version="1.0" encoding="utf-8"?>
 <p:sld xmlns:a="http://schemas.openxmlformats.org/drawingml/2006/main" xmlns:r="http://schemas.openxmlformats.org/officeDocument/2006/relationships" xmlns:p="http://schemas.openxmlformats.org/presentationml/2006/main">
   <p:cSld>
     <p:spTree>
@@ -10893,7 +11141,7 @@
 </p:sld>
 </file>
 
-<file path=ppt/slides/slide32.xml><?xml version="1.0" encoding="utf-8"?>
+<file path=ppt/slides/slide33.xml><?xml version="1.0" encoding="utf-8"?>
 <p:sld xmlns:a="http://schemas.openxmlformats.org/drawingml/2006/main" xmlns:r="http://schemas.openxmlformats.org/officeDocument/2006/relationships" xmlns:p="http://schemas.openxmlformats.org/presentationml/2006/main">
   <p:cSld>
     <p:spTree>
@@ -10927,16 +11175,23 @@
           <a:p>
             <a:r>
               <a:rPr lang="de-DE" dirty="0" smtClean="0"/>
+              <a:t>Wird </a:t>
+            </a:r>
+            <a:r>
+              <a:rPr lang="de-DE" dirty="0" smtClean="0"/>
+              <a:t>benötigt um konkave Polygone zeichnen zu können</a:t>
+            </a:r>
+          </a:p>
+          <a:p>
+            <a:r>
+              <a:rPr lang="de-DE" dirty="0"/>
               <a:t>Triangulation mit JOGL</a:t>
             </a:r>
           </a:p>
           <a:p>
-            <a:r>
-              <a:rPr lang="de-DE" dirty="0" smtClean="0"/>
-              <a:t>Wird benötigt um konkave Polygone zeichnen zu können</a:t>
-            </a:r>
-          </a:p>
-          <a:p>
+            <a:pPr marL="109728" indent="0">
+              <a:buNone/>
+            </a:pPr>
             <a:endParaRPr lang="de-DE" dirty="0"/>
           </a:p>
         </p:txBody>
@@ -11761,7 +12016,7 @@
 </p:sld>
 </file>
 
-<file path=ppt/slides/slide33.xml><?xml version="1.0" encoding="utf-8"?>
+<file path=ppt/slides/slide34.xml><?xml version="1.0" encoding="utf-8"?>
 <p:sld xmlns:a="http://schemas.openxmlformats.org/drawingml/2006/main" xmlns:r="http://schemas.openxmlformats.org/officeDocument/2006/relationships" xmlns:p="http://schemas.openxmlformats.org/presentationml/2006/main">
   <p:cSld>
     <p:spTree>
@@ -11811,13 +12066,14 @@
             <a:endParaRPr lang="de-DE" dirty="0" smtClean="0"/>
           </a:p>
           <a:p>
+            <a:endParaRPr lang="de-DE" dirty="0" smtClean="0"/>
+          </a:p>
+          <a:p>
+            <a:r>
+              <a:rPr lang="de-DE" dirty="0" smtClean="0"/>
+              <a:t>Drei Vektoren entsprechen einem Dreieck</a:t>
+            </a:r>
             <a:endParaRPr lang="de-DE" dirty="0"/>
-          </a:p>
-          <a:p>
-            <a:r>
-              <a:rPr lang="de-DE" dirty="0" smtClean="0"/>
-              <a:t>Man erhält unabhängige Dreiecke</a:t>
-            </a:r>
           </a:p>
         </p:txBody>
       </p:sp>
@@ -11904,7 +12160,7 @@
 </p:sld>
 </file>
 
-<file path=ppt/slides/slide34.xml><?xml version="1.0" encoding="utf-8"?>
+<file path=ppt/slides/slide35.xml><?xml version="1.0" encoding="utf-8"?>
 <p:sld xmlns:a="http://schemas.openxmlformats.org/drawingml/2006/main" xmlns:r="http://schemas.openxmlformats.org/officeDocument/2006/relationships" xmlns:p="http://schemas.openxmlformats.org/presentationml/2006/main">
   <p:cSld>
     <p:spTree>
@@ -12198,7 +12454,7 @@
 </p:sld>
 </file>
 
-<file path=ppt/slides/slide35.xml><?xml version="1.0" encoding="utf-8"?>
+<file path=ppt/slides/slide36.xml><?xml version="1.0" encoding="utf-8"?>
 <p:sld xmlns:a="http://schemas.openxmlformats.org/drawingml/2006/main" xmlns:r="http://schemas.openxmlformats.org/officeDocument/2006/relationships" xmlns:p="http://schemas.openxmlformats.org/presentationml/2006/main">
   <p:cSld>
     <p:spTree>
@@ -12493,7 +12749,7 @@
 </p:sld>
 </file>
 
-<file path=ppt/slides/slide36.xml><?xml version="1.0" encoding="utf-8"?>
+<file path=ppt/slides/slide37.xml><?xml version="1.0" encoding="utf-8"?>
 <p:sld xmlns:a="http://schemas.openxmlformats.org/drawingml/2006/main" xmlns:r="http://schemas.openxmlformats.org/officeDocument/2006/relationships" xmlns:p="http://schemas.openxmlformats.org/presentationml/2006/main">
   <p:cSld>
     <p:spTree>
@@ -12582,7 +12838,7 @@
             <a:fld id="{02075A8B-51D4-4999-A4F2-B3FAC6295E4D}" type="slidenum">
               <a:rPr lang="de-DE" smtClean="0"/>
               <a:pPr/>
-              <a:t>36</a:t>
+              <a:t>37</a:t>
             </a:fld>
             <a:endParaRPr lang="de-DE"/>
           </a:p>
@@ -12686,7 +12942,7 @@
 </p:sld>
 </file>
 
-<file path=ppt/slides/slide37.xml><?xml version="1.0" encoding="utf-8"?>
+<file path=ppt/slides/slide38.xml><?xml version="1.0" encoding="utf-8"?>
 <p:sld xmlns:a="http://schemas.openxmlformats.org/drawingml/2006/main" xmlns:r="http://schemas.openxmlformats.org/officeDocument/2006/relationships" xmlns:p="http://schemas.openxmlformats.org/presentationml/2006/main">
   <p:cSld>
     <p:spTree>
@@ -12776,7 +13032,7 @@
             <a:fld id="{02075A8B-51D4-4999-A4F2-B3FAC6295E4D}" type="slidenum">
               <a:rPr lang="de-DE" smtClean="0"/>
               <a:pPr/>
-              <a:t>37</a:t>
+              <a:t>38</a:t>
             </a:fld>
             <a:endParaRPr lang="de-DE"/>
           </a:p>
@@ -12881,7 +13137,7 @@
 </p:sld>
 </file>
 
-<file path=ppt/slides/slide38.xml><?xml version="1.0" encoding="utf-8"?>
+<file path=ppt/slides/slide39.xml><?xml version="1.0" encoding="utf-8"?>
 <p:sld xmlns:a="http://schemas.openxmlformats.org/drawingml/2006/main" xmlns:r="http://schemas.openxmlformats.org/officeDocument/2006/relationships" xmlns:p="http://schemas.openxmlformats.org/presentationml/2006/main">
   <p:cSld>
     <p:spTree>
@@ -12978,7 +13234,7 @@
             <a:fld id="{02075A8B-51D4-4999-A4F2-B3FAC6295E4D}" type="slidenum">
               <a:rPr lang="de-DE" smtClean="0"/>
               <a:pPr/>
-              <a:t>38</a:t>
+              <a:t>39</a:t>
             </a:fld>
             <a:endParaRPr lang="de-DE"/>
           </a:p>
@@ -13030,219 +13286,6 @@
       </p:par>
     </p:tnLst>
   </p:timing>
-</p:sld>
-</file>
-
-<file path=ppt/slides/slide39.xml><?xml version="1.0" encoding="utf-8"?>
-<p:sld xmlns:a="http://schemas.openxmlformats.org/drawingml/2006/main" xmlns:r="http://schemas.openxmlformats.org/officeDocument/2006/relationships" xmlns:p="http://schemas.openxmlformats.org/presentationml/2006/main">
-  <p:cSld>
-    <p:spTree>
-      <p:nvGrpSpPr>
-        <p:cNvPr id="1" name=""/>
-        <p:cNvGrpSpPr/>
-        <p:nvPr/>
-      </p:nvGrpSpPr>
-      <p:grpSpPr>
-        <a:xfrm>
-          <a:off x="0" y="0"/>
-          <a:ext cx="0" cy="0"/>
-          <a:chOff x="0" y="0"/>
-          <a:chExt cx="0" cy="0"/>
-        </a:xfrm>
-      </p:grpSpPr>
-      <p:sp>
-        <p:nvSpPr>
-          <p:cNvPr id="2" name="Inhaltsplatzhalter 1"/>
-          <p:cNvSpPr>
-            <a:spLocks noGrp="1"/>
-          </p:cNvSpPr>
-          <p:nvPr>
-            <p:ph idx="1"/>
-          </p:nvPr>
-        </p:nvSpPr>
-        <p:spPr/>
-        <p:txBody>
-          <a:bodyPr/>
-          <a:lstStyle/>
-          <a:p>
-            <a:r>
-              <a:rPr lang="de-DE" dirty="0" smtClean="0"/>
-              <a:t>City</a:t>
-            </a:r>
-          </a:p>
-          <a:p>
-            <a:pPr lvl="1"/>
-            <a:r>
-              <a:rPr lang="de-DE" dirty="0" err="1" smtClean="0"/>
-              <a:t>SkyModel</a:t>
-            </a:r>
-            <a:endParaRPr lang="de-DE" dirty="0" smtClean="0"/>
-          </a:p>
-          <a:p>
-            <a:pPr lvl="2"/>
-            <a:r>
-              <a:rPr lang="de-DE" dirty="0" err="1" smtClean="0"/>
-              <a:t>Azimuth</a:t>
-            </a:r>
-            <a:r>
-              <a:rPr lang="de-DE" dirty="0" smtClean="0"/>
-              <a:t>, Height</a:t>
-            </a:r>
-          </a:p>
-          <a:p>
-            <a:pPr lvl="1"/>
-            <a:r>
-              <a:rPr lang="de-DE" dirty="0" smtClean="0"/>
-              <a:t>Building</a:t>
-            </a:r>
-          </a:p>
-          <a:p>
-            <a:pPr lvl="2"/>
-            <a:r>
-              <a:rPr lang="de-DE" dirty="0" smtClean="0"/>
-              <a:t>Volume</a:t>
-            </a:r>
-          </a:p>
-          <a:p>
-            <a:pPr lvl="2"/>
-            <a:r>
-              <a:rPr lang="de-DE" dirty="0" err="1" smtClean="0"/>
-              <a:t>BoundarySurface</a:t>
-            </a:r>
-            <a:endParaRPr lang="de-DE" dirty="0" smtClean="0"/>
-          </a:p>
-          <a:p>
-            <a:pPr lvl="3"/>
-            <a:r>
-              <a:rPr lang="de-DE" dirty="0" smtClean="0"/>
-              <a:t>ID</a:t>
-            </a:r>
-          </a:p>
-          <a:p>
-            <a:pPr lvl="3"/>
-            <a:r>
-              <a:rPr lang="de-DE" dirty="0" smtClean="0"/>
-              <a:t>Type</a:t>
-            </a:r>
-          </a:p>
-          <a:p>
-            <a:pPr lvl="3"/>
-            <a:r>
-              <a:rPr lang="de-DE" dirty="0" smtClean="0"/>
-              <a:t>Polygon</a:t>
-            </a:r>
-          </a:p>
-          <a:p>
-            <a:pPr lvl="4"/>
-            <a:r>
-              <a:rPr lang="de-DE" dirty="0" smtClean="0"/>
-              <a:t>ID</a:t>
-            </a:r>
-          </a:p>
-          <a:p>
-            <a:pPr lvl="4"/>
-            <a:r>
-              <a:rPr lang="de-DE" dirty="0" smtClean="0"/>
-              <a:t>Area</a:t>
-            </a:r>
-          </a:p>
-          <a:p>
-            <a:pPr lvl="4"/>
-            <a:r>
-              <a:rPr lang="de-DE" dirty="0" smtClean="0"/>
-              <a:t>Shadow</a:t>
-            </a:r>
-            <a:endParaRPr lang="de-DE" dirty="0"/>
-          </a:p>
-        </p:txBody>
-      </p:sp>
-      <p:sp>
-        <p:nvSpPr>
-          <p:cNvPr id="3" name="Datumsplatzhalter 2"/>
-          <p:cNvSpPr>
-            <a:spLocks noGrp="1"/>
-          </p:cNvSpPr>
-          <p:nvPr>
-            <p:ph type="dt" sz="half" idx="10"/>
-          </p:nvPr>
-        </p:nvSpPr>
-        <p:spPr/>
-        <p:txBody>
-          <a:bodyPr/>
-          <a:lstStyle/>
-          <a:p>
-            <a:r>
-              <a:rPr lang="de-DE" smtClean="0"/>
-              <a:t>23.06.2014</a:t>
-            </a:r>
-            <a:endParaRPr lang="de-DE"/>
-          </a:p>
-        </p:txBody>
-      </p:sp>
-      <p:sp>
-        <p:nvSpPr>
-          <p:cNvPr id="4" name="Foliennummernplatzhalter 3"/>
-          <p:cNvSpPr>
-            <a:spLocks noGrp="1"/>
-          </p:cNvSpPr>
-          <p:nvPr>
-            <p:ph type="sldNum" sz="quarter" idx="12"/>
-          </p:nvPr>
-        </p:nvSpPr>
-        <p:spPr/>
-        <p:txBody>
-          <a:bodyPr/>
-          <a:lstStyle/>
-          <a:p>
-            <a:fld id="{02075A8B-51D4-4999-A4F2-B3FAC6295E4D}" type="slidenum">
-              <a:rPr lang="de-DE" smtClean="0"/>
-              <a:pPr/>
-              <a:t>39</a:t>
-            </a:fld>
-            <a:endParaRPr lang="de-DE"/>
-          </a:p>
-        </p:txBody>
-      </p:sp>
-      <p:sp>
-        <p:nvSpPr>
-          <p:cNvPr id="5" name="Titel 4"/>
-          <p:cNvSpPr>
-            <a:spLocks noGrp="1"/>
-          </p:cNvSpPr>
-          <p:nvPr>
-            <p:ph type="title"/>
-          </p:nvPr>
-        </p:nvSpPr>
-        <p:spPr/>
-        <p:txBody>
-          <a:bodyPr/>
-          <a:lstStyle/>
-          <a:p>
-            <a:r>
-              <a:rPr lang="de-DE" dirty="0"/>
-              <a:t>Export: XML </a:t>
-            </a:r>
-            <a:r>
-              <a:rPr lang="de-DE" dirty="0" smtClean="0"/>
-              <a:t>(2 </a:t>
-            </a:r>
-            <a:r>
-              <a:rPr lang="de-DE" dirty="0"/>
-              <a:t>/ 2)</a:t>
-            </a:r>
-          </a:p>
-        </p:txBody>
-      </p:sp>
-    </p:spTree>
-    <p:extLst>
-      <p:ext uri="{BB962C8B-B14F-4D97-AF65-F5344CB8AC3E}">
-        <p14:creationId xmlns:p14="http://schemas.microsoft.com/office/powerpoint/2010/main" val="1621091453"/>
-      </p:ext>
-    </p:extLst>
-  </p:cSld>
-  <p:clrMapOvr>
-    <a:masterClrMapping/>
-  </p:clrMapOvr>
 </p:sld>
 </file>
 
@@ -13390,62 +13433,95 @@
         </p:nvSpPr>
         <p:spPr/>
         <p:txBody>
-          <a:bodyPr>
-            <a:normAutofit/>
-          </a:bodyPr>
-          <a:lstStyle/>
-          <a:p>
-            <a:r>
-              <a:rPr lang="de-DE" dirty="0" err="1"/>
-              <a:t>CityGML</a:t>
-            </a:r>
-            <a:r>
-              <a:rPr lang="de-DE" dirty="0"/>
-              <a:t>- </a:t>
-            </a:r>
-            <a:r>
-              <a:rPr lang="de-DE" dirty="0" smtClean="0"/>
-              <a:t>Doku</a:t>
-            </a:r>
-          </a:p>
-          <a:p>
-            <a:endParaRPr lang="de-DE" dirty="0"/>
+          <a:bodyPr/>
+          <a:lstStyle/>
+          <a:p>
+            <a:r>
+              <a:rPr lang="de-DE" dirty="0" smtClean="0"/>
+              <a:t>City</a:t>
+            </a:r>
           </a:p>
           <a:p>
             <a:pPr lvl="1"/>
             <a:r>
-              <a:rPr lang="de-DE" dirty="0" smtClean="0"/>
-              <a:t>Schlecht </a:t>
-            </a:r>
-            <a:r>
-              <a:rPr lang="de-DE" dirty="0"/>
-              <a:t>dokumentiert</a:t>
+              <a:rPr lang="de-DE" dirty="0" err="1" smtClean="0"/>
+              <a:t>SkyModel</a:t>
+            </a:r>
+            <a:endParaRPr lang="de-DE" dirty="0" smtClean="0"/>
+          </a:p>
+          <a:p>
+            <a:pPr lvl="2"/>
+            <a:r>
+              <a:rPr lang="de-DE" dirty="0" err="1" smtClean="0"/>
+              <a:t>Azimuth</a:t>
+            </a:r>
+            <a:r>
+              <a:rPr lang="de-DE" dirty="0" smtClean="0"/>
+              <a:t>, Height</a:t>
             </a:r>
           </a:p>
           <a:p>
             <a:pPr lvl="1"/>
             <a:r>
               <a:rPr lang="de-DE" dirty="0" smtClean="0"/>
-              <a:t>Viele </a:t>
-            </a:r>
-            <a:r>
-              <a:rPr lang="de-DE" dirty="0"/>
-              <a:t>Felder oft nicht belegt -&gt; „null“</a:t>
-            </a:r>
-          </a:p>
-          <a:p>
-            <a:pPr lvl="1"/>
-            <a:r>
-              <a:rPr lang="de-DE" dirty="0" smtClean="0"/>
-              <a:t>Exploratives </a:t>
-            </a:r>
-            <a:r>
-              <a:rPr lang="de-DE" dirty="0"/>
-              <a:t>Testen </a:t>
-            </a:r>
-            <a:r>
-              <a:rPr lang="de-DE" dirty="0" smtClean="0"/>
-              <a:t>schwerfällig</a:t>
+              <a:t>Building</a:t>
+            </a:r>
+          </a:p>
+          <a:p>
+            <a:pPr lvl="2"/>
+            <a:r>
+              <a:rPr lang="de-DE" dirty="0" smtClean="0"/>
+              <a:t>Volume</a:t>
+            </a:r>
+          </a:p>
+          <a:p>
+            <a:pPr lvl="2"/>
+            <a:r>
+              <a:rPr lang="de-DE" dirty="0" err="1" smtClean="0"/>
+              <a:t>BoundarySurface</a:t>
+            </a:r>
+            <a:endParaRPr lang="de-DE" dirty="0" smtClean="0"/>
+          </a:p>
+          <a:p>
+            <a:pPr lvl="3"/>
+            <a:r>
+              <a:rPr lang="de-DE" dirty="0" smtClean="0"/>
+              <a:t>ID</a:t>
+            </a:r>
+          </a:p>
+          <a:p>
+            <a:pPr lvl="3"/>
+            <a:r>
+              <a:rPr lang="de-DE" dirty="0" smtClean="0"/>
+              <a:t>Type</a:t>
+            </a:r>
+          </a:p>
+          <a:p>
+            <a:pPr lvl="3"/>
+            <a:r>
+              <a:rPr lang="de-DE" dirty="0" smtClean="0"/>
+              <a:t>Polygon</a:t>
+            </a:r>
+          </a:p>
+          <a:p>
+            <a:pPr lvl="4"/>
+            <a:r>
+              <a:rPr lang="de-DE" dirty="0" smtClean="0"/>
+              <a:t>ID</a:t>
+            </a:r>
+          </a:p>
+          <a:p>
+            <a:pPr lvl="4"/>
+            <a:r>
+              <a:rPr lang="de-DE" dirty="0" smtClean="0"/>
+              <a:t>Area</a:t>
+            </a:r>
+          </a:p>
+          <a:p>
+            <a:pPr lvl="4"/>
+            <a:r>
+              <a:rPr lang="de-DE" dirty="0" smtClean="0"/>
+              <a:t>Shadow</a:t>
             </a:r>
             <a:endParaRPr lang="de-DE" dirty="0"/>
           </a:p>
@@ -13493,6 +13569,186 @@
               <a:rPr lang="de-DE" smtClean="0"/>
               <a:pPr/>
               <a:t>40</a:t>
+            </a:fld>
+            <a:endParaRPr lang="de-DE"/>
+          </a:p>
+        </p:txBody>
+      </p:sp>
+      <p:sp>
+        <p:nvSpPr>
+          <p:cNvPr id="5" name="Titel 4"/>
+          <p:cNvSpPr>
+            <a:spLocks noGrp="1"/>
+          </p:cNvSpPr>
+          <p:nvPr>
+            <p:ph type="title"/>
+          </p:nvPr>
+        </p:nvSpPr>
+        <p:spPr/>
+        <p:txBody>
+          <a:bodyPr/>
+          <a:lstStyle/>
+          <a:p>
+            <a:r>
+              <a:rPr lang="de-DE" dirty="0"/>
+              <a:t>Export: XML </a:t>
+            </a:r>
+            <a:r>
+              <a:rPr lang="de-DE" dirty="0" smtClean="0"/>
+              <a:t>(2 </a:t>
+            </a:r>
+            <a:r>
+              <a:rPr lang="de-DE" dirty="0"/>
+              <a:t>/ 2)</a:t>
+            </a:r>
+          </a:p>
+        </p:txBody>
+      </p:sp>
+    </p:spTree>
+    <p:extLst>
+      <p:ext uri="{BB962C8B-B14F-4D97-AF65-F5344CB8AC3E}">
+        <p14:creationId xmlns:p14="http://schemas.microsoft.com/office/powerpoint/2010/main" val="1621091453"/>
+      </p:ext>
+    </p:extLst>
+  </p:cSld>
+  <p:clrMapOvr>
+    <a:masterClrMapping/>
+  </p:clrMapOvr>
+</p:sld>
+</file>
+
+<file path=ppt/slides/slide41.xml><?xml version="1.0" encoding="utf-8"?>
+<p:sld xmlns:a="http://schemas.openxmlformats.org/drawingml/2006/main" xmlns:r="http://schemas.openxmlformats.org/officeDocument/2006/relationships" xmlns:p="http://schemas.openxmlformats.org/presentationml/2006/main">
+  <p:cSld>
+    <p:spTree>
+      <p:nvGrpSpPr>
+        <p:cNvPr id="1" name=""/>
+        <p:cNvGrpSpPr/>
+        <p:nvPr/>
+      </p:nvGrpSpPr>
+      <p:grpSpPr>
+        <a:xfrm>
+          <a:off x="0" y="0"/>
+          <a:ext cx="0" cy="0"/>
+          <a:chOff x="0" y="0"/>
+          <a:chExt cx="0" cy="0"/>
+        </a:xfrm>
+      </p:grpSpPr>
+      <p:sp>
+        <p:nvSpPr>
+          <p:cNvPr id="2" name="Inhaltsplatzhalter 1"/>
+          <p:cNvSpPr>
+            <a:spLocks noGrp="1"/>
+          </p:cNvSpPr>
+          <p:nvPr>
+            <p:ph idx="1"/>
+          </p:nvPr>
+        </p:nvSpPr>
+        <p:spPr/>
+        <p:txBody>
+          <a:bodyPr>
+            <a:normAutofit/>
+          </a:bodyPr>
+          <a:lstStyle/>
+          <a:p>
+            <a:r>
+              <a:rPr lang="de-DE" dirty="0" err="1"/>
+              <a:t>CityGML</a:t>
+            </a:r>
+            <a:r>
+              <a:rPr lang="de-DE" dirty="0"/>
+              <a:t>- </a:t>
+            </a:r>
+            <a:r>
+              <a:rPr lang="de-DE" dirty="0" smtClean="0"/>
+              <a:t>Doku</a:t>
+            </a:r>
+          </a:p>
+          <a:p>
+            <a:endParaRPr lang="de-DE" dirty="0"/>
+          </a:p>
+          <a:p>
+            <a:pPr lvl="1"/>
+            <a:r>
+              <a:rPr lang="de-DE" dirty="0" smtClean="0"/>
+              <a:t>Schlecht </a:t>
+            </a:r>
+            <a:r>
+              <a:rPr lang="de-DE" dirty="0"/>
+              <a:t>dokumentiert</a:t>
+            </a:r>
+          </a:p>
+          <a:p>
+            <a:pPr lvl="1"/>
+            <a:r>
+              <a:rPr lang="de-DE" dirty="0" smtClean="0"/>
+              <a:t>Viele </a:t>
+            </a:r>
+            <a:r>
+              <a:rPr lang="de-DE" dirty="0"/>
+              <a:t>Felder oft nicht belegt -&gt; „null“</a:t>
+            </a:r>
+          </a:p>
+          <a:p>
+            <a:pPr lvl="1"/>
+            <a:r>
+              <a:rPr lang="de-DE" dirty="0" smtClean="0"/>
+              <a:t>Exploratives </a:t>
+            </a:r>
+            <a:r>
+              <a:rPr lang="de-DE" dirty="0"/>
+              <a:t>Testen </a:t>
+            </a:r>
+            <a:r>
+              <a:rPr lang="de-DE" dirty="0" smtClean="0"/>
+              <a:t>schwerfällig</a:t>
+            </a:r>
+            <a:endParaRPr lang="de-DE" dirty="0"/>
+          </a:p>
+        </p:txBody>
+      </p:sp>
+      <p:sp>
+        <p:nvSpPr>
+          <p:cNvPr id="3" name="Datumsplatzhalter 2"/>
+          <p:cNvSpPr>
+            <a:spLocks noGrp="1"/>
+          </p:cNvSpPr>
+          <p:nvPr>
+            <p:ph type="dt" sz="half" idx="10"/>
+          </p:nvPr>
+        </p:nvSpPr>
+        <p:spPr/>
+        <p:txBody>
+          <a:bodyPr/>
+          <a:lstStyle/>
+          <a:p>
+            <a:r>
+              <a:rPr lang="de-DE" smtClean="0"/>
+              <a:t>23.06.2014</a:t>
+            </a:r>
+            <a:endParaRPr lang="de-DE"/>
+          </a:p>
+        </p:txBody>
+      </p:sp>
+      <p:sp>
+        <p:nvSpPr>
+          <p:cNvPr id="4" name="Foliennummernplatzhalter 3"/>
+          <p:cNvSpPr>
+            <a:spLocks noGrp="1"/>
+          </p:cNvSpPr>
+          <p:nvPr>
+            <p:ph type="sldNum" sz="quarter" idx="12"/>
+          </p:nvPr>
+        </p:nvSpPr>
+        <p:spPr/>
+        <p:txBody>
+          <a:bodyPr/>
+          <a:lstStyle/>
+          <a:p>
+            <a:fld id="{02075A8B-51D4-4999-A4F2-B3FAC6295E4D}" type="slidenum">
+              <a:rPr lang="de-DE" smtClean="0"/>
+              <a:pPr/>
+              <a:t>41</a:t>
             </a:fld>
             <a:endParaRPr lang="de-DE"/>
           </a:p>
@@ -14109,173 +14365,6 @@
 </p:sld>
 </file>
 
-<file path=ppt/slides/slide41.xml><?xml version="1.0" encoding="utf-8"?>
-<p:sld xmlns:a="http://schemas.openxmlformats.org/drawingml/2006/main" xmlns:r="http://schemas.openxmlformats.org/officeDocument/2006/relationships" xmlns:p="http://schemas.openxmlformats.org/presentationml/2006/main">
-  <p:cSld>
-    <p:spTree>
-      <p:nvGrpSpPr>
-        <p:cNvPr id="1" name=""/>
-        <p:cNvGrpSpPr/>
-        <p:nvPr/>
-      </p:nvGrpSpPr>
-      <p:grpSpPr>
-        <a:xfrm>
-          <a:off x="0" y="0"/>
-          <a:ext cx="0" cy="0"/>
-          <a:chOff x="0" y="0"/>
-          <a:chExt cx="0" cy="0"/>
-        </a:xfrm>
-      </p:grpSpPr>
-      <p:sp>
-        <p:nvSpPr>
-          <p:cNvPr id="2" name="Inhaltsplatzhalter 1"/>
-          <p:cNvSpPr>
-            <a:spLocks noGrp="1"/>
-          </p:cNvSpPr>
-          <p:nvPr>
-            <p:ph idx="1"/>
-          </p:nvPr>
-        </p:nvSpPr>
-        <p:spPr/>
-        <p:txBody>
-          <a:bodyPr>
-            <a:normAutofit/>
-          </a:bodyPr>
-          <a:lstStyle/>
-          <a:p>
-            <a:r>
-              <a:rPr lang="de-DE" dirty="0" err="1" smtClean="0"/>
-              <a:t>CityGML</a:t>
-            </a:r>
-            <a:r>
-              <a:rPr lang="de-DE" dirty="0" smtClean="0"/>
-              <a:t> – Dateiformat</a:t>
-            </a:r>
-          </a:p>
-          <a:p>
-            <a:endParaRPr lang="de-DE" dirty="0" smtClean="0"/>
-          </a:p>
-          <a:p>
-            <a:pPr lvl="1"/>
-            <a:r>
-              <a:rPr lang="de-DE" dirty="0" smtClean="0"/>
-              <a:t>Zu viele Möglichkeiten, dieselben Daten zu speichern</a:t>
-            </a:r>
-          </a:p>
-          <a:p>
-            <a:pPr lvl="1"/>
-            <a:r>
-              <a:rPr lang="de-DE" dirty="0" smtClean="0"/>
-              <a:t>Macht Auslesen schwierig</a:t>
-            </a:r>
-          </a:p>
-          <a:p>
-            <a:endParaRPr lang="de-DE" dirty="0"/>
-          </a:p>
-          <a:p>
-            <a:pPr lvl="1"/>
-            <a:endParaRPr lang="de-DE" dirty="0" smtClean="0"/>
-          </a:p>
-          <a:p>
-            <a:pPr lvl="2"/>
-            <a:endParaRPr lang="de-DE" dirty="0"/>
-          </a:p>
-          <a:p>
-            <a:pPr lvl="2"/>
-            <a:endParaRPr lang="de-DE" dirty="0"/>
-          </a:p>
-        </p:txBody>
-      </p:sp>
-      <p:sp>
-        <p:nvSpPr>
-          <p:cNvPr id="3" name="Datumsplatzhalter 2"/>
-          <p:cNvSpPr>
-            <a:spLocks noGrp="1"/>
-          </p:cNvSpPr>
-          <p:nvPr>
-            <p:ph type="dt" sz="half" idx="10"/>
-          </p:nvPr>
-        </p:nvSpPr>
-        <p:spPr/>
-        <p:txBody>
-          <a:bodyPr/>
-          <a:lstStyle/>
-          <a:p>
-            <a:r>
-              <a:rPr lang="de-DE" smtClean="0"/>
-              <a:t>23.06.2014</a:t>
-            </a:r>
-            <a:endParaRPr lang="de-DE"/>
-          </a:p>
-        </p:txBody>
-      </p:sp>
-      <p:sp>
-        <p:nvSpPr>
-          <p:cNvPr id="4" name="Foliennummernplatzhalter 3"/>
-          <p:cNvSpPr>
-            <a:spLocks noGrp="1"/>
-          </p:cNvSpPr>
-          <p:nvPr>
-            <p:ph type="sldNum" sz="quarter" idx="12"/>
-          </p:nvPr>
-        </p:nvSpPr>
-        <p:spPr/>
-        <p:txBody>
-          <a:bodyPr/>
-          <a:lstStyle/>
-          <a:p>
-            <a:fld id="{02075A8B-51D4-4999-A4F2-B3FAC6295E4D}" type="slidenum">
-              <a:rPr lang="de-DE" smtClean="0"/>
-              <a:pPr/>
-              <a:t>41</a:t>
-            </a:fld>
-            <a:endParaRPr lang="de-DE"/>
-          </a:p>
-        </p:txBody>
-      </p:sp>
-      <p:sp>
-        <p:nvSpPr>
-          <p:cNvPr id="5" name="Titel 4"/>
-          <p:cNvSpPr>
-            <a:spLocks noGrp="1"/>
-          </p:cNvSpPr>
-          <p:nvPr>
-            <p:ph type="title"/>
-          </p:nvPr>
-        </p:nvSpPr>
-        <p:spPr/>
-        <p:txBody>
-          <a:bodyPr/>
-          <a:lstStyle/>
-          <a:p>
-            <a:r>
-              <a:rPr lang="de-DE" dirty="0" smtClean="0"/>
-              <a:t>Parser: Troubleshooting</a:t>
-            </a:r>
-            <a:endParaRPr lang="de-DE" dirty="0"/>
-          </a:p>
-        </p:txBody>
-      </p:sp>
-    </p:spTree>
-    <p:extLst>
-      <p:ext uri="{BB962C8B-B14F-4D97-AF65-F5344CB8AC3E}">
-        <p14:creationId xmlns:p14="http://schemas.microsoft.com/office/powerpoint/2010/main" val="174954716"/>
-      </p:ext>
-    </p:extLst>
-  </p:cSld>
-  <p:clrMapOvr>
-    <a:masterClrMapping/>
-  </p:clrMapOvr>
-  <p:timing>
-    <p:tnLst>
-      <p:par>
-        <p:cTn id="1" dur="indefinite" restart="never" nodeType="tmRoot"/>
-      </p:par>
-    </p:tnLst>
-  </p:timing>
-</p:sld>
-</file>
-
 <file path=ppt/slides/slide42.xml><?xml version="1.0" encoding="utf-8"?>
 <p:sld xmlns:a="http://schemas.openxmlformats.org/drawingml/2006/main" xmlns:r="http://schemas.openxmlformats.org/officeDocument/2006/relationships" xmlns:p="http://schemas.openxmlformats.org/presentationml/2006/main">
   <p:cSld>
@@ -14311,8 +14400,29 @@
           <a:lstStyle/>
           <a:p>
             <a:r>
-              <a:rPr lang="de-DE" dirty="0" smtClean="0"/>
-              <a:t>Laufzeit Parser</a:t>
+              <a:rPr lang="de-DE" dirty="0" err="1" smtClean="0"/>
+              <a:t>CityGML</a:t>
+            </a:r>
+            <a:r>
+              <a:rPr lang="de-DE" dirty="0" smtClean="0"/>
+              <a:t> – Dateiformat</a:t>
+            </a:r>
+          </a:p>
+          <a:p>
+            <a:endParaRPr lang="de-DE" dirty="0" smtClean="0"/>
+          </a:p>
+          <a:p>
+            <a:pPr lvl="1"/>
+            <a:r>
+              <a:rPr lang="de-DE" dirty="0" smtClean="0"/>
+              <a:t>Zu viele Möglichkeiten, dieselben Daten zu speichern</a:t>
+            </a:r>
+          </a:p>
+          <a:p>
+            <a:pPr lvl="1"/>
+            <a:r>
+              <a:rPr lang="de-DE" dirty="0" smtClean="0"/>
+              <a:t>Macht Auslesen schwierig</a:t>
             </a:r>
           </a:p>
           <a:p>
@@ -14320,40 +14430,14 @@
           </a:p>
           <a:p>
             <a:pPr lvl="1"/>
-            <a:r>
-              <a:rPr lang="de-DE" dirty="0" smtClean="0"/>
-              <a:t>Bisher </a:t>
-            </a:r>
-            <a:r>
-              <a:rPr lang="de-DE" dirty="0"/>
-              <a:t>verkraftbar</a:t>
-            </a:r>
-          </a:p>
-          <a:p>
-            <a:pPr lvl="1"/>
-            <a:r>
-              <a:rPr lang="de-DE" dirty="0" smtClean="0"/>
-              <a:t>Problem</a:t>
-            </a:r>
-            <a:r>
-              <a:rPr lang="de-DE" dirty="0"/>
-              <a:t>: Größere Stadtmodelle</a:t>
-            </a:r>
-          </a:p>
-          <a:p>
-            <a:pPr lvl="1"/>
-            <a:r>
-              <a:rPr lang="de-DE" dirty="0" smtClean="0"/>
-              <a:t>Ausblick</a:t>
-            </a:r>
-            <a:r>
-              <a:rPr lang="de-DE" dirty="0"/>
-              <a:t>: XML-Dokument in </a:t>
-            </a:r>
-            <a:r>
-              <a:rPr lang="de-DE" dirty="0" smtClean="0"/>
-              <a:t>RAM</a:t>
-            </a:r>
+            <a:endParaRPr lang="de-DE" dirty="0" smtClean="0"/>
+          </a:p>
+          <a:p>
+            <a:pPr lvl="2"/>
+            <a:endParaRPr lang="de-DE" dirty="0"/>
+          </a:p>
+          <a:p>
+            <a:pPr lvl="2"/>
             <a:endParaRPr lang="de-DE" dirty="0"/>
           </a:p>
         </p:txBody>
@@ -14431,7 +14515,7 @@
     </p:spTree>
     <p:extLst>
       <p:ext uri="{BB962C8B-B14F-4D97-AF65-F5344CB8AC3E}">
-        <p14:creationId xmlns:p14="http://schemas.microsoft.com/office/powerpoint/2010/main" val="3533013732"/>
+        <p14:creationId xmlns:p14="http://schemas.microsoft.com/office/powerpoint/2010/main" val="174954716"/>
       </p:ext>
     </p:extLst>
   </p:cSld>
@@ -14484,40 +14568,48 @@
           <a:p>
             <a:r>
               <a:rPr lang="de-DE" dirty="0" smtClean="0"/>
-              <a:t>Genauigkeit </a:t>
+              <a:t>Laufzeit Parser</a:t>
+            </a:r>
+          </a:p>
+          <a:p>
+            <a:endParaRPr lang="de-DE" dirty="0"/>
+          </a:p>
+          <a:p>
+            <a:pPr lvl="1"/>
+            <a:r>
+              <a:rPr lang="de-DE" dirty="0" smtClean="0"/>
+              <a:t>Bisher </a:t>
             </a:r>
             <a:r>
               <a:rPr lang="de-DE" dirty="0"/>
-              <a:t>der </a:t>
-            </a:r>
-            <a:r>
-              <a:rPr lang="de-DE" dirty="0" smtClean="0"/>
-              <a:t>Berechnungen</a:t>
-            </a:r>
-          </a:p>
-          <a:p>
-            <a:endParaRPr lang="de-DE" dirty="0"/>
+              <a:t>verkraftbar</a:t>
+            </a:r>
           </a:p>
           <a:p>
             <a:pPr lvl="1"/>
             <a:r>
               <a:rPr lang="de-DE" dirty="0" smtClean="0"/>
-              <a:t>„Umrechnen</a:t>
+              <a:t>Problem</a:t>
             </a:r>
             <a:r>
               <a:rPr lang="de-DE" dirty="0"/>
-              <a:t>“ von double zu </a:t>
-            </a:r>
-            <a:r>
-              <a:rPr lang="de-DE" dirty="0" err="1"/>
-              <a:t>float</a:t>
+              <a:t>: Größere Stadtmodelle</a:t>
+            </a:r>
+          </a:p>
+          <a:p>
+            <a:pPr lvl="1"/>
+            <a:r>
+              <a:rPr lang="de-DE" dirty="0" smtClean="0"/>
+              <a:t>Ausblick</a:t>
             </a:r>
             <a:r>
               <a:rPr lang="de-DE" dirty="0"/>
-              <a:t> - Datentypen zur Volumenberechnung</a:t>
-            </a:r>
-          </a:p>
-          <a:p>
+              <a:t>: XML-Dokument in </a:t>
+            </a:r>
+            <a:r>
+              <a:rPr lang="de-DE" dirty="0" smtClean="0"/>
+              <a:t>RAM</a:t>
+            </a:r>
             <a:endParaRPr lang="de-DE" dirty="0"/>
           </a:p>
         </p:txBody>
@@ -14595,7 +14687,7 @@
     </p:spTree>
     <p:extLst>
       <p:ext uri="{BB962C8B-B14F-4D97-AF65-F5344CB8AC3E}">
-        <p14:creationId xmlns:p14="http://schemas.microsoft.com/office/powerpoint/2010/main" val="3529786392"/>
+        <p14:creationId xmlns:p14="http://schemas.microsoft.com/office/powerpoint/2010/main" val="3533013732"/>
       </p:ext>
     </p:extLst>
   </p:cSld>
@@ -14641,41 +14733,44 @@
         </p:nvSpPr>
         <p:spPr/>
         <p:txBody>
-          <a:bodyPr/>
-          <a:lstStyle/>
-          <a:p>
-            <a:r>
-              <a:rPr lang="de-DE" dirty="0" smtClean="0"/>
-              <a:t>Aufgabe</a:t>
-            </a:r>
-          </a:p>
-          <a:p>
-            <a:r>
-              <a:rPr lang="de-DE" dirty="0" smtClean="0"/>
-              <a:t>Allgemeines zu </a:t>
-            </a:r>
-            <a:r>
-              <a:rPr lang="de-DE" dirty="0" err="1" smtClean="0"/>
-              <a:t>OpenCL</a:t>
-            </a:r>
-            <a:endParaRPr lang="de-DE" dirty="0" smtClean="0"/>
-          </a:p>
-          <a:p>
-            <a:r>
-              <a:rPr lang="de-DE" dirty="0" smtClean="0"/>
-              <a:t>Volumenberechnung</a:t>
-            </a:r>
-          </a:p>
-          <a:p>
-            <a:r>
-              <a:rPr lang="de-DE" dirty="0" smtClean="0"/>
-              <a:t>Schattenberechnung</a:t>
-            </a:r>
-          </a:p>
-          <a:p>
-            <a:r>
-              <a:rPr lang="de-DE" dirty="0" smtClean="0"/>
-              <a:t>Sonnenposition</a:t>
+          <a:bodyPr>
+            <a:normAutofit/>
+          </a:bodyPr>
+          <a:lstStyle/>
+          <a:p>
+            <a:r>
+              <a:rPr lang="de-DE" dirty="0" smtClean="0"/>
+              <a:t>Genauigkeit </a:t>
+            </a:r>
+            <a:r>
+              <a:rPr lang="de-DE" dirty="0"/>
+              <a:t>der </a:t>
+            </a:r>
+            <a:r>
+              <a:rPr lang="de-DE" dirty="0" smtClean="0"/>
+              <a:t>Berechnungen</a:t>
+            </a:r>
+          </a:p>
+          <a:p>
+            <a:endParaRPr lang="de-DE" dirty="0"/>
+          </a:p>
+          <a:p>
+            <a:pPr lvl="1"/>
+            <a:r>
+              <a:rPr lang="de-DE" dirty="0" smtClean="0"/>
+              <a:t>„Umrechnen</a:t>
+            </a:r>
+            <a:r>
+              <a:rPr lang="de-DE" dirty="0"/>
+              <a:t>“ von double zu </a:t>
+            </a:r>
+            <a:r>
+              <a:rPr lang="de-DE" dirty="0" err="1"/>
+              <a:t>float</a:t>
+            </a:r>
+            <a:r>
+              <a:rPr lang="de-DE" dirty="0"/>
+              <a:t> - Datentypen zur Volumenberechnung</a:t>
             </a:r>
           </a:p>
           <a:p>
@@ -14742,14 +14837,12 @@
         </p:nvSpPr>
         <p:spPr/>
         <p:txBody>
-          <a:bodyPr>
-            <a:normAutofit/>
-          </a:bodyPr>
-          <a:lstStyle/>
-          <a:p>
-            <a:r>
-              <a:rPr lang="de-DE" dirty="0" err="1" smtClean="0"/>
-              <a:t>OpenCL</a:t>
+          <a:bodyPr/>
+          <a:lstStyle/>
+          <a:p>
+            <a:r>
+              <a:rPr lang="de-DE" dirty="0" smtClean="0"/>
+              <a:t>Parser: Troubleshooting</a:t>
             </a:r>
             <a:endParaRPr lang="de-DE" dirty="0"/>
           </a:p>
@@ -14758,7 +14851,7 @@
     </p:spTree>
     <p:extLst>
       <p:ext uri="{BB962C8B-B14F-4D97-AF65-F5344CB8AC3E}">
-        <p14:creationId xmlns:p14="http://schemas.microsoft.com/office/powerpoint/2010/main" val="1711646626"/>
+        <p14:creationId xmlns:p14="http://schemas.microsoft.com/office/powerpoint/2010/main" val="3529786392"/>
       </p:ext>
     </p:extLst>
   </p:cSld>
@@ -14809,7 +14902,13 @@
           <a:p>
             <a:r>
               <a:rPr lang="de-DE" dirty="0" smtClean="0"/>
-              <a:t>Aufgabe: Implementierung einer Volumenberechnung und einer Schattenberechnung in CUDA oder </a:t>
+              <a:t>Aufgabe</a:t>
+            </a:r>
+          </a:p>
+          <a:p>
+            <a:r>
+              <a:rPr lang="de-DE" dirty="0" smtClean="0"/>
+              <a:t>Allgemeines zu </a:t>
             </a:r>
             <a:r>
               <a:rPr lang="de-DE" dirty="0" err="1" smtClean="0"/>
@@ -14820,52 +14919,29 @@
           <a:p>
             <a:r>
               <a:rPr lang="de-DE" dirty="0" smtClean="0"/>
-              <a:t>Aufgaben wurden sowohl in Java als auch </a:t>
-            </a:r>
-            <a:r>
-              <a:rPr lang="de-DE" dirty="0" err="1" smtClean="0"/>
-              <a:t>OpenCL</a:t>
-            </a:r>
-            <a:r>
-              <a:rPr lang="de-DE" dirty="0" smtClean="0"/>
-              <a:t> gelöst</a:t>
-            </a:r>
-          </a:p>
-          <a:p>
-            <a:r>
-              <a:rPr lang="de-DE" dirty="0" smtClean="0"/>
-              <a:t>Java Implementierung wird als Fall-Back verwendet</a:t>
-            </a:r>
+              <a:t>Volumenberechnung</a:t>
+            </a:r>
+          </a:p>
+          <a:p>
+            <a:r>
+              <a:rPr lang="de-DE" dirty="0" smtClean="0"/>
+              <a:t>Schattenberechnung</a:t>
+            </a:r>
+          </a:p>
+          <a:p>
+            <a:r>
+              <a:rPr lang="de-DE" dirty="0" smtClean="0"/>
+              <a:t>Sonnenposition</a:t>
+            </a:r>
+          </a:p>
+          <a:p>
             <a:endParaRPr lang="de-DE" dirty="0"/>
           </a:p>
         </p:txBody>
       </p:sp>
       <p:sp>
         <p:nvSpPr>
-          <p:cNvPr id="3" name="Titel 2"/>
-          <p:cNvSpPr>
-            <a:spLocks noGrp="1"/>
-          </p:cNvSpPr>
-          <p:nvPr>
-            <p:ph type="title"/>
-          </p:nvPr>
-        </p:nvSpPr>
-        <p:spPr/>
-        <p:txBody>
-          <a:bodyPr/>
-          <a:lstStyle/>
-          <a:p>
-            <a:r>
-              <a:rPr lang="de-DE" dirty="0" smtClean="0"/>
-              <a:t>Aufgabe</a:t>
-            </a:r>
-            <a:endParaRPr lang="de-DE" dirty="0"/>
-          </a:p>
-        </p:txBody>
-      </p:sp>
-      <p:sp>
-        <p:nvSpPr>
-          <p:cNvPr id="4" name="Datumsplatzhalter 3"/>
+          <p:cNvPr id="3" name="Datumsplatzhalter 2"/>
           <p:cNvSpPr>
             <a:spLocks noGrp="1"/>
           </p:cNvSpPr>
@@ -14888,7 +14964,7 @@
       </p:sp>
       <p:sp>
         <p:nvSpPr>
-          <p:cNvPr id="5" name="Foliennummernplatzhalter 4"/>
+          <p:cNvPr id="4" name="Foliennummernplatzhalter 3"/>
           <p:cNvSpPr>
             <a:spLocks noGrp="1"/>
           </p:cNvSpPr>
@@ -14910,10 +14986,35 @@
           </a:p>
         </p:txBody>
       </p:sp>
+      <p:sp>
+        <p:nvSpPr>
+          <p:cNvPr id="5" name="Titel 4"/>
+          <p:cNvSpPr>
+            <a:spLocks noGrp="1"/>
+          </p:cNvSpPr>
+          <p:nvPr>
+            <p:ph type="title"/>
+          </p:nvPr>
+        </p:nvSpPr>
+        <p:spPr/>
+        <p:txBody>
+          <a:bodyPr>
+            <a:normAutofit/>
+          </a:bodyPr>
+          <a:lstStyle/>
+          <a:p>
+            <a:r>
+              <a:rPr lang="de-DE" dirty="0" err="1" smtClean="0"/>
+              <a:t>OpenCL</a:t>
+            </a:r>
+            <a:endParaRPr lang="de-DE" dirty="0"/>
+          </a:p>
+        </p:txBody>
+      </p:sp>
     </p:spTree>
     <p:extLst>
       <p:ext uri="{BB962C8B-B14F-4D97-AF65-F5344CB8AC3E}">
-        <p14:creationId xmlns:p14="http://schemas.microsoft.com/office/powerpoint/2010/main" val="1439573380"/>
+        <p14:creationId xmlns:p14="http://schemas.microsoft.com/office/powerpoint/2010/main" val="1711646626"/>
       </p:ext>
     </p:extLst>
   </p:cSld>
@@ -14964,50 +15065,63 @@
           <a:p>
             <a:r>
               <a:rPr lang="de-DE" dirty="0" smtClean="0"/>
-              <a:t>CPU hat 2 – 8 Kerne, GPU im Labor hat 1024 Kerne</a:t>
-            </a:r>
-          </a:p>
-          <a:p>
-            <a:r>
-              <a:rPr lang="de-DE" dirty="0" smtClean="0"/>
-              <a:t>Aber geringere Taktrate pro Kern</a:t>
-            </a:r>
-          </a:p>
-          <a:p>
+              <a:t>Aufgabe: Implementierung einer Volumenberechnung und einer Schattenberechnung in CUDA oder </a:t>
+            </a:r>
             <a:r>
               <a:rPr lang="de-DE" dirty="0" err="1" smtClean="0"/>
-              <a:t>Parallelisierbarer</a:t>
-            </a:r>
-            <a:r>
-              <a:rPr lang="de-DE" dirty="0" smtClean="0"/>
-              <a:t> Code kann extrem gut auf der GPU berechnet werden</a:t>
-            </a:r>
-          </a:p>
-          <a:p>
-            <a:r>
-              <a:rPr lang="de-DE" dirty="0" smtClean="0"/>
-              <a:t>Sowohl Volumenberechnung als auch Schattenberechnung gut </a:t>
+              <a:t>OpenCL</a:t>
+            </a:r>
+            <a:endParaRPr lang="de-DE" dirty="0" smtClean="0"/>
+          </a:p>
+          <a:p>
+            <a:r>
+              <a:rPr lang="de-DE" dirty="0" smtClean="0"/>
+              <a:t>Aufgaben wurden sowohl in Java als auch </a:t>
             </a:r>
             <a:r>
               <a:rPr lang="de-DE" dirty="0" err="1" smtClean="0"/>
-              <a:t>parallelisierbar</a:t>
-            </a:r>
-            <a:endParaRPr lang="de-DE" dirty="0" smtClean="0"/>
-          </a:p>
-          <a:p>
-            <a:r>
-              <a:rPr lang="de-DE" dirty="0" smtClean="0"/>
-              <a:t>Schattenberechnungszeit von Stunden auf Minuten reduziert</a:t>
-            </a:r>
-          </a:p>
-          <a:p>
+              <a:t>OpenCL</a:t>
+            </a:r>
+            <a:r>
+              <a:rPr lang="de-DE" dirty="0" smtClean="0"/>
+              <a:t> gelöst</a:t>
+            </a:r>
+          </a:p>
+          <a:p>
+            <a:r>
+              <a:rPr lang="de-DE" dirty="0" smtClean="0"/>
+              <a:t>Java Implementierung wird als Fall-Back verwendet</a:t>
+            </a:r>
             <a:endParaRPr lang="de-DE" dirty="0"/>
           </a:p>
         </p:txBody>
       </p:sp>
       <p:sp>
         <p:nvSpPr>
-          <p:cNvPr id="3" name="Datumsplatzhalter 2"/>
+          <p:cNvPr id="3" name="Titel 2"/>
+          <p:cNvSpPr>
+            <a:spLocks noGrp="1"/>
+          </p:cNvSpPr>
+          <p:nvPr>
+            <p:ph type="title"/>
+          </p:nvPr>
+        </p:nvSpPr>
+        <p:spPr/>
+        <p:txBody>
+          <a:bodyPr/>
+          <a:lstStyle/>
+          <a:p>
+            <a:r>
+              <a:rPr lang="de-DE" dirty="0" smtClean="0"/>
+              <a:t>Aufgabe</a:t>
+            </a:r>
+            <a:endParaRPr lang="de-DE" dirty="0"/>
+          </a:p>
+        </p:txBody>
+      </p:sp>
+      <p:sp>
+        <p:nvSpPr>
+          <p:cNvPr id="4" name="Datumsplatzhalter 3"/>
           <p:cNvSpPr>
             <a:spLocks noGrp="1"/>
           </p:cNvSpPr>
@@ -15030,7 +15144,7 @@
       </p:sp>
       <p:sp>
         <p:nvSpPr>
-          <p:cNvPr id="4" name="Foliennummernplatzhalter 3"/>
+          <p:cNvPr id="5" name="Foliennummernplatzhalter 4"/>
           <p:cNvSpPr>
             <a:spLocks noGrp="1"/>
           </p:cNvSpPr>
@@ -15052,33 +15166,10 @@
           </a:p>
         </p:txBody>
       </p:sp>
-      <p:sp>
-        <p:nvSpPr>
-          <p:cNvPr id="5" name="Titel 4"/>
-          <p:cNvSpPr>
-            <a:spLocks noGrp="1"/>
-          </p:cNvSpPr>
-          <p:nvPr>
-            <p:ph type="title"/>
-          </p:nvPr>
-        </p:nvSpPr>
-        <p:spPr/>
-        <p:txBody>
-          <a:bodyPr/>
-          <a:lstStyle/>
-          <a:p>
-            <a:r>
-              <a:rPr lang="de-DE" dirty="0" smtClean="0"/>
-              <a:t>Warum GPU?</a:t>
-            </a:r>
-            <a:endParaRPr lang="de-DE" dirty="0"/>
-          </a:p>
-        </p:txBody>
-      </p:sp>
     </p:spTree>
     <p:extLst>
       <p:ext uri="{BB962C8B-B14F-4D97-AF65-F5344CB8AC3E}">
-        <p14:creationId xmlns:p14="http://schemas.microsoft.com/office/powerpoint/2010/main" val="3272700345"/>
+        <p14:creationId xmlns:p14="http://schemas.microsoft.com/office/powerpoint/2010/main" val="1439573380"/>
       </p:ext>
     </p:extLst>
   </p:cSld>
@@ -15129,78 +15220,50 @@
           <a:p>
             <a:r>
               <a:rPr lang="de-DE" dirty="0" smtClean="0"/>
-              <a:t>Entscheidung für </a:t>
-            </a:r>
+              <a:t>CPU hat 2 – 8 Kerne, GPU im Labor hat 1024 Kerne</a:t>
+            </a:r>
+          </a:p>
+          <a:p>
+            <a:r>
+              <a:rPr lang="de-DE" dirty="0" smtClean="0"/>
+              <a:t>Aber geringere Taktrate pro Kern</a:t>
+            </a:r>
+          </a:p>
+          <a:p>
             <a:r>
               <a:rPr lang="de-DE" dirty="0" err="1" smtClean="0"/>
-              <a:t>OpenCL</a:t>
-            </a:r>
-            <a:r>
-              <a:rPr lang="de-DE" dirty="0" smtClean="0"/>
-              <a:t> da plattformübergreifend</a:t>
-            </a:r>
-          </a:p>
-          <a:p>
-            <a:r>
-              <a:rPr lang="de-DE" dirty="0" smtClean="0"/>
-              <a:t>Offener Standard seit 2008</a:t>
-            </a:r>
-          </a:p>
-          <a:p>
-            <a:r>
-              <a:rPr lang="de-DE" dirty="0" smtClean="0"/>
-              <a:t>Wird von der </a:t>
+              <a:t>Parallelisierbarer</a:t>
+            </a:r>
+            <a:r>
+              <a:rPr lang="de-DE" dirty="0" smtClean="0"/>
+              <a:t> Code kann extrem gut auf der GPU berechnet werden</a:t>
+            </a:r>
+          </a:p>
+          <a:p>
+            <a:r>
+              <a:rPr lang="de-DE" dirty="0" smtClean="0"/>
+              <a:t>Sowohl Volumenberechnung als auch Schattenberechnung gut </a:t>
             </a:r>
             <a:r>
               <a:rPr lang="de-DE" dirty="0" err="1" smtClean="0"/>
-              <a:t>Khronos</a:t>
-            </a:r>
-            <a:r>
-              <a:rPr lang="de-DE" dirty="0" smtClean="0"/>
-              <a:t>-Group gepflegt</a:t>
-            </a:r>
-          </a:p>
-          <a:p>
-            <a:r>
-              <a:rPr lang="de-DE" dirty="0" smtClean="0"/>
-              <a:t>Unterstützt AMD-Grafikkarten</a:t>
-            </a:r>
-          </a:p>
-          <a:p>
-            <a:r>
-              <a:rPr lang="de-DE" dirty="0" smtClean="0"/>
-              <a:t>Java-Binding mit JOCL vorhanden</a:t>
-            </a:r>
+              <a:t>parallelisierbar</a:t>
+            </a:r>
+            <a:endParaRPr lang="de-DE" dirty="0" smtClean="0"/>
+          </a:p>
+          <a:p>
+            <a:r>
+              <a:rPr lang="de-DE" dirty="0" smtClean="0"/>
+              <a:t>Schattenberechnungszeit von Stunden auf Minuten reduziert</a:t>
+            </a:r>
+          </a:p>
+          <a:p>
             <a:endParaRPr lang="de-DE" dirty="0"/>
           </a:p>
         </p:txBody>
       </p:sp>
       <p:sp>
         <p:nvSpPr>
-          <p:cNvPr id="3" name="Titel 2"/>
-          <p:cNvSpPr>
-            <a:spLocks noGrp="1"/>
-          </p:cNvSpPr>
-          <p:nvPr>
-            <p:ph type="title"/>
-          </p:nvPr>
-        </p:nvSpPr>
-        <p:spPr/>
-        <p:txBody>
-          <a:bodyPr/>
-          <a:lstStyle/>
-          <a:p>
-            <a:r>
-              <a:rPr lang="de-DE" dirty="0" err="1" smtClean="0"/>
-              <a:t>OpenCL</a:t>
-            </a:r>
-            <a:endParaRPr lang="de-DE" dirty="0"/>
-          </a:p>
-        </p:txBody>
-      </p:sp>
-      <p:sp>
-        <p:nvSpPr>
-          <p:cNvPr id="4" name="Datumsplatzhalter 3"/>
+          <p:cNvPr id="3" name="Datumsplatzhalter 2"/>
           <p:cNvSpPr>
             <a:spLocks noGrp="1"/>
           </p:cNvSpPr>
@@ -15223,7 +15286,7 @@
       </p:sp>
       <p:sp>
         <p:nvSpPr>
-          <p:cNvPr id="5" name="Foliennummernplatzhalter 4"/>
+          <p:cNvPr id="4" name="Foliennummernplatzhalter 3"/>
           <p:cNvSpPr>
             <a:spLocks noGrp="1"/>
           </p:cNvSpPr>
@@ -15245,10 +15308,33 @@
           </a:p>
         </p:txBody>
       </p:sp>
+      <p:sp>
+        <p:nvSpPr>
+          <p:cNvPr id="5" name="Titel 4"/>
+          <p:cNvSpPr>
+            <a:spLocks noGrp="1"/>
+          </p:cNvSpPr>
+          <p:nvPr>
+            <p:ph type="title"/>
+          </p:nvPr>
+        </p:nvSpPr>
+        <p:spPr/>
+        <p:txBody>
+          <a:bodyPr/>
+          <a:lstStyle/>
+          <a:p>
+            <a:r>
+              <a:rPr lang="de-DE" dirty="0" smtClean="0"/>
+              <a:t>Warum GPU?</a:t>
+            </a:r>
+            <a:endParaRPr lang="de-DE" dirty="0"/>
+          </a:p>
+        </p:txBody>
+      </p:sp>
     </p:spTree>
     <p:extLst>
       <p:ext uri="{BB962C8B-B14F-4D97-AF65-F5344CB8AC3E}">
-        <p14:creationId xmlns:p14="http://schemas.microsoft.com/office/powerpoint/2010/main" val="1885144604"/>
+        <p14:creationId xmlns:p14="http://schemas.microsoft.com/office/powerpoint/2010/main" val="3272700345"/>
       </p:ext>
     </p:extLst>
   </p:cSld>
@@ -15298,87 +15384,50 @@
           <a:lstStyle/>
           <a:p>
             <a:r>
+              <a:rPr lang="de-DE" dirty="0" smtClean="0"/>
+              <a:t>Entscheidung für </a:t>
+            </a:r>
+            <a:r>
               <a:rPr lang="de-DE" dirty="0" err="1" smtClean="0"/>
               <a:t>OpenCL</a:t>
             </a:r>
             <a:r>
               <a:rPr lang="de-DE" dirty="0" smtClean="0"/>
-              <a:t> </a:t>
+              <a:t> da plattformübergreifend</a:t>
+            </a:r>
+          </a:p>
+          <a:p>
+            <a:r>
+              <a:rPr lang="de-DE" dirty="0" smtClean="0"/>
+              <a:t>Offener Standard seit 2008</a:t>
+            </a:r>
+          </a:p>
+          <a:p>
+            <a:r>
+              <a:rPr lang="de-DE" dirty="0" smtClean="0"/>
+              <a:t>Wird von der </a:t>
             </a:r>
             <a:r>
               <a:rPr lang="de-DE" dirty="0" err="1" smtClean="0"/>
-              <a:t>Context</a:t>
-            </a:r>
-            <a:r>
-              <a:rPr lang="de-DE" dirty="0" smtClean="0"/>
-              <a:t> erstellen</a:t>
-            </a:r>
-            <a:br>
-              <a:rPr lang="de-DE" dirty="0" smtClean="0"/>
-            </a:br>
-            <a:r>
-              <a:rPr lang="de-DE" i="1" dirty="0" err="1" smtClean="0"/>
-              <a:t>clCreateContextFromType</a:t>
-            </a:r>
-            <a:endParaRPr lang="de-DE" i="1" dirty="0" smtClean="0"/>
-          </a:p>
-          <a:p>
-            <a:r>
-              <a:rPr lang="de-DE" dirty="0" smtClean="0"/>
-              <a:t>Devices (GPUs oder </a:t>
-            </a:r>
-            <a:r>
-              <a:rPr lang="de-DE" dirty="0" err="1" smtClean="0"/>
-              <a:t>evtl</a:t>
-            </a:r>
-            <a:r>
-              <a:rPr lang="de-DE" dirty="0" smtClean="0"/>
-              <a:t> CPUs) holen</a:t>
-            </a:r>
-            <a:br>
-              <a:rPr lang="de-DE" dirty="0" smtClean="0"/>
-            </a:br>
-            <a:r>
-              <a:rPr lang="de-DE" i="1" dirty="0" err="1" smtClean="0"/>
-              <a:t>clGetContextInfo</a:t>
-            </a:r>
-            <a:endParaRPr lang="de-DE" i="1" dirty="0" smtClean="0"/>
-          </a:p>
-          <a:p>
-            <a:r>
-              <a:rPr lang="de-DE" dirty="0" smtClean="0"/>
-              <a:t>Eine </a:t>
-            </a:r>
-            <a:r>
-              <a:rPr lang="de-DE" dirty="0" err="1" smtClean="0"/>
-              <a:t>CommandQueue</a:t>
-            </a:r>
-            <a:r>
-              <a:rPr lang="de-DE" dirty="0" smtClean="0"/>
-              <a:t> erstellen</a:t>
-            </a:r>
-            <a:br>
-              <a:rPr lang="de-DE" dirty="0" smtClean="0"/>
-            </a:br>
-            <a:r>
-              <a:rPr lang="de-DE" i="1" dirty="0" err="1" smtClean="0"/>
-              <a:t>clCreateCommandQueue</a:t>
-            </a:r>
-            <a:endParaRPr lang="de-DE" i="1" dirty="0" smtClean="0"/>
-          </a:p>
-          <a:p>
-            <a:r>
-              <a:rPr lang="de-DE" dirty="0" smtClean="0"/>
-              <a:t>Ein Programm laden</a:t>
-            </a:r>
-            <a:br>
-              <a:rPr lang="de-DE" dirty="0" smtClean="0"/>
-            </a:br>
-            <a:r>
-              <a:rPr lang="de-DE" i="1" dirty="0" err="1" smtClean="0"/>
-              <a:t>clCreateProgramWithSource</a:t>
-            </a:r>
-            <a:endParaRPr lang="de-DE" i="1" dirty="0" smtClean="0"/>
+              <a:t>Khronos</a:t>
+            </a:r>
+            <a:r>
+              <a:rPr lang="de-DE" dirty="0" smtClean="0"/>
+              <a:t>-Group gepflegt</a:t>
+            </a:r>
+          </a:p>
+          <a:p>
+            <a:r>
+              <a:rPr lang="de-DE" dirty="0" smtClean="0"/>
+              <a:t>Unterstützt AMD-Grafikkarten</a:t>
+            </a:r>
+          </a:p>
+          <a:p>
+            <a:r>
+              <a:rPr lang="de-DE" dirty="0" smtClean="0"/>
+              <a:t>Java-Binding mit JOCL vorhanden</a:t>
+            </a:r>
+            <a:endParaRPr lang="de-DE" dirty="0"/>
           </a:p>
         </p:txBody>
       </p:sp>
@@ -15394,22 +15443,12 @@
         </p:nvSpPr>
         <p:spPr/>
         <p:txBody>
-          <a:bodyPr>
-            <a:normAutofit fontScale="90000"/>
-          </a:bodyPr>
-          <a:lstStyle/>
-          <a:p>
-            <a:r>
-              <a:rPr lang="de-DE" dirty="0" smtClean="0"/>
-              <a:t>Aufbau </a:t>
-            </a:r>
+          <a:bodyPr/>
+          <a:lstStyle/>
+          <a:p>
             <a:r>
               <a:rPr lang="de-DE" dirty="0" err="1" smtClean="0"/>
               <a:t>OpenCL</a:t>
-            </a:r>
-            <a:r>
-              <a:rPr lang="de-DE" dirty="0" smtClean="0"/>
-              <a:t> Programm (1/3)</a:t>
             </a:r>
             <a:endParaRPr lang="de-DE" dirty="0"/>
           </a:p>
@@ -15465,7 +15504,7 @@
     </p:spTree>
     <p:extLst>
       <p:ext uri="{BB962C8B-B14F-4D97-AF65-F5344CB8AC3E}">
-        <p14:creationId xmlns:p14="http://schemas.microsoft.com/office/powerpoint/2010/main" val="3149190744"/>
+        <p14:creationId xmlns:p14="http://schemas.microsoft.com/office/powerpoint/2010/main" val="1885144604"/>
       </p:ext>
     </p:extLst>
   </p:cSld>
@@ -15515,23 +15554,60 @@
           <a:lstStyle/>
           <a:p>
             <a:r>
-              <a:rPr lang="de-DE" dirty="0" smtClean="0"/>
-              <a:t>Das Programm kompilieren und linken </a:t>
-            </a:r>
+              <a:rPr lang="de-DE" dirty="0" err="1" smtClean="0"/>
+              <a:t>OpenCL</a:t>
+            </a:r>
+            <a:r>
+              <a:rPr lang="de-DE" dirty="0" smtClean="0"/>
+              <a:t> </a:t>
+            </a:r>
+            <a:r>
+              <a:rPr lang="de-DE" dirty="0" err="1" smtClean="0"/>
+              <a:t>Context</a:t>
+            </a:r>
+            <a:r>
+              <a:rPr lang="de-DE" dirty="0" smtClean="0"/>
+              <a:t> erstellen</a:t>
+            </a:r>
+            <a:br>
+              <a:rPr lang="de-DE" dirty="0" smtClean="0"/>
+            </a:br>
             <a:r>
               <a:rPr lang="de-DE" i="1" dirty="0" err="1" smtClean="0"/>
-              <a:t>clBuildProgram</a:t>
+              <a:t>clCreateContextFromType</a:t>
             </a:r>
             <a:endParaRPr lang="de-DE" i="1" dirty="0" smtClean="0"/>
           </a:p>
           <a:p>
             <a:r>
               <a:rPr lang="de-DE" dirty="0" smtClean="0"/>
-              <a:t>Den </a:t>
+              <a:t>Devices (GPUs oder </a:t>
             </a:r>
             <a:r>
               <a:rPr lang="de-DE" dirty="0" err="1" smtClean="0"/>
-              <a:t>Programmkernel</a:t>
+              <a:t>evtl</a:t>
+            </a:r>
+            <a:r>
+              <a:rPr lang="de-DE" dirty="0" smtClean="0"/>
+              <a:t> CPUs) holen</a:t>
+            </a:r>
+            <a:br>
+              <a:rPr lang="de-DE" dirty="0" smtClean="0"/>
+            </a:br>
+            <a:r>
+              <a:rPr lang="de-DE" i="1" dirty="0" err="1" smtClean="0"/>
+              <a:t>clGetContextInfo</a:t>
+            </a:r>
+            <a:endParaRPr lang="de-DE" i="1" dirty="0" smtClean="0"/>
+          </a:p>
+          <a:p>
+            <a:r>
+              <a:rPr lang="de-DE" dirty="0" smtClean="0"/>
+              <a:t>Eine </a:t>
+            </a:r>
+            <a:r>
+              <a:rPr lang="de-DE" dirty="0" err="1" smtClean="0"/>
+              <a:t>CommandQueue</a:t>
             </a:r>
             <a:r>
               <a:rPr lang="de-DE" dirty="0" smtClean="0"/>
@@ -15542,49 +15618,23 @@
             </a:br>
             <a:r>
               <a:rPr lang="de-DE" i="1" dirty="0" err="1" smtClean="0"/>
-              <a:t>clCreateKernel</a:t>
+              <a:t>clCreateCommandQueue</a:t>
             </a:r>
             <a:endParaRPr lang="de-DE" i="1" dirty="0" smtClean="0"/>
           </a:p>
           <a:p>
             <a:r>
               <a:rPr lang="de-DE" dirty="0" smtClean="0"/>
-              <a:t>Programmdaten auf die GPU laden</a:t>
-            </a:r>
-          </a:p>
-          <a:p>
-            <a:pPr lvl="1"/>
-            <a:r>
-              <a:rPr lang="de-DE" dirty="0" err="1" smtClean="0"/>
-              <a:t>Buffer</a:t>
-            </a:r>
-            <a:r>
-              <a:rPr lang="de-DE" dirty="0" smtClean="0"/>
-              <a:t> auf GPU erstellen mit </a:t>
+              <a:t>Ein Programm laden</a:t>
             </a:r>
             <a:br>
               <a:rPr lang="de-DE" dirty="0" smtClean="0"/>
             </a:br>
             <a:r>
               <a:rPr lang="de-DE" i="1" dirty="0" err="1" smtClean="0"/>
-              <a:t>clCreateBuffer</a:t>
+              <a:t>clCreateProgramWithSource</a:t>
             </a:r>
             <a:endParaRPr lang="de-DE" i="1" dirty="0" smtClean="0"/>
-          </a:p>
-          <a:p>
-            <a:pPr lvl="1"/>
-            <a:r>
-              <a:rPr lang="de-DE" dirty="0" smtClean="0"/>
-              <a:t>Parameter für den Kernel setzen mit</a:t>
-            </a:r>
-            <a:br>
-              <a:rPr lang="de-DE" dirty="0" smtClean="0"/>
-            </a:br>
-            <a:r>
-              <a:rPr lang="de-DE" i="1" dirty="0" err="1"/>
-              <a:t>clSetKernelArg</a:t>
-            </a:r>
-            <a:endParaRPr lang="de-DE" dirty="0"/>
           </a:p>
         </p:txBody>
       </p:sp>
@@ -15615,7 +15665,7 @@
             </a:r>
             <a:r>
               <a:rPr lang="de-DE" dirty="0" smtClean="0"/>
-              <a:t> Programm (2/3)</a:t>
+              <a:t> Programm (1/3)</a:t>
             </a:r>
             <a:endParaRPr lang="de-DE" dirty="0"/>
           </a:p>
@@ -15671,7 +15721,7 @@
     </p:spTree>
     <p:extLst>
       <p:ext uri="{BB962C8B-B14F-4D97-AF65-F5344CB8AC3E}">
-        <p14:creationId xmlns:p14="http://schemas.microsoft.com/office/powerpoint/2010/main" val="2679847430"/>
+        <p14:creationId xmlns:p14="http://schemas.microsoft.com/office/powerpoint/2010/main" val="3149190744"/>
       </p:ext>
     </p:extLst>
   </p:cSld>
@@ -15888,85 +15938,76 @@
           <a:lstStyle/>
           <a:p>
             <a:r>
+              <a:rPr lang="de-DE" dirty="0" smtClean="0"/>
+              <a:t>Das Programm kompilieren und linken </a:t>
+            </a:r>
+            <a:r>
+              <a:rPr lang="de-DE" i="1" dirty="0" err="1" smtClean="0"/>
+              <a:t>clBuildProgram</a:t>
+            </a:r>
+            <a:endParaRPr lang="de-DE" i="1" dirty="0" smtClean="0"/>
+          </a:p>
+          <a:p>
+            <a:r>
+              <a:rPr lang="de-DE" dirty="0" smtClean="0"/>
+              <a:t>Den </a:t>
+            </a:r>
+            <a:r>
               <a:rPr lang="de-DE" dirty="0" err="1" smtClean="0"/>
-              <a:t>OpenCL</a:t>
-            </a:r>
-            <a:r>
-              <a:rPr lang="de-DE" dirty="0" smtClean="0"/>
-              <a:t> </a:t>
-            </a:r>
+              <a:t>Programmkernel</a:t>
+            </a:r>
+            <a:r>
+              <a:rPr lang="de-DE" dirty="0" smtClean="0"/>
+              <a:t> erstellen</a:t>
+            </a:r>
+            <a:br>
+              <a:rPr lang="de-DE" dirty="0" smtClean="0"/>
+            </a:br>
+            <a:r>
+              <a:rPr lang="de-DE" i="1" dirty="0" err="1" smtClean="0"/>
+              <a:t>clCreateKernel</a:t>
+            </a:r>
+            <a:endParaRPr lang="de-DE" i="1" dirty="0" smtClean="0"/>
+          </a:p>
+          <a:p>
+            <a:r>
+              <a:rPr lang="de-DE" dirty="0" smtClean="0"/>
+              <a:t>Programmdaten auf die GPU laden</a:t>
+            </a:r>
+          </a:p>
+          <a:p>
+            <a:pPr lvl="1"/>
             <a:r>
               <a:rPr lang="de-DE" dirty="0" err="1" smtClean="0"/>
-              <a:t>kernel</a:t>
-            </a:r>
-            <a:r>
-              <a:rPr lang="de-DE" dirty="0" smtClean="0"/>
-              <a:t> ausführen</a:t>
+              <a:t>Buffer</a:t>
+            </a:r>
+            <a:r>
+              <a:rPr lang="de-DE" dirty="0" smtClean="0"/>
+              <a:t> auf GPU erstellen mit </a:t>
             </a:r>
             <a:br>
               <a:rPr lang="de-DE" dirty="0" smtClean="0"/>
             </a:br>
             <a:r>
               <a:rPr lang="de-DE" i="1" dirty="0" err="1" smtClean="0"/>
-              <a:t>clEnqueueNDRangeKernel</a:t>
+              <a:t>clCreateBuffer</a:t>
             </a:r>
             <a:endParaRPr lang="de-DE" i="1" dirty="0" smtClean="0"/>
           </a:p>
           <a:p>
-            <a:r>
-              <a:rPr lang="de-DE" dirty="0" smtClean="0"/>
-              <a:t>Warten bis die Ausführung beendet ist</a:t>
+            <a:pPr lvl="1"/>
+            <a:r>
+              <a:rPr lang="de-DE" dirty="0" smtClean="0"/>
+              <a:t>Parameter für den Kernel setzen mit</a:t>
             </a:r>
             <a:br>
               <a:rPr lang="de-DE" dirty="0" smtClean="0"/>
             </a:br>
             <a:r>
-              <a:rPr lang="de-DE" i="1" dirty="0" err="1" smtClean="0"/>
-              <a:t>clFinish</a:t>
-            </a:r>
-            <a:endParaRPr lang="de-DE" i="1" dirty="0" smtClean="0"/>
-          </a:p>
-          <a:p>
-            <a:r>
-              <a:rPr lang="de-DE" dirty="0" smtClean="0"/>
-              <a:t>Lesen von Ausgabedaten</a:t>
-            </a:r>
-            <a:br>
-              <a:rPr lang="de-DE" dirty="0" smtClean="0"/>
-            </a:br>
-            <a:r>
-              <a:rPr lang="de-DE" i="1" dirty="0" err="1" smtClean="0"/>
-              <a:t>clEnqueueReadBuffer</a:t>
-            </a:r>
-            <a:endParaRPr lang="de-DE" i="1" dirty="0" smtClean="0"/>
-          </a:p>
-          <a:p>
-            <a:r>
-              <a:rPr lang="de-DE" dirty="0" smtClean="0"/>
-              <a:t>Gespeicherte Daten wieder löschen</a:t>
-            </a:r>
-            <a:br>
-              <a:rPr lang="de-DE" dirty="0" smtClean="0"/>
-            </a:br>
-            <a:r>
-              <a:rPr lang="de-DE" i="1" dirty="0" err="1" smtClean="0"/>
-              <a:t>clReleaseMemObject</a:t>
-            </a:r>
-            <a:endParaRPr lang="de-DE" i="1" dirty="0" smtClean="0"/>
-          </a:p>
-          <a:p>
-            <a:r>
-              <a:rPr lang="de-DE" dirty="0" smtClean="0"/>
-              <a:t>Kernel wieder freigeben</a:t>
-            </a:r>
-            <a:br>
-              <a:rPr lang="de-DE" dirty="0" smtClean="0"/>
-            </a:br>
-            <a:r>
               <a:rPr lang="de-DE" i="1" dirty="0" err="1"/>
-              <a:t>clReleaseKernel</a:t>
-            </a:r>
-            <a:endParaRPr lang="de-DE" dirty="0" smtClean="0"/>
+              <a:t>clSetKernelArg</a:t>
+            </a:r>
+            <a:endParaRPr lang="de-DE" dirty="0"/>
           </a:p>
         </p:txBody>
       </p:sp>
@@ -15997,7 +16038,7 @@
             </a:r>
             <a:r>
               <a:rPr lang="de-DE" dirty="0" smtClean="0"/>
-              <a:t> Programm (3/3)</a:t>
+              <a:t> Programm (2/3)</a:t>
             </a:r>
             <a:endParaRPr lang="de-DE" dirty="0"/>
           </a:p>
@@ -16053,7 +16094,7 @@
     </p:spTree>
     <p:extLst>
       <p:ext uri="{BB962C8B-B14F-4D97-AF65-F5344CB8AC3E}">
-        <p14:creationId xmlns:p14="http://schemas.microsoft.com/office/powerpoint/2010/main" val="8515451"/>
+        <p14:creationId xmlns:p14="http://schemas.microsoft.com/office/powerpoint/2010/main" val="2679847430"/>
       </p:ext>
     </p:extLst>
   </p:cSld>
@@ -16099,9 +16140,7 @@
         </p:nvSpPr>
         <p:spPr/>
         <p:txBody>
-          <a:bodyPr>
-            <a:normAutofit/>
-          </a:bodyPr>
+          <a:bodyPr/>
           <a:lstStyle/>
           <a:p>
             <a:r>
@@ -16110,229 +16149,111 @@
             </a:r>
             <a:r>
               <a:rPr lang="de-DE" dirty="0" smtClean="0"/>
-              <a:t> Sprache ist eine </a:t>
-            </a:r>
-            <a:r>
-              <a:rPr lang="de-DE" dirty="0"/>
-              <a:t>E</a:t>
-            </a:r>
-            <a:r>
-              <a:rPr lang="de-DE" dirty="0" smtClean="0"/>
-              <a:t>rweiterung des C-Standards</a:t>
-            </a:r>
-          </a:p>
-          <a:p>
-            <a:r>
-              <a:rPr lang="de-DE" dirty="0" smtClean="0"/>
-              <a:t>Beispiel zur Berechnung von Quadratzahlen auf der GPU</a:t>
-            </a:r>
-          </a:p>
-          <a:p>
-            <a:pPr marL="109728" indent="0">
-              <a:buNone/>
-            </a:pPr>
-            <a:r>
-              <a:rPr lang="de-DE" dirty="0" smtClean="0"/>
-              <a:t>__</a:t>
-            </a:r>
-            <a:r>
-              <a:rPr lang="de-DE" dirty="0" err="1"/>
+              <a:t> </a:t>
+            </a:r>
+            <a:r>
+              <a:rPr lang="de-DE" dirty="0" err="1" smtClean="0"/>
               <a:t>kernel</a:t>
             </a:r>
             <a:r>
-              <a:rPr lang="de-DE" dirty="0"/>
-              <a:t> </a:t>
-            </a:r>
-            <a:r>
-              <a:rPr lang="de-DE" dirty="0" err="1">
-                <a:solidFill>
-                  <a:srgbClr val="0070C0"/>
-                </a:solidFill>
-              </a:rPr>
-              <a:t>void</a:t>
-            </a:r>
-            <a:r>
-              <a:rPr lang="de-DE" dirty="0">
-                <a:solidFill>
-                  <a:srgbClr val="0070C0"/>
-                </a:solidFill>
-              </a:rPr>
-              <a:t> </a:t>
-            </a:r>
-            <a:r>
-              <a:rPr lang="de-DE" dirty="0" err="1"/>
-              <a:t>calc</a:t>
-            </a:r>
-            <a:r>
-              <a:rPr lang="de-DE" dirty="0"/>
-              <a:t>(__global </a:t>
-            </a:r>
-            <a:r>
-              <a:rPr lang="de-DE" dirty="0" err="1">
-                <a:solidFill>
-                  <a:srgbClr val="0070C0"/>
-                </a:solidFill>
-              </a:rPr>
-              <a:t>int</a:t>
-            </a:r>
-            <a:r>
-              <a:rPr lang="de-DE" dirty="0"/>
-              <a:t>* </a:t>
-            </a:r>
-            <a:r>
-              <a:rPr lang="de-DE" dirty="0" err="1"/>
-              <a:t>array</a:t>
-            </a:r>
-            <a:r>
-              <a:rPr lang="de-DE" dirty="0"/>
-              <a:t>,				   </a:t>
-            </a:r>
-            <a:r>
-              <a:rPr lang="de-DE" dirty="0" smtClean="0"/>
-              <a:t>         __</a:t>
-            </a:r>
-            <a:r>
-              <a:rPr lang="de-DE" dirty="0"/>
-              <a:t>global </a:t>
-            </a:r>
-            <a:r>
-              <a:rPr lang="de-DE" dirty="0" err="1">
-                <a:solidFill>
-                  <a:srgbClr val="0070C0"/>
-                </a:solidFill>
-              </a:rPr>
-              <a:t>int</a:t>
-            </a:r>
-            <a:r>
-              <a:rPr lang="de-DE" dirty="0"/>
-              <a:t>* </a:t>
-            </a:r>
-            <a:r>
-              <a:rPr lang="de-DE" dirty="0" err="1"/>
-              <a:t>result</a:t>
-            </a:r>
-            <a:r>
-              <a:rPr lang="de-DE" dirty="0"/>
-              <a:t>) </a:t>
-            </a:r>
-            <a:r>
-              <a:rPr lang="de-DE" dirty="0" smtClean="0"/>
-              <a:t>{</a:t>
+              <a:rPr lang="de-DE" dirty="0" smtClean="0"/>
+              <a:t> ausführen</a:t>
             </a:r>
             <a:br>
               <a:rPr lang="de-DE" dirty="0" smtClean="0"/>
             </a:br>
             <a:r>
-              <a:rPr lang="de-DE" dirty="0" smtClean="0"/>
-              <a:t>	</a:t>
-            </a:r>
-            <a:r>
-              <a:rPr lang="de-DE" dirty="0" err="1" smtClean="0">
-                <a:solidFill>
-                  <a:srgbClr val="0070C0"/>
-                </a:solidFill>
-              </a:rPr>
-              <a:t>int</a:t>
-            </a:r>
-            <a:r>
-              <a:rPr lang="de-DE" dirty="0" smtClean="0">
-                <a:solidFill>
-                  <a:srgbClr val="0070C0"/>
-                </a:solidFill>
-              </a:rPr>
-              <a:t> </a:t>
-            </a:r>
-            <a:r>
-              <a:rPr lang="de-DE" dirty="0" err="1"/>
-              <a:t>gid</a:t>
-            </a:r>
-            <a:r>
-              <a:rPr lang="de-DE" dirty="0"/>
-              <a:t> = </a:t>
-            </a:r>
-            <a:r>
-              <a:rPr lang="de-DE" dirty="0" err="1"/>
-              <a:t>get_global_id</a:t>
-            </a:r>
-            <a:r>
-              <a:rPr lang="de-DE" dirty="0"/>
-              <a:t>(</a:t>
-            </a:r>
-            <a:r>
-              <a:rPr lang="de-DE" dirty="0">
-                <a:solidFill>
-                  <a:srgbClr val="FFC000"/>
-                </a:solidFill>
-              </a:rPr>
-              <a:t>0</a:t>
-            </a:r>
-            <a:r>
-              <a:rPr lang="de-DE" dirty="0" smtClean="0"/>
-              <a:t>);</a:t>
+              <a:rPr lang="de-DE" i="1" dirty="0" err="1" smtClean="0"/>
+              <a:t>clEnqueueNDRangeKernel</a:t>
+            </a:r>
+            <a:endParaRPr lang="de-DE" i="1" dirty="0" smtClean="0"/>
+          </a:p>
+          <a:p>
+            <a:r>
+              <a:rPr lang="de-DE" dirty="0" smtClean="0"/>
+              <a:t>Warten bis die Ausführung beendet ist</a:t>
             </a:r>
             <a:br>
               <a:rPr lang="de-DE" dirty="0" smtClean="0"/>
             </a:br>
             <a:r>
-              <a:rPr lang="de-DE" dirty="0" smtClean="0"/>
-              <a:t>	</a:t>
+              <a:rPr lang="de-DE" i="1" dirty="0" err="1" smtClean="0"/>
+              <a:t>clFinish</a:t>
+            </a:r>
+            <a:endParaRPr lang="de-DE" i="1" dirty="0" smtClean="0"/>
+          </a:p>
+          <a:p>
+            <a:r>
+              <a:rPr lang="de-DE" dirty="0" smtClean="0"/>
+              <a:t>Lesen von Ausgabedaten</a:t>
+            </a:r>
+            <a:br>
+              <a:rPr lang="de-DE" dirty="0" smtClean="0"/>
+            </a:br>
+            <a:r>
+              <a:rPr lang="de-DE" i="1" dirty="0" err="1" smtClean="0"/>
+              <a:t>clEnqueueReadBuffer</a:t>
+            </a:r>
+            <a:endParaRPr lang="de-DE" i="1" dirty="0" smtClean="0"/>
+          </a:p>
+          <a:p>
+            <a:r>
+              <a:rPr lang="de-DE" dirty="0" smtClean="0"/>
+              <a:t>Gespeicherte Daten wieder löschen</a:t>
+            </a:r>
+            <a:br>
+              <a:rPr lang="de-DE" dirty="0" smtClean="0"/>
+            </a:br>
+            <a:r>
+              <a:rPr lang="de-DE" i="1" dirty="0" err="1" smtClean="0"/>
+              <a:t>clReleaseMemObject</a:t>
+            </a:r>
+            <a:endParaRPr lang="de-DE" i="1" dirty="0" smtClean="0"/>
+          </a:p>
+          <a:p>
+            <a:r>
+              <a:rPr lang="de-DE" dirty="0" smtClean="0"/>
+              <a:t>Kernel wieder freigeben</a:t>
+            </a:r>
+            <a:br>
+              <a:rPr lang="de-DE" dirty="0" smtClean="0"/>
+            </a:br>
+            <a:r>
+              <a:rPr lang="de-DE" i="1" dirty="0" err="1"/>
+              <a:t>clReleaseKernel</a:t>
+            </a:r>
+            <a:endParaRPr lang="de-DE" dirty="0" smtClean="0"/>
+          </a:p>
+        </p:txBody>
+      </p:sp>
+      <p:sp>
+        <p:nvSpPr>
+          <p:cNvPr id="3" name="Titel 2"/>
+          <p:cNvSpPr>
+            <a:spLocks noGrp="1"/>
+          </p:cNvSpPr>
+          <p:nvPr>
+            <p:ph type="title"/>
+          </p:nvPr>
+        </p:nvSpPr>
+        <p:spPr/>
+        <p:txBody>
+          <a:bodyPr>
+            <a:normAutofit fontScale="90000"/>
+          </a:bodyPr>
+          <a:lstStyle/>
+          <a:p>
+            <a:r>
+              <a:rPr lang="de-DE" dirty="0" smtClean="0"/>
+              <a:t>Aufbau </a:t>
             </a:r>
             <a:r>
               <a:rPr lang="de-DE" dirty="0" err="1" smtClean="0"/>
-              <a:t>result</a:t>
-            </a:r>
-            <a:r>
-              <a:rPr lang="de-DE" dirty="0" smtClean="0"/>
-              <a:t>[</a:t>
-            </a:r>
-            <a:r>
-              <a:rPr lang="de-DE" dirty="0" err="1" smtClean="0"/>
-              <a:t>gid</a:t>
-            </a:r>
-            <a:r>
-              <a:rPr lang="de-DE" dirty="0"/>
-              <a:t>] = </a:t>
-            </a:r>
-            <a:r>
-              <a:rPr lang="de-DE" dirty="0" err="1"/>
-              <a:t>array</a:t>
-            </a:r>
-            <a:r>
-              <a:rPr lang="de-DE" dirty="0"/>
-              <a:t>[</a:t>
-            </a:r>
-            <a:r>
-              <a:rPr lang="de-DE" dirty="0" err="1"/>
-              <a:t>gid</a:t>
-            </a:r>
-            <a:r>
-              <a:rPr lang="de-DE" dirty="0"/>
-              <a:t>] * </a:t>
-            </a:r>
-            <a:r>
-              <a:rPr lang="de-DE" dirty="0" err="1"/>
-              <a:t>array</a:t>
-            </a:r>
-            <a:r>
-              <a:rPr lang="de-DE" dirty="0"/>
-              <a:t>[</a:t>
-            </a:r>
-            <a:r>
-              <a:rPr lang="de-DE" dirty="0" err="1"/>
-              <a:t>gid</a:t>
-            </a:r>
-            <a:r>
-              <a:rPr lang="de-DE" dirty="0" smtClean="0"/>
-              <a:t>];</a:t>
-            </a:r>
-          </a:p>
-          <a:p>
-            <a:pPr marL="109728" indent="0">
-              <a:buNone/>
-            </a:pPr>
-            <a:r>
-              <a:rPr lang="de-DE" dirty="0" smtClean="0"/>
-              <a:t>}</a:t>
+              <a:t>OpenCL</a:t>
+            </a:r>
+            <a:r>
+              <a:rPr lang="de-DE" dirty="0" smtClean="0"/>
+              <a:t> Programm (3/3)</a:t>
             </a:r>
             <a:endParaRPr lang="de-DE" dirty="0"/>
           </a:p>
@@ -16340,7 +16261,7 @@
       </p:sp>
       <p:sp>
         <p:nvSpPr>
-          <p:cNvPr id="3" name="Datumsplatzhalter 2"/>
+          <p:cNvPr id="4" name="Datumsplatzhalter 3"/>
           <p:cNvSpPr>
             <a:spLocks noGrp="1"/>
           </p:cNvSpPr>
@@ -16363,7 +16284,7 @@
       </p:sp>
       <p:sp>
         <p:nvSpPr>
-          <p:cNvPr id="4" name="Foliennummernplatzhalter 3"/>
+          <p:cNvPr id="5" name="Foliennummernplatzhalter 4"/>
           <p:cNvSpPr>
             <a:spLocks noGrp="1"/>
           </p:cNvSpPr>
@@ -16385,41 +16306,10 @@
           </a:p>
         </p:txBody>
       </p:sp>
-      <p:sp>
-        <p:nvSpPr>
-          <p:cNvPr id="5" name="Titel 4"/>
-          <p:cNvSpPr>
-            <a:spLocks noGrp="1"/>
-          </p:cNvSpPr>
-          <p:nvPr>
-            <p:ph type="title"/>
-          </p:nvPr>
-        </p:nvSpPr>
-        <p:spPr/>
-        <p:txBody>
-          <a:bodyPr/>
-          <a:lstStyle/>
-          <a:p>
-            <a:r>
-              <a:rPr lang="de-DE" dirty="0" smtClean="0"/>
-              <a:t>Aufbau </a:t>
-            </a:r>
-            <a:r>
-              <a:rPr lang="de-DE" dirty="0" err="1" smtClean="0"/>
-              <a:t>OpenCL</a:t>
-            </a:r>
-            <a:r>
-              <a:rPr lang="de-DE" dirty="0" smtClean="0"/>
-              <a:t> Kernel</a:t>
-            </a:r>
-            <a:endParaRPr lang="de-DE" dirty="0"/>
-          </a:p>
-        </p:txBody>
-      </p:sp>
     </p:spTree>
     <p:extLst>
       <p:ext uri="{BB962C8B-B14F-4D97-AF65-F5344CB8AC3E}">
-        <p14:creationId xmlns:p14="http://schemas.microsoft.com/office/powerpoint/2010/main" val="3256973187"/>
+        <p14:creationId xmlns:p14="http://schemas.microsoft.com/office/powerpoint/2010/main" val="8515451"/>
       </p:ext>
     </p:extLst>
   </p:cSld>
@@ -16465,49 +16355,242 @@
         </p:nvSpPr>
         <p:spPr/>
         <p:txBody>
-          <a:bodyPr/>
-          <a:lstStyle/>
-          <a:p>
-            <a:r>
-              <a:rPr lang="de-DE" dirty="0" smtClean="0"/>
-              <a:t>Voraussetzung: Modell mit </a:t>
-            </a:r>
+          <a:bodyPr>
+            <a:normAutofit/>
+          </a:bodyPr>
+          <a:lstStyle/>
+          <a:p>
             <a:r>
               <a:rPr lang="de-DE" dirty="0" err="1" smtClean="0"/>
-              <a:t>CityDoctor</a:t>
-            </a:r>
-            <a:r>
-              <a:rPr lang="de-DE" dirty="0" smtClean="0"/>
-              <a:t> validiert bzw. korrigiert.</a:t>
-            </a:r>
-          </a:p>
-          <a:p>
-            <a:r>
-              <a:rPr lang="de-DE" dirty="0" smtClean="0"/>
-              <a:t>Ohne Validierung:</a:t>
-            </a:r>
-          </a:p>
-          <a:p>
-            <a:pPr lvl="1"/>
-            <a:r>
-              <a:rPr lang="de-DE" dirty="0" smtClean="0"/>
-              <a:t>Ergebnis der Volumenberechnung nicht korrekt.</a:t>
+              <a:t>OpenCL</a:t>
+            </a:r>
+            <a:r>
+              <a:rPr lang="de-DE" dirty="0" smtClean="0"/>
+              <a:t> Sprache ist eine </a:t>
+            </a:r>
+            <a:r>
+              <a:rPr lang="de-DE" dirty="0"/>
+              <a:t>E</a:t>
+            </a:r>
+            <a:r>
+              <a:rPr lang="de-DE" dirty="0" smtClean="0"/>
+              <a:t>rweiterung des C-Standards</a:t>
+            </a:r>
+          </a:p>
+          <a:p>
+            <a:r>
+              <a:rPr lang="de-DE" dirty="0" smtClean="0"/>
+              <a:t>Beispiel zur Berechnung von Quadratzahlen auf der GPU</a:t>
+            </a:r>
+          </a:p>
+          <a:p>
+            <a:pPr marL="109728" indent="0">
+              <a:buNone/>
+            </a:pPr>
+            <a:r>
+              <a:rPr lang="de-DE" dirty="0" smtClean="0"/>
+              <a:t>__</a:t>
+            </a:r>
+            <a:r>
+              <a:rPr lang="de-DE" dirty="0" err="1"/>
+              <a:t>kernel</a:t>
+            </a:r>
+            <a:r>
+              <a:rPr lang="de-DE" dirty="0"/>
+              <a:t> </a:t>
+            </a:r>
+            <a:r>
+              <a:rPr lang="de-DE" dirty="0" err="1">
+                <a:solidFill>
+                  <a:srgbClr val="0070C0"/>
+                </a:solidFill>
+              </a:rPr>
+              <a:t>void</a:t>
+            </a:r>
+            <a:r>
+              <a:rPr lang="de-DE" dirty="0">
+                <a:solidFill>
+                  <a:srgbClr val="0070C0"/>
+                </a:solidFill>
+              </a:rPr>
+              <a:t> </a:t>
+            </a:r>
+            <a:r>
+              <a:rPr lang="de-DE" dirty="0" err="1"/>
+              <a:t>calc</a:t>
+            </a:r>
+            <a:r>
+              <a:rPr lang="de-DE" dirty="0"/>
+              <a:t>(__global </a:t>
+            </a:r>
+            <a:r>
+              <a:rPr lang="de-DE" dirty="0" err="1">
+                <a:solidFill>
+                  <a:srgbClr val="0070C0"/>
+                </a:solidFill>
+              </a:rPr>
+              <a:t>int</a:t>
+            </a:r>
+            <a:r>
+              <a:rPr lang="de-DE" dirty="0"/>
+              <a:t>* </a:t>
+            </a:r>
+            <a:r>
+              <a:rPr lang="de-DE" dirty="0" err="1"/>
+              <a:t>array</a:t>
+            </a:r>
+            <a:r>
+              <a:rPr lang="de-DE" dirty="0"/>
+              <a:t>,				   </a:t>
+            </a:r>
+            <a:r>
+              <a:rPr lang="de-DE" dirty="0" smtClean="0"/>
+              <a:t>         __</a:t>
+            </a:r>
+            <a:r>
+              <a:rPr lang="de-DE" dirty="0"/>
+              <a:t>global </a:t>
+            </a:r>
+            <a:r>
+              <a:rPr lang="de-DE" dirty="0" err="1">
+                <a:solidFill>
+                  <a:srgbClr val="0070C0"/>
+                </a:solidFill>
+              </a:rPr>
+              <a:t>int</a:t>
+            </a:r>
+            <a:r>
+              <a:rPr lang="de-DE" dirty="0"/>
+              <a:t>* </a:t>
+            </a:r>
+            <a:r>
+              <a:rPr lang="de-DE" dirty="0" err="1"/>
+              <a:t>result</a:t>
+            </a:r>
+            <a:r>
+              <a:rPr lang="de-DE" dirty="0"/>
+              <a:t>) </a:t>
+            </a:r>
+            <a:r>
+              <a:rPr lang="de-DE" dirty="0" smtClean="0"/>
+              <a:t>{</a:t>
+            </a:r>
+            <a:br>
+              <a:rPr lang="de-DE" dirty="0" smtClean="0"/>
+            </a:br>
+            <a:r>
+              <a:rPr lang="de-DE" dirty="0" smtClean="0"/>
+              <a:t>	</a:t>
+            </a:r>
+            <a:r>
+              <a:rPr lang="de-DE" dirty="0" err="1" smtClean="0">
+                <a:solidFill>
+                  <a:srgbClr val="0070C0"/>
+                </a:solidFill>
+              </a:rPr>
+              <a:t>int</a:t>
+            </a:r>
+            <a:r>
+              <a:rPr lang="de-DE" dirty="0" smtClean="0">
+                <a:solidFill>
+                  <a:srgbClr val="0070C0"/>
+                </a:solidFill>
+              </a:rPr>
+              <a:t> </a:t>
+            </a:r>
+            <a:r>
+              <a:rPr lang="de-DE" dirty="0" err="1"/>
+              <a:t>gid</a:t>
+            </a:r>
+            <a:r>
+              <a:rPr lang="de-DE" dirty="0"/>
+              <a:t> = </a:t>
+            </a:r>
+            <a:r>
+              <a:rPr lang="de-DE" dirty="0" err="1"/>
+              <a:t>get_global_id</a:t>
+            </a:r>
+            <a:r>
+              <a:rPr lang="de-DE" dirty="0"/>
+              <a:t>(</a:t>
+            </a:r>
+            <a:r>
+              <a:rPr lang="de-DE" dirty="0">
+                <a:solidFill>
+                  <a:srgbClr val="FFC000"/>
+                </a:solidFill>
+              </a:rPr>
+              <a:t>0</a:t>
+            </a:r>
+            <a:r>
+              <a:rPr lang="de-DE" dirty="0" smtClean="0"/>
+              <a:t>);</a:t>
+            </a:r>
+            <a:br>
+              <a:rPr lang="de-DE" dirty="0" smtClean="0"/>
+            </a:br>
+            <a:r>
+              <a:rPr lang="de-DE" dirty="0" smtClean="0"/>
+              <a:t>	</a:t>
+            </a:r>
+            <a:r>
+              <a:rPr lang="de-DE" dirty="0" err="1" smtClean="0"/>
+              <a:t>result</a:t>
+            </a:r>
+            <a:r>
+              <a:rPr lang="de-DE" dirty="0" smtClean="0"/>
+              <a:t>[</a:t>
+            </a:r>
+            <a:r>
+              <a:rPr lang="de-DE" dirty="0" err="1" smtClean="0"/>
+              <a:t>gid</a:t>
+            </a:r>
+            <a:r>
+              <a:rPr lang="de-DE" dirty="0"/>
+              <a:t>] = </a:t>
+            </a:r>
+            <a:r>
+              <a:rPr lang="de-DE" dirty="0" err="1"/>
+              <a:t>array</a:t>
+            </a:r>
+            <a:r>
+              <a:rPr lang="de-DE" dirty="0"/>
+              <a:t>[</a:t>
+            </a:r>
+            <a:r>
+              <a:rPr lang="de-DE" dirty="0" err="1"/>
+              <a:t>gid</a:t>
+            </a:r>
+            <a:r>
+              <a:rPr lang="de-DE" dirty="0"/>
+              <a:t>] * </a:t>
+            </a:r>
+            <a:r>
+              <a:rPr lang="de-DE" dirty="0" err="1"/>
+              <a:t>array</a:t>
+            </a:r>
+            <a:r>
+              <a:rPr lang="de-DE" dirty="0"/>
+              <a:t>[</a:t>
+            </a:r>
+            <a:r>
+              <a:rPr lang="de-DE" dirty="0" err="1"/>
+              <a:t>gid</a:t>
+            </a:r>
+            <a:r>
+              <a:rPr lang="de-DE" dirty="0" smtClean="0"/>
+              <a:t>];</a:t>
+            </a:r>
+          </a:p>
+          <a:p>
+            <a:pPr marL="109728" indent="0">
+              <a:buNone/>
+            </a:pPr>
+            <a:r>
+              <a:rPr lang="de-DE" dirty="0" smtClean="0"/>
+              <a:t>}</a:t>
             </a:r>
             <a:endParaRPr lang="de-DE" dirty="0"/>
-          </a:p>
-          <a:p>
-            <a:pPr lvl="1"/>
-            <a:r>
-              <a:rPr lang="de-DE" dirty="0" smtClean="0"/>
-              <a:t>Schattenberechnung fehlerhaft.</a:t>
-            </a:r>
-          </a:p>
-          <a:p>
-            <a:pPr lvl="1"/>
-            <a:r>
-              <a:rPr lang="de-DE" dirty="0" smtClean="0"/>
-              <a:t>Fehlerhafte Darstellung im 3D-Viewer, da „Rückseiten“ der Dreiecke nicht angezeigt werden.</a:t>
-            </a:r>
           </a:p>
         </p:txBody>
       </p:sp>
@@ -16553,6 +16636,179 @@
               <a:rPr lang="de-DE" smtClean="0"/>
               <a:pPr/>
               <a:t>52</a:t>
+            </a:fld>
+            <a:endParaRPr lang="de-DE"/>
+          </a:p>
+        </p:txBody>
+      </p:sp>
+      <p:sp>
+        <p:nvSpPr>
+          <p:cNvPr id="5" name="Titel 4"/>
+          <p:cNvSpPr>
+            <a:spLocks noGrp="1"/>
+          </p:cNvSpPr>
+          <p:nvPr>
+            <p:ph type="title"/>
+          </p:nvPr>
+        </p:nvSpPr>
+        <p:spPr/>
+        <p:txBody>
+          <a:bodyPr/>
+          <a:lstStyle/>
+          <a:p>
+            <a:r>
+              <a:rPr lang="de-DE" dirty="0" smtClean="0"/>
+              <a:t>Aufbau </a:t>
+            </a:r>
+            <a:r>
+              <a:rPr lang="de-DE" dirty="0" err="1" smtClean="0"/>
+              <a:t>OpenCL</a:t>
+            </a:r>
+            <a:r>
+              <a:rPr lang="de-DE" dirty="0" smtClean="0"/>
+              <a:t> Kernel</a:t>
+            </a:r>
+            <a:endParaRPr lang="de-DE" dirty="0"/>
+          </a:p>
+        </p:txBody>
+      </p:sp>
+    </p:spTree>
+    <p:extLst>
+      <p:ext uri="{BB962C8B-B14F-4D97-AF65-F5344CB8AC3E}">
+        <p14:creationId xmlns:p14="http://schemas.microsoft.com/office/powerpoint/2010/main" val="3256973187"/>
+      </p:ext>
+    </p:extLst>
+  </p:cSld>
+  <p:clrMapOvr>
+    <a:masterClrMapping/>
+  </p:clrMapOvr>
+  <p:timing>
+    <p:tnLst>
+      <p:par>
+        <p:cTn id="1" dur="indefinite" restart="never" nodeType="tmRoot"/>
+      </p:par>
+    </p:tnLst>
+  </p:timing>
+</p:sld>
+</file>
+
+<file path=ppt/slides/slide53.xml><?xml version="1.0" encoding="utf-8"?>
+<p:sld xmlns:a="http://schemas.openxmlformats.org/drawingml/2006/main" xmlns:r="http://schemas.openxmlformats.org/officeDocument/2006/relationships" xmlns:p="http://schemas.openxmlformats.org/presentationml/2006/main">
+  <p:cSld>
+    <p:spTree>
+      <p:nvGrpSpPr>
+        <p:cNvPr id="1" name=""/>
+        <p:cNvGrpSpPr/>
+        <p:nvPr/>
+      </p:nvGrpSpPr>
+      <p:grpSpPr>
+        <a:xfrm>
+          <a:off x="0" y="0"/>
+          <a:ext cx="0" cy="0"/>
+          <a:chOff x="0" y="0"/>
+          <a:chExt cx="0" cy="0"/>
+        </a:xfrm>
+      </p:grpSpPr>
+      <p:sp>
+        <p:nvSpPr>
+          <p:cNvPr id="2" name="Inhaltsplatzhalter 1"/>
+          <p:cNvSpPr>
+            <a:spLocks noGrp="1"/>
+          </p:cNvSpPr>
+          <p:nvPr>
+            <p:ph idx="1"/>
+          </p:nvPr>
+        </p:nvSpPr>
+        <p:spPr/>
+        <p:txBody>
+          <a:bodyPr/>
+          <a:lstStyle/>
+          <a:p>
+            <a:r>
+              <a:rPr lang="de-DE" dirty="0" smtClean="0"/>
+              <a:t>Voraussetzung: Modell mit </a:t>
+            </a:r>
+            <a:r>
+              <a:rPr lang="de-DE" dirty="0" err="1" smtClean="0"/>
+              <a:t>CityDoctor</a:t>
+            </a:r>
+            <a:r>
+              <a:rPr lang="de-DE" dirty="0" smtClean="0"/>
+              <a:t> validiert bzw. korrigiert.</a:t>
+            </a:r>
+          </a:p>
+          <a:p>
+            <a:r>
+              <a:rPr lang="de-DE" dirty="0" smtClean="0"/>
+              <a:t>Ohne Validierung:</a:t>
+            </a:r>
+          </a:p>
+          <a:p>
+            <a:pPr lvl="1"/>
+            <a:r>
+              <a:rPr lang="de-DE" dirty="0" smtClean="0"/>
+              <a:t>Ergebnis der Volumenberechnung nicht korrekt.</a:t>
+            </a:r>
+            <a:endParaRPr lang="de-DE" dirty="0"/>
+          </a:p>
+          <a:p>
+            <a:pPr lvl="1"/>
+            <a:r>
+              <a:rPr lang="de-DE" dirty="0" smtClean="0"/>
+              <a:t>Schattenberechnung fehlerhaft.</a:t>
+            </a:r>
+          </a:p>
+          <a:p>
+            <a:pPr lvl="1"/>
+            <a:r>
+              <a:rPr lang="de-DE" dirty="0" smtClean="0"/>
+              <a:t>Fehlerhafte Darstellung im 3D-Viewer, da „Rückseiten“ der Dreiecke nicht angezeigt werden.</a:t>
+            </a:r>
+          </a:p>
+        </p:txBody>
+      </p:sp>
+      <p:sp>
+        <p:nvSpPr>
+          <p:cNvPr id="3" name="Datumsplatzhalter 2"/>
+          <p:cNvSpPr>
+            <a:spLocks noGrp="1"/>
+          </p:cNvSpPr>
+          <p:nvPr>
+            <p:ph type="dt" sz="half" idx="10"/>
+          </p:nvPr>
+        </p:nvSpPr>
+        <p:spPr/>
+        <p:txBody>
+          <a:bodyPr/>
+          <a:lstStyle/>
+          <a:p>
+            <a:r>
+              <a:rPr lang="de-DE" smtClean="0"/>
+              <a:t>23.06.2014</a:t>
+            </a:r>
+            <a:endParaRPr lang="de-DE"/>
+          </a:p>
+        </p:txBody>
+      </p:sp>
+      <p:sp>
+        <p:nvSpPr>
+          <p:cNvPr id="4" name="Foliennummernplatzhalter 3"/>
+          <p:cNvSpPr>
+            <a:spLocks noGrp="1"/>
+          </p:cNvSpPr>
+          <p:nvPr>
+            <p:ph type="sldNum" sz="quarter" idx="12"/>
+          </p:nvPr>
+        </p:nvSpPr>
+        <p:spPr/>
+        <p:txBody>
+          <a:bodyPr/>
+          <a:lstStyle/>
+          <a:p>
+            <a:fld id="{02075A8B-51D4-4999-A4F2-B3FAC6295E4D}" type="slidenum">
+              <a:rPr lang="de-DE" smtClean="0"/>
+              <a:pPr/>
+              <a:t>53</a:t>
             </a:fld>
             <a:endParaRPr lang="de-DE"/>
           </a:p>
@@ -16601,7 +16857,7 @@
 </p:sld>
 </file>
 
-<file path=ppt/slides/slide53.xml><?xml version="1.0" encoding="utf-8"?>
+<file path=ppt/slides/slide54.xml><?xml version="1.0" encoding="utf-8"?>
 <p:sld xmlns:a="http://schemas.openxmlformats.org/drawingml/2006/main" xmlns:r="http://schemas.openxmlformats.org/officeDocument/2006/relationships" xmlns:p="http://schemas.openxmlformats.org/presentationml/2006/main">
   <p:cSld>
     <p:spTree>
@@ -16811,7 +17067,7 @@
             <a:fld id="{02075A8B-51D4-4999-A4F2-B3FAC6295E4D}" type="slidenum">
               <a:rPr lang="de-DE" smtClean="0"/>
               <a:pPr/>
-              <a:t>53</a:t>
+              <a:t>54</a:t>
             </a:fld>
             <a:endParaRPr lang="de-DE"/>
           </a:p>
@@ -16837,7 +17093,7 @@
 </p:sld>
 </file>
 
-<file path=ppt/slides/slide54.xml><?xml version="1.0" encoding="utf-8"?>
+<file path=ppt/slides/slide55.xml><?xml version="1.0" encoding="utf-8"?>
 <p:sld xmlns:a="http://schemas.openxmlformats.org/drawingml/2006/main" xmlns:r="http://schemas.openxmlformats.org/officeDocument/2006/relationships" xmlns:p="http://schemas.openxmlformats.org/presentationml/2006/main">
   <p:cSld>
     <p:spTree>
@@ -16970,7 +17226,7 @@
             <a:fld id="{02075A8B-51D4-4999-A4F2-B3FAC6295E4D}" type="slidenum">
               <a:rPr lang="de-DE" smtClean="0"/>
               <a:pPr/>
-              <a:t>54</a:t>
+              <a:t>55</a:t>
             </a:fld>
             <a:endParaRPr lang="de-DE"/>
           </a:p>
@@ -17026,7 +17282,7 @@
 </p:sld>
 </file>
 
-<file path=ppt/slides/slide55.xml><?xml version="1.0" encoding="utf-8"?>
+<file path=ppt/slides/slide56.xml><?xml version="1.0" encoding="utf-8"?>
 <p:sld xmlns:a="http://schemas.openxmlformats.org/drawingml/2006/main" xmlns:r="http://schemas.openxmlformats.org/officeDocument/2006/relationships" xmlns:p="http://schemas.openxmlformats.org/presentationml/2006/main">
   <p:cSld>
     <p:spTree>
@@ -17160,7 +17416,7 @@
             <a:fld id="{02075A8B-51D4-4999-A4F2-B3FAC6295E4D}" type="slidenum">
               <a:rPr lang="de-DE" smtClean="0"/>
               <a:pPr/>
-              <a:t>55</a:t>
+              <a:t>56</a:t>
             </a:fld>
             <a:endParaRPr lang="de-DE"/>
           </a:p>
@@ -17186,7 +17442,7 @@
 </p:sld>
 </file>
 
-<file path=ppt/slides/slide56.xml><?xml version="1.0" encoding="utf-8"?>
+<file path=ppt/slides/slide57.xml><?xml version="1.0" encoding="utf-8"?>
 <p:sld xmlns:a="http://schemas.openxmlformats.org/drawingml/2006/main" xmlns:r="http://schemas.openxmlformats.org/officeDocument/2006/relationships" xmlns:p="http://schemas.openxmlformats.org/presentationml/2006/main">
   <p:cSld>
     <p:spTree>
@@ -17352,7 +17608,7 @@
             <a:fld id="{02075A8B-51D4-4999-A4F2-B3FAC6295E4D}" type="slidenum">
               <a:rPr lang="de-DE" smtClean="0"/>
               <a:pPr/>
-              <a:t>56</a:t>
+              <a:t>57</a:t>
             </a:fld>
             <a:endParaRPr lang="de-DE"/>
           </a:p>
@@ -17362,208 +17618,6 @@
     <p:extLst>
       <p:ext uri="{BB962C8B-B14F-4D97-AF65-F5344CB8AC3E}">
         <p14:creationId xmlns:p14="http://schemas.microsoft.com/office/powerpoint/2010/main" val="2097748742"/>
-      </p:ext>
-    </p:extLst>
-  </p:cSld>
-  <p:clrMapOvr>
-    <a:masterClrMapping/>
-  </p:clrMapOvr>
-  <p:timing>
-    <p:tnLst>
-      <p:par>
-        <p:cTn id="1" dur="indefinite" restart="never" nodeType="tmRoot"/>
-      </p:par>
-    </p:tnLst>
-  </p:timing>
-</p:sld>
-</file>
-
-<file path=ppt/slides/slide57.xml><?xml version="1.0" encoding="utf-8"?>
-<p:sld xmlns:a="http://schemas.openxmlformats.org/drawingml/2006/main" xmlns:r="http://schemas.openxmlformats.org/officeDocument/2006/relationships" xmlns:p="http://schemas.openxmlformats.org/presentationml/2006/main">
-  <p:cSld>
-    <p:spTree>
-      <p:nvGrpSpPr>
-        <p:cNvPr id="1" name=""/>
-        <p:cNvGrpSpPr/>
-        <p:nvPr/>
-      </p:nvGrpSpPr>
-      <p:grpSpPr>
-        <a:xfrm>
-          <a:off x="0" y="0"/>
-          <a:ext cx="0" cy="0"/>
-          <a:chOff x="0" y="0"/>
-          <a:chExt cx="0" cy="0"/>
-        </a:xfrm>
-      </p:grpSpPr>
-      <p:sp>
-        <p:nvSpPr>
-          <p:cNvPr id="2" name="Inhaltsplatzhalter 1"/>
-          <p:cNvSpPr>
-            <a:spLocks noGrp="1"/>
-          </p:cNvSpPr>
-          <p:nvPr>
-            <p:ph idx="1"/>
-          </p:nvPr>
-        </p:nvSpPr>
-        <p:spPr/>
-        <p:txBody>
-          <a:bodyPr/>
-          <a:lstStyle/>
-          <a:p>
-            <a:r>
-              <a:rPr lang="de-DE" dirty="0" smtClean="0"/>
-              <a:t>Zeitunabhängige Berechnung</a:t>
-            </a:r>
-          </a:p>
-          <a:p>
-            <a:r>
-              <a:rPr lang="de-DE" dirty="0"/>
-              <a:t>Schatten wird pro </a:t>
-            </a:r>
-            <a:r>
-              <a:rPr lang="de-DE" dirty="0" err="1"/>
-              <a:t>Skypatch</a:t>
-            </a:r>
-            <a:r>
-              <a:rPr lang="de-DE" dirty="0"/>
-              <a:t> </a:t>
-            </a:r>
-            <a:r>
-              <a:rPr lang="de-DE" dirty="0" smtClean="0"/>
-              <a:t>berechnet</a:t>
-            </a:r>
-          </a:p>
-          <a:p>
-            <a:r>
-              <a:rPr lang="de-DE" dirty="0" smtClean="0"/>
-              <a:t>Pro </a:t>
-            </a:r>
-            <a:r>
-              <a:rPr lang="de-DE" dirty="0" err="1" smtClean="0"/>
-              <a:t>Skypatch</a:t>
-            </a:r>
-            <a:r>
-              <a:rPr lang="de-DE" dirty="0" smtClean="0"/>
-              <a:t> und Dreieck ein </a:t>
-            </a:r>
-            <a:r>
-              <a:rPr lang="de-DE" dirty="0" err="1" smtClean="0"/>
-              <a:t>boolean</a:t>
-            </a:r>
-            <a:r>
-              <a:rPr lang="de-DE" dirty="0" smtClean="0"/>
-              <a:t> Wert</a:t>
-            </a:r>
-          </a:p>
-          <a:p>
-            <a:r>
-              <a:rPr lang="de-DE" dirty="0"/>
-              <a:t>Sonnenstand wird </a:t>
-            </a:r>
-            <a:r>
-              <a:rPr lang="de-DE" dirty="0" err="1"/>
-              <a:t>Skypatch</a:t>
-            </a:r>
-            <a:r>
-              <a:rPr lang="de-DE" dirty="0"/>
-              <a:t> zugeordnet</a:t>
-            </a:r>
-          </a:p>
-          <a:p>
-            <a:r>
-              <a:rPr lang="de-DE" dirty="0" smtClean="0"/>
-              <a:t>Schatten wird von </a:t>
-            </a:r>
-            <a:r>
-              <a:rPr lang="de-DE" dirty="0" err="1" smtClean="0"/>
-              <a:t>Skypatch</a:t>
-            </a:r>
-            <a:r>
-              <a:rPr lang="de-DE" dirty="0" smtClean="0"/>
-              <a:t> genommen</a:t>
-            </a:r>
-            <a:endParaRPr lang="de-DE" dirty="0"/>
-          </a:p>
-        </p:txBody>
-      </p:sp>
-      <p:sp>
-        <p:nvSpPr>
-          <p:cNvPr id="3" name="Titel 2"/>
-          <p:cNvSpPr>
-            <a:spLocks noGrp="1"/>
-          </p:cNvSpPr>
-          <p:nvPr>
-            <p:ph type="title"/>
-          </p:nvPr>
-        </p:nvSpPr>
-        <p:spPr/>
-        <p:txBody>
-          <a:bodyPr/>
-          <a:lstStyle/>
-          <a:p>
-            <a:r>
-              <a:rPr lang="de-DE" dirty="0" err="1" smtClean="0"/>
-              <a:t>Skymodel</a:t>
-            </a:r>
-            <a:r>
-              <a:rPr lang="de-DE" dirty="0" smtClean="0"/>
-              <a:t> (2/2)</a:t>
-            </a:r>
-            <a:endParaRPr lang="de-DE" dirty="0"/>
-          </a:p>
-        </p:txBody>
-      </p:sp>
-      <p:sp>
-        <p:nvSpPr>
-          <p:cNvPr id="4" name="Datumsplatzhalter 3"/>
-          <p:cNvSpPr>
-            <a:spLocks noGrp="1"/>
-          </p:cNvSpPr>
-          <p:nvPr>
-            <p:ph type="dt" sz="half" idx="10"/>
-          </p:nvPr>
-        </p:nvSpPr>
-        <p:spPr/>
-        <p:txBody>
-          <a:bodyPr/>
-          <a:lstStyle/>
-          <a:p>
-            <a:r>
-              <a:rPr lang="de-DE" smtClean="0"/>
-              <a:t>23.06.2014</a:t>
-            </a:r>
-            <a:endParaRPr lang="de-DE"/>
-          </a:p>
-        </p:txBody>
-      </p:sp>
-      <p:sp>
-        <p:nvSpPr>
-          <p:cNvPr id="5" name="Foliennummernplatzhalter 4"/>
-          <p:cNvSpPr>
-            <a:spLocks noGrp="1"/>
-          </p:cNvSpPr>
-          <p:nvPr>
-            <p:ph type="sldNum" sz="quarter" idx="12"/>
-          </p:nvPr>
-        </p:nvSpPr>
-        <p:spPr/>
-        <p:txBody>
-          <a:bodyPr/>
-          <a:lstStyle/>
-          <a:p>
-            <a:fld id="{02075A8B-51D4-4999-A4F2-B3FAC6295E4D}" type="slidenum">
-              <a:rPr lang="de-DE" smtClean="0"/>
-              <a:pPr/>
-              <a:t>57</a:t>
-            </a:fld>
-            <a:endParaRPr lang="de-DE"/>
-          </a:p>
-        </p:txBody>
-      </p:sp>
-    </p:spTree>
-    <p:extLst>
-      <p:ext uri="{BB962C8B-B14F-4D97-AF65-F5344CB8AC3E}">
-        <p14:creationId xmlns:p14="http://schemas.microsoft.com/office/powerpoint/2010/main" val="409179092"/>
       </p:ext>
     </p:extLst>
   </p:cSld>
@@ -17614,53 +17668,75 @@
           <a:p>
             <a:r>
               <a:rPr lang="de-DE" dirty="0" smtClean="0"/>
-              <a:t>Für jedes Dreieck und </a:t>
+              <a:t>Zeitunabhängige Berechnung</a:t>
+            </a:r>
+          </a:p>
+          <a:p>
+            <a:r>
+              <a:rPr lang="de-DE" dirty="0"/>
+              <a:t>Schatten wird pro </a:t>
+            </a:r>
+            <a:r>
+              <a:rPr lang="de-DE" dirty="0" err="1"/>
+              <a:t>Skypatch</a:t>
+            </a:r>
+            <a:r>
+              <a:rPr lang="de-DE" dirty="0"/>
+              <a:t> </a:t>
+            </a:r>
+            <a:r>
+              <a:rPr lang="de-DE" dirty="0" smtClean="0"/>
+              <a:t>berechnet</a:t>
+            </a:r>
+          </a:p>
+          <a:p>
+            <a:r>
+              <a:rPr lang="de-DE" dirty="0" smtClean="0"/>
+              <a:t>Pro </a:t>
             </a:r>
             <a:r>
               <a:rPr lang="de-DE" dirty="0" err="1" smtClean="0"/>
               <a:t>Skypatch</a:t>
             </a:r>
-            <a:endParaRPr lang="de-DE" dirty="0" smtClean="0"/>
-          </a:p>
-          <a:p>
-            <a:pPr lvl="1"/>
-            <a:r>
-              <a:rPr lang="de-DE" dirty="0" smtClean="0"/>
-              <a:t>Bilde Gerade von Mittelpunkt von Dreieck zu Mittelpunkt </a:t>
+            <a:r>
+              <a:rPr lang="de-DE" dirty="0" smtClean="0"/>
+              <a:t> und Dreieck ein </a:t>
+            </a:r>
+            <a:r>
+              <a:rPr lang="de-DE" dirty="0" err="1" smtClean="0"/>
+              <a:t>boolean</a:t>
+            </a:r>
+            <a:r>
+              <a:rPr lang="de-DE" dirty="0" smtClean="0"/>
+              <a:t> Wert</a:t>
+            </a:r>
+          </a:p>
+          <a:p>
+            <a:r>
+              <a:rPr lang="de-DE" dirty="0"/>
+              <a:t>Sonnenstand wird </a:t>
+            </a:r>
+            <a:r>
+              <a:rPr lang="de-DE" dirty="0" err="1"/>
+              <a:t>Skypatch</a:t>
+            </a:r>
+            <a:r>
+              <a:rPr lang="de-DE" dirty="0"/>
+              <a:t> zugeordnet</a:t>
+            </a:r>
+          </a:p>
+          <a:p>
+            <a:r>
+              <a:rPr lang="de-DE" dirty="0" smtClean="0"/>
+              <a:t>Schatten wird von </a:t>
             </a:r>
             <a:r>
               <a:rPr lang="de-DE" dirty="0" err="1" smtClean="0"/>
               <a:t>Skypatch</a:t>
             </a:r>
-            <a:endParaRPr lang="de-DE" dirty="0" smtClean="0"/>
-          </a:p>
-          <a:p>
-            <a:pPr lvl="1"/>
-            <a:r>
-              <a:rPr lang="de-DE" dirty="0" smtClean="0"/>
-              <a:t>Prüfe ob Gerade andere Dreiecke</a:t>
-            </a:r>
-            <a:r>
-              <a:rPr lang="de-DE" dirty="0"/>
-              <a:t> </a:t>
-            </a:r>
-            <a:r>
-              <a:rPr lang="de-DE" dirty="0" smtClean="0"/>
-              <a:t>schneidet</a:t>
-            </a:r>
-          </a:p>
-          <a:p>
-            <a:pPr lvl="1"/>
-            <a:r>
-              <a:rPr lang="de-DE" dirty="0" smtClean="0"/>
-              <a:t>Falls Gerade nichts schneidet oder Dreieck hinter dem zu prüfenden Dreieck: kein Schatten</a:t>
-            </a:r>
-          </a:p>
-          <a:p>
-            <a:pPr lvl="1"/>
-            <a:r>
-              <a:rPr lang="de-DE" dirty="0" smtClean="0"/>
-              <a:t>Falls Gerade schneidet und Dreieck vor dem zu prüfenden Dreieck: Schatten</a:t>
+            <a:r>
+              <a:rPr lang="de-DE" dirty="0" smtClean="0"/>
+              <a:t> genommen</a:t>
             </a:r>
             <a:endParaRPr lang="de-DE" dirty="0"/>
           </a:p>
@@ -17682,12 +17758,12 @@
           <a:lstStyle/>
           <a:p>
             <a:r>
-              <a:rPr lang="de-DE" dirty="0" smtClean="0"/>
-              <a:t>Berechnung: </a:t>
-            </a:r>
-            <a:r>
               <a:rPr lang="de-DE" dirty="0" err="1" smtClean="0"/>
-              <a:t>Raytracing</a:t>
+              <a:t>Skymodel</a:t>
+            </a:r>
+            <a:r>
+              <a:rPr lang="de-DE" dirty="0" smtClean="0"/>
+              <a:t> (2/2)</a:t>
             </a:r>
             <a:endParaRPr lang="de-DE" dirty="0"/>
           </a:p>
@@ -17743,7 +17819,7 @@
     </p:spTree>
     <p:extLst>
       <p:ext uri="{BB962C8B-B14F-4D97-AF65-F5344CB8AC3E}">
-        <p14:creationId xmlns:p14="http://schemas.microsoft.com/office/powerpoint/2010/main" val="2853518205"/>
+        <p14:creationId xmlns:p14="http://schemas.microsoft.com/office/powerpoint/2010/main" val="409179092"/>
       </p:ext>
     </p:extLst>
   </p:cSld>
@@ -17794,53 +17870,80 @@
           <a:p>
             <a:r>
               <a:rPr lang="de-DE" dirty="0" smtClean="0"/>
-              <a:t>Lange Rechenzeit</a:t>
-            </a:r>
-          </a:p>
-          <a:p>
+              <a:t>Für jedes Dreieck und </a:t>
+            </a:r>
             <a:r>
               <a:rPr lang="de-DE" dirty="0" err="1" smtClean="0"/>
-              <a:t>Watchdog</a:t>
-            </a:r>
-            <a:r>
-              <a:rPr lang="de-DE" dirty="0" smtClean="0"/>
+              <a:t>Skypatch</a:t>
+            </a:r>
+            <a:endParaRPr lang="de-DE" dirty="0" smtClean="0"/>
+          </a:p>
+          <a:p>
+            <a:pPr lvl="1"/>
+            <a:r>
+              <a:rPr lang="de-DE" dirty="0" smtClean="0"/>
+              <a:t>Bilde Gerade von Mittelpunkt von Dreieck zu Mittelpunkt </a:t>
+            </a:r>
+            <a:r>
+              <a:rPr lang="de-DE" dirty="0" err="1" smtClean="0"/>
+              <a:t>Skypatch</a:t>
+            </a:r>
+            <a:endParaRPr lang="de-DE" dirty="0" smtClean="0"/>
+          </a:p>
+          <a:p>
+            <a:pPr lvl="1"/>
+            <a:r>
+              <a:rPr lang="de-DE" dirty="0" smtClean="0"/>
+              <a:t>Prüfe ob Gerade andere Dreiecke</a:t>
+            </a:r>
+            <a:r>
+              <a:rPr lang="de-DE" dirty="0"/>
               <a:t> </a:t>
             </a:r>
             <a:r>
+              <a:rPr lang="de-DE" dirty="0" smtClean="0"/>
+              <a:t>schneidet</a:t>
+            </a:r>
+          </a:p>
+          <a:p>
+            <a:pPr lvl="1"/>
+            <a:r>
+              <a:rPr lang="de-DE" dirty="0" smtClean="0"/>
+              <a:t>Falls Gerade nichts schneidet oder Dreieck hinter dem zu prüfenden Dreieck: kein Schatten</a:t>
+            </a:r>
+          </a:p>
+          <a:p>
+            <a:pPr lvl="1"/>
+            <a:r>
+              <a:rPr lang="de-DE" dirty="0" smtClean="0"/>
+              <a:t>Falls Gerade schneidet und Dreieck vor dem zu prüfenden Dreieck: Schatten</a:t>
+            </a:r>
+            <a:endParaRPr lang="de-DE" dirty="0"/>
+          </a:p>
+        </p:txBody>
+      </p:sp>
+      <p:sp>
+        <p:nvSpPr>
+          <p:cNvPr id="3" name="Titel 2"/>
+          <p:cNvSpPr>
+            <a:spLocks noGrp="1"/>
+          </p:cNvSpPr>
+          <p:nvPr>
+            <p:ph type="title"/>
+          </p:nvPr>
+        </p:nvSpPr>
+        <p:spPr/>
+        <p:txBody>
+          <a:bodyPr/>
+          <a:lstStyle/>
+          <a:p>
+            <a:r>
+              <a:rPr lang="de-DE" dirty="0" smtClean="0"/>
+              <a:t>Berechnung: </a:t>
+            </a:r>
+            <a:r>
               <a:rPr lang="de-DE" dirty="0" err="1" smtClean="0"/>
-              <a:t>Timer</a:t>
-            </a:r>
-            <a:r>
-              <a:rPr lang="de-DE" dirty="0" smtClean="0"/>
-              <a:t> der GPU schlägt zu</a:t>
-            </a:r>
-          </a:p>
-          <a:p>
-            <a:r>
-              <a:rPr lang="de-DE" dirty="0" smtClean="0"/>
-              <a:t>Dreiecke können groß sein dadurch sehr ungenau</a:t>
-            </a:r>
-          </a:p>
-        </p:txBody>
-      </p:sp>
-      <p:sp>
-        <p:nvSpPr>
-          <p:cNvPr id="3" name="Titel 2"/>
-          <p:cNvSpPr>
-            <a:spLocks noGrp="1"/>
-          </p:cNvSpPr>
-          <p:nvPr>
-            <p:ph type="title"/>
-          </p:nvPr>
-        </p:nvSpPr>
-        <p:spPr/>
-        <p:txBody>
-          <a:bodyPr/>
-          <a:lstStyle/>
-          <a:p>
-            <a:r>
-              <a:rPr lang="de-DE" dirty="0" smtClean="0"/>
-              <a:t>Berechnung: Probleme</a:t>
+              <a:t>Raytracing</a:t>
             </a:r>
             <a:endParaRPr lang="de-DE" dirty="0"/>
           </a:p>
@@ -17896,7 +17999,7 @@
     </p:spTree>
     <p:extLst>
       <p:ext uri="{BB962C8B-B14F-4D97-AF65-F5344CB8AC3E}">
-        <p14:creationId xmlns:p14="http://schemas.microsoft.com/office/powerpoint/2010/main" val="21049820"/>
+        <p14:creationId xmlns:p14="http://schemas.microsoft.com/office/powerpoint/2010/main" val="2853518205"/>
       </p:ext>
     </p:extLst>
   </p:cSld>
@@ -18143,13 +18246,31 @@
           <a:p>
             <a:r>
               <a:rPr lang="de-DE" dirty="0" smtClean="0"/>
-              <a:t>Teile Dreiecke auf in kleinere Dreiecke</a:t>
-            </a:r>
-          </a:p>
-          <a:p>
-            <a:r>
-              <a:rPr lang="de-DE" dirty="0" smtClean="0"/>
-              <a:t>Falls Fläche von Dreieck größer als z.B. 1m² teile längste Seite in der Mitte und bilde zwei Dreiecke</a:t>
+              <a:t>Lange Rechenzeit</a:t>
+            </a:r>
+          </a:p>
+          <a:p>
+            <a:r>
+              <a:rPr lang="de-DE" dirty="0" err="1" smtClean="0"/>
+              <a:t>Watchdog</a:t>
+            </a:r>
+            <a:r>
+              <a:rPr lang="de-DE" dirty="0" smtClean="0"/>
+              <a:t> </a:t>
+            </a:r>
+            <a:r>
+              <a:rPr lang="de-DE" dirty="0" err="1" smtClean="0"/>
+              <a:t>Timer</a:t>
+            </a:r>
+            <a:r>
+              <a:rPr lang="de-DE" dirty="0" smtClean="0"/>
+              <a:t> der GPU schlägt zu</a:t>
+            </a:r>
+          </a:p>
+          <a:p>
+            <a:r>
+              <a:rPr lang="de-DE" dirty="0" smtClean="0"/>
+              <a:t>Dreiecke können groß sein dadurch sehr ungenau</a:t>
             </a:r>
           </a:p>
         </p:txBody>
@@ -18171,45 +18292,15 @@
           <a:p>
             <a:r>
               <a:rPr lang="de-DE" dirty="0" smtClean="0"/>
-              <a:t>Berechnung: Lösung (1/2)</a:t>
+              <a:t>Berechnung: Probleme</a:t>
             </a:r>
             <a:endParaRPr lang="de-DE" dirty="0"/>
           </a:p>
         </p:txBody>
       </p:sp>
-      <p:pic>
-        <p:nvPicPr>
-          <p:cNvPr id="4" name="Grafik 3"/>
-          <p:cNvPicPr>
-            <a:picLocks noChangeAspect="1"/>
-          </p:cNvPicPr>
-          <p:nvPr/>
-        </p:nvPicPr>
-        <p:blipFill>
-          <a:blip r:embed="rId2" cstate="print">
-            <a:extLst>
-              <a:ext uri="{28A0092B-C50C-407E-A947-70E740481C1C}">
-                <a14:useLocalDpi xmlns:a14="http://schemas.microsoft.com/office/drawing/2010/main" val="0"/>
-              </a:ext>
-            </a:extLst>
-          </a:blip>
-          <a:stretch>
-            <a:fillRect/>
-          </a:stretch>
-        </p:blipFill>
-        <p:spPr>
-          <a:xfrm>
-            <a:off x="2339752" y="3212976"/>
-            <a:ext cx="4001059" cy="2057687"/>
-          </a:xfrm>
-          <a:prstGeom prst="rect">
-            <a:avLst/>
-          </a:prstGeom>
-        </p:spPr>
-      </p:pic>
-      <p:sp>
-        <p:nvSpPr>
-          <p:cNvPr id="5" name="Datumsplatzhalter 4"/>
+      <p:sp>
+        <p:nvSpPr>
+          <p:cNvPr id="4" name="Datumsplatzhalter 3"/>
           <p:cNvSpPr>
             <a:spLocks noGrp="1"/>
           </p:cNvSpPr>
@@ -18232,7 +18323,7 @@
       </p:sp>
       <p:sp>
         <p:nvSpPr>
-          <p:cNvPr id="6" name="Foliennummernplatzhalter 5"/>
+          <p:cNvPr id="5" name="Foliennummernplatzhalter 4"/>
           <p:cNvSpPr>
             <a:spLocks noGrp="1"/>
           </p:cNvSpPr>
@@ -18257,7 +18348,7 @@
     </p:spTree>
     <p:extLst>
       <p:ext uri="{BB962C8B-B14F-4D97-AF65-F5344CB8AC3E}">
-        <p14:creationId xmlns:p14="http://schemas.microsoft.com/office/powerpoint/2010/main" val="3148905547"/>
+        <p14:creationId xmlns:p14="http://schemas.microsoft.com/office/powerpoint/2010/main" val="21049820"/>
       </p:ext>
     </p:extLst>
   </p:cSld>
@@ -18308,50 +18399,73 @@
           <a:p>
             <a:r>
               <a:rPr lang="de-DE" dirty="0" smtClean="0"/>
-              <a:t>Berechne für jedes Gebäude eine Umgebung von Gebäuden</a:t>
-            </a:r>
-          </a:p>
-          <a:p>
-            <a:r>
-              <a:rPr lang="de-DE" dirty="0" smtClean="0"/>
-              <a:t>Alle Gebäude, die weiter entfernt sind als z.B. 80m werden nicht berücksichtigt</a:t>
-            </a:r>
-          </a:p>
-          <a:p>
-            <a:r>
-              <a:rPr lang="de-DE" dirty="0" smtClean="0"/>
-              <a:t>Berechne den Schatten in Paketen</a:t>
+              <a:t>Teile Dreiecke auf in kleinere Dreiecke</a:t>
+            </a:r>
+          </a:p>
+          <a:p>
+            <a:r>
+              <a:rPr lang="de-DE" dirty="0" smtClean="0"/>
+              <a:t>Falls Fläche von Dreieck größer als z.B. 1m² teile längste Seite in der Mitte und bilde zwei Dreiecke</a:t>
+            </a:r>
+          </a:p>
+        </p:txBody>
+      </p:sp>
+      <p:sp>
+        <p:nvSpPr>
+          <p:cNvPr id="3" name="Titel 2"/>
+          <p:cNvSpPr>
+            <a:spLocks noGrp="1"/>
+          </p:cNvSpPr>
+          <p:nvPr>
+            <p:ph type="title"/>
+          </p:nvPr>
+        </p:nvSpPr>
+        <p:spPr/>
+        <p:txBody>
+          <a:bodyPr/>
+          <a:lstStyle/>
+          <a:p>
+            <a:r>
+              <a:rPr lang="de-DE" dirty="0" smtClean="0"/>
+              <a:t>Berechnung: Lösung (1/2)</a:t>
             </a:r>
             <a:endParaRPr lang="de-DE" dirty="0"/>
           </a:p>
         </p:txBody>
       </p:sp>
-      <p:sp>
-        <p:nvSpPr>
-          <p:cNvPr id="3" name="Titel 2"/>
-          <p:cNvSpPr>
-            <a:spLocks noGrp="1"/>
-          </p:cNvSpPr>
-          <p:nvPr>
-            <p:ph type="title"/>
-          </p:nvPr>
-        </p:nvSpPr>
-        <p:spPr/>
-        <p:txBody>
-          <a:bodyPr/>
-          <a:lstStyle/>
-          <a:p>
-            <a:r>
-              <a:rPr lang="de-DE" dirty="0" smtClean="0"/>
-              <a:t>Berechnung: Lösung (2/2)</a:t>
-            </a:r>
-            <a:endParaRPr lang="de-DE" dirty="0"/>
-          </a:p>
-        </p:txBody>
-      </p:sp>
-      <p:sp>
-        <p:nvSpPr>
-          <p:cNvPr id="4" name="Datumsplatzhalter 3"/>
+      <p:pic>
+        <p:nvPicPr>
+          <p:cNvPr id="4" name="Grafik 3"/>
+          <p:cNvPicPr>
+            <a:picLocks noChangeAspect="1"/>
+          </p:cNvPicPr>
+          <p:nvPr/>
+        </p:nvPicPr>
+        <p:blipFill>
+          <a:blip r:embed="rId2" cstate="print">
+            <a:extLst>
+              <a:ext uri="{28A0092B-C50C-407E-A947-70E740481C1C}">
+                <a14:useLocalDpi xmlns:a14="http://schemas.microsoft.com/office/drawing/2010/main" val="0"/>
+              </a:ext>
+            </a:extLst>
+          </a:blip>
+          <a:stretch>
+            <a:fillRect/>
+          </a:stretch>
+        </p:blipFill>
+        <p:spPr>
+          <a:xfrm>
+            <a:off x="2339752" y="3212976"/>
+            <a:ext cx="4001059" cy="2057687"/>
+          </a:xfrm>
+          <a:prstGeom prst="rect">
+            <a:avLst/>
+          </a:prstGeom>
+        </p:spPr>
+      </p:pic>
+      <p:sp>
+        <p:nvSpPr>
+          <p:cNvPr id="5" name="Datumsplatzhalter 4"/>
           <p:cNvSpPr>
             <a:spLocks noGrp="1"/>
           </p:cNvSpPr>
@@ -18374,7 +18488,7 @@
       </p:sp>
       <p:sp>
         <p:nvSpPr>
-          <p:cNvPr id="5" name="Foliennummernplatzhalter 4"/>
+          <p:cNvPr id="6" name="Foliennummernplatzhalter 5"/>
           <p:cNvSpPr>
             <a:spLocks noGrp="1"/>
           </p:cNvSpPr>
@@ -18399,7 +18513,7 @@
     </p:spTree>
     <p:extLst>
       <p:ext uri="{BB962C8B-B14F-4D97-AF65-F5344CB8AC3E}">
-        <p14:creationId xmlns:p14="http://schemas.microsoft.com/office/powerpoint/2010/main" val="1520712045"/>
+        <p14:creationId xmlns:p14="http://schemas.microsoft.com/office/powerpoint/2010/main" val="3148905547"/>
       </p:ext>
     </p:extLst>
   </p:cSld>
@@ -18450,31 +18564,19 @@
           <a:p>
             <a:r>
               <a:rPr lang="de-DE" dirty="0" smtClean="0"/>
-              <a:t>Berechne Mittelpunkt von Gebäuden</a:t>
-            </a:r>
-          </a:p>
-          <a:p>
-            <a:r>
-              <a:rPr lang="de-DE" dirty="0" smtClean="0"/>
-              <a:t>Teile große Dreiecke in kleine Dreiecke</a:t>
-            </a:r>
-          </a:p>
-          <a:p>
-            <a:r>
-              <a:rPr lang="de-DE" dirty="0" smtClean="0"/>
-              <a:t>Berechne Mittelpunkt von kleinen Dreiecken</a:t>
-            </a:r>
-          </a:p>
-          <a:p>
-            <a:r>
-              <a:rPr lang="de-DE" dirty="0" smtClean="0"/>
-              <a:t>Sammle alle kleinen Dreiecke in einer Liste</a:t>
-            </a:r>
-          </a:p>
-          <a:p>
-            <a:r>
-              <a:rPr lang="de-DE" dirty="0" smtClean="0"/>
-              <a:t>Hole Pakete von 256/512/1024 Dreiecken aus Liste und bearbeite diese</a:t>
+              <a:t>Berechne für jedes Gebäude eine Umgebung von Gebäuden</a:t>
+            </a:r>
+          </a:p>
+          <a:p>
+            <a:r>
+              <a:rPr lang="de-DE" dirty="0" smtClean="0"/>
+              <a:t>Alle Gebäude, die weiter entfernt sind als z.B. 80m werden nicht berücksichtigt</a:t>
+            </a:r>
+          </a:p>
+          <a:p>
+            <a:r>
+              <a:rPr lang="de-DE" dirty="0" smtClean="0"/>
+              <a:t>Berechne den Schatten in Paketen</a:t>
             </a:r>
             <a:endParaRPr lang="de-DE" dirty="0"/>
           </a:p>
@@ -18497,7 +18599,7 @@
           <a:p>
             <a:r>
               <a:rPr lang="de-DE" dirty="0" smtClean="0"/>
-              <a:t>Berechnung: Umsetzung (1/2)</a:t>
+              <a:t>Berechnung: Lösung (2/2)</a:t>
             </a:r>
             <a:endParaRPr lang="de-DE" dirty="0"/>
           </a:p>
@@ -18553,7 +18655,7 @@
     </p:spTree>
     <p:extLst>
       <p:ext uri="{BB962C8B-B14F-4D97-AF65-F5344CB8AC3E}">
-        <p14:creationId xmlns:p14="http://schemas.microsoft.com/office/powerpoint/2010/main" val="1532000112"/>
+        <p14:creationId xmlns:p14="http://schemas.microsoft.com/office/powerpoint/2010/main" val="1520712045"/>
       </p:ext>
     </p:extLst>
   </p:cSld>
@@ -18604,19 +18706,31 @@
           <a:p>
             <a:r>
               <a:rPr lang="de-DE" dirty="0" smtClean="0"/>
-              <a:t>Ermittle zu welchen Gebäuden die Dreiecke gehören</a:t>
-            </a:r>
-          </a:p>
-          <a:p>
-            <a:r>
-              <a:rPr lang="de-DE" dirty="0" smtClean="0"/>
-              <a:t>Berechne für jedes gefundene Gebäude die Umgebung</a:t>
-            </a:r>
-          </a:p>
-          <a:p>
-            <a:r>
-              <a:rPr lang="de-DE" dirty="0" smtClean="0"/>
-              <a:t>Speicher alles auf die Grafikkarte und starte die Berechnung</a:t>
+              <a:t>Berechne Mittelpunkt von Gebäuden</a:t>
+            </a:r>
+          </a:p>
+          <a:p>
+            <a:r>
+              <a:rPr lang="de-DE" dirty="0" smtClean="0"/>
+              <a:t>Teile große Dreiecke in kleine Dreiecke</a:t>
+            </a:r>
+          </a:p>
+          <a:p>
+            <a:r>
+              <a:rPr lang="de-DE" dirty="0" smtClean="0"/>
+              <a:t>Berechne Mittelpunkt von kleinen Dreiecken</a:t>
+            </a:r>
+          </a:p>
+          <a:p>
+            <a:r>
+              <a:rPr lang="de-DE" dirty="0" smtClean="0"/>
+              <a:t>Sammle alle kleinen Dreiecke in einer Liste</a:t>
+            </a:r>
+          </a:p>
+          <a:p>
+            <a:r>
+              <a:rPr lang="de-DE" dirty="0" smtClean="0"/>
+              <a:t>Hole Pakete von 256/512/1024 Dreiecken aus Liste und bearbeite diese</a:t>
             </a:r>
             <a:endParaRPr lang="de-DE" dirty="0"/>
           </a:p>
@@ -18639,7 +18753,7 @@
           <a:p>
             <a:r>
               <a:rPr lang="de-DE" dirty="0" smtClean="0"/>
-              <a:t>Berechnung: Umsetzung (2/2)</a:t>
+              <a:t>Berechnung: Umsetzung (1/2)</a:t>
             </a:r>
             <a:endParaRPr lang="de-DE" dirty="0"/>
           </a:p>
@@ -18695,7 +18809,7 @@
     </p:spTree>
     <p:extLst>
       <p:ext uri="{BB962C8B-B14F-4D97-AF65-F5344CB8AC3E}">
-        <p14:creationId xmlns:p14="http://schemas.microsoft.com/office/powerpoint/2010/main" val="1716100772"/>
+        <p14:creationId xmlns:p14="http://schemas.microsoft.com/office/powerpoint/2010/main" val="1532000112"/>
       </p:ext>
     </p:extLst>
   </p:cSld>
@@ -18746,19 +18860,19 @@
           <a:p>
             <a:r>
               <a:rPr lang="de-DE" dirty="0" smtClean="0"/>
-              <a:t>Rot: zu berechnendes Gebäude</a:t>
-            </a:r>
-          </a:p>
-          <a:p>
-            <a:r>
-              <a:rPr lang="de-DE" dirty="0" smtClean="0"/>
-              <a:t>Grün: Umgebung</a:t>
-            </a:r>
-          </a:p>
-          <a:p>
-            <a:r>
-              <a:rPr lang="de-DE" dirty="0" smtClean="0"/>
-              <a:t>Schwarz: Gebäude außer Reichweite</a:t>
+              <a:t>Ermittle zu welchen Gebäuden die Dreiecke gehören</a:t>
+            </a:r>
+          </a:p>
+          <a:p>
+            <a:r>
+              <a:rPr lang="de-DE" dirty="0" smtClean="0"/>
+              <a:t>Berechne für jedes gefundene Gebäude die Umgebung</a:t>
+            </a:r>
+          </a:p>
+          <a:p>
+            <a:r>
+              <a:rPr lang="de-DE" dirty="0" smtClean="0"/>
+              <a:t>Speicher alles auf die Grafikkarte und starte die Berechnung</a:t>
             </a:r>
             <a:endParaRPr lang="de-DE" dirty="0"/>
           </a:p>
@@ -18781,42 +18895,12 @@
           <a:p>
             <a:r>
               <a:rPr lang="de-DE" dirty="0" smtClean="0"/>
-              <a:t>Berechnung: Beispiel</a:t>
+              <a:t>Berechnung: Umsetzung (2/2)</a:t>
             </a:r>
             <a:endParaRPr lang="de-DE" dirty="0"/>
           </a:p>
         </p:txBody>
       </p:sp>
-      <p:pic>
-        <p:nvPicPr>
-          <p:cNvPr id="5" name="Grafik 4"/>
-          <p:cNvPicPr>
-            <a:picLocks noChangeAspect="1"/>
-          </p:cNvPicPr>
-          <p:nvPr/>
-        </p:nvPicPr>
-        <p:blipFill>
-          <a:blip r:embed="rId2" cstate="print">
-            <a:extLst>
-              <a:ext uri="{28A0092B-C50C-407E-A947-70E740481C1C}">
-                <a14:useLocalDpi xmlns:a14="http://schemas.microsoft.com/office/drawing/2010/main" val="0"/>
-              </a:ext>
-            </a:extLst>
-          </a:blip>
-          <a:stretch>
-            <a:fillRect/>
-          </a:stretch>
-        </p:blipFill>
-        <p:spPr>
-          <a:xfrm>
-            <a:off x="3059832" y="3018538"/>
-            <a:ext cx="3696216" cy="3224358"/>
-          </a:xfrm>
-          <a:prstGeom prst="rect">
-            <a:avLst/>
-          </a:prstGeom>
-        </p:spPr>
-      </p:pic>
       <p:sp>
         <p:nvSpPr>
           <p:cNvPr id="4" name="Datumsplatzhalter 3"/>
@@ -18842,7 +18926,7 @@
       </p:sp>
       <p:sp>
         <p:nvSpPr>
-          <p:cNvPr id="6" name="Foliennummernplatzhalter 5"/>
+          <p:cNvPr id="5" name="Foliennummernplatzhalter 4"/>
           <p:cNvSpPr>
             <a:spLocks noGrp="1"/>
           </p:cNvSpPr>
@@ -18867,7 +18951,7 @@
     </p:spTree>
     <p:extLst>
       <p:ext uri="{BB962C8B-B14F-4D97-AF65-F5344CB8AC3E}">
-        <p14:creationId xmlns:p14="http://schemas.microsoft.com/office/powerpoint/2010/main" val="3167510390"/>
+        <p14:creationId xmlns:p14="http://schemas.microsoft.com/office/powerpoint/2010/main" val="1716100772"/>
       </p:ext>
     </p:extLst>
   </p:cSld>
@@ -18918,41 +19002,19 @@
           <a:p>
             <a:r>
               <a:rPr lang="de-DE" dirty="0" smtClean="0"/>
-              <a:t>Anhand von Ort und Zeitpunkt (inkl. Datum) Position der Sonne bestimmen</a:t>
-            </a:r>
-          </a:p>
-          <a:p>
-            <a:r>
-              <a:rPr lang="de-DE" dirty="0" smtClean="0"/>
-              <a:t>Algorithmus aus Wikipedia übernommen</a:t>
-            </a:r>
-          </a:p>
-          <a:p>
-            <a:r>
-              <a:rPr lang="de-DE" dirty="0" smtClean="0"/>
-              <a:t>Ergebnis ist ein </a:t>
-            </a:r>
-            <a:r>
-              <a:rPr lang="de-DE" dirty="0" err="1" smtClean="0"/>
-              <a:t>Azimuthwinkel</a:t>
-            </a:r>
-            <a:r>
-              <a:rPr lang="de-DE" dirty="0" smtClean="0"/>
-              <a:t> und ein Höhenwinkel</a:t>
-            </a:r>
-          </a:p>
-          <a:p>
-            <a:r>
-              <a:rPr lang="de-DE" dirty="0" smtClean="0"/>
-              <a:t>Aus den Winkeln wird das richtige </a:t>
-            </a:r>
-            <a:r>
-              <a:rPr lang="de-DE" dirty="0" err="1" smtClean="0"/>
-              <a:t>Skypatch</a:t>
-            </a:r>
-            <a:r>
-              <a:rPr lang="de-DE" dirty="0" smtClean="0"/>
-              <a:t> ausgewählt</a:t>
+              <a:t>Rot: zu berechnendes Gebäude</a:t>
+            </a:r>
+          </a:p>
+          <a:p>
+            <a:r>
+              <a:rPr lang="de-DE" dirty="0" smtClean="0"/>
+              <a:t>Grün: Umgebung</a:t>
+            </a:r>
+          </a:p>
+          <a:p>
+            <a:r>
+              <a:rPr lang="de-DE" dirty="0" smtClean="0"/>
+              <a:t>Schwarz: Gebäude außer Reichweite</a:t>
             </a:r>
             <a:endParaRPr lang="de-DE" dirty="0"/>
           </a:p>
@@ -18975,12 +19037,42 @@
           <a:p>
             <a:r>
               <a:rPr lang="de-DE" dirty="0" smtClean="0"/>
-              <a:t>Berechnung: Sonnenstand</a:t>
+              <a:t>Berechnung: Beispiel</a:t>
             </a:r>
             <a:endParaRPr lang="de-DE" dirty="0"/>
           </a:p>
         </p:txBody>
       </p:sp>
+      <p:pic>
+        <p:nvPicPr>
+          <p:cNvPr id="5" name="Grafik 4"/>
+          <p:cNvPicPr>
+            <a:picLocks noChangeAspect="1"/>
+          </p:cNvPicPr>
+          <p:nvPr/>
+        </p:nvPicPr>
+        <p:blipFill>
+          <a:blip r:embed="rId2" cstate="print">
+            <a:extLst>
+              <a:ext uri="{28A0092B-C50C-407E-A947-70E740481C1C}">
+                <a14:useLocalDpi xmlns:a14="http://schemas.microsoft.com/office/drawing/2010/main" val="0"/>
+              </a:ext>
+            </a:extLst>
+          </a:blip>
+          <a:stretch>
+            <a:fillRect/>
+          </a:stretch>
+        </p:blipFill>
+        <p:spPr>
+          <a:xfrm>
+            <a:off x="3059832" y="3018538"/>
+            <a:ext cx="3696216" cy="3224358"/>
+          </a:xfrm>
+          <a:prstGeom prst="rect">
+            <a:avLst/>
+          </a:prstGeom>
+        </p:spPr>
+      </p:pic>
       <p:sp>
         <p:nvSpPr>
           <p:cNvPr id="4" name="Datumsplatzhalter 3"/>
@@ -19006,7 +19098,7 @@
       </p:sp>
       <p:sp>
         <p:nvSpPr>
-          <p:cNvPr id="5" name="Foliennummernplatzhalter 4"/>
+          <p:cNvPr id="6" name="Foliennummernplatzhalter 5"/>
           <p:cNvSpPr>
             <a:spLocks noGrp="1"/>
           </p:cNvSpPr>
@@ -19031,7 +19123,7 @@
     </p:spTree>
     <p:extLst>
       <p:ext uri="{BB962C8B-B14F-4D97-AF65-F5344CB8AC3E}">
-        <p14:creationId xmlns:p14="http://schemas.microsoft.com/office/powerpoint/2010/main" val="952026451"/>
+        <p14:creationId xmlns:p14="http://schemas.microsoft.com/office/powerpoint/2010/main" val="3167510390"/>
       </p:ext>
     </p:extLst>
   </p:cSld>
@@ -19082,41 +19174,72 @@
           <a:p>
             <a:r>
               <a:rPr lang="de-DE" dirty="0" smtClean="0"/>
-              <a:t>Aufgaben</a:t>
-            </a:r>
-          </a:p>
-          <a:p>
-            <a:r>
-              <a:rPr lang="de-DE" dirty="0" smtClean="0"/>
-              <a:t>Funktionen</a:t>
-            </a:r>
-          </a:p>
-          <a:p>
-            <a:r>
-              <a:rPr lang="de-DE" dirty="0" smtClean="0"/>
-              <a:t>Aufbau</a:t>
-            </a:r>
-          </a:p>
-          <a:p>
-            <a:r>
-              <a:rPr lang="de-DE" dirty="0" smtClean="0"/>
-              <a:t>Probleme / Lösungen</a:t>
-            </a:r>
-          </a:p>
-          <a:p>
-            <a:r>
-              <a:rPr lang="de-DE" dirty="0" smtClean="0"/>
-              <a:t>Performance</a:t>
-            </a:r>
-          </a:p>
-          <a:p>
+              <a:t>Anhand von Ort und Zeitpunkt (inkl. Datum) Position der Sonne bestimmen</a:t>
+            </a:r>
+          </a:p>
+          <a:p>
+            <a:r>
+              <a:rPr lang="de-DE" dirty="0" smtClean="0"/>
+              <a:t>Algorithmus aus Wikipedia übernommen</a:t>
+            </a:r>
+          </a:p>
+          <a:p>
+            <a:r>
+              <a:rPr lang="de-DE" dirty="0" smtClean="0"/>
+              <a:t>Ergebnis ist ein </a:t>
+            </a:r>
+            <a:r>
+              <a:rPr lang="de-DE" dirty="0" err="1" smtClean="0"/>
+              <a:t>Azimuthwinkel</a:t>
+            </a:r>
+            <a:r>
+              <a:rPr lang="de-DE" dirty="0" smtClean="0"/>
+              <a:t> und ein Höhenwinkel</a:t>
+            </a:r>
+          </a:p>
+          <a:p>
+            <a:r>
+              <a:rPr lang="de-DE" dirty="0" smtClean="0"/>
+              <a:t>Aus den Winkeln wird das richtige </a:t>
+            </a:r>
+            <a:r>
+              <a:rPr lang="de-DE" dirty="0" err="1" smtClean="0"/>
+              <a:t>Skypatch</a:t>
+            </a:r>
+            <a:r>
+              <a:rPr lang="de-DE" dirty="0" smtClean="0"/>
+              <a:t> ausgewählt</a:t>
+            </a:r>
             <a:endParaRPr lang="de-DE" dirty="0"/>
           </a:p>
         </p:txBody>
       </p:sp>
       <p:sp>
         <p:nvSpPr>
-          <p:cNvPr id="3" name="Datumsplatzhalter 2"/>
+          <p:cNvPr id="3" name="Titel 2"/>
+          <p:cNvSpPr>
+            <a:spLocks noGrp="1"/>
+          </p:cNvSpPr>
+          <p:nvPr>
+            <p:ph type="title"/>
+          </p:nvPr>
+        </p:nvSpPr>
+        <p:spPr/>
+        <p:txBody>
+          <a:bodyPr/>
+          <a:lstStyle/>
+          <a:p>
+            <a:r>
+              <a:rPr lang="de-DE" dirty="0" smtClean="0"/>
+              <a:t>Berechnung: Sonnenstand</a:t>
+            </a:r>
+            <a:endParaRPr lang="de-DE" dirty="0"/>
+          </a:p>
+        </p:txBody>
+      </p:sp>
+      <p:sp>
+        <p:nvSpPr>
+          <p:cNvPr id="4" name="Datumsplatzhalter 3"/>
           <p:cNvSpPr>
             <a:spLocks noGrp="1"/>
           </p:cNvSpPr>
@@ -19139,7 +19262,7 @@
       </p:sp>
       <p:sp>
         <p:nvSpPr>
-          <p:cNvPr id="4" name="Foliennummernplatzhalter 3"/>
+          <p:cNvPr id="5" name="Foliennummernplatzhalter 4"/>
           <p:cNvSpPr>
             <a:spLocks noGrp="1"/>
           </p:cNvSpPr>
@@ -19161,32 +19284,10 @@
           </a:p>
         </p:txBody>
       </p:sp>
-      <p:sp>
-        <p:nvSpPr>
-          <p:cNvPr id="5" name="Titel 4"/>
-          <p:cNvSpPr>
-            <a:spLocks noGrp="1"/>
-          </p:cNvSpPr>
-          <p:nvPr>
-            <p:ph type="title"/>
-          </p:nvPr>
-        </p:nvSpPr>
-        <p:spPr/>
-        <p:txBody>
-          <a:bodyPr/>
-          <a:lstStyle/>
-          <a:p>
-            <a:r>
-              <a:rPr lang="de-DE" dirty="0"/>
-              <a:t>3D-Viewer und GUI</a:t>
-            </a:r>
-          </a:p>
-        </p:txBody>
-      </p:sp>
     </p:spTree>
     <p:extLst>
       <p:ext uri="{BB962C8B-B14F-4D97-AF65-F5344CB8AC3E}">
-        <p14:creationId xmlns:p14="http://schemas.microsoft.com/office/powerpoint/2010/main" val="3848441913"/>
+        <p14:creationId xmlns:p14="http://schemas.microsoft.com/office/powerpoint/2010/main" val="952026451"/>
       </p:ext>
     </p:extLst>
   </p:cSld>
@@ -19230,44 +19331,42 @@
             <p:ph idx="1"/>
           </p:nvPr>
         </p:nvSpPr>
-        <p:spPr>
-          <a:xfrm>
-            <a:off x="457200" y="1196752"/>
-            <a:ext cx="8229600" cy="4810539"/>
-          </a:xfrm>
-        </p:spPr>
-        <p:txBody>
-          <a:bodyPr/>
-          <a:lstStyle/>
-          <a:p>
-            <a:pPr>
-              <a:buNone/>
-            </a:pPr>
-            <a:endParaRPr lang="de-DE" b="1" dirty="0" smtClean="0"/>
-          </a:p>
-          <a:p>
-            <a:r>
-              <a:rPr lang="de-DE" dirty="0" smtClean="0"/>
-              <a:t>Erstellung einer graphischen Benutzungsschnittstelle inklusive 3D Visualisierung der Stadt</a:t>
-            </a:r>
-          </a:p>
-          <a:p>
-            <a:r>
-              <a:rPr lang="de-DE" dirty="0" smtClean="0"/>
-              <a:t>Die GUI in JAVA und Swing umsetzen</a:t>
-            </a:r>
-          </a:p>
-          <a:p>
-            <a:r>
-              <a:rPr lang="de-DE" dirty="0" smtClean="0"/>
-              <a:t>3D Visualisierung mit Hilfe von JOGL </a:t>
-            </a:r>
-          </a:p>
-          <a:p>
-            <a:endParaRPr lang="de-DE" dirty="0" smtClean="0"/>
-          </a:p>
-          <a:p>
-            <a:endParaRPr lang="de-DE" dirty="0" smtClean="0"/>
+        <p:spPr/>
+        <p:txBody>
+          <a:bodyPr/>
+          <a:lstStyle/>
+          <a:p>
+            <a:r>
+              <a:rPr lang="de-DE" dirty="0" smtClean="0"/>
+              <a:t>Aufgaben</a:t>
+            </a:r>
+          </a:p>
+          <a:p>
+            <a:r>
+              <a:rPr lang="de-DE" dirty="0" smtClean="0"/>
+              <a:t>Funktionen</a:t>
+            </a:r>
+          </a:p>
+          <a:p>
+            <a:r>
+              <a:rPr lang="de-DE" dirty="0" smtClean="0"/>
+              <a:t>Aufbau</a:t>
+            </a:r>
+          </a:p>
+          <a:p>
+            <a:r>
+              <a:rPr lang="de-DE" dirty="0" smtClean="0"/>
+              <a:t>Probleme / Lösungen</a:t>
+            </a:r>
+          </a:p>
+          <a:p>
+            <a:r>
+              <a:rPr lang="de-DE" dirty="0" smtClean="0"/>
+              <a:t>Performance</a:t>
+            </a:r>
+          </a:p>
+          <a:p>
+            <a:endParaRPr lang="de-DE" dirty="0"/>
           </a:p>
         </p:txBody>
       </p:sp>
@@ -19334,17 +19433,16 @@
           <a:lstStyle/>
           <a:p>
             <a:r>
-              <a:rPr lang="de-DE" dirty="0" smtClean="0"/>
-              <a:t>Aufgaben der GUI</a:t>
-            </a:r>
-            <a:endParaRPr lang="de-DE" dirty="0"/>
+              <a:rPr lang="de-DE" dirty="0"/>
+              <a:t>3D-Viewer und GUI</a:t>
+            </a:r>
           </a:p>
         </p:txBody>
       </p:sp>
     </p:spTree>
     <p:extLst>
       <p:ext uri="{BB962C8B-B14F-4D97-AF65-F5344CB8AC3E}">
-        <p14:creationId xmlns:p14="http://schemas.microsoft.com/office/powerpoint/2010/main" val="1054123675"/>
+        <p14:creationId xmlns:p14="http://schemas.microsoft.com/office/powerpoint/2010/main" val="3848441913"/>
       </p:ext>
     </p:extLst>
   </p:cSld>
@@ -19388,69 +19486,44 @@
             <p:ph idx="1"/>
           </p:nvPr>
         </p:nvSpPr>
-        <p:spPr/>
-        <p:txBody>
-          <a:bodyPr/>
-          <a:lstStyle/>
-          <a:p>
-            <a:endParaRPr lang="de-DE" dirty="0" smtClean="0"/>
-          </a:p>
-          <a:p>
-            <a:r>
-              <a:rPr lang="de-DE" dirty="0" smtClean="0"/>
-              <a:t>Koordinatenachsen anzeigen</a:t>
-            </a:r>
-          </a:p>
-          <a:p>
-            <a:r>
-              <a:rPr lang="de-DE" dirty="0" err="1" smtClean="0"/>
-              <a:t>Skypatchs</a:t>
-            </a:r>
-            <a:r>
-              <a:rPr lang="de-DE" dirty="0" smtClean="0"/>
-              <a:t> zeichnen</a:t>
-            </a:r>
-          </a:p>
-          <a:p>
-            <a:r>
-              <a:rPr lang="de-DE" dirty="0" smtClean="0"/>
-              <a:t>Position der Sonne </a:t>
-            </a:r>
-            <a:r>
-              <a:rPr lang="de-DE" dirty="0" err="1" smtClean="0"/>
-              <a:t>anzeigbar</a:t>
-            </a:r>
-            <a:endParaRPr lang="de-DE" dirty="0" smtClean="0"/>
-          </a:p>
-          <a:p>
-            <a:r>
-              <a:rPr lang="de-DE" dirty="0" smtClean="0"/>
-              <a:t>Anzeige der Gebäude</a:t>
-            </a:r>
-          </a:p>
-          <a:p>
-            <a:r>
-              <a:rPr lang="de-DE" dirty="0" smtClean="0"/>
-              <a:t>Anzeige des Schattens unterteilt in Dreiecke</a:t>
-            </a:r>
-          </a:p>
+        <p:spPr>
+          <a:xfrm>
+            <a:off x="457200" y="1196752"/>
+            <a:ext cx="8229600" cy="4810539"/>
+          </a:xfrm>
+        </p:spPr>
+        <p:txBody>
+          <a:bodyPr/>
+          <a:lstStyle/>
           <a:p>
             <a:pPr>
               <a:buNone/>
             </a:pPr>
-            <a:r>
-              <a:rPr lang="de-DE" dirty="0" smtClean="0"/>
-              <a:t>  oder Polygone</a:t>
-            </a:r>
-          </a:p>
-          <a:p>
-            <a:r>
-              <a:rPr lang="de-DE" dirty="0" smtClean="0"/>
-              <a:t>Anzeige des Rasters </a:t>
-            </a:r>
-          </a:p>
-          <a:p>
-            <a:endParaRPr lang="de-DE" dirty="0"/>
+            <a:endParaRPr lang="de-DE" b="1" dirty="0" smtClean="0"/>
+          </a:p>
+          <a:p>
+            <a:r>
+              <a:rPr lang="de-DE" dirty="0" smtClean="0"/>
+              <a:t>Erstellung einer graphischen Benutzungsschnittstelle inklusive 3D Visualisierung der Stadt</a:t>
+            </a:r>
+          </a:p>
+          <a:p>
+            <a:r>
+              <a:rPr lang="de-DE" dirty="0" smtClean="0"/>
+              <a:t>Die GUI in JAVA und Swing umsetzen</a:t>
+            </a:r>
+          </a:p>
+          <a:p>
+            <a:r>
+              <a:rPr lang="de-DE" dirty="0" smtClean="0"/>
+              <a:t>3D Visualisierung mit Hilfe von JOGL </a:t>
+            </a:r>
+          </a:p>
+          <a:p>
+            <a:endParaRPr lang="de-DE" dirty="0" smtClean="0"/>
+          </a:p>
+          <a:p>
+            <a:endParaRPr lang="de-DE" dirty="0" smtClean="0"/>
           </a:p>
         </p:txBody>
       </p:sp>
@@ -19518,13 +19591,18 @@
           <a:p>
             <a:r>
               <a:rPr lang="de-DE" dirty="0" smtClean="0"/>
-              <a:t>Funktionen der GUI</a:t>
+              <a:t>Aufgaben der GUI</a:t>
             </a:r>
             <a:endParaRPr lang="de-DE" dirty="0"/>
           </a:p>
         </p:txBody>
       </p:sp>
     </p:spTree>
+    <p:extLst>
+      <p:ext uri="{BB962C8B-B14F-4D97-AF65-F5344CB8AC3E}">
+        <p14:creationId xmlns:p14="http://schemas.microsoft.com/office/powerpoint/2010/main" val="1054123675"/>
+      </p:ext>
+    </p:extLst>
   </p:cSld>
   <p:clrMapOvr>
     <a:masterClrMapping/>
@@ -19576,40 +19654,59 @@
           <a:p>
             <a:r>
               <a:rPr lang="de-DE" dirty="0" smtClean="0"/>
-              <a:t>Volumenanzeige über den Gebäuden</a:t>
-            </a:r>
-          </a:p>
-          <a:p>
-            <a:r>
-              <a:rPr lang="de-DE" dirty="0" smtClean="0"/>
-              <a:t>Dynamische Kamera</a:t>
-            </a:r>
-          </a:p>
-          <a:p>
-            <a:r>
-              <a:rPr lang="de-DE" dirty="0" smtClean="0"/>
-              <a:t>Gebäude selektieren und Gebäudeinformationen einblenden lassen</a:t>
-            </a:r>
-          </a:p>
-          <a:p>
-            <a:r>
-              <a:rPr lang="de-DE" dirty="0" smtClean="0"/>
-              <a:t>Erhöhen der </a:t>
-            </a:r>
+              <a:t>Koordinatenachsen anzeigen</a:t>
+            </a:r>
+          </a:p>
+          <a:p>
             <a:r>
               <a:rPr lang="de-DE" dirty="0" err="1" smtClean="0"/>
-              <a:t>Usability</a:t>
-            </a:r>
-            <a:r>
-              <a:rPr lang="de-DE" dirty="0" smtClean="0"/>
-              <a:t>, durch das Einblenden von Statusmeldungen in der Titelleiste</a:t>
-            </a:r>
-          </a:p>
-          <a:p>
-            <a:r>
-              <a:rPr lang="de-DE" dirty="0" smtClean="0"/>
-              <a:t>Informations-Panel für Fehlernachrichten und etwaige Programminformationen</a:t>
-            </a:r>
+              <a:t>Skypatchs</a:t>
+            </a:r>
+            <a:r>
+              <a:rPr lang="de-DE" dirty="0" smtClean="0"/>
+              <a:t> zeichnen</a:t>
+            </a:r>
+          </a:p>
+          <a:p>
+            <a:r>
+              <a:rPr lang="de-DE" dirty="0" smtClean="0"/>
+              <a:t>Position der Sonne </a:t>
+            </a:r>
+            <a:r>
+              <a:rPr lang="de-DE" dirty="0" err="1" smtClean="0"/>
+              <a:t>anzeigbar</a:t>
+            </a:r>
+            <a:endParaRPr lang="de-DE" dirty="0" smtClean="0"/>
+          </a:p>
+          <a:p>
+            <a:r>
+              <a:rPr lang="de-DE" dirty="0" smtClean="0"/>
+              <a:t>Anzeige der Gebäude</a:t>
+            </a:r>
+          </a:p>
+          <a:p>
+            <a:r>
+              <a:rPr lang="de-DE" dirty="0" smtClean="0"/>
+              <a:t>Anzeige des Schattens unterteilt in Dreiecke</a:t>
+            </a:r>
+          </a:p>
+          <a:p>
+            <a:pPr>
+              <a:buNone/>
+            </a:pPr>
+            <a:r>
+              <a:rPr lang="de-DE" dirty="0" smtClean="0"/>
+              <a:t>  oder Polygone</a:t>
+            </a:r>
+          </a:p>
+          <a:p>
+            <a:r>
+              <a:rPr lang="de-DE" dirty="0" smtClean="0"/>
+              <a:t>Anzeige des Rasters </a:t>
+            </a:r>
+          </a:p>
+          <a:p>
+            <a:endParaRPr lang="de-DE" dirty="0"/>
           </a:p>
         </p:txBody>
       </p:sp>
@@ -19950,44 +20047,44 @@
           <a:bodyPr/>
           <a:lstStyle/>
           <a:p>
-            <a:r>
-              <a:rPr lang="de-DE" dirty="0" smtClean="0"/>
-              <a:t>Ein Frame für die Optionen</a:t>
-            </a:r>
-          </a:p>
-          <a:p>
-            <a:pPr>
-              <a:buNone/>
-            </a:pPr>
-            <a:r>
-              <a:rPr lang="de-DE" dirty="0" smtClean="0"/>
-              <a:t>	(Komponenten in Swing)</a:t>
-            </a:r>
-          </a:p>
-          <a:p>
-            <a:pPr>
-              <a:buNone/>
-            </a:pPr>
             <a:endParaRPr lang="de-DE" dirty="0" smtClean="0"/>
           </a:p>
           <a:p>
             <a:r>
               <a:rPr lang="de-DE" dirty="0" smtClean="0"/>
-              <a:t>Ein Frame für den Gebäude-Viewer, mit den Container </a:t>
+              <a:t>Volumenanzeige über den Gebäuden</a:t>
+            </a:r>
+          </a:p>
+          <a:p>
+            <a:r>
+              <a:rPr lang="de-DE" dirty="0" smtClean="0"/>
+              <a:t>Dynamische Kamera</a:t>
+            </a:r>
+          </a:p>
+          <a:p>
+            <a:r>
+              <a:rPr lang="de-DE" dirty="0" smtClean="0"/>
+              <a:t>Gebäude selektieren und Gebäudeinformationen einblenden lassen</a:t>
+            </a:r>
+          </a:p>
+          <a:p>
+            <a:r>
+              <a:rPr lang="de-DE" dirty="0" smtClean="0"/>
+              <a:t>Erhöhen der </a:t>
             </a:r>
             <a:r>
               <a:rPr lang="de-DE" dirty="0" err="1" smtClean="0"/>
-              <a:t>GLCanvas</a:t>
-            </a:r>
-            <a:endParaRPr lang="de-DE" dirty="0" smtClean="0"/>
-          </a:p>
-          <a:p>
-            <a:endParaRPr lang="de-DE" dirty="0" smtClean="0"/>
-          </a:p>
-          <a:p>
-            <a:r>
-              <a:rPr lang="de-DE" dirty="0" smtClean="0"/>
-              <a:t>Trennung erfolgte wegen Unterstützung von mehreren Bildschirmen</a:t>
+              <a:t>Usability</a:t>
+            </a:r>
+            <a:r>
+              <a:rPr lang="de-DE" dirty="0" smtClean="0"/>
+              <a:t>, durch das Einblenden von Statusmeldungen in der Titelleiste</a:t>
+            </a:r>
+          </a:p>
+          <a:p>
+            <a:r>
+              <a:rPr lang="de-DE" dirty="0" smtClean="0"/>
+              <a:t>Informations-Panel für Fehlernachrichten und etwaige Programminformationen</a:t>
             </a:r>
           </a:p>
         </p:txBody>
@@ -20056,7 +20153,7 @@
           <a:p>
             <a:r>
               <a:rPr lang="de-DE" dirty="0" smtClean="0"/>
-              <a:t>Aufbau der GUI</a:t>
+              <a:t>Funktionen der GUI</a:t>
             </a:r>
             <a:endParaRPr lang="de-DE" dirty="0"/>
           </a:p>
@@ -20104,6 +20201,165 @@
             <p:ph idx="1"/>
           </p:nvPr>
         </p:nvSpPr>
+        <p:spPr/>
+        <p:txBody>
+          <a:bodyPr/>
+          <a:lstStyle/>
+          <a:p>
+            <a:r>
+              <a:rPr lang="de-DE" dirty="0" smtClean="0"/>
+              <a:t>Ein Frame für die Optionen</a:t>
+            </a:r>
+          </a:p>
+          <a:p>
+            <a:pPr>
+              <a:buNone/>
+            </a:pPr>
+            <a:r>
+              <a:rPr lang="de-DE" dirty="0" smtClean="0"/>
+              <a:t>	(Komponenten in Swing)</a:t>
+            </a:r>
+          </a:p>
+          <a:p>
+            <a:pPr>
+              <a:buNone/>
+            </a:pPr>
+            <a:endParaRPr lang="de-DE" dirty="0" smtClean="0"/>
+          </a:p>
+          <a:p>
+            <a:r>
+              <a:rPr lang="de-DE" dirty="0" smtClean="0"/>
+              <a:t>Ein Frame für den Gebäude-Viewer, mit den Container </a:t>
+            </a:r>
+            <a:r>
+              <a:rPr lang="de-DE" dirty="0" err="1" smtClean="0"/>
+              <a:t>GLCanvas</a:t>
+            </a:r>
+            <a:endParaRPr lang="de-DE" dirty="0" smtClean="0"/>
+          </a:p>
+          <a:p>
+            <a:endParaRPr lang="de-DE" dirty="0" smtClean="0"/>
+          </a:p>
+          <a:p>
+            <a:r>
+              <a:rPr lang="de-DE" dirty="0" smtClean="0"/>
+              <a:t>Trennung erfolgte wegen Unterstützung von mehreren Bildschirmen</a:t>
+            </a:r>
+          </a:p>
+        </p:txBody>
+      </p:sp>
+      <p:sp>
+        <p:nvSpPr>
+          <p:cNvPr id="3" name="Datumsplatzhalter 2"/>
+          <p:cNvSpPr>
+            <a:spLocks noGrp="1"/>
+          </p:cNvSpPr>
+          <p:nvPr>
+            <p:ph type="dt" sz="half" idx="10"/>
+          </p:nvPr>
+        </p:nvSpPr>
+        <p:spPr/>
+        <p:txBody>
+          <a:bodyPr/>
+          <a:lstStyle/>
+          <a:p>
+            <a:r>
+              <a:rPr lang="de-DE" smtClean="0"/>
+              <a:t>23.06.2014</a:t>
+            </a:r>
+            <a:endParaRPr lang="de-DE"/>
+          </a:p>
+        </p:txBody>
+      </p:sp>
+      <p:sp>
+        <p:nvSpPr>
+          <p:cNvPr id="4" name="Foliennummernplatzhalter 3"/>
+          <p:cNvSpPr>
+            <a:spLocks noGrp="1"/>
+          </p:cNvSpPr>
+          <p:nvPr>
+            <p:ph type="sldNum" sz="quarter" idx="12"/>
+          </p:nvPr>
+        </p:nvSpPr>
+        <p:spPr/>
+        <p:txBody>
+          <a:bodyPr/>
+          <a:lstStyle/>
+          <a:p>
+            <a:fld id="{02075A8B-51D4-4999-A4F2-B3FAC6295E4D}" type="slidenum">
+              <a:rPr lang="de-DE" smtClean="0"/>
+              <a:pPr/>
+              <a:t>71</a:t>
+            </a:fld>
+            <a:endParaRPr lang="de-DE"/>
+          </a:p>
+        </p:txBody>
+      </p:sp>
+      <p:sp>
+        <p:nvSpPr>
+          <p:cNvPr id="5" name="Titel 4"/>
+          <p:cNvSpPr>
+            <a:spLocks noGrp="1"/>
+          </p:cNvSpPr>
+          <p:nvPr>
+            <p:ph type="title"/>
+          </p:nvPr>
+        </p:nvSpPr>
+        <p:spPr/>
+        <p:txBody>
+          <a:bodyPr/>
+          <a:lstStyle/>
+          <a:p>
+            <a:r>
+              <a:rPr lang="de-DE" dirty="0" smtClean="0"/>
+              <a:t>Aufbau der GUI</a:t>
+            </a:r>
+            <a:endParaRPr lang="de-DE" dirty="0"/>
+          </a:p>
+        </p:txBody>
+      </p:sp>
+    </p:spTree>
+  </p:cSld>
+  <p:clrMapOvr>
+    <a:masterClrMapping/>
+  </p:clrMapOvr>
+  <p:timing>
+    <p:tnLst>
+      <p:par>
+        <p:cTn id="1" dur="indefinite" restart="never" nodeType="tmRoot"/>
+      </p:par>
+    </p:tnLst>
+  </p:timing>
+</p:sld>
+</file>
+
+<file path=ppt/slides/slide72.xml><?xml version="1.0" encoding="utf-8"?>
+<p:sld xmlns:a="http://schemas.openxmlformats.org/drawingml/2006/main" xmlns:r="http://schemas.openxmlformats.org/officeDocument/2006/relationships" xmlns:p="http://schemas.openxmlformats.org/presentationml/2006/main">
+  <p:cSld>
+    <p:spTree>
+      <p:nvGrpSpPr>
+        <p:cNvPr id="1" name=""/>
+        <p:cNvGrpSpPr/>
+        <p:nvPr/>
+      </p:nvGrpSpPr>
+      <p:grpSpPr>
+        <a:xfrm>
+          <a:off x="0" y="0"/>
+          <a:ext cx="0" cy="0"/>
+          <a:chOff x="0" y="0"/>
+          <a:chExt cx="0" cy="0"/>
+        </a:xfrm>
+      </p:grpSpPr>
+      <p:sp>
+        <p:nvSpPr>
+          <p:cNvPr id="2" name="Inhaltsplatzhalter 1"/>
+          <p:cNvSpPr>
+            <a:spLocks noGrp="1"/>
+          </p:cNvSpPr>
+          <p:nvPr>
+            <p:ph idx="1"/>
+          </p:nvPr>
+        </p:nvSpPr>
         <p:spPr>
           <a:xfrm>
             <a:off x="5353744" y="1481328"/>
@@ -20159,7 +20415,7 @@
             <a:fld id="{02075A8B-51D4-4999-A4F2-B3FAC6295E4D}" type="slidenum">
               <a:rPr lang="de-DE" smtClean="0"/>
               <a:pPr/>
-              <a:t>71</a:t>
+              <a:t>72</a:t>
             </a:fld>
             <a:endParaRPr lang="de-DE"/>
           </a:p>
@@ -20619,7 +20875,7 @@
 </p:sld>
 </file>
 
-<file path=ppt/slides/slide72.xml><?xml version="1.0" encoding="utf-8"?>
+<file path=ppt/slides/slide73.xml><?xml version="1.0" encoding="utf-8"?>
 <p:sld xmlns:a="http://schemas.openxmlformats.org/drawingml/2006/main" xmlns:r="http://schemas.openxmlformats.org/officeDocument/2006/relationships" xmlns:p="http://schemas.openxmlformats.org/presentationml/2006/main">
   <p:cSld>
     <p:spTree>
@@ -20713,7 +20969,7 @@
             <a:fld id="{02075A8B-51D4-4999-A4F2-B3FAC6295E4D}" type="slidenum">
               <a:rPr lang="de-DE" smtClean="0"/>
               <a:pPr/>
-              <a:t>72</a:t>
+              <a:t>73</a:t>
             </a:fld>
             <a:endParaRPr lang="de-DE"/>
           </a:p>
@@ -20783,177 +21039,6 @@
 </p:sld>
 </file>
 
-<file path=ppt/slides/slide73.xml><?xml version="1.0" encoding="utf-8"?>
-<p:sld xmlns:a="http://schemas.openxmlformats.org/drawingml/2006/main" xmlns:r="http://schemas.openxmlformats.org/officeDocument/2006/relationships" xmlns:p="http://schemas.openxmlformats.org/presentationml/2006/main">
-  <p:cSld>
-    <p:spTree>
-      <p:nvGrpSpPr>
-        <p:cNvPr id="1" name=""/>
-        <p:cNvGrpSpPr/>
-        <p:nvPr/>
-      </p:nvGrpSpPr>
-      <p:grpSpPr>
-        <a:xfrm>
-          <a:off x="0" y="0"/>
-          <a:ext cx="0" cy="0"/>
-          <a:chOff x="0" y="0"/>
-          <a:chExt cx="0" cy="0"/>
-        </a:xfrm>
-      </p:grpSpPr>
-      <p:sp>
-        <p:nvSpPr>
-          <p:cNvPr id="2" name="Inhaltsplatzhalter 1"/>
-          <p:cNvSpPr>
-            <a:spLocks noGrp="1"/>
-          </p:cNvSpPr>
-          <p:nvPr>
-            <p:ph idx="1"/>
-          </p:nvPr>
-        </p:nvSpPr>
-        <p:spPr/>
-        <p:txBody>
-          <a:bodyPr/>
-          <a:lstStyle/>
-          <a:p>
-            <a:r>
-              <a:rPr lang="de-DE" dirty="0" smtClean="0"/>
-              <a:t>Antialiasing in </a:t>
-            </a:r>
-            <a:r>
-              <a:rPr lang="de-DE" dirty="0" err="1" smtClean="0"/>
-              <a:t>OpenGL</a:t>
-            </a:r>
-            <a:r>
-              <a:rPr lang="de-DE" dirty="0" smtClean="0"/>
-              <a:t> aktiviert</a:t>
-            </a:r>
-          </a:p>
-          <a:p>
-            <a:pPr>
-              <a:buNone/>
-            </a:pPr>
-            <a:r>
-              <a:rPr lang="de-DE" dirty="0" smtClean="0"/>
-              <a:t>  unter anderem durch:</a:t>
-            </a:r>
-          </a:p>
-          <a:p>
-            <a:pPr lvl="1"/>
-            <a:r>
-              <a:rPr lang="de-DE" dirty="0" smtClean="0"/>
-              <a:t>Double </a:t>
-            </a:r>
-            <a:r>
-              <a:rPr lang="de-DE" dirty="0" err="1" smtClean="0"/>
-              <a:t>Buffering</a:t>
-            </a:r>
-            <a:r>
-              <a:rPr lang="de-DE" dirty="0" smtClean="0"/>
-              <a:t> aktiviert</a:t>
-            </a:r>
-          </a:p>
-          <a:p>
-            <a:pPr lvl="1"/>
-            <a:r>
-              <a:rPr lang="de-DE" dirty="0" smtClean="0"/>
-              <a:t>Blending Funktion gesetzt</a:t>
-            </a:r>
-          </a:p>
-          <a:p>
-            <a:pPr lvl="1"/>
-            <a:r>
-              <a:rPr lang="de-DE" dirty="0" smtClean="0"/>
-              <a:t>Multisampling aktiviert</a:t>
-            </a:r>
-            <a:endParaRPr lang="de-DE" dirty="0"/>
-          </a:p>
-        </p:txBody>
-      </p:sp>
-      <p:sp>
-        <p:nvSpPr>
-          <p:cNvPr id="3" name="Datumsplatzhalter 2"/>
-          <p:cNvSpPr>
-            <a:spLocks noGrp="1"/>
-          </p:cNvSpPr>
-          <p:nvPr>
-            <p:ph type="dt" sz="half" idx="10"/>
-          </p:nvPr>
-        </p:nvSpPr>
-        <p:spPr/>
-        <p:txBody>
-          <a:bodyPr/>
-          <a:lstStyle/>
-          <a:p>
-            <a:r>
-              <a:rPr lang="de-DE" smtClean="0"/>
-              <a:t>23.06.2014</a:t>
-            </a:r>
-            <a:endParaRPr lang="de-DE"/>
-          </a:p>
-        </p:txBody>
-      </p:sp>
-      <p:sp>
-        <p:nvSpPr>
-          <p:cNvPr id="4" name="Foliennummernplatzhalter 3"/>
-          <p:cNvSpPr>
-            <a:spLocks noGrp="1"/>
-          </p:cNvSpPr>
-          <p:nvPr>
-            <p:ph type="sldNum" sz="quarter" idx="12"/>
-          </p:nvPr>
-        </p:nvSpPr>
-        <p:spPr/>
-        <p:txBody>
-          <a:bodyPr/>
-          <a:lstStyle/>
-          <a:p>
-            <a:fld id="{02075A8B-51D4-4999-A4F2-B3FAC6295E4D}" type="slidenum">
-              <a:rPr lang="de-DE" smtClean="0"/>
-              <a:pPr/>
-              <a:t>73</a:t>
-            </a:fld>
-            <a:endParaRPr lang="de-DE"/>
-          </a:p>
-        </p:txBody>
-      </p:sp>
-      <p:sp>
-        <p:nvSpPr>
-          <p:cNvPr id="5" name="Titel 4"/>
-          <p:cNvSpPr>
-            <a:spLocks noGrp="1"/>
-          </p:cNvSpPr>
-          <p:nvPr>
-            <p:ph type="title"/>
-          </p:nvPr>
-        </p:nvSpPr>
-        <p:spPr/>
-        <p:txBody>
-          <a:bodyPr/>
-          <a:lstStyle/>
-          <a:p>
-            <a:r>
-              <a:rPr lang="de-DE" dirty="0" smtClean="0"/>
-              <a:t>Lösung der Probleme</a:t>
-            </a:r>
-            <a:endParaRPr lang="de-DE" dirty="0"/>
-          </a:p>
-        </p:txBody>
-      </p:sp>
-    </p:spTree>
-  </p:cSld>
-  <p:clrMapOvr>
-    <a:masterClrMapping/>
-  </p:clrMapOvr>
-  <p:timing>
-    <p:tnLst>
-      <p:par>
-        <p:cTn id="1" dur="indefinite" restart="never" nodeType="tmRoot"/>
-      </p:par>
-    </p:tnLst>
-  </p:timing>
-</p:sld>
-</file>
-
 <file path=ppt/slides/slide74.xml><?xml version="1.0" encoding="utf-8"?>
 <p:sld xmlns:a="http://schemas.openxmlformats.org/drawingml/2006/main" xmlns:r="http://schemas.openxmlformats.org/officeDocument/2006/relationships" xmlns:p="http://schemas.openxmlformats.org/presentationml/2006/main">
   <p:cSld>
@@ -20973,6 +21058,75 @@
       </p:grpSpPr>
       <p:sp>
         <p:nvSpPr>
+          <p:cNvPr id="2" name="Inhaltsplatzhalter 1"/>
+          <p:cNvSpPr>
+            <a:spLocks noGrp="1"/>
+          </p:cNvSpPr>
+          <p:nvPr>
+            <p:ph idx="1"/>
+          </p:nvPr>
+        </p:nvSpPr>
+        <p:spPr/>
+        <p:txBody>
+          <a:bodyPr/>
+          <a:lstStyle/>
+          <a:p>
+            <a:r>
+              <a:rPr lang="de-DE" dirty="0" smtClean="0"/>
+              <a:t>Antialiasing in </a:t>
+            </a:r>
+            <a:r>
+              <a:rPr lang="de-DE" dirty="0" err="1" smtClean="0"/>
+              <a:t>OpenGL</a:t>
+            </a:r>
+            <a:r>
+              <a:rPr lang="de-DE" dirty="0" smtClean="0"/>
+              <a:t> aktiviert</a:t>
+            </a:r>
+          </a:p>
+          <a:p>
+            <a:pPr>
+              <a:buNone/>
+            </a:pPr>
+            <a:r>
+              <a:rPr lang="de-DE" dirty="0" smtClean="0"/>
+              <a:t>  unter anderem durch:</a:t>
+            </a:r>
+          </a:p>
+          <a:p>
+            <a:pPr lvl="1"/>
+            <a:r>
+              <a:rPr lang="de-DE" dirty="0" smtClean="0"/>
+              <a:t>Double </a:t>
+            </a:r>
+            <a:r>
+              <a:rPr lang="de-DE" dirty="0" err="1" smtClean="0"/>
+              <a:t>Buffering</a:t>
+            </a:r>
+            <a:r>
+              <a:rPr lang="de-DE" dirty="0" smtClean="0"/>
+              <a:t> aktiviert</a:t>
+            </a:r>
+          </a:p>
+          <a:p>
+            <a:pPr lvl="1"/>
+            <a:r>
+              <a:rPr lang="de-DE" dirty="0" smtClean="0"/>
+              <a:t>Blending Funktion gesetzt</a:t>
+            </a:r>
+          </a:p>
+          <a:p>
+            <a:pPr lvl="1"/>
+            <a:r>
+              <a:rPr lang="de-DE" dirty="0" smtClean="0"/>
+              <a:t>Multisampling aktiviert</a:t>
+            </a:r>
+            <a:endParaRPr lang="de-DE" dirty="0"/>
+          </a:p>
+        </p:txBody>
+      </p:sp>
+      <p:sp>
+        <p:nvSpPr>
           <p:cNvPr id="3" name="Datumsplatzhalter 2"/>
           <p:cNvSpPr>
             <a:spLocks noGrp="1"/>
@@ -21013,6 +21167,108 @@
               <a:rPr lang="de-DE" smtClean="0"/>
               <a:pPr/>
               <a:t>74</a:t>
+            </a:fld>
+            <a:endParaRPr lang="de-DE"/>
+          </a:p>
+        </p:txBody>
+      </p:sp>
+      <p:sp>
+        <p:nvSpPr>
+          <p:cNvPr id="5" name="Titel 4"/>
+          <p:cNvSpPr>
+            <a:spLocks noGrp="1"/>
+          </p:cNvSpPr>
+          <p:nvPr>
+            <p:ph type="title"/>
+          </p:nvPr>
+        </p:nvSpPr>
+        <p:spPr/>
+        <p:txBody>
+          <a:bodyPr/>
+          <a:lstStyle/>
+          <a:p>
+            <a:r>
+              <a:rPr lang="de-DE" dirty="0" smtClean="0"/>
+              <a:t>Lösung der Probleme</a:t>
+            </a:r>
+            <a:endParaRPr lang="de-DE" dirty="0"/>
+          </a:p>
+        </p:txBody>
+      </p:sp>
+    </p:spTree>
+  </p:cSld>
+  <p:clrMapOvr>
+    <a:masterClrMapping/>
+  </p:clrMapOvr>
+  <p:timing>
+    <p:tnLst>
+      <p:par>
+        <p:cTn id="1" dur="indefinite" restart="never" nodeType="tmRoot"/>
+      </p:par>
+    </p:tnLst>
+  </p:timing>
+</p:sld>
+</file>
+
+<file path=ppt/slides/slide75.xml><?xml version="1.0" encoding="utf-8"?>
+<p:sld xmlns:a="http://schemas.openxmlformats.org/drawingml/2006/main" xmlns:r="http://schemas.openxmlformats.org/officeDocument/2006/relationships" xmlns:p="http://schemas.openxmlformats.org/presentationml/2006/main">
+  <p:cSld>
+    <p:spTree>
+      <p:nvGrpSpPr>
+        <p:cNvPr id="1" name=""/>
+        <p:cNvGrpSpPr/>
+        <p:nvPr/>
+      </p:nvGrpSpPr>
+      <p:grpSpPr>
+        <a:xfrm>
+          <a:off x="0" y="0"/>
+          <a:ext cx="0" cy="0"/>
+          <a:chOff x="0" y="0"/>
+          <a:chExt cx="0" cy="0"/>
+        </a:xfrm>
+      </p:grpSpPr>
+      <p:sp>
+        <p:nvSpPr>
+          <p:cNvPr id="3" name="Datumsplatzhalter 2"/>
+          <p:cNvSpPr>
+            <a:spLocks noGrp="1"/>
+          </p:cNvSpPr>
+          <p:nvPr>
+            <p:ph type="dt" sz="half" idx="10"/>
+          </p:nvPr>
+        </p:nvSpPr>
+        <p:spPr/>
+        <p:txBody>
+          <a:bodyPr/>
+          <a:lstStyle/>
+          <a:p>
+            <a:r>
+              <a:rPr lang="de-DE" smtClean="0"/>
+              <a:t>23.06.2014</a:t>
+            </a:r>
+            <a:endParaRPr lang="de-DE"/>
+          </a:p>
+        </p:txBody>
+      </p:sp>
+      <p:sp>
+        <p:nvSpPr>
+          <p:cNvPr id="4" name="Foliennummernplatzhalter 3"/>
+          <p:cNvSpPr>
+            <a:spLocks noGrp="1"/>
+          </p:cNvSpPr>
+          <p:nvPr>
+            <p:ph type="sldNum" sz="quarter" idx="12"/>
+          </p:nvPr>
+        </p:nvSpPr>
+        <p:spPr/>
+        <p:txBody>
+          <a:bodyPr/>
+          <a:lstStyle/>
+          <a:p>
+            <a:fld id="{02075A8B-51D4-4999-A4F2-B3FAC6295E4D}" type="slidenum">
+              <a:rPr lang="de-DE" smtClean="0"/>
+              <a:pPr/>
+              <a:t>75</a:t>
             </a:fld>
             <a:endParaRPr lang="de-DE"/>
           </a:p>
@@ -21166,196 +21422,6 @@
 </p:sld>
 </file>
 
-<file path=ppt/slides/slide75.xml><?xml version="1.0" encoding="utf-8"?>
-<p:sld xmlns:a="http://schemas.openxmlformats.org/drawingml/2006/main" xmlns:r="http://schemas.openxmlformats.org/officeDocument/2006/relationships" xmlns:p="http://schemas.openxmlformats.org/presentationml/2006/main">
-  <p:cSld>
-    <p:spTree>
-      <p:nvGrpSpPr>
-        <p:cNvPr id="1" name=""/>
-        <p:cNvGrpSpPr/>
-        <p:nvPr/>
-      </p:nvGrpSpPr>
-      <p:grpSpPr>
-        <a:xfrm>
-          <a:off x="0" y="0"/>
-          <a:ext cx="0" cy="0"/>
-          <a:chOff x="0" y="0"/>
-          <a:chExt cx="0" cy="0"/>
-        </a:xfrm>
-      </p:grpSpPr>
-      <p:sp>
-        <p:nvSpPr>
-          <p:cNvPr id="2" name="Inhaltsplatzhalter 1"/>
-          <p:cNvSpPr>
-            <a:spLocks noGrp="1"/>
-          </p:cNvSpPr>
-          <p:nvPr>
-            <p:ph idx="1"/>
-          </p:nvPr>
-        </p:nvSpPr>
-        <p:spPr/>
-        <p:txBody>
-          <a:bodyPr/>
-          <a:lstStyle/>
-          <a:p>
-            <a:r>
-              <a:rPr lang="de-DE" dirty="0" smtClean="0"/>
-              <a:t>Kontinuierliche Performance-Tests</a:t>
-            </a:r>
-          </a:p>
-          <a:p>
-            <a:r>
-              <a:rPr lang="de-DE" dirty="0" smtClean="0"/>
-              <a:t>Untersuchung der </a:t>
-            </a:r>
-            <a:r>
-              <a:rPr lang="de-DE" dirty="0" err="1" smtClean="0"/>
-              <a:t>display</a:t>
-            </a:r>
-            <a:r>
-              <a:rPr lang="de-DE" dirty="0" smtClean="0"/>
-              <a:t>-Methode:</a:t>
-            </a:r>
-          </a:p>
-          <a:p>
-            <a:pPr lvl="1"/>
-            <a:r>
-              <a:rPr lang="de-DE" dirty="0" smtClean="0"/>
-              <a:t>Berechnungen werden nur einmal ausgeführt,</a:t>
-            </a:r>
-          </a:p>
-          <a:p>
-            <a:pPr lvl="1">
-              <a:buNone/>
-            </a:pPr>
-            <a:r>
-              <a:rPr lang="de-DE" dirty="0" smtClean="0"/>
-              <a:t>	sehr viele </a:t>
-            </a:r>
-            <a:r>
-              <a:rPr lang="de-DE" dirty="0" err="1" smtClean="0"/>
-              <a:t>if</a:t>
-            </a:r>
-            <a:r>
-              <a:rPr lang="de-DE" dirty="0" smtClean="0"/>
-              <a:t>-Abfragen notwendig</a:t>
-            </a:r>
-          </a:p>
-          <a:p>
-            <a:pPr lvl="1"/>
-            <a:r>
-              <a:rPr lang="de-DE" dirty="0" smtClean="0"/>
-              <a:t>Hardwarebeschleunigung aktiviert</a:t>
-            </a:r>
-          </a:p>
-          <a:p>
-            <a:pPr lvl="1"/>
-            <a:r>
-              <a:rPr lang="de-DE" dirty="0" smtClean="0"/>
-              <a:t>Optimierte Thread-Verwaltung durch </a:t>
-            </a:r>
-            <a:r>
-              <a:rPr lang="de-DE" dirty="0" err="1" smtClean="0"/>
-              <a:t>Executor</a:t>
-            </a:r>
-            <a:r>
-              <a:rPr lang="de-DE" dirty="0" smtClean="0"/>
-              <a:t>-Service </a:t>
-            </a:r>
-          </a:p>
-        </p:txBody>
-      </p:sp>
-      <p:sp>
-        <p:nvSpPr>
-          <p:cNvPr id="3" name="Datumsplatzhalter 2"/>
-          <p:cNvSpPr>
-            <a:spLocks noGrp="1"/>
-          </p:cNvSpPr>
-          <p:nvPr>
-            <p:ph type="dt" sz="half" idx="10"/>
-          </p:nvPr>
-        </p:nvSpPr>
-        <p:spPr/>
-        <p:txBody>
-          <a:bodyPr/>
-          <a:lstStyle/>
-          <a:p>
-            <a:r>
-              <a:rPr lang="de-DE" smtClean="0"/>
-              <a:t>23.06.2014</a:t>
-            </a:r>
-            <a:endParaRPr lang="de-DE"/>
-          </a:p>
-        </p:txBody>
-      </p:sp>
-      <p:sp>
-        <p:nvSpPr>
-          <p:cNvPr id="4" name="Foliennummernplatzhalter 3"/>
-          <p:cNvSpPr>
-            <a:spLocks noGrp="1"/>
-          </p:cNvSpPr>
-          <p:nvPr>
-            <p:ph type="sldNum" sz="quarter" idx="12"/>
-          </p:nvPr>
-        </p:nvSpPr>
-        <p:spPr/>
-        <p:txBody>
-          <a:bodyPr/>
-          <a:lstStyle/>
-          <a:p>
-            <a:fld id="{02075A8B-51D4-4999-A4F2-B3FAC6295E4D}" type="slidenum">
-              <a:rPr lang="de-DE" smtClean="0"/>
-              <a:pPr/>
-              <a:t>75</a:t>
-            </a:fld>
-            <a:endParaRPr lang="de-DE"/>
-          </a:p>
-        </p:txBody>
-      </p:sp>
-      <p:sp>
-        <p:nvSpPr>
-          <p:cNvPr id="5" name="Titel 4"/>
-          <p:cNvSpPr>
-            <a:spLocks noGrp="1"/>
-          </p:cNvSpPr>
-          <p:nvPr>
-            <p:ph type="title"/>
-          </p:nvPr>
-        </p:nvSpPr>
-        <p:spPr/>
-        <p:txBody>
-          <a:bodyPr/>
-          <a:lstStyle/>
-          <a:p>
-            <a:pPr algn="ctr"/>
-            <a:r>
-              <a:rPr lang="de-DE" dirty="0" smtClean="0"/>
-              <a:t>Performance</a:t>
-            </a:r>
-            <a:endParaRPr lang="de-DE" dirty="0"/>
-          </a:p>
-        </p:txBody>
-      </p:sp>
-    </p:spTree>
-    <p:extLst>
-      <p:ext uri="{BB962C8B-B14F-4D97-AF65-F5344CB8AC3E}">
-        <p14:creationId xmlns:p14="http://schemas.microsoft.com/office/powerpoint/2010/main" val="1468489249"/>
-      </p:ext>
-    </p:extLst>
-  </p:cSld>
-  <p:clrMapOvr>
-    <a:masterClrMapping/>
-  </p:clrMapOvr>
-  <p:timing>
-    <p:tnLst>
-      <p:par>
-        <p:cTn id="1" dur="indefinite" restart="never" nodeType="tmRoot"/>
-      </p:par>
-    </p:tnLst>
-  </p:timing>
-</p:sld>
-</file>
-
 <file path=ppt/slides/slide76.xml><?xml version="1.0" encoding="utf-8"?>
 <p:sld xmlns:a="http://schemas.openxmlformats.org/drawingml/2006/main" xmlns:r="http://schemas.openxmlformats.org/officeDocument/2006/relationships" xmlns:p="http://schemas.openxmlformats.org/presentationml/2006/main">
   <p:cSld>
@@ -21375,6 +21441,88 @@
       </p:grpSpPr>
       <p:sp>
         <p:nvSpPr>
+          <p:cNvPr id="2" name="Inhaltsplatzhalter 1"/>
+          <p:cNvSpPr>
+            <a:spLocks noGrp="1"/>
+          </p:cNvSpPr>
+          <p:nvPr>
+            <p:ph idx="1"/>
+          </p:nvPr>
+        </p:nvSpPr>
+        <p:spPr/>
+        <p:txBody>
+          <a:bodyPr/>
+          <a:lstStyle/>
+          <a:p>
+            <a:r>
+              <a:rPr lang="de-DE" dirty="0" smtClean="0"/>
+              <a:t>Kontinuierliche Performance-Tests</a:t>
+            </a:r>
+          </a:p>
+          <a:p>
+            <a:r>
+              <a:rPr lang="de-DE" dirty="0" smtClean="0"/>
+              <a:t>Untersuchung der </a:t>
+            </a:r>
+            <a:r>
+              <a:rPr lang="de-DE" dirty="0" err="1" smtClean="0"/>
+              <a:t>display</a:t>
+            </a:r>
+            <a:r>
+              <a:rPr lang="de-DE" dirty="0" smtClean="0"/>
+              <a:t>-Methode:</a:t>
+            </a:r>
+          </a:p>
+          <a:p>
+            <a:pPr lvl="1"/>
+            <a:r>
+              <a:rPr lang="de-DE" dirty="0" smtClean="0"/>
+              <a:t>Berechnungen werden nur einmal ausgeführt,</a:t>
+            </a:r>
+          </a:p>
+          <a:p>
+            <a:pPr lvl="1">
+              <a:buNone/>
+            </a:pPr>
+            <a:r>
+              <a:rPr lang="de-DE" dirty="0" smtClean="0"/>
+              <a:t>	sehr viele </a:t>
+            </a:r>
+            <a:r>
+              <a:rPr lang="de-DE" dirty="0" err="1" smtClean="0"/>
+              <a:t>if</a:t>
+            </a:r>
+            <a:r>
+              <a:rPr lang="de-DE" dirty="0" smtClean="0"/>
+              <a:t>-Abfragen notwendig</a:t>
+            </a:r>
+          </a:p>
+          <a:p>
+            <a:pPr lvl="1"/>
+            <a:r>
+              <a:rPr lang="de-DE" dirty="0" smtClean="0"/>
+              <a:t>Hardwarebeschleunigung aktiviert</a:t>
+            </a:r>
+          </a:p>
+          <a:p>
+            <a:pPr lvl="1"/>
+            <a:r>
+              <a:rPr lang="de-DE" dirty="0" smtClean="0"/>
+              <a:t>Optimierte Thread-Verwaltung durch </a:t>
+            </a:r>
+            <a:r>
+              <a:rPr lang="de-DE" dirty="0" err="1" smtClean="0"/>
+              <a:t>Executor</a:t>
+            </a:r>
+            <a:r>
+              <a:rPr lang="de-DE" dirty="0" smtClean="0"/>
+              <a:t>-Service </a:t>
+            </a:r>
+          </a:p>
+        </p:txBody>
+      </p:sp>
+      <p:sp>
+        <p:nvSpPr>
           <p:cNvPr id="3" name="Datumsplatzhalter 2"/>
           <p:cNvSpPr>
             <a:spLocks noGrp="1"/>
@@ -21430,31 +21578,24 @@
             <p:ph type="title"/>
           </p:nvPr>
         </p:nvSpPr>
-        <p:spPr>
-          <a:xfrm>
-            <a:off x="457200" y="274638"/>
-            <a:ext cx="8229600" cy="5314602"/>
-          </a:xfrm>
-        </p:spPr>
-        <p:txBody>
-          <a:bodyPr>
-            <a:noAutofit/>
-          </a:bodyPr>
+        <p:spPr/>
+        <p:txBody>
+          <a:bodyPr/>
           <a:lstStyle/>
           <a:p>
             <a:pPr algn="ctr"/>
             <a:r>
-              <a:rPr lang="de-DE" sz="8000" dirty="0" smtClean="0"/>
-              <a:t>Demo</a:t>
-            </a:r>
-            <a:endParaRPr lang="de-DE" sz="8000" dirty="0"/>
+              <a:rPr lang="de-DE" dirty="0" smtClean="0"/>
+              <a:t>Performance</a:t>
+            </a:r>
+            <a:endParaRPr lang="de-DE" dirty="0"/>
           </a:p>
         </p:txBody>
       </p:sp>
     </p:spTree>
     <p:extLst>
       <p:ext uri="{BB962C8B-B14F-4D97-AF65-F5344CB8AC3E}">
-        <p14:creationId xmlns:p14="http://schemas.microsoft.com/office/powerpoint/2010/main" val="707920820"/>
+        <p14:creationId xmlns:p14="http://schemas.microsoft.com/office/powerpoint/2010/main" val="1468489249"/>
       </p:ext>
     </p:extLst>
   </p:cSld>
@@ -21490,142 +21631,7 @@
       </p:grpSpPr>
       <p:sp>
         <p:nvSpPr>
-          <p:cNvPr id="2" name="Inhaltsplatzhalter 1"/>
-          <p:cNvSpPr>
-            <a:spLocks noGrp="1"/>
-          </p:cNvSpPr>
-          <p:nvPr>
-            <p:ph idx="1"/>
-          </p:nvPr>
-        </p:nvSpPr>
-        <p:spPr/>
-        <p:txBody>
-          <a:bodyPr>
-            <a:normAutofit lnSpcReduction="10000"/>
-          </a:bodyPr>
-          <a:lstStyle/>
-          <a:p>
-            <a:r>
-              <a:rPr lang="de-DE" dirty="0" smtClean="0"/>
-              <a:t>Bild auf Seite 53:</a:t>
-            </a:r>
-            <a:br>
-              <a:rPr lang="de-DE" dirty="0" smtClean="0"/>
-            </a:br>
-            <a:r>
-              <a:rPr lang="de-DE" dirty="0" smtClean="0">
-                <a:hlinkClick r:id="rId2"/>
-              </a:rPr>
-              <a:t>http</a:t>
-            </a:r>
-            <a:r>
-              <a:rPr lang="de-DE" dirty="0">
-                <a:hlinkClick r:id="rId2"/>
-              </a:rPr>
-              <a:t>://www.mynetcologne.de/~</a:t>
-            </a:r>
-            <a:r>
-              <a:rPr lang="de-DE" dirty="0" smtClean="0">
-                <a:hlinkClick r:id="rId2"/>
-              </a:rPr>
-              <a:t>nc-purschst3/garten/klima/Sonne.jpg</a:t>
-            </a:r>
-            <a:endParaRPr lang="de-DE" dirty="0" smtClean="0"/>
-          </a:p>
-          <a:p>
-            <a:r>
-              <a:rPr lang="de-DE" dirty="0" smtClean="0">
-                <a:hlinkClick r:id="rId3"/>
-              </a:rPr>
-              <a:t>http</a:t>
-            </a:r>
-            <a:r>
-              <a:rPr lang="de-DE" dirty="0">
-                <a:hlinkClick r:id="rId3"/>
-              </a:rPr>
-              <a:t>://</a:t>
-            </a:r>
-            <a:r>
-              <a:rPr lang="de-DE" dirty="0" smtClean="0">
-                <a:hlinkClick r:id="rId3"/>
-              </a:rPr>
-              <a:t>de.wikipedia.org/wiki/Sonnenstand</a:t>
-            </a:r>
-            <a:endParaRPr lang="de-DE" dirty="0" smtClean="0"/>
-          </a:p>
-          <a:p>
-            <a:r>
-              <a:rPr lang="de-DE" dirty="0">
-                <a:hlinkClick r:id="rId4"/>
-              </a:rPr>
-              <a:t>http://</a:t>
-            </a:r>
-            <a:r>
-              <a:rPr lang="de-DE" dirty="0" smtClean="0">
-                <a:hlinkClick r:id="rId4"/>
-              </a:rPr>
-              <a:t>stackoverflow.com/questions/1406029/how-to-calculate-the-volume-of-a-3d-mesh-object-the-surface-of-which-is-made-up</a:t>
-            </a:r>
-            <a:endParaRPr lang="de-DE" dirty="0" smtClean="0"/>
-          </a:p>
-          <a:p>
-            <a:r>
-              <a:rPr lang="de-DE" dirty="0">
-                <a:hlinkClick r:id="rId5"/>
-              </a:rPr>
-              <a:t>http://www.jocl.org</a:t>
-            </a:r>
-            <a:r>
-              <a:rPr lang="de-DE" dirty="0" smtClean="0">
-                <a:hlinkClick r:id="rId5"/>
-              </a:rPr>
-              <a:t>/</a:t>
-            </a:r>
-            <a:endParaRPr lang="de-DE" dirty="0" smtClean="0"/>
-          </a:p>
-          <a:p>
-            <a:r>
-              <a:rPr lang="de-DE" dirty="0">
-                <a:hlinkClick r:id="rId6"/>
-              </a:rPr>
-              <a:t>http://</a:t>
-            </a:r>
-            <a:r>
-              <a:rPr lang="de-DE" dirty="0" smtClean="0">
-                <a:hlinkClick r:id="rId6"/>
-              </a:rPr>
-              <a:t>www.khronos.org/registry/cl/specs/opencl-1.1.pdf</a:t>
-            </a:r>
-            <a:endParaRPr lang="de-DE" dirty="0" smtClean="0"/>
-          </a:p>
-        </p:txBody>
-      </p:sp>
-      <p:sp>
-        <p:nvSpPr>
-          <p:cNvPr id="3" name="Titel 2"/>
-          <p:cNvSpPr>
-            <a:spLocks noGrp="1"/>
-          </p:cNvSpPr>
-          <p:nvPr>
-            <p:ph type="title"/>
-          </p:nvPr>
-        </p:nvSpPr>
-        <p:spPr/>
-        <p:txBody>
-          <a:bodyPr/>
-          <a:lstStyle/>
-          <a:p>
-            <a:r>
-              <a:rPr lang="de-DE" dirty="0" smtClean="0"/>
-              <a:t>Quellen (1/3)</a:t>
-            </a:r>
-            <a:endParaRPr lang="de-DE" dirty="0"/>
-          </a:p>
-        </p:txBody>
-      </p:sp>
-      <p:sp>
-        <p:nvSpPr>
-          <p:cNvPr id="4" name="Datumsplatzhalter 3"/>
+          <p:cNvPr id="3" name="Datumsplatzhalter 2"/>
           <p:cNvSpPr>
             <a:spLocks noGrp="1"/>
           </p:cNvSpPr>
@@ -21648,7 +21654,7 @@
       </p:sp>
       <p:sp>
         <p:nvSpPr>
-          <p:cNvPr id="5" name="Foliennummernplatzhalter 4"/>
+          <p:cNvPr id="4" name="Foliennummernplatzhalter 3"/>
           <p:cNvSpPr>
             <a:spLocks noGrp="1"/>
           </p:cNvSpPr>
@@ -21670,10 +21676,41 @@
           </a:p>
         </p:txBody>
       </p:sp>
+      <p:sp>
+        <p:nvSpPr>
+          <p:cNvPr id="5" name="Titel 4"/>
+          <p:cNvSpPr>
+            <a:spLocks noGrp="1"/>
+          </p:cNvSpPr>
+          <p:nvPr>
+            <p:ph type="title"/>
+          </p:nvPr>
+        </p:nvSpPr>
+        <p:spPr>
+          <a:xfrm>
+            <a:off x="457200" y="274638"/>
+            <a:ext cx="8229600" cy="5314602"/>
+          </a:xfrm>
+        </p:spPr>
+        <p:txBody>
+          <a:bodyPr>
+            <a:noAutofit/>
+          </a:bodyPr>
+          <a:lstStyle/>
+          <a:p>
+            <a:pPr algn="ctr"/>
+            <a:r>
+              <a:rPr lang="de-DE" sz="8000" dirty="0" smtClean="0"/>
+              <a:t>Demo</a:t>
+            </a:r>
+            <a:endParaRPr lang="de-DE" sz="8000" dirty="0"/>
+          </a:p>
+        </p:txBody>
+      </p:sp>
     </p:spTree>
     <p:extLst>
       <p:ext uri="{BB962C8B-B14F-4D97-AF65-F5344CB8AC3E}">
-        <p14:creationId xmlns:p14="http://schemas.microsoft.com/office/powerpoint/2010/main" val="1704796354"/>
+        <p14:creationId xmlns:p14="http://schemas.microsoft.com/office/powerpoint/2010/main" val="707920820"/>
       </p:ext>
     </p:extLst>
   </p:cSld>
@@ -21709,7 +21746,7 @@
       </p:grpSpPr>
       <p:sp>
         <p:nvSpPr>
-          <p:cNvPr id="2" name="Content Placeholder 1"/>
+          <p:cNvPr id="2" name="Inhaltsplatzhalter 1"/>
           <p:cNvSpPr>
             <a:spLocks noGrp="1"/>
           </p:cNvSpPr>
@@ -21726,51 +21763,57 @@
           <a:p>
             <a:r>
               <a:rPr lang="de-DE" dirty="0" smtClean="0"/>
-              <a:t>Bild auf Seite 16:</a:t>
-            </a:r>
-            <a:r>
-              <a:rPr lang="de-DE" u="sng" dirty="0" smtClean="0">
-                <a:hlinkClick r:id="rId2"/>
-              </a:rPr>
+              <a:t>Bild auf Seite </a:t>
+            </a:r>
+            <a:r>
+              <a:rPr lang="de-DE" dirty="0" smtClean="0"/>
+              <a:t>56:</a:t>
+            </a:r>
+            <a:r>
+              <a:rPr lang="de-DE" dirty="0" smtClean="0"/>
               <a:t/>
             </a:r>
             <a:br>
-              <a:rPr lang="de-DE" u="sng" dirty="0" smtClean="0">
-                <a:hlinkClick r:id="rId2"/>
-              </a:rPr>
+              <a:rPr lang="de-DE" dirty="0" smtClean="0"/>
             </a:br>
             <a:r>
-              <a:rPr lang="de-DE" u="sng" dirty="0" smtClean="0">
+              <a:rPr lang="de-DE" dirty="0" smtClean="0">
                 <a:hlinkClick r:id="rId2"/>
               </a:rPr>
               <a:t>http</a:t>
             </a:r>
             <a:r>
-              <a:rPr lang="de-DE" u="sng" dirty="0">
+              <a:rPr lang="de-DE" dirty="0">
                 <a:hlinkClick r:id="rId2"/>
               </a:rPr>
-              <a:t>://lh5.ggpht.com/-</a:t>
-            </a:r>
-            <a:r>
-              <a:rPr lang="de-DE" u="sng" dirty="0" smtClean="0">
+              <a:t>://www.mynetcologne.de/~</a:t>
+            </a:r>
+            <a:r>
+              <a:rPr lang="de-DE" dirty="0" smtClean="0">
                 <a:hlinkClick r:id="rId2"/>
               </a:rPr>
-              <a:t>TQoisMDRkRM/T_QLRsg2UeI/AAAAAAAAAPA/ZmbB3KCsH9g/image_thumb%2525255B13%2525255D.png%3Fimgmax%3D800</a:t>
-            </a:r>
-            <a:endParaRPr lang="de-DE" u="sng" dirty="0" smtClean="0"/>
-          </a:p>
-          <a:p>
+              <a:t>nc-purschst3/garten/klima/Sonne.jpg</a:t>
+            </a:r>
+            <a:endParaRPr lang="de-DE" dirty="0" smtClean="0"/>
+          </a:p>
+          <a:p>
+            <a:r>
+              <a:rPr lang="de-DE" dirty="0" smtClean="0">
+                <a:hlinkClick r:id="rId3"/>
+              </a:rPr>
+              <a:t>http</a:t>
+            </a:r>
             <a:r>
               <a:rPr lang="de-DE" dirty="0">
                 <a:hlinkClick r:id="rId3"/>
               </a:rPr>
-              <a:t>http://</a:t>
+              <a:t>://</a:t>
             </a:r>
             <a:r>
               <a:rPr lang="de-DE" dirty="0" smtClean="0">
                 <a:hlinkClick r:id="rId3"/>
               </a:rPr>
-              <a:t>www.dma.ufg.ac.at/assets/13152/intern/konkaves.jpg</a:t>
+              <a:t>de.wikipedia.org/wiki/Sonnenstand</a:t>
             </a:r>
             <a:endParaRPr lang="de-DE" dirty="0" smtClean="0"/>
           </a:p>
@@ -21779,13 +21822,13 @@
               <a:rPr lang="de-DE" dirty="0">
                 <a:hlinkClick r:id="rId4"/>
               </a:rPr>
-              <a:t>http://profs.sci.univr.it/~</a:t>
+              <a:t>http://</a:t>
             </a:r>
             <a:r>
               <a:rPr lang="de-DE" dirty="0" smtClean="0">
                 <a:hlinkClick r:id="rId4"/>
               </a:rPr>
-              <a:t>colombar/html_openGL_tutorial/images/triangle_strips.gif</a:t>
+              <a:t>stackoverflow.com/questions/1406029/how-to-calculate-the-volume-of-a-3d-mesh-object-the-surface-of-which-is-made-up</a:t>
             </a:r>
             <a:endParaRPr lang="de-DE" dirty="0" smtClean="0"/>
           </a:p>
@@ -21794,33 +21837,59 @@
               <a:rPr lang="de-DE" dirty="0">
                 <a:hlinkClick r:id="rId5"/>
               </a:rPr>
-              <a:t>http://profs.sci.univr.it/~</a:t>
+              <a:t>http://www.jocl.org</a:t>
             </a:r>
             <a:r>
               <a:rPr lang="de-DE" dirty="0" smtClean="0">
                 <a:hlinkClick r:id="rId5"/>
               </a:rPr>
-              <a:t>colombar/html_openGL_tutorial/images/triangle_fans.gif</a:t>
+              <a:t>/</a:t>
             </a:r>
             <a:endParaRPr lang="de-DE" dirty="0" smtClean="0"/>
           </a:p>
           <a:p>
+            <a:r>
+              <a:rPr lang="de-DE" dirty="0">
+                <a:hlinkClick r:id="rId6"/>
+              </a:rPr>
+              <a:t>http://</a:t>
+            </a:r>
+            <a:r>
+              <a:rPr lang="de-DE" dirty="0" smtClean="0">
+                <a:hlinkClick r:id="rId6"/>
+              </a:rPr>
+              <a:t>www.khronos.org/registry/cl/specs/opencl-1.1.pdf</a:t>
+            </a:r>
             <a:endParaRPr lang="de-DE" dirty="0" smtClean="0"/>
           </a:p>
-          <a:p>
-            <a:endParaRPr lang="de-DE" dirty="0" smtClean="0"/>
-          </a:p>
-          <a:p>
+        </p:txBody>
+      </p:sp>
+      <p:sp>
+        <p:nvSpPr>
+          <p:cNvPr id="3" name="Titel 2"/>
+          <p:cNvSpPr>
+            <a:spLocks noGrp="1"/>
+          </p:cNvSpPr>
+          <p:nvPr>
+            <p:ph type="title"/>
+          </p:nvPr>
+        </p:nvSpPr>
+        <p:spPr/>
+        <p:txBody>
+          <a:bodyPr/>
+          <a:lstStyle/>
+          <a:p>
+            <a:r>
+              <a:rPr lang="de-DE" dirty="0" smtClean="0"/>
+              <a:t>Quellen (1/3)</a:t>
+            </a:r>
             <a:endParaRPr lang="de-DE" dirty="0"/>
           </a:p>
-          <a:p>
-            <a:endParaRPr lang="de-DE" dirty="0"/>
-          </a:p>
-        </p:txBody>
-      </p:sp>
-      <p:sp>
-        <p:nvSpPr>
-          <p:cNvPr id="3" name="Date Placeholder 2"/>
+        </p:txBody>
+      </p:sp>
+      <p:sp>
+        <p:nvSpPr>
+          <p:cNvPr id="4" name="Datumsplatzhalter 3"/>
           <p:cNvSpPr>
             <a:spLocks noGrp="1"/>
           </p:cNvSpPr>
@@ -21843,7 +21912,7 @@
       </p:sp>
       <p:sp>
         <p:nvSpPr>
-          <p:cNvPr id="4" name="Slide Number Placeholder 3"/>
+          <p:cNvPr id="5" name="Foliennummernplatzhalter 4"/>
           <p:cNvSpPr>
             <a:spLocks noGrp="1"/>
           </p:cNvSpPr>
@@ -21865,33 +21934,10 @@
           </a:p>
         </p:txBody>
       </p:sp>
-      <p:sp>
-        <p:nvSpPr>
-          <p:cNvPr id="5" name="Title 4"/>
-          <p:cNvSpPr>
-            <a:spLocks noGrp="1"/>
-          </p:cNvSpPr>
-          <p:nvPr>
-            <p:ph type="title"/>
-          </p:nvPr>
-        </p:nvSpPr>
-        <p:spPr/>
-        <p:txBody>
-          <a:bodyPr/>
-          <a:lstStyle/>
-          <a:p>
-            <a:r>
-              <a:rPr lang="de-DE" dirty="0" smtClean="0"/>
-              <a:t>Quellen (2/3)</a:t>
-            </a:r>
-            <a:endParaRPr lang="de-DE" dirty="0"/>
-          </a:p>
-        </p:txBody>
-      </p:sp>
     </p:spTree>
     <p:extLst>
       <p:ext uri="{BB962C8B-B14F-4D97-AF65-F5344CB8AC3E}">
-        <p14:creationId xmlns:p14="http://schemas.microsoft.com/office/powerpoint/2010/main" val="3236726599"/>
+        <p14:creationId xmlns:p14="http://schemas.microsoft.com/office/powerpoint/2010/main" val="1704796354"/>
       </p:ext>
     </p:extLst>
   </p:cSld>
@@ -21927,7 +21973,7 @@
       </p:grpSpPr>
       <p:sp>
         <p:nvSpPr>
-          <p:cNvPr id="2" name="Inhaltsplatzhalter 1"/>
+          <p:cNvPr id="2" name="Content Placeholder 1"/>
           <p:cNvSpPr>
             <a:spLocks noGrp="1"/>
           </p:cNvSpPr>
@@ -21937,54 +21983,187 @@
         </p:nvSpPr>
         <p:spPr/>
         <p:txBody>
-          <a:bodyPr/>
-          <a:lstStyle/>
-          <a:p>
-            <a:r>
-              <a:rPr lang="de-DE" dirty="0">
+          <a:bodyPr>
+            <a:normAutofit fontScale="85000" lnSpcReduction="20000"/>
+          </a:bodyPr>
+          <a:lstStyle/>
+          <a:p>
+            <a:r>
+              <a:rPr lang="de-DE" dirty="0" smtClean="0"/>
+              <a:t>Bild auf Seite 16:</a:t>
+            </a:r>
+            <a:r>
+              <a:rPr lang="de-DE" u="sng" dirty="0" smtClean="0">
                 <a:hlinkClick r:id="rId2"/>
               </a:rPr>
-              <a:t>http://</a:t>
-            </a:r>
-            <a:r>
-              <a:rPr lang="de-DE" dirty="0" smtClean="0">
+              <a:t/>
+            </a:r>
+            <a:br>
+              <a:rPr lang="de-DE" u="sng" dirty="0" smtClean="0">
                 <a:hlinkClick r:id="rId2"/>
               </a:rPr>
-              <a:t>en.wikipedia.org/wiki/Tetrahedron</a:t>
+            </a:br>
+            <a:r>
+              <a:rPr lang="de-DE" u="sng" dirty="0" smtClean="0">
+                <a:hlinkClick r:id="rId2"/>
+              </a:rPr>
+              <a:t>http</a:t>
+            </a:r>
+            <a:r>
+              <a:rPr lang="de-DE" u="sng" dirty="0">
+                <a:hlinkClick r:id="rId2"/>
+              </a:rPr>
+              <a:t>://lh5.ggpht.com/-</a:t>
+            </a:r>
+            <a:r>
+              <a:rPr lang="de-DE" u="sng" dirty="0" smtClean="0">
+                <a:hlinkClick r:id="rId2"/>
+              </a:rPr>
+              <a:t>TQoisMDRkRM/T_QLRsg2UeI/AAAAAAAAAPA/ZmbB3KCsH9g/image_thumb%2525255B13%2525255D.png%3Fimgmax%3D800</a:t>
+            </a:r>
+            <a:endParaRPr lang="de-DE" u="sng" dirty="0" smtClean="0"/>
+          </a:p>
+          <a:p>
+            <a:r>
+              <a:rPr lang="de-DE" dirty="0"/>
+              <a:t>Bild auf Seite </a:t>
+            </a:r>
+            <a:r>
+              <a:rPr lang="de-DE" dirty="0" smtClean="0"/>
+              <a:t>33 </a:t>
+            </a:r>
+            <a:r>
+              <a:rPr lang="de-DE" dirty="0" smtClean="0"/>
+              <a:t>vgl:</a:t>
+            </a:r>
+            <a:r>
+              <a:rPr lang="de-DE" u="sng" dirty="0">
+                <a:hlinkClick r:id="rId2"/>
+              </a:rPr>
+              <a:t/>
+            </a:r>
+            <a:br>
+              <a:rPr lang="de-DE" u="sng" dirty="0">
+                <a:hlinkClick r:id="rId2"/>
+              </a:rPr>
+            </a:br>
+            <a:r>
+              <a:rPr lang="de-DE" dirty="0" smtClean="0">
+                <a:hlinkClick r:id="rId3"/>
+              </a:rPr>
+              <a:t>http</a:t>
+            </a:r>
+            <a:r>
+              <a:rPr lang="de-DE" dirty="0">
+                <a:hlinkClick r:id="rId3"/>
+              </a:rPr>
+              <a:t>://</a:t>
+            </a:r>
+            <a:r>
+              <a:rPr lang="de-DE" dirty="0" smtClean="0">
+                <a:hlinkClick r:id="rId3"/>
+              </a:rPr>
+              <a:t>www.dma.ufg.ac.at/assets/13152/intern/konkaves.jpg</a:t>
             </a:r>
             <a:endParaRPr lang="de-DE" dirty="0" smtClean="0"/>
           </a:p>
           <a:p>
+            <a:r>
+              <a:rPr lang="de-DE" dirty="0"/>
+              <a:t>Bild auf Seite </a:t>
+            </a:r>
+            <a:r>
+              <a:rPr lang="de-DE" dirty="0" smtClean="0"/>
+              <a:t>35 vgl:</a:t>
+            </a:r>
+            <a:r>
+              <a:rPr lang="de-DE" u="sng" dirty="0">
+                <a:hlinkClick r:id="rId2"/>
+              </a:rPr>
+              <a:t/>
+            </a:r>
+            <a:br>
+              <a:rPr lang="de-DE" u="sng" dirty="0">
+                <a:hlinkClick r:id="rId2"/>
+              </a:rPr>
+            </a:br>
+            <a:r>
+              <a:rPr lang="de-DE" dirty="0" smtClean="0">
+                <a:hlinkClick r:id="rId4"/>
+              </a:rPr>
+              <a:t>http</a:t>
+            </a:r>
+            <a:r>
+              <a:rPr lang="de-DE" dirty="0">
+                <a:hlinkClick r:id="rId4"/>
+              </a:rPr>
+              <a:t>://profs.sci.univr.it/~</a:t>
+            </a:r>
+            <a:r>
+              <a:rPr lang="de-DE" dirty="0" smtClean="0">
+                <a:hlinkClick r:id="rId4"/>
+              </a:rPr>
+              <a:t>colombar/html_openGL_tutorial/images/triangle_strips.gif</a:t>
+            </a:r>
+            <a:endParaRPr lang="de-DE" dirty="0" smtClean="0"/>
+          </a:p>
+          <a:p>
+            <a:r>
+              <a:rPr lang="de-DE" dirty="0"/>
+              <a:t>Bild auf Seite </a:t>
+            </a:r>
+            <a:r>
+              <a:rPr lang="de-DE" dirty="0" smtClean="0"/>
+              <a:t>36 vgl :</a:t>
+            </a:r>
+            <a:r>
+              <a:rPr lang="de-DE" u="sng" dirty="0">
+                <a:hlinkClick r:id="rId2"/>
+              </a:rPr>
+              <a:t/>
+            </a:r>
+            <a:br>
+              <a:rPr lang="de-DE" u="sng" dirty="0">
+                <a:hlinkClick r:id="rId2"/>
+              </a:rPr>
+            </a:br>
+            <a:r>
+              <a:rPr lang="de-DE" dirty="0" smtClean="0">
+                <a:hlinkClick r:id="rId5"/>
+              </a:rPr>
+              <a:t>http</a:t>
+            </a:r>
+            <a:r>
+              <a:rPr lang="de-DE" dirty="0">
+                <a:hlinkClick r:id="rId5"/>
+              </a:rPr>
+              <a:t>://profs.sci.univr.it/~</a:t>
+            </a:r>
+            <a:r>
+              <a:rPr lang="de-DE" dirty="0" smtClean="0">
+                <a:hlinkClick r:id="rId5"/>
+              </a:rPr>
+              <a:t>colombar/html_openGL_tutorial/images/triangle_fans.gif</a:t>
+            </a:r>
+            <a:endParaRPr lang="de-DE" dirty="0" smtClean="0"/>
+          </a:p>
+          <a:p>
+            <a:endParaRPr lang="de-DE" dirty="0" smtClean="0"/>
+          </a:p>
+          <a:p>
+            <a:endParaRPr lang="de-DE" dirty="0" smtClean="0"/>
+          </a:p>
+          <a:p>
             <a:endParaRPr lang="de-DE" dirty="0"/>
           </a:p>
-        </p:txBody>
-      </p:sp>
-      <p:sp>
-        <p:nvSpPr>
-          <p:cNvPr id="3" name="Titel 2"/>
-          <p:cNvSpPr>
-            <a:spLocks noGrp="1"/>
-          </p:cNvSpPr>
-          <p:nvPr>
-            <p:ph type="title"/>
-          </p:nvPr>
-        </p:nvSpPr>
-        <p:spPr/>
-        <p:txBody>
-          <a:bodyPr/>
-          <a:lstStyle/>
-          <a:p>
-            <a:r>
-              <a:rPr lang="de-DE" dirty="0" smtClean="0"/>
-              <a:t>Quellen (3/3)</a:t>
-            </a:r>
+          <a:p>
             <a:endParaRPr lang="de-DE" dirty="0"/>
           </a:p>
         </p:txBody>
       </p:sp>
       <p:sp>
         <p:nvSpPr>
-          <p:cNvPr id="4" name="Datumsplatzhalter 3"/>
+          <p:cNvPr id="3" name="Date Placeholder 2"/>
           <p:cNvSpPr>
             <a:spLocks noGrp="1"/>
           </p:cNvSpPr>
@@ -22007,7 +22186,7 @@
       </p:sp>
       <p:sp>
         <p:nvSpPr>
-          <p:cNvPr id="5" name="Foliennummernplatzhalter 4"/>
+          <p:cNvPr id="4" name="Slide Number Placeholder 3"/>
           <p:cNvSpPr>
             <a:spLocks noGrp="1"/>
           </p:cNvSpPr>
@@ -22029,10 +22208,33 @@
           </a:p>
         </p:txBody>
       </p:sp>
+      <p:sp>
+        <p:nvSpPr>
+          <p:cNvPr id="5" name="Title 4"/>
+          <p:cNvSpPr>
+            <a:spLocks noGrp="1"/>
+          </p:cNvSpPr>
+          <p:nvPr>
+            <p:ph type="title"/>
+          </p:nvPr>
+        </p:nvSpPr>
+        <p:spPr/>
+        <p:txBody>
+          <a:bodyPr/>
+          <a:lstStyle/>
+          <a:p>
+            <a:r>
+              <a:rPr lang="de-DE" dirty="0" smtClean="0"/>
+              <a:t>Quellen (2/3)</a:t>
+            </a:r>
+            <a:endParaRPr lang="de-DE" dirty="0"/>
+          </a:p>
+        </p:txBody>
+      </p:sp>
     </p:spTree>
     <p:extLst>
       <p:ext uri="{BB962C8B-B14F-4D97-AF65-F5344CB8AC3E}">
-        <p14:creationId xmlns:p14="http://schemas.microsoft.com/office/powerpoint/2010/main" val="295511991"/>
+        <p14:creationId xmlns:p14="http://schemas.microsoft.com/office/powerpoint/2010/main" val="3236726599"/>
       </p:ext>
     </p:extLst>
   </p:cSld>
@@ -22263,6 +22465,171 @@
     <p:extLst>
       <p:ext uri="{BB962C8B-B14F-4D97-AF65-F5344CB8AC3E}">
         <p14:creationId xmlns:p14="http://schemas.microsoft.com/office/powerpoint/2010/main" val="3361393428"/>
+      </p:ext>
+    </p:extLst>
+  </p:cSld>
+  <p:clrMapOvr>
+    <a:masterClrMapping/>
+  </p:clrMapOvr>
+  <p:timing>
+    <p:tnLst>
+      <p:par>
+        <p:cTn id="1" dur="indefinite" restart="never" nodeType="tmRoot"/>
+      </p:par>
+    </p:tnLst>
+  </p:timing>
+</p:sld>
+</file>
+
+<file path=ppt/slides/slide80.xml><?xml version="1.0" encoding="utf-8"?>
+<p:sld xmlns:a="http://schemas.openxmlformats.org/drawingml/2006/main" xmlns:r="http://schemas.openxmlformats.org/officeDocument/2006/relationships" xmlns:p="http://schemas.openxmlformats.org/presentationml/2006/main">
+  <p:cSld>
+    <p:spTree>
+      <p:nvGrpSpPr>
+        <p:cNvPr id="1" name=""/>
+        <p:cNvGrpSpPr/>
+        <p:nvPr/>
+      </p:nvGrpSpPr>
+      <p:grpSpPr>
+        <a:xfrm>
+          <a:off x="0" y="0"/>
+          <a:ext cx="0" cy="0"/>
+          <a:chOff x="0" y="0"/>
+          <a:chExt cx="0" cy="0"/>
+        </a:xfrm>
+      </p:grpSpPr>
+      <p:sp>
+        <p:nvSpPr>
+          <p:cNvPr id="2" name="Inhaltsplatzhalter 1"/>
+          <p:cNvSpPr>
+            <a:spLocks noGrp="1"/>
+          </p:cNvSpPr>
+          <p:nvPr>
+            <p:ph idx="1"/>
+          </p:nvPr>
+        </p:nvSpPr>
+        <p:spPr/>
+        <p:txBody>
+          <a:bodyPr/>
+          <a:lstStyle/>
+          <a:p>
+            <a:r>
+              <a:rPr lang="de-DE" dirty="0">
+                <a:hlinkClick r:id="rId2"/>
+              </a:rPr>
+              <a:t>http://</a:t>
+            </a:r>
+            <a:r>
+              <a:rPr lang="de-DE" dirty="0" smtClean="0">
+                <a:hlinkClick r:id="rId2"/>
+              </a:rPr>
+              <a:t>en.wikipedia.org/wiki/Tetrahedron</a:t>
+            </a:r>
+            <a:endParaRPr lang="de-DE" dirty="0" smtClean="0"/>
+          </a:p>
+          <a:p>
+            <a:r>
+              <a:rPr lang="de-DE" dirty="0">
+                <a:hlinkClick r:id="rId3"/>
+              </a:rPr>
+              <a:t>http://</a:t>
+            </a:r>
+            <a:r>
+              <a:rPr lang="de-DE" dirty="0" smtClean="0">
+                <a:hlinkClick r:id="rId3"/>
+              </a:rPr>
+              <a:t>www.java-tips.org/other-api-tips/jogl/polygon-tessellation-in-jogl.html</a:t>
+            </a:r>
+            <a:endParaRPr lang="de-DE" dirty="0" smtClean="0"/>
+          </a:p>
+          <a:p>
+            <a:endParaRPr lang="de-DE" dirty="0"/>
+          </a:p>
+          <a:p>
+            <a:pPr marL="109728" indent="0">
+              <a:buNone/>
+            </a:pPr>
+            <a:endParaRPr lang="de-DE" dirty="0" smtClean="0"/>
+          </a:p>
+          <a:p>
+            <a:endParaRPr lang="de-DE" dirty="0"/>
+          </a:p>
+        </p:txBody>
+      </p:sp>
+      <p:sp>
+        <p:nvSpPr>
+          <p:cNvPr id="3" name="Titel 2"/>
+          <p:cNvSpPr>
+            <a:spLocks noGrp="1"/>
+          </p:cNvSpPr>
+          <p:nvPr>
+            <p:ph type="title"/>
+          </p:nvPr>
+        </p:nvSpPr>
+        <p:spPr/>
+        <p:txBody>
+          <a:bodyPr/>
+          <a:lstStyle/>
+          <a:p>
+            <a:r>
+              <a:rPr lang="de-DE" dirty="0" smtClean="0"/>
+              <a:t>Quellen (3/3)</a:t>
+            </a:r>
+            <a:endParaRPr lang="de-DE" dirty="0"/>
+          </a:p>
+        </p:txBody>
+      </p:sp>
+      <p:sp>
+        <p:nvSpPr>
+          <p:cNvPr id="4" name="Datumsplatzhalter 3"/>
+          <p:cNvSpPr>
+            <a:spLocks noGrp="1"/>
+          </p:cNvSpPr>
+          <p:nvPr>
+            <p:ph type="dt" sz="half" idx="10"/>
+          </p:nvPr>
+        </p:nvSpPr>
+        <p:spPr/>
+        <p:txBody>
+          <a:bodyPr/>
+          <a:lstStyle/>
+          <a:p>
+            <a:r>
+              <a:rPr lang="de-DE" smtClean="0"/>
+              <a:t>23.06.2014</a:t>
+            </a:r>
+            <a:endParaRPr lang="de-DE"/>
+          </a:p>
+        </p:txBody>
+      </p:sp>
+      <p:sp>
+        <p:nvSpPr>
+          <p:cNvPr id="5" name="Foliennummernplatzhalter 4"/>
+          <p:cNvSpPr>
+            <a:spLocks noGrp="1"/>
+          </p:cNvSpPr>
+          <p:nvPr>
+            <p:ph type="sldNum" sz="quarter" idx="12"/>
+          </p:nvPr>
+        </p:nvSpPr>
+        <p:spPr/>
+        <p:txBody>
+          <a:bodyPr/>
+          <a:lstStyle/>
+          <a:p>
+            <a:fld id="{02075A8B-51D4-4999-A4F2-B3FAC6295E4D}" type="slidenum">
+              <a:rPr lang="de-DE" smtClean="0"/>
+              <a:pPr/>
+              <a:t>80</a:t>
+            </a:fld>
+            <a:endParaRPr lang="de-DE"/>
+          </a:p>
+        </p:txBody>
+      </p:sp>
+    </p:spTree>
+    <p:extLst>
+      <p:ext uri="{BB962C8B-B14F-4D97-AF65-F5344CB8AC3E}">
+        <p14:creationId xmlns:p14="http://schemas.microsoft.com/office/powerpoint/2010/main" val="295511991"/>
       </p:ext>
     </p:extLst>
   </p:cSld>

--- a/doku/präsentation nicht komplett/vCity-Präsentation.pptx
+++ b/doku/präsentation nicht komplett/vCity-Präsentation.pptx
@@ -85,9 +85,9 @@
     <p:sldId id="311" r:id="rId76"/>
     <p:sldId id="309" r:id="rId77"/>
     <p:sldId id="293" r:id="rId78"/>
-    <p:sldId id="268" r:id="rId79"/>
-    <p:sldId id="330" r:id="rId80"/>
-    <p:sldId id="270" r:id="rId81"/>
+    <p:sldId id="343" r:id="rId79"/>
+    <p:sldId id="344" r:id="rId80"/>
+    <p:sldId id="345" r:id="rId81"/>
   </p:sldIdLst>
   <p:sldSz cx="9144000" cy="6858000" type="screen4x3"/>
   <p:notesSz cx="6858000" cy="9144000"/>
@@ -188,7 +188,7 @@
   </p:defaultTextStyle>
   <p:extLst>
     <p:ext uri="{EFAFB233-063F-42B5-8137-9DF3F51BA10A}">
-      <p15:sldGuideLst xmlns:p15="http://schemas.microsoft.com/office/powerpoint/2012/main" xmlns="">
+      <p15:sldGuideLst xmlns="" xmlns:p15="http://schemas.microsoft.com/office/powerpoint/2012/main">
         <p15:guide id="1" orient="horz" pos="2160">
           <p15:clr>
             <a:srgbClr val="A4A3A4"/>
@@ -448,7 +448,7 @@
             <a:fld id="{B83A044C-E8EF-4CD0-9F6B-22623A7684E2}" type="slidenum">
               <a:rPr lang="de-DE" smtClean="0"/>
               <a:pPr/>
-              <a:t>‹#›</a:t>
+              <a:t>‹Nr.›</a:t>
             </a:fld>
             <a:endParaRPr lang="de-DE"/>
           </a:p>
@@ -2551,7 +2551,7 @@
             <a:fld id="{02075A8B-51D4-4999-A4F2-B3FAC6295E4D}" type="slidenum">
               <a:rPr lang="de-DE" smtClean="0"/>
               <a:pPr/>
-              <a:t>‹#›</a:t>
+              <a:t>‹Nr.›</a:t>
             </a:fld>
             <a:endParaRPr lang="de-DE" dirty="0"/>
           </a:p>
@@ -2732,7 +2732,7 @@
             <a:fld id="{02075A8B-51D4-4999-A4F2-B3FAC6295E4D}" type="slidenum">
               <a:rPr lang="de-DE" smtClean="0"/>
               <a:pPr/>
-              <a:t>‹#›</a:t>
+              <a:t>‹Nr.›</a:t>
             </a:fld>
             <a:endParaRPr lang="de-DE"/>
           </a:p>
@@ -2918,7 +2918,7 @@
             <a:fld id="{02075A8B-51D4-4999-A4F2-B3FAC6295E4D}" type="slidenum">
               <a:rPr lang="de-DE" smtClean="0"/>
               <a:pPr/>
-              <a:t>‹#›</a:t>
+              <a:t>‹Nr.›</a:t>
             </a:fld>
             <a:endParaRPr lang="de-DE"/>
           </a:p>
@@ -3069,7 +3069,7 @@
             <a:fld id="{02075A8B-51D4-4999-A4F2-B3FAC6295E4D}" type="slidenum">
               <a:rPr lang="de-DE" smtClean="0"/>
               <a:pPr/>
-              <a:t>‹#›</a:t>
+              <a:t>‹Nr.›</a:t>
             </a:fld>
             <a:endParaRPr lang="de-DE"/>
           </a:p>
@@ -3325,7 +3325,7 @@
             <a:fld id="{02075A8B-51D4-4999-A4F2-B3FAC6295E4D}" type="slidenum">
               <a:rPr lang="de-DE" smtClean="0"/>
               <a:pPr/>
-              <a:t>‹#›</a:t>
+              <a:t>‹Nr.›</a:t>
             </a:fld>
             <a:endParaRPr lang="de-DE"/>
           </a:p>
@@ -3735,7 +3735,7 @@
             <a:fld id="{02075A8B-51D4-4999-A4F2-B3FAC6295E4D}" type="slidenum">
               <a:rPr lang="de-DE" smtClean="0"/>
               <a:pPr/>
-              <a:t>‹#›</a:t>
+              <a:t>‹Nr.›</a:t>
             </a:fld>
             <a:endParaRPr lang="de-DE"/>
           </a:p>
@@ -4182,7 +4182,7 @@
             <a:fld id="{02075A8B-51D4-4999-A4F2-B3FAC6295E4D}" type="slidenum">
               <a:rPr lang="de-DE" smtClean="0"/>
               <a:pPr/>
-              <a:t>‹#›</a:t>
+              <a:t>‹Nr.›</a:t>
             </a:fld>
             <a:endParaRPr lang="de-DE"/>
           </a:p>
@@ -4284,7 +4284,7 @@
             <a:fld id="{02075A8B-51D4-4999-A4F2-B3FAC6295E4D}" type="slidenum">
               <a:rPr lang="de-DE" smtClean="0"/>
               <a:pPr/>
-              <a:t>‹#›</a:t>
+              <a:t>‹Nr.›</a:t>
             </a:fld>
             <a:endParaRPr lang="de-DE"/>
           </a:p>
@@ -4406,7 +4406,7 @@
             <a:fld id="{02075A8B-51D4-4999-A4F2-B3FAC6295E4D}" type="slidenum">
               <a:rPr lang="de-DE" smtClean="0"/>
               <a:pPr/>
-              <a:t>‹#›</a:t>
+              <a:t>‹Nr.›</a:t>
             </a:fld>
             <a:endParaRPr lang="de-DE"/>
           </a:p>
@@ -4681,7 +4681,7 @@
             <a:fld id="{02075A8B-51D4-4999-A4F2-B3FAC6295E4D}" type="slidenum">
               <a:rPr lang="de-DE" smtClean="0"/>
               <a:pPr/>
-              <a:t>‹#›</a:t>
+              <a:t>‹Nr.›</a:t>
             </a:fld>
             <a:endParaRPr lang="de-DE"/>
           </a:p>
@@ -4906,7 +4906,7 @@
             <a:fld id="{02075A8B-51D4-4999-A4F2-B3FAC6295E4D}" type="slidenum">
               <a:rPr lang="de-DE" smtClean="0"/>
               <a:pPr/>
-              <a:t>‹#›</a:t>
+              <a:t>‹Nr.›</a:t>
             </a:fld>
             <a:endParaRPr lang="de-DE"/>
           </a:p>
@@ -6027,7 +6027,7 @@
             <a:fld id="{02075A8B-51D4-4999-A4F2-B3FAC6295E4D}" type="slidenum">
               <a:rPr lang="de-DE" smtClean="0"/>
               <a:pPr/>
-              <a:t>‹#›</a:t>
+              <a:t>‹Nr.›</a:t>
             </a:fld>
             <a:endParaRPr lang="de-DE"/>
           </a:p>
@@ -9886,15 +9886,7 @@
           <a:p>
             <a:r>
               <a:rPr lang="de-DE" dirty="0" smtClean="0"/>
-              <a:t>Durchgeführt </a:t>
-            </a:r>
-            <a:r>
-              <a:rPr lang="de-DE" dirty="0" smtClean="0"/>
-              <a:t>mithilfe homogener </a:t>
-            </a:r>
-            <a:r>
-              <a:rPr lang="de-DE" dirty="0" smtClean="0"/>
-              <a:t>Koordinaten</a:t>
+              <a:t>Durchgeführt mithilfe homogener Koordinaten</a:t>
             </a:r>
           </a:p>
           <a:p>
@@ -11175,11 +11167,7 @@
           <a:p>
             <a:r>
               <a:rPr lang="de-DE" dirty="0" smtClean="0"/>
-              <a:t>Wird </a:t>
-            </a:r>
-            <a:r>
-              <a:rPr lang="de-DE" dirty="0" smtClean="0"/>
-              <a:t>benötigt um konkave Polygone zeichnen zu können</a:t>
+              <a:t>Wird benötigt um konkave Polygone zeichnen zu können</a:t>
             </a:r>
           </a:p>
           <a:p>
@@ -16837,6 +16825,66 @@
           </a:p>
         </p:txBody>
       </p:sp>
+      <p:pic>
+        <p:nvPicPr>
+          <p:cNvPr id="6" name="Grafik 5"/>
+          <p:cNvPicPr>
+            <a:picLocks noChangeAspect="1"/>
+          </p:cNvPicPr>
+          <p:nvPr/>
+        </p:nvPicPr>
+        <p:blipFill>
+          <a:blip r:embed="rId2" cstate="print">
+            <a:extLst>
+              <a:ext uri="{28A0092B-C50C-407E-A947-70E740481C1C}">
+                <a14:useLocalDpi xmlns:a14="http://schemas.microsoft.com/office/drawing/2010/main" val="0"/>
+              </a:ext>
+            </a:extLst>
+          </a:blip>
+          <a:stretch>
+            <a:fillRect/>
+          </a:stretch>
+        </p:blipFill>
+        <p:spPr>
+          <a:xfrm>
+            <a:off x="6948264" y="-99392"/>
+            <a:ext cx="2339752" cy="2523913"/>
+          </a:xfrm>
+          <a:prstGeom prst="rect">
+            <a:avLst/>
+          </a:prstGeom>
+        </p:spPr>
+      </p:pic>
+      <p:pic>
+        <p:nvPicPr>
+          <p:cNvPr id="7" name="Grafik 6"/>
+          <p:cNvPicPr>
+            <a:picLocks noChangeAspect="1"/>
+          </p:cNvPicPr>
+          <p:nvPr/>
+        </p:nvPicPr>
+        <p:blipFill>
+          <a:blip r:embed="rId3" cstate="print">
+            <a:extLst>
+              <a:ext uri="{28A0092B-C50C-407E-A947-70E740481C1C}">
+                <a14:useLocalDpi xmlns:a14="http://schemas.microsoft.com/office/drawing/2010/main" val="0"/>
+              </a:ext>
+            </a:extLst>
+          </a:blip>
+          <a:stretch>
+            <a:fillRect/>
+          </a:stretch>
+        </p:blipFill>
+        <p:spPr>
+          <a:xfrm>
+            <a:off x="2849587" y="4366997"/>
+            <a:ext cx="3444826" cy="2446379"/>
+          </a:xfrm>
+          <a:prstGeom prst="rect">
+            <a:avLst/>
+          </a:prstGeom>
+        </p:spPr>
+      </p:pic>
     </p:spTree>
     <p:extLst>
       <p:ext uri="{BB962C8B-B14F-4D97-AF65-F5344CB8AC3E}">
@@ -16874,26 +16922,203 @@
           <a:chExt cx="0" cy="0"/>
         </a:xfrm>
       </p:grpSpPr>
+      <p:sp>
+        <p:nvSpPr>
+          <p:cNvPr id="2" name="Inhaltsplatzhalter 1"/>
+          <p:cNvSpPr>
+            <a:spLocks noGrp="1"/>
+          </p:cNvSpPr>
+          <p:nvPr>
+            <p:ph idx="1"/>
+          </p:nvPr>
+        </p:nvSpPr>
+        <p:spPr>
+          <a:xfrm>
+            <a:off x="457200" y="1481329"/>
+            <a:ext cx="8229600" cy="3675863"/>
+          </a:xfrm>
+        </p:spPr>
+        <p:txBody>
+          <a:bodyPr>
+            <a:normAutofit fontScale="92500" lnSpcReduction="10000"/>
+          </a:bodyPr>
+          <a:lstStyle/>
+          <a:p>
+            <a:r>
+              <a:rPr lang="de-DE" dirty="0" smtClean="0"/>
+              <a:t>Dreieck bildet Tetraeder mit Ursprung</a:t>
+            </a:r>
+          </a:p>
+          <a:p>
+            <a:r>
+              <a:rPr lang="de-DE" dirty="0" smtClean="0"/>
+              <a:t>Dreieck </a:t>
+            </a:r>
+            <a:r>
+              <a:rPr lang="de-DE" dirty="0" smtClean="0"/>
+              <a:t>besteht aus P1, P2, P3 wobei jeder Punkt </a:t>
+            </a:r>
+            <a:r>
+              <a:rPr lang="de-DE" dirty="0" err="1" smtClean="0"/>
+              <a:t>Px</a:t>
+            </a:r>
+            <a:r>
+              <a:rPr lang="de-DE" dirty="0" smtClean="0"/>
+              <a:t> ein Ortsvektor </a:t>
+            </a:r>
+            <a:r>
+              <a:rPr lang="de-DE" dirty="0" smtClean="0"/>
+              <a:t>ist</a:t>
+            </a:r>
+          </a:p>
+          <a:p>
+            <a:r>
+              <a:rPr lang="de-DE" dirty="0"/>
+              <a:t>Volumen von Tetraeder wird </a:t>
+            </a:r>
+            <a:r>
+              <a:rPr lang="de-DE" dirty="0" smtClean="0"/>
+              <a:t>berechnet durch:</a:t>
+            </a:r>
+            <a:endParaRPr lang="de-DE" dirty="0" smtClean="0"/>
+          </a:p>
+          <a:p>
+            <a:pPr marL="109728" indent="0" algn="ctr">
+              <a:buNone/>
+            </a:pPr>
+            <a:r>
+              <a:rPr lang="de-DE" dirty="0" smtClean="0"/>
+              <a:t>Volumen </a:t>
+            </a:r>
+            <a:r>
+              <a:rPr lang="de-DE" dirty="0" smtClean="0"/>
+              <a:t>= </a:t>
+            </a:r>
+            <a:r>
+              <a:rPr lang="de-DE" dirty="0" smtClean="0"/>
+              <a:t>P1 * (P2 x P3) / 6</a:t>
+            </a:r>
+          </a:p>
+          <a:p>
+            <a:r>
+              <a:rPr lang="de-DE" dirty="0" smtClean="0"/>
+              <a:t>Volumen ist vorzeichenbehaftet je nach </a:t>
+            </a:r>
+            <a:r>
+              <a:rPr lang="de-DE" dirty="0"/>
+              <a:t>O</a:t>
+            </a:r>
+            <a:r>
+              <a:rPr lang="de-DE" dirty="0" smtClean="0"/>
+              <a:t>rientierung des </a:t>
+            </a:r>
+            <a:r>
+              <a:rPr lang="de-DE" dirty="0" err="1" smtClean="0"/>
+              <a:t>Normalenvektors</a:t>
+            </a:r>
+            <a:r>
+              <a:rPr lang="de-DE" dirty="0" smtClean="0"/>
+              <a:t> (P2 x P3)</a:t>
+            </a:r>
+          </a:p>
+          <a:p>
+            <a:r>
+              <a:rPr lang="de-DE" dirty="0" smtClean="0"/>
+              <a:t>Volumen des </a:t>
+            </a:r>
+            <a:r>
+              <a:rPr lang="de-DE" dirty="0" err="1" smtClean="0"/>
+              <a:t>Meshs</a:t>
+            </a:r>
+            <a:r>
+              <a:rPr lang="de-DE" dirty="0" smtClean="0"/>
+              <a:t> ist die Summe aller Dreiecksvolumen </a:t>
+            </a:r>
+            <a:endParaRPr lang="de-DE" dirty="0"/>
+          </a:p>
+        </p:txBody>
+      </p:sp>
+      <p:sp>
+        <p:nvSpPr>
+          <p:cNvPr id="3" name="Titel 2"/>
+          <p:cNvSpPr>
+            <a:spLocks noGrp="1"/>
+          </p:cNvSpPr>
+          <p:nvPr>
+            <p:ph type="title"/>
+          </p:nvPr>
+        </p:nvSpPr>
+        <p:spPr/>
+        <p:txBody>
+          <a:bodyPr/>
+          <a:lstStyle/>
+          <a:p>
+            <a:r>
+              <a:rPr lang="de-DE" dirty="0" smtClean="0"/>
+              <a:t>Volumenberechnung (1/2)</a:t>
+            </a:r>
+            <a:endParaRPr lang="de-DE" dirty="0"/>
+          </a:p>
+        </p:txBody>
+      </p:sp>
+      <p:sp>
+        <p:nvSpPr>
+          <p:cNvPr id="5" name="Datumsplatzhalter 4"/>
+          <p:cNvSpPr>
+            <a:spLocks noGrp="1"/>
+          </p:cNvSpPr>
+          <p:nvPr>
+            <p:ph type="dt" sz="half" idx="10"/>
+          </p:nvPr>
+        </p:nvSpPr>
+        <p:spPr/>
+        <p:txBody>
+          <a:bodyPr/>
+          <a:lstStyle/>
+          <a:p>
+            <a:r>
+              <a:rPr lang="de-DE" smtClean="0"/>
+              <a:t>23.06.2014</a:t>
+            </a:r>
+            <a:endParaRPr lang="de-DE"/>
+          </a:p>
+        </p:txBody>
+      </p:sp>
+      <p:sp>
+        <p:nvSpPr>
+          <p:cNvPr id="6" name="Foliennummernplatzhalter 5"/>
+          <p:cNvSpPr>
+            <a:spLocks noGrp="1"/>
+          </p:cNvSpPr>
+          <p:nvPr>
+            <p:ph type="sldNum" sz="quarter" idx="12"/>
+          </p:nvPr>
+        </p:nvSpPr>
+        <p:spPr/>
+        <p:txBody>
+          <a:bodyPr/>
+          <a:lstStyle/>
+          <a:p>
+            <a:fld id="{02075A8B-51D4-4999-A4F2-B3FAC6295E4D}" type="slidenum">
+              <a:rPr lang="de-DE" smtClean="0"/>
+              <a:pPr/>
+              <a:t>54</a:t>
+            </a:fld>
+            <a:endParaRPr lang="de-DE"/>
+          </a:p>
+        </p:txBody>
+      </p:sp>
       <p:pic>
         <p:nvPicPr>
-          <p:cNvPr id="7" name="Grafik 6"/>
+          <p:cNvPr id="4" name="Grafik 3"/>
           <p:cNvPicPr>
             <a:picLocks noChangeAspect="1"/>
           </p:cNvPicPr>
           <p:nvPr/>
         </p:nvPicPr>
         <p:blipFill>
-          <a:blip r:embed="rId2" cstate="print">
+          <a:blip r:embed="rId2">
             <a:extLst>
-              <a:ext uri="{BEBA8EAE-BF5A-486C-A8C5-ECC9F3942E4B}">
-                <a14:imgProps xmlns:a14="http://schemas.microsoft.com/office/drawing/2010/main">
-                  <a14:imgLayer r:embed="rId3">
-                    <a14:imgEffect>
-                      <a14:artisticCrisscrossEtching trans="69000" pressure="0"/>
-                    </a14:imgEffect>
-                  </a14:imgLayer>
-                </a14:imgProps>
-              </a:ext>
               <a:ext uri="{28A0092B-C50C-407E-A947-70E740481C1C}">
                 <a14:useLocalDpi xmlns:a14="http://schemas.microsoft.com/office/drawing/2010/main" val="0"/>
               </a:ext>
@@ -16905,174 +17130,14 @@
         </p:blipFill>
         <p:spPr>
           <a:xfrm>
-            <a:off x="6847449" y="764704"/>
-            <a:ext cx="2296551" cy="1800200"/>
+            <a:off x="3635895" y="4624412"/>
+            <a:ext cx="2848743" cy="2116956"/>
           </a:xfrm>
           <a:prstGeom prst="rect">
             <a:avLst/>
           </a:prstGeom>
-          <a:effectLst>
-            <a:outerShdw blurRad="50800" sx="1000" sy="1000" algn="ctr" rotWithShape="0">
-              <a:srgbClr val="000000"/>
-            </a:outerShdw>
-          </a:effectLst>
         </p:spPr>
       </p:pic>
-      <p:sp>
-        <p:nvSpPr>
-          <p:cNvPr id="2" name="Inhaltsplatzhalter 1"/>
-          <p:cNvSpPr>
-            <a:spLocks noGrp="1"/>
-          </p:cNvSpPr>
-          <p:nvPr>
-            <p:ph idx="1"/>
-          </p:nvPr>
-        </p:nvSpPr>
-        <p:spPr/>
-        <p:txBody>
-          <a:bodyPr/>
-          <a:lstStyle/>
-          <a:p>
-            <a:r>
-              <a:rPr lang="de-DE" dirty="0" smtClean="0"/>
-              <a:t>Dreieck bildet Tetraeder mit Ursprung</a:t>
-            </a:r>
-          </a:p>
-          <a:p>
-            <a:r>
-              <a:rPr lang="de-DE" dirty="0" smtClean="0"/>
-              <a:t>Volumen von Tetraeder wird berechnet</a:t>
-            </a:r>
-          </a:p>
-          <a:p>
-            <a:r>
-              <a:rPr lang="de-DE" dirty="0" smtClean="0"/>
-              <a:t>Dreieck besteht aus P1, P2, P3 wobei jeder Punkt </a:t>
-            </a:r>
-            <a:r>
-              <a:rPr lang="de-DE" dirty="0" err="1" smtClean="0"/>
-              <a:t>Px</a:t>
-            </a:r>
-            <a:r>
-              <a:rPr lang="de-DE" dirty="0" smtClean="0"/>
-              <a:t> ein Ortsvektor ist</a:t>
-            </a:r>
-          </a:p>
-          <a:p>
-            <a:r>
-              <a:rPr lang="de-DE" dirty="0" smtClean="0"/>
-              <a:t>Volumen ist dann P1 * (P2 x P3) / 6</a:t>
-            </a:r>
-          </a:p>
-          <a:p>
-            <a:r>
-              <a:rPr lang="de-DE" dirty="0" smtClean="0"/>
-              <a:t>Volumen ist vorzeichenbehaftet je nach </a:t>
-            </a:r>
-            <a:r>
-              <a:rPr lang="de-DE" dirty="0"/>
-              <a:t>O</a:t>
-            </a:r>
-            <a:r>
-              <a:rPr lang="de-DE" dirty="0" smtClean="0"/>
-              <a:t>rientierung des </a:t>
-            </a:r>
-            <a:r>
-              <a:rPr lang="de-DE" dirty="0" err="1" smtClean="0"/>
-              <a:t>Normalenvektors</a:t>
-            </a:r>
-            <a:r>
-              <a:rPr lang="de-DE" dirty="0" smtClean="0"/>
-              <a:t> (P2 x P3)</a:t>
-            </a:r>
-          </a:p>
-          <a:p>
-            <a:r>
-              <a:rPr lang="de-DE" dirty="0" smtClean="0"/>
-              <a:t>Volumen des </a:t>
-            </a:r>
-            <a:r>
-              <a:rPr lang="de-DE" dirty="0" err="1" smtClean="0"/>
-              <a:t>Meshs</a:t>
-            </a:r>
-            <a:r>
-              <a:rPr lang="de-DE" dirty="0" smtClean="0"/>
-              <a:t> ist die Summe aller Dreiecksvolumen </a:t>
-            </a:r>
-            <a:endParaRPr lang="de-DE" dirty="0"/>
-          </a:p>
-        </p:txBody>
-      </p:sp>
-      <p:sp>
-        <p:nvSpPr>
-          <p:cNvPr id="3" name="Titel 2"/>
-          <p:cNvSpPr>
-            <a:spLocks noGrp="1"/>
-          </p:cNvSpPr>
-          <p:nvPr>
-            <p:ph type="title"/>
-          </p:nvPr>
-        </p:nvSpPr>
-        <p:spPr/>
-        <p:txBody>
-          <a:bodyPr/>
-          <a:lstStyle/>
-          <a:p>
-            <a:r>
-              <a:rPr lang="de-DE" dirty="0" smtClean="0"/>
-              <a:t>Volumenberechnung (1/2)</a:t>
-            </a:r>
-            <a:endParaRPr lang="de-DE" dirty="0"/>
-          </a:p>
-        </p:txBody>
-      </p:sp>
-      <p:sp>
-        <p:nvSpPr>
-          <p:cNvPr id="5" name="Datumsplatzhalter 4"/>
-          <p:cNvSpPr>
-            <a:spLocks noGrp="1"/>
-          </p:cNvSpPr>
-          <p:nvPr>
-            <p:ph type="dt" sz="half" idx="10"/>
-          </p:nvPr>
-        </p:nvSpPr>
-        <p:spPr/>
-        <p:txBody>
-          <a:bodyPr/>
-          <a:lstStyle/>
-          <a:p>
-            <a:r>
-              <a:rPr lang="de-DE" smtClean="0"/>
-              <a:t>23.06.2014</a:t>
-            </a:r>
-            <a:endParaRPr lang="de-DE"/>
-          </a:p>
-        </p:txBody>
-      </p:sp>
-      <p:sp>
-        <p:nvSpPr>
-          <p:cNvPr id="6" name="Foliennummernplatzhalter 5"/>
-          <p:cNvSpPr>
-            <a:spLocks noGrp="1"/>
-          </p:cNvSpPr>
-          <p:nvPr>
-            <p:ph type="sldNum" sz="quarter" idx="12"/>
-          </p:nvPr>
-        </p:nvSpPr>
-        <p:spPr/>
-        <p:txBody>
-          <a:bodyPr/>
-          <a:lstStyle/>
-          <a:p>
-            <a:fld id="{02075A8B-51D4-4999-A4F2-B3FAC6295E4D}" type="slidenum">
-              <a:rPr lang="de-DE" smtClean="0"/>
-              <a:pPr/>
-              <a:t>54</a:t>
-            </a:fld>
-            <a:endParaRPr lang="de-DE"/>
-          </a:p>
-        </p:txBody>
-      </p:sp>
     </p:spTree>
     <p:extLst>
       <p:ext uri="{BB962C8B-B14F-4D97-AF65-F5344CB8AC3E}">
@@ -21746,7 +21811,7 @@
       </p:grpSpPr>
       <p:sp>
         <p:nvSpPr>
-          <p:cNvPr id="2" name="Inhaltsplatzhalter 1"/>
+          <p:cNvPr id="2" name="Content Placeholder 1"/>
           <p:cNvSpPr>
             <a:spLocks noGrp="1"/>
           </p:cNvSpPr>
@@ -21754,49 +21819,73 @@
             <p:ph idx="1"/>
           </p:nvPr>
         </p:nvSpPr>
-        <p:spPr/>
+        <p:spPr>
+          <a:xfrm>
+            <a:off x="457200" y="1481328"/>
+            <a:ext cx="8229600" cy="4467952"/>
+          </a:xfrm>
+        </p:spPr>
         <p:txBody>
           <a:bodyPr>
-            <a:normAutofit lnSpcReduction="10000"/>
+            <a:normAutofit fontScale="85000" lnSpcReduction="20000"/>
           </a:bodyPr>
           <a:lstStyle/>
           <a:p>
             <a:r>
               <a:rPr lang="de-DE" dirty="0" smtClean="0"/>
-              <a:t>Bild auf Seite </a:t>
-            </a:r>
-            <a:r>
-              <a:rPr lang="de-DE" dirty="0" smtClean="0"/>
-              <a:t>56:</a:t>
-            </a:r>
-            <a:r>
-              <a:rPr lang="de-DE" dirty="0" smtClean="0"/>
+              <a:t>Bild auf Seite 16:</a:t>
+            </a:r>
+            <a:r>
+              <a:rPr lang="de-DE" u="sng" dirty="0" smtClean="0">
+                <a:hlinkClick r:id="rId2"/>
+              </a:rPr>
               <a:t/>
             </a:r>
             <a:br>
-              <a:rPr lang="de-DE" dirty="0" smtClean="0"/>
+              <a:rPr lang="de-DE" u="sng" dirty="0" smtClean="0">
+                <a:hlinkClick r:id="rId2"/>
+              </a:rPr>
             </a:br>
             <a:r>
-              <a:rPr lang="de-DE" dirty="0" smtClean="0">
+              <a:rPr lang="de-DE" u="sng" dirty="0" smtClean="0">
                 <a:hlinkClick r:id="rId2"/>
               </a:rPr>
               <a:t>http</a:t>
             </a:r>
             <a:r>
-              <a:rPr lang="de-DE" dirty="0">
+              <a:rPr lang="de-DE" u="sng" dirty="0">
                 <a:hlinkClick r:id="rId2"/>
               </a:rPr>
-              <a:t>://www.mynetcologne.de/~</a:t>
-            </a:r>
-            <a:r>
-              <a:rPr lang="de-DE" dirty="0" smtClean="0">
+              <a:t>://lh5.ggpht.com/-</a:t>
+            </a:r>
+            <a:r>
+              <a:rPr lang="de-DE" u="sng" dirty="0" smtClean="0">
                 <a:hlinkClick r:id="rId2"/>
               </a:rPr>
-              <a:t>nc-purschst3/garten/klima/Sonne.jpg</a:t>
-            </a:r>
-            <a:endParaRPr lang="de-DE" dirty="0" smtClean="0"/>
-          </a:p>
-          <a:p>
+              <a:t>TQoisMDRkRM/T_QLRsg2UeI/AAAAAAAAAPA/ZmbB3KCsH9g/image_thumb%2525255B13%2525255D.png%3Fimgmax%3D800</a:t>
+            </a:r>
+            <a:endParaRPr lang="de-DE" u="sng" dirty="0" smtClean="0"/>
+          </a:p>
+          <a:p>
+            <a:r>
+              <a:rPr lang="de-DE" dirty="0"/>
+              <a:t>Bild auf Seite </a:t>
+            </a:r>
+            <a:r>
+              <a:rPr lang="de-DE" dirty="0" smtClean="0"/>
+              <a:t>33 vgl:</a:t>
+            </a:r>
+            <a:r>
+              <a:rPr lang="de-DE" u="sng" dirty="0">
+                <a:hlinkClick r:id="rId2"/>
+              </a:rPr>
+              <a:t/>
+            </a:r>
+            <a:br>
+              <a:rPr lang="de-DE" u="sng" dirty="0">
+                <a:hlinkClick r:id="rId2"/>
+              </a:rPr>
+            </a:br>
             <a:r>
               <a:rPr lang="de-DE" dirty="0" smtClean="0">
                 <a:hlinkClick r:id="rId3"/>
@@ -21813,83 +21902,107 @@
               <a:rPr lang="de-DE" dirty="0" smtClean="0">
                 <a:hlinkClick r:id="rId3"/>
               </a:rPr>
-              <a:t>de.wikipedia.org/wiki/Sonnenstand</a:t>
+              <a:t>www.dma.ufg.ac.at/assets/13152/intern/konkaves.jpg</a:t>
             </a:r>
             <a:endParaRPr lang="de-DE" dirty="0" smtClean="0"/>
           </a:p>
           <a:p>
+            <a:r>
+              <a:rPr lang="de-DE" dirty="0"/>
+              <a:t>Bild auf Seite </a:t>
+            </a:r>
+            <a:r>
+              <a:rPr lang="de-DE" dirty="0" smtClean="0"/>
+              <a:t>35 vgl:</a:t>
+            </a:r>
+            <a:r>
+              <a:rPr lang="de-DE" u="sng" dirty="0">
+                <a:hlinkClick r:id="rId2"/>
+              </a:rPr>
+              <a:t/>
+            </a:r>
+            <a:br>
+              <a:rPr lang="de-DE" u="sng" dirty="0">
+                <a:hlinkClick r:id="rId2"/>
+              </a:rPr>
+            </a:br>
+            <a:r>
+              <a:rPr lang="de-DE" dirty="0" smtClean="0">
+                <a:hlinkClick r:id="rId4"/>
+              </a:rPr>
+              <a:t>http</a:t>
+            </a:r>
             <a:r>
               <a:rPr lang="de-DE" dirty="0">
                 <a:hlinkClick r:id="rId4"/>
               </a:rPr>
-              <a:t>http://</a:t>
+              <a:t>://profs.sci.univr.it/~</a:t>
             </a:r>
             <a:r>
               <a:rPr lang="de-DE" dirty="0" smtClean="0">
                 <a:hlinkClick r:id="rId4"/>
               </a:rPr>
-              <a:t>stackoverflow.com/questions/1406029/how-to-calculate-the-volume-of-a-3d-mesh-object-the-surface-of-which-is-made-up</a:t>
+              <a:t>colombar/html_openGL_tutorial/images/triangle_strips.gif</a:t>
             </a:r>
             <a:endParaRPr lang="de-DE" dirty="0" smtClean="0"/>
           </a:p>
           <a:p>
+            <a:r>
+              <a:rPr lang="de-DE" dirty="0"/>
+              <a:t>Bild auf Seite </a:t>
+            </a:r>
+            <a:r>
+              <a:rPr lang="de-DE" dirty="0" smtClean="0"/>
+              <a:t>36 vgl :</a:t>
+            </a:r>
+            <a:r>
+              <a:rPr lang="de-DE" u="sng" dirty="0">
+                <a:hlinkClick r:id="rId2"/>
+              </a:rPr>
+              <a:t/>
+            </a:r>
+            <a:br>
+              <a:rPr lang="de-DE" u="sng" dirty="0">
+                <a:hlinkClick r:id="rId2"/>
+              </a:rPr>
+            </a:br>
+            <a:r>
+              <a:rPr lang="de-DE" dirty="0" smtClean="0">
+                <a:hlinkClick r:id="rId5"/>
+              </a:rPr>
+              <a:t>http</a:t>
+            </a:r>
             <a:r>
               <a:rPr lang="de-DE" dirty="0">
                 <a:hlinkClick r:id="rId5"/>
               </a:rPr>
-              <a:t>http://www.jocl.org</a:t>
+              <a:t>://profs.sci.univr.it/~</a:t>
             </a:r>
             <a:r>
               <a:rPr lang="de-DE" dirty="0" smtClean="0">
                 <a:hlinkClick r:id="rId5"/>
               </a:rPr>
-              <a:t>/</a:t>
+              <a:t>colombar/html_openGL_tutorial/images/triangle_fans.gif</a:t>
             </a:r>
             <a:endParaRPr lang="de-DE" dirty="0" smtClean="0"/>
           </a:p>
           <a:p>
-            <a:r>
-              <a:rPr lang="de-DE" dirty="0">
-                <a:hlinkClick r:id="rId6"/>
-              </a:rPr>
-              <a:t>http://</a:t>
-            </a:r>
-            <a:r>
-              <a:rPr lang="de-DE" dirty="0" smtClean="0">
-                <a:hlinkClick r:id="rId6"/>
-              </a:rPr>
-              <a:t>www.khronos.org/registry/cl/specs/opencl-1.1.pdf</a:t>
-            </a:r>
             <a:endParaRPr lang="de-DE" dirty="0" smtClean="0"/>
           </a:p>
-        </p:txBody>
-      </p:sp>
-      <p:sp>
-        <p:nvSpPr>
-          <p:cNvPr id="3" name="Titel 2"/>
-          <p:cNvSpPr>
-            <a:spLocks noGrp="1"/>
-          </p:cNvSpPr>
-          <p:nvPr>
-            <p:ph type="title"/>
-          </p:nvPr>
-        </p:nvSpPr>
-        <p:spPr/>
-        <p:txBody>
-          <a:bodyPr/>
-          <a:lstStyle/>
-          <a:p>
-            <a:r>
-              <a:rPr lang="de-DE" dirty="0" smtClean="0"/>
-              <a:t>Quellen (1/3)</a:t>
-            </a:r>
+          <a:p>
+            <a:endParaRPr lang="de-DE" dirty="0" smtClean="0"/>
+          </a:p>
+          <a:p>
             <a:endParaRPr lang="de-DE" dirty="0"/>
           </a:p>
-        </p:txBody>
-      </p:sp>
-      <p:sp>
-        <p:nvSpPr>
-          <p:cNvPr id="4" name="Datumsplatzhalter 3"/>
+          <a:p>
+            <a:endParaRPr lang="de-DE" dirty="0"/>
+          </a:p>
+        </p:txBody>
+      </p:sp>
+      <p:sp>
+        <p:nvSpPr>
+          <p:cNvPr id="3" name="Date Placeholder 2"/>
           <p:cNvSpPr>
             <a:spLocks noGrp="1"/>
           </p:cNvSpPr>
@@ -21912,7 +22025,7 @@
       </p:sp>
       <p:sp>
         <p:nvSpPr>
-          <p:cNvPr id="5" name="Foliennummernplatzhalter 4"/>
+          <p:cNvPr id="4" name="Slide Number Placeholder 3"/>
           <p:cNvSpPr>
             <a:spLocks noGrp="1"/>
           </p:cNvSpPr>
@@ -21934,10 +22047,33 @@
           </a:p>
         </p:txBody>
       </p:sp>
+      <p:sp>
+        <p:nvSpPr>
+          <p:cNvPr id="5" name="Title 4"/>
+          <p:cNvSpPr>
+            <a:spLocks noGrp="1"/>
+          </p:cNvSpPr>
+          <p:nvPr>
+            <p:ph type="title"/>
+          </p:nvPr>
+        </p:nvSpPr>
+        <p:spPr/>
+        <p:txBody>
+          <a:bodyPr/>
+          <a:lstStyle/>
+          <a:p>
+            <a:r>
+              <a:rPr lang="de-DE" dirty="0" smtClean="0"/>
+              <a:t>Quellen (1/3)</a:t>
+            </a:r>
+            <a:endParaRPr lang="de-DE" dirty="0"/>
+          </a:p>
+        </p:txBody>
+      </p:sp>
     </p:spTree>
     <p:extLst>
       <p:ext uri="{BB962C8B-B14F-4D97-AF65-F5344CB8AC3E}">
-        <p14:creationId xmlns:p14="http://schemas.microsoft.com/office/powerpoint/2010/main" val="1704796354"/>
+        <p14:creationId xmlns:p14="http://schemas.microsoft.com/office/powerpoint/2010/main" val="1653738759"/>
       </p:ext>
     </p:extLst>
   </p:cSld>
@@ -21973,7 +22109,7 @@
       </p:grpSpPr>
       <p:sp>
         <p:nvSpPr>
-          <p:cNvPr id="2" name="Content Placeholder 1"/>
+          <p:cNvPr id="2" name="Inhaltsplatzhalter 1"/>
           <p:cNvSpPr>
             <a:spLocks noGrp="1"/>
           </p:cNvSpPr>
@@ -21981,7 +22117,12 @@
             <p:ph idx="1"/>
           </p:nvPr>
         </p:nvSpPr>
-        <p:spPr/>
+        <p:spPr>
+          <a:xfrm>
+            <a:off x="457200" y="1481328"/>
+            <a:ext cx="8229600" cy="4827992"/>
+          </a:xfrm>
+        </p:spPr>
         <p:txBody>
           <a:bodyPr>
             <a:normAutofit fontScale="85000" lnSpcReduction="20000"/>
@@ -21990,142 +22131,68 @@
           <a:p>
             <a:r>
               <a:rPr lang="de-DE" dirty="0" smtClean="0"/>
-              <a:t>Bild auf Seite 16:</a:t>
-            </a:r>
-            <a:r>
-              <a:rPr lang="de-DE" u="sng" dirty="0" smtClean="0">
-                <a:hlinkClick r:id="rId2"/>
-              </a:rPr>
-              <a:t/>
+              <a:t>Bild auf Seite 53:</a:t>
             </a:r>
             <a:br>
-              <a:rPr lang="de-DE" u="sng" dirty="0" smtClean="0">
-                <a:hlinkClick r:id="rId2"/>
-              </a:rPr>
+              <a:rPr lang="de-DE" dirty="0" smtClean="0"/>
             </a:br>
             <a:r>
-              <a:rPr lang="de-DE" u="sng" dirty="0" smtClean="0">
+              <a:rPr lang="de-DE" dirty="0" smtClean="0">
                 <a:hlinkClick r:id="rId2"/>
               </a:rPr>
               <a:t>http</a:t>
             </a:r>
             <a:r>
-              <a:rPr lang="de-DE" u="sng" dirty="0">
+              <a:rPr lang="de-DE" dirty="0">
                 <a:hlinkClick r:id="rId2"/>
               </a:rPr>
-              <a:t>://lh5.ggpht.com/-</a:t>
-            </a:r>
-            <a:r>
-              <a:rPr lang="de-DE" u="sng" dirty="0" smtClean="0">
+              <a:t>://</a:t>
+            </a:r>
+            <a:r>
+              <a:rPr lang="de-DE" dirty="0" smtClean="0">
                 <a:hlinkClick r:id="rId2"/>
               </a:rPr>
-              <a:t>TQoisMDRkRM/T_QLRsg2UeI/AAAAAAAAAPA/ZmbB3KCsH9g/image_thumb%2525255B13%2525255D.png%3Fimgmax%3D800</a:t>
-            </a:r>
-            <a:endParaRPr lang="de-DE" u="sng" dirty="0" smtClean="0"/>
-          </a:p>
-          <a:p>
-            <a:r>
-              <a:rPr lang="de-DE" dirty="0"/>
-              <a:t>Bild auf Seite </a:t>
-            </a:r>
-            <a:r>
-              <a:rPr lang="de-DE" dirty="0" smtClean="0"/>
-              <a:t>33 </a:t>
-            </a:r>
-            <a:r>
-              <a:rPr lang="de-DE" dirty="0" smtClean="0"/>
-              <a:t>vgl:</a:t>
-            </a:r>
-            <a:r>
-              <a:rPr lang="de-DE" u="sng" dirty="0">
-                <a:hlinkClick r:id="rId2"/>
+              <a:t>citydoctor.hft-stuttgart.de/Logos/CityDoctor_Logo.gif</a:t>
+            </a:r>
+            <a:endParaRPr lang="de-DE" dirty="0" smtClean="0"/>
+          </a:p>
+          <a:p>
+            <a:r>
+              <a:rPr lang="de-DE" dirty="0">
+                <a:hlinkClick r:id="rId3"/>
               </a:rPr>
-              <a:t/>
-            </a:r>
-            <a:br>
-              <a:rPr lang="de-DE" u="sng" dirty="0">
-                <a:hlinkClick r:id="rId2"/>
-              </a:rPr>
-            </a:br>
+              <a:t>http://</a:t>
+            </a:r>
             <a:r>
               <a:rPr lang="de-DE" dirty="0" smtClean="0">
                 <a:hlinkClick r:id="rId3"/>
               </a:rPr>
-              <a:t>http</a:t>
-            </a:r>
+              <a:t>en.wikipedia.org/wiki/Tetrahedron</a:t>
+            </a:r>
+            <a:endParaRPr lang="de-DE" dirty="0" smtClean="0"/>
+          </a:p>
+          <a:p>
             <a:r>
               <a:rPr lang="de-DE" dirty="0">
-                <a:hlinkClick r:id="rId3"/>
+                <a:hlinkClick r:id="rId4"/>
               </a:rPr>
-              <a:t>://</a:t>
-            </a:r>
-            <a:r>
-              <a:rPr lang="de-DE" dirty="0" smtClean="0">
-                <a:hlinkClick r:id="rId3"/>
-              </a:rPr>
-              <a:t>www.dma.ufg.ac.at/assets/13152/intern/konkaves.jpg</a:t>
-            </a:r>
-            <a:endParaRPr lang="de-DE" dirty="0" smtClean="0"/>
-          </a:p>
-          <a:p>
-            <a:r>
-              <a:rPr lang="de-DE" dirty="0"/>
-              <a:t>Bild auf Seite </a:t>
-            </a:r>
-            <a:r>
-              <a:rPr lang="de-DE" dirty="0" smtClean="0"/>
-              <a:t>35 vgl:</a:t>
-            </a:r>
-            <a:r>
-              <a:rPr lang="de-DE" u="sng" dirty="0">
-                <a:hlinkClick r:id="rId2"/>
-              </a:rPr>
-              <a:t/>
-            </a:r>
-            <a:br>
-              <a:rPr lang="de-DE" u="sng" dirty="0">
-                <a:hlinkClick r:id="rId2"/>
-              </a:rPr>
-            </a:br>
+              <a:t>http://</a:t>
+            </a:r>
             <a:r>
               <a:rPr lang="de-DE" dirty="0" smtClean="0">
                 <a:hlinkClick r:id="rId4"/>
               </a:rPr>
-              <a:t>http</a:t>
-            </a:r>
-            <a:r>
-              <a:rPr lang="de-DE" dirty="0">
-                <a:hlinkClick r:id="rId4"/>
-              </a:rPr>
-              <a:t>://profs.sci.univr.it/~</a:t>
-            </a:r>
-            <a:r>
-              <a:rPr lang="de-DE" dirty="0" smtClean="0">
-                <a:hlinkClick r:id="rId4"/>
-              </a:rPr>
-              <a:t>colombar/html_openGL_tutorial/images/triangle_strips.gif</a:t>
-            </a:r>
-            <a:endParaRPr lang="de-DE" dirty="0" smtClean="0"/>
-          </a:p>
-          <a:p>
-            <a:r>
-              <a:rPr lang="de-DE" dirty="0"/>
-              <a:t>Bild auf Seite </a:t>
-            </a:r>
-            <a:r>
-              <a:rPr lang="de-DE" dirty="0" smtClean="0"/>
-              <a:t>36 vgl :</a:t>
-            </a:r>
-            <a:r>
-              <a:rPr lang="de-DE" u="sng" dirty="0">
-                <a:hlinkClick r:id="rId2"/>
-              </a:rPr>
-              <a:t/>
+              <a:t>stackoverflow.com/questions/1406029/how-to-calculate-the-volume-of-a-3d-mesh-object-the-surface-of-which-is-made-up</a:t>
+            </a:r>
+            <a:endParaRPr lang="de-DE" dirty="0"/>
+          </a:p>
+          <a:p>
+            <a:r>
+              <a:rPr lang="de-DE" dirty="0" smtClean="0"/>
+              <a:t>Bild auf Seite 56:</a:t>
             </a:r>
             <a:br>
-              <a:rPr lang="de-DE" u="sng" dirty="0">
-                <a:hlinkClick r:id="rId2"/>
-              </a:rPr>
+              <a:rPr lang="de-DE" dirty="0" smtClean="0"/>
             </a:br>
             <a:r>
               <a:rPr lang="de-DE" dirty="0" smtClean="0">
@@ -22137,33 +22204,108 @@
               <a:rPr lang="de-DE" dirty="0">
                 <a:hlinkClick r:id="rId5"/>
               </a:rPr>
-              <a:t>://profs.sci.univr.it/~</a:t>
+              <a:t>://www.mynetcologne.de/~</a:t>
             </a:r>
             <a:r>
               <a:rPr lang="de-DE" dirty="0" smtClean="0">
                 <a:hlinkClick r:id="rId5"/>
               </a:rPr>
-              <a:t>colombar/html_openGL_tutorial/images/triangle_fans.gif</a:t>
+              <a:t>nc-purschst3/garten/klima/Sonne.jpg</a:t>
             </a:r>
             <a:endParaRPr lang="de-DE" dirty="0" smtClean="0"/>
           </a:p>
           <a:p>
+            <a:r>
+              <a:rPr lang="de-DE" dirty="0" smtClean="0"/>
+              <a:t>Bild auf Seite 66:</a:t>
+            </a:r>
+            <a:br>
+              <a:rPr lang="de-DE" dirty="0" smtClean="0"/>
+            </a:br>
+            <a:r>
+              <a:rPr lang="de-DE" dirty="0" smtClean="0">
+                <a:hlinkClick r:id="rId6"/>
+              </a:rPr>
+              <a:t>http</a:t>
+            </a:r>
+            <a:r>
+              <a:rPr lang="de-DE" dirty="0">
+                <a:hlinkClick r:id="rId6"/>
+              </a:rPr>
+              <a:t>://</a:t>
+            </a:r>
+            <a:r>
+              <a:rPr lang="de-DE" dirty="0" smtClean="0">
+                <a:hlinkClick r:id="rId6"/>
+              </a:rPr>
+              <a:t>de.wikipedia.org/wiki/Sonnenstand</a:t>
+            </a:r>
             <a:endParaRPr lang="de-DE" dirty="0" smtClean="0"/>
           </a:p>
           <a:p>
+            <a:r>
+              <a:rPr lang="de-DE" dirty="0" smtClean="0">
+                <a:hlinkClick r:id="rId7"/>
+              </a:rPr>
+              <a:t>http</a:t>
+            </a:r>
+            <a:r>
+              <a:rPr lang="de-DE" dirty="0">
+                <a:hlinkClick r:id="rId7"/>
+              </a:rPr>
+              <a:t>://www.jocl.org</a:t>
+            </a:r>
+            <a:r>
+              <a:rPr lang="de-DE" dirty="0" smtClean="0">
+                <a:hlinkClick r:id="rId7"/>
+              </a:rPr>
+              <a:t>/</a:t>
+            </a:r>
             <a:endParaRPr lang="de-DE" dirty="0" smtClean="0"/>
           </a:p>
           <a:p>
+            <a:r>
+              <a:rPr lang="de-DE" dirty="0">
+                <a:hlinkClick r:id="rId8"/>
+              </a:rPr>
+              <a:t>http://</a:t>
+            </a:r>
+            <a:r>
+              <a:rPr lang="de-DE" dirty="0" smtClean="0">
+                <a:hlinkClick r:id="rId8"/>
+              </a:rPr>
+              <a:t>www.khronos.org/registry/cl/specs/opencl-1.1.pdf</a:t>
+            </a:r>
+            <a:endParaRPr lang="de-DE" dirty="0" smtClean="0"/>
+          </a:p>
+        </p:txBody>
+      </p:sp>
+      <p:sp>
+        <p:nvSpPr>
+          <p:cNvPr id="3" name="Titel 2"/>
+          <p:cNvSpPr>
+            <a:spLocks noGrp="1"/>
+          </p:cNvSpPr>
+          <p:nvPr>
+            <p:ph type="title"/>
+          </p:nvPr>
+        </p:nvSpPr>
+        <p:spPr/>
+        <p:txBody>
+          <a:bodyPr/>
+          <a:lstStyle/>
+          <a:p>
+            <a:r>
+              <a:rPr lang="de-DE" dirty="0" smtClean="0"/>
+              <a:t>Quellen (2/3)</a:t>
+            </a:r>
             <a:endParaRPr lang="de-DE" dirty="0"/>
           </a:p>
-          <a:p>
-            <a:endParaRPr lang="de-DE" dirty="0"/>
-          </a:p>
-        </p:txBody>
-      </p:sp>
-      <p:sp>
-        <p:nvSpPr>
-          <p:cNvPr id="3" name="Date Placeholder 2"/>
+        </p:txBody>
+      </p:sp>
+      <p:sp>
+        <p:nvSpPr>
+          <p:cNvPr id="4" name="Datumsplatzhalter 3"/>
           <p:cNvSpPr>
             <a:spLocks noGrp="1"/>
           </p:cNvSpPr>
@@ -22186,7 +22328,7 @@
       </p:sp>
       <p:sp>
         <p:nvSpPr>
-          <p:cNvPr id="4" name="Slide Number Placeholder 3"/>
+          <p:cNvPr id="5" name="Foliennummernplatzhalter 4"/>
           <p:cNvSpPr>
             <a:spLocks noGrp="1"/>
           </p:cNvSpPr>
@@ -22208,33 +22350,10 @@
           </a:p>
         </p:txBody>
       </p:sp>
-      <p:sp>
-        <p:nvSpPr>
-          <p:cNvPr id="5" name="Title 4"/>
-          <p:cNvSpPr>
-            <a:spLocks noGrp="1"/>
-          </p:cNvSpPr>
-          <p:nvPr>
-            <p:ph type="title"/>
-          </p:nvPr>
-        </p:nvSpPr>
-        <p:spPr/>
-        <p:txBody>
-          <a:bodyPr/>
-          <a:lstStyle/>
-          <a:p>
-            <a:r>
-              <a:rPr lang="de-DE" dirty="0" smtClean="0"/>
-              <a:t>Quellen (2/3)</a:t>
-            </a:r>
-            <a:endParaRPr lang="de-DE" dirty="0"/>
-          </a:p>
-        </p:txBody>
-      </p:sp>
     </p:spTree>
     <p:extLst>
       <p:ext uri="{BB962C8B-B14F-4D97-AF65-F5344CB8AC3E}">
-        <p14:creationId xmlns:p14="http://schemas.microsoft.com/office/powerpoint/2010/main" val="3236726599"/>
+        <p14:creationId xmlns:p14="http://schemas.microsoft.com/office/powerpoint/2010/main" val="1982368658"/>
       </p:ext>
     </p:extLst>
   </p:cSld>
@@ -22514,29 +22633,20 @@
           <a:lstStyle/>
           <a:p>
             <a:r>
+              <a:rPr lang="de-DE" dirty="0" smtClean="0">
+                <a:hlinkClick r:id="rId2"/>
+              </a:rPr>
+              <a:t>http</a:t>
+            </a:r>
+            <a:r>
               <a:rPr lang="de-DE" dirty="0">
                 <a:hlinkClick r:id="rId2"/>
               </a:rPr>
-              <a:t>http://</a:t>
+              <a:t>://</a:t>
             </a:r>
             <a:r>
               <a:rPr lang="de-DE" dirty="0" smtClean="0">
                 <a:hlinkClick r:id="rId2"/>
-              </a:rPr>
-              <a:t>en.wikipedia.org/wiki/Tetrahedron</a:t>
-            </a:r>
-            <a:endParaRPr lang="de-DE" dirty="0" smtClean="0"/>
-          </a:p>
-          <a:p>
-            <a:r>
-              <a:rPr lang="de-DE" dirty="0">
-                <a:hlinkClick r:id="rId3"/>
-              </a:rPr>
-              <a:t>http://</a:t>
-            </a:r>
-            <a:r>
-              <a:rPr lang="de-DE" dirty="0" smtClean="0">
-                <a:hlinkClick r:id="rId3"/>
               </a:rPr>
               <a:t>www.java-tips.org/other-api-tips/jogl/polygon-tessellation-in-jogl.html</a:t>
             </a:r>
@@ -22629,7 +22739,7 @@
     </p:spTree>
     <p:extLst>
       <p:ext uri="{BB962C8B-B14F-4D97-AF65-F5344CB8AC3E}">
-        <p14:creationId xmlns:p14="http://schemas.microsoft.com/office/powerpoint/2010/main" val="295511991"/>
+        <p14:creationId xmlns:p14="http://schemas.microsoft.com/office/powerpoint/2010/main" val="851911476"/>
       </p:ext>
     </p:extLst>
   </p:cSld>

--- a/doku/präsentation nicht komplett/vCity-Präsentation.pptx
+++ b/doku/präsentation nicht komplett/vCity-Präsentation.pptx
@@ -188,7 +188,7 @@
   </p:defaultTextStyle>
   <p:extLst>
     <p:ext uri="{EFAFB233-063F-42B5-8137-9DF3F51BA10A}">
-      <p15:sldGuideLst xmlns:p15="http://schemas.microsoft.com/office/powerpoint/2012/main" xmlns="">
+      <p15:sldGuideLst xmlns="" xmlns:p15="http://schemas.microsoft.com/office/powerpoint/2012/main">
         <p15:guide id="1" orient="horz" pos="2160">
           <p15:clr>
             <a:srgbClr val="A4A3A4"/>
@@ -448,7 +448,7 @@
             <a:fld id="{B83A044C-E8EF-4CD0-9F6B-22623A7684E2}" type="slidenum">
               <a:rPr lang="de-DE" smtClean="0"/>
               <a:pPr/>
-              <a:t>‹#›</a:t>
+              <a:t>‹Nr.›</a:t>
             </a:fld>
             <a:endParaRPr lang="de-DE"/>
           </a:p>
@@ -2551,7 +2551,7 @@
             <a:fld id="{02075A8B-51D4-4999-A4F2-B3FAC6295E4D}" type="slidenum">
               <a:rPr lang="de-DE" smtClean="0"/>
               <a:pPr/>
-              <a:t>‹#›</a:t>
+              <a:t>‹Nr.›</a:t>
             </a:fld>
             <a:endParaRPr lang="de-DE" dirty="0"/>
           </a:p>
@@ -2732,7 +2732,7 @@
             <a:fld id="{02075A8B-51D4-4999-A4F2-B3FAC6295E4D}" type="slidenum">
               <a:rPr lang="de-DE" smtClean="0"/>
               <a:pPr/>
-              <a:t>‹#›</a:t>
+              <a:t>‹Nr.›</a:t>
             </a:fld>
             <a:endParaRPr lang="de-DE"/>
           </a:p>
@@ -2918,7 +2918,7 @@
             <a:fld id="{02075A8B-51D4-4999-A4F2-B3FAC6295E4D}" type="slidenum">
               <a:rPr lang="de-DE" smtClean="0"/>
               <a:pPr/>
-              <a:t>‹#›</a:t>
+              <a:t>‹Nr.›</a:t>
             </a:fld>
             <a:endParaRPr lang="de-DE"/>
           </a:p>
@@ -3069,7 +3069,7 @@
             <a:fld id="{02075A8B-51D4-4999-A4F2-B3FAC6295E4D}" type="slidenum">
               <a:rPr lang="de-DE" smtClean="0"/>
               <a:pPr/>
-              <a:t>‹#›</a:t>
+              <a:t>‹Nr.›</a:t>
             </a:fld>
             <a:endParaRPr lang="de-DE"/>
           </a:p>
@@ -3325,7 +3325,7 @@
             <a:fld id="{02075A8B-51D4-4999-A4F2-B3FAC6295E4D}" type="slidenum">
               <a:rPr lang="de-DE" smtClean="0"/>
               <a:pPr/>
-              <a:t>‹#›</a:t>
+              <a:t>‹Nr.›</a:t>
             </a:fld>
             <a:endParaRPr lang="de-DE"/>
           </a:p>
@@ -3735,7 +3735,7 @@
             <a:fld id="{02075A8B-51D4-4999-A4F2-B3FAC6295E4D}" type="slidenum">
               <a:rPr lang="de-DE" smtClean="0"/>
               <a:pPr/>
-              <a:t>‹#›</a:t>
+              <a:t>‹Nr.›</a:t>
             </a:fld>
             <a:endParaRPr lang="de-DE"/>
           </a:p>
@@ -4182,7 +4182,7 @@
             <a:fld id="{02075A8B-51D4-4999-A4F2-B3FAC6295E4D}" type="slidenum">
               <a:rPr lang="de-DE" smtClean="0"/>
               <a:pPr/>
-              <a:t>‹#›</a:t>
+              <a:t>‹Nr.›</a:t>
             </a:fld>
             <a:endParaRPr lang="de-DE"/>
           </a:p>
@@ -4284,7 +4284,7 @@
             <a:fld id="{02075A8B-51D4-4999-A4F2-B3FAC6295E4D}" type="slidenum">
               <a:rPr lang="de-DE" smtClean="0"/>
               <a:pPr/>
-              <a:t>‹#›</a:t>
+              <a:t>‹Nr.›</a:t>
             </a:fld>
             <a:endParaRPr lang="de-DE"/>
           </a:p>
@@ -4406,7 +4406,7 @@
             <a:fld id="{02075A8B-51D4-4999-A4F2-B3FAC6295E4D}" type="slidenum">
               <a:rPr lang="de-DE" smtClean="0"/>
               <a:pPr/>
-              <a:t>‹#›</a:t>
+              <a:t>‹Nr.›</a:t>
             </a:fld>
             <a:endParaRPr lang="de-DE"/>
           </a:p>
@@ -4681,7 +4681,7 @@
             <a:fld id="{02075A8B-51D4-4999-A4F2-B3FAC6295E4D}" type="slidenum">
               <a:rPr lang="de-DE" smtClean="0"/>
               <a:pPr/>
-              <a:t>‹#›</a:t>
+              <a:t>‹Nr.›</a:t>
             </a:fld>
             <a:endParaRPr lang="de-DE"/>
           </a:p>
@@ -4906,7 +4906,7 @@
             <a:fld id="{02075A8B-51D4-4999-A4F2-B3FAC6295E4D}" type="slidenum">
               <a:rPr lang="de-DE" smtClean="0"/>
               <a:pPr/>
-              <a:t>‹#›</a:t>
+              <a:t>‹Nr.›</a:t>
             </a:fld>
             <a:endParaRPr lang="de-DE"/>
           </a:p>
@@ -6027,7 +6027,7 @@
             <a:fld id="{02075A8B-51D4-4999-A4F2-B3FAC6295E4D}" type="slidenum">
               <a:rPr lang="de-DE" smtClean="0"/>
               <a:pPr/>
-              <a:t>‹#›</a:t>
+              <a:t>‹Nr.›</a:t>
             </a:fld>
             <a:endParaRPr lang="de-DE"/>
           </a:p>
@@ -8411,6 +8411,171 @@
           </a:p>
         </p:txBody>
       </p:sp>
+      <p:sp>
+        <p:nvSpPr>
+          <p:cNvPr id="11" name="Inhaltsplatzhalter 1"/>
+          <p:cNvSpPr>
+            <a:spLocks noGrp="1"/>
+          </p:cNvSpPr>
+          <p:nvPr>
+            <p:ph idx="1"/>
+          </p:nvPr>
+        </p:nvSpPr>
+        <p:spPr>
+          <a:xfrm>
+            <a:off x="3563888" y="3950943"/>
+            <a:ext cx="4824536" cy="2124483"/>
+          </a:xfrm>
+        </p:spPr>
+        <p:txBody>
+          <a:bodyPr>
+            <a:normAutofit fontScale="92500" lnSpcReduction="10000"/>
+          </a:bodyPr>
+          <a:lstStyle/>
+          <a:p>
+            <a:r>
+              <a:rPr lang="de-DE" sz="2400" dirty="0" smtClean="0"/>
+              <a:t>CityGML einlesen</a:t>
+            </a:r>
+            <a:endParaRPr lang="de-DE" sz="2400" dirty="0" smtClean="0"/>
+          </a:p>
+          <a:p>
+            <a:r>
+              <a:rPr lang="de-DE" sz="2400" dirty="0" smtClean="0"/>
+              <a:t>Koordinaten transformieren</a:t>
+            </a:r>
+          </a:p>
+          <a:p>
+            <a:r>
+              <a:rPr lang="de-DE" sz="2400" dirty="0" smtClean="0"/>
+              <a:t>Polygone-&gt;Vertices umwandeln</a:t>
+            </a:r>
+          </a:p>
+          <a:p>
+            <a:pPr marL="109728" indent="0">
+              <a:buNone/>
+            </a:pPr>
+            <a:r>
+              <a:rPr lang="de-DE" sz="2400" dirty="0"/>
+              <a:t> </a:t>
+            </a:r>
+            <a:r>
+              <a:rPr lang="de-DE" sz="2400" dirty="0" smtClean="0"/>
+              <a:t>          </a:t>
+            </a:r>
+          </a:p>
+          <a:p>
+            <a:pPr marL="109728" indent="0">
+              <a:buNone/>
+            </a:pPr>
+            <a:r>
+              <a:rPr lang="de-DE" sz="2400" dirty="0"/>
+              <a:t>	</a:t>
+            </a:r>
+            <a:r>
+              <a:rPr lang="de-DE" sz="2400" dirty="0" smtClean="0"/>
+              <a:t>Building Objekt</a:t>
+            </a:r>
+            <a:endParaRPr lang="de-DE" dirty="0"/>
+          </a:p>
+        </p:txBody>
+      </p:sp>
+      <p:sp>
+        <p:nvSpPr>
+          <p:cNvPr id="2" name="Abgerundetes Rechteck 1"/>
+          <p:cNvSpPr/>
+          <p:nvPr/>
+        </p:nvSpPr>
+        <p:spPr>
+          <a:xfrm>
+            <a:off x="4211960" y="5474067"/>
+            <a:ext cx="2880320" cy="619229"/>
+          </a:xfrm>
+          <a:prstGeom prst="roundRect">
+            <a:avLst/>
+          </a:prstGeom>
+          <a:noFill/>
+        </p:spPr>
+        <p:style>
+          <a:lnRef idx="2">
+            <a:schemeClr val="accent1">
+              <a:shade val="50000"/>
+            </a:schemeClr>
+          </a:lnRef>
+          <a:fillRef idx="1">
+            <a:schemeClr val="accent1"/>
+          </a:fillRef>
+          <a:effectRef idx="0">
+            <a:schemeClr val="accent1"/>
+          </a:effectRef>
+          <a:fontRef idx="minor">
+            <a:schemeClr val="lt1"/>
+          </a:fontRef>
+        </p:style>
+        <p:txBody>
+          <a:bodyPr rtlCol="0" anchor="ctr"/>
+          <a:lstStyle/>
+          <a:p>
+            <a:pPr algn="ctr"/>
+            <a:endParaRPr lang="de-DE">
+              <a:solidFill>
+                <a:schemeClr val="accent1">
+                  <a:lumMod val="40000"/>
+                  <a:lumOff val="60000"/>
+                </a:schemeClr>
+              </a:solidFill>
+            </a:endParaRPr>
+          </a:p>
+        </p:txBody>
+      </p:sp>
+      <p:sp>
+        <p:nvSpPr>
+          <p:cNvPr id="12" name="Abgerundetes Rechteck 11"/>
+          <p:cNvSpPr/>
+          <p:nvPr/>
+        </p:nvSpPr>
+        <p:spPr>
+          <a:xfrm>
+            <a:off x="4211960" y="5625334"/>
+            <a:ext cx="2880320" cy="619229"/>
+          </a:xfrm>
+          <a:prstGeom prst="roundRect">
+            <a:avLst/>
+          </a:prstGeom>
+          <a:noFill/>
+        </p:spPr>
+        <p:style>
+          <a:lnRef idx="2">
+            <a:schemeClr val="accent1">
+              <a:shade val="50000"/>
+            </a:schemeClr>
+          </a:lnRef>
+          <a:fillRef idx="1">
+            <a:schemeClr val="accent1"/>
+          </a:fillRef>
+          <a:effectRef idx="0">
+            <a:schemeClr val="accent1"/>
+          </a:effectRef>
+          <a:fontRef idx="minor">
+            <a:schemeClr val="lt1"/>
+          </a:fontRef>
+        </p:style>
+        <p:txBody>
+          <a:bodyPr rtlCol="0" anchor="ctr"/>
+          <a:lstStyle/>
+          <a:p>
+            <a:pPr algn="ctr"/>
+            <a:endParaRPr lang="de-DE">
+              <a:solidFill>
+                <a:schemeClr val="accent1">
+                  <a:lumMod val="40000"/>
+                  <a:lumOff val="60000"/>
+                </a:schemeClr>
+              </a:solidFill>
+            </a:endParaRPr>
+          </a:p>
+        </p:txBody>
+      </p:sp>
     </p:spTree>
     <p:extLst>
       <p:ext uri="{BB962C8B-B14F-4D97-AF65-F5344CB8AC3E}">
@@ -8582,7 +8747,7 @@
         </p:blipFill>
         <p:spPr>
           <a:xfrm>
-            <a:off x="3236686" y="4180217"/>
+            <a:off x="3149012" y="3865006"/>
             <a:ext cx="5643736" cy="663666"/>
           </a:xfrm>
           <a:prstGeom prst="rect">
@@ -8590,6 +8755,261 @@
           </a:prstGeom>
         </p:spPr>
       </p:pic>
+      <p:sp>
+        <p:nvSpPr>
+          <p:cNvPr id="9" name="Inhaltsplatzhalter 1"/>
+          <p:cNvSpPr>
+            <a:spLocks noGrp="1"/>
+          </p:cNvSpPr>
+          <p:nvPr>
+            <p:ph idx="1"/>
+          </p:nvPr>
+        </p:nvSpPr>
+        <p:spPr>
+          <a:xfrm>
+            <a:off x="457200" y="2564904"/>
+            <a:ext cx="5601478" cy="1872208"/>
+          </a:xfrm>
+        </p:spPr>
+        <p:txBody>
+          <a:bodyPr>
+            <a:normAutofit/>
+          </a:bodyPr>
+          <a:lstStyle/>
+          <a:p>
+            <a:r>
+              <a:rPr lang="de-DE" sz="2400" dirty="0" smtClean="0"/>
+              <a:t>Verwendet JOGL-Bibliothek</a:t>
+            </a:r>
+            <a:endParaRPr lang="de-DE" sz="2400" dirty="0" smtClean="0"/>
+          </a:p>
+          <a:p>
+            <a:r>
+              <a:rPr lang="de-DE" sz="2400" dirty="0" smtClean="0"/>
+              <a:t>Triangulierung per tessellator</a:t>
+            </a:r>
+          </a:p>
+          <a:p>
+            <a:r>
+              <a:rPr lang="de-DE" dirty="0" smtClean="0"/>
+              <a:t>Dreiecke in ein ArrayList speichern</a:t>
+            </a:r>
+            <a:endParaRPr lang="de-DE" dirty="0"/>
+          </a:p>
+        </p:txBody>
+      </p:sp>
+      <p:sp>
+        <p:nvSpPr>
+          <p:cNvPr id="10" name="Inhaltsplatzhalter 1"/>
+          <p:cNvSpPr txBox="1">
+            <a:spLocks/>
+          </p:cNvSpPr>
+          <p:nvPr/>
+        </p:nvSpPr>
+        <p:spPr>
+          <a:xfrm>
+            <a:off x="457200" y="4627116"/>
+            <a:ext cx="7643192" cy="1872208"/>
+          </a:xfrm>
+          <a:prstGeom prst="rect">
+            <a:avLst/>
+          </a:prstGeom>
+        </p:spPr>
+        <p:txBody>
+          <a:bodyPr vert="horz">
+            <a:normAutofit/>
+          </a:bodyPr>
+          <a:lstStyle>
+            <a:lvl1pPr marL="365760" indent="-256032" algn="l" rtl="0" eaLnBrk="1" latinLnBrk="0" hangingPunct="1">
+              <a:spcBef>
+                <a:spcPts val="400"/>
+              </a:spcBef>
+              <a:spcAft>
+                <a:spcPts val="0"/>
+              </a:spcAft>
+              <a:buClr>
+                <a:schemeClr val="accent1"/>
+              </a:buClr>
+              <a:buSzPct val="68000"/>
+              <a:buFont typeface="Wingdings 3"/>
+              <a:buChar char=""/>
+              <a:defRPr kumimoji="0" sz="2700" kern="1200">
+                <a:solidFill>
+                  <a:schemeClr val="tx1"/>
+                </a:solidFill>
+                <a:latin typeface="+mn-lt"/>
+                <a:ea typeface="+mn-ea"/>
+                <a:cs typeface="+mn-cs"/>
+              </a:defRPr>
+            </a:lvl1pPr>
+            <a:lvl2pPr marL="621792" indent="-228600" algn="l" rtl="0" eaLnBrk="1" latinLnBrk="0" hangingPunct="1">
+              <a:spcBef>
+                <a:spcPts val="324"/>
+              </a:spcBef>
+              <a:buClr>
+                <a:schemeClr val="accent1"/>
+              </a:buClr>
+              <a:buFont typeface="Verdana"/>
+              <a:buChar char="◦"/>
+              <a:defRPr kumimoji="0" sz="2300" kern="1200">
+                <a:solidFill>
+                  <a:schemeClr val="tx1"/>
+                </a:solidFill>
+                <a:latin typeface="+mn-lt"/>
+                <a:ea typeface="+mn-ea"/>
+                <a:cs typeface="+mn-cs"/>
+              </a:defRPr>
+            </a:lvl2pPr>
+            <a:lvl3pPr marL="859536" indent="-228600" algn="l" rtl="0" eaLnBrk="1" latinLnBrk="0" hangingPunct="1">
+              <a:spcBef>
+                <a:spcPts val="350"/>
+              </a:spcBef>
+              <a:buClr>
+                <a:schemeClr val="accent2"/>
+              </a:buClr>
+              <a:buSzPct val="100000"/>
+              <a:buFont typeface="Wingdings 2"/>
+              <a:buChar char=""/>
+              <a:defRPr kumimoji="0" sz="2100" kern="1200">
+                <a:solidFill>
+                  <a:schemeClr val="tx1"/>
+                </a:solidFill>
+                <a:latin typeface="+mn-lt"/>
+                <a:ea typeface="+mn-ea"/>
+                <a:cs typeface="+mn-cs"/>
+              </a:defRPr>
+            </a:lvl3pPr>
+            <a:lvl4pPr marL="1143000" indent="-228600" algn="l" rtl="0" eaLnBrk="1" latinLnBrk="0" hangingPunct="1">
+              <a:spcBef>
+                <a:spcPts val="350"/>
+              </a:spcBef>
+              <a:buClr>
+                <a:schemeClr val="accent2"/>
+              </a:buClr>
+              <a:buFont typeface="Wingdings 2"/>
+              <a:buChar char=""/>
+              <a:defRPr kumimoji="0" sz="1900" kern="1200">
+                <a:solidFill>
+                  <a:schemeClr val="tx1"/>
+                </a:solidFill>
+                <a:latin typeface="+mn-lt"/>
+                <a:ea typeface="+mn-ea"/>
+                <a:cs typeface="+mn-cs"/>
+              </a:defRPr>
+            </a:lvl4pPr>
+            <a:lvl5pPr marL="1371600" indent="-228600" algn="l" rtl="0" eaLnBrk="1" latinLnBrk="0" hangingPunct="1">
+              <a:spcBef>
+                <a:spcPts val="350"/>
+              </a:spcBef>
+              <a:buClr>
+                <a:schemeClr val="accent2"/>
+              </a:buClr>
+              <a:buFont typeface="Wingdings 2"/>
+              <a:buChar char=""/>
+              <a:defRPr kumimoji="0" sz="1800" kern="1200">
+                <a:solidFill>
+                  <a:schemeClr val="tx1"/>
+                </a:solidFill>
+                <a:latin typeface="+mn-lt"/>
+                <a:ea typeface="+mn-ea"/>
+                <a:cs typeface="+mn-cs"/>
+              </a:defRPr>
+            </a:lvl5pPr>
+            <a:lvl6pPr marL="1600200" indent="-228600" algn="l" rtl="0" eaLnBrk="1" latinLnBrk="0" hangingPunct="1">
+              <a:spcBef>
+                <a:spcPts val="350"/>
+              </a:spcBef>
+              <a:buClr>
+                <a:schemeClr val="accent3"/>
+              </a:buClr>
+              <a:buFont typeface="Wingdings 2"/>
+              <a:buChar char=""/>
+              <a:defRPr kumimoji="0" sz="1800" kern="1200">
+                <a:solidFill>
+                  <a:schemeClr val="tx1"/>
+                </a:solidFill>
+                <a:latin typeface="+mn-lt"/>
+                <a:ea typeface="+mn-ea"/>
+                <a:cs typeface="+mn-cs"/>
+              </a:defRPr>
+            </a:lvl6pPr>
+            <a:lvl7pPr marL="1828800" indent="-228600" algn="l" rtl="0" eaLnBrk="1" latinLnBrk="0" hangingPunct="1">
+              <a:spcBef>
+                <a:spcPts val="350"/>
+              </a:spcBef>
+              <a:buClr>
+                <a:schemeClr val="accent3"/>
+              </a:buClr>
+              <a:buFont typeface="Wingdings 2"/>
+              <a:buChar char=""/>
+              <a:defRPr kumimoji="0" sz="1600" kern="1200">
+                <a:solidFill>
+                  <a:schemeClr val="tx1"/>
+                </a:solidFill>
+                <a:latin typeface="+mn-lt"/>
+                <a:ea typeface="+mn-ea"/>
+                <a:cs typeface="+mn-cs"/>
+              </a:defRPr>
+            </a:lvl7pPr>
+            <a:lvl8pPr marL="2057400" indent="-228600" algn="l" rtl="0" eaLnBrk="1" latinLnBrk="0" hangingPunct="1">
+              <a:spcBef>
+                <a:spcPts val="350"/>
+              </a:spcBef>
+              <a:buClr>
+                <a:schemeClr val="accent3"/>
+              </a:buClr>
+              <a:buFont typeface="Wingdings 2"/>
+              <a:buChar char=""/>
+              <a:defRPr kumimoji="0" sz="1600" kern="1200">
+                <a:solidFill>
+                  <a:schemeClr val="tx1"/>
+                </a:solidFill>
+                <a:latin typeface="+mn-lt"/>
+                <a:ea typeface="+mn-ea"/>
+                <a:cs typeface="+mn-cs"/>
+              </a:defRPr>
+            </a:lvl8pPr>
+            <a:lvl9pPr marL="2286000" indent="-228600" algn="l" rtl="0" eaLnBrk="1" latinLnBrk="0" hangingPunct="1">
+              <a:spcBef>
+                <a:spcPts val="350"/>
+              </a:spcBef>
+              <a:buClr>
+                <a:schemeClr val="accent3"/>
+              </a:buClr>
+              <a:buFont typeface="Wingdings 2"/>
+              <a:buChar char=""/>
+              <a:defRPr kumimoji="0" sz="1600" kern="1200" baseline="0">
+                <a:solidFill>
+                  <a:schemeClr val="tx1"/>
+                </a:solidFill>
+                <a:latin typeface="+mn-lt"/>
+                <a:ea typeface="+mn-ea"/>
+                <a:cs typeface="+mn-cs"/>
+              </a:defRPr>
+            </a:lvl9pPr>
+            <a:extLst/>
+          </a:lstStyle>
+          <a:p>
+            <a:r>
+              <a:rPr lang="de-DE" sz="2400" dirty="0" smtClean="0"/>
+              <a:t>Wandle Koordinaten so um, dass sie näher am Ursprung des Koordinatensystems liegen</a:t>
+            </a:r>
+          </a:p>
+          <a:p>
+            <a:r>
+              <a:rPr lang="de-DE" sz="2400" dirty="0"/>
+              <a:t> </a:t>
+            </a:r>
+            <a:r>
+              <a:rPr lang="de-DE" sz="2400" dirty="0" smtClean="0"/>
+              <a:t>Neue Koordinaten in ein ArrayList weitergeben</a:t>
+            </a:r>
+          </a:p>
+          <a:p>
+            <a:endParaRPr lang="de-DE" dirty="0"/>
+          </a:p>
+        </p:txBody>
+      </p:sp>
     </p:spTree>
     <p:extLst>
       <p:ext uri="{BB962C8B-B14F-4D97-AF65-F5344CB8AC3E}">
@@ -8894,6 +9314,109 @@
           </a:prstGeom>
         </p:spPr>
       </p:pic>
+      <p:sp>
+        <p:nvSpPr>
+          <p:cNvPr id="6" name="Inhaltsplatzhalter 1"/>
+          <p:cNvSpPr>
+            <a:spLocks noGrp="1"/>
+          </p:cNvSpPr>
+          <p:nvPr>
+            <p:ph idx="1"/>
+          </p:nvPr>
+        </p:nvSpPr>
+        <p:spPr>
+          <a:xfrm>
+            <a:off x="1259632" y="3356992"/>
+            <a:ext cx="7776864" cy="2808312"/>
+          </a:xfrm>
+        </p:spPr>
+        <p:txBody>
+          <a:bodyPr>
+            <a:normAutofit fontScale="92500" lnSpcReduction="20000"/>
+          </a:bodyPr>
+          <a:lstStyle/>
+          <a:p>
+            <a:r>
+              <a:rPr lang="de-DE" sz="2400" dirty="0" smtClean="0"/>
+              <a:t>Verwendet GLU Bibliothek und erbt von GLUTessellatorCallbackAdapter</a:t>
+            </a:r>
+          </a:p>
+          <a:p>
+            <a:pPr marL="109728" indent="0">
+              <a:buNone/>
+            </a:pPr>
+            <a:endParaRPr lang="de-DE" sz="2400" dirty="0" smtClean="0"/>
+          </a:p>
+          <a:p>
+            <a:pPr marL="109728" indent="0">
+              <a:buNone/>
+            </a:pPr>
+            <a:r>
+              <a:rPr lang="de-DE" sz="2400" dirty="0" smtClean="0"/>
+              <a:t>Callback-Routinen </a:t>
+            </a:r>
+            <a:r>
+              <a:rPr lang="de-DE" sz="2400" dirty="0"/>
+              <a:t>bei der </a:t>
+            </a:r>
+            <a:r>
+              <a:rPr lang="de-DE" sz="2400" dirty="0" smtClean="0"/>
+              <a:t>Tessellierung</a:t>
+            </a:r>
+            <a:endParaRPr lang="de-DE" sz="2400" dirty="0"/>
+          </a:p>
+          <a:p>
+            <a:r>
+              <a:rPr lang="de-DE" sz="2400" dirty="0" smtClean="0"/>
+              <a:t>Beim </a:t>
+            </a:r>
+            <a:r>
+              <a:rPr lang="de-DE" sz="2400" dirty="0"/>
+              <a:t>Auftreten der Ereignisse</a:t>
+            </a:r>
+          </a:p>
+          <a:p>
+            <a:r>
+              <a:rPr lang="de-DE" sz="2400" dirty="0" smtClean="0"/>
+              <a:t>Beginn </a:t>
+            </a:r>
+            <a:r>
+              <a:rPr lang="de-DE" sz="2400" dirty="0"/>
+              <a:t>und Ende eines </a:t>
+            </a:r>
+            <a:r>
+              <a:rPr lang="de-DE" sz="2400" dirty="0" smtClean="0"/>
+              <a:t>Polygons</a:t>
+            </a:r>
+            <a:endParaRPr lang="de-DE" sz="2400" dirty="0"/>
+          </a:p>
+          <a:p>
+            <a:r>
+              <a:rPr lang="de-DE" sz="2400" dirty="0" smtClean="0"/>
+              <a:t>Spezifikation </a:t>
+            </a:r>
+            <a:r>
+              <a:rPr lang="de-DE" sz="2400" dirty="0"/>
+              <a:t>einer Ecke</a:t>
+            </a:r>
+          </a:p>
+          <a:p>
+            <a:r>
+              <a:rPr lang="de-DE" sz="2400" dirty="0" smtClean="0"/>
+              <a:t>Selbstdurchdringung </a:t>
+            </a:r>
+            <a:r>
+              <a:rPr lang="de-DE" sz="2400" dirty="0"/>
+              <a:t>eines </a:t>
+            </a:r>
+            <a:r>
+              <a:rPr lang="de-DE" sz="2400" dirty="0" smtClean="0"/>
+              <a:t>Polygons</a:t>
+            </a:r>
+            <a:endParaRPr lang="de-DE" sz="2400" dirty="0"/>
+          </a:p>
+        </p:txBody>
+      </p:sp>
     </p:spTree>
     <p:extLst>
       <p:ext uri="{BB962C8B-B14F-4D97-AF65-F5344CB8AC3E}">
@@ -9024,6 +9547,89 @@
           <a:xfrm>
             <a:off x="731640" y="2276872"/>
             <a:ext cx="2721915" cy="2562880"/>
+          </a:xfrm>
+          <a:prstGeom prst="rect">
+            <a:avLst/>
+          </a:prstGeom>
+        </p:spPr>
+      </p:pic>
+      <p:sp>
+        <p:nvSpPr>
+          <p:cNvPr id="6" name="Inhaltsplatzhalter 1"/>
+          <p:cNvSpPr>
+            <a:spLocks noGrp="1"/>
+          </p:cNvSpPr>
+          <p:nvPr>
+            <p:ph idx="1"/>
+          </p:nvPr>
+        </p:nvSpPr>
+        <p:spPr>
+          <a:xfrm>
+            <a:off x="3851920" y="1484784"/>
+            <a:ext cx="4608512" cy="2736304"/>
+          </a:xfrm>
+        </p:spPr>
+        <p:txBody>
+          <a:bodyPr>
+            <a:normAutofit lnSpcReduction="10000"/>
+          </a:bodyPr>
+          <a:lstStyle/>
+          <a:p>
+            <a:r>
+              <a:rPr lang="de-DE" sz="2400" dirty="0" smtClean="0"/>
+              <a:t>Sammlung gewonnener Vertices</a:t>
+            </a:r>
+          </a:p>
+          <a:p>
+            <a:r>
+              <a:rPr lang="de-DE" sz="2400" dirty="0" smtClean="0"/>
+              <a:t>Erstellung der Dreiecke/</a:t>
+            </a:r>
+            <a:r>
+              <a:rPr lang="de-DE" sz="2400" dirty="0" err="1" smtClean="0"/>
+              <a:t>Triangles</a:t>
+            </a:r>
+            <a:r>
+              <a:rPr lang="de-DE" sz="2400" dirty="0" smtClean="0"/>
+              <a:t> für die spätere Nutzung</a:t>
+            </a:r>
+          </a:p>
+          <a:p>
+            <a:r>
+              <a:rPr lang="de-DE" sz="2400" dirty="0" smtClean="0"/>
+              <a:t>Orientierung gegen die Uhrzeigersinn</a:t>
+            </a:r>
+            <a:endParaRPr lang="de-DE" sz="2400" dirty="0" smtClean="0"/>
+          </a:p>
+          <a:p>
+            <a:endParaRPr lang="de-DE" dirty="0"/>
+          </a:p>
+        </p:txBody>
+      </p:sp>
+      <p:pic>
+        <p:nvPicPr>
+          <p:cNvPr id="2" name="Grafik 1"/>
+          <p:cNvPicPr>
+            <a:picLocks noChangeAspect="1"/>
+          </p:cNvPicPr>
+          <p:nvPr/>
+        </p:nvPicPr>
+        <p:blipFill>
+          <a:blip r:embed="rId3">
+            <a:extLst>
+              <a:ext uri="{28A0092B-C50C-407E-A947-70E740481C1C}">
+                <a14:useLocalDpi xmlns:a14="http://schemas.microsoft.com/office/drawing/2010/main" val="0"/>
+              </a:ext>
+            </a:extLst>
+          </a:blip>
+          <a:stretch>
+            <a:fillRect/>
+          </a:stretch>
+        </p:blipFill>
+        <p:spPr>
+          <a:xfrm>
+            <a:off x="6534844" y="3230612"/>
+            <a:ext cx="2438400" cy="2438400"/>
           </a:xfrm>
           <a:prstGeom prst="rect">
             <a:avLst/>
@@ -9139,13 +9745,13 @@
       </p:sp>
       <p:pic>
         <p:nvPicPr>
-          <p:cNvPr id="8" name="Grafik 7"/>
+          <p:cNvPr id="2" name="Grafik 1"/>
           <p:cNvPicPr>
             <a:picLocks noChangeAspect="1"/>
           </p:cNvPicPr>
           <p:nvPr/>
         </p:nvPicPr>
-        <p:blipFill rotWithShape="1">
+        <p:blipFill>
           <a:blip r:embed="rId2">
             <a:extLst>
               <a:ext uri="{28A0092B-C50C-407E-A947-70E740481C1C}">
@@ -9153,13 +9759,14 @@
               </a:ext>
             </a:extLst>
           </a:blip>
-          <a:srcRect l="43026" t="41061" r="19393" b="46667"/>
-          <a:stretch/>
+          <a:stretch>
+            <a:fillRect/>
+          </a:stretch>
         </p:blipFill>
         <p:spPr>
           <a:xfrm>
-            <a:off x="352252" y="1484784"/>
-            <a:ext cx="3744416" cy="1172543"/>
+            <a:off x="539551" y="1412776"/>
+            <a:ext cx="4536505" cy="1440160"/>
           </a:xfrm>
           <a:prstGeom prst="rect">
             <a:avLst/>
@@ -9168,33 +9775,495 @@
       </p:pic>
       <p:pic>
         <p:nvPicPr>
-          <p:cNvPr id="9" name="Grafik 8"/>
+          <p:cNvPr id="6" name="Grafik 5"/>
           <p:cNvPicPr>
             <a:picLocks noChangeAspect="1"/>
           </p:cNvPicPr>
           <p:nvPr/>
         </p:nvPicPr>
-        <p:blipFill rotWithShape="1">
-          <a:blip r:embed="rId2">
+        <p:blipFill>
+          <a:blip r:embed="rId3">
             <a:extLst>
               <a:ext uri="{28A0092B-C50C-407E-A947-70E740481C1C}">
                 <a14:useLocalDpi xmlns:a14="http://schemas.microsoft.com/office/drawing/2010/main" val="0"/>
               </a:ext>
             </a:extLst>
           </a:blip>
-          <a:srcRect l="46702" t="68283" r="11067" b="17980"/>
-          <a:stretch/>
+          <a:stretch>
+            <a:fillRect/>
+          </a:stretch>
         </p:blipFill>
         <p:spPr>
           <a:xfrm>
-            <a:off x="4716016" y="4653136"/>
-            <a:ext cx="3785722" cy="1180867"/>
+            <a:off x="539551" y="4075007"/>
+            <a:ext cx="4088965" cy="1300257"/>
           </a:xfrm>
           <a:prstGeom prst="rect">
             <a:avLst/>
           </a:prstGeom>
         </p:spPr>
       </p:pic>
+      <p:sp>
+        <p:nvSpPr>
+          <p:cNvPr id="10" name="Inhaltsplatzhalter 1"/>
+          <p:cNvSpPr txBox="1">
+            <a:spLocks/>
+          </p:cNvSpPr>
+          <p:nvPr/>
+        </p:nvSpPr>
+        <p:spPr>
+          <a:xfrm>
+            <a:off x="5094312" y="1440852"/>
+            <a:ext cx="4081103" cy="1412084"/>
+          </a:xfrm>
+          <a:prstGeom prst="rect">
+            <a:avLst/>
+          </a:prstGeom>
+        </p:spPr>
+        <p:txBody>
+          <a:bodyPr vert="horz">
+            <a:normAutofit fontScale="92500" lnSpcReduction="10000"/>
+          </a:bodyPr>
+          <a:lstStyle>
+            <a:lvl1pPr marL="365760" indent="-256032" algn="l" rtl="0" eaLnBrk="1" latinLnBrk="0" hangingPunct="1">
+              <a:spcBef>
+                <a:spcPts val="400"/>
+              </a:spcBef>
+              <a:spcAft>
+                <a:spcPts val="0"/>
+              </a:spcAft>
+              <a:buClr>
+                <a:schemeClr val="accent1"/>
+              </a:buClr>
+              <a:buSzPct val="68000"/>
+              <a:buFont typeface="Wingdings 3"/>
+              <a:buChar char=""/>
+              <a:defRPr kumimoji="0" sz="2700" kern="1200">
+                <a:solidFill>
+                  <a:schemeClr val="tx1"/>
+                </a:solidFill>
+                <a:latin typeface="+mn-lt"/>
+                <a:ea typeface="+mn-ea"/>
+                <a:cs typeface="+mn-cs"/>
+              </a:defRPr>
+            </a:lvl1pPr>
+            <a:lvl2pPr marL="621792" indent="-228600" algn="l" rtl="0" eaLnBrk="1" latinLnBrk="0" hangingPunct="1">
+              <a:spcBef>
+                <a:spcPts val="324"/>
+              </a:spcBef>
+              <a:buClr>
+                <a:schemeClr val="accent1"/>
+              </a:buClr>
+              <a:buFont typeface="Verdana"/>
+              <a:buChar char="◦"/>
+              <a:defRPr kumimoji="0" sz="2300" kern="1200">
+                <a:solidFill>
+                  <a:schemeClr val="tx1"/>
+                </a:solidFill>
+                <a:latin typeface="+mn-lt"/>
+                <a:ea typeface="+mn-ea"/>
+                <a:cs typeface="+mn-cs"/>
+              </a:defRPr>
+            </a:lvl2pPr>
+            <a:lvl3pPr marL="859536" indent="-228600" algn="l" rtl="0" eaLnBrk="1" latinLnBrk="0" hangingPunct="1">
+              <a:spcBef>
+                <a:spcPts val="350"/>
+              </a:spcBef>
+              <a:buClr>
+                <a:schemeClr val="accent2"/>
+              </a:buClr>
+              <a:buSzPct val="100000"/>
+              <a:buFont typeface="Wingdings 2"/>
+              <a:buChar char=""/>
+              <a:defRPr kumimoji="0" sz="2100" kern="1200">
+                <a:solidFill>
+                  <a:schemeClr val="tx1"/>
+                </a:solidFill>
+                <a:latin typeface="+mn-lt"/>
+                <a:ea typeface="+mn-ea"/>
+                <a:cs typeface="+mn-cs"/>
+              </a:defRPr>
+            </a:lvl3pPr>
+            <a:lvl4pPr marL="1143000" indent="-228600" algn="l" rtl="0" eaLnBrk="1" latinLnBrk="0" hangingPunct="1">
+              <a:spcBef>
+                <a:spcPts val="350"/>
+              </a:spcBef>
+              <a:buClr>
+                <a:schemeClr val="accent2"/>
+              </a:buClr>
+              <a:buFont typeface="Wingdings 2"/>
+              <a:buChar char=""/>
+              <a:defRPr kumimoji="0" sz="1900" kern="1200">
+                <a:solidFill>
+                  <a:schemeClr val="tx1"/>
+                </a:solidFill>
+                <a:latin typeface="+mn-lt"/>
+                <a:ea typeface="+mn-ea"/>
+                <a:cs typeface="+mn-cs"/>
+              </a:defRPr>
+            </a:lvl4pPr>
+            <a:lvl5pPr marL="1371600" indent="-228600" algn="l" rtl="0" eaLnBrk="1" latinLnBrk="0" hangingPunct="1">
+              <a:spcBef>
+                <a:spcPts val="350"/>
+              </a:spcBef>
+              <a:buClr>
+                <a:schemeClr val="accent2"/>
+              </a:buClr>
+              <a:buFont typeface="Wingdings 2"/>
+              <a:buChar char=""/>
+              <a:defRPr kumimoji="0" sz="1800" kern="1200">
+                <a:solidFill>
+                  <a:schemeClr val="tx1"/>
+                </a:solidFill>
+                <a:latin typeface="+mn-lt"/>
+                <a:ea typeface="+mn-ea"/>
+                <a:cs typeface="+mn-cs"/>
+              </a:defRPr>
+            </a:lvl5pPr>
+            <a:lvl6pPr marL="1600200" indent="-228600" algn="l" rtl="0" eaLnBrk="1" latinLnBrk="0" hangingPunct="1">
+              <a:spcBef>
+                <a:spcPts val="350"/>
+              </a:spcBef>
+              <a:buClr>
+                <a:schemeClr val="accent3"/>
+              </a:buClr>
+              <a:buFont typeface="Wingdings 2"/>
+              <a:buChar char=""/>
+              <a:defRPr kumimoji="0" sz="1800" kern="1200">
+                <a:solidFill>
+                  <a:schemeClr val="tx1"/>
+                </a:solidFill>
+                <a:latin typeface="+mn-lt"/>
+                <a:ea typeface="+mn-ea"/>
+                <a:cs typeface="+mn-cs"/>
+              </a:defRPr>
+            </a:lvl6pPr>
+            <a:lvl7pPr marL="1828800" indent="-228600" algn="l" rtl="0" eaLnBrk="1" latinLnBrk="0" hangingPunct="1">
+              <a:spcBef>
+                <a:spcPts val="350"/>
+              </a:spcBef>
+              <a:buClr>
+                <a:schemeClr val="accent3"/>
+              </a:buClr>
+              <a:buFont typeface="Wingdings 2"/>
+              <a:buChar char=""/>
+              <a:defRPr kumimoji="0" sz="1600" kern="1200">
+                <a:solidFill>
+                  <a:schemeClr val="tx1"/>
+                </a:solidFill>
+                <a:latin typeface="+mn-lt"/>
+                <a:ea typeface="+mn-ea"/>
+                <a:cs typeface="+mn-cs"/>
+              </a:defRPr>
+            </a:lvl7pPr>
+            <a:lvl8pPr marL="2057400" indent="-228600" algn="l" rtl="0" eaLnBrk="1" latinLnBrk="0" hangingPunct="1">
+              <a:spcBef>
+                <a:spcPts val="350"/>
+              </a:spcBef>
+              <a:buClr>
+                <a:schemeClr val="accent3"/>
+              </a:buClr>
+              <a:buFont typeface="Wingdings 2"/>
+              <a:buChar char=""/>
+              <a:defRPr kumimoji="0" sz="1600" kern="1200">
+                <a:solidFill>
+                  <a:schemeClr val="tx1"/>
+                </a:solidFill>
+                <a:latin typeface="+mn-lt"/>
+                <a:ea typeface="+mn-ea"/>
+                <a:cs typeface="+mn-cs"/>
+              </a:defRPr>
+            </a:lvl8pPr>
+            <a:lvl9pPr marL="2286000" indent="-228600" algn="l" rtl="0" eaLnBrk="1" latinLnBrk="0" hangingPunct="1">
+              <a:spcBef>
+                <a:spcPts val="350"/>
+              </a:spcBef>
+              <a:buClr>
+                <a:schemeClr val="accent3"/>
+              </a:buClr>
+              <a:buFont typeface="Wingdings 2"/>
+              <a:buChar char=""/>
+              <a:defRPr kumimoji="0" sz="1600" kern="1200" baseline="0">
+                <a:solidFill>
+                  <a:schemeClr val="tx1"/>
+                </a:solidFill>
+                <a:latin typeface="+mn-lt"/>
+                <a:ea typeface="+mn-ea"/>
+                <a:cs typeface="+mn-cs"/>
+              </a:defRPr>
+            </a:lvl9pPr>
+            <a:extLst/>
+          </a:lstStyle>
+          <a:p>
+            <a:r>
+              <a:rPr lang="de-DE" sz="2400" dirty="0" smtClean="0"/>
+              <a:t>Daten in ein </a:t>
+            </a:r>
+            <a:r>
+              <a:rPr lang="de-DE" sz="2400" dirty="0" err="1" smtClean="0"/>
+              <a:t>csv</a:t>
+            </a:r>
+            <a:r>
+              <a:rPr lang="de-DE" sz="2400" dirty="0" smtClean="0"/>
+              <a:t>, </a:t>
+            </a:r>
+            <a:r>
+              <a:rPr lang="de-DE" sz="2400" dirty="0" err="1" smtClean="0"/>
+              <a:t>xml</a:t>
+            </a:r>
+            <a:r>
+              <a:rPr lang="de-DE" sz="2400" dirty="0" smtClean="0"/>
+              <a:t> oder </a:t>
+            </a:r>
+            <a:r>
+              <a:rPr lang="de-DE" sz="2400" dirty="0" err="1" smtClean="0"/>
+              <a:t>cgml</a:t>
+            </a:r>
+            <a:r>
+              <a:rPr lang="de-DE" sz="2400" dirty="0" smtClean="0"/>
+              <a:t> Datei exportieren</a:t>
+            </a:r>
+          </a:p>
+          <a:p>
+            <a:r>
+              <a:rPr lang="de-DE" sz="2400" dirty="0" smtClean="0"/>
+              <a:t>Enthält ID und Volume </a:t>
+            </a:r>
+          </a:p>
+          <a:p>
+            <a:endParaRPr lang="de-DE" sz="2400" dirty="0" smtClean="0"/>
+          </a:p>
+          <a:p>
+            <a:endParaRPr lang="de-DE" dirty="0"/>
+          </a:p>
+        </p:txBody>
+      </p:sp>
+      <p:sp>
+        <p:nvSpPr>
+          <p:cNvPr id="11" name="Inhaltsplatzhalter 1"/>
+          <p:cNvSpPr txBox="1">
+            <a:spLocks/>
+          </p:cNvSpPr>
+          <p:nvPr/>
+        </p:nvSpPr>
+        <p:spPr>
+          <a:xfrm>
+            <a:off x="4654536" y="3963180"/>
+            <a:ext cx="4231395" cy="1412084"/>
+          </a:xfrm>
+          <a:prstGeom prst="rect">
+            <a:avLst/>
+          </a:prstGeom>
+        </p:spPr>
+        <p:txBody>
+          <a:bodyPr vert="horz">
+            <a:normAutofit fontScale="85000" lnSpcReduction="10000"/>
+          </a:bodyPr>
+          <a:lstStyle>
+            <a:lvl1pPr marL="365760" indent="-256032" algn="l" rtl="0" eaLnBrk="1" latinLnBrk="0" hangingPunct="1">
+              <a:spcBef>
+                <a:spcPts val="400"/>
+              </a:spcBef>
+              <a:spcAft>
+                <a:spcPts val="0"/>
+              </a:spcAft>
+              <a:buClr>
+                <a:schemeClr val="accent1"/>
+              </a:buClr>
+              <a:buSzPct val="68000"/>
+              <a:buFont typeface="Wingdings 3"/>
+              <a:buChar char=""/>
+              <a:defRPr kumimoji="0" sz="2700" kern="1200">
+                <a:solidFill>
+                  <a:schemeClr val="tx1"/>
+                </a:solidFill>
+                <a:latin typeface="+mn-lt"/>
+                <a:ea typeface="+mn-ea"/>
+                <a:cs typeface="+mn-cs"/>
+              </a:defRPr>
+            </a:lvl1pPr>
+            <a:lvl2pPr marL="621792" indent="-228600" algn="l" rtl="0" eaLnBrk="1" latinLnBrk="0" hangingPunct="1">
+              <a:spcBef>
+                <a:spcPts val="324"/>
+              </a:spcBef>
+              <a:buClr>
+                <a:schemeClr val="accent1"/>
+              </a:buClr>
+              <a:buFont typeface="Verdana"/>
+              <a:buChar char="◦"/>
+              <a:defRPr kumimoji="0" sz="2300" kern="1200">
+                <a:solidFill>
+                  <a:schemeClr val="tx1"/>
+                </a:solidFill>
+                <a:latin typeface="+mn-lt"/>
+                <a:ea typeface="+mn-ea"/>
+                <a:cs typeface="+mn-cs"/>
+              </a:defRPr>
+            </a:lvl2pPr>
+            <a:lvl3pPr marL="859536" indent="-228600" algn="l" rtl="0" eaLnBrk="1" latinLnBrk="0" hangingPunct="1">
+              <a:spcBef>
+                <a:spcPts val="350"/>
+              </a:spcBef>
+              <a:buClr>
+                <a:schemeClr val="accent2"/>
+              </a:buClr>
+              <a:buSzPct val="100000"/>
+              <a:buFont typeface="Wingdings 2"/>
+              <a:buChar char=""/>
+              <a:defRPr kumimoji="0" sz="2100" kern="1200">
+                <a:solidFill>
+                  <a:schemeClr val="tx1"/>
+                </a:solidFill>
+                <a:latin typeface="+mn-lt"/>
+                <a:ea typeface="+mn-ea"/>
+                <a:cs typeface="+mn-cs"/>
+              </a:defRPr>
+            </a:lvl3pPr>
+            <a:lvl4pPr marL="1143000" indent="-228600" algn="l" rtl="0" eaLnBrk="1" latinLnBrk="0" hangingPunct="1">
+              <a:spcBef>
+                <a:spcPts val="350"/>
+              </a:spcBef>
+              <a:buClr>
+                <a:schemeClr val="accent2"/>
+              </a:buClr>
+              <a:buFont typeface="Wingdings 2"/>
+              <a:buChar char=""/>
+              <a:defRPr kumimoji="0" sz="1900" kern="1200">
+                <a:solidFill>
+                  <a:schemeClr val="tx1"/>
+                </a:solidFill>
+                <a:latin typeface="+mn-lt"/>
+                <a:ea typeface="+mn-ea"/>
+                <a:cs typeface="+mn-cs"/>
+              </a:defRPr>
+            </a:lvl4pPr>
+            <a:lvl5pPr marL="1371600" indent="-228600" algn="l" rtl="0" eaLnBrk="1" latinLnBrk="0" hangingPunct="1">
+              <a:spcBef>
+                <a:spcPts val="350"/>
+              </a:spcBef>
+              <a:buClr>
+                <a:schemeClr val="accent2"/>
+              </a:buClr>
+              <a:buFont typeface="Wingdings 2"/>
+              <a:buChar char=""/>
+              <a:defRPr kumimoji="0" sz="1800" kern="1200">
+                <a:solidFill>
+                  <a:schemeClr val="tx1"/>
+                </a:solidFill>
+                <a:latin typeface="+mn-lt"/>
+                <a:ea typeface="+mn-ea"/>
+                <a:cs typeface="+mn-cs"/>
+              </a:defRPr>
+            </a:lvl5pPr>
+            <a:lvl6pPr marL="1600200" indent="-228600" algn="l" rtl="0" eaLnBrk="1" latinLnBrk="0" hangingPunct="1">
+              <a:spcBef>
+                <a:spcPts val="350"/>
+              </a:spcBef>
+              <a:buClr>
+                <a:schemeClr val="accent3"/>
+              </a:buClr>
+              <a:buFont typeface="Wingdings 2"/>
+              <a:buChar char=""/>
+              <a:defRPr kumimoji="0" sz="1800" kern="1200">
+                <a:solidFill>
+                  <a:schemeClr val="tx1"/>
+                </a:solidFill>
+                <a:latin typeface="+mn-lt"/>
+                <a:ea typeface="+mn-ea"/>
+                <a:cs typeface="+mn-cs"/>
+              </a:defRPr>
+            </a:lvl6pPr>
+            <a:lvl7pPr marL="1828800" indent="-228600" algn="l" rtl="0" eaLnBrk="1" latinLnBrk="0" hangingPunct="1">
+              <a:spcBef>
+                <a:spcPts val="350"/>
+              </a:spcBef>
+              <a:buClr>
+                <a:schemeClr val="accent3"/>
+              </a:buClr>
+              <a:buFont typeface="Wingdings 2"/>
+              <a:buChar char=""/>
+              <a:defRPr kumimoji="0" sz="1600" kern="1200">
+                <a:solidFill>
+                  <a:schemeClr val="tx1"/>
+                </a:solidFill>
+                <a:latin typeface="+mn-lt"/>
+                <a:ea typeface="+mn-ea"/>
+                <a:cs typeface="+mn-cs"/>
+              </a:defRPr>
+            </a:lvl7pPr>
+            <a:lvl8pPr marL="2057400" indent="-228600" algn="l" rtl="0" eaLnBrk="1" latinLnBrk="0" hangingPunct="1">
+              <a:spcBef>
+                <a:spcPts val="350"/>
+              </a:spcBef>
+              <a:buClr>
+                <a:schemeClr val="accent3"/>
+              </a:buClr>
+              <a:buFont typeface="Wingdings 2"/>
+              <a:buChar char=""/>
+              <a:defRPr kumimoji="0" sz="1600" kern="1200">
+                <a:solidFill>
+                  <a:schemeClr val="tx1"/>
+                </a:solidFill>
+                <a:latin typeface="+mn-lt"/>
+                <a:ea typeface="+mn-ea"/>
+                <a:cs typeface="+mn-cs"/>
+              </a:defRPr>
+            </a:lvl8pPr>
+            <a:lvl9pPr marL="2286000" indent="-228600" algn="l" rtl="0" eaLnBrk="1" latinLnBrk="0" hangingPunct="1">
+              <a:spcBef>
+                <a:spcPts val="350"/>
+              </a:spcBef>
+              <a:buClr>
+                <a:schemeClr val="accent3"/>
+              </a:buClr>
+              <a:buFont typeface="Wingdings 2"/>
+              <a:buChar char=""/>
+              <a:defRPr kumimoji="0" sz="1600" kern="1200" baseline="0">
+                <a:solidFill>
+                  <a:schemeClr val="tx1"/>
+                </a:solidFill>
+                <a:latin typeface="+mn-lt"/>
+                <a:ea typeface="+mn-ea"/>
+                <a:cs typeface="+mn-cs"/>
+              </a:defRPr>
+            </a:lvl9pPr>
+            <a:extLst/>
+          </a:lstStyle>
+          <a:p>
+            <a:r>
+              <a:rPr lang="de-DE" sz="2400" dirty="0" smtClean="0"/>
+              <a:t>Datei einlesen</a:t>
+            </a:r>
+          </a:p>
+          <a:p>
+            <a:r>
+              <a:rPr lang="de-DE" sz="2400" dirty="0" smtClean="0"/>
+              <a:t>Koordinaten transformieren</a:t>
+            </a:r>
+          </a:p>
+          <a:p>
+            <a:r>
+              <a:rPr lang="de-DE" sz="2400" dirty="0" smtClean="0"/>
+              <a:t>Polygone -&gt;Vertices</a:t>
+            </a:r>
+          </a:p>
+          <a:p>
+            <a:r>
+              <a:rPr lang="de-DE" sz="2400" dirty="0" smtClean="0"/>
+              <a:t>Building Objects erstellen </a:t>
+            </a:r>
+          </a:p>
+          <a:p>
+            <a:endParaRPr lang="de-DE" sz="2400" dirty="0" smtClean="0"/>
+          </a:p>
+          <a:p>
+            <a:endParaRPr lang="de-DE" sz="2400" dirty="0" smtClean="0"/>
+          </a:p>
+          <a:p>
+            <a:endParaRPr lang="de-DE" dirty="0"/>
+          </a:p>
+        </p:txBody>
+      </p:sp>
     </p:spTree>
     <p:extLst>
       <p:ext uri="{BB962C8B-B14F-4D97-AF65-F5344CB8AC3E}">
@@ -9886,15 +10955,7 @@
           <a:p>
             <a:r>
               <a:rPr lang="de-DE" dirty="0" smtClean="0"/>
-              <a:t>Durchgeführt </a:t>
-            </a:r>
-            <a:r>
-              <a:rPr lang="de-DE" dirty="0" smtClean="0"/>
-              <a:t>mithilfe homogener </a:t>
-            </a:r>
-            <a:r>
-              <a:rPr lang="de-DE" dirty="0" smtClean="0"/>
-              <a:t>Koordinaten</a:t>
+              <a:t>Durchgeführt mithilfe homogener Koordinaten</a:t>
             </a:r>
           </a:p>
           <a:p>
@@ -11175,11 +12236,7 @@
           <a:p>
             <a:r>
               <a:rPr lang="de-DE" dirty="0" smtClean="0"/>
-              <a:t>Wird </a:t>
-            </a:r>
-            <a:r>
-              <a:rPr lang="de-DE" dirty="0" smtClean="0"/>
-              <a:t>benötigt um konkave Polygone zeichnen zu können</a:t>
+              <a:t>Wird benötigt um konkave Polygone zeichnen zu können</a:t>
             </a:r>
           </a:p>
           <a:p>
@@ -21763,15 +22820,7 @@
           <a:p>
             <a:r>
               <a:rPr lang="de-DE" dirty="0" smtClean="0"/>
-              <a:t>Bild auf Seite </a:t>
-            </a:r>
-            <a:r>
-              <a:rPr lang="de-DE" dirty="0" smtClean="0"/>
-              <a:t>56:</a:t>
-            </a:r>
-            <a:r>
-              <a:rPr lang="de-DE" dirty="0" smtClean="0"/>
-              <a:t/>
+              <a:t>Bild auf Seite 56:</a:t>
             </a:r>
             <a:br>
               <a:rPr lang="de-DE" dirty="0" smtClean="0"/>
@@ -22030,11 +23079,7 @@
             </a:r>
             <a:r>
               <a:rPr lang="de-DE" dirty="0" smtClean="0"/>
-              <a:t>33 </a:t>
-            </a:r>
-            <a:r>
-              <a:rPr lang="de-DE" dirty="0" smtClean="0"/>
-              <a:t>vgl:</a:t>
+              <a:t>33 vgl:</a:t>
             </a:r>
             <a:r>
               <a:rPr lang="de-DE" u="sng" dirty="0">

--- a/doku/präsentation nicht komplett/vCity-Präsentation.pptx
+++ b/doku/präsentation nicht komplett/vCity-Präsentation.pptx
@@ -188,7 +188,7 @@
   </p:defaultTextStyle>
   <p:extLst>
     <p:ext uri="{EFAFB233-063F-42B5-8137-9DF3F51BA10A}">
-      <p15:sldGuideLst xmlns="" xmlns:p15="http://schemas.microsoft.com/office/powerpoint/2012/main">
+      <p15:sldGuideLst xmlns:p15="http://schemas.microsoft.com/office/powerpoint/2012/main" xmlns="">
         <p15:guide id="1" orient="horz" pos="2160">
           <p15:clr>
             <a:srgbClr val="A4A3A4"/>
@@ -8437,7 +8437,6 @@
               <a:rPr lang="de-DE" sz="2400" dirty="0" smtClean="0"/>
               <a:t>CityGML einlesen</a:t>
             </a:r>
-            <a:endParaRPr lang="de-DE" sz="2400" dirty="0" smtClean="0"/>
           </a:p>
           <a:p>
             <a:r>
@@ -8781,7 +8780,6 @@
               <a:rPr lang="de-DE" sz="2400" dirty="0" smtClean="0"/>
               <a:t>Verwendet JOGL-Bibliothek</a:t>
             </a:r>
-            <a:endParaRPr lang="de-DE" sz="2400" dirty="0" smtClean="0"/>
           </a:p>
           <a:p>
             <a:r>
@@ -9597,9 +9595,20 @@
           <a:p>
             <a:r>
               <a:rPr lang="de-DE" sz="2400" dirty="0" smtClean="0"/>
-              <a:t>Orientierung gegen die Uhrzeigersinn</a:t>
-            </a:r>
-            <a:endParaRPr lang="de-DE" sz="2400" dirty="0" smtClean="0"/>
+              <a:t>Orientierung </a:t>
+            </a:r>
+            <a:r>
+              <a:rPr lang="de-DE" sz="2400" smtClean="0"/>
+              <a:t>gegen </a:t>
+            </a:r>
+            <a:r>
+              <a:rPr lang="de-DE" sz="2400" smtClean="0"/>
+              <a:t>den </a:t>
+            </a:r>
+            <a:r>
+              <a:rPr lang="de-DE" sz="2400" dirty="0" smtClean="0"/>
+              <a:t>Uhrzeigersinn</a:t>
+            </a:r>
           </a:p>
           <a:p>
             <a:endParaRPr lang="de-DE" dirty="0"/>

--- a/doku/präsentation nicht komplett/vCity-Präsentation.pptx
+++ b/doku/präsentation nicht komplett/vCity-Präsentation.pptx
@@ -188,7 +188,7 @@
   </p:defaultTextStyle>
   <p:extLst>
     <p:ext uri="{EFAFB233-063F-42B5-8137-9DF3F51BA10A}">
-      <p15:sldGuideLst xmlns:p15="http://schemas.microsoft.com/office/powerpoint/2012/main" xmlns="">
+      <p15:sldGuideLst xmlns="" xmlns:p15="http://schemas.microsoft.com/office/powerpoint/2012/main">
         <p15:guide id="1" orient="horz" pos="2160">
           <p15:clr>
             <a:srgbClr val="A4A3A4"/>
@@ -8790,7 +8790,15 @@
           <a:p>
             <a:r>
               <a:rPr lang="de-DE" dirty="0" smtClean="0"/>
-              <a:t>Dreiecke in ein ArrayList speichern</a:t>
+              <a:t>Dreiecke in </a:t>
+            </a:r>
+            <a:r>
+              <a:rPr lang="de-DE" dirty="0" smtClean="0"/>
+              <a:t>einer </a:t>
+            </a:r>
+            <a:r>
+              <a:rPr lang="de-DE" dirty="0" smtClean="0"/>
+              <a:t>ArrayList speichern</a:t>
             </a:r>
             <a:endParaRPr lang="de-DE" dirty="0"/>
           </a:p>
@@ -9000,7 +9008,15 @@
             </a:r>
             <a:r>
               <a:rPr lang="de-DE" sz="2400" dirty="0" smtClean="0"/>
-              <a:t>Neue Koordinaten in ein ArrayList weitergeben</a:t>
+              <a:t>Neue Koordinaten in </a:t>
+            </a:r>
+            <a:r>
+              <a:rPr lang="de-DE" sz="2400" dirty="0" smtClean="0"/>
+              <a:t>eine </a:t>
+            </a:r>
+            <a:r>
+              <a:rPr lang="de-DE" sz="2400" dirty="0" smtClean="0"/>
+              <a:t>ArrayList weitergeben</a:t>
             </a:r>
           </a:p>
           <a:p>
@@ -9599,11 +9615,7 @@
             </a:r>
             <a:r>
               <a:rPr lang="de-DE" sz="2400" smtClean="0"/>
-              <a:t>gegen </a:t>
-            </a:r>
-            <a:r>
-              <a:rPr lang="de-DE" sz="2400" smtClean="0"/>
-              <a:t>den </a:t>
+              <a:t>gegen den </a:t>
             </a:r>
             <a:r>
               <a:rPr lang="de-DE" sz="2400" dirty="0" smtClean="0"/>
@@ -10912,6 +10924,13 @@
   <p:clrMapOvr>
     <a:masterClrMapping/>
   </p:clrMapOvr>
+  <p:timing>
+    <p:tnLst>
+      <p:par>
+        <p:cTn id="1" dur="indefinite" restart="never" nodeType="tmRoot"/>
+      </p:par>
+    </p:tnLst>
+  </p:timing>
 </p:sld>
 </file>
 
@@ -13583,7 +13602,11 @@
           <a:p>
             <a:r>
               <a:rPr lang="de-DE" dirty="0" smtClean="0"/>
-              <a:t>Dreiecke haben den gleichen Startpunkt und die Seiten sind miteinander Verbunden</a:t>
+              <a:t>Dreiecke haben den gleichen Startpunkt und die Seiten sind miteinander </a:t>
+            </a:r>
+            <a:r>
+              <a:rPr lang="de-DE" dirty="0" smtClean="0"/>
+              <a:t>verbunden</a:t>
             </a:r>
             <a:endParaRPr lang="de-DE" dirty="0"/>
           </a:p>
@@ -19938,7 +19961,11 @@
           <a:p>
             <a:r>
               <a:rPr lang="de-DE" dirty="0" smtClean="0"/>
-              <a:t>Speicher alles auf die Grafikkarte und starte die Berechnung</a:t>
+              <a:t>Speichere </a:t>
+            </a:r>
+            <a:r>
+              <a:rPr lang="de-DE" dirty="0" smtClean="0"/>
+              <a:t>alles auf die Grafikkarte und starte die Berechnung</a:t>
             </a:r>
             <a:endParaRPr lang="de-DE" dirty="0"/>
           </a:p>
